--- a/Report notes/GDL_PorosityDistribution.pptx
+++ b/Report notes/GDL_PorosityDistribution.pptx
@@ -5,8 +5,13 @@
     <p:sldMasterId id="2147483660" r:id="rId1"/>
   </p:sldMasterIdLst>
   <p:sldIdLst>
-    <p:sldId id="256" r:id="rId2"/>
-    <p:sldId id="257" r:id="rId3"/>
+    <p:sldId id="258" r:id="rId2"/>
+    <p:sldId id="259" r:id="rId3"/>
+    <p:sldId id="262" r:id="rId4"/>
+    <p:sldId id="260" r:id="rId5"/>
+    <p:sldId id="261" r:id="rId6"/>
+    <p:sldId id="256" r:id="rId7"/>
+    <p:sldId id="257" r:id="rId8"/>
   </p:sldIdLst>
   <p:sldSz cx="9144000" cy="6858000" type="screen4x3"/>
   <p:notesSz cx="6858000" cy="9144000"/>
@@ -244,7 +249,7 @@
           <a:p>
             <a:fld id="{0D931F99-1544-4821-BA39-7D82BFF6D049}" type="datetimeFigureOut">
               <a:rPr lang="zh-CN" altLang="en-US" smtClean="0"/>
-              <a:t>2019/4/25</a:t>
+              <a:t>2019/5/13</a:t>
             </a:fld>
             <a:endParaRPr lang="zh-CN" altLang="en-US"/>
           </a:p>
@@ -414,7 +419,7 @@
           <a:p>
             <a:fld id="{0D931F99-1544-4821-BA39-7D82BFF6D049}" type="datetimeFigureOut">
               <a:rPr lang="zh-CN" altLang="en-US" smtClean="0"/>
-              <a:t>2019/4/25</a:t>
+              <a:t>2019/5/13</a:t>
             </a:fld>
             <a:endParaRPr lang="zh-CN" altLang="en-US"/>
           </a:p>
@@ -594,7 +599,7 @@
           <a:p>
             <a:fld id="{0D931F99-1544-4821-BA39-7D82BFF6D049}" type="datetimeFigureOut">
               <a:rPr lang="zh-CN" altLang="en-US" smtClean="0"/>
-              <a:t>2019/4/25</a:t>
+              <a:t>2019/5/13</a:t>
             </a:fld>
             <a:endParaRPr lang="zh-CN" altLang="en-US"/>
           </a:p>
@@ -764,7 +769,7 @@
           <a:p>
             <a:fld id="{0D931F99-1544-4821-BA39-7D82BFF6D049}" type="datetimeFigureOut">
               <a:rPr lang="zh-CN" altLang="en-US" smtClean="0"/>
-              <a:t>2019/4/25</a:t>
+              <a:t>2019/5/13</a:t>
             </a:fld>
             <a:endParaRPr lang="zh-CN" altLang="en-US"/>
           </a:p>
@@ -1008,7 +1013,7 @@
           <a:p>
             <a:fld id="{0D931F99-1544-4821-BA39-7D82BFF6D049}" type="datetimeFigureOut">
               <a:rPr lang="zh-CN" altLang="en-US" smtClean="0"/>
-              <a:t>2019/4/25</a:t>
+              <a:t>2019/5/13</a:t>
             </a:fld>
             <a:endParaRPr lang="zh-CN" altLang="en-US"/>
           </a:p>
@@ -1240,7 +1245,7 @@
           <a:p>
             <a:fld id="{0D931F99-1544-4821-BA39-7D82BFF6D049}" type="datetimeFigureOut">
               <a:rPr lang="zh-CN" altLang="en-US" smtClean="0"/>
-              <a:t>2019/4/25</a:t>
+              <a:t>2019/5/13</a:t>
             </a:fld>
             <a:endParaRPr lang="zh-CN" altLang="en-US"/>
           </a:p>
@@ -1607,7 +1612,7 @@
           <a:p>
             <a:fld id="{0D931F99-1544-4821-BA39-7D82BFF6D049}" type="datetimeFigureOut">
               <a:rPr lang="zh-CN" altLang="en-US" smtClean="0"/>
-              <a:t>2019/4/25</a:t>
+              <a:t>2019/5/13</a:t>
             </a:fld>
             <a:endParaRPr lang="zh-CN" altLang="en-US"/>
           </a:p>
@@ -1725,7 +1730,7 @@
           <a:p>
             <a:fld id="{0D931F99-1544-4821-BA39-7D82BFF6D049}" type="datetimeFigureOut">
               <a:rPr lang="zh-CN" altLang="en-US" smtClean="0"/>
-              <a:t>2019/4/25</a:t>
+              <a:t>2019/5/13</a:t>
             </a:fld>
             <a:endParaRPr lang="zh-CN" altLang="en-US"/>
           </a:p>
@@ -1820,7 +1825,7 @@
           <a:p>
             <a:fld id="{0D931F99-1544-4821-BA39-7D82BFF6D049}" type="datetimeFigureOut">
               <a:rPr lang="zh-CN" altLang="en-US" smtClean="0"/>
-              <a:t>2019/4/25</a:t>
+              <a:t>2019/5/13</a:t>
             </a:fld>
             <a:endParaRPr lang="zh-CN" altLang="en-US"/>
           </a:p>
@@ -2097,7 +2102,7 @@
           <a:p>
             <a:fld id="{0D931F99-1544-4821-BA39-7D82BFF6D049}" type="datetimeFigureOut">
               <a:rPr lang="zh-CN" altLang="en-US" smtClean="0"/>
-              <a:t>2019/4/25</a:t>
+              <a:t>2019/5/13</a:t>
             </a:fld>
             <a:endParaRPr lang="zh-CN" altLang="en-US"/>
           </a:p>
@@ -2354,7 +2359,7 @@
           <a:p>
             <a:fld id="{0D931F99-1544-4821-BA39-7D82BFF6D049}" type="datetimeFigureOut">
               <a:rPr lang="zh-CN" altLang="en-US" smtClean="0"/>
-              <a:t>2019/4/25</a:t>
+              <a:t>2019/5/13</a:t>
             </a:fld>
             <a:endParaRPr lang="zh-CN" altLang="en-US"/>
           </a:p>
@@ -2567,7 +2572,7 @@
           <a:p>
             <a:fld id="{0D931F99-1544-4821-BA39-7D82BFF6D049}" type="datetimeFigureOut">
               <a:rPr lang="zh-CN" altLang="en-US" smtClean="0"/>
-              <a:t>2019/4/25</a:t>
+              <a:t>2019/5/13</a:t>
             </a:fld>
             <a:endParaRPr lang="zh-CN" altLang="en-US"/>
           </a:p>
@@ -2974,422 +2979,9041 @@
       </p:grpSpPr>
       <p:sp>
         <p:nvSpPr>
-          <p:cNvPr id="2" name="文本框 1"/>
-          <p:cNvSpPr txBox="1"/>
+          <p:cNvPr id="15" name="内容占位符 2"/>
+          <p:cNvSpPr txBox="1">
+            <a:spLocks/>
+          </p:cNvSpPr>
           <p:nvPr/>
         </p:nvSpPr>
-        <p:spPr>
+        <p:spPr bwMode="auto">
           <a:xfrm>
-            <a:off x="205740" y="297180"/>
-            <a:ext cx="7109460" cy="830997"/>
+            <a:off x="73025" y="4618038"/>
+            <a:ext cx="9001125" cy="2184400"/>
           </a:xfrm>
           <a:prstGeom prst="rect">
             <a:avLst/>
           </a:prstGeom>
           <a:noFill/>
+          <a:ln w="19050">
+            <a:solidFill>
+              <a:schemeClr val="accent1"/>
+            </a:solidFill>
+            <a:prstDash val="lgDash"/>
+            <a:miter lim="800000"/>
+            <a:headEnd/>
+            <a:tailEnd/>
+          </a:ln>
+          <a:extLst>
+            <a:ext uri="{909E8E84-426E-40DD-AFC4-6F175D3DCCD1}">
+              <a14:hiddenFill xmlns:a14="http://schemas.microsoft.com/office/drawing/2010/main">
+                <a:solidFill>
+                  <a:srgbClr val="FFFFFF"/>
+                </a:solidFill>
+              </a14:hiddenFill>
+            </a:ext>
+          </a:extLst>
         </p:spPr>
         <p:txBody>
-          <a:bodyPr wrap="square" rtlCol="0">
-            <a:spAutoFit/>
-          </a:bodyPr>
-          <a:lstStyle/>
-          <a:p>
-            <a:r>
-              <a:rPr lang="zh-CN" altLang="en-US" sz="2400" b="1" dirty="0" smtClean="0">
-                <a:latin typeface="微软雅黑" panose="020B0503020204020204" pitchFamily="34" charset="-122"/>
-                <a:ea typeface="微软雅黑" panose="020B0503020204020204" pitchFamily="34" charset="-122"/>
-              </a:rPr>
-              <a:t>发现</a:t>
-            </a:r>
-            <a:r>
-              <a:rPr lang="en-US" altLang="zh-CN" sz="2400" b="1" dirty="0" smtClean="0">
-                <a:latin typeface="微软雅黑" panose="020B0503020204020204" pitchFamily="34" charset="-122"/>
-                <a:ea typeface="微软雅黑" panose="020B0503020204020204" pitchFamily="34" charset="-122"/>
-              </a:rPr>
-              <a:t>1</a:t>
-            </a:r>
-            <a:r>
-              <a:rPr lang="zh-CN" altLang="en-US" sz="2400" b="1" dirty="0" smtClean="0">
-                <a:latin typeface="微软雅黑" panose="020B0503020204020204" pitchFamily="34" charset="-122"/>
-                <a:ea typeface="微软雅黑" panose="020B0503020204020204" pitchFamily="34" charset="-122"/>
-              </a:rPr>
-              <a:t>：不同电流密度，减小</a:t>
-            </a:r>
-            <a:r>
-              <a:rPr lang="zh-CN" altLang="en-US" sz="2400" b="1" dirty="0">
-                <a:latin typeface="微软雅黑" panose="020B0503020204020204" pitchFamily="34" charset="-122"/>
-                <a:ea typeface="微软雅黑" panose="020B0503020204020204" pitchFamily="34" charset="-122"/>
-              </a:rPr>
-              <a:t>阴极</a:t>
-            </a:r>
-            <a:r>
-              <a:rPr lang="zh-CN" altLang="en-US" sz="2400" b="1" dirty="0" smtClean="0">
-                <a:latin typeface="微软雅黑" panose="020B0503020204020204" pitchFamily="34" charset="-122"/>
-                <a:ea typeface="微软雅黑" panose="020B0503020204020204" pitchFamily="34" charset="-122"/>
-              </a:rPr>
-              <a:t>入口处的</a:t>
-            </a:r>
-            <a:r>
-              <a:rPr lang="en-US" altLang="zh-CN" sz="2400" b="1" dirty="0" smtClean="0">
-                <a:latin typeface="微软雅黑" panose="020B0503020204020204" pitchFamily="34" charset="-122"/>
-                <a:ea typeface="微软雅黑" panose="020B0503020204020204" pitchFamily="34" charset="-122"/>
-              </a:rPr>
-              <a:t>GDL</a:t>
-            </a:r>
-            <a:r>
-              <a:rPr lang="zh-CN" altLang="en-US" sz="2400" b="1" dirty="0" smtClean="0">
-                <a:latin typeface="微软雅黑" panose="020B0503020204020204" pitchFamily="34" charset="-122"/>
-                <a:ea typeface="微软雅黑" panose="020B0503020204020204" pitchFamily="34" charset="-122"/>
-              </a:rPr>
-              <a:t>孔隙率对水传输和电化学反应速率的影响不同</a:t>
-            </a:r>
-            <a:endParaRPr lang="en-US" altLang="zh-CN" sz="2400" b="1" dirty="0" smtClean="0">
+          <a:bodyPr/>
+          <a:lstStyle>
+            <a:lvl1pPr>
+              <a:spcBef>
+                <a:spcPct val="20000"/>
+              </a:spcBef>
+              <a:buFont typeface="Arial" panose="020B0604020202020204" pitchFamily="34" charset="0"/>
+              <a:buChar char="•"/>
+              <a:defRPr sz="3200">
+                <a:solidFill>
+                  <a:schemeClr val="tx1"/>
+                </a:solidFill>
+                <a:latin typeface="Calibri" panose="020F0502020204030204" pitchFamily="34" charset="0"/>
+                <a:ea typeface="宋体" panose="02010600030101010101" pitchFamily="2" charset="-122"/>
+                <a:sym typeface="Calibri" panose="020F0502020204030204" pitchFamily="34" charset="0"/>
+              </a:defRPr>
+            </a:lvl1pPr>
+            <a:lvl2pPr marL="742950" indent="-285750">
+              <a:spcBef>
+                <a:spcPct val="20000"/>
+              </a:spcBef>
+              <a:buFont typeface="Arial" panose="020B0604020202020204" pitchFamily="34" charset="0"/>
+              <a:buChar char="–"/>
+              <a:defRPr sz="2800">
+                <a:solidFill>
+                  <a:schemeClr val="tx1"/>
+                </a:solidFill>
+                <a:latin typeface="Calibri" panose="020F0502020204030204" pitchFamily="34" charset="0"/>
+                <a:ea typeface="宋体" panose="02010600030101010101" pitchFamily="2" charset="-122"/>
+                <a:sym typeface="Calibri" panose="020F0502020204030204" pitchFamily="34" charset="0"/>
+              </a:defRPr>
+            </a:lvl2pPr>
+            <a:lvl3pPr marL="1143000" indent="-228600">
+              <a:spcBef>
+                <a:spcPct val="20000"/>
+              </a:spcBef>
+              <a:buFont typeface="Arial" panose="020B0604020202020204" pitchFamily="34" charset="0"/>
+              <a:buChar char="•"/>
+              <a:defRPr sz="2400">
+                <a:solidFill>
+                  <a:schemeClr val="tx1"/>
+                </a:solidFill>
+                <a:latin typeface="Calibri" panose="020F0502020204030204" pitchFamily="34" charset="0"/>
+                <a:ea typeface="宋体" panose="02010600030101010101" pitchFamily="2" charset="-122"/>
+                <a:sym typeface="Calibri" panose="020F0502020204030204" pitchFamily="34" charset="0"/>
+              </a:defRPr>
+            </a:lvl3pPr>
+            <a:lvl4pPr marL="1600200" indent="-228600">
+              <a:spcBef>
+                <a:spcPct val="20000"/>
+              </a:spcBef>
+              <a:buFont typeface="Arial" panose="020B0604020202020204" pitchFamily="34" charset="0"/>
+              <a:buChar char="–"/>
+              <a:defRPr sz="2000">
+                <a:solidFill>
+                  <a:schemeClr val="tx1"/>
+                </a:solidFill>
+                <a:latin typeface="Calibri" panose="020F0502020204030204" pitchFamily="34" charset="0"/>
+                <a:ea typeface="宋体" panose="02010600030101010101" pitchFamily="2" charset="-122"/>
+                <a:sym typeface="Calibri" panose="020F0502020204030204" pitchFamily="34" charset="0"/>
+              </a:defRPr>
+            </a:lvl4pPr>
+            <a:lvl5pPr marL="2057400" indent="-228600">
+              <a:spcBef>
+                <a:spcPct val="20000"/>
+              </a:spcBef>
+              <a:buFont typeface="Arial" panose="020B0604020202020204" pitchFamily="34" charset="0"/>
+              <a:buChar char="»"/>
+              <a:defRPr sz="2000">
+                <a:solidFill>
+                  <a:schemeClr val="tx1"/>
+                </a:solidFill>
+                <a:latin typeface="Calibri" panose="020F0502020204030204" pitchFamily="34" charset="0"/>
+                <a:ea typeface="宋体" panose="02010600030101010101" pitchFamily="2" charset="-122"/>
+                <a:sym typeface="Calibri" panose="020F0502020204030204" pitchFamily="34" charset="0"/>
+              </a:defRPr>
+            </a:lvl5pPr>
+            <a:lvl6pPr marL="2514600" indent="-228600" eaLnBrk="0" fontAlgn="base" hangingPunct="0">
+              <a:spcBef>
+                <a:spcPct val="20000"/>
+              </a:spcBef>
+              <a:spcAft>
+                <a:spcPct val="0"/>
+              </a:spcAft>
+              <a:buFont typeface="Arial" panose="020B0604020202020204" pitchFamily="34" charset="0"/>
+              <a:buChar char="»"/>
+              <a:defRPr sz="2000">
+                <a:solidFill>
+                  <a:schemeClr val="tx1"/>
+                </a:solidFill>
+                <a:latin typeface="Calibri" panose="020F0502020204030204" pitchFamily="34" charset="0"/>
+                <a:ea typeface="宋体" panose="02010600030101010101" pitchFamily="2" charset="-122"/>
+                <a:sym typeface="Calibri" panose="020F0502020204030204" pitchFamily="34" charset="0"/>
+              </a:defRPr>
+            </a:lvl6pPr>
+            <a:lvl7pPr marL="2971800" indent="-228600" eaLnBrk="0" fontAlgn="base" hangingPunct="0">
+              <a:spcBef>
+                <a:spcPct val="20000"/>
+              </a:spcBef>
+              <a:spcAft>
+                <a:spcPct val="0"/>
+              </a:spcAft>
+              <a:buFont typeface="Arial" panose="020B0604020202020204" pitchFamily="34" charset="0"/>
+              <a:buChar char="»"/>
+              <a:defRPr sz="2000">
+                <a:solidFill>
+                  <a:schemeClr val="tx1"/>
+                </a:solidFill>
+                <a:latin typeface="Calibri" panose="020F0502020204030204" pitchFamily="34" charset="0"/>
+                <a:ea typeface="宋体" panose="02010600030101010101" pitchFamily="2" charset="-122"/>
+                <a:sym typeface="Calibri" panose="020F0502020204030204" pitchFamily="34" charset="0"/>
+              </a:defRPr>
+            </a:lvl7pPr>
+            <a:lvl8pPr marL="3429000" indent="-228600" eaLnBrk="0" fontAlgn="base" hangingPunct="0">
+              <a:spcBef>
+                <a:spcPct val="20000"/>
+              </a:spcBef>
+              <a:spcAft>
+                <a:spcPct val="0"/>
+              </a:spcAft>
+              <a:buFont typeface="Arial" panose="020B0604020202020204" pitchFamily="34" charset="0"/>
+              <a:buChar char="»"/>
+              <a:defRPr sz="2000">
+                <a:solidFill>
+                  <a:schemeClr val="tx1"/>
+                </a:solidFill>
+                <a:latin typeface="Calibri" panose="020F0502020204030204" pitchFamily="34" charset="0"/>
+                <a:ea typeface="宋体" panose="02010600030101010101" pitchFamily="2" charset="-122"/>
+                <a:sym typeface="Calibri" panose="020F0502020204030204" pitchFamily="34" charset="0"/>
+              </a:defRPr>
+            </a:lvl8pPr>
+            <a:lvl9pPr marL="3886200" indent="-228600" eaLnBrk="0" fontAlgn="base" hangingPunct="0">
+              <a:spcBef>
+                <a:spcPct val="20000"/>
+              </a:spcBef>
+              <a:spcAft>
+                <a:spcPct val="0"/>
+              </a:spcAft>
+              <a:buFont typeface="Arial" panose="020B0604020202020204" pitchFamily="34" charset="0"/>
+              <a:buChar char="»"/>
+              <a:defRPr sz="2000">
+                <a:solidFill>
+                  <a:schemeClr val="tx1"/>
+                </a:solidFill>
+                <a:latin typeface="Calibri" panose="020F0502020204030204" pitchFamily="34" charset="0"/>
+                <a:ea typeface="宋体" panose="02010600030101010101" pitchFamily="2" charset="-122"/>
+                <a:sym typeface="Calibri" panose="020F0502020204030204" pitchFamily="34" charset="0"/>
+              </a:defRPr>
+            </a:lvl9pPr>
+          </a:lstStyle>
+          <a:p>
+            <a:pPr eaLnBrk="1" hangingPunct="1">
+              <a:spcBef>
+                <a:spcPct val="0"/>
+              </a:spcBef>
+              <a:buFontTx/>
+              <a:buNone/>
+            </a:pPr>
+            <a:endParaRPr lang="en-US" altLang="zh-CN" sz="2400" b="1">
               <a:latin typeface="微软雅黑" panose="020B0503020204020204" pitchFamily="34" charset="-122"/>
               <a:ea typeface="微软雅黑" panose="020B0503020204020204" pitchFamily="34" charset="-122"/>
+              <a:cs typeface="Times New Roman" panose="02020603050405020304" pitchFamily="18" charset="0"/>
+            </a:endParaRPr>
+          </a:p>
+        </p:txBody>
+      </p:sp>
+      <p:graphicFrame>
+        <p:nvGraphicFramePr>
+          <p:cNvPr id="16" name="表格 15">
+            <a:extLst>
+              <a:ext uri="{FF2B5EF4-FFF2-40B4-BE49-F238E27FC236}">
+                <a16:creationId xmlns:a16="http://schemas.microsoft.com/office/drawing/2014/main" id="{0B411B86-9BC3-4519-B8E5-1F73C0325867}"/>
+              </a:ext>
+            </a:extLst>
+          </p:cNvPr>
+          <p:cNvGraphicFramePr>
+            <a:graphicFrameLocks noGrp="1"/>
+          </p:cNvGraphicFramePr>
+          <p:nvPr>
+            <p:extLst>
+              <p:ext uri="{D42A27DB-BD31-4B8C-83A1-F6EECF244321}">
+                <p14:modId xmlns:p14="http://schemas.microsoft.com/office/powerpoint/2010/main" val="4109020792"/>
+              </p:ext>
+            </p:extLst>
+          </p:nvPr>
+        </p:nvGraphicFramePr>
+        <p:xfrm>
+          <a:off x="4760913" y="4699000"/>
+          <a:ext cx="4240212" cy="1979615"/>
+        </p:xfrm>
+        <a:graphic>
+          <a:graphicData uri="http://schemas.openxmlformats.org/drawingml/2006/table">
+            <a:tbl>
+              <a:tblPr firstRow="1" firstCol="1" bandRow="1">
+                <a:tableStyleId>{5C22544A-7EE6-4342-B048-85BDC9FD1C3A}</a:tableStyleId>
+              </a:tblPr>
+              <a:tblGrid>
+                <a:gridCol w="1468675">
+                  <a:extLst>
+                    <a:ext uri="{9D8B030D-6E8A-4147-A177-3AD203B41FA5}">
+                      <a16:colId xmlns:a16="http://schemas.microsoft.com/office/drawing/2014/main" val="3812545864"/>
+                    </a:ext>
+                  </a:extLst>
+                </a:gridCol>
+                <a:gridCol w="2771537">
+                  <a:extLst>
+                    <a:ext uri="{9D8B030D-6E8A-4147-A177-3AD203B41FA5}">
+                      <a16:colId xmlns:a16="http://schemas.microsoft.com/office/drawing/2014/main" val="3296998995"/>
+                    </a:ext>
+                  </a:extLst>
+                </a:gridCol>
+              </a:tblGrid>
+              <a:tr h="395923">
+                <a:tc>
+                  <a:txBody>
+                    <a:bodyPr/>
+                    <a:lstStyle/>
+                    <a:p>
+                      <a:pPr algn="ctr">
+                        <a:spcAft>
+                          <a:spcPts val="0"/>
+                        </a:spcAft>
+                      </a:pPr>
+                      <a:r>
+                        <a:rPr lang="zh-CN" altLang="en-US" sz="1900" b="0" kern="100" dirty="0">
+                          <a:effectLst/>
+                          <a:latin typeface="微软雅黑" panose="020B0503020204020204" pitchFamily="34" charset="-122"/>
+                          <a:ea typeface="微软雅黑" panose="020B0503020204020204" pitchFamily="34" charset="-122"/>
+                          <a:cs typeface="Times New Roman" panose="02020603050405020304" pitchFamily="18" charset="0"/>
+                        </a:rPr>
+                        <a:t>边界条件</a:t>
+                      </a:r>
+                      <a:endParaRPr lang="zh-CN" sz="1900" b="0" kern="100" dirty="0">
+                        <a:effectLst/>
+                        <a:latin typeface="微软雅黑" panose="020B0503020204020204" pitchFamily="34" charset="-122"/>
+                        <a:ea typeface="微软雅黑" panose="020B0503020204020204" pitchFamily="34" charset="-122"/>
+                        <a:cs typeface="Times New Roman" panose="02020603050405020304" pitchFamily="18" charset="0"/>
+                      </a:endParaRPr>
+                    </a:p>
+                  </a:txBody>
+                  <a:tcPr marL="68590" marR="68590" marT="0" marB="0" anchor="ctr"/>
+                </a:tc>
+                <a:tc>
+                  <a:txBody>
+                    <a:bodyPr/>
+                    <a:lstStyle/>
+                    <a:p>
+                      <a:pPr algn="ctr">
+                        <a:spcAft>
+                          <a:spcPts val="0"/>
+                        </a:spcAft>
+                      </a:pPr>
+                      <a:r>
+                        <a:rPr lang="zh-CN" altLang="en-US" sz="1900" b="0" kern="100" dirty="0">
+                          <a:effectLst/>
+                          <a:latin typeface="微软雅黑" panose="020B0503020204020204" pitchFamily="34" charset="-122"/>
+                          <a:ea typeface="微软雅黑" panose="020B0503020204020204" pitchFamily="34" charset="-122"/>
+                          <a:cs typeface="Times New Roman" panose="02020603050405020304" pitchFamily="18" charset="0"/>
+                        </a:rPr>
+                        <a:t>数值</a:t>
+                      </a:r>
+                      <a:endParaRPr lang="zh-CN" sz="1900" b="0" kern="100" dirty="0">
+                        <a:effectLst/>
+                        <a:latin typeface="微软雅黑" panose="020B0503020204020204" pitchFamily="34" charset="-122"/>
+                        <a:ea typeface="微软雅黑" panose="020B0503020204020204" pitchFamily="34" charset="-122"/>
+                        <a:cs typeface="Times New Roman" panose="02020603050405020304" pitchFamily="18" charset="0"/>
+                      </a:endParaRPr>
+                    </a:p>
+                  </a:txBody>
+                  <a:tcPr marL="68590" marR="68590" marT="0" marB="0" anchor="ctr"/>
+                </a:tc>
+                <a:extLst>
+                  <a:ext uri="{0D108BD9-81ED-4DB2-BD59-A6C34878D82A}">
+                    <a16:rowId xmlns:a16="http://schemas.microsoft.com/office/drawing/2014/main" val="1556186860"/>
+                  </a:ext>
+                </a:extLst>
+              </a:tr>
+              <a:tr h="395923">
+                <a:tc>
+                  <a:txBody>
+                    <a:bodyPr/>
+                    <a:lstStyle/>
+                    <a:p>
+                      <a:pPr algn="ctr">
+                        <a:spcAft>
+                          <a:spcPts val="0"/>
+                        </a:spcAft>
+                      </a:pPr>
+                      <a:r>
+                        <a:rPr lang="zh-CN" altLang="en-US" sz="1700" b="0" kern="100" dirty="0">
+                          <a:effectLst/>
+                          <a:latin typeface="Times New Roman" panose="02020603050405020304" pitchFamily="18" charset="0"/>
+                          <a:ea typeface="微软雅黑" panose="020B0503020204020204" pitchFamily="34" charset="-122"/>
+                          <a:cs typeface="Times New Roman" panose="02020603050405020304" pitchFamily="18" charset="0"/>
+                        </a:rPr>
+                        <a:t>空气温度 </a:t>
+                      </a:r>
+                      <a:r>
+                        <a:rPr lang="en-US" altLang="zh-CN" sz="1700" b="0" i="1" kern="100" dirty="0">
+                          <a:effectLst/>
+                          <a:latin typeface="Times New Roman" panose="02020603050405020304" pitchFamily="18" charset="0"/>
+                          <a:ea typeface="微软雅黑" panose="020B0503020204020204" pitchFamily="34" charset="-122"/>
+                          <a:cs typeface="Times New Roman" panose="02020603050405020304" pitchFamily="18" charset="0"/>
+                        </a:rPr>
+                        <a:t>T</a:t>
+                      </a:r>
+                      <a:r>
+                        <a:rPr lang="en-US" altLang="zh-CN" sz="1700" b="0" kern="100" baseline="-25000" dirty="0">
+                          <a:effectLst/>
+                          <a:latin typeface="Times New Roman" panose="02020603050405020304" pitchFamily="18" charset="0"/>
+                          <a:ea typeface="微软雅黑" panose="020B0503020204020204" pitchFamily="34" charset="-122"/>
+                          <a:cs typeface="Times New Roman" panose="02020603050405020304" pitchFamily="18" charset="0"/>
+                        </a:rPr>
+                        <a:t>in</a:t>
+                      </a:r>
+                      <a:endParaRPr lang="zh-CN" sz="1700" b="0" kern="100" baseline="-25000" dirty="0">
+                        <a:effectLst/>
+                        <a:latin typeface="Times New Roman" panose="02020603050405020304" pitchFamily="18" charset="0"/>
+                        <a:ea typeface="微软雅黑" panose="020B0503020204020204" pitchFamily="34" charset="-122"/>
+                        <a:cs typeface="Times New Roman" panose="02020603050405020304" pitchFamily="18" charset="0"/>
+                      </a:endParaRPr>
+                    </a:p>
+                  </a:txBody>
+                  <a:tcPr marL="68590" marR="68590" marT="0" marB="0" anchor="ctr"/>
+                </a:tc>
+                <a:tc>
+                  <a:txBody>
+                    <a:bodyPr/>
+                    <a:lstStyle/>
+                    <a:p>
+                      <a:pPr marL="0" marR="0" indent="0" algn="ctr" defTabSz="914400" rtl="0" eaLnBrk="1" fontAlgn="auto" latinLnBrk="0" hangingPunct="1">
+                        <a:lnSpc>
+                          <a:spcPct val="100000"/>
+                        </a:lnSpc>
+                        <a:spcBef>
+                          <a:spcPts val="0"/>
+                        </a:spcBef>
+                        <a:spcAft>
+                          <a:spcPts val="0"/>
+                        </a:spcAft>
+                        <a:buClrTx/>
+                        <a:buSzTx/>
+                        <a:buFontTx/>
+                        <a:buNone/>
+                        <a:tabLst/>
+                        <a:defRPr/>
+                      </a:pPr>
+                      <a:r>
+                        <a:rPr lang="en-US" altLang="zh-CN" sz="1700" b="1" dirty="0">
+                          <a:latin typeface="Times New Roman" panose="02020603050405020304" pitchFamily="18" charset="0"/>
+                          <a:ea typeface="微软雅黑" panose="020B0503020204020204" pitchFamily="34" charset="-122"/>
+                          <a:cs typeface="Times New Roman" panose="02020603050405020304" pitchFamily="18" charset="0"/>
+                          <a:sym typeface="Calibri" panose="020F0502020204030204" pitchFamily="34" charset="0"/>
+                        </a:rPr>
+                        <a:t>288.15 K</a:t>
+                      </a:r>
+                      <a:endParaRPr lang="zh-CN" altLang="zh-CN" sz="1700" kern="100" dirty="0">
+                        <a:effectLst/>
+                        <a:latin typeface="Times New Roman" panose="02020603050405020304" pitchFamily="18" charset="0"/>
+                        <a:ea typeface="微软雅黑" panose="020B0503020204020204" pitchFamily="34" charset="-122"/>
+                        <a:cs typeface="Times New Roman" panose="02020603050405020304" pitchFamily="18" charset="0"/>
+                      </a:endParaRPr>
+                    </a:p>
+                  </a:txBody>
+                  <a:tcPr marL="68590" marR="68590" marT="0" marB="0" anchor="ctr"/>
+                </a:tc>
+                <a:extLst>
+                  <a:ext uri="{0D108BD9-81ED-4DB2-BD59-A6C34878D82A}">
+                    <a16:rowId xmlns:a16="http://schemas.microsoft.com/office/drawing/2014/main" val="2158459069"/>
+                  </a:ext>
+                </a:extLst>
+              </a:tr>
+              <a:tr h="395923">
+                <a:tc>
+                  <a:txBody>
+                    <a:bodyPr/>
+                    <a:lstStyle/>
+                    <a:p>
+                      <a:pPr algn="ctr">
+                        <a:spcAft>
+                          <a:spcPts val="0"/>
+                        </a:spcAft>
+                      </a:pPr>
+                      <a:r>
+                        <a:rPr lang="zh-CN" altLang="en-US" sz="1700" b="0" kern="100" dirty="0">
+                          <a:effectLst/>
+                          <a:latin typeface="Times New Roman" panose="02020603050405020304" pitchFamily="18" charset="0"/>
+                          <a:ea typeface="微软雅黑" panose="020B0503020204020204" pitchFamily="34" charset="-122"/>
+                          <a:cs typeface="Times New Roman" panose="02020603050405020304" pitchFamily="18" charset="0"/>
+                        </a:rPr>
+                        <a:t>壁面温度 </a:t>
+                      </a:r>
+                      <a:r>
+                        <a:rPr lang="en-US" altLang="zh-CN" sz="1700" b="0" i="1" kern="100" dirty="0">
+                          <a:effectLst/>
+                          <a:latin typeface="Times New Roman" panose="02020603050405020304" pitchFamily="18" charset="0"/>
+                          <a:ea typeface="微软雅黑" panose="020B0503020204020204" pitchFamily="34" charset="-122"/>
+                          <a:cs typeface="Times New Roman" panose="02020603050405020304" pitchFamily="18" charset="0"/>
+                        </a:rPr>
+                        <a:t>T</a:t>
+                      </a:r>
+                      <a:r>
+                        <a:rPr lang="en-US" altLang="zh-CN" sz="1700" b="0" kern="100" baseline="-25000" dirty="0">
+                          <a:effectLst/>
+                          <a:latin typeface="Times New Roman" panose="02020603050405020304" pitchFamily="18" charset="0"/>
+                          <a:ea typeface="微软雅黑" panose="020B0503020204020204" pitchFamily="34" charset="-122"/>
+                          <a:cs typeface="Times New Roman" panose="02020603050405020304" pitchFamily="18" charset="0"/>
+                        </a:rPr>
+                        <a:t>W</a:t>
+                      </a:r>
+                      <a:endParaRPr lang="zh-CN" sz="1700" b="0" kern="100" baseline="-25000" dirty="0">
+                        <a:effectLst/>
+                        <a:latin typeface="Times New Roman" panose="02020603050405020304" pitchFamily="18" charset="0"/>
+                        <a:ea typeface="微软雅黑" panose="020B0503020204020204" pitchFamily="34" charset="-122"/>
+                        <a:cs typeface="Times New Roman" panose="02020603050405020304" pitchFamily="18" charset="0"/>
+                      </a:endParaRPr>
+                    </a:p>
+                  </a:txBody>
+                  <a:tcPr marL="68590" marR="68590" marT="0" marB="0" anchor="ctr"/>
+                </a:tc>
+                <a:tc>
+                  <a:txBody>
+                    <a:bodyPr/>
+                    <a:lstStyle/>
+                    <a:p>
+                      <a:pPr marL="0" marR="0" indent="0" algn="ctr" defTabSz="914400" rtl="0" eaLnBrk="1" fontAlgn="auto" latinLnBrk="0" hangingPunct="1">
+                        <a:lnSpc>
+                          <a:spcPct val="100000"/>
+                        </a:lnSpc>
+                        <a:spcBef>
+                          <a:spcPts val="0"/>
+                        </a:spcBef>
+                        <a:spcAft>
+                          <a:spcPts val="0"/>
+                        </a:spcAft>
+                        <a:buClrTx/>
+                        <a:buSzTx/>
+                        <a:buFontTx/>
+                        <a:buNone/>
+                        <a:tabLst/>
+                        <a:defRPr/>
+                      </a:pPr>
+                      <a:r>
+                        <a:rPr lang="en-US" altLang="zh-CN" sz="1700" b="1" dirty="0">
+                          <a:latin typeface="Times New Roman" panose="02020603050405020304" pitchFamily="18" charset="0"/>
+                          <a:ea typeface="微软雅黑" panose="020B0503020204020204" pitchFamily="34" charset="-122"/>
+                          <a:cs typeface="Times New Roman" panose="02020603050405020304" pitchFamily="18" charset="0"/>
+                          <a:sym typeface="Calibri" panose="020F0502020204030204" pitchFamily="34" charset="0"/>
+                        </a:rPr>
+                        <a:t>313.15 K </a:t>
+                      </a:r>
+                      <a:endParaRPr lang="zh-CN" altLang="zh-CN" sz="1700" kern="100" dirty="0">
+                        <a:effectLst/>
+                        <a:latin typeface="Times New Roman" panose="02020603050405020304" pitchFamily="18" charset="0"/>
+                        <a:ea typeface="微软雅黑" panose="020B0503020204020204" pitchFamily="34" charset="-122"/>
+                        <a:cs typeface="Times New Roman" panose="02020603050405020304" pitchFamily="18" charset="0"/>
+                      </a:endParaRPr>
+                    </a:p>
+                  </a:txBody>
+                  <a:tcPr marL="68590" marR="68590" marT="0" marB="0" anchor="ctr"/>
+                </a:tc>
+                <a:extLst>
+                  <a:ext uri="{0D108BD9-81ED-4DB2-BD59-A6C34878D82A}">
+                    <a16:rowId xmlns:a16="http://schemas.microsoft.com/office/drawing/2014/main" val="1087208171"/>
+                  </a:ext>
+                </a:extLst>
+              </a:tr>
+              <a:tr h="395923">
+                <a:tc>
+                  <a:txBody>
+                    <a:bodyPr/>
+                    <a:lstStyle/>
+                    <a:p>
+                      <a:pPr algn="ctr">
+                        <a:spcAft>
+                          <a:spcPts val="0"/>
+                        </a:spcAft>
+                      </a:pPr>
+                      <a:r>
+                        <a:rPr lang="zh-CN" altLang="en-US" sz="1700" b="0" kern="100" dirty="0">
+                          <a:effectLst/>
+                          <a:latin typeface="Times New Roman" panose="02020603050405020304" pitchFamily="18" charset="0"/>
+                          <a:ea typeface="微软雅黑" panose="020B0503020204020204" pitchFamily="34" charset="-122"/>
+                          <a:cs typeface="Times New Roman" panose="02020603050405020304" pitchFamily="18" charset="0"/>
+                        </a:rPr>
+                        <a:t>入口速度 </a:t>
+                      </a:r>
+                      <a:r>
+                        <a:rPr lang="en-US" altLang="zh-CN" sz="1700" b="0" i="1" kern="100" dirty="0" err="1">
+                          <a:effectLst/>
+                          <a:latin typeface="Times New Roman" panose="02020603050405020304" pitchFamily="18" charset="0"/>
+                          <a:ea typeface="微软雅黑" panose="020B0503020204020204" pitchFamily="34" charset="-122"/>
+                          <a:cs typeface="Times New Roman" panose="02020603050405020304" pitchFamily="18" charset="0"/>
+                        </a:rPr>
+                        <a:t>u</a:t>
+                      </a:r>
+                      <a:r>
+                        <a:rPr lang="en-US" altLang="zh-CN" sz="1700" b="0" kern="100" baseline="-25000" dirty="0" err="1">
+                          <a:effectLst/>
+                          <a:latin typeface="Times New Roman" panose="02020603050405020304" pitchFamily="18" charset="0"/>
+                          <a:ea typeface="微软雅黑" panose="020B0503020204020204" pitchFamily="34" charset="-122"/>
+                          <a:cs typeface="Times New Roman" panose="02020603050405020304" pitchFamily="18" charset="0"/>
+                        </a:rPr>
+                        <a:t>in</a:t>
+                      </a:r>
+                      <a:endParaRPr lang="zh-CN" sz="1700" b="0" kern="100" baseline="-25000" dirty="0">
+                        <a:effectLst/>
+                        <a:latin typeface="Times New Roman" panose="02020603050405020304" pitchFamily="18" charset="0"/>
+                        <a:ea typeface="微软雅黑" panose="020B0503020204020204" pitchFamily="34" charset="-122"/>
+                        <a:cs typeface="Times New Roman" panose="02020603050405020304" pitchFamily="18" charset="0"/>
+                      </a:endParaRPr>
+                    </a:p>
+                  </a:txBody>
+                  <a:tcPr marL="68590" marR="68590" marT="0" marB="0" anchor="ctr"/>
+                </a:tc>
+                <a:tc>
+                  <a:txBody>
+                    <a:bodyPr/>
+                    <a:lstStyle/>
+                    <a:p>
+                      <a:pPr algn="ctr">
+                        <a:spcAft>
+                          <a:spcPts val="0"/>
+                        </a:spcAft>
+                      </a:pPr>
+                      <a:r>
+                        <a:rPr lang="en-US" altLang="zh-CN" sz="1700" b="1" dirty="0">
+                          <a:solidFill>
+                            <a:srgbClr val="FF0000"/>
+                          </a:solidFill>
+                          <a:latin typeface="Times New Roman" panose="02020603050405020304" pitchFamily="18" charset="0"/>
+                          <a:ea typeface="微软雅黑" panose="020B0503020204020204" pitchFamily="34" charset="-122"/>
+                          <a:cs typeface="Times New Roman" panose="02020603050405020304" pitchFamily="18" charset="0"/>
+                          <a:sym typeface="Calibri" panose="020F0502020204030204" pitchFamily="34" charset="0"/>
+                        </a:rPr>
+                        <a:t>6 m/s </a:t>
+                      </a:r>
+                      <a:r>
+                        <a:rPr lang="zh-CN" altLang="en-US" sz="1700" b="1" dirty="0">
+                          <a:solidFill>
+                            <a:srgbClr val="FF0000"/>
+                          </a:solidFill>
+                          <a:latin typeface="Times New Roman" panose="02020603050405020304" pitchFamily="18" charset="0"/>
+                          <a:ea typeface="微软雅黑" panose="020B0503020204020204" pitchFamily="34" charset="-122"/>
+                          <a:cs typeface="Times New Roman" panose="02020603050405020304" pitchFamily="18" charset="0"/>
+                          <a:sym typeface="Calibri" panose="020F0502020204030204" pitchFamily="34" charset="0"/>
+                        </a:rPr>
+                        <a:t>（</a:t>
+                      </a:r>
+                      <a:r>
+                        <a:rPr lang="en-US" altLang="zh-CN" sz="1700" b="1" i="1" dirty="0">
+                          <a:solidFill>
+                            <a:srgbClr val="FF0000"/>
+                          </a:solidFill>
+                          <a:latin typeface="Times New Roman" panose="02020603050405020304" pitchFamily="18" charset="0"/>
+                          <a:ea typeface="微软雅黑" panose="020B0503020204020204" pitchFamily="34" charset="-122"/>
+                          <a:cs typeface="Times New Roman" panose="02020603050405020304" pitchFamily="18" charset="0"/>
+                          <a:sym typeface="Calibri" panose="020F0502020204030204" pitchFamily="34" charset="0"/>
+                        </a:rPr>
+                        <a:t>Re</a:t>
+                      </a:r>
+                      <a:r>
+                        <a:rPr lang="en-US" altLang="zh-CN" sz="1700" b="1" dirty="0">
+                          <a:solidFill>
+                            <a:srgbClr val="FF0000"/>
+                          </a:solidFill>
+                          <a:latin typeface="Times New Roman" panose="02020603050405020304" pitchFamily="18" charset="0"/>
+                          <a:ea typeface="微软雅黑" panose="020B0503020204020204" pitchFamily="34" charset="-122"/>
+                          <a:cs typeface="Times New Roman" panose="02020603050405020304" pitchFamily="18" charset="0"/>
+                          <a:sym typeface="Calibri" panose="020F0502020204030204" pitchFamily="34" charset="0"/>
+                        </a:rPr>
+                        <a:t> = 13000</a:t>
+                      </a:r>
+                      <a:r>
+                        <a:rPr lang="zh-CN" altLang="en-US" sz="1700" b="1" dirty="0">
+                          <a:solidFill>
+                            <a:srgbClr val="FF0000"/>
+                          </a:solidFill>
+                          <a:latin typeface="Times New Roman" panose="02020603050405020304" pitchFamily="18" charset="0"/>
+                          <a:ea typeface="微软雅黑" panose="020B0503020204020204" pitchFamily="34" charset="-122"/>
+                          <a:cs typeface="Times New Roman" panose="02020603050405020304" pitchFamily="18" charset="0"/>
+                          <a:sym typeface="Calibri" panose="020F0502020204030204" pitchFamily="34" charset="0"/>
+                        </a:rPr>
+                        <a:t> 湍流）</a:t>
+                      </a:r>
+                      <a:endParaRPr lang="zh-CN" sz="1700" kern="100" dirty="0">
+                        <a:solidFill>
+                          <a:srgbClr val="FF0000"/>
+                        </a:solidFill>
+                        <a:effectLst/>
+                        <a:latin typeface="Times New Roman" panose="02020603050405020304" pitchFamily="18" charset="0"/>
+                        <a:ea typeface="微软雅黑" panose="020B0503020204020204" pitchFamily="34" charset="-122"/>
+                        <a:cs typeface="Times New Roman" panose="02020603050405020304" pitchFamily="18" charset="0"/>
+                      </a:endParaRPr>
+                    </a:p>
+                  </a:txBody>
+                  <a:tcPr marL="68590" marR="68590" marT="0" marB="0" anchor="ctr"/>
+                </a:tc>
+                <a:extLst>
+                  <a:ext uri="{0D108BD9-81ED-4DB2-BD59-A6C34878D82A}">
+                    <a16:rowId xmlns:a16="http://schemas.microsoft.com/office/drawing/2014/main" val="1894481800"/>
+                  </a:ext>
+                </a:extLst>
+              </a:tr>
+              <a:tr h="395923">
+                <a:tc>
+                  <a:txBody>
+                    <a:bodyPr/>
+                    <a:lstStyle/>
+                    <a:p>
+                      <a:pPr marL="0" marR="0" lvl="0" indent="0" algn="ctr" defTabSz="914400" rtl="0" eaLnBrk="1" fontAlgn="auto" latinLnBrk="0" hangingPunct="1">
+                        <a:lnSpc>
+                          <a:spcPct val="100000"/>
+                        </a:lnSpc>
+                        <a:spcBef>
+                          <a:spcPts val="0"/>
+                        </a:spcBef>
+                        <a:spcAft>
+                          <a:spcPts val="0"/>
+                        </a:spcAft>
+                        <a:buClrTx/>
+                        <a:buSzTx/>
+                        <a:buFontTx/>
+                        <a:buNone/>
+                        <a:tabLst/>
+                        <a:defRPr/>
+                      </a:pPr>
+                      <a:r>
+                        <a:rPr lang="zh-CN" altLang="en-US" sz="1700" b="0" kern="100" dirty="0">
+                          <a:effectLst/>
+                          <a:latin typeface="Times New Roman" panose="02020603050405020304" pitchFamily="18" charset="0"/>
+                          <a:ea typeface="微软雅黑" panose="020B0503020204020204" pitchFamily="34" charset="-122"/>
+                          <a:cs typeface="Times New Roman" panose="02020603050405020304" pitchFamily="18" charset="0"/>
+                        </a:rPr>
+                        <a:t>出口条件 </a:t>
+                      </a:r>
+                      <a:r>
+                        <a:rPr lang="en-US" altLang="zh-CN" sz="1700" b="0" i="1" kern="100" dirty="0">
+                          <a:effectLst/>
+                          <a:latin typeface="Times New Roman" panose="02020603050405020304" pitchFamily="18" charset="0"/>
+                          <a:ea typeface="微软雅黑" panose="020B0503020204020204" pitchFamily="34" charset="-122"/>
+                          <a:cs typeface="Times New Roman" panose="02020603050405020304" pitchFamily="18" charset="0"/>
+                        </a:rPr>
+                        <a:t>p</a:t>
+                      </a:r>
+                      <a:r>
+                        <a:rPr lang="en-US" altLang="zh-CN" sz="1700" b="0" kern="100" baseline="-25000" dirty="0">
+                          <a:effectLst/>
+                          <a:latin typeface="Times New Roman" panose="02020603050405020304" pitchFamily="18" charset="0"/>
+                          <a:ea typeface="微软雅黑" panose="020B0503020204020204" pitchFamily="34" charset="-122"/>
+                          <a:cs typeface="Times New Roman" panose="02020603050405020304" pitchFamily="18" charset="0"/>
+                        </a:rPr>
+                        <a:t>out</a:t>
+                      </a:r>
+                      <a:endParaRPr lang="zh-CN" sz="1700" b="0" kern="100" baseline="-25000" dirty="0">
+                        <a:effectLst/>
+                        <a:latin typeface="Times New Roman" panose="02020603050405020304" pitchFamily="18" charset="0"/>
+                        <a:ea typeface="微软雅黑" panose="020B0503020204020204" pitchFamily="34" charset="-122"/>
+                        <a:cs typeface="Times New Roman" panose="02020603050405020304" pitchFamily="18" charset="0"/>
+                      </a:endParaRPr>
+                    </a:p>
+                  </a:txBody>
+                  <a:tcPr marL="68590" marR="68590" marT="0" marB="0" anchor="ctr"/>
+                </a:tc>
+                <a:tc>
+                  <a:txBody>
+                    <a:bodyPr/>
+                    <a:lstStyle/>
+                    <a:p>
+                      <a:pPr algn="ctr">
+                        <a:spcAft>
+                          <a:spcPts val="0"/>
+                        </a:spcAft>
+                      </a:pPr>
+                      <a:r>
+                        <a:rPr lang="en-US" altLang="zh-CN" sz="1700" b="1" dirty="0">
+                          <a:latin typeface="Times New Roman" panose="02020603050405020304" pitchFamily="18" charset="0"/>
+                          <a:ea typeface="微软雅黑" panose="020B0503020204020204" pitchFamily="34" charset="-122"/>
+                          <a:cs typeface="Times New Roman" panose="02020603050405020304" pitchFamily="18" charset="0"/>
+                          <a:sym typeface="Calibri" panose="020F0502020204030204" pitchFamily="34" charset="0"/>
+                        </a:rPr>
+                        <a:t>0 Pa</a:t>
+                      </a:r>
+                      <a:endParaRPr lang="zh-CN" sz="1700" kern="100" dirty="0">
+                        <a:effectLst/>
+                        <a:latin typeface="Times New Roman" panose="02020603050405020304" pitchFamily="18" charset="0"/>
+                        <a:ea typeface="微软雅黑" panose="020B0503020204020204" pitchFamily="34" charset="-122"/>
+                        <a:cs typeface="Times New Roman" panose="02020603050405020304" pitchFamily="18" charset="0"/>
+                      </a:endParaRPr>
+                    </a:p>
+                  </a:txBody>
+                  <a:tcPr marL="68590" marR="68590" marT="0" marB="0" anchor="ctr"/>
+                </a:tc>
+                <a:extLst>
+                  <a:ext uri="{0D108BD9-81ED-4DB2-BD59-A6C34878D82A}">
+                    <a16:rowId xmlns:a16="http://schemas.microsoft.com/office/drawing/2014/main" val="2616931094"/>
+                  </a:ext>
+                </a:extLst>
+              </a:tr>
+            </a:tbl>
+          </a:graphicData>
+        </a:graphic>
+      </p:graphicFrame>
+      <p:sp>
+        <p:nvSpPr>
+          <p:cNvPr id="17" name="内容占位符 2"/>
+          <p:cNvSpPr txBox="1">
+            <a:spLocks/>
+          </p:cNvSpPr>
+          <p:nvPr/>
+        </p:nvSpPr>
+        <p:spPr bwMode="auto">
+          <a:xfrm>
+            <a:off x="69850" y="687388"/>
+            <a:ext cx="9001125" cy="3848100"/>
+          </a:xfrm>
+          <a:prstGeom prst="rect">
+            <a:avLst/>
+          </a:prstGeom>
+          <a:noFill/>
+          <a:ln w="19050">
+            <a:solidFill>
+              <a:srgbClr val="FF0000"/>
+            </a:solidFill>
+            <a:prstDash val="lgDash"/>
+            <a:miter lim="800000"/>
+            <a:headEnd/>
+            <a:tailEnd/>
+          </a:ln>
+          <a:extLst>
+            <a:ext uri="{909E8E84-426E-40DD-AFC4-6F175D3DCCD1}">
+              <a14:hiddenFill xmlns:a14="http://schemas.microsoft.com/office/drawing/2010/main">
+                <a:solidFill>
+                  <a:srgbClr val="FFFFFF"/>
+                </a:solidFill>
+              </a14:hiddenFill>
+            </a:ext>
+          </a:extLst>
+        </p:spPr>
+        <p:txBody>
+          <a:bodyPr/>
+          <a:lstStyle>
+            <a:lvl1pPr>
+              <a:spcBef>
+                <a:spcPct val="20000"/>
+              </a:spcBef>
+              <a:buFont typeface="Arial" panose="020B0604020202020204" pitchFamily="34" charset="0"/>
+              <a:buChar char="•"/>
+              <a:defRPr sz="3200">
+                <a:solidFill>
+                  <a:schemeClr val="tx1"/>
+                </a:solidFill>
+                <a:latin typeface="Calibri" panose="020F0502020204030204" pitchFamily="34" charset="0"/>
+                <a:ea typeface="宋体" panose="02010600030101010101" pitchFamily="2" charset="-122"/>
+                <a:sym typeface="Calibri" panose="020F0502020204030204" pitchFamily="34" charset="0"/>
+              </a:defRPr>
+            </a:lvl1pPr>
+            <a:lvl2pPr marL="742950" indent="-285750">
+              <a:spcBef>
+                <a:spcPct val="20000"/>
+              </a:spcBef>
+              <a:buFont typeface="Arial" panose="020B0604020202020204" pitchFamily="34" charset="0"/>
+              <a:buChar char="–"/>
+              <a:defRPr sz="2800">
+                <a:solidFill>
+                  <a:schemeClr val="tx1"/>
+                </a:solidFill>
+                <a:latin typeface="Calibri" panose="020F0502020204030204" pitchFamily="34" charset="0"/>
+                <a:ea typeface="宋体" panose="02010600030101010101" pitchFamily="2" charset="-122"/>
+                <a:sym typeface="Calibri" panose="020F0502020204030204" pitchFamily="34" charset="0"/>
+              </a:defRPr>
+            </a:lvl2pPr>
+            <a:lvl3pPr marL="1143000" indent="-228600">
+              <a:spcBef>
+                <a:spcPct val="20000"/>
+              </a:spcBef>
+              <a:buFont typeface="Arial" panose="020B0604020202020204" pitchFamily="34" charset="0"/>
+              <a:buChar char="•"/>
+              <a:defRPr sz="2400">
+                <a:solidFill>
+                  <a:schemeClr val="tx1"/>
+                </a:solidFill>
+                <a:latin typeface="Calibri" panose="020F0502020204030204" pitchFamily="34" charset="0"/>
+                <a:ea typeface="宋体" panose="02010600030101010101" pitchFamily="2" charset="-122"/>
+                <a:sym typeface="Calibri" panose="020F0502020204030204" pitchFamily="34" charset="0"/>
+              </a:defRPr>
+            </a:lvl3pPr>
+            <a:lvl4pPr marL="1600200" indent="-228600">
+              <a:spcBef>
+                <a:spcPct val="20000"/>
+              </a:spcBef>
+              <a:buFont typeface="Arial" panose="020B0604020202020204" pitchFamily="34" charset="0"/>
+              <a:buChar char="–"/>
+              <a:defRPr sz="2000">
+                <a:solidFill>
+                  <a:schemeClr val="tx1"/>
+                </a:solidFill>
+                <a:latin typeface="Calibri" panose="020F0502020204030204" pitchFamily="34" charset="0"/>
+                <a:ea typeface="宋体" panose="02010600030101010101" pitchFamily="2" charset="-122"/>
+                <a:sym typeface="Calibri" panose="020F0502020204030204" pitchFamily="34" charset="0"/>
+              </a:defRPr>
+            </a:lvl4pPr>
+            <a:lvl5pPr marL="2057400" indent="-228600">
+              <a:spcBef>
+                <a:spcPct val="20000"/>
+              </a:spcBef>
+              <a:buFont typeface="Arial" panose="020B0604020202020204" pitchFamily="34" charset="0"/>
+              <a:buChar char="»"/>
+              <a:defRPr sz="2000">
+                <a:solidFill>
+                  <a:schemeClr val="tx1"/>
+                </a:solidFill>
+                <a:latin typeface="Calibri" panose="020F0502020204030204" pitchFamily="34" charset="0"/>
+                <a:ea typeface="宋体" panose="02010600030101010101" pitchFamily="2" charset="-122"/>
+                <a:sym typeface="Calibri" panose="020F0502020204030204" pitchFamily="34" charset="0"/>
+              </a:defRPr>
+            </a:lvl5pPr>
+            <a:lvl6pPr marL="2514600" indent="-228600" eaLnBrk="0" fontAlgn="base" hangingPunct="0">
+              <a:spcBef>
+                <a:spcPct val="20000"/>
+              </a:spcBef>
+              <a:spcAft>
+                <a:spcPct val="0"/>
+              </a:spcAft>
+              <a:buFont typeface="Arial" panose="020B0604020202020204" pitchFamily="34" charset="0"/>
+              <a:buChar char="»"/>
+              <a:defRPr sz="2000">
+                <a:solidFill>
+                  <a:schemeClr val="tx1"/>
+                </a:solidFill>
+                <a:latin typeface="Calibri" panose="020F0502020204030204" pitchFamily="34" charset="0"/>
+                <a:ea typeface="宋体" panose="02010600030101010101" pitchFamily="2" charset="-122"/>
+                <a:sym typeface="Calibri" panose="020F0502020204030204" pitchFamily="34" charset="0"/>
+              </a:defRPr>
+            </a:lvl6pPr>
+            <a:lvl7pPr marL="2971800" indent="-228600" eaLnBrk="0" fontAlgn="base" hangingPunct="0">
+              <a:spcBef>
+                <a:spcPct val="20000"/>
+              </a:spcBef>
+              <a:spcAft>
+                <a:spcPct val="0"/>
+              </a:spcAft>
+              <a:buFont typeface="Arial" panose="020B0604020202020204" pitchFamily="34" charset="0"/>
+              <a:buChar char="»"/>
+              <a:defRPr sz="2000">
+                <a:solidFill>
+                  <a:schemeClr val="tx1"/>
+                </a:solidFill>
+                <a:latin typeface="Calibri" panose="020F0502020204030204" pitchFamily="34" charset="0"/>
+                <a:ea typeface="宋体" panose="02010600030101010101" pitchFamily="2" charset="-122"/>
+                <a:sym typeface="Calibri" panose="020F0502020204030204" pitchFamily="34" charset="0"/>
+              </a:defRPr>
+            </a:lvl7pPr>
+            <a:lvl8pPr marL="3429000" indent="-228600" eaLnBrk="0" fontAlgn="base" hangingPunct="0">
+              <a:spcBef>
+                <a:spcPct val="20000"/>
+              </a:spcBef>
+              <a:spcAft>
+                <a:spcPct val="0"/>
+              </a:spcAft>
+              <a:buFont typeface="Arial" panose="020B0604020202020204" pitchFamily="34" charset="0"/>
+              <a:buChar char="»"/>
+              <a:defRPr sz="2000">
+                <a:solidFill>
+                  <a:schemeClr val="tx1"/>
+                </a:solidFill>
+                <a:latin typeface="Calibri" panose="020F0502020204030204" pitchFamily="34" charset="0"/>
+                <a:ea typeface="宋体" panose="02010600030101010101" pitchFamily="2" charset="-122"/>
+                <a:sym typeface="Calibri" panose="020F0502020204030204" pitchFamily="34" charset="0"/>
+              </a:defRPr>
+            </a:lvl8pPr>
+            <a:lvl9pPr marL="3886200" indent="-228600" eaLnBrk="0" fontAlgn="base" hangingPunct="0">
+              <a:spcBef>
+                <a:spcPct val="20000"/>
+              </a:spcBef>
+              <a:spcAft>
+                <a:spcPct val="0"/>
+              </a:spcAft>
+              <a:buFont typeface="Arial" panose="020B0604020202020204" pitchFamily="34" charset="0"/>
+              <a:buChar char="»"/>
+              <a:defRPr sz="2000">
+                <a:solidFill>
+                  <a:schemeClr val="tx1"/>
+                </a:solidFill>
+                <a:latin typeface="Calibri" panose="020F0502020204030204" pitchFamily="34" charset="0"/>
+                <a:ea typeface="宋体" panose="02010600030101010101" pitchFamily="2" charset="-122"/>
+                <a:sym typeface="Calibri" panose="020F0502020204030204" pitchFamily="34" charset="0"/>
+              </a:defRPr>
+            </a:lvl9pPr>
+          </a:lstStyle>
+          <a:p>
+            <a:pPr eaLnBrk="1" hangingPunct="1">
+              <a:spcBef>
+                <a:spcPct val="0"/>
+              </a:spcBef>
+              <a:buFontTx/>
+              <a:buNone/>
+            </a:pPr>
+            <a:endParaRPr lang="en-US" altLang="zh-CN" sz="2400" b="1">
+              <a:latin typeface="微软雅黑" panose="020B0503020204020204" pitchFamily="34" charset="-122"/>
+              <a:ea typeface="微软雅黑" panose="020B0503020204020204" pitchFamily="34" charset="-122"/>
+              <a:cs typeface="Times New Roman" panose="02020603050405020304" pitchFamily="18" charset="0"/>
             </a:endParaRPr>
           </a:p>
         </p:txBody>
       </p:sp>
       <p:sp>
         <p:nvSpPr>
+          <p:cNvPr id="18" name="矩形 15"/>
+          <p:cNvSpPr>
+            <a:spLocks noChangeArrowheads="1"/>
+          </p:cNvSpPr>
+          <p:nvPr/>
+        </p:nvSpPr>
+        <p:spPr bwMode="auto">
+          <a:xfrm>
+            <a:off x="6973570" y="-52388"/>
+            <a:ext cx="2159566" cy="738664"/>
+          </a:xfrm>
+          <a:prstGeom prst="rect">
+            <a:avLst/>
+          </a:prstGeom>
+          <a:noFill/>
+          <a:ln>
+            <a:noFill/>
+          </a:ln>
+          <a:extLst>
+            <a:ext uri="{909E8E84-426E-40DD-AFC4-6F175D3DCCD1}">
+              <a14:hiddenFill xmlns:a14="http://schemas.microsoft.com/office/drawing/2010/main">
+                <a:solidFill>
+                  <a:srgbClr val="FFFFFF"/>
+                </a:solidFill>
+              </a14:hiddenFill>
+            </a:ext>
+            <a:ext uri="{91240B29-F687-4F45-9708-019B960494DF}">
+              <a14:hiddenLine xmlns:a14="http://schemas.microsoft.com/office/drawing/2010/main" w="9525">
+                <a:solidFill>
+                  <a:srgbClr val="000000"/>
+                </a:solidFill>
+                <a:miter lim="800000"/>
+                <a:headEnd/>
+                <a:tailEnd/>
+              </a14:hiddenLine>
+            </a:ext>
+          </a:extLst>
+        </p:spPr>
+        <p:txBody>
+          <a:bodyPr wrap="none">
+            <a:spAutoFit/>
+          </a:bodyPr>
+          <a:lstStyle>
+            <a:lvl1pPr>
+              <a:spcBef>
+                <a:spcPct val="20000"/>
+              </a:spcBef>
+              <a:buFont typeface="Arial" panose="020B0604020202020204" pitchFamily="34" charset="0"/>
+              <a:buChar char="•"/>
+              <a:defRPr sz="3200">
+                <a:solidFill>
+                  <a:schemeClr val="tx1"/>
+                </a:solidFill>
+                <a:latin typeface="Calibri" panose="020F0502020204030204" pitchFamily="34" charset="0"/>
+                <a:ea typeface="宋体" panose="02010600030101010101" pitchFamily="2" charset="-122"/>
+                <a:sym typeface="Calibri" panose="020F0502020204030204" pitchFamily="34" charset="0"/>
+              </a:defRPr>
+            </a:lvl1pPr>
+            <a:lvl2pPr marL="742950" indent="-285750">
+              <a:spcBef>
+                <a:spcPct val="20000"/>
+              </a:spcBef>
+              <a:buFont typeface="Arial" panose="020B0604020202020204" pitchFamily="34" charset="0"/>
+              <a:buChar char="–"/>
+              <a:defRPr sz="2800">
+                <a:solidFill>
+                  <a:schemeClr val="tx1"/>
+                </a:solidFill>
+                <a:latin typeface="Calibri" panose="020F0502020204030204" pitchFamily="34" charset="0"/>
+                <a:ea typeface="宋体" panose="02010600030101010101" pitchFamily="2" charset="-122"/>
+                <a:sym typeface="Calibri" panose="020F0502020204030204" pitchFamily="34" charset="0"/>
+              </a:defRPr>
+            </a:lvl2pPr>
+            <a:lvl3pPr marL="1143000" indent="-228600">
+              <a:spcBef>
+                <a:spcPct val="20000"/>
+              </a:spcBef>
+              <a:buFont typeface="Arial" panose="020B0604020202020204" pitchFamily="34" charset="0"/>
+              <a:buChar char="•"/>
+              <a:defRPr sz="2400">
+                <a:solidFill>
+                  <a:schemeClr val="tx1"/>
+                </a:solidFill>
+                <a:latin typeface="Calibri" panose="020F0502020204030204" pitchFamily="34" charset="0"/>
+                <a:ea typeface="宋体" panose="02010600030101010101" pitchFamily="2" charset="-122"/>
+                <a:sym typeface="Calibri" panose="020F0502020204030204" pitchFamily="34" charset="0"/>
+              </a:defRPr>
+            </a:lvl3pPr>
+            <a:lvl4pPr marL="1600200" indent="-228600">
+              <a:spcBef>
+                <a:spcPct val="20000"/>
+              </a:spcBef>
+              <a:buFont typeface="Arial" panose="020B0604020202020204" pitchFamily="34" charset="0"/>
+              <a:buChar char="–"/>
+              <a:defRPr sz="2000">
+                <a:solidFill>
+                  <a:schemeClr val="tx1"/>
+                </a:solidFill>
+                <a:latin typeface="Calibri" panose="020F0502020204030204" pitchFamily="34" charset="0"/>
+                <a:ea typeface="宋体" panose="02010600030101010101" pitchFamily="2" charset="-122"/>
+                <a:sym typeface="Calibri" panose="020F0502020204030204" pitchFamily="34" charset="0"/>
+              </a:defRPr>
+            </a:lvl4pPr>
+            <a:lvl5pPr marL="2057400" indent="-228600">
+              <a:spcBef>
+                <a:spcPct val="20000"/>
+              </a:spcBef>
+              <a:buFont typeface="Arial" panose="020B0604020202020204" pitchFamily="34" charset="0"/>
+              <a:buChar char="»"/>
+              <a:defRPr sz="2000">
+                <a:solidFill>
+                  <a:schemeClr val="tx1"/>
+                </a:solidFill>
+                <a:latin typeface="Calibri" panose="020F0502020204030204" pitchFamily="34" charset="0"/>
+                <a:ea typeface="宋体" panose="02010600030101010101" pitchFamily="2" charset="-122"/>
+                <a:sym typeface="Calibri" panose="020F0502020204030204" pitchFamily="34" charset="0"/>
+              </a:defRPr>
+            </a:lvl5pPr>
+            <a:lvl6pPr marL="2514600" indent="-228600" eaLnBrk="0" fontAlgn="base" hangingPunct="0">
+              <a:spcBef>
+                <a:spcPct val="20000"/>
+              </a:spcBef>
+              <a:spcAft>
+                <a:spcPct val="0"/>
+              </a:spcAft>
+              <a:buFont typeface="Arial" panose="020B0604020202020204" pitchFamily="34" charset="0"/>
+              <a:buChar char="»"/>
+              <a:defRPr sz="2000">
+                <a:solidFill>
+                  <a:schemeClr val="tx1"/>
+                </a:solidFill>
+                <a:latin typeface="Calibri" panose="020F0502020204030204" pitchFamily="34" charset="0"/>
+                <a:ea typeface="宋体" panose="02010600030101010101" pitchFamily="2" charset="-122"/>
+                <a:sym typeface="Calibri" panose="020F0502020204030204" pitchFamily="34" charset="0"/>
+              </a:defRPr>
+            </a:lvl6pPr>
+            <a:lvl7pPr marL="2971800" indent="-228600" eaLnBrk="0" fontAlgn="base" hangingPunct="0">
+              <a:spcBef>
+                <a:spcPct val="20000"/>
+              </a:spcBef>
+              <a:spcAft>
+                <a:spcPct val="0"/>
+              </a:spcAft>
+              <a:buFont typeface="Arial" panose="020B0604020202020204" pitchFamily="34" charset="0"/>
+              <a:buChar char="»"/>
+              <a:defRPr sz="2000">
+                <a:solidFill>
+                  <a:schemeClr val="tx1"/>
+                </a:solidFill>
+                <a:latin typeface="Calibri" panose="020F0502020204030204" pitchFamily="34" charset="0"/>
+                <a:ea typeface="宋体" panose="02010600030101010101" pitchFamily="2" charset="-122"/>
+                <a:sym typeface="Calibri" panose="020F0502020204030204" pitchFamily="34" charset="0"/>
+              </a:defRPr>
+            </a:lvl7pPr>
+            <a:lvl8pPr marL="3429000" indent="-228600" eaLnBrk="0" fontAlgn="base" hangingPunct="0">
+              <a:spcBef>
+                <a:spcPct val="20000"/>
+              </a:spcBef>
+              <a:spcAft>
+                <a:spcPct val="0"/>
+              </a:spcAft>
+              <a:buFont typeface="Arial" panose="020B0604020202020204" pitchFamily="34" charset="0"/>
+              <a:buChar char="»"/>
+              <a:defRPr sz="2000">
+                <a:solidFill>
+                  <a:schemeClr val="tx1"/>
+                </a:solidFill>
+                <a:latin typeface="Calibri" panose="020F0502020204030204" pitchFamily="34" charset="0"/>
+                <a:ea typeface="宋体" panose="02010600030101010101" pitchFamily="2" charset="-122"/>
+                <a:sym typeface="Calibri" panose="020F0502020204030204" pitchFamily="34" charset="0"/>
+              </a:defRPr>
+            </a:lvl8pPr>
+            <a:lvl9pPr marL="3886200" indent="-228600" eaLnBrk="0" fontAlgn="base" hangingPunct="0">
+              <a:spcBef>
+                <a:spcPct val="20000"/>
+              </a:spcBef>
+              <a:spcAft>
+                <a:spcPct val="0"/>
+              </a:spcAft>
+              <a:buFont typeface="Arial" panose="020B0604020202020204" pitchFamily="34" charset="0"/>
+              <a:buChar char="»"/>
+              <a:defRPr sz="2000">
+                <a:solidFill>
+                  <a:schemeClr val="tx1"/>
+                </a:solidFill>
+                <a:latin typeface="Calibri" panose="020F0502020204030204" pitchFamily="34" charset="0"/>
+                <a:ea typeface="宋体" panose="02010600030101010101" pitchFamily="2" charset="-122"/>
+                <a:sym typeface="Calibri" panose="020F0502020204030204" pitchFamily="34" charset="0"/>
+              </a:defRPr>
+            </a:lvl9pPr>
+          </a:lstStyle>
+          <a:p>
+            <a:pPr>
+              <a:lnSpc>
+                <a:spcPct val="150000"/>
+              </a:lnSpc>
+              <a:spcBef>
+                <a:spcPct val="0"/>
+              </a:spcBef>
+              <a:buFontTx/>
+              <a:buNone/>
+            </a:pPr>
+            <a:r>
+              <a:rPr lang="en-US" altLang="zh-CN" sz="2800" b="1" dirty="0" smtClean="0">
+                <a:solidFill>
+                  <a:srgbClr val="3333FF"/>
+                </a:solidFill>
+                <a:latin typeface="Times New Roman" panose="02020603050405020304" pitchFamily="18" charset="0"/>
+                <a:ea typeface="微软雅黑" panose="020B0503020204020204" pitchFamily="34" charset="-122"/>
+                <a:cs typeface="Times New Roman" panose="02020603050405020304" pitchFamily="18" charset="0"/>
+              </a:rPr>
+              <a:t>1</a:t>
+            </a:r>
+            <a:r>
+              <a:rPr lang="zh-CN" altLang="en-US" sz="2800" b="1" dirty="0" smtClean="0">
+                <a:solidFill>
+                  <a:srgbClr val="3333FF"/>
+                </a:solidFill>
+                <a:latin typeface="Times New Roman" panose="02020603050405020304" pitchFamily="18" charset="0"/>
+                <a:ea typeface="微软雅黑" panose="020B0503020204020204" pitchFamily="34" charset="-122"/>
+                <a:cs typeface="Times New Roman" panose="02020603050405020304" pitchFamily="18" charset="0"/>
+              </a:rPr>
+              <a:t>、问题描述</a:t>
+            </a:r>
+            <a:endParaRPr lang="zh-CN" altLang="en-US" sz="2800" b="1" dirty="0">
+              <a:solidFill>
+                <a:srgbClr val="3333FF"/>
+              </a:solidFill>
+              <a:latin typeface="微软雅黑" panose="020B0503020204020204" pitchFamily="34" charset="-122"/>
+              <a:ea typeface="微软雅黑" panose="020B0503020204020204" pitchFamily="34" charset="-122"/>
+              <a:cs typeface="Times New Roman" panose="02020603050405020304" pitchFamily="18" charset="0"/>
+            </a:endParaRPr>
+          </a:p>
+        </p:txBody>
+      </p:sp>
+      <p:sp>
+        <p:nvSpPr>
+          <p:cNvPr id="20" name="Text Box 7"/>
+          <p:cNvSpPr txBox="1">
+            <a:spLocks noChangeArrowheads="1"/>
+          </p:cNvSpPr>
+          <p:nvPr/>
+        </p:nvSpPr>
+        <p:spPr bwMode="auto">
+          <a:xfrm>
+            <a:off x="473075" y="4152900"/>
+            <a:ext cx="8288338" cy="341055"/>
+          </a:xfrm>
+          <a:prstGeom prst="rect">
+            <a:avLst/>
+          </a:prstGeom>
+          <a:noFill/>
+          <a:ln>
+            <a:noFill/>
+          </a:ln>
+          <a:extLst>
+            <a:ext uri="{909E8E84-426E-40DD-AFC4-6F175D3DCCD1}">
+              <a14:hiddenFill xmlns:a14="http://schemas.microsoft.com/office/drawing/2010/main">
+                <a:solidFill>
+                  <a:srgbClr val="FFFFFF"/>
+                </a:solidFill>
+              </a14:hiddenFill>
+            </a:ext>
+            <a:ext uri="{91240B29-F687-4F45-9708-019B960494DF}">
+              <a14:hiddenLine xmlns:a14="http://schemas.microsoft.com/office/drawing/2010/main" w="19050">
+                <a:solidFill>
+                  <a:srgbClr val="000000"/>
+                </a:solidFill>
+                <a:miter lim="800000"/>
+                <a:headEnd/>
+                <a:tailEnd/>
+              </a14:hiddenLine>
+            </a:ext>
+          </a:extLst>
+        </p:spPr>
+        <p:txBody>
+          <a:bodyPr>
+            <a:spAutoFit/>
+          </a:bodyPr>
+          <a:lstStyle>
+            <a:lvl1pPr>
+              <a:spcBef>
+                <a:spcPct val="20000"/>
+              </a:spcBef>
+              <a:buFont typeface="Arial" panose="020B0604020202020204" pitchFamily="34" charset="0"/>
+              <a:buChar char="•"/>
+              <a:defRPr sz="3200">
+                <a:solidFill>
+                  <a:schemeClr val="tx1"/>
+                </a:solidFill>
+                <a:latin typeface="Calibri" panose="020F0502020204030204" pitchFamily="34" charset="0"/>
+                <a:ea typeface="宋体" panose="02010600030101010101" pitchFamily="2" charset="-122"/>
+                <a:sym typeface="Calibri" panose="020F0502020204030204" pitchFamily="34" charset="0"/>
+              </a:defRPr>
+            </a:lvl1pPr>
+            <a:lvl2pPr marL="742950" indent="-285750">
+              <a:spcBef>
+                <a:spcPct val="20000"/>
+              </a:spcBef>
+              <a:buFont typeface="Arial" panose="020B0604020202020204" pitchFamily="34" charset="0"/>
+              <a:buChar char="–"/>
+              <a:defRPr sz="2800">
+                <a:solidFill>
+                  <a:schemeClr val="tx1"/>
+                </a:solidFill>
+                <a:latin typeface="Calibri" panose="020F0502020204030204" pitchFamily="34" charset="0"/>
+                <a:ea typeface="宋体" panose="02010600030101010101" pitchFamily="2" charset="-122"/>
+                <a:sym typeface="Calibri" panose="020F0502020204030204" pitchFamily="34" charset="0"/>
+              </a:defRPr>
+            </a:lvl2pPr>
+            <a:lvl3pPr marL="1143000" indent="-228600">
+              <a:spcBef>
+                <a:spcPct val="20000"/>
+              </a:spcBef>
+              <a:buFont typeface="Arial" panose="020B0604020202020204" pitchFamily="34" charset="0"/>
+              <a:buChar char="•"/>
+              <a:defRPr sz="2400">
+                <a:solidFill>
+                  <a:schemeClr val="tx1"/>
+                </a:solidFill>
+                <a:latin typeface="Calibri" panose="020F0502020204030204" pitchFamily="34" charset="0"/>
+                <a:ea typeface="宋体" panose="02010600030101010101" pitchFamily="2" charset="-122"/>
+                <a:sym typeface="Calibri" panose="020F0502020204030204" pitchFamily="34" charset="0"/>
+              </a:defRPr>
+            </a:lvl3pPr>
+            <a:lvl4pPr marL="1600200" indent="-228600">
+              <a:spcBef>
+                <a:spcPct val="20000"/>
+              </a:spcBef>
+              <a:buFont typeface="Arial" panose="020B0604020202020204" pitchFamily="34" charset="0"/>
+              <a:buChar char="–"/>
+              <a:defRPr sz="2000">
+                <a:solidFill>
+                  <a:schemeClr val="tx1"/>
+                </a:solidFill>
+                <a:latin typeface="Calibri" panose="020F0502020204030204" pitchFamily="34" charset="0"/>
+                <a:ea typeface="宋体" panose="02010600030101010101" pitchFamily="2" charset="-122"/>
+                <a:sym typeface="Calibri" panose="020F0502020204030204" pitchFamily="34" charset="0"/>
+              </a:defRPr>
+            </a:lvl4pPr>
+            <a:lvl5pPr marL="2057400" indent="-228600">
+              <a:spcBef>
+                <a:spcPct val="20000"/>
+              </a:spcBef>
+              <a:buFont typeface="Arial" panose="020B0604020202020204" pitchFamily="34" charset="0"/>
+              <a:buChar char="»"/>
+              <a:defRPr sz="2000">
+                <a:solidFill>
+                  <a:schemeClr val="tx1"/>
+                </a:solidFill>
+                <a:latin typeface="Calibri" panose="020F0502020204030204" pitchFamily="34" charset="0"/>
+                <a:ea typeface="宋体" panose="02010600030101010101" pitchFamily="2" charset="-122"/>
+                <a:sym typeface="Calibri" panose="020F0502020204030204" pitchFamily="34" charset="0"/>
+              </a:defRPr>
+            </a:lvl5pPr>
+            <a:lvl6pPr marL="2514600" indent="-228600" eaLnBrk="0" fontAlgn="base" hangingPunct="0">
+              <a:spcBef>
+                <a:spcPct val="20000"/>
+              </a:spcBef>
+              <a:spcAft>
+                <a:spcPct val="0"/>
+              </a:spcAft>
+              <a:buFont typeface="Arial" panose="020B0604020202020204" pitchFamily="34" charset="0"/>
+              <a:buChar char="»"/>
+              <a:defRPr sz="2000">
+                <a:solidFill>
+                  <a:schemeClr val="tx1"/>
+                </a:solidFill>
+                <a:latin typeface="Calibri" panose="020F0502020204030204" pitchFamily="34" charset="0"/>
+                <a:ea typeface="宋体" panose="02010600030101010101" pitchFamily="2" charset="-122"/>
+                <a:sym typeface="Calibri" panose="020F0502020204030204" pitchFamily="34" charset="0"/>
+              </a:defRPr>
+            </a:lvl6pPr>
+            <a:lvl7pPr marL="2971800" indent="-228600" eaLnBrk="0" fontAlgn="base" hangingPunct="0">
+              <a:spcBef>
+                <a:spcPct val="20000"/>
+              </a:spcBef>
+              <a:spcAft>
+                <a:spcPct val="0"/>
+              </a:spcAft>
+              <a:buFont typeface="Arial" panose="020B0604020202020204" pitchFamily="34" charset="0"/>
+              <a:buChar char="»"/>
+              <a:defRPr sz="2000">
+                <a:solidFill>
+                  <a:schemeClr val="tx1"/>
+                </a:solidFill>
+                <a:latin typeface="Calibri" panose="020F0502020204030204" pitchFamily="34" charset="0"/>
+                <a:ea typeface="宋体" panose="02010600030101010101" pitchFamily="2" charset="-122"/>
+                <a:sym typeface="Calibri" panose="020F0502020204030204" pitchFamily="34" charset="0"/>
+              </a:defRPr>
+            </a:lvl7pPr>
+            <a:lvl8pPr marL="3429000" indent="-228600" eaLnBrk="0" fontAlgn="base" hangingPunct="0">
+              <a:spcBef>
+                <a:spcPct val="20000"/>
+              </a:spcBef>
+              <a:spcAft>
+                <a:spcPct val="0"/>
+              </a:spcAft>
+              <a:buFont typeface="Arial" panose="020B0604020202020204" pitchFamily="34" charset="0"/>
+              <a:buChar char="»"/>
+              <a:defRPr sz="2000">
+                <a:solidFill>
+                  <a:schemeClr val="tx1"/>
+                </a:solidFill>
+                <a:latin typeface="Calibri" panose="020F0502020204030204" pitchFamily="34" charset="0"/>
+                <a:ea typeface="宋体" panose="02010600030101010101" pitchFamily="2" charset="-122"/>
+                <a:sym typeface="Calibri" panose="020F0502020204030204" pitchFamily="34" charset="0"/>
+              </a:defRPr>
+            </a:lvl8pPr>
+            <a:lvl9pPr marL="3886200" indent="-228600" eaLnBrk="0" fontAlgn="base" hangingPunct="0">
+              <a:spcBef>
+                <a:spcPct val="20000"/>
+              </a:spcBef>
+              <a:spcAft>
+                <a:spcPct val="0"/>
+              </a:spcAft>
+              <a:buFont typeface="Arial" panose="020B0604020202020204" pitchFamily="34" charset="0"/>
+              <a:buChar char="»"/>
+              <a:defRPr sz="2000">
+                <a:solidFill>
+                  <a:schemeClr val="tx1"/>
+                </a:solidFill>
+                <a:latin typeface="Calibri" panose="020F0502020204030204" pitchFamily="34" charset="0"/>
+                <a:ea typeface="宋体" panose="02010600030101010101" pitchFamily="2" charset="-122"/>
+                <a:sym typeface="Calibri" panose="020F0502020204030204" pitchFamily="34" charset="0"/>
+              </a:defRPr>
+            </a:lvl9pPr>
+          </a:lstStyle>
+          <a:p>
+            <a:pPr algn="ctr" eaLnBrk="1" hangingPunct="1">
+              <a:lnSpc>
+                <a:spcPct val="110000"/>
+              </a:lnSpc>
+              <a:spcBef>
+                <a:spcPct val="50000"/>
+              </a:spcBef>
+              <a:buFontTx/>
+              <a:buNone/>
+            </a:pPr>
+            <a:r>
+              <a:rPr kumimoji="1" lang="en-US" altLang="zh-CN" sz="1600" b="1" dirty="0" smtClean="0">
+                <a:latin typeface="Times New Roman" panose="02020603050405020304" pitchFamily="18" charset="0"/>
+                <a:ea typeface="黑体" panose="02010609060101010101" pitchFamily="49" charset="-122"/>
+                <a:cs typeface="Times New Roman" panose="02020603050405020304" pitchFamily="18" charset="0"/>
+              </a:rPr>
+              <a:t>Caption here</a:t>
+            </a:r>
+            <a:endParaRPr kumimoji="1" lang="en-US" altLang="zh-CN" sz="1600" b="1" dirty="0">
+              <a:latin typeface="Times New Roman" panose="02020603050405020304" pitchFamily="18" charset="0"/>
+              <a:ea typeface="黑体" panose="02010609060101010101" pitchFamily="49" charset="-122"/>
+              <a:cs typeface="Times New Roman" panose="02020603050405020304" pitchFamily="18" charset="0"/>
+            </a:endParaRPr>
+          </a:p>
+        </p:txBody>
+      </p:sp>
+      <p:graphicFrame>
+        <p:nvGraphicFramePr>
+          <p:cNvPr id="21" name="表格 20">
+            <a:extLst>
+              <a:ext uri="{FF2B5EF4-FFF2-40B4-BE49-F238E27FC236}">
+                <a16:creationId xmlns:a16="http://schemas.microsoft.com/office/drawing/2014/main" id="{F7AED091-6557-4CCB-BE7A-1FC30B72ED58}"/>
+              </a:ext>
+            </a:extLst>
+          </p:cNvPr>
+          <p:cNvGraphicFramePr>
+            <a:graphicFrameLocks noGrp="1"/>
+          </p:cNvGraphicFramePr>
+          <p:nvPr>
+            <p:extLst>
+              <p:ext uri="{D42A27DB-BD31-4B8C-83A1-F6EECF244321}">
+                <p14:modId xmlns:p14="http://schemas.microsoft.com/office/powerpoint/2010/main" val="2499515750"/>
+              </p:ext>
+            </p:extLst>
+          </p:nvPr>
+        </p:nvGraphicFramePr>
+        <p:xfrm>
+          <a:off x="230188" y="4699000"/>
+          <a:ext cx="4240212" cy="1979612"/>
+        </p:xfrm>
+        <a:graphic>
+          <a:graphicData uri="http://schemas.openxmlformats.org/drawingml/2006/table">
+            <a:tbl>
+              <a:tblPr firstRow="1" firstCol="1" bandRow="1">
+                <a:tableStyleId>{5C22544A-7EE6-4342-B048-85BDC9FD1C3A}</a:tableStyleId>
+              </a:tblPr>
+              <a:tblGrid>
+                <a:gridCol w="1699173">
+                  <a:extLst>
+                    <a:ext uri="{9D8B030D-6E8A-4147-A177-3AD203B41FA5}">
+                      <a16:colId xmlns:a16="http://schemas.microsoft.com/office/drawing/2014/main" val="3812545864"/>
+                    </a:ext>
+                  </a:extLst>
+                </a:gridCol>
+                <a:gridCol w="2541039">
+                  <a:extLst>
+                    <a:ext uri="{9D8B030D-6E8A-4147-A177-3AD203B41FA5}">
+                      <a16:colId xmlns:a16="http://schemas.microsoft.com/office/drawing/2014/main" val="3296998995"/>
+                    </a:ext>
+                  </a:extLst>
+                </a:gridCol>
+              </a:tblGrid>
+              <a:tr h="383856">
+                <a:tc>
+                  <a:txBody>
+                    <a:bodyPr/>
+                    <a:lstStyle/>
+                    <a:p>
+                      <a:pPr algn="ctr">
+                        <a:spcAft>
+                          <a:spcPts val="0"/>
+                        </a:spcAft>
+                      </a:pPr>
+                      <a:r>
+                        <a:rPr lang="zh-CN" altLang="en-US" sz="1900" b="0" kern="100" dirty="0">
+                          <a:effectLst/>
+                          <a:latin typeface="微软雅黑" panose="020B0503020204020204" pitchFamily="34" charset="-122"/>
+                          <a:ea typeface="微软雅黑" panose="020B0503020204020204" pitchFamily="34" charset="-122"/>
+                          <a:cs typeface="Times New Roman" panose="02020603050405020304" pitchFamily="18" charset="0"/>
+                        </a:rPr>
+                        <a:t>几何尺寸</a:t>
+                      </a:r>
+                      <a:endParaRPr lang="zh-CN" sz="1900" b="0" kern="100" dirty="0">
+                        <a:effectLst/>
+                        <a:latin typeface="微软雅黑" panose="020B0503020204020204" pitchFamily="34" charset="-122"/>
+                        <a:ea typeface="微软雅黑" panose="020B0503020204020204" pitchFamily="34" charset="-122"/>
+                        <a:cs typeface="Times New Roman" panose="02020603050405020304" pitchFamily="18" charset="0"/>
+                      </a:endParaRPr>
+                    </a:p>
+                  </a:txBody>
+                  <a:tcPr marL="68590" marR="68590" marT="0" marB="0" anchor="ctr"/>
+                </a:tc>
+                <a:tc>
+                  <a:txBody>
+                    <a:bodyPr/>
+                    <a:lstStyle/>
+                    <a:p>
+                      <a:pPr algn="ctr">
+                        <a:spcAft>
+                          <a:spcPts val="0"/>
+                        </a:spcAft>
+                      </a:pPr>
+                      <a:r>
+                        <a:rPr lang="zh-CN" altLang="en-US" sz="1900" b="0" kern="100" dirty="0">
+                          <a:effectLst/>
+                          <a:latin typeface="微软雅黑" panose="020B0503020204020204" pitchFamily="34" charset="-122"/>
+                          <a:ea typeface="微软雅黑" panose="020B0503020204020204" pitchFamily="34" charset="-122"/>
+                          <a:cs typeface="Times New Roman" panose="02020603050405020304" pitchFamily="18" charset="0"/>
+                        </a:rPr>
+                        <a:t>数值</a:t>
+                      </a:r>
+                      <a:endParaRPr lang="zh-CN" sz="1900" b="0" kern="100" dirty="0">
+                        <a:effectLst/>
+                        <a:latin typeface="微软雅黑" panose="020B0503020204020204" pitchFamily="34" charset="-122"/>
+                        <a:ea typeface="微软雅黑" panose="020B0503020204020204" pitchFamily="34" charset="-122"/>
+                        <a:cs typeface="Times New Roman" panose="02020603050405020304" pitchFamily="18" charset="0"/>
+                      </a:endParaRPr>
+                    </a:p>
+                  </a:txBody>
+                  <a:tcPr marL="68590" marR="68590" marT="0" marB="0" anchor="ctr"/>
+                </a:tc>
+                <a:extLst>
+                  <a:ext uri="{0D108BD9-81ED-4DB2-BD59-A6C34878D82A}">
+                    <a16:rowId xmlns:a16="http://schemas.microsoft.com/office/drawing/2014/main" val="1556186860"/>
+                  </a:ext>
+                </a:extLst>
+              </a:tr>
+              <a:tr h="398939">
+                <a:tc>
+                  <a:txBody>
+                    <a:bodyPr/>
+                    <a:lstStyle/>
+                    <a:p>
+                      <a:pPr marL="0" algn="ctr" defTabSz="914400" rtl="0" eaLnBrk="1" latinLnBrk="0" hangingPunct="1">
+                        <a:spcAft>
+                          <a:spcPts val="0"/>
+                        </a:spcAft>
+                      </a:pPr>
+                      <a:r>
+                        <a:rPr lang="zh-CN" altLang="zh-CN" sz="1700" b="0" kern="100" dirty="0">
+                          <a:solidFill>
+                            <a:schemeClr val="lt1"/>
+                          </a:solidFill>
+                          <a:effectLst/>
+                          <a:latin typeface="微软雅黑" panose="020B0503020204020204" pitchFamily="34" charset="-122"/>
+                          <a:ea typeface="微软雅黑" panose="020B0503020204020204" pitchFamily="34" charset="-122"/>
+                          <a:cs typeface="Times New Roman" panose="02020603050405020304" pitchFamily="18" charset="0"/>
+                        </a:rPr>
+                        <a:t>换热管直径</a:t>
+                      </a:r>
+                      <a:endParaRPr lang="zh-CN" altLang="en-US" sz="1700" b="0" kern="100" dirty="0">
+                        <a:solidFill>
+                          <a:schemeClr val="lt1"/>
+                        </a:solidFill>
+                        <a:effectLst/>
+                        <a:latin typeface="微软雅黑" panose="020B0503020204020204" pitchFamily="34" charset="-122"/>
+                        <a:ea typeface="微软雅黑" panose="020B0503020204020204" pitchFamily="34" charset="-122"/>
+                        <a:cs typeface="Times New Roman" panose="02020603050405020304" pitchFamily="18" charset="0"/>
+                      </a:endParaRPr>
+                    </a:p>
+                  </a:txBody>
+                  <a:tcPr marL="68590" marR="68590" marT="0" marB="0" anchor="ctr"/>
+                </a:tc>
+                <a:tc>
+                  <a:txBody>
+                    <a:bodyPr/>
+                    <a:lstStyle/>
+                    <a:p>
+                      <a:pPr algn="ctr">
+                        <a:lnSpc>
+                          <a:spcPct val="150000"/>
+                        </a:lnSpc>
+                        <a:spcAft>
+                          <a:spcPts val="0"/>
+                        </a:spcAft>
+                      </a:pPr>
+                      <a:r>
+                        <a:rPr lang="en-US" sz="1700" b="1" kern="1200" dirty="0">
+                          <a:solidFill>
+                            <a:schemeClr val="dk1"/>
+                          </a:solidFill>
+                          <a:latin typeface="Times New Roman" panose="02020603050405020304" pitchFamily="18" charset="0"/>
+                          <a:ea typeface="微软雅黑" panose="020B0503020204020204" pitchFamily="34" charset="-122"/>
+                          <a:cs typeface="Times New Roman" panose="02020603050405020304" pitchFamily="18" charset="0"/>
+                        </a:rPr>
+                        <a:t>16.4 mm</a:t>
+                      </a:r>
+                      <a:endParaRPr lang="zh-CN" altLang="en-US" sz="1700" b="1" kern="1200" dirty="0">
+                        <a:solidFill>
+                          <a:schemeClr val="dk1"/>
+                        </a:solidFill>
+                        <a:latin typeface="Times New Roman" panose="02020603050405020304" pitchFamily="18" charset="0"/>
+                        <a:ea typeface="微软雅黑" panose="020B0503020204020204" pitchFamily="34" charset="-122"/>
+                        <a:cs typeface="Times New Roman" panose="02020603050405020304" pitchFamily="18" charset="0"/>
+                      </a:endParaRPr>
+                    </a:p>
+                  </a:txBody>
+                  <a:tcPr marL="68590" marR="68590" marT="0" marB="0" anchor="ctr"/>
+                </a:tc>
+                <a:extLst>
+                  <a:ext uri="{0D108BD9-81ED-4DB2-BD59-A6C34878D82A}">
+                    <a16:rowId xmlns:a16="http://schemas.microsoft.com/office/drawing/2014/main" val="2158459069"/>
+                  </a:ext>
+                </a:extLst>
+              </a:tr>
+              <a:tr h="398939">
+                <a:tc>
+                  <a:txBody>
+                    <a:bodyPr/>
+                    <a:lstStyle/>
+                    <a:p>
+                      <a:pPr marL="0" algn="ctr" defTabSz="914400" rtl="0" eaLnBrk="1" latinLnBrk="0" hangingPunct="1">
+                        <a:spcAft>
+                          <a:spcPts val="0"/>
+                        </a:spcAft>
+                      </a:pPr>
+                      <a:r>
+                        <a:rPr lang="zh-CN" altLang="zh-CN" sz="1700" b="0" kern="100" dirty="0">
+                          <a:solidFill>
+                            <a:schemeClr val="lt1"/>
+                          </a:solidFill>
+                          <a:effectLst/>
+                          <a:latin typeface="微软雅黑" panose="020B0503020204020204" pitchFamily="34" charset="-122"/>
+                          <a:ea typeface="微软雅黑" panose="020B0503020204020204" pitchFamily="34" charset="-122"/>
+                          <a:cs typeface="Times New Roman" panose="02020603050405020304" pitchFamily="18" charset="0"/>
+                        </a:rPr>
+                        <a:t>计算域宽度</a:t>
+                      </a:r>
+                      <a:endParaRPr lang="zh-CN" altLang="en-US" sz="1700" b="0" kern="100" dirty="0">
+                        <a:solidFill>
+                          <a:schemeClr val="lt1"/>
+                        </a:solidFill>
+                        <a:effectLst/>
+                        <a:latin typeface="微软雅黑" panose="020B0503020204020204" pitchFamily="34" charset="-122"/>
+                        <a:ea typeface="微软雅黑" panose="020B0503020204020204" pitchFamily="34" charset="-122"/>
+                        <a:cs typeface="Times New Roman" panose="02020603050405020304" pitchFamily="18" charset="0"/>
+                      </a:endParaRPr>
+                    </a:p>
+                  </a:txBody>
+                  <a:tcPr marL="68590" marR="68590" marT="0" marB="0" anchor="ctr"/>
+                </a:tc>
+                <a:tc>
+                  <a:txBody>
+                    <a:bodyPr/>
+                    <a:lstStyle/>
+                    <a:p>
+                      <a:pPr algn="ctr">
+                        <a:lnSpc>
+                          <a:spcPct val="150000"/>
+                        </a:lnSpc>
+                        <a:spcAft>
+                          <a:spcPts val="0"/>
+                        </a:spcAft>
+                      </a:pPr>
+                      <a:r>
+                        <a:rPr lang="en-US" sz="1700" b="1" kern="1200" dirty="0">
+                          <a:solidFill>
+                            <a:schemeClr val="dk1"/>
+                          </a:solidFill>
+                          <a:latin typeface="Times New Roman" panose="02020603050405020304" pitchFamily="18" charset="0"/>
+                          <a:ea typeface="微软雅黑" panose="020B0503020204020204" pitchFamily="34" charset="-122"/>
+                          <a:cs typeface="Times New Roman" panose="02020603050405020304" pitchFamily="18" charset="0"/>
+                        </a:rPr>
+                        <a:t>65.6 mm</a:t>
+                      </a:r>
+                      <a:endParaRPr lang="zh-CN" altLang="en-US" sz="1700" b="1" kern="1200" dirty="0">
+                        <a:solidFill>
+                          <a:schemeClr val="dk1"/>
+                        </a:solidFill>
+                        <a:latin typeface="Times New Roman" panose="02020603050405020304" pitchFamily="18" charset="0"/>
+                        <a:ea typeface="微软雅黑" panose="020B0503020204020204" pitchFamily="34" charset="-122"/>
+                        <a:cs typeface="Times New Roman" panose="02020603050405020304" pitchFamily="18" charset="0"/>
+                      </a:endParaRPr>
+                    </a:p>
+                  </a:txBody>
+                  <a:tcPr marL="68590" marR="68590" marT="0" marB="0" anchor="ctr"/>
+                </a:tc>
+                <a:extLst>
+                  <a:ext uri="{0D108BD9-81ED-4DB2-BD59-A6C34878D82A}">
+                    <a16:rowId xmlns:a16="http://schemas.microsoft.com/office/drawing/2014/main" val="1087208171"/>
+                  </a:ext>
+                </a:extLst>
+              </a:tr>
+              <a:tr h="398939">
+                <a:tc>
+                  <a:txBody>
+                    <a:bodyPr/>
+                    <a:lstStyle/>
+                    <a:p>
+                      <a:pPr marL="0" algn="ctr" defTabSz="914400" rtl="0" eaLnBrk="1" latinLnBrk="0" hangingPunct="1">
+                        <a:spcAft>
+                          <a:spcPts val="0"/>
+                        </a:spcAft>
+                      </a:pPr>
+                      <a:r>
+                        <a:rPr lang="zh-CN" altLang="zh-CN" sz="1700" b="0" kern="100" dirty="0">
+                          <a:solidFill>
+                            <a:schemeClr val="lt1"/>
+                          </a:solidFill>
+                          <a:effectLst/>
+                          <a:latin typeface="微软雅黑" panose="020B0503020204020204" pitchFamily="34" charset="-122"/>
+                          <a:ea typeface="微软雅黑" panose="020B0503020204020204" pitchFamily="34" charset="-122"/>
+                          <a:cs typeface="Times New Roman" panose="02020603050405020304" pitchFamily="18" charset="0"/>
+                        </a:rPr>
+                        <a:t>计算域长度</a:t>
+                      </a:r>
+                      <a:endParaRPr lang="zh-CN" altLang="en-US" sz="1700" b="0" kern="100" dirty="0">
+                        <a:solidFill>
+                          <a:schemeClr val="lt1"/>
+                        </a:solidFill>
+                        <a:effectLst/>
+                        <a:latin typeface="微软雅黑" panose="020B0503020204020204" pitchFamily="34" charset="-122"/>
+                        <a:ea typeface="微软雅黑" panose="020B0503020204020204" pitchFamily="34" charset="-122"/>
+                        <a:cs typeface="Times New Roman" panose="02020603050405020304" pitchFamily="18" charset="0"/>
+                      </a:endParaRPr>
+                    </a:p>
+                  </a:txBody>
+                  <a:tcPr marL="68590" marR="68590" marT="0" marB="0" anchor="ctr"/>
+                </a:tc>
+                <a:tc>
+                  <a:txBody>
+                    <a:bodyPr/>
+                    <a:lstStyle/>
+                    <a:p>
+                      <a:pPr algn="ctr">
+                        <a:lnSpc>
+                          <a:spcPct val="150000"/>
+                        </a:lnSpc>
+                        <a:spcAft>
+                          <a:spcPts val="0"/>
+                        </a:spcAft>
+                      </a:pPr>
+                      <a:r>
+                        <a:rPr lang="en-US" sz="1700" b="1" kern="1200" dirty="0">
+                          <a:solidFill>
+                            <a:schemeClr val="dk1"/>
+                          </a:solidFill>
+                          <a:latin typeface="Times New Roman" panose="02020603050405020304" pitchFamily="18" charset="0"/>
+                          <a:ea typeface="微软雅黑" panose="020B0503020204020204" pitchFamily="34" charset="-122"/>
+                          <a:cs typeface="Times New Roman" panose="02020603050405020304" pitchFamily="18" charset="0"/>
+                        </a:rPr>
+                        <a:t>650 mm</a:t>
+                      </a:r>
+                      <a:endParaRPr lang="zh-CN" altLang="en-US" sz="1700" b="1" kern="1200" dirty="0">
+                        <a:solidFill>
+                          <a:schemeClr val="dk1"/>
+                        </a:solidFill>
+                        <a:latin typeface="Times New Roman" panose="02020603050405020304" pitchFamily="18" charset="0"/>
+                        <a:ea typeface="微软雅黑" panose="020B0503020204020204" pitchFamily="34" charset="-122"/>
+                        <a:cs typeface="Times New Roman" panose="02020603050405020304" pitchFamily="18" charset="0"/>
+                      </a:endParaRPr>
+                    </a:p>
+                  </a:txBody>
+                  <a:tcPr marL="68590" marR="68590" marT="0" marB="0" anchor="ctr"/>
+                </a:tc>
+                <a:extLst>
+                  <a:ext uri="{0D108BD9-81ED-4DB2-BD59-A6C34878D82A}">
+                    <a16:rowId xmlns:a16="http://schemas.microsoft.com/office/drawing/2014/main" val="1894481800"/>
+                  </a:ext>
+                </a:extLst>
+              </a:tr>
+              <a:tr h="398939">
+                <a:tc>
+                  <a:txBody>
+                    <a:bodyPr/>
+                    <a:lstStyle/>
+                    <a:p>
+                      <a:pPr marL="0" marR="0" lvl="0" indent="0" algn="ctr" defTabSz="914400" rtl="0" eaLnBrk="1" fontAlgn="auto" latinLnBrk="0" hangingPunct="1">
+                        <a:lnSpc>
+                          <a:spcPct val="100000"/>
+                        </a:lnSpc>
+                        <a:spcBef>
+                          <a:spcPts val="0"/>
+                        </a:spcBef>
+                        <a:spcAft>
+                          <a:spcPts val="0"/>
+                        </a:spcAft>
+                        <a:buClrTx/>
+                        <a:buSzTx/>
+                        <a:buFontTx/>
+                        <a:buNone/>
+                        <a:tabLst/>
+                        <a:defRPr/>
+                      </a:pPr>
+                      <a:r>
+                        <a:rPr lang="zh-CN" altLang="zh-CN" sz="1700" b="0" kern="100" dirty="0">
+                          <a:solidFill>
+                            <a:schemeClr val="lt1"/>
+                          </a:solidFill>
+                          <a:effectLst/>
+                          <a:latin typeface="微软雅黑" panose="020B0503020204020204" pitchFamily="34" charset="-122"/>
+                          <a:ea typeface="微软雅黑" panose="020B0503020204020204" pitchFamily="34" charset="-122"/>
+                          <a:cs typeface="Times New Roman" panose="02020603050405020304" pitchFamily="18" charset="0"/>
+                        </a:rPr>
+                        <a:t>设计单元</a:t>
+                      </a:r>
+                      <a:r>
+                        <a:rPr lang="zh-CN" altLang="en-US" sz="1700" b="0" kern="100" dirty="0">
+                          <a:solidFill>
+                            <a:schemeClr val="lt1"/>
+                          </a:solidFill>
+                          <a:effectLst/>
+                          <a:latin typeface="微软雅黑" panose="020B0503020204020204" pitchFamily="34" charset="-122"/>
+                          <a:ea typeface="微软雅黑" panose="020B0503020204020204" pitchFamily="34" charset="-122"/>
+                          <a:cs typeface="Times New Roman" panose="02020603050405020304" pitchFamily="18" charset="0"/>
+                        </a:rPr>
+                        <a:t>尺寸</a:t>
+                      </a:r>
+                    </a:p>
+                  </a:txBody>
+                  <a:tcPr marL="68590" marR="68590" marT="0" marB="0" anchor="ctr"/>
+                </a:tc>
+                <a:tc>
+                  <a:txBody>
+                    <a:bodyPr/>
+                    <a:lstStyle/>
+                    <a:p>
+                      <a:pPr algn="ctr">
+                        <a:lnSpc>
+                          <a:spcPct val="150000"/>
+                        </a:lnSpc>
+                        <a:spcAft>
+                          <a:spcPts val="0"/>
+                        </a:spcAft>
+                      </a:pPr>
+                      <a:r>
+                        <a:rPr lang="en-US" sz="1700" b="1" kern="1200" dirty="0">
+                          <a:solidFill>
+                            <a:schemeClr val="dk1"/>
+                          </a:solidFill>
+                          <a:latin typeface="Times New Roman" panose="02020603050405020304" pitchFamily="18" charset="0"/>
+                          <a:ea typeface="微软雅黑" panose="020B0503020204020204" pitchFamily="34" charset="-122"/>
+                          <a:cs typeface="Times New Roman" panose="02020603050405020304" pitchFamily="18" charset="0"/>
+                        </a:rPr>
+                        <a:t>65.6 </a:t>
+                      </a:r>
+                      <a:r>
+                        <a:rPr lang="en-US" altLang="zh-CN" sz="1700" b="1" kern="1200" dirty="0">
+                          <a:solidFill>
+                            <a:schemeClr val="dk1"/>
+                          </a:solidFill>
+                          <a:latin typeface="Times New Roman" panose="02020603050405020304" pitchFamily="18" charset="0"/>
+                          <a:ea typeface="微软雅黑" panose="020B0503020204020204" pitchFamily="34" charset="-122"/>
+                          <a:cs typeface="Times New Roman" panose="02020603050405020304" pitchFamily="18" charset="0"/>
+                        </a:rPr>
+                        <a:t>mm </a:t>
+                      </a:r>
+                      <a:r>
+                        <a:rPr lang="en-US" sz="1700" b="1" kern="1200" dirty="0">
+                          <a:solidFill>
+                            <a:schemeClr val="dk1"/>
+                          </a:solidFill>
+                          <a:latin typeface="Times New Roman" panose="02020603050405020304" pitchFamily="18" charset="0"/>
+                          <a:ea typeface="微软雅黑" panose="020B0503020204020204" pitchFamily="34" charset="-122"/>
+                          <a:cs typeface="Times New Roman" panose="02020603050405020304" pitchFamily="18" charset="0"/>
+                        </a:rPr>
+                        <a:t>* 65.6 mm</a:t>
+                      </a:r>
+                      <a:endParaRPr lang="zh-CN" altLang="en-US" sz="1700" b="1" kern="1200" dirty="0">
+                        <a:solidFill>
+                          <a:schemeClr val="dk1"/>
+                        </a:solidFill>
+                        <a:latin typeface="Times New Roman" panose="02020603050405020304" pitchFamily="18" charset="0"/>
+                        <a:ea typeface="微软雅黑" panose="020B0503020204020204" pitchFamily="34" charset="-122"/>
+                        <a:cs typeface="Times New Roman" panose="02020603050405020304" pitchFamily="18" charset="0"/>
+                      </a:endParaRPr>
+                    </a:p>
+                  </a:txBody>
+                  <a:tcPr marL="68590" marR="68590" marT="0" marB="0" anchor="ctr"/>
+                </a:tc>
+                <a:extLst>
+                  <a:ext uri="{0D108BD9-81ED-4DB2-BD59-A6C34878D82A}">
+                    <a16:rowId xmlns:a16="http://schemas.microsoft.com/office/drawing/2014/main" val="2616931094"/>
+                  </a:ext>
+                </a:extLst>
+              </a:tr>
+            </a:tbl>
+          </a:graphicData>
+        </a:graphic>
+      </p:graphicFrame>
+      <p:grpSp>
+        <p:nvGrpSpPr>
+          <p:cNvPr id="22" name="组合 12"/>
+          <p:cNvGrpSpPr>
+            <a:grpSpLocks/>
+          </p:cNvGrpSpPr>
+          <p:nvPr/>
+        </p:nvGrpSpPr>
+        <p:grpSpPr bwMode="auto">
+          <a:xfrm>
+            <a:off x="125413" y="731838"/>
+            <a:ext cx="2868612" cy="465137"/>
+            <a:chOff x="124668" y="732018"/>
+            <a:chExt cx="3120950" cy="465081"/>
+          </a:xfrm>
+        </p:grpSpPr>
+        <p:sp>
+          <p:nvSpPr>
+            <p:cNvPr id="23" name="矩形 22">
+              <a:extLst>
+                <a:ext uri="{FF2B5EF4-FFF2-40B4-BE49-F238E27FC236}">
+                  <a16:creationId xmlns:a16="http://schemas.microsoft.com/office/drawing/2014/main" id="{ACFF976D-C10F-4773-B6C0-A8EF394982B5}"/>
+                </a:ext>
+              </a:extLst>
+            </p:cNvPr>
+            <p:cNvSpPr/>
+            <p:nvPr/>
+          </p:nvSpPr>
+          <p:spPr>
+            <a:xfrm>
+              <a:off x="360713" y="732018"/>
+              <a:ext cx="2884905" cy="455033"/>
+            </a:xfrm>
+            <a:prstGeom prst="rect">
+              <a:avLst/>
+            </a:prstGeom>
+            <a:gradFill flip="none" rotWithShape="0">
+              <a:gsLst>
+                <a:gs pos="0">
+                  <a:srgbClr val="0070C0">
+                    <a:shade val="30000"/>
+                    <a:satMod val="115000"/>
+                  </a:srgbClr>
+                </a:gs>
+                <a:gs pos="50000">
+                  <a:srgbClr val="0070C0">
+                    <a:shade val="67500"/>
+                    <a:satMod val="115000"/>
+                  </a:srgbClr>
+                </a:gs>
+                <a:gs pos="100000">
+                  <a:srgbClr val="0070C0">
+                    <a:shade val="100000"/>
+                    <a:satMod val="115000"/>
+                  </a:srgbClr>
+                </a:gs>
+              </a:gsLst>
+              <a:lin ang="13500000" scaled="1"/>
+              <a:tileRect/>
+            </a:gradFill>
+            <a:scene3d>
+              <a:camera prst="orthographicFront"/>
+              <a:lightRig rig="flat" dir="t"/>
+            </a:scene3d>
+            <a:sp3d prstMaterial="dkEdge">
+              <a:bevelT w="8200" h="38100"/>
+            </a:sp3d>
+          </p:spPr>
+          <p:style>
+            <a:lnRef idx="0">
+              <a:schemeClr val="lt1">
+                <a:hueOff val="0"/>
+                <a:satOff val="0"/>
+                <a:lumOff val="0"/>
+                <a:alphaOff val="0"/>
+              </a:schemeClr>
+            </a:lnRef>
+            <a:fillRef idx="2">
+              <a:scrgbClr r="0" g="0" b="0"/>
+            </a:fillRef>
+            <a:effectRef idx="1">
+              <a:schemeClr val="accent6">
+                <a:shade val="80000"/>
+                <a:hueOff val="0"/>
+                <a:satOff val="0"/>
+                <a:lumOff val="0"/>
+                <a:alphaOff val="0"/>
+              </a:schemeClr>
+            </a:effectRef>
+            <a:fontRef idx="minor">
+              <a:schemeClr val="dk1"/>
+            </a:fontRef>
+          </p:style>
+        </p:sp>
+        <p:sp>
+          <p:nvSpPr>
+            <p:cNvPr id="24" name="文本框 23">
+              <a:extLst>
+                <a:ext uri="{FF2B5EF4-FFF2-40B4-BE49-F238E27FC236}">
+                  <a16:creationId xmlns:a16="http://schemas.microsoft.com/office/drawing/2014/main" id="{3583D282-40E0-4567-95F3-C6CD9EBD4A2A}"/>
+                </a:ext>
+              </a:extLst>
+            </p:cNvPr>
+            <p:cNvSpPr txBox="1"/>
+            <p:nvPr/>
+          </p:nvSpPr>
+          <p:spPr>
+            <a:xfrm>
+              <a:off x="124668" y="742066"/>
+              <a:ext cx="3035630" cy="455033"/>
+            </a:xfrm>
+            <a:prstGeom prst="rect">
+              <a:avLst/>
+            </a:prstGeom>
+            <a:scene3d>
+              <a:camera prst="orthographicFront"/>
+              <a:lightRig rig="flat" dir="t"/>
+            </a:scene3d>
+            <a:sp3d/>
+          </p:spPr>
+          <p:style>
+            <a:lnRef idx="0">
+              <a:scrgbClr r="0" g="0" b="0"/>
+            </a:lnRef>
+            <a:fillRef idx="0">
+              <a:scrgbClr r="0" g="0" b="0"/>
+            </a:fillRef>
+            <a:effectRef idx="0">
+              <a:scrgbClr r="0" g="0" b="0"/>
+            </a:effectRef>
+            <a:fontRef idx="minor">
+              <a:schemeClr val="dk1"/>
+            </a:fontRef>
+          </p:style>
+          <p:txBody>
+            <a:bodyPr lIns="361183" tIns="55880" rIns="55880" bIns="55880" spcCol="1270" anchor="ctr"/>
+            <a:lstStyle/>
+            <a:p>
+              <a:pPr defTabSz="977900">
+                <a:lnSpc>
+                  <a:spcPct val="90000"/>
+                </a:lnSpc>
+                <a:spcAft>
+                  <a:spcPts val="0"/>
+                </a:spcAft>
+                <a:tabLst>
+                  <a:tab pos="444500" algn="l"/>
+                </a:tabLst>
+                <a:defRPr/>
+              </a:pPr>
+              <a:r>
+                <a:rPr lang="zh-CN" altLang="en-US" sz="2200" dirty="0">
+                  <a:solidFill>
+                    <a:schemeClr val="bg1"/>
+                  </a:solidFill>
+                  <a:latin typeface="Times New Roman" panose="02020603050405020304" pitchFamily="18" charset="0"/>
+                  <a:ea typeface="微软雅黑" panose="020B0503020204020204" pitchFamily="34" charset="-122"/>
+                  <a:cs typeface="Times New Roman" panose="02020603050405020304" pitchFamily="18" charset="0"/>
+                </a:rPr>
+                <a:t>（</a:t>
+              </a:r>
+              <a:r>
+                <a:rPr lang="en-US" altLang="zh-CN" sz="2200" dirty="0">
+                  <a:solidFill>
+                    <a:schemeClr val="bg1"/>
+                  </a:solidFill>
+                  <a:latin typeface="Times New Roman" panose="02020603050405020304" pitchFamily="18" charset="0"/>
+                  <a:ea typeface="微软雅黑" panose="020B0503020204020204" pitchFamily="34" charset="-122"/>
+                  <a:cs typeface="Times New Roman" panose="02020603050405020304" pitchFamily="18" charset="0"/>
+                </a:rPr>
+                <a:t>1</a:t>
+              </a:r>
+              <a:r>
+                <a:rPr lang="zh-CN" altLang="en-US" sz="2200" dirty="0" smtClean="0">
+                  <a:solidFill>
+                    <a:schemeClr val="bg1"/>
+                  </a:solidFill>
+                  <a:latin typeface="Times New Roman" panose="02020603050405020304" pitchFamily="18" charset="0"/>
+                  <a:ea typeface="微软雅黑" panose="020B0503020204020204" pitchFamily="34" charset="-122"/>
+                  <a:cs typeface="Times New Roman" panose="02020603050405020304" pitchFamily="18" charset="0"/>
+                </a:rPr>
+                <a:t>）</a:t>
+              </a:r>
+              <a:r>
+                <a:rPr lang="zh-CN" altLang="en-US" sz="2200" dirty="0" smtClean="0">
+                  <a:solidFill>
+                    <a:schemeClr val="bg1"/>
+                  </a:solidFill>
+                  <a:latin typeface="微软雅黑" panose="020B0503020204020204" pitchFamily="34" charset="-122"/>
+                  <a:ea typeface="微软雅黑" panose="020B0503020204020204" pitchFamily="34" charset="-122"/>
+                  <a:cs typeface="Times New Roman" panose="02020603050405020304" pitchFamily="18" charset="0"/>
+                </a:rPr>
+                <a:t>模型建立</a:t>
+              </a:r>
+              <a:endParaRPr lang="zh-CN" altLang="en-US" sz="2200" dirty="0">
+                <a:solidFill>
+                  <a:schemeClr val="bg1"/>
+                </a:solidFill>
+                <a:latin typeface="微软雅黑" panose="020B0503020204020204" pitchFamily="34" charset="-122"/>
+                <a:ea typeface="微软雅黑" panose="020B0503020204020204" pitchFamily="34" charset="-122"/>
+              </a:endParaRPr>
+            </a:p>
+          </p:txBody>
+        </p:sp>
+      </p:grpSp>
+      <p:sp>
+        <p:nvSpPr>
+          <p:cNvPr id="25" name="灯片编号占位符 1"/>
+          <p:cNvSpPr>
+            <a:spLocks noGrp="1"/>
+          </p:cNvSpPr>
+          <p:nvPr>
+            <p:ph type="sldNum" sz="quarter" idx="11"/>
+          </p:nvPr>
+        </p:nvSpPr>
+        <p:spPr>
+          <a:xfrm>
+            <a:off x="8547100" y="6330950"/>
+            <a:ext cx="527050" cy="427038"/>
+          </a:xfrm>
+          <a:noFill/>
+        </p:spPr>
+        <p:txBody>
+          <a:bodyPr>
+            <a:prstTxWarp prst="textNoShape">
+              <a:avLst/>
+            </a:prstTxWarp>
+          </a:bodyPr>
+          <a:lstStyle>
+            <a:lvl1pPr>
+              <a:spcBef>
+                <a:spcPct val="20000"/>
+              </a:spcBef>
+              <a:buFont typeface="Arial" panose="020B0604020202020204" pitchFamily="34" charset="0"/>
+              <a:buChar char="•"/>
+              <a:defRPr sz="3200">
+                <a:solidFill>
+                  <a:schemeClr val="tx1"/>
+                </a:solidFill>
+                <a:latin typeface="Calibri" panose="020F0502020204030204" pitchFamily="34" charset="0"/>
+                <a:ea typeface="宋体" panose="02010600030101010101" pitchFamily="2" charset="-122"/>
+                <a:sym typeface="Calibri" panose="020F0502020204030204" pitchFamily="34" charset="0"/>
+              </a:defRPr>
+            </a:lvl1pPr>
+            <a:lvl2pPr marL="742950" indent="-285750">
+              <a:spcBef>
+                <a:spcPct val="20000"/>
+              </a:spcBef>
+              <a:buFont typeface="Arial" panose="020B0604020202020204" pitchFamily="34" charset="0"/>
+              <a:buChar char="–"/>
+              <a:defRPr sz="2800">
+                <a:solidFill>
+                  <a:schemeClr val="tx1"/>
+                </a:solidFill>
+                <a:latin typeface="Calibri" panose="020F0502020204030204" pitchFamily="34" charset="0"/>
+                <a:ea typeface="宋体" panose="02010600030101010101" pitchFamily="2" charset="-122"/>
+                <a:sym typeface="Calibri" panose="020F0502020204030204" pitchFamily="34" charset="0"/>
+              </a:defRPr>
+            </a:lvl2pPr>
+            <a:lvl3pPr marL="1143000" indent="-228600">
+              <a:spcBef>
+                <a:spcPct val="20000"/>
+              </a:spcBef>
+              <a:buFont typeface="Arial" panose="020B0604020202020204" pitchFamily="34" charset="0"/>
+              <a:buChar char="•"/>
+              <a:defRPr sz="2400">
+                <a:solidFill>
+                  <a:schemeClr val="tx1"/>
+                </a:solidFill>
+                <a:latin typeface="Calibri" panose="020F0502020204030204" pitchFamily="34" charset="0"/>
+                <a:ea typeface="宋体" panose="02010600030101010101" pitchFamily="2" charset="-122"/>
+                <a:sym typeface="Calibri" panose="020F0502020204030204" pitchFamily="34" charset="0"/>
+              </a:defRPr>
+            </a:lvl3pPr>
+            <a:lvl4pPr marL="1600200" indent="-228600">
+              <a:spcBef>
+                <a:spcPct val="20000"/>
+              </a:spcBef>
+              <a:buFont typeface="Arial" panose="020B0604020202020204" pitchFamily="34" charset="0"/>
+              <a:buChar char="–"/>
+              <a:defRPr sz="2000">
+                <a:solidFill>
+                  <a:schemeClr val="tx1"/>
+                </a:solidFill>
+                <a:latin typeface="Calibri" panose="020F0502020204030204" pitchFamily="34" charset="0"/>
+                <a:ea typeface="宋体" panose="02010600030101010101" pitchFamily="2" charset="-122"/>
+                <a:sym typeface="Calibri" panose="020F0502020204030204" pitchFamily="34" charset="0"/>
+              </a:defRPr>
+            </a:lvl4pPr>
+            <a:lvl5pPr marL="2057400" indent="-228600">
+              <a:spcBef>
+                <a:spcPct val="20000"/>
+              </a:spcBef>
+              <a:buFont typeface="Arial" panose="020B0604020202020204" pitchFamily="34" charset="0"/>
+              <a:buChar char="»"/>
+              <a:defRPr sz="2000">
+                <a:solidFill>
+                  <a:schemeClr val="tx1"/>
+                </a:solidFill>
+                <a:latin typeface="Calibri" panose="020F0502020204030204" pitchFamily="34" charset="0"/>
+                <a:ea typeface="宋体" panose="02010600030101010101" pitchFamily="2" charset="-122"/>
+                <a:sym typeface="Calibri" panose="020F0502020204030204" pitchFamily="34" charset="0"/>
+              </a:defRPr>
+            </a:lvl5pPr>
+            <a:lvl6pPr marL="2514600" indent="-228600" eaLnBrk="0" fontAlgn="base" hangingPunct="0">
+              <a:spcBef>
+                <a:spcPct val="20000"/>
+              </a:spcBef>
+              <a:spcAft>
+                <a:spcPct val="0"/>
+              </a:spcAft>
+              <a:buFont typeface="Arial" panose="020B0604020202020204" pitchFamily="34" charset="0"/>
+              <a:buChar char="»"/>
+              <a:defRPr sz="2000">
+                <a:solidFill>
+                  <a:schemeClr val="tx1"/>
+                </a:solidFill>
+                <a:latin typeface="Calibri" panose="020F0502020204030204" pitchFamily="34" charset="0"/>
+                <a:ea typeface="宋体" panose="02010600030101010101" pitchFamily="2" charset="-122"/>
+                <a:sym typeface="Calibri" panose="020F0502020204030204" pitchFamily="34" charset="0"/>
+              </a:defRPr>
+            </a:lvl6pPr>
+            <a:lvl7pPr marL="2971800" indent="-228600" eaLnBrk="0" fontAlgn="base" hangingPunct="0">
+              <a:spcBef>
+                <a:spcPct val="20000"/>
+              </a:spcBef>
+              <a:spcAft>
+                <a:spcPct val="0"/>
+              </a:spcAft>
+              <a:buFont typeface="Arial" panose="020B0604020202020204" pitchFamily="34" charset="0"/>
+              <a:buChar char="»"/>
+              <a:defRPr sz="2000">
+                <a:solidFill>
+                  <a:schemeClr val="tx1"/>
+                </a:solidFill>
+                <a:latin typeface="Calibri" panose="020F0502020204030204" pitchFamily="34" charset="0"/>
+                <a:ea typeface="宋体" panose="02010600030101010101" pitchFamily="2" charset="-122"/>
+                <a:sym typeface="Calibri" panose="020F0502020204030204" pitchFamily="34" charset="0"/>
+              </a:defRPr>
+            </a:lvl7pPr>
+            <a:lvl8pPr marL="3429000" indent="-228600" eaLnBrk="0" fontAlgn="base" hangingPunct="0">
+              <a:spcBef>
+                <a:spcPct val="20000"/>
+              </a:spcBef>
+              <a:spcAft>
+                <a:spcPct val="0"/>
+              </a:spcAft>
+              <a:buFont typeface="Arial" panose="020B0604020202020204" pitchFamily="34" charset="0"/>
+              <a:buChar char="»"/>
+              <a:defRPr sz="2000">
+                <a:solidFill>
+                  <a:schemeClr val="tx1"/>
+                </a:solidFill>
+                <a:latin typeface="Calibri" panose="020F0502020204030204" pitchFamily="34" charset="0"/>
+                <a:ea typeface="宋体" panose="02010600030101010101" pitchFamily="2" charset="-122"/>
+                <a:sym typeface="Calibri" panose="020F0502020204030204" pitchFamily="34" charset="0"/>
+              </a:defRPr>
+            </a:lvl8pPr>
+            <a:lvl9pPr marL="3886200" indent="-228600" eaLnBrk="0" fontAlgn="base" hangingPunct="0">
+              <a:spcBef>
+                <a:spcPct val="20000"/>
+              </a:spcBef>
+              <a:spcAft>
+                <a:spcPct val="0"/>
+              </a:spcAft>
+              <a:buFont typeface="Arial" panose="020B0604020202020204" pitchFamily="34" charset="0"/>
+              <a:buChar char="»"/>
+              <a:defRPr sz="2000">
+                <a:solidFill>
+                  <a:schemeClr val="tx1"/>
+                </a:solidFill>
+                <a:latin typeface="Calibri" panose="020F0502020204030204" pitchFamily="34" charset="0"/>
+                <a:ea typeface="宋体" panose="02010600030101010101" pitchFamily="2" charset="-122"/>
+                <a:sym typeface="Calibri" panose="020F0502020204030204" pitchFamily="34" charset="0"/>
+              </a:defRPr>
+            </a:lvl9pPr>
+          </a:lstStyle>
+          <a:p>
+            <a:pPr>
+              <a:spcBef>
+                <a:spcPct val="0"/>
+              </a:spcBef>
+              <a:buFont typeface="Arial" panose="020B0604020202020204" pitchFamily="34" charset="0"/>
+              <a:buNone/>
+            </a:pPr>
+            <a:r>
+              <a:rPr lang="en-US" altLang="zh-CN" sz="1800" dirty="0" smtClean="0">
+                <a:solidFill>
+                  <a:srgbClr val="898989"/>
+                </a:solidFill>
+                <a:latin typeface="微软雅黑" panose="020B0503020204020204" pitchFamily="34" charset="-122"/>
+                <a:ea typeface="微软雅黑" panose="020B0503020204020204" pitchFamily="34" charset="-122"/>
+              </a:rPr>
+              <a:t>?</a:t>
+            </a:r>
+            <a:endParaRPr lang="zh-CN" altLang="en-US" sz="1800" dirty="0" smtClean="0">
+              <a:latin typeface="微软雅黑" panose="020B0503020204020204" pitchFamily="34" charset="-122"/>
+              <a:ea typeface="微软雅黑" panose="020B0503020204020204" pitchFamily="34" charset="-122"/>
+            </a:endParaRPr>
+          </a:p>
+        </p:txBody>
+      </p:sp>
+    </p:spTree>
+    <p:extLst>
+      <p:ext uri="{BB962C8B-B14F-4D97-AF65-F5344CB8AC3E}">
+        <p14:creationId xmlns:p14="http://schemas.microsoft.com/office/powerpoint/2010/main" val="3596425607"/>
+      </p:ext>
+    </p:extLst>
+  </p:cSld>
+  <p:clrMapOvr>
+    <a:masterClrMapping/>
+  </p:clrMapOvr>
+  <p:timing>
+    <p:tnLst>
+      <p:par>
+        <p:cTn id="1" dur="indefinite" restart="never" nodeType="tmRoot"/>
+      </p:par>
+    </p:tnLst>
+  </p:timing>
+</p:sld>
+</file>
+
+<file path=ppt/slides/slide2.xml><?xml version="1.0" encoding="utf-8"?>
+<p:sld xmlns:a="http://schemas.openxmlformats.org/drawingml/2006/main" xmlns:r="http://schemas.openxmlformats.org/officeDocument/2006/relationships" xmlns:p="http://schemas.openxmlformats.org/presentationml/2006/main">
+  <p:cSld>
+    <p:spTree>
+      <p:nvGrpSpPr>
+        <p:cNvPr id="1" name=""/>
+        <p:cNvGrpSpPr/>
+        <p:nvPr/>
+      </p:nvGrpSpPr>
+      <p:grpSpPr>
+        <a:xfrm>
+          <a:off x="0" y="0"/>
+          <a:ext cx="0" cy="0"/>
+          <a:chOff x="0" y="0"/>
+          <a:chExt cx="0" cy="0"/>
+        </a:xfrm>
+      </p:grpSpPr>
+      <p:sp>
+        <p:nvSpPr>
           <p:cNvPr id="4" name="文本框 3"/>
-          <p:cNvSpPr txBox="1"/>
+          <p:cNvSpPr txBox="1">
+            <a:spLocks noChangeArrowheads="1"/>
+          </p:cNvSpPr>
+          <p:nvPr/>
+        </p:nvSpPr>
+        <p:spPr bwMode="auto">
+          <a:xfrm>
+            <a:off x="285750" y="538163"/>
+            <a:ext cx="4781550" cy="3108543"/>
+          </a:xfrm>
+          <a:prstGeom prst="rect">
+            <a:avLst/>
+          </a:prstGeom>
+          <a:noFill/>
+          <a:ln>
+            <a:noFill/>
+          </a:ln>
+          <a:extLst>
+            <a:ext uri="{909E8E84-426E-40DD-AFC4-6F175D3DCCD1}">
+              <a14:hiddenFill xmlns:a14="http://schemas.microsoft.com/office/drawing/2010/main">
+                <a:solidFill>
+                  <a:srgbClr val="FFFFFF"/>
+                </a:solidFill>
+              </a14:hiddenFill>
+            </a:ext>
+            <a:ext uri="{91240B29-F687-4F45-9708-019B960494DF}">
+              <a14:hiddenLine xmlns:a14="http://schemas.microsoft.com/office/drawing/2010/main" w="9525">
+                <a:solidFill>
+                  <a:srgbClr val="000000"/>
+                </a:solidFill>
+                <a:miter lim="800000"/>
+                <a:headEnd/>
+                <a:tailEnd/>
+              </a14:hiddenLine>
+            </a:ext>
+          </a:extLst>
+        </p:spPr>
+        <p:txBody>
+          <a:bodyPr>
+            <a:spAutoFit/>
+          </a:bodyPr>
+          <a:lstStyle>
+            <a:lvl1pPr>
+              <a:spcBef>
+                <a:spcPct val="20000"/>
+              </a:spcBef>
+              <a:buFont typeface="Arial" panose="020B0604020202020204" pitchFamily="34" charset="0"/>
+              <a:buChar char="•"/>
+              <a:defRPr sz="3200">
+                <a:solidFill>
+                  <a:schemeClr val="tx1"/>
+                </a:solidFill>
+                <a:latin typeface="Calibri" panose="020F0502020204030204" pitchFamily="34" charset="0"/>
+                <a:ea typeface="宋体" panose="02010600030101010101" pitchFamily="2" charset="-122"/>
+                <a:sym typeface="Calibri" panose="020F0502020204030204" pitchFamily="34" charset="0"/>
+              </a:defRPr>
+            </a:lvl1pPr>
+            <a:lvl2pPr marL="742950" indent="-285750">
+              <a:spcBef>
+                <a:spcPct val="20000"/>
+              </a:spcBef>
+              <a:buFont typeface="Arial" panose="020B0604020202020204" pitchFamily="34" charset="0"/>
+              <a:buChar char="–"/>
+              <a:defRPr sz="2800">
+                <a:solidFill>
+                  <a:schemeClr val="tx1"/>
+                </a:solidFill>
+                <a:latin typeface="Calibri" panose="020F0502020204030204" pitchFamily="34" charset="0"/>
+                <a:ea typeface="宋体" panose="02010600030101010101" pitchFamily="2" charset="-122"/>
+                <a:sym typeface="Calibri" panose="020F0502020204030204" pitchFamily="34" charset="0"/>
+              </a:defRPr>
+            </a:lvl2pPr>
+            <a:lvl3pPr marL="1143000" indent="-228600">
+              <a:spcBef>
+                <a:spcPct val="20000"/>
+              </a:spcBef>
+              <a:buFont typeface="Arial" panose="020B0604020202020204" pitchFamily="34" charset="0"/>
+              <a:buChar char="•"/>
+              <a:defRPr sz="2400">
+                <a:solidFill>
+                  <a:schemeClr val="tx1"/>
+                </a:solidFill>
+                <a:latin typeface="Calibri" panose="020F0502020204030204" pitchFamily="34" charset="0"/>
+                <a:ea typeface="宋体" panose="02010600030101010101" pitchFamily="2" charset="-122"/>
+                <a:sym typeface="Calibri" panose="020F0502020204030204" pitchFamily="34" charset="0"/>
+              </a:defRPr>
+            </a:lvl3pPr>
+            <a:lvl4pPr marL="1600200" indent="-228600">
+              <a:spcBef>
+                <a:spcPct val="20000"/>
+              </a:spcBef>
+              <a:buFont typeface="Arial" panose="020B0604020202020204" pitchFamily="34" charset="0"/>
+              <a:buChar char="–"/>
+              <a:defRPr sz="2000">
+                <a:solidFill>
+                  <a:schemeClr val="tx1"/>
+                </a:solidFill>
+                <a:latin typeface="Calibri" panose="020F0502020204030204" pitchFamily="34" charset="0"/>
+                <a:ea typeface="宋体" panose="02010600030101010101" pitchFamily="2" charset="-122"/>
+                <a:sym typeface="Calibri" panose="020F0502020204030204" pitchFamily="34" charset="0"/>
+              </a:defRPr>
+            </a:lvl4pPr>
+            <a:lvl5pPr marL="2057400" indent="-228600">
+              <a:spcBef>
+                <a:spcPct val="20000"/>
+              </a:spcBef>
+              <a:buFont typeface="Arial" panose="020B0604020202020204" pitchFamily="34" charset="0"/>
+              <a:buChar char="»"/>
+              <a:defRPr sz="2000">
+                <a:solidFill>
+                  <a:schemeClr val="tx1"/>
+                </a:solidFill>
+                <a:latin typeface="Calibri" panose="020F0502020204030204" pitchFamily="34" charset="0"/>
+                <a:ea typeface="宋体" panose="02010600030101010101" pitchFamily="2" charset="-122"/>
+                <a:sym typeface="Calibri" panose="020F0502020204030204" pitchFamily="34" charset="0"/>
+              </a:defRPr>
+            </a:lvl5pPr>
+            <a:lvl6pPr marL="2514600" indent="-228600" eaLnBrk="0" fontAlgn="base" hangingPunct="0">
+              <a:spcBef>
+                <a:spcPct val="20000"/>
+              </a:spcBef>
+              <a:spcAft>
+                <a:spcPct val="0"/>
+              </a:spcAft>
+              <a:buFont typeface="Arial" panose="020B0604020202020204" pitchFamily="34" charset="0"/>
+              <a:buChar char="»"/>
+              <a:defRPr sz="2000">
+                <a:solidFill>
+                  <a:schemeClr val="tx1"/>
+                </a:solidFill>
+                <a:latin typeface="Calibri" panose="020F0502020204030204" pitchFamily="34" charset="0"/>
+                <a:ea typeface="宋体" panose="02010600030101010101" pitchFamily="2" charset="-122"/>
+                <a:sym typeface="Calibri" panose="020F0502020204030204" pitchFamily="34" charset="0"/>
+              </a:defRPr>
+            </a:lvl6pPr>
+            <a:lvl7pPr marL="2971800" indent="-228600" eaLnBrk="0" fontAlgn="base" hangingPunct="0">
+              <a:spcBef>
+                <a:spcPct val="20000"/>
+              </a:spcBef>
+              <a:spcAft>
+                <a:spcPct val="0"/>
+              </a:spcAft>
+              <a:buFont typeface="Arial" panose="020B0604020202020204" pitchFamily="34" charset="0"/>
+              <a:buChar char="»"/>
+              <a:defRPr sz="2000">
+                <a:solidFill>
+                  <a:schemeClr val="tx1"/>
+                </a:solidFill>
+                <a:latin typeface="Calibri" panose="020F0502020204030204" pitchFamily="34" charset="0"/>
+                <a:ea typeface="宋体" panose="02010600030101010101" pitchFamily="2" charset="-122"/>
+                <a:sym typeface="Calibri" panose="020F0502020204030204" pitchFamily="34" charset="0"/>
+              </a:defRPr>
+            </a:lvl7pPr>
+            <a:lvl8pPr marL="3429000" indent="-228600" eaLnBrk="0" fontAlgn="base" hangingPunct="0">
+              <a:spcBef>
+                <a:spcPct val="20000"/>
+              </a:spcBef>
+              <a:spcAft>
+                <a:spcPct val="0"/>
+              </a:spcAft>
+              <a:buFont typeface="Arial" panose="020B0604020202020204" pitchFamily="34" charset="0"/>
+              <a:buChar char="»"/>
+              <a:defRPr sz="2000">
+                <a:solidFill>
+                  <a:schemeClr val="tx1"/>
+                </a:solidFill>
+                <a:latin typeface="Calibri" panose="020F0502020204030204" pitchFamily="34" charset="0"/>
+                <a:ea typeface="宋体" panose="02010600030101010101" pitchFamily="2" charset="-122"/>
+                <a:sym typeface="Calibri" panose="020F0502020204030204" pitchFamily="34" charset="0"/>
+              </a:defRPr>
+            </a:lvl8pPr>
+            <a:lvl9pPr marL="3886200" indent="-228600" eaLnBrk="0" fontAlgn="base" hangingPunct="0">
+              <a:spcBef>
+                <a:spcPct val="20000"/>
+              </a:spcBef>
+              <a:spcAft>
+                <a:spcPct val="0"/>
+              </a:spcAft>
+              <a:buFont typeface="Arial" panose="020B0604020202020204" pitchFamily="34" charset="0"/>
+              <a:buChar char="»"/>
+              <a:defRPr sz="2000">
+                <a:solidFill>
+                  <a:schemeClr val="tx1"/>
+                </a:solidFill>
+                <a:latin typeface="Calibri" panose="020F0502020204030204" pitchFamily="34" charset="0"/>
+                <a:ea typeface="宋体" panose="02010600030101010101" pitchFamily="2" charset="-122"/>
+                <a:sym typeface="Calibri" panose="020F0502020204030204" pitchFamily="34" charset="0"/>
+              </a:defRPr>
+            </a:lvl9pPr>
+          </a:lstStyle>
+          <a:p>
+            <a:pPr eaLnBrk="1" hangingPunct="1">
+              <a:lnSpc>
+                <a:spcPct val="150000"/>
+              </a:lnSpc>
+              <a:spcBef>
+                <a:spcPct val="0"/>
+              </a:spcBef>
+              <a:buSzPct val="110000"/>
+              <a:buFont typeface="Wingdings" panose="05000000000000000000" pitchFamily="2" charset="2"/>
+              <a:buChar char="Ø"/>
+            </a:pPr>
+            <a:r>
+              <a:rPr lang="zh-CN" altLang="en-US" sz="2400" b="1" dirty="0">
+                <a:solidFill>
+                  <a:srgbClr val="FF0000"/>
+                </a:solidFill>
+                <a:latin typeface="微软雅黑" panose="020B0503020204020204" pitchFamily="34" charset="-122"/>
+                <a:ea typeface="微软雅黑" panose="020B0503020204020204" pitchFamily="34" charset="-122"/>
+                <a:cs typeface="Times New Roman" panose="02020603050405020304" pitchFamily="18" charset="0"/>
+              </a:rPr>
+              <a:t>控制方程</a:t>
+            </a:r>
+            <a:r>
+              <a:rPr lang="zh-CN" altLang="en-US" sz="2400" b="1" dirty="0" smtClean="0">
+                <a:solidFill>
+                  <a:srgbClr val="FF0000"/>
+                </a:solidFill>
+                <a:latin typeface="微软雅黑" panose="020B0503020204020204" pitchFamily="34" charset="-122"/>
+                <a:ea typeface="微软雅黑" panose="020B0503020204020204" pitchFamily="34" charset="-122"/>
+                <a:cs typeface="Times New Roman" panose="02020603050405020304" pitchFamily="18" charset="0"/>
+              </a:rPr>
+              <a:t>及</a:t>
+            </a:r>
+            <a:r>
+              <a:rPr lang="en-US" altLang="zh-CN" sz="2400" b="1" i="1" dirty="0" smtClean="0">
+                <a:solidFill>
+                  <a:srgbClr val="FF0000"/>
+                </a:solidFill>
+                <a:latin typeface="微软雅黑" panose="020B0503020204020204" pitchFamily="34" charset="-122"/>
+                <a:ea typeface="微软雅黑" panose="020B0503020204020204" pitchFamily="34" charset="-122"/>
+                <a:cs typeface="Times New Roman" panose="02020603050405020304" pitchFamily="18" charset="0"/>
+              </a:rPr>
+              <a:t>k</a:t>
+            </a:r>
+            <a:r>
+              <a:rPr lang="en-US" altLang="zh-CN" sz="2400" b="1" dirty="0" smtClean="0">
+                <a:solidFill>
+                  <a:srgbClr val="FF0000"/>
+                </a:solidFill>
+                <a:latin typeface="微软雅黑" panose="020B0503020204020204" pitchFamily="34" charset="-122"/>
+                <a:ea typeface="微软雅黑" panose="020B0503020204020204" pitchFamily="34" charset="-122"/>
+                <a:cs typeface="Times New Roman" panose="02020603050405020304" pitchFamily="18" charset="0"/>
+              </a:rPr>
+              <a:t>–</a:t>
+            </a:r>
+            <a:r>
+              <a:rPr lang="el-GR" altLang="zh-CN" sz="2400" b="1" i="1" dirty="0" smtClean="0">
+                <a:solidFill>
+                  <a:srgbClr val="FF0000"/>
+                </a:solidFill>
+                <a:latin typeface="微软雅黑" panose="020B0503020204020204" pitchFamily="34" charset="-122"/>
+                <a:ea typeface="微软雅黑" panose="020B0503020204020204" pitchFamily="34" charset="-122"/>
+                <a:cs typeface="Times New Roman" panose="02020603050405020304" pitchFamily="18" charset="0"/>
+              </a:rPr>
+              <a:t>ε</a:t>
+            </a:r>
+            <a:r>
+              <a:rPr lang="zh-CN" altLang="en-US" sz="2400" b="1" dirty="0" smtClean="0">
+                <a:solidFill>
+                  <a:srgbClr val="FF0000"/>
+                </a:solidFill>
+                <a:latin typeface="微软雅黑" panose="020B0503020204020204" pitchFamily="34" charset="-122"/>
+                <a:ea typeface="微软雅黑" panose="020B0503020204020204" pitchFamily="34" charset="-122"/>
+                <a:cs typeface="Times New Roman" panose="02020603050405020304" pitchFamily="18" charset="0"/>
+              </a:rPr>
+              <a:t>湍流模型</a:t>
+            </a:r>
+            <a:endParaRPr lang="en-US" altLang="zh-CN" sz="2400" b="1" dirty="0">
+              <a:solidFill>
+                <a:srgbClr val="FF0000"/>
+              </a:solidFill>
+              <a:latin typeface="微软雅黑" panose="020B0503020204020204" pitchFamily="34" charset="-122"/>
+              <a:ea typeface="微软雅黑" panose="020B0503020204020204" pitchFamily="34" charset="-122"/>
+              <a:cs typeface="Times New Roman" panose="02020603050405020304" pitchFamily="18" charset="0"/>
+            </a:endParaRPr>
+          </a:p>
+          <a:p>
+            <a:pPr eaLnBrk="1" hangingPunct="1">
+              <a:lnSpc>
+                <a:spcPct val="200000"/>
+              </a:lnSpc>
+              <a:spcBef>
+                <a:spcPct val="0"/>
+              </a:spcBef>
+              <a:buSzPct val="110000"/>
+              <a:buFontTx/>
+              <a:buNone/>
+            </a:pPr>
+            <a:r>
+              <a:rPr lang="zh-CN" altLang="en-US" sz="2000" dirty="0">
+                <a:latin typeface="微软雅黑" panose="020B0503020204020204" pitchFamily="34" charset="-122"/>
+                <a:ea typeface="微软雅黑" panose="020B0503020204020204" pitchFamily="34" charset="-122"/>
+                <a:cs typeface="Times New Roman" panose="02020603050405020304" pitchFamily="18" charset="0"/>
+              </a:rPr>
+              <a:t>连续性方程</a:t>
+            </a:r>
+            <a:r>
+              <a:rPr lang="en-US" altLang="zh-CN" sz="2000" dirty="0">
+                <a:latin typeface="微软雅黑" panose="020B0503020204020204" pitchFamily="34" charset="-122"/>
+                <a:ea typeface="微软雅黑" panose="020B0503020204020204" pitchFamily="34" charset="-122"/>
+                <a:cs typeface="Times New Roman" panose="02020603050405020304" pitchFamily="18" charset="0"/>
+              </a:rPr>
+              <a:t>:</a:t>
+            </a:r>
+          </a:p>
+          <a:p>
+            <a:pPr eaLnBrk="1" hangingPunct="1">
+              <a:lnSpc>
+                <a:spcPct val="200000"/>
+              </a:lnSpc>
+              <a:spcBef>
+                <a:spcPct val="0"/>
+              </a:spcBef>
+              <a:buSzPct val="110000"/>
+              <a:buFontTx/>
+              <a:buNone/>
+            </a:pPr>
+            <a:r>
+              <a:rPr lang="en-US" altLang="zh-CN" sz="2000" i="1" dirty="0" smtClean="0">
+                <a:latin typeface="Times New Roman" panose="02020603050405020304" pitchFamily="18" charset="0"/>
+                <a:ea typeface="黑体" panose="02010609060101010101" pitchFamily="49" charset="-122"/>
+                <a:cs typeface="Times New Roman" panose="02020603050405020304" pitchFamily="18" charset="0"/>
+              </a:rPr>
+              <a:t>x</a:t>
+            </a:r>
+            <a:r>
+              <a:rPr lang="zh-CN" altLang="en-US" sz="2000" dirty="0" smtClean="0">
+                <a:latin typeface="微软雅黑" panose="020B0503020204020204" pitchFamily="34" charset="-122"/>
+                <a:ea typeface="微软雅黑" panose="020B0503020204020204" pitchFamily="34" charset="-122"/>
+                <a:cs typeface="Times New Roman" panose="02020603050405020304" pitchFamily="18" charset="0"/>
+              </a:rPr>
+              <a:t>方向动量方程</a:t>
+            </a:r>
+            <a:r>
+              <a:rPr lang="en-US" altLang="zh-CN" sz="2000" dirty="0" smtClean="0">
+                <a:latin typeface="微软雅黑" panose="020B0503020204020204" pitchFamily="34" charset="-122"/>
+                <a:ea typeface="微软雅黑" panose="020B0503020204020204" pitchFamily="34" charset="-122"/>
+                <a:cs typeface="Times New Roman" panose="02020603050405020304" pitchFamily="18" charset="0"/>
+              </a:rPr>
+              <a:t>:</a:t>
+            </a:r>
+          </a:p>
+          <a:p>
+            <a:pPr eaLnBrk="1" hangingPunct="1">
+              <a:lnSpc>
+                <a:spcPct val="200000"/>
+              </a:lnSpc>
+              <a:spcBef>
+                <a:spcPct val="0"/>
+              </a:spcBef>
+              <a:buSzPct val="110000"/>
+              <a:buFontTx/>
+              <a:buNone/>
+            </a:pPr>
+            <a:r>
+              <a:rPr lang="en-US" altLang="zh-CN" sz="2000" i="1" dirty="0" smtClean="0">
+                <a:latin typeface="Times New Roman" panose="02020603050405020304" pitchFamily="18" charset="0"/>
+                <a:ea typeface="黑体" panose="02010609060101010101" pitchFamily="49" charset="-122"/>
+                <a:cs typeface="Times New Roman" panose="02020603050405020304" pitchFamily="18" charset="0"/>
+              </a:rPr>
+              <a:t>y</a:t>
+            </a:r>
+            <a:r>
+              <a:rPr lang="zh-CN" altLang="en-US" sz="2000" dirty="0">
+                <a:latin typeface="微软雅黑" panose="020B0503020204020204" pitchFamily="34" charset="-122"/>
+                <a:ea typeface="微软雅黑" panose="020B0503020204020204" pitchFamily="34" charset="-122"/>
+                <a:cs typeface="Times New Roman" panose="02020603050405020304" pitchFamily="18" charset="0"/>
+              </a:rPr>
+              <a:t>方向动量方程</a:t>
+            </a:r>
+            <a:r>
+              <a:rPr lang="en-US" altLang="zh-CN" sz="2000" dirty="0">
+                <a:latin typeface="微软雅黑" panose="020B0503020204020204" pitchFamily="34" charset="-122"/>
+                <a:ea typeface="微软雅黑" panose="020B0503020204020204" pitchFamily="34" charset="-122"/>
+                <a:cs typeface="Times New Roman" panose="02020603050405020304" pitchFamily="18" charset="0"/>
+              </a:rPr>
+              <a:t>:</a:t>
+            </a:r>
+          </a:p>
+          <a:p>
+            <a:pPr eaLnBrk="1" hangingPunct="1">
+              <a:lnSpc>
+                <a:spcPct val="200000"/>
+              </a:lnSpc>
+              <a:spcBef>
+                <a:spcPct val="0"/>
+              </a:spcBef>
+              <a:buSzPct val="110000"/>
+              <a:buFontTx/>
+              <a:buNone/>
+            </a:pPr>
+            <a:r>
+              <a:rPr lang="zh-CN" altLang="en-US" sz="2000" dirty="0">
+                <a:latin typeface="微软雅黑" panose="020B0503020204020204" pitchFamily="34" charset="-122"/>
+                <a:ea typeface="微软雅黑" panose="020B0503020204020204" pitchFamily="34" charset="-122"/>
+                <a:cs typeface="Times New Roman" panose="02020603050405020304" pitchFamily="18" charset="0"/>
+              </a:rPr>
+              <a:t>能量方程</a:t>
+            </a:r>
+            <a:r>
+              <a:rPr lang="en-US" altLang="zh-CN" sz="2000" dirty="0">
+                <a:latin typeface="微软雅黑" panose="020B0503020204020204" pitchFamily="34" charset="-122"/>
+                <a:ea typeface="微软雅黑" panose="020B0503020204020204" pitchFamily="34" charset="-122"/>
+                <a:cs typeface="Times New Roman" panose="02020603050405020304" pitchFamily="18" charset="0"/>
+              </a:rPr>
+              <a:t>:</a:t>
+            </a:r>
+          </a:p>
+        </p:txBody>
+      </p:sp>
+      <p:graphicFrame>
+        <p:nvGraphicFramePr>
+          <p:cNvPr id="5" name="对象 25"/>
+          <p:cNvGraphicFramePr>
+            <a:graphicFrameLocks noChangeAspect="1"/>
+          </p:cNvGraphicFramePr>
+          <p:nvPr/>
+        </p:nvGraphicFramePr>
+        <p:xfrm>
+          <a:off x="2195513" y="1219200"/>
+          <a:ext cx="939800" cy="360363"/>
+        </p:xfrm>
+        <a:graphic>
+          <a:graphicData uri="http://schemas.openxmlformats.org/presentationml/2006/ole">
+            <mc:AlternateContent xmlns:mc="http://schemas.openxmlformats.org/markup-compatibility/2006">
+              <mc:Choice xmlns:v="urn:schemas-microsoft-com:vml" Requires="v">
+                <p:oleObj spid="_x0000_s1086" name="公式" r:id="rId3" imgW="558800" imgH="228600" progId="Equation.3">
+                  <p:embed/>
+                </p:oleObj>
+              </mc:Choice>
+              <mc:Fallback>
+                <p:oleObj name="公式" r:id="rId3" imgW="558800" imgH="228600" progId="Equation.3">
+                  <p:embed/>
+                  <p:pic>
+                    <p:nvPicPr>
+                      <p:cNvPr id="53253" name="对象 25"/>
+                      <p:cNvPicPr>
+                        <a:picLocks noChangeAspect="1" noChangeArrowheads="1"/>
+                      </p:cNvPicPr>
+                      <p:nvPr/>
+                    </p:nvPicPr>
+                    <p:blipFill>
+                      <a:blip r:embed="rId4">
+                        <a:extLst>
+                          <a:ext uri="{28A0092B-C50C-407E-A947-70E740481C1C}">
+                            <a14:useLocalDpi xmlns:a14="http://schemas.microsoft.com/office/drawing/2010/main" val="0"/>
+                          </a:ext>
+                        </a:extLst>
+                      </a:blip>
+                      <a:srcRect/>
+                      <a:stretch>
+                        <a:fillRect/>
+                      </a:stretch>
+                    </p:blipFill>
+                    <p:spPr bwMode="auto">
+                      <a:xfrm>
+                        <a:off x="2195513" y="1219200"/>
+                        <a:ext cx="939800" cy="360363"/>
+                      </a:xfrm>
+                      <a:prstGeom prst="rect">
+                        <a:avLst/>
+                      </a:prstGeom>
+                      <a:noFill/>
+                      <a:ln>
+                        <a:noFill/>
+                      </a:ln>
+                      <a:extLst>
+                        <a:ext uri="{909E8E84-426E-40DD-AFC4-6F175D3DCCD1}">
+                          <a14:hiddenFill xmlns:a14="http://schemas.microsoft.com/office/drawing/2010/main">
+                            <a:solidFill>
+                              <a:srgbClr val="FFFFFF"/>
+                            </a:solidFill>
+                          </a14:hiddenFill>
+                        </a:ext>
+                        <a:ext uri="{91240B29-F687-4F45-9708-019B960494DF}">
+                          <a14:hiddenLine xmlns:a14="http://schemas.microsoft.com/office/drawing/2010/main" w="9525">
+                            <a:solidFill>
+                              <a:srgbClr val="000000"/>
+                            </a:solidFill>
+                            <a:miter lim="800000"/>
+                            <a:headEnd/>
+                            <a:tailEnd/>
+                          </a14:hiddenLine>
+                        </a:ext>
+                      </a:extLst>
+                    </p:spPr>
+                  </p:pic>
+                </p:oleObj>
+              </mc:Fallback>
+            </mc:AlternateContent>
+          </a:graphicData>
+        </a:graphic>
+      </p:graphicFrame>
+      <p:graphicFrame>
+        <p:nvGraphicFramePr>
+          <p:cNvPr id="6" name="对象 27"/>
+          <p:cNvGraphicFramePr>
+            <a:graphicFrameLocks noChangeAspect="1"/>
+          </p:cNvGraphicFramePr>
+          <p:nvPr/>
+        </p:nvGraphicFramePr>
+        <p:xfrm>
+          <a:off x="2195513" y="1711325"/>
+          <a:ext cx="2760662" cy="612775"/>
+        </p:xfrm>
+        <a:graphic>
+          <a:graphicData uri="http://schemas.openxmlformats.org/presentationml/2006/ole">
+            <mc:AlternateContent xmlns:mc="http://schemas.openxmlformats.org/markup-compatibility/2006">
+              <mc:Choice xmlns:v="urn:schemas-microsoft-com:vml" Requires="v">
+                <p:oleObj spid="_x0000_s1087" name="公式" r:id="rId5" imgW="2108200" imgH="457200" progId="Equation.3">
+                  <p:embed/>
+                </p:oleObj>
+              </mc:Choice>
+              <mc:Fallback>
+                <p:oleObj name="公式" r:id="rId5" imgW="2108200" imgH="457200" progId="Equation.3">
+                  <p:embed/>
+                  <p:pic>
+                    <p:nvPicPr>
+                      <p:cNvPr id="53254" name="对象 27"/>
+                      <p:cNvPicPr>
+                        <a:picLocks noChangeAspect="1" noChangeArrowheads="1"/>
+                      </p:cNvPicPr>
+                      <p:nvPr/>
+                    </p:nvPicPr>
+                    <p:blipFill>
+                      <a:blip r:embed="rId6">
+                        <a:extLst>
+                          <a:ext uri="{28A0092B-C50C-407E-A947-70E740481C1C}">
+                            <a14:useLocalDpi xmlns:a14="http://schemas.microsoft.com/office/drawing/2010/main" val="0"/>
+                          </a:ext>
+                        </a:extLst>
+                      </a:blip>
+                      <a:srcRect/>
+                      <a:stretch>
+                        <a:fillRect/>
+                      </a:stretch>
+                    </p:blipFill>
+                    <p:spPr bwMode="auto">
+                      <a:xfrm>
+                        <a:off x="2195513" y="1711325"/>
+                        <a:ext cx="2760662" cy="612775"/>
+                      </a:xfrm>
+                      <a:prstGeom prst="rect">
+                        <a:avLst/>
+                      </a:prstGeom>
+                      <a:noFill/>
+                      <a:ln>
+                        <a:noFill/>
+                      </a:ln>
+                      <a:extLst>
+                        <a:ext uri="{909E8E84-426E-40DD-AFC4-6F175D3DCCD1}">
+                          <a14:hiddenFill xmlns:a14="http://schemas.microsoft.com/office/drawing/2010/main">
+                            <a:solidFill>
+                              <a:srgbClr val="FFFFFF"/>
+                            </a:solidFill>
+                          </a14:hiddenFill>
+                        </a:ext>
+                        <a:ext uri="{91240B29-F687-4F45-9708-019B960494DF}">
+                          <a14:hiddenLine xmlns:a14="http://schemas.microsoft.com/office/drawing/2010/main" w="9525">
+                            <a:solidFill>
+                              <a:srgbClr val="000000"/>
+                            </a:solidFill>
+                            <a:miter lim="800000"/>
+                            <a:headEnd/>
+                            <a:tailEnd/>
+                          </a14:hiddenLine>
+                        </a:ext>
+                      </a:extLst>
+                    </p:spPr>
+                  </p:pic>
+                </p:oleObj>
+              </mc:Fallback>
+            </mc:AlternateContent>
+          </a:graphicData>
+        </a:graphic>
+      </p:graphicFrame>
+      <p:graphicFrame>
+        <p:nvGraphicFramePr>
+          <p:cNvPr id="7" name="对象 29"/>
+          <p:cNvGraphicFramePr>
+            <a:graphicFrameLocks noChangeAspect="1"/>
+          </p:cNvGraphicFramePr>
+          <p:nvPr/>
+        </p:nvGraphicFramePr>
+        <p:xfrm>
+          <a:off x="2195513" y="2374900"/>
+          <a:ext cx="2722562" cy="611188"/>
+        </p:xfrm>
+        <a:graphic>
+          <a:graphicData uri="http://schemas.openxmlformats.org/presentationml/2006/ole">
+            <mc:AlternateContent xmlns:mc="http://schemas.openxmlformats.org/markup-compatibility/2006">
+              <mc:Choice xmlns:v="urn:schemas-microsoft-com:vml" Requires="v">
+                <p:oleObj spid="_x0000_s1088" name="公式" r:id="rId7" imgW="2082800" imgH="457200" progId="Equation.3">
+                  <p:embed/>
+                </p:oleObj>
+              </mc:Choice>
+              <mc:Fallback>
+                <p:oleObj name="公式" r:id="rId7" imgW="2082800" imgH="457200" progId="Equation.3">
+                  <p:embed/>
+                  <p:pic>
+                    <p:nvPicPr>
+                      <p:cNvPr id="53255" name="对象 29"/>
+                      <p:cNvPicPr>
+                        <a:picLocks noChangeAspect="1" noChangeArrowheads="1"/>
+                      </p:cNvPicPr>
+                      <p:nvPr/>
+                    </p:nvPicPr>
+                    <p:blipFill>
+                      <a:blip r:embed="rId8">
+                        <a:extLst>
+                          <a:ext uri="{28A0092B-C50C-407E-A947-70E740481C1C}">
+                            <a14:useLocalDpi xmlns:a14="http://schemas.microsoft.com/office/drawing/2010/main" val="0"/>
+                          </a:ext>
+                        </a:extLst>
+                      </a:blip>
+                      <a:srcRect/>
+                      <a:stretch>
+                        <a:fillRect/>
+                      </a:stretch>
+                    </p:blipFill>
+                    <p:spPr bwMode="auto">
+                      <a:xfrm>
+                        <a:off x="2195513" y="2374900"/>
+                        <a:ext cx="2722562" cy="611188"/>
+                      </a:xfrm>
+                      <a:prstGeom prst="rect">
+                        <a:avLst/>
+                      </a:prstGeom>
+                      <a:noFill/>
+                      <a:ln>
+                        <a:noFill/>
+                      </a:ln>
+                      <a:extLst>
+                        <a:ext uri="{909E8E84-426E-40DD-AFC4-6F175D3DCCD1}">
+                          <a14:hiddenFill xmlns:a14="http://schemas.microsoft.com/office/drawing/2010/main">
+                            <a:solidFill>
+                              <a:srgbClr val="FFFFFF"/>
+                            </a:solidFill>
+                          </a14:hiddenFill>
+                        </a:ext>
+                        <a:ext uri="{91240B29-F687-4F45-9708-019B960494DF}">
+                          <a14:hiddenLine xmlns:a14="http://schemas.microsoft.com/office/drawing/2010/main" w="9525">
+                            <a:solidFill>
+                              <a:srgbClr val="000000"/>
+                            </a:solidFill>
+                            <a:miter lim="800000"/>
+                            <a:headEnd/>
+                            <a:tailEnd/>
+                          </a14:hiddenLine>
+                        </a:ext>
+                      </a:extLst>
+                    </p:spPr>
+                  </p:pic>
+                </p:oleObj>
+              </mc:Fallback>
+            </mc:AlternateContent>
+          </a:graphicData>
+        </a:graphic>
+      </p:graphicFrame>
+      <p:graphicFrame>
+        <p:nvGraphicFramePr>
+          <p:cNvPr id="8" name="对象 31"/>
+          <p:cNvGraphicFramePr>
+            <a:graphicFrameLocks noChangeAspect="1"/>
+          </p:cNvGraphicFramePr>
+          <p:nvPr/>
+        </p:nvGraphicFramePr>
+        <p:xfrm>
+          <a:off x="2195513" y="2984500"/>
+          <a:ext cx="2460625" cy="612775"/>
+        </p:xfrm>
+        <a:graphic>
+          <a:graphicData uri="http://schemas.openxmlformats.org/presentationml/2006/ole">
+            <mc:AlternateContent xmlns:mc="http://schemas.openxmlformats.org/markup-compatibility/2006">
+              <mc:Choice xmlns:v="urn:schemas-microsoft-com:vml" Requires="v">
+                <p:oleObj spid="_x0000_s1089" name="公式" r:id="rId9" imgW="1879600" imgH="457200" progId="Equation.3">
+                  <p:embed/>
+                </p:oleObj>
+              </mc:Choice>
+              <mc:Fallback>
+                <p:oleObj name="公式" r:id="rId9" imgW="1879600" imgH="457200" progId="Equation.3">
+                  <p:embed/>
+                  <p:pic>
+                    <p:nvPicPr>
+                      <p:cNvPr id="53256" name="对象 31"/>
+                      <p:cNvPicPr>
+                        <a:picLocks noChangeAspect="1" noChangeArrowheads="1"/>
+                      </p:cNvPicPr>
+                      <p:nvPr/>
+                    </p:nvPicPr>
+                    <p:blipFill>
+                      <a:blip r:embed="rId10">
+                        <a:extLst>
+                          <a:ext uri="{28A0092B-C50C-407E-A947-70E740481C1C}">
+                            <a14:useLocalDpi xmlns:a14="http://schemas.microsoft.com/office/drawing/2010/main" val="0"/>
+                          </a:ext>
+                        </a:extLst>
+                      </a:blip>
+                      <a:srcRect/>
+                      <a:stretch>
+                        <a:fillRect/>
+                      </a:stretch>
+                    </p:blipFill>
+                    <p:spPr bwMode="auto">
+                      <a:xfrm>
+                        <a:off x="2195513" y="2984500"/>
+                        <a:ext cx="2460625" cy="612775"/>
+                      </a:xfrm>
+                      <a:prstGeom prst="rect">
+                        <a:avLst/>
+                      </a:prstGeom>
+                      <a:noFill/>
+                      <a:ln>
+                        <a:noFill/>
+                      </a:ln>
+                      <a:extLst>
+                        <a:ext uri="{909E8E84-426E-40DD-AFC4-6F175D3DCCD1}">
+                          <a14:hiddenFill xmlns:a14="http://schemas.microsoft.com/office/drawing/2010/main">
+                            <a:solidFill>
+                              <a:srgbClr val="FFFFFF"/>
+                            </a:solidFill>
+                          </a14:hiddenFill>
+                        </a:ext>
+                        <a:ext uri="{91240B29-F687-4F45-9708-019B960494DF}">
+                          <a14:hiddenLine xmlns:a14="http://schemas.microsoft.com/office/drawing/2010/main" w="9525">
+                            <a:solidFill>
+                              <a:srgbClr val="000000"/>
+                            </a:solidFill>
+                            <a:miter lim="800000"/>
+                            <a:headEnd/>
+                            <a:tailEnd/>
+                          </a14:hiddenLine>
+                        </a:ext>
+                      </a:extLst>
+                    </p:spPr>
+                  </p:pic>
+                </p:oleObj>
+              </mc:Fallback>
+            </mc:AlternateContent>
+          </a:graphicData>
+        </a:graphic>
+      </p:graphicFrame>
+      <p:graphicFrame>
+        <p:nvGraphicFramePr>
+          <p:cNvPr id="9" name="对象 33"/>
+          <p:cNvGraphicFramePr>
+            <a:graphicFrameLocks noChangeAspect="1"/>
+          </p:cNvGraphicFramePr>
+          <p:nvPr>
+            <p:extLst>
+              <p:ext uri="{D42A27DB-BD31-4B8C-83A1-F6EECF244321}">
+                <p14:modId xmlns:p14="http://schemas.microsoft.com/office/powerpoint/2010/main" val="3803189037"/>
+              </p:ext>
+            </p:extLst>
+          </p:nvPr>
+        </p:nvGraphicFramePr>
+        <p:xfrm>
+          <a:off x="1845628" y="4403090"/>
+          <a:ext cx="3036887" cy="611188"/>
+        </p:xfrm>
+        <a:graphic>
+          <a:graphicData uri="http://schemas.openxmlformats.org/presentationml/2006/ole">
+            <mc:AlternateContent xmlns:mc="http://schemas.openxmlformats.org/markup-compatibility/2006">
+              <mc:Choice xmlns:v="urn:schemas-microsoft-com:vml" Requires="v">
+                <p:oleObj spid="_x0000_s1090" name="公式" r:id="rId11" imgW="2540000" imgH="508000" progId="Equation.3">
+                  <p:embed/>
+                </p:oleObj>
+              </mc:Choice>
+              <mc:Fallback>
+                <p:oleObj name="公式" r:id="rId11" imgW="2540000" imgH="508000" progId="Equation.3">
+                  <p:embed/>
+                  <p:pic>
+                    <p:nvPicPr>
+                      <p:cNvPr id="53257" name="对象 33"/>
+                      <p:cNvPicPr>
+                        <a:picLocks noChangeAspect="1" noChangeArrowheads="1"/>
+                      </p:cNvPicPr>
+                      <p:nvPr/>
+                    </p:nvPicPr>
+                    <p:blipFill>
+                      <a:blip r:embed="rId12">
+                        <a:extLst>
+                          <a:ext uri="{28A0092B-C50C-407E-A947-70E740481C1C}">
+                            <a14:useLocalDpi xmlns:a14="http://schemas.microsoft.com/office/drawing/2010/main" val="0"/>
+                          </a:ext>
+                        </a:extLst>
+                      </a:blip>
+                      <a:srcRect/>
+                      <a:stretch>
+                        <a:fillRect/>
+                      </a:stretch>
+                    </p:blipFill>
+                    <p:spPr bwMode="auto">
+                      <a:xfrm>
+                        <a:off x="1845628" y="4403090"/>
+                        <a:ext cx="3036887" cy="611188"/>
+                      </a:xfrm>
+                      <a:prstGeom prst="rect">
+                        <a:avLst/>
+                      </a:prstGeom>
+                      <a:noFill/>
+                      <a:ln>
+                        <a:noFill/>
+                      </a:ln>
+                      <a:extLst>
+                        <a:ext uri="{909E8E84-426E-40DD-AFC4-6F175D3DCCD1}">
+                          <a14:hiddenFill xmlns:a14="http://schemas.microsoft.com/office/drawing/2010/main">
+                            <a:solidFill>
+                              <a:srgbClr val="FFFFFF"/>
+                            </a:solidFill>
+                          </a14:hiddenFill>
+                        </a:ext>
+                        <a:ext uri="{91240B29-F687-4F45-9708-019B960494DF}">
+                          <a14:hiddenLine xmlns:a14="http://schemas.microsoft.com/office/drawing/2010/main" w="9525">
+                            <a:solidFill>
+                              <a:srgbClr val="000000"/>
+                            </a:solidFill>
+                            <a:miter lim="800000"/>
+                            <a:headEnd/>
+                            <a:tailEnd/>
+                          </a14:hiddenLine>
+                        </a:ext>
+                      </a:extLst>
+                    </p:spPr>
+                  </p:pic>
+                </p:oleObj>
+              </mc:Fallback>
+            </mc:AlternateContent>
+          </a:graphicData>
+        </a:graphic>
+      </p:graphicFrame>
+      <p:graphicFrame>
+        <p:nvGraphicFramePr>
+          <p:cNvPr id="10" name="对象 35"/>
+          <p:cNvGraphicFramePr>
+            <a:graphicFrameLocks noChangeAspect="1"/>
+          </p:cNvGraphicFramePr>
+          <p:nvPr>
+            <p:extLst>
+              <p:ext uri="{D42A27DB-BD31-4B8C-83A1-F6EECF244321}">
+                <p14:modId xmlns:p14="http://schemas.microsoft.com/office/powerpoint/2010/main" val="387250415"/>
+              </p:ext>
+            </p:extLst>
+          </p:nvPr>
+        </p:nvGraphicFramePr>
+        <p:xfrm>
+          <a:off x="1407478" y="5708015"/>
+          <a:ext cx="3729037" cy="612775"/>
+        </p:xfrm>
+        <a:graphic>
+          <a:graphicData uri="http://schemas.openxmlformats.org/presentationml/2006/ole">
+            <mc:AlternateContent xmlns:mc="http://schemas.openxmlformats.org/markup-compatibility/2006">
+              <mc:Choice xmlns:v="urn:schemas-microsoft-com:vml" Requires="v">
+                <p:oleObj spid="_x0000_s1091" name="公式" r:id="rId13" imgW="3136900" imgH="508000" progId="Equation.3">
+                  <p:embed/>
+                </p:oleObj>
+              </mc:Choice>
+              <mc:Fallback>
+                <p:oleObj name="公式" r:id="rId13" imgW="3136900" imgH="508000" progId="Equation.3">
+                  <p:embed/>
+                  <p:pic>
+                    <p:nvPicPr>
+                      <p:cNvPr id="53258" name="对象 35"/>
+                      <p:cNvPicPr>
+                        <a:picLocks noChangeAspect="1" noChangeArrowheads="1"/>
+                      </p:cNvPicPr>
+                      <p:nvPr/>
+                    </p:nvPicPr>
+                    <p:blipFill>
+                      <a:blip r:embed="rId14">
+                        <a:extLst>
+                          <a:ext uri="{28A0092B-C50C-407E-A947-70E740481C1C}">
+                            <a14:useLocalDpi xmlns:a14="http://schemas.microsoft.com/office/drawing/2010/main" val="0"/>
+                          </a:ext>
+                        </a:extLst>
+                      </a:blip>
+                      <a:srcRect/>
+                      <a:stretch>
+                        <a:fillRect/>
+                      </a:stretch>
+                    </p:blipFill>
+                    <p:spPr bwMode="auto">
+                      <a:xfrm>
+                        <a:off x="1407478" y="5708015"/>
+                        <a:ext cx="3729037" cy="612775"/>
+                      </a:xfrm>
+                      <a:prstGeom prst="rect">
+                        <a:avLst/>
+                      </a:prstGeom>
+                      <a:noFill/>
+                      <a:ln>
+                        <a:noFill/>
+                      </a:ln>
+                      <a:extLst>
+                        <a:ext uri="{909E8E84-426E-40DD-AFC4-6F175D3DCCD1}">
+                          <a14:hiddenFill xmlns:a14="http://schemas.microsoft.com/office/drawing/2010/main">
+                            <a:solidFill>
+                              <a:srgbClr val="FFFFFF"/>
+                            </a:solidFill>
+                          </a14:hiddenFill>
+                        </a:ext>
+                        <a:ext uri="{91240B29-F687-4F45-9708-019B960494DF}">
+                          <a14:hiddenLine xmlns:a14="http://schemas.microsoft.com/office/drawing/2010/main" w="9525">
+                            <a:solidFill>
+                              <a:srgbClr val="000000"/>
+                            </a:solidFill>
+                            <a:miter lim="800000"/>
+                            <a:headEnd/>
+                            <a:tailEnd/>
+                          </a14:hiddenLine>
+                        </a:ext>
+                      </a:extLst>
+                    </p:spPr>
+                  </p:pic>
+                </p:oleObj>
+              </mc:Fallback>
+            </mc:AlternateContent>
+          </a:graphicData>
+        </a:graphic>
+      </p:graphicFrame>
+      <p:sp>
+        <p:nvSpPr>
+          <p:cNvPr id="11" name="文本框 3"/>
+          <p:cNvSpPr txBox="1">
+            <a:spLocks noChangeArrowheads="1"/>
+          </p:cNvSpPr>
+          <p:nvPr/>
+        </p:nvSpPr>
+        <p:spPr bwMode="auto">
+          <a:xfrm>
+            <a:off x="1237615" y="3215640"/>
+            <a:ext cx="2448560" cy="2492990"/>
+          </a:xfrm>
+          <a:prstGeom prst="rect">
+            <a:avLst/>
+          </a:prstGeom>
+          <a:noFill/>
+          <a:ln>
+            <a:noFill/>
+          </a:ln>
+          <a:extLst>
+            <a:ext uri="{909E8E84-426E-40DD-AFC4-6F175D3DCCD1}">
+              <a14:hiddenFill xmlns:a14="http://schemas.microsoft.com/office/drawing/2010/main">
+                <a:solidFill>
+                  <a:srgbClr val="FFFFFF"/>
+                </a:solidFill>
+              </a14:hiddenFill>
+            </a:ext>
+            <a:ext uri="{91240B29-F687-4F45-9708-019B960494DF}">
+              <a14:hiddenLine xmlns:a14="http://schemas.microsoft.com/office/drawing/2010/main" w="9525">
+                <a:solidFill>
+                  <a:srgbClr val="000000"/>
+                </a:solidFill>
+                <a:miter lim="800000"/>
+                <a:headEnd/>
+                <a:tailEnd/>
+              </a14:hiddenLine>
+            </a:ext>
+          </a:extLst>
+        </p:spPr>
+        <p:txBody>
+          <a:bodyPr wrap="square">
+            <a:spAutoFit/>
+          </a:bodyPr>
+          <a:lstStyle>
+            <a:lvl1pPr>
+              <a:spcBef>
+                <a:spcPct val="20000"/>
+              </a:spcBef>
+              <a:buFont typeface="Arial" panose="020B0604020202020204" pitchFamily="34" charset="0"/>
+              <a:buChar char="•"/>
+              <a:defRPr sz="3200">
+                <a:solidFill>
+                  <a:schemeClr val="tx1"/>
+                </a:solidFill>
+                <a:latin typeface="Calibri" panose="020F0502020204030204" pitchFamily="34" charset="0"/>
+                <a:ea typeface="宋体" panose="02010600030101010101" pitchFamily="2" charset="-122"/>
+                <a:sym typeface="Calibri" panose="020F0502020204030204" pitchFamily="34" charset="0"/>
+              </a:defRPr>
+            </a:lvl1pPr>
+            <a:lvl2pPr marL="742950" indent="-285750">
+              <a:spcBef>
+                <a:spcPct val="20000"/>
+              </a:spcBef>
+              <a:buFont typeface="Arial" panose="020B0604020202020204" pitchFamily="34" charset="0"/>
+              <a:buChar char="–"/>
+              <a:defRPr sz="2800">
+                <a:solidFill>
+                  <a:schemeClr val="tx1"/>
+                </a:solidFill>
+                <a:latin typeface="Calibri" panose="020F0502020204030204" pitchFamily="34" charset="0"/>
+                <a:ea typeface="宋体" panose="02010600030101010101" pitchFamily="2" charset="-122"/>
+                <a:sym typeface="Calibri" panose="020F0502020204030204" pitchFamily="34" charset="0"/>
+              </a:defRPr>
+            </a:lvl2pPr>
+            <a:lvl3pPr marL="1143000" indent="-228600">
+              <a:spcBef>
+                <a:spcPct val="20000"/>
+              </a:spcBef>
+              <a:buFont typeface="Arial" panose="020B0604020202020204" pitchFamily="34" charset="0"/>
+              <a:buChar char="•"/>
+              <a:defRPr sz="2400">
+                <a:solidFill>
+                  <a:schemeClr val="tx1"/>
+                </a:solidFill>
+                <a:latin typeface="Calibri" panose="020F0502020204030204" pitchFamily="34" charset="0"/>
+                <a:ea typeface="宋体" panose="02010600030101010101" pitchFamily="2" charset="-122"/>
+                <a:sym typeface="Calibri" panose="020F0502020204030204" pitchFamily="34" charset="0"/>
+              </a:defRPr>
+            </a:lvl3pPr>
+            <a:lvl4pPr marL="1600200" indent="-228600">
+              <a:spcBef>
+                <a:spcPct val="20000"/>
+              </a:spcBef>
+              <a:buFont typeface="Arial" panose="020B0604020202020204" pitchFamily="34" charset="0"/>
+              <a:buChar char="–"/>
+              <a:defRPr sz="2000">
+                <a:solidFill>
+                  <a:schemeClr val="tx1"/>
+                </a:solidFill>
+                <a:latin typeface="Calibri" panose="020F0502020204030204" pitchFamily="34" charset="0"/>
+                <a:ea typeface="宋体" panose="02010600030101010101" pitchFamily="2" charset="-122"/>
+                <a:sym typeface="Calibri" panose="020F0502020204030204" pitchFamily="34" charset="0"/>
+              </a:defRPr>
+            </a:lvl4pPr>
+            <a:lvl5pPr marL="2057400" indent="-228600">
+              <a:spcBef>
+                <a:spcPct val="20000"/>
+              </a:spcBef>
+              <a:buFont typeface="Arial" panose="020B0604020202020204" pitchFamily="34" charset="0"/>
+              <a:buChar char="»"/>
+              <a:defRPr sz="2000">
+                <a:solidFill>
+                  <a:schemeClr val="tx1"/>
+                </a:solidFill>
+                <a:latin typeface="Calibri" panose="020F0502020204030204" pitchFamily="34" charset="0"/>
+                <a:ea typeface="宋体" panose="02010600030101010101" pitchFamily="2" charset="-122"/>
+                <a:sym typeface="Calibri" panose="020F0502020204030204" pitchFamily="34" charset="0"/>
+              </a:defRPr>
+            </a:lvl5pPr>
+            <a:lvl6pPr marL="2514600" indent="-228600" eaLnBrk="0" fontAlgn="base" hangingPunct="0">
+              <a:spcBef>
+                <a:spcPct val="20000"/>
+              </a:spcBef>
+              <a:spcAft>
+                <a:spcPct val="0"/>
+              </a:spcAft>
+              <a:buFont typeface="Arial" panose="020B0604020202020204" pitchFamily="34" charset="0"/>
+              <a:buChar char="»"/>
+              <a:defRPr sz="2000">
+                <a:solidFill>
+                  <a:schemeClr val="tx1"/>
+                </a:solidFill>
+                <a:latin typeface="Calibri" panose="020F0502020204030204" pitchFamily="34" charset="0"/>
+                <a:ea typeface="宋体" panose="02010600030101010101" pitchFamily="2" charset="-122"/>
+                <a:sym typeface="Calibri" panose="020F0502020204030204" pitchFamily="34" charset="0"/>
+              </a:defRPr>
+            </a:lvl6pPr>
+            <a:lvl7pPr marL="2971800" indent="-228600" eaLnBrk="0" fontAlgn="base" hangingPunct="0">
+              <a:spcBef>
+                <a:spcPct val="20000"/>
+              </a:spcBef>
+              <a:spcAft>
+                <a:spcPct val="0"/>
+              </a:spcAft>
+              <a:buFont typeface="Arial" panose="020B0604020202020204" pitchFamily="34" charset="0"/>
+              <a:buChar char="»"/>
+              <a:defRPr sz="2000">
+                <a:solidFill>
+                  <a:schemeClr val="tx1"/>
+                </a:solidFill>
+                <a:latin typeface="Calibri" panose="020F0502020204030204" pitchFamily="34" charset="0"/>
+                <a:ea typeface="宋体" panose="02010600030101010101" pitchFamily="2" charset="-122"/>
+                <a:sym typeface="Calibri" panose="020F0502020204030204" pitchFamily="34" charset="0"/>
+              </a:defRPr>
+            </a:lvl7pPr>
+            <a:lvl8pPr marL="3429000" indent="-228600" eaLnBrk="0" fontAlgn="base" hangingPunct="0">
+              <a:spcBef>
+                <a:spcPct val="20000"/>
+              </a:spcBef>
+              <a:spcAft>
+                <a:spcPct val="0"/>
+              </a:spcAft>
+              <a:buFont typeface="Arial" panose="020B0604020202020204" pitchFamily="34" charset="0"/>
+              <a:buChar char="»"/>
+              <a:defRPr sz="2000">
+                <a:solidFill>
+                  <a:schemeClr val="tx1"/>
+                </a:solidFill>
+                <a:latin typeface="Calibri" panose="020F0502020204030204" pitchFamily="34" charset="0"/>
+                <a:ea typeface="宋体" panose="02010600030101010101" pitchFamily="2" charset="-122"/>
+                <a:sym typeface="Calibri" panose="020F0502020204030204" pitchFamily="34" charset="0"/>
+              </a:defRPr>
+            </a:lvl8pPr>
+            <a:lvl9pPr marL="3886200" indent="-228600" eaLnBrk="0" fontAlgn="base" hangingPunct="0">
+              <a:spcBef>
+                <a:spcPct val="20000"/>
+              </a:spcBef>
+              <a:spcAft>
+                <a:spcPct val="0"/>
+              </a:spcAft>
+              <a:buFont typeface="Arial" panose="020B0604020202020204" pitchFamily="34" charset="0"/>
+              <a:buChar char="»"/>
+              <a:defRPr sz="2000">
+                <a:solidFill>
+                  <a:schemeClr val="tx1"/>
+                </a:solidFill>
+                <a:latin typeface="Calibri" panose="020F0502020204030204" pitchFamily="34" charset="0"/>
+                <a:ea typeface="宋体" panose="02010600030101010101" pitchFamily="2" charset="-122"/>
+                <a:sym typeface="Calibri" panose="020F0502020204030204" pitchFamily="34" charset="0"/>
+              </a:defRPr>
+            </a:lvl9pPr>
+          </a:lstStyle>
+          <a:p>
+            <a:pPr eaLnBrk="1" hangingPunct="1">
+              <a:lnSpc>
+                <a:spcPct val="150000"/>
+              </a:lnSpc>
+              <a:spcBef>
+                <a:spcPct val="0"/>
+              </a:spcBef>
+              <a:buSzPct val="110000"/>
+              <a:buFont typeface="Wingdings" panose="05000000000000000000" pitchFamily="2" charset="2"/>
+              <a:buChar char="Ø"/>
+            </a:pPr>
+            <a:endParaRPr lang="en-US" altLang="zh-CN" sz="2400" b="1" dirty="0">
+              <a:solidFill>
+                <a:srgbClr val="FF0000"/>
+              </a:solidFill>
+              <a:latin typeface="黑体" panose="02010609060101010101" pitchFamily="49" charset="-122"/>
+              <a:ea typeface="黑体" panose="02010609060101010101" pitchFamily="49" charset="-122"/>
+              <a:cs typeface="Times New Roman" panose="02020603050405020304" pitchFamily="18" charset="0"/>
+            </a:endParaRPr>
+          </a:p>
+          <a:p>
+            <a:pPr eaLnBrk="1" hangingPunct="1">
+              <a:lnSpc>
+                <a:spcPct val="200000"/>
+              </a:lnSpc>
+              <a:spcBef>
+                <a:spcPct val="0"/>
+              </a:spcBef>
+              <a:buSzPct val="110000"/>
+              <a:buFontTx/>
+              <a:buNone/>
+            </a:pPr>
+            <a:r>
+              <a:rPr lang="zh-CN" altLang="en-US" sz="2000" dirty="0">
+                <a:latin typeface="微软雅黑" panose="020B0503020204020204" pitchFamily="34" charset="-122"/>
+                <a:ea typeface="微软雅黑" panose="020B0503020204020204" pitchFamily="34" charset="-122"/>
+                <a:cs typeface="Times New Roman" panose="02020603050405020304" pitchFamily="18" charset="0"/>
+              </a:rPr>
+              <a:t>湍动能部分</a:t>
+            </a:r>
+            <a:r>
+              <a:rPr lang="en-US" altLang="zh-CN" sz="2000" dirty="0">
+                <a:latin typeface="微软雅黑" panose="020B0503020204020204" pitchFamily="34" charset="-122"/>
+                <a:ea typeface="微软雅黑" panose="020B0503020204020204" pitchFamily="34" charset="-122"/>
+                <a:cs typeface="Times New Roman" panose="02020603050405020304" pitchFamily="18" charset="0"/>
+              </a:rPr>
+              <a:t>:</a:t>
+            </a:r>
+          </a:p>
+          <a:p>
+            <a:pPr eaLnBrk="1" hangingPunct="1">
+              <a:lnSpc>
+                <a:spcPct val="200000"/>
+              </a:lnSpc>
+              <a:spcBef>
+                <a:spcPct val="0"/>
+              </a:spcBef>
+              <a:buSzPct val="110000"/>
+              <a:buFontTx/>
+              <a:buNone/>
+            </a:pPr>
+            <a:endParaRPr lang="en-US" altLang="zh-CN" sz="2000" i="1" dirty="0">
+              <a:latin typeface="Times New Roman" panose="02020603050405020304" pitchFamily="18" charset="0"/>
+              <a:ea typeface="黑体" panose="02010609060101010101" pitchFamily="49" charset="-122"/>
+              <a:cs typeface="Times New Roman" panose="02020603050405020304" pitchFamily="18" charset="0"/>
+            </a:endParaRPr>
+          </a:p>
+          <a:p>
+            <a:pPr eaLnBrk="1" hangingPunct="1">
+              <a:lnSpc>
+                <a:spcPct val="200000"/>
+              </a:lnSpc>
+              <a:spcBef>
+                <a:spcPct val="0"/>
+              </a:spcBef>
+              <a:buSzPct val="110000"/>
+              <a:buFontTx/>
+              <a:buNone/>
+            </a:pPr>
+            <a:r>
+              <a:rPr lang="zh-CN" altLang="en-US" sz="2000" dirty="0">
+                <a:latin typeface="微软雅黑" panose="020B0503020204020204" pitchFamily="34" charset="-122"/>
+                <a:ea typeface="微软雅黑" panose="020B0503020204020204" pitchFamily="34" charset="-122"/>
+                <a:cs typeface="Times New Roman" panose="02020603050405020304" pitchFamily="18" charset="0"/>
+              </a:rPr>
+              <a:t>湍流能量耗散部分</a:t>
+            </a:r>
+            <a:r>
+              <a:rPr lang="en-US" altLang="zh-CN" sz="2000" dirty="0">
+                <a:latin typeface="微软雅黑" panose="020B0503020204020204" pitchFamily="34" charset="-122"/>
+                <a:ea typeface="微软雅黑" panose="020B0503020204020204" pitchFamily="34" charset="-122"/>
+                <a:cs typeface="Times New Roman" panose="02020603050405020304" pitchFamily="18" charset="0"/>
+              </a:rPr>
+              <a:t>:</a:t>
+            </a:r>
+          </a:p>
+        </p:txBody>
+      </p:sp>
+      <p:grpSp>
+        <p:nvGrpSpPr>
+          <p:cNvPr id="22" name="组合 24"/>
+          <p:cNvGrpSpPr>
+            <a:grpSpLocks/>
+          </p:cNvGrpSpPr>
+          <p:nvPr/>
+        </p:nvGrpSpPr>
+        <p:grpSpPr bwMode="auto">
+          <a:xfrm>
+            <a:off x="6203950" y="681038"/>
+            <a:ext cx="2870200" cy="465137"/>
+            <a:chOff x="124668" y="732018"/>
+            <a:chExt cx="3120950" cy="465081"/>
+          </a:xfrm>
+        </p:grpSpPr>
+        <p:sp>
+          <p:nvSpPr>
+            <p:cNvPr id="23" name="矩形 22">
+              <a:extLst>
+                <a:ext uri="{FF2B5EF4-FFF2-40B4-BE49-F238E27FC236}">
+                  <a16:creationId xmlns:a16="http://schemas.microsoft.com/office/drawing/2014/main" id="{2E2B67B5-EEE0-42B6-AE1B-82A26F71190B}"/>
+                </a:ext>
+              </a:extLst>
+            </p:cNvPr>
+            <p:cNvSpPr/>
+            <p:nvPr/>
+          </p:nvSpPr>
+          <p:spPr>
+            <a:xfrm>
+              <a:off x="360713" y="732018"/>
+              <a:ext cx="2884905" cy="455033"/>
+            </a:xfrm>
+            <a:prstGeom prst="rect">
+              <a:avLst/>
+            </a:prstGeom>
+            <a:gradFill flip="none" rotWithShape="0">
+              <a:gsLst>
+                <a:gs pos="0">
+                  <a:srgbClr val="0070C0">
+                    <a:shade val="30000"/>
+                    <a:satMod val="115000"/>
+                  </a:srgbClr>
+                </a:gs>
+                <a:gs pos="50000">
+                  <a:srgbClr val="0070C0">
+                    <a:shade val="67500"/>
+                    <a:satMod val="115000"/>
+                  </a:srgbClr>
+                </a:gs>
+                <a:gs pos="100000">
+                  <a:srgbClr val="0070C0">
+                    <a:shade val="100000"/>
+                    <a:satMod val="115000"/>
+                  </a:srgbClr>
+                </a:gs>
+              </a:gsLst>
+              <a:lin ang="13500000" scaled="1"/>
+              <a:tileRect/>
+            </a:gradFill>
+            <a:scene3d>
+              <a:camera prst="orthographicFront"/>
+              <a:lightRig rig="flat" dir="t"/>
+            </a:scene3d>
+            <a:sp3d prstMaterial="dkEdge">
+              <a:bevelT w="8200" h="38100"/>
+            </a:sp3d>
+          </p:spPr>
+          <p:style>
+            <a:lnRef idx="0">
+              <a:schemeClr val="lt1">
+                <a:hueOff val="0"/>
+                <a:satOff val="0"/>
+                <a:lumOff val="0"/>
+                <a:alphaOff val="0"/>
+              </a:schemeClr>
+            </a:lnRef>
+            <a:fillRef idx="2">
+              <a:scrgbClr r="0" g="0" b="0"/>
+            </a:fillRef>
+            <a:effectRef idx="1">
+              <a:schemeClr val="accent6">
+                <a:shade val="80000"/>
+                <a:hueOff val="0"/>
+                <a:satOff val="0"/>
+                <a:lumOff val="0"/>
+                <a:alphaOff val="0"/>
+              </a:schemeClr>
+            </a:effectRef>
+            <a:fontRef idx="minor">
+              <a:schemeClr val="dk1"/>
+            </a:fontRef>
+          </p:style>
+        </p:sp>
+        <p:sp>
+          <p:nvSpPr>
+            <p:cNvPr id="24" name="文本框 23">
+              <a:extLst>
+                <a:ext uri="{FF2B5EF4-FFF2-40B4-BE49-F238E27FC236}">
+                  <a16:creationId xmlns:a16="http://schemas.microsoft.com/office/drawing/2014/main" id="{50454CE5-571A-473C-B7E8-416DDFF42843}"/>
+                </a:ext>
+              </a:extLst>
+            </p:cNvPr>
+            <p:cNvSpPr txBox="1"/>
+            <p:nvPr/>
+          </p:nvSpPr>
+          <p:spPr>
+            <a:xfrm>
+              <a:off x="124668" y="742066"/>
+              <a:ext cx="3035630" cy="455033"/>
+            </a:xfrm>
+            <a:prstGeom prst="rect">
+              <a:avLst/>
+            </a:prstGeom>
+            <a:scene3d>
+              <a:camera prst="orthographicFront"/>
+              <a:lightRig rig="flat" dir="t"/>
+            </a:scene3d>
+            <a:sp3d/>
+          </p:spPr>
+          <p:style>
+            <a:lnRef idx="0">
+              <a:scrgbClr r="0" g="0" b="0"/>
+            </a:lnRef>
+            <a:fillRef idx="0">
+              <a:scrgbClr r="0" g="0" b="0"/>
+            </a:fillRef>
+            <a:effectRef idx="0">
+              <a:scrgbClr r="0" g="0" b="0"/>
+            </a:effectRef>
+            <a:fontRef idx="minor">
+              <a:schemeClr val="dk1"/>
+            </a:fontRef>
+          </p:style>
+          <p:txBody>
+            <a:bodyPr lIns="361183" tIns="55880" rIns="55880" bIns="55880" spcCol="1270" anchor="ctr"/>
+            <a:lstStyle/>
+            <a:p>
+              <a:pPr defTabSz="977900">
+                <a:lnSpc>
+                  <a:spcPct val="90000"/>
+                </a:lnSpc>
+                <a:spcAft>
+                  <a:spcPts val="0"/>
+                </a:spcAft>
+                <a:tabLst>
+                  <a:tab pos="444500" algn="l"/>
+                </a:tabLst>
+                <a:defRPr/>
+              </a:pPr>
+              <a:r>
+                <a:rPr lang="zh-CN" altLang="en-US" sz="2200" dirty="0" smtClean="0">
+                  <a:solidFill>
+                    <a:schemeClr val="bg1"/>
+                  </a:solidFill>
+                  <a:latin typeface="Times New Roman" panose="02020603050405020304" pitchFamily="18" charset="0"/>
+                  <a:ea typeface="微软雅黑" panose="020B0503020204020204" pitchFamily="34" charset="-122"/>
+                  <a:cs typeface="Times New Roman" panose="02020603050405020304" pitchFamily="18" charset="0"/>
+                </a:rPr>
+                <a:t>（</a:t>
+              </a:r>
+              <a:r>
+                <a:rPr lang="en-US" altLang="zh-CN" sz="2200" dirty="0" smtClean="0">
+                  <a:solidFill>
+                    <a:schemeClr val="bg1"/>
+                  </a:solidFill>
+                  <a:latin typeface="Times New Roman" panose="02020603050405020304" pitchFamily="18" charset="0"/>
+                  <a:ea typeface="微软雅黑" panose="020B0503020204020204" pitchFamily="34" charset="-122"/>
+                  <a:cs typeface="Times New Roman" panose="02020603050405020304" pitchFamily="18" charset="0"/>
+                </a:rPr>
+                <a:t>2</a:t>
+              </a:r>
+              <a:r>
+                <a:rPr lang="zh-CN" altLang="en-US" sz="2200" dirty="0" smtClean="0">
+                  <a:solidFill>
+                    <a:schemeClr val="bg1"/>
+                  </a:solidFill>
+                  <a:latin typeface="Times New Roman" panose="02020603050405020304" pitchFamily="18" charset="0"/>
+                  <a:ea typeface="微软雅黑" panose="020B0503020204020204" pitchFamily="34" charset="-122"/>
+                  <a:cs typeface="Times New Roman" panose="02020603050405020304" pitchFamily="18" charset="0"/>
+                </a:rPr>
+                <a:t>）</a:t>
+              </a:r>
+              <a:r>
+                <a:rPr lang="zh-CN" altLang="en-US" sz="2200" dirty="0" smtClean="0">
+                  <a:solidFill>
+                    <a:schemeClr val="bg1"/>
+                  </a:solidFill>
+                  <a:latin typeface="微软雅黑" panose="020B0503020204020204" pitchFamily="34" charset="-122"/>
+                  <a:ea typeface="微软雅黑" panose="020B0503020204020204" pitchFamily="34" charset="-122"/>
+                  <a:cs typeface="Times New Roman" panose="02020603050405020304" pitchFamily="18" charset="0"/>
+                </a:rPr>
+                <a:t>方程和源项</a:t>
+              </a:r>
+              <a:endParaRPr lang="zh-CN" altLang="en-US" sz="2200" dirty="0">
+                <a:solidFill>
+                  <a:schemeClr val="bg1"/>
+                </a:solidFill>
+                <a:latin typeface="微软雅黑" panose="020B0503020204020204" pitchFamily="34" charset="-122"/>
+                <a:ea typeface="微软雅黑" panose="020B0503020204020204" pitchFamily="34" charset="-122"/>
+              </a:endParaRPr>
+            </a:p>
+          </p:txBody>
+        </p:sp>
+      </p:grpSp>
+      <p:sp>
+        <p:nvSpPr>
+          <p:cNvPr id="25" name="灯片编号占位符 1"/>
+          <p:cNvSpPr>
+            <a:spLocks noGrp="1"/>
+          </p:cNvSpPr>
+          <p:nvPr>
+            <p:ph type="sldNum" sz="quarter" idx="11"/>
+          </p:nvPr>
+        </p:nvSpPr>
+        <p:spPr>
+          <a:xfrm>
+            <a:off x="8547100" y="6330950"/>
+            <a:ext cx="527050" cy="427038"/>
+          </a:xfrm>
+          <a:noFill/>
+        </p:spPr>
+        <p:txBody>
+          <a:bodyPr>
+            <a:prstTxWarp prst="textNoShape">
+              <a:avLst/>
+            </a:prstTxWarp>
+          </a:bodyPr>
+          <a:lstStyle>
+            <a:lvl1pPr>
+              <a:spcBef>
+                <a:spcPct val="20000"/>
+              </a:spcBef>
+              <a:buFont typeface="Arial" panose="020B0604020202020204" pitchFamily="34" charset="0"/>
+              <a:buChar char="•"/>
+              <a:defRPr sz="3200">
+                <a:solidFill>
+                  <a:schemeClr val="tx1"/>
+                </a:solidFill>
+                <a:latin typeface="Calibri" panose="020F0502020204030204" pitchFamily="34" charset="0"/>
+                <a:ea typeface="宋体" panose="02010600030101010101" pitchFamily="2" charset="-122"/>
+                <a:sym typeface="Calibri" panose="020F0502020204030204" pitchFamily="34" charset="0"/>
+              </a:defRPr>
+            </a:lvl1pPr>
+            <a:lvl2pPr marL="742950" indent="-285750">
+              <a:spcBef>
+                <a:spcPct val="20000"/>
+              </a:spcBef>
+              <a:buFont typeface="Arial" panose="020B0604020202020204" pitchFamily="34" charset="0"/>
+              <a:buChar char="–"/>
+              <a:defRPr sz="2800">
+                <a:solidFill>
+                  <a:schemeClr val="tx1"/>
+                </a:solidFill>
+                <a:latin typeface="Calibri" panose="020F0502020204030204" pitchFamily="34" charset="0"/>
+                <a:ea typeface="宋体" panose="02010600030101010101" pitchFamily="2" charset="-122"/>
+                <a:sym typeface="Calibri" panose="020F0502020204030204" pitchFamily="34" charset="0"/>
+              </a:defRPr>
+            </a:lvl2pPr>
+            <a:lvl3pPr marL="1143000" indent="-228600">
+              <a:spcBef>
+                <a:spcPct val="20000"/>
+              </a:spcBef>
+              <a:buFont typeface="Arial" panose="020B0604020202020204" pitchFamily="34" charset="0"/>
+              <a:buChar char="•"/>
+              <a:defRPr sz="2400">
+                <a:solidFill>
+                  <a:schemeClr val="tx1"/>
+                </a:solidFill>
+                <a:latin typeface="Calibri" panose="020F0502020204030204" pitchFamily="34" charset="0"/>
+                <a:ea typeface="宋体" panose="02010600030101010101" pitchFamily="2" charset="-122"/>
+                <a:sym typeface="Calibri" panose="020F0502020204030204" pitchFamily="34" charset="0"/>
+              </a:defRPr>
+            </a:lvl3pPr>
+            <a:lvl4pPr marL="1600200" indent="-228600">
+              <a:spcBef>
+                <a:spcPct val="20000"/>
+              </a:spcBef>
+              <a:buFont typeface="Arial" panose="020B0604020202020204" pitchFamily="34" charset="0"/>
+              <a:buChar char="–"/>
+              <a:defRPr sz="2000">
+                <a:solidFill>
+                  <a:schemeClr val="tx1"/>
+                </a:solidFill>
+                <a:latin typeface="Calibri" panose="020F0502020204030204" pitchFamily="34" charset="0"/>
+                <a:ea typeface="宋体" panose="02010600030101010101" pitchFamily="2" charset="-122"/>
+                <a:sym typeface="Calibri" panose="020F0502020204030204" pitchFamily="34" charset="0"/>
+              </a:defRPr>
+            </a:lvl4pPr>
+            <a:lvl5pPr marL="2057400" indent="-228600">
+              <a:spcBef>
+                <a:spcPct val="20000"/>
+              </a:spcBef>
+              <a:buFont typeface="Arial" panose="020B0604020202020204" pitchFamily="34" charset="0"/>
+              <a:buChar char="»"/>
+              <a:defRPr sz="2000">
+                <a:solidFill>
+                  <a:schemeClr val="tx1"/>
+                </a:solidFill>
+                <a:latin typeface="Calibri" panose="020F0502020204030204" pitchFamily="34" charset="0"/>
+                <a:ea typeface="宋体" panose="02010600030101010101" pitchFamily="2" charset="-122"/>
+                <a:sym typeface="Calibri" panose="020F0502020204030204" pitchFamily="34" charset="0"/>
+              </a:defRPr>
+            </a:lvl5pPr>
+            <a:lvl6pPr marL="2514600" indent="-228600" eaLnBrk="0" fontAlgn="base" hangingPunct="0">
+              <a:spcBef>
+                <a:spcPct val="20000"/>
+              </a:spcBef>
+              <a:spcAft>
+                <a:spcPct val="0"/>
+              </a:spcAft>
+              <a:buFont typeface="Arial" panose="020B0604020202020204" pitchFamily="34" charset="0"/>
+              <a:buChar char="»"/>
+              <a:defRPr sz="2000">
+                <a:solidFill>
+                  <a:schemeClr val="tx1"/>
+                </a:solidFill>
+                <a:latin typeface="Calibri" panose="020F0502020204030204" pitchFamily="34" charset="0"/>
+                <a:ea typeface="宋体" panose="02010600030101010101" pitchFamily="2" charset="-122"/>
+                <a:sym typeface="Calibri" panose="020F0502020204030204" pitchFamily="34" charset="0"/>
+              </a:defRPr>
+            </a:lvl6pPr>
+            <a:lvl7pPr marL="2971800" indent="-228600" eaLnBrk="0" fontAlgn="base" hangingPunct="0">
+              <a:spcBef>
+                <a:spcPct val="20000"/>
+              </a:spcBef>
+              <a:spcAft>
+                <a:spcPct val="0"/>
+              </a:spcAft>
+              <a:buFont typeface="Arial" panose="020B0604020202020204" pitchFamily="34" charset="0"/>
+              <a:buChar char="»"/>
+              <a:defRPr sz="2000">
+                <a:solidFill>
+                  <a:schemeClr val="tx1"/>
+                </a:solidFill>
+                <a:latin typeface="Calibri" panose="020F0502020204030204" pitchFamily="34" charset="0"/>
+                <a:ea typeface="宋体" panose="02010600030101010101" pitchFamily="2" charset="-122"/>
+                <a:sym typeface="Calibri" panose="020F0502020204030204" pitchFamily="34" charset="0"/>
+              </a:defRPr>
+            </a:lvl7pPr>
+            <a:lvl8pPr marL="3429000" indent="-228600" eaLnBrk="0" fontAlgn="base" hangingPunct="0">
+              <a:spcBef>
+                <a:spcPct val="20000"/>
+              </a:spcBef>
+              <a:spcAft>
+                <a:spcPct val="0"/>
+              </a:spcAft>
+              <a:buFont typeface="Arial" panose="020B0604020202020204" pitchFamily="34" charset="0"/>
+              <a:buChar char="»"/>
+              <a:defRPr sz="2000">
+                <a:solidFill>
+                  <a:schemeClr val="tx1"/>
+                </a:solidFill>
+                <a:latin typeface="Calibri" panose="020F0502020204030204" pitchFamily="34" charset="0"/>
+                <a:ea typeface="宋体" panose="02010600030101010101" pitchFamily="2" charset="-122"/>
+                <a:sym typeface="Calibri" panose="020F0502020204030204" pitchFamily="34" charset="0"/>
+              </a:defRPr>
+            </a:lvl8pPr>
+            <a:lvl9pPr marL="3886200" indent="-228600" eaLnBrk="0" fontAlgn="base" hangingPunct="0">
+              <a:spcBef>
+                <a:spcPct val="20000"/>
+              </a:spcBef>
+              <a:spcAft>
+                <a:spcPct val="0"/>
+              </a:spcAft>
+              <a:buFont typeface="Arial" panose="020B0604020202020204" pitchFamily="34" charset="0"/>
+              <a:buChar char="»"/>
+              <a:defRPr sz="2000">
+                <a:solidFill>
+                  <a:schemeClr val="tx1"/>
+                </a:solidFill>
+                <a:latin typeface="Calibri" panose="020F0502020204030204" pitchFamily="34" charset="0"/>
+                <a:ea typeface="宋体" panose="02010600030101010101" pitchFamily="2" charset="-122"/>
+                <a:sym typeface="Calibri" panose="020F0502020204030204" pitchFamily="34" charset="0"/>
+              </a:defRPr>
+            </a:lvl9pPr>
+          </a:lstStyle>
+          <a:p>
+            <a:pPr>
+              <a:spcBef>
+                <a:spcPct val="0"/>
+              </a:spcBef>
+              <a:buFont typeface="Arial" panose="020B0604020202020204" pitchFamily="34" charset="0"/>
+              <a:buNone/>
+            </a:pPr>
+            <a:r>
+              <a:rPr lang="en-US" altLang="zh-CN" sz="1800" dirty="0" smtClean="0">
+                <a:solidFill>
+                  <a:srgbClr val="898989"/>
+                </a:solidFill>
+              </a:rPr>
+              <a:t>?</a:t>
+            </a:r>
+            <a:endParaRPr lang="zh-CN" altLang="en-US" sz="1800" dirty="0" smtClean="0">
+              <a:latin typeface="Arial" panose="020B0604020202020204" pitchFamily="34" charset="0"/>
+            </a:endParaRPr>
+          </a:p>
+        </p:txBody>
+      </p:sp>
+      <p:sp>
+        <p:nvSpPr>
+          <p:cNvPr id="26" name="矩形 15"/>
+          <p:cNvSpPr>
+            <a:spLocks noChangeArrowheads="1"/>
+          </p:cNvSpPr>
+          <p:nvPr/>
+        </p:nvSpPr>
+        <p:spPr bwMode="auto">
+          <a:xfrm>
+            <a:off x="6973570" y="-52388"/>
+            <a:ext cx="2159566" cy="738664"/>
+          </a:xfrm>
+          <a:prstGeom prst="rect">
+            <a:avLst/>
+          </a:prstGeom>
+          <a:noFill/>
+          <a:ln>
+            <a:noFill/>
+          </a:ln>
+          <a:extLst>
+            <a:ext uri="{909E8E84-426E-40DD-AFC4-6F175D3DCCD1}">
+              <a14:hiddenFill xmlns:a14="http://schemas.microsoft.com/office/drawing/2010/main">
+                <a:solidFill>
+                  <a:srgbClr val="FFFFFF"/>
+                </a:solidFill>
+              </a14:hiddenFill>
+            </a:ext>
+            <a:ext uri="{91240B29-F687-4F45-9708-019B960494DF}">
+              <a14:hiddenLine xmlns:a14="http://schemas.microsoft.com/office/drawing/2010/main" w="9525">
+                <a:solidFill>
+                  <a:srgbClr val="000000"/>
+                </a:solidFill>
+                <a:miter lim="800000"/>
+                <a:headEnd/>
+                <a:tailEnd/>
+              </a14:hiddenLine>
+            </a:ext>
+          </a:extLst>
+        </p:spPr>
+        <p:txBody>
+          <a:bodyPr wrap="none">
+            <a:spAutoFit/>
+          </a:bodyPr>
+          <a:lstStyle>
+            <a:lvl1pPr>
+              <a:spcBef>
+                <a:spcPct val="20000"/>
+              </a:spcBef>
+              <a:buFont typeface="Arial" panose="020B0604020202020204" pitchFamily="34" charset="0"/>
+              <a:buChar char="•"/>
+              <a:defRPr sz="3200">
+                <a:solidFill>
+                  <a:schemeClr val="tx1"/>
+                </a:solidFill>
+                <a:latin typeface="Calibri" panose="020F0502020204030204" pitchFamily="34" charset="0"/>
+                <a:ea typeface="宋体" panose="02010600030101010101" pitchFamily="2" charset="-122"/>
+                <a:sym typeface="Calibri" panose="020F0502020204030204" pitchFamily="34" charset="0"/>
+              </a:defRPr>
+            </a:lvl1pPr>
+            <a:lvl2pPr marL="742950" indent="-285750">
+              <a:spcBef>
+                <a:spcPct val="20000"/>
+              </a:spcBef>
+              <a:buFont typeface="Arial" panose="020B0604020202020204" pitchFamily="34" charset="0"/>
+              <a:buChar char="–"/>
+              <a:defRPr sz="2800">
+                <a:solidFill>
+                  <a:schemeClr val="tx1"/>
+                </a:solidFill>
+                <a:latin typeface="Calibri" panose="020F0502020204030204" pitchFamily="34" charset="0"/>
+                <a:ea typeface="宋体" panose="02010600030101010101" pitchFamily="2" charset="-122"/>
+                <a:sym typeface="Calibri" panose="020F0502020204030204" pitchFamily="34" charset="0"/>
+              </a:defRPr>
+            </a:lvl2pPr>
+            <a:lvl3pPr marL="1143000" indent="-228600">
+              <a:spcBef>
+                <a:spcPct val="20000"/>
+              </a:spcBef>
+              <a:buFont typeface="Arial" panose="020B0604020202020204" pitchFamily="34" charset="0"/>
+              <a:buChar char="•"/>
+              <a:defRPr sz="2400">
+                <a:solidFill>
+                  <a:schemeClr val="tx1"/>
+                </a:solidFill>
+                <a:latin typeface="Calibri" panose="020F0502020204030204" pitchFamily="34" charset="0"/>
+                <a:ea typeface="宋体" panose="02010600030101010101" pitchFamily="2" charset="-122"/>
+                <a:sym typeface="Calibri" panose="020F0502020204030204" pitchFamily="34" charset="0"/>
+              </a:defRPr>
+            </a:lvl3pPr>
+            <a:lvl4pPr marL="1600200" indent="-228600">
+              <a:spcBef>
+                <a:spcPct val="20000"/>
+              </a:spcBef>
+              <a:buFont typeface="Arial" panose="020B0604020202020204" pitchFamily="34" charset="0"/>
+              <a:buChar char="–"/>
+              <a:defRPr sz="2000">
+                <a:solidFill>
+                  <a:schemeClr val="tx1"/>
+                </a:solidFill>
+                <a:latin typeface="Calibri" panose="020F0502020204030204" pitchFamily="34" charset="0"/>
+                <a:ea typeface="宋体" panose="02010600030101010101" pitchFamily="2" charset="-122"/>
+                <a:sym typeface="Calibri" panose="020F0502020204030204" pitchFamily="34" charset="0"/>
+              </a:defRPr>
+            </a:lvl4pPr>
+            <a:lvl5pPr marL="2057400" indent="-228600">
+              <a:spcBef>
+                <a:spcPct val="20000"/>
+              </a:spcBef>
+              <a:buFont typeface="Arial" panose="020B0604020202020204" pitchFamily="34" charset="0"/>
+              <a:buChar char="»"/>
+              <a:defRPr sz="2000">
+                <a:solidFill>
+                  <a:schemeClr val="tx1"/>
+                </a:solidFill>
+                <a:latin typeface="Calibri" panose="020F0502020204030204" pitchFamily="34" charset="0"/>
+                <a:ea typeface="宋体" panose="02010600030101010101" pitchFamily="2" charset="-122"/>
+                <a:sym typeface="Calibri" panose="020F0502020204030204" pitchFamily="34" charset="0"/>
+              </a:defRPr>
+            </a:lvl5pPr>
+            <a:lvl6pPr marL="2514600" indent="-228600" eaLnBrk="0" fontAlgn="base" hangingPunct="0">
+              <a:spcBef>
+                <a:spcPct val="20000"/>
+              </a:spcBef>
+              <a:spcAft>
+                <a:spcPct val="0"/>
+              </a:spcAft>
+              <a:buFont typeface="Arial" panose="020B0604020202020204" pitchFamily="34" charset="0"/>
+              <a:buChar char="»"/>
+              <a:defRPr sz="2000">
+                <a:solidFill>
+                  <a:schemeClr val="tx1"/>
+                </a:solidFill>
+                <a:latin typeface="Calibri" panose="020F0502020204030204" pitchFamily="34" charset="0"/>
+                <a:ea typeface="宋体" panose="02010600030101010101" pitchFamily="2" charset="-122"/>
+                <a:sym typeface="Calibri" panose="020F0502020204030204" pitchFamily="34" charset="0"/>
+              </a:defRPr>
+            </a:lvl6pPr>
+            <a:lvl7pPr marL="2971800" indent="-228600" eaLnBrk="0" fontAlgn="base" hangingPunct="0">
+              <a:spcBef>
+                <a:spcPct val="20000"/>
+              </a:spcBef>
+              <a:spcAft>
+                <a:spcPct val="0"/>
+              </a:spcAft>
+              <a:buFont typeface="Arial" panose="020B0604020202020204" pitchFamily="34" charset="0"/>
+              <a:buChar char="»"/>
+              <a:defRPr sz="2000">
+                <a:solidFill>
+                  <a:schemeClr val="tx1"/>
+                </a:solidFill>
+                <a:latin typeface="Calibri" panose="020F0502020204030204" pitchFamily="34" charset="0"/>
+                <a:ea typeface="宋体" panose="02010600030101010101" pitchFamily="2" charset="-122"/>
+                <a:sym typeface="Calibri" panose="020F0502020204030204" pitchFamily="34" charset="0"/>
+              </a:defRPr>
+            </a:lvl7pPr>
+            <a:lvl8pPr marL="3429000" indent="-228600" eaLnBrk="0" fontAlgn="base" hangingPunct="0">
+              <a:spcBef>
+                <a:spcPct val="20000"/>
+              </a:spcBef>
+              <a:spcAft>
+                <a:spcPct val="0"/>
+              </a:spcAft>
+              <a:buFont typeface="Arial" panose="020B0604020202020204" pitchFamily="34" charset="0"/>
+              <a:buChar char="»"/>
+              <a:defRPr sz="2000">
+                <a:solidFill>
+                  <a:schemeClr val="tx1"/>
+                </a:solidFill>
+                <a:latin typeface="Calibri" panose="020F0502020204030204" pitchFamily="34" charset="0"/>
+                <a:ea typeface="宋体" panose="02010600030101010101" pitchFamily="2" charset="-122"/>
+                <a:sym typeface="Calibri" panose="020F0502020204030204" pitchFamily="34" charset="0"/>
+              </a:defRPr>
+            </a:lvl8pPr>
+            <a:lvl9pPr marL="3886200" indent="-228600" eaLnBrk="0" fontAlgn="base" hangingPunct="0">
+              <a:spcBef>
+                <a:spcPct val="20000"/>
+              </a:spcBef>
+              <a:spcAft>
+                <a:spcPct val="0"/>
+              </a:spcAft>
+              <a:buFont typeface="Arial" panose="020B0604020202020204" pitchFamily="34" charset="0"/>
+              <a:buChar char="»"/>
+              <a:defRPr sz="2000">
+                <a:solidFill>
+                  <a:schemeClr val="tx1"/>
+                </a:solidFill>
+                <a:latin typeface="Calibri" panose="020F0502020204030204" pitchFamily="34" charset="0"/>
+                <a:ea typeface="宋体" panose="02010600030101010101" pitchFamily="2" charset="-122"/>
+                <a:sym typeface="Calibri" panose="020F0502020204030204" pitchFamily="34" charset="0"/>
+              </a:defRPr>
+            </a:lvl9pPr>
+          </a:lstStyle>
+          <a:p>
+            <a:pPr>
+              <a:lnSpc>
+                <a:spcPct val="150000"/>
+              </a:lnSpc>
+              <a:spcBef>
+                <a:spcPct val="0"/>
+              </a:spcBef>
+              <a:buFontTx/>
+              <a:buNone/>
+            </a:pPr>
+            <a:r>
+              <a:rPr lang="en-US" altLang="zh-CN" sz="2800" b="1" dirty="0" smtClean="0">
+                <a:solidFill>
+                  <a:srgbClr val="3333FF"/>
+                </a:solidFill>
+                <a:latin typeface="Times New Roman" panose="02020603050405020304" pitchFamily="18" charset="0"/>
+                <a:ea typeface="微软雅黑" panose="020B0503020204020204" pitchFamily="34" charset="-122"/>
+                <a:cs typeface="Times New Roman" panose="02020603050405020304" pitchFamily="18" charset="0"/>
+              </a:rPr>
+              <a:t>1</a:t>
+            </a:r>
+            <a:r>
+              <a:rPr lang="zh-CN" altLang="en-US" sz="2800" b="1" dirty="0" smtClean="0">
+                <a:solidFill>
+                  <a:srgbClr val="3333FF"/>
+                </a:solidFill>
+                <a:latin typeface="Times New Roman" panose="02020603050405020304" pitchFamily="18" charset="0"/>
+                <a:ea typeface="微软雅黑" panose="020B0503020204020204" pitchFamily="34" charset="-122"/>
+                <a:cs typeface="Times New Roman" panose="02020603050405020304" pitchFamily="18" charset="0"/>
+              </a:rPr>
+              <a:t>、问题描述</a:t>
+            </a:r>
+            <a:endParaRPr lang="zh-CN" altLang="en-US" sz="2800" b="1" dirty="0">
+              <a:solidFill>
+                <a:srgbClr val="3333FF"/>
+              </a:solidFill>
+              <a:latin typeface="微软雅黑" panose="020B0503020204020204" pitchFamily="34" charset="-122"/>
+              <a:ea typeface="微软雅黑" panose="020B0503020204020204" pitchFamily="34" charset="-122"/>
+              <a:cs typeface="Times New Roman" panose="02020603050405020304" pitchFamily="18" charset="0"/>
+            </a:endParaRPr>
+          </a:p>
+        </p:txBody>
+      </p:sp>
+      <p:cxnSp>
+        <p:nvCxnSpPr>
+          <p:cNvPr id="28" name="直接连接符 27"/>
+          <p:cNvCxnSpPr/>
+          <p:nvPr/>
+        </p:nvCxnSpPr>
+        <p:spPr>
+          <a:xfrm>
+            <a:off x="0" y="3705860"/>
+            <a:ext cx="9133136" cy="0"/>
+          </a:xfrm>
+          <a:prstGeom prst="line">
+            <a:avLst/>
+          </a:prstGeom>
+          <a:ln w="19050">
+            <a:prstDash val="dash"/>
+          </a:ln>
+        </p:spPr>
+        <p:style>
+          <a:lnRef idx="1">
+            <a:schemeClr val="accent1"/>
+          </a:lnRef>
+          <a:fillRef idx="0">
+            <a:schemeClr val="accent1"/>
+          </a:fillRef>
+          <a:effectRef idx="0">
+            <a:schemeClr val="accent1"/>
+          </a:effectRef>
+          <a:fontRef idx="minor">
+            <a:schemeClr val="tx1"/>
+          </a:fontRef>
+        </p:style>
+      </p:cxnSp>
+    </p:spTree>
+    <p:extLst>
+      <p:ext uri="{BB962C8B-B14F-4D97-AF65-F5344CB8AC3E}">
+        <p14:creationId xmlns:p14="http://schemas.microsoft.com/office/powerpoint/2010/main" val="4267159046"/>
+      </p:ext>
+    </p:extLst>
+  </p:cSld>
+  <p:clrMapOvr>
+    <a:masterClrMapping/>
+  </p:clrMapOvr>
+  <p:timing>
+    <p:tnLst>
+      <p:par>
+        <p:cTn id="1" dur="indefinite" restart="never" nodeType="tmRoot"/>
+      </p:par>
+    </p:tnLst>
+  </p:timing>
+</p:sld>
+</file>
+
+<file path=ppt/slides/slide3.xml><?xml version="1.0" encoding="utf-8"?>
+<p:sld xmlns:a="http://schemas.openxmlformats.org/drawingml/2006/main" xmlns:r="http://schemas.openxmlformats.org/officeDocument/2006/relationships" xmlns:p="http://schemas.openxmlformats.org/presentationml/2006/main">
+  <p:cSld>
+    <p:spTree>
+      <p:nvGrpSpPr>
+        <p:cNvPr id="1" name=""/>
+        <p:cNvGrpSpPr/>
+        <p:nvPr/>
+      </p:nvGrpSpPr>
+      <p:grpSpPr>
+        <a:xfrm>
+          <a:off x="0" y="0"/>
+          <a:ext cx="0" cy="0"/>
+          <a:chOff x="0" y="0"/>
+          <a:chExt cx="0" cy="0"/>
+        </a:xfrm>
+      </p:grpSpPr>
+      <p:sp>
+        <p:nvSpPr>
+          <p:cNvPr id="25" name="灯片编号占位符 1"/>
+          <p:cNvSpPr>
+            <a:spLocks noGrp="1"/>
+          </p:cNvSpPr>
+          <p:nvPr>
+            <p:ph type="sldNum" sz="quarter" idx="11"/>
+          </p:nvPr>
+        </p:nvSpPr>
+        <p:spPr>
+          <a:xfrm>
+            <a:off x="8547100" y="6330950"/>
+            <a:ext cx="527050" cy="427038"/>
+          </a:xfrm>
+          <a:noFill/>
+        </p:spPr>
+        <p:txBody>
+          <a:bodyPr>
+            <a:prstTxWarp prst="textNoShape">
+              <a:avLst/>
+            </a:prstTxWarp>
+          </a:bodyPr>
+          <a:lstStyle>
+            <a:lvl1pPr>
+              <a:spcBef>
+                <a:spcPct val="20000"/>
+              </a:spcBef>
+              <a:buFont typeface="Arial" panose="020B0604020202020204" pitchFamily="34" charset="0"/>
+              <a:buChar char="•"/>
+              <a:defRPr sz="3200">
+                <a:solidFill>
+                  <a:schemeClr val="tx1"/>
+                </a:solidFill>
+                <a:latin typeface="Calibri" panose="020F0502020204030204" pitchFamily="34" charset="0"/>
+                <a:ea typeface="宋体" panose="02010600030101010101" pitchFamily="2" charset="-122"/>
+                <a:sym typeface="Calibri" panose="020F0502020204030204" pitchFamily="34" charset="0"/>
+              </a:defRPr>
+            </a:lvl1pPr>
+            <a:lvl2pPr marL="742950" indent="-285750">
+              <a:spcBef>
+                <a:spcPct val="20000"/>
+              </a:spcBef>
+              <a:buFont typeface="Arial" panose="020B0604020202020204" pitchFamily="34" charset="0"/>
+              <a:buChar char="–"/>
+              <a:defRPr sz="2800">
+                <a:solidFill>
+                  <a:schemeClr val="tx1"/>
+                </a:solidFill>
+                <a:latin typeface="Calibri" panose="020F0502020204030204" pitchFamily="34" charset="0"/>
+                <a:ea typeface="宋体" panose="02010600030101010101" pitchFamily="2" charset="-122"/>
+                <a:sym typeface="Calibri" panose="020F0502020204030204" pitchFamily="34" charset="0"/>
+              </a:defRPr>
+            </a:lvl2pPr>
+            <a:lvl3pPr marL="1143000" indent="-228600">
+              <a:spcBef>
+                <a:spcPct val="20000"/>
+              </a:spcBef>
+              <a:buFont typeface="Arial" panose="020B0604020202020204" pitchFamily="34" charset="0"/>
+              <a:buChar char="•"/>
+              <a:defRPr sz="2400">
+                <a:solidFill>
+                  <a:schemeClr val="tx1"/>
+                </a:solidFill>
+                <a:latin typeface="Calibri" panose="020F0502020204030204" pitchFamily="34" charset="0"/>
+                <a:ea typeface="宋体" panose="02010600030101010101" pitchFamily="2" charset="-122"/>
+                <a:sym typeface="Calibri" panose="020F0502020204030204" pitchFamily="34" charset="0"/>
+              </a:defRPr>
+            </a:lvl3pPr>
+            <a:lvl4pPr marL="1600200" indent="-228600">
+              <a:spcBef>
+                <a:spcPct val="20000"/>
+              </a:spcBef>
+              <a:buFont typeface="Arial" panose="020B0604020202020204" pitchFamily="34" charset="0"/>
+              <a:buChar char="–"/>
+              <a:defRPr sz="2000">
+                <a:solidFill>
+                  <a:schemeClr val="tx1"/>
+                </a:solidFill>
+                <a:latin typeface="Calibri" panose="020F0502020204030204" pitchFamily="34" charset="0"/>
+                <a:ea typeface="宋体" panose="02010600030101010101" pitchFamily="2" charset="-122"/>
+                <a:sym typeface="Calibri" panose="020F0502020204030204" pitchFamily="34" charset="0"/>
+              </a:defRPr>
+            </a:lvl4pPr>
+            <a:lvl5pPr marL="2057400" indent="-228600">
+              <a:spcBef>
+                <a:spcPct val="20000"/>
+              </a:spcBef>
+              <a:buFont typeface="Arial" panose="020B0604020202020204" pitchFamily="34" charset="0"/>
+              <a:buChar char="»"/>
+              <a:defRPr sz="2000">
+                <a:solidFill>
+                  <a:schemeClr val="tx1"/>
+                </a:solidFill>
+                <a:latin typeface="Calibri" panose="020F0502020204030204" pitchFamily="34" charset="0"/>
+                <a:ea typeface="宋体" panose="02010600030101010101" pitchFamily="2" charset="-122"/>
+                <a:sym typeface="Calibri" panose="020F0502020204030204" pitchFamily="34" charset="0"/>
+              </a:defRPr>
+            </a:lvl5pPr>
+            <a:lvl6pPr marL="2514600" indent="-228600" eaLnBrk="0" fontAlgn="base" hangingPunct="0">
+              <a:spcBef>
+                <a:spcPct val="20000"/>
+              </a:spcBef>
+              <a:spcAft>
+                <a:spcPct val="0"/>
+              </a:spcAft>
+              <a:buFont typeface="Arial" panose="020B0604020202020204" pitchFamily="34" charset="0"/>
+              <a:buChar char="»"/>
+              <a:defRPr sz="2000">
+                <a:solidFill>
+                  <a:schemeClr val="tx1"/>
+                </a:solidFill>
+                <a:latin typeface="Calibri" panose="020F0502020204030204" pitchFamily="34" charset="0"/>
+                <a:ea typeface="宋体" panose="02010600030101010101" pitchFamily="2" charset="-122"/>
+                <a:sym typeface="Calibri" panose="020F0502020204030204" pitchFamily="34" charset="0"/>
+              </a:defRPr>
+            </a:lvl6pPr>
+            <a:lvl7pPr marL="2971800" indent="-228600" eaLnBrk="0" fontAlgn="base" hangingPunct="0">
+              <a:spcBef>
+                <a:spcPct val="20000"/>
+              </a:spcBef>
+              <a:spcAft>
+                <a:spcPct val="0"/>
+              </a:spcAft>
+              <a:buFont typeface="Arial" panose="020B0604020202020204" pitchFamily="34" charset="0"/>
+              <a:buChar char="»"/>
+              <a:defRPr sz="2000">
+                <a:solidFill>
+                  <a:schemeClr val="tx1"/>
+                </a:solidFill>
+                <a:latin typeface="Calibri" panose="020F0502020204030204" pitchFamily="34" charset="0"/>
+                <a:ea typeface="宋体" panose="02010600030101010101" pitchFamily="2" charset="-122"/>
+                <a:sym typeface="Calibri" panose="020F0502020204030204" pitchFamily="34" charset="0"/>
+              </a:defRPr>
+            </a:lvl7pPr>
+            <a:lvl8pPr marL="3429000" indent="-228600" eaLnBrk="0" fontAlgn="base" hangingPunct="0">
+              <a:spcBef>
+                <a:spcPct val="20000"/>
+              </a:spcBef>
+              <a:spcAft>
+                <a:spcPct val="0"/>
+              </a:spcAft>
+              <a:buFont typeface="Arial" panose="020B0604020202020204" pitchFamily="34" charset="0"/>
+              <a:buChar char="»"/>
+              <a:defRPr sz="2000">
+                <a:solidFill>
+                  <a:schemeClr val="tx1"/>
+                </a:solidFill>
+                <a:latin typeface="Calibri" panose="020F0502020204030204" pitchFamily="34" charset="0"/>
+                <a:ea typeface="宋体" panose="02010600030101010101" pitchFamily="2" charset="-122"/>
+                <a:sym typeface="Calibri" panose="020F0502020204030204" pitchFamily="34" charset="0"/>
+              </a:defRPr>
+            </a:lvl8pPr>
+            <a:lvl9pPr marL="3886200" indent="-228600" eaLnBrk="0" fontAlgn="base" hangingPunct="0">
+              <a:spcBef>
+                <a:spcPct val="20000"/>
+              </a:spcBef>
+              <a:spcAft>
+                <a:spcPct val="0"/>
+              </a:spcAft>
+              <a:buFont typeface="Arial" panose="020B0604020202020204" pitchFamily="34" charset="0"/>
+              <a:buChar char="»"/>
+              <a:defRPr sz="2000">
+                <a:solidFill>
+                  <a:schemeClr val="tx1"/>
+                </a:solidFill>
+                <a:latin typeface="Calibri" panose="020F0502020204030204" pitchFamily="34" charset="0"/>
+                <a:ea typeface="宋体" panose="02010600030101010101" pitchFamily="2" charset="-122"/>
+                <a:sym typeface="Calibri" panose="020F0502020204030204" pitchFamily="34" charset="0"/>
+              </a:defRPr>
+            </a:lvl9pPr>
+          </a:lstStyle>
+          <a:p>
+            <a:pPr>
+              <a:spcBef>
+                <a:spcPct val="0"/>
+              </a:spcBef>
+              <a:buFont typeface="Arial" panose="020B0604020202020204" pitchFamily="34" charset="0"/>
+              <a:buNone/>
+            </a:pPr>
+            <a:r>
+              <a:rPr lang="en-US" altLang="zh-CN" sz="1800" dirty="0" smtClean="0">
+                <a:solidFill>
+                  <a:srgbClr val="898989"/>
+                </a:solidFill>
+              </a:rPr>
+              <a:t>?</a:t>
+            </a:r>
+            <a:endParaRPr lang="zh-CN" altLang="en-US" sz="1800" dirty="0" smtClean="0">
+              <a:latin typeface="Arial" panose="020B0604020202020204" pitchFamily="34" charset="0"/>
+            </a:endParaRPr>
+          </a:p>
+        </p:txBody>
+      </p:sp>
+      <p:sp>
+        <p:nvSpPr>
+          <p:cNvPr id="26" name="矩形 15"/>
+          <p:cNvSpPr>
+            <a:spLocks noChangeArrowheads="1"/>
+          </p:cNvSpPr>
+          <p:nvPr/>
+        </p:nvSpPr>
+        <p:spPr bwMode="auto">
+          <a:xfrm>
+            <a:off x="6973570" y="-52388"/>
+            <a:ext cx="2159566" cy="738664"/>
+          </a:xfrm>
+          <a:prstGeom prst="rect">
+            <a:avLst/>
+          </a:prstGeom>
+          <a:noFill/>
+          <a:ln>
+            <a:noFill/>
+          </a:ln>
+          <a:extLst>
+            <a:ext uri="{909E8E84-426E-40DD-AFC4-6F175D3DCCD1}">
+              <a14:hiddenFill xmlns:a14="http://schemas.microsoft.com/office/drawing/2010/main">
+                <a:solidFill>
+                  <a:srgbClr val="FFFFFF"/>
+                </a:solidFill>
+              </a14:hiddenFill>
+            </a:ext>
+            <a:ext uri="{91240B29-F687-4F45-9708-019B960494DF}">
+              <a14:hiddenLine xmlns:a14="http://schemas.microsoft.com/office/drawing/2010/main" w="9525">
+                <a:solidFill>
+                  <a:srgbClr val="000000"/>
+                </a:solidFill>
+                <a:miter lim="800000"/>
+                <a:headEnd/>
+                <a:tailEnd/>
+              </a14:hiddenLine>
+            </a:ext>
+          </a:extLst>
+        </p:spPr>
+        <p:txBody>
+          <a:bodyPr wrap="none">
+            <a:spAutoFit/>
+          </a:bodyPr>
+          <a:lstStyle>
+            <a:lvl1pPr>
+              <a:spcBef>
+                <a:spcPct val="20000"/>
+              </a:spcBef>
+              <a:buFont typeface="Arial" panose="020B0604020202020204" pitchFamily="34" charset="0"/>
+              <a:buChar char="•"/>
+              <a:defRPr sz="3200">
+                <a:solidFill>
+                  <a:schemeClr val="tx1"/>
+                </a:solidFill>
+                <a:latin typeface="Calibri" panose="020F0502020204030204" pitchFamily="34" charset="0"/>
+                <a:ea typeface="宋体" panose="02010600030101010101" pitchFamily="2" charset="-122"/>
+                <a:sym typeface="Calibri" panose="020F0502020204030204" pitchFamily="34" charset="0"/>
+              </a:defRPr>
+            </a:lvl1pPr>
+            <a:lvl2pPr marL="742950" indent="-285750">
+              <a:spcBef>
+                <a:spcPct val="20000"/>
+              </a:spcBef>
+              <a:buFont typeface="Arial" panose="020B0604020202020204" pitchFamily="34" charset="0"/>
+              <a:buChar char="–"/>
+              <a:defRPr sz="2800">
+                <a:solidFill>
+                  <a:schemeClr val="tx1"/>
+                </a:solidFill>
+                <a:latin typeface="Calibri" panose="020F0502020204030204" pitchFamily="34" charset="0"/>
+                <a:ea typeface="宋体" panose="02010600030101010101" pitchFamily="2" charset="-122"/>
+                <a:sym typeface="Calibri" panose="020F0502020204030204" pitchFamily="34" charset="0"/>
+              </a:defRPr>
+            </a:lvl2pPr>
+            <a:lvl3pPr marL="1143000" indent="-228600">
+              <a:spcBef>
+                <a:spcPct val="20000"/>
+              </a:spcBef>
+              <a:buFont typeface="Arial" panose="020B0604020202020204" pitchFamily="34" charset="0"/>
+              <a:buChar char="•"/>
+              <a:defRPr sz="2400">
+                <a:solidFill>
+                  <a:schemeClr val="tx1"/>
+                </a:solidFill>
+                <a:latin typeface="Calibri" panose="020F0502020204030204" pitchFamily="34" charset="0"/>
+                <a:ea typeface="宋体" panose="02010600030101010101" pitchFamily="2" charset="-122"/>
+                <a:sym typeface="Calibri" panose="020F0502020204030204" pitchFamily="34" charset="0"/>
+              </a:defRPr>
+            </a:lvl3pPr>
+            <a:lvl4pPr marL="1600200" indent="-228600">
+              <a:spcBef>
+                <a:spcPct val="20000"/>
+              </a:spcBef>
+              <a:buFont typeface="Arial" panose="020B0604020202020204" pitchFamily="34" charset="0"/>
+              <a:buChar char="–"/>
+              <a:defRPr sz="2000">
+                <a:solidFill>
+                  <a:schemeClr val="tx1"/>
+                </a:solidFill>
+                <a:latin typeface="Calibri" panose="020F0502020204030204" pitchFamily="34" charset="0"/>
+                <a:ea typeface="宋体" panose="02010600030101010101" pitchFamily="2" charset="-122"/>
+                <a:sym typeface="Calibri" panose="020F0502020204030204" pitchFamily="34" charset="0"/>
+              </a:defRPr>
+            </a:lvl4pPr>
+            <a:lvl5pPr marL="2057400" indent="-228600">
+              <a:spcBef>
+                <a:spcPct val="20000"/>
+              </a:spcBef>
+              <a:buFont typeface="Arial" panose="020B0604020202020204" pitchFamily="34" charset="0"/>
+              <a:buChar char="»"/>
+              <a:defRPr sz="2000">
+                <a:solidFill>
+                  <a:schemeClr val="tx1"/>
+                </a:solidFill>
+                <a:latin typeface="Calibri" panose="020F0502020204030204" pitchFamily="34" charset="0"/>
+                <a:ea typeface="宋体" panose="02010600030101010101" pitchFamily="2" charset="-122"/>
+                <a:sym typeface="Calibri" panose="020F0502020204030204" pitchFamily="34" charset="0"/>
+              </a:defRPr>
+            </a:lvl5pPr>
+            <a:lvl6pPr marL="2514600" indent="-228600" eaLnBrk="0" fontAlgn="base" hangingPunct="0">
+              <a:spcBef>
+                <a:spcPct val="20000"/>
+              </a:spcBef>
+              <a:spcAft>
+                <a:spcPct val="0"/>
+              </a:spcAft>
+              <a:buFont typeface="Arial" panose="020B0604020202020204" pitchFamily="34" charset="0"/>
+              <a:buChar char="»"/>
+              <a:defRPr sz="2000">
+                <a:solidFill>
+                  <a:schemeClr val="tx1"/>
+                </a:solidFill>
+                <a:latin typeface="Calibri" panose="020F0502020204030204" pitchFamily="34" charset="0"/>
+                <a:ea typeface="宋体" panose="02010600030101010101" pitchFamily="2" charset="-122"/>
+                <a:sym typeface="Calibri" panose="020F0502020204030204" pitchFamily="34" charset="0"/>
+              </a:defRPr>
+            </a:lvl6pPr>
+            <a:lvl7pPr marL="2971800" indent="-228600" eaLnBrk="0" fontAlgn="base" hangingPunct="0">
+              <a:spcBef>
+                <a:spcPct val="20000"/>
+              </a:spcBef>
+              <a:spcAft>
+                <a:spcPct val="0"/>
+              </a:spcAft>
+              <a:buFont typeface="Arial" panose="020B0604020202020204" pitchFamily="34" charset="0"/>
+              <a:buChar char="»"/>
+              <a:defRPr sz="2000">
+                <a:solidFill>
+                  <a:schemeClr val="tx1"/>
+                </a:solidFill>
+                <a:latin typeface="Calibri" panose="020F0502020204030204" pitchFamily="34" charset="0"/>
+                <a:ea typeface="宋体" panose="02010600030101010101" pitchFamily="2" charset="-122"/>
+                <a:sym typeface="Calibri" panose="020F0502020204030204" pitchFamily="34" charset="0"/>
+              </a:defRPr>
+            </a:lvl7pPr>
+            <a:lvl8pPr marL="3429000" indent="-228600" eaLnBrk="0" fontAlgn="base" hangingPunct="0">
+              <a:spcBef>
+                <a:spcPct val="20000"/>
+              </a:spcBef>
+              <a:spcAft>
+                <a:spcPct val="0"/>
+              </a:spcAft>
+              <a:buFont typeface="Arial" panose="020B0604020202020204" pitchFamily="34" charset="0"/>
+              <a:buChar char="»"/>
+              <a:defRPr sz="2000">
+                <a:solidFill>
+                  <a:schemeClr val="tx1"/>
+                </a:solidFill>
+                <a:latin typeface="Calibri" panose="020F0502020204030204" pitchFamily="34" charset="0"/>
+                <a:ea typeface="宋体" panose="02010600030101010101" pitchFamily="2" charset="-122"/>
+                <a:sym typeface="Calibri" panose="020F0502020204030204" pitchFamily="34" charset="0"/>
+              </a:defRPr>
+            </a:lvl8pPr>
+            <a:lvl9pPr marL="3886200" indent="-228600" eaLnBrk="0" fontAlgn="base" hangingPunct="0">
+              <a:spcBef>
+                <a:spcPct val="20000"/>
+              </a:spcBef>
+              <a:spcAft>
+                <a:spcPct val="0"/>
+              </a:spcAft>
+              <a:buFont typeface="Arial" panose="020B0604020202020204" pitchFamily="34" charset="0"/>
+              <a:buChar char="»"/>
+              <a:defRPr sz="2000">
+                <a:solidFill>
+                  <a:schemeClr val="tx1"/>
+                </a:solidFill>
+                <a:latin typeface="Calibri" panose="020F0502020204030204" pitchFamily="34" charset="0"/>
+                <a:ea typeface="宋体" panose="02010600030101010101" pitchFamily="2" charset="-122"/>
+                <a:sym typeface="Calibri" panose="020F0502020204030204" pitchFamily="34" charset="0"/>
+              </a:defRPr>
+            </a:lvl9pPr>
+          </a:lstStyle>
+          <a:p>
+            <a:pPr>
+              <a:lnSpc>
+                <a:spcPct val="150000"/>
+              </a:lnSpc>
+              <a:spcBef>
+                <a:spcPct val="0"/>
+              </a:spcBef>
+              <a:buFontTx/>
+              <a:buNone/>
+            </a:pPr>
+            <a:r>
+              <a:rPr lang="en-US" altLang="zh-CN" sz="2800" b="1" dirty="0" smtClean="0">
+                <a:solidFill>
+                  <a:srgbClr val="3333FF"/>
+                </a:solidFill>
+                <a:latin typeface="Times New Roman" panose="02020603050405020304" pitchFamily="18" charset="0"/>
+                <a:ea typeface="微软雅黑" panose="020B0503020204020204" pitchFamily="34" charset="-122"/>
+                <a:cs typeface="Times New Roman" panose="02020603050405020304" pitchFamily="18" charset="0"/>
+              </a:rPr>
+              <a:t>1</a:t>
+            </a:r>
+            <a:r>
+              <a:rPr lang="zh-CN" altLang="en-US" sz="2800" b="1" dirty="0" smtClean="0">
+                <a:solidFill>
+                  <a:srgbClr val="3333FF"/>
+                </a:solidFill>
+                <a:latin typeface="Times New Roman" panose="02020603050405020304" pitchFamily="18" charset="0"/>
+                <a:ea typeface="微软雅黑" panose="020B0503020204020204" pitchFamily="34" charset="-122"/>
+                <a:cs typeface="Times New Roman" panose="02020603050405020304" pitchFamily="18" charset="0"/>
+              </a:rPr>
+              <a:t>、问题描述</a:t>
+            </a:r>
+            <a:endParaRPr lang="zh-CN" altLang="en-US" sz="2800" b="1" dirty="0">
+              <a:solidFill>
+                <a:srgbClr val="3333FF"/>
+              </a:solidFill>
+              <a:latin typeface="微软雅黑" panose="020B0503020204020204" pitchFamily="34" charset="-122"/>
+              <a:ea typeface="微软雅黑" panose="020B0503020204020204" pitchFamily="34" charset="-122"/>
+              <a:cs typeface="Times New Roman" panose="02020603050405020304" pitchFamily="18" charset="0"/>
+            </a:endParaRPr>
+          </a:p>
+        </p:txBody>
+      </p:sp>
+      <p:sp>
+        <p:nvSpPr>
+          <p:cNvPr id="29" name="文本框 3"/>
+          <p:cNvSpPr txBox="1">
+            <a:spLocks noChangeArrowheads="1"/>
+          </p:cNvSpPr>
+          <p:nvPr/>
+        </p:nvSpPr>
+        <p:spPr bwMode="auto">
+          <a:xfrm>
+            <a:off x="285750" y="539750"/>
+            <a:ext cx="4640580" cy="581057"/>
+          </a:xfrm>
+          <a:prstGeom prst="rect">
+            <a:avLst/>
+          </a:prstGeom>
+          <a:noFill/>
+          <a:ln>
+            <a:noFill/>
+          </a:ln>
+          <a:extLst>
+            <a:ext uri="{909E8E84-426E-40DD-AFC4-6F175D3DCCD1}">
+              <a14:hiddenFill xmlns:a14="http://schemas.microsoft.com/office/drawing/2010/main">
+                <a:solidFill>
+                  <a:srgbClr val="FFFFFF"/>
+                </a:solidFill>
+              </a14:hiddenFill>
+            </a:ext>
+            <a:ext uri="{91240B29-F687-4F45-9708-019B960494DF}">
+              <a14:hiddenLine xmlns:a14="http://schemas.microsoft.com/office/drawing/2010/main" w="9525">
+                <a:solidFill>
+                  <a:srgbClr val="000000"/>
+                </a:solidFill>
+                <a:miter lim="800000"/>
+                <a:headEnd/>
+                <a:tailEnd/>
+              </a14:hiddenLine>
+            </a:ext>
+          </a:extLst>
+        </p:spPr>
+        <p:txBody>
+          <a:bodyPr wrap="square">
+            <a:spAutoFit/>
+          </a:bodyPr>
+          <a:lstStyle>
+            <a:lvl1pPr>
+              <a:spcBef>
+                <a:spcPct val="20000"/>
+              </a:spcBef>
+              <a:buFont typeface="Arial" panose="020B0604020202020204" pitchFamily="34" charset="0"/>
+              <a:buChar char="•"/>
+              <a:defRPr sz="3200">
+                <a:solidFill>
+                  <a:schemeClr val="tx1"/>
+                </a:solidFill>
+                <a:latin typeface="Calibri" panose="020F0502020204030204" pitchFamily="34" charset="0"/>
+                <a:ea typeface="宋体" panose="02010600030101010101" pitchFamily="2" charset="-122"/>
+                <a:sym typeface="Calibri" panose="020F0502020204030204" pitchFamily="34" charset="0"/>
+              </a:defRPr>
+            </a:lvl1pPr>
+            <a:lvl2pPr marL="742950" indent="-285750">
+              <a:spcBef>
+                <a:spcPct val="20000"/>
+              </a:spcBef>
+              <a:buFont typeface="Arial" panose="020B0604020202020204" pitchFamily="34" charset="0"/>
+              <a:buChar char="–"/>
+              <a:defRPr sz="2800">
+                <a:solidFill>
+                  <a:schemeClr val="tx1"/>
+                </a:solidFill>
+                <a:latin typeface="Calibri" panose="020F0502020204030204" pitchFamily="34" charset="0"/>
+                <a:ea typeface="宋体" panose="02010600030101010101" pitchFamily="2" charset="-122"/>
+                <a:sym typeface="Calibri" panose="020F0502020204030204" pitchFamily="34" charset="0"/>
+              </a:defRPr>
+            </a:lvl2pPr>
+            <a:lvl3pPr marL="1143000" indent="-228600">
+              <a:spcBef>
+                <a:spcPct val="20000"/>
+              </a:spcBef>
+              <a:buFont typeface="Arial" panose="020B0604020202020204" pitchFamily="34" charset="0"/>
+              <a:buChar char="•"/>
+              <a:defRPr sz="2400">
+                <a:solidFill>
+                  <a:schemeClr val="tx1"/>
+                </a:solidFill>
+                <a:latin typeface="Calibri" panose="020F0502020204030204" pitchFamily="34" charset="0"/>
+                <a:ea typeface="宋体" panose="02010600030101010101" pitchFamily="2" charset="-122"/>
+                <a:sym typeface="Calibri" panose="020F0502020204030204" pitchFamily="34" charset="0"/>
+              </a:defRPr>
+            </a:lvl3pPr>
+            <a:lvl4pPr marL="1600200" indent="-228600">
+              <a:spcBef>
+                <a:spcPct val="20000"/>
+              </a:spcBef>
+              <a:buFont typeface="Arial" panose="020B0604020202020204" pitchFamily="34" charset="0"/>
+              <a:buChar char="–"/>
+              <a:defRPr sz="2000">
+                <a:solidFill>
+                  <a:schemeClr val="tx1"/>
+                </a:solidFill>
+                <a:latin typeface="Calibri" panose="020F0502020204030204" pitchFamily="34" charset="0"/>
+                <a:ea typeface="宋体" panose="02010600030101010101" pitchFamily="2" charset="-122"/>
+                <a:sym typeface="Calibri" panose="020F0502020204030204" pitchFamily="34" charset="0"/>
+              </a:defRPr>
+            </a:lvl4pPr>
+            <a:lvl5pPr marL="2057400" indent="-228600">
+              <a:spcBef>
+                <a:spcPct val="20000"/>
+              </a:spcBef>
+              <a:buFont typeface="Arial" panose="020B0604020202020204" pitchFamily="34" charset="0"/>
+              <a:buChar char="»"/>
+              <a:defRPr sz="2000">
+                <a:solidFill>
+                  <a:schemeClr val="tx1"/>
+                </a:solidFill>
+                <a:latin typeface="Calibri" panose="020F0502020204030204" pitchFamily="34" charset="0"/>
+                <a:ea typeface="宋体" panose="02010600030101010101" pitchFamily="2" charset="-122"/>
+                <a:sym typeface="Calibri" panose="020F0502020204030204" pitchFamily="34" charset="0"/>
+              </a:defRPr>
+            </a:lvl5pPr>
+            <a:lvl6pPr marL="2514600" indent="-228600" eaLnBrk="0" fontAlgn="base" hangingPunct="0">
+              <a:spcBef>
+                <a:spcPct val="20000"/>
+              </a:spcBef>
+              <a:spcAft>
+                <a:spcPct val="0"/>
+              </a:spcAft>
+              <a:buFont typeface="Arial" panose="020B0604020202020204" pitchFamily="34" charset="0"/>
+              <a:buChar char="»"/>
+              <a:defRPr sz="2000">
+                <a:solidFill>
+                  <a:schemeClr val="tx1"/>
+                </a:solidFill>
+                <a:latin typeface="Calibri" panose="020F0502020204030204" pitchFamily="34" charset="0"/>
+                <a:ea typeface="宋体" panose="02010600030101010101" pitchFamily="2" charset="-122"/>
+                <a:sym typeface="Calibri" panose="020F0502020204030204" pitchFamily="34" charset="0"/>
+              </a:defRPr>
+            </a:lvl6pPr>
+            <a:lvl7pPr marL="2971800" indent="-228600" eaLnBrk="0" fontAlgn="base" hangingPunct="0">
+              <a:spcBef>
+                <a:spcPct val="20000"/>
+              </a:spcBef>
+              <a:spcAft>
+                <a:spcPct val="0"/>
+              </a:spcAft>
+              <a:buFont typeface="Arial" panose="020B0604020202020204" pitchFamily="34" charset="0"/>
+              <a:buChar char="»"/>
+              <a:defRPr sz="2000">
+                <a:solidFill>
+                  <a:schemeClr val="tx1"/>
+                </a:solidFill>
+                <a:latin typeface="Calibri" panose="020F0502020204030204" pitchFamily="34" charset="0"/>
+                <a:ea typeface="宋体" panose="02010600030101010101" pitchFamily="2" charset="-122"/>
+                <a:sym typeface="Calibri" panose="020F0502020204030204" pitchFamily="34" charset="0"/>
+              </a:defRPr>
+            </a:lvl7pPr>
+            <a:lvl8pPr marL="3429000" indent="-228600" eaLnBrk="0" fontAlgn="base" hangingPunct="0">
+              <a:spcBef>
+                <a:spcPct val="20000"/>
+              </a:spcBef>
+              <a:spcAft>
+                <a:spcPct val="0"/>
+              </a:spcAft>
+              <a:buFont typeface="Arial" panose="020B0604020202020204" pitchFamily="34" charset="0"/>
+              <a:buChar char="»"/>
+              <a:defRPr sz="2000">
+                <a:solidFill>
+                  <a:schemeClr val="tx1"/>
+                </a:solidFill>
+                <a:latin typeface="Calibri" panose="020F0502020204030204" pitchFamily="34" charset="0"/>
+                <a:ea typeface="宋体" panose="02010600030101010101" pitchFamily="2" charset="-122"/>
+                <a:sym typeface="Calibri" panose="020F0502020204030204" pitchFamily="34" charset="0"/>
+              </a:defRPr>
+            </a:lvl8pPr>
+            <a:lvl9pPr marL="3886200" indent="-228600" eaLnBrk="0" fontAlgn="base" hangingPunct="0">
+              <a:spcBef>
+                <a:spcPct val="20000"/>
+              </a:spcBef>
+              <a:spcAft>
+                <a:spcPct val="0"/>
+              </a:spcAft>
+              <a:buFont typeface="Arial" panose="020B0604020202020204" pitchFamily="34" charset="0"/>
+              <a:buChar char="»"/>
+              <a:defRPr sz="2000">
+                <a:solidFill>
+                  <a:schemeClr val="tx1"/>
+                </a:solidFill>
+                <a:latin typeface="Calibri" panose="020F0502020204030204" pitchFamily="34" charset="0"/>
+                <a:ea typeface="宋体" panose="02010600030101010101" pitchFamily="2" charset="-122"/>
+                <a:sym typeface="Calibri" panose="020F0502020204030204" pitchFamily="34" charset="0"/>
+              </a:defRPr>
+            </a:lvl9pPr>
+          </a:lstStyle>
+          <a:p>
+            <a:pPr eaLnBrk="1" hangingPunct="1">
+              <a:lnSpc>
+                <a:spcPct val="150000"/>
+              </a:lnSpc>
+              <a:spcBef>
+                <a:spcPct val="0"/>
+              </a:spcBef>
+              <a:buSzPct val="110000"/>
+              <a:buFont typeface="Wingdings" panose="05000000000000000000" pitchFamily="2" charset="2"/>
+              <a:buChar char="Ø"/>
+            </a:pPr>
+            <a:r>
+              <a:rPr lang="zh-CN" altLang="en-US" sz="2400" b="1" dirty="0" smtClean="0">
+                <a:solidFill>
+                  <a:srgbClr val="FF0000"/>
+                </a:solidFill>
+                <a:latin typeface="微软雅黑" panose="020B0503020204020204" pitchFamily="34" charset="-122"/>
+                <a:ea typeface="微软雅黑" panose="020B0503020204020204" pitchFamily="34" charset="-122"/>
+                <a:cs typeface="Times New Roman" panose="02020603050405020304" pitchFamily="18" charset="0"/>
+              </a:rPr>
+              <a:t>模型源项</a:t>
+            </a:r>
+            <a:endParaRPr lang="en-US" altLang="zh-CN" sz="2400" b="1" dirty="0">
+              <a:solidFill>
+                <a:srgbClr val="FF0000"/>
+              </a:solidFill>
+              <a:latin typeface="微软雅黑" panose="020B0503020204020204" pitchFamily="34" charset="-122"/>
+              <a:ea typeface="微软雅黑" panose="020B0503020204020204" pitchFamily="34" charset="-122"/>
+              <a:cs typeface="Times New Roman" panose="02020603050405020304" pitchFamily="18" charset="0"/>
+            </a:endParaRPr>
+          </a:p>
+        </p:txBody>
+      </p:sp>
+      <p:graphicFrame>
+        <p:nvGraphicFramePr>
+          <p:cNvPr id="34" name="表格 33">
+            <a:extLst>
+              <a:ext uri="{FF2B5EF4-FFF2-40B4-BE49-F238E27FC236}">
+                <a16:creationId xmlns:a16="http://schemas.microsoft.com/office/drawing/2014/main" id="{F7AED091-6557-4CCB-BE7A-1FC30B72ED58}"/>
+              </a:ext>
+            </a:extLst>
+          </p:cNvPr>
+          <p:cNvGraphicFramePr>
+            <a:graphicFrameLocks noGrp="1"/>
+          </p:cNvGraphicFramePr>
+          <p:nvPr>
+            <p:extLst>
+              <p:ext uri="{D42A27DB-BD31-4B8C-83A1-F6EECF244321}">
+                <p14:modId xmlns:p14="http://schemas.microsoft.com/office/powerpoint/2010/main" val="431566749"/>
+              </p:ext>
+            </p:extLst>
+          </p:nvPr>
+        </p:nvGraphicFramePr>
+        <p:xfrm>
+          <a:off x="285750" y="3063399"/>
+          <a:ext cx="8567069" cy="3694589"/>
+        </p:xfrm>
+        <a:graphic>
+          <a:graphicData uri="http://schemas.openxmlformats.org/drawingml/2006/table">
+            <a:tbl>
+              <a:tblPr firstRow="1" firstCol="1" bandRow="1">
+                <a:tableStyleId>{5C22544A-7EE6-4342-B048-85BDC9FD1C3A}</a:tableStyleId>
+              </a:tblPr>
+              <a:tblGrid>
+                <a:gridCol w="1520191">
+                  <a:extLst>
+                    <a:ext uri="{9D8B030D-6E8A-4147-A177-3AD203B41FA5}">
+                      <a16:colId xmlns:a16="http://schemas.microsoft.com/office/drawing/2014/main" val="3812545864"/>
+                    </a:ext>
+                  </a:extLst>
+                </a:gridCol>
+                <a:gridCol w="1737360">
+                  <a:extLst>
+                    <a:ext uri="{9D8B030D-6E8A-4147-A177-3AD203B41FA5}">
+                      <a16:colId xmlns:a16="http://schemas.microsoft.com/office/drawing/2014/main" val="3296998995"/>
+                    </a:ext>
+                  </a:extLst>
+                </a:gridCol>
+                <a:gridCol w="1639508">
+                  <a:extLst>
+                    <a:ext uri="{9D8B030D-6E8A-4147-A177-3AD203B41FA5}">
+                      <a16:colId xmlns:a16="http://schemas.microsoft.com/office/drawing/2014/main" val="3971163769"/>
+                    </a:ext>
+                  </a:extLst>
+                </a:gridCol>
+                <a:gridCol w="1835005">
+                  <a:extLst>
+                    <a:ext uri="{9D8B030D-6E8A-4147-A177-3AD203B41FA5}">
+                      <a16:colId xmlns:a16="http://schemas.microsoft.com/office/drawing/2014/main" val="1912168435"/>
+                    </a:ext>
+                  </a:extLst>
+                </a:gridCol>
+                <a:gridCol w="1835005">
+                  <a:extLst>
+                    <a:ext uri="{9D8B030D-6E8A-4147-A177-3AD203B41FA5}">
+                      <a16:colId xmlns:a16="http://schemas.microsoft.com/office/drawing/2014/main" val="221623644"/>
+                    </a:ext>
+                  </a:extLst>
+                </a:gridCol>
+              </a:tblGrid>
+              <a:tr h="383856">
+                <a:tc>
+                  <a:txBody>
+                    <a:bodyPr/>
+                    <a:lstStyle/>
+                    <a:p>
+                      <a:pPr algn="ctr">
+                        <a:spcAft>
+                          <a:spcPts val="0"/>
+                        </a:spcAft>
+                      </a:pPr>
+                      <a:r>
+                        <a:rPr lang="zh-CN" altLang="en-US" sz="1900" b="0" kern="100" dirty="0" smtClean="0">
+                          <a:effectLst/>
+                          <a:latin typeface="微软雅黑" panose="020B0503020204020204" pitchFamily="34" charset="-122"/>
+                          <a:ea typeface="微软雅黑" panose="020B0503020204020204" pitchFamily="34" charset="-122"/>
+                          <a:cs typeface="Times New Roman" panose="02020603050405020304" pitchFamily="18" charset="0"/>
+                        </a:rPr>
+                        <a:t>源项</a:t>
+                      </a:r>
+                      <a:endParaRPr lang="zh-CN" sz="1900" b="0" kern="100" dirty="0">
+                        <a:effectLst/>
+                        <a:latin typeface="微软雅黑" panose="020B0503020204020204" pitchFamily="34" charset="-122"/>
+                        <a:ea typeface="微软雅黑" panose="020B0503020204020204" pitchFamily="34" charset="-122"/>
+                        <a:cs typeface="Times New Roman" panose="02020603050405020304" pitchFamily="18" charset="0"/>
+                      </a:endParaRPr>
+                    </a:p>
+                  </a:txBody>
+                  <a:tcPr marL="68590" marR="68590" marT="0" marB="0" anchor="ctr"/>
+                </a:tc>
+                <a:tc>
+                  <a:txBody>
+                    <a:bodyPr/>
+                    <a:lstStyle/>
+                    <a:p>
+                      <a:pPr algn="ctr">
+                        <a:spcAft>
+                          <a:spcPts val="0"/>
+                        </a:spcAft>
+                      </a:pPr>
+                      <a:r>
+                        <a:rPr lang="zh-CN" altLang="en-US" sz="1900" b="0" kern="100" dirty="0" smtClean="0">
+                          <a:effectLst/>
+                          <a:latin typeface="微软雅黑" panose="020B0503020204020204" pitchFamily="34" charset="-122"/>
+                          <a:ea typeface="微软雅黑" panose="020B0503020204020204" pitchFamily="34" charset="-122"/>
+                          <a:cs typeface="Times New Roman" panose="02020603050405020304" pitchFamily="18" charset="0"/>
+                        </a:rPr>
+                        <a:t>流道</a:t>
+                      </a:r>
+                      <a:endParaRPr lang="zh-CN" sz="1900" b="0" kern="100" dirty="0">
+                        <a:effectLst/>
+                        <a:latin typeface="微软雅黑" panose="020B0503020204020204" pitchFamily="34" charset="-122"/>
+                        <a:ea typeface="微软雅黑" panose="020B0503020204020204" pitchFamily="34" charset="-122"/>
+                        <a:cs typeface="Times New Roman" panose="02020603050405020304" pitchFamily="18" charset="0"/>
+                      </a:endParaRPr>
+                    </a:p>
+                  </a:txBody>
+                  <a:tcPr marL="68590" marR="68590" marT="0" marB="0" anchor="ctr"/>
+                </a:tc>
+                <a:tc>
+                  <a:txBody>
+                    <a:bodyPr/>
+                    <a:lstStyle/>
+                    <a:p>
+                      <a:pPr algn="ctr">
+                        <a:spcAft>
+                          <a:spcPts val="0"/>
+                        </a:spcAft>
+                      </a:pPr>
+                      <a:r>
+                        <a:rPr lang="zh-CN" altLang="en-US" sz="1900" b="0" kern="100" dirty="0" smtClean="0">
+                          <a:effectLst/>
+                          <a:latin typeface="微软雅黑" panose="020B0503020204020204" pitchFamily="34" charset="-122"/>
+                          <a:ea typeface="微软雅黑" panose="020B0503020204020204" pitchFamily="34" charset="-122"/>
+                          <a:cs typeface="Times New Roman" panose="02020603050405020304" pitchFamily="18" charset="0"/>
+                        </a:rPr>
+                        <a:t>扩散层</a:t>
+                      </a:r>
+                      <a:endParaRPr lang="zh-CN" sz="1900" b="0" kern="100" dirty="0">
+                        <a:effectLst/>
+                        <a:latin typeface="微软雅黑" panose="020B0503020204020204" pitchFamily="34" charset="-122"/>
+                        <a:ea typeface="微软雅黑" panose="020B0503020204020204" pitchFamily="34" charset="-122"/>
+                        <a:cs typeface="Times New Roman" panose="02020603050405020304" pitchFamily="18" charset="0"/>
+                      </a:endParaRPr>
+                    </a:p>
+                  </a:txBody>
+                  <a:tcPr marL="68590" marR="68590" marT="0" marB="0" anchor="ctr"/>
+                </a:tc>
+                <a:tc>
+                  <a:txBody>
+                    <a:bodyPr/>
+                    <a:lstStyle/>
+                    <a:p>
+                      <a:pPr algn="ctr">
+                        <a:spcAft>
+                          <a:spcPts val="0"/>
+                        </a:spcAft>
+                      </a:pPr>
+                      <a:r>
+                        <a:rPr lang="zh-CN" altLang="en-US" sz="1900" b="0" kern="100" dirty="0" smtClean="0">
+                          <a:effectLst/>
+                          <a:latin typeface="微软雅黑" panose="020B0503020204020204" pitchFamily="34" charset="-122"/>
+                          <a:ea typeface="微软雅黑" panose="020B0503020204020204" pitchFamily="34" charset="-122"/>
+                          <a:cs typeface="Times New Roman" panose="02020603050405020304" pitchFamily="18" charset="0"/>
+                        </a:rPr>
+                        <a:t>催化层</a:t>
+                      </a:r>
+                      <a:endParaRPr lang="zh-CN" sz="1900" b="0" kern="100" dirty="0">
+                        <a:effectLst/>
+                        <a:latin typeface="微软雅黑" panose="020B0503020204020204" pitchFamily="34" charset="-122"/>
+                        <a:ea typeface="微软雅黑" panose="020B0503020204020204" pitchFamily="34" charset="-122"/>
+                        <a:cs typeface="Times New Roman" panose="02020603050405020304" pitchFamily="18" charset="0"/>
+                      </a:endParaRPr>
+                    </a:p>
+                  </a:txBody>
+                  <a:tcPr marL="68590" marR="68590" marT="0" marB="0" anchor="ctr"/>
+                </a:tc>
+                <a:tc>
+                  <a:txBody>
+                    <a:bodyPr/>
+                    <a:lstStyle/>
+                    <a:p>
+                      <a:pPr algn="ctr">
+                        <a:spcAft>
+                          <a:spcPts val="0"/>
+                        </a:spcAft>
+                      </a:pPr>
+                      <a:r>
+                        <a:rPr lang="zh-CN" altLang="en-US" sz="1900" b="0" kern="100" dirty="0" smtClean="0">
+                          <a:effectLst/>
+                          <a:latin typeface="微软雅黑" panose="020B0503020204020204" pitchFamily="34" charset="-122"/>
+                          <a:ea typeface="微软雅黑" panose="020B0503020204020204" pitchFamily="34" charset="-122"/>
+                          <a:cs typeface="Times New Roman" panose="02020603050405020304" pitchFamily="18" charset="0"/>
+                        </a:rPr>
+                        <a:t>质子交换膜</a:t>
+                      </a:r>
+                      <a:endParaRPr lang="zh-CN" sz="1900" b="0" kern="100" dirty="0">
+                        <a:effectLst/>
+                        <a:latin typeface="微软雅黑" panose="020B0503020204020204" pitchFamily="34" charset="-122"/>
+                        <a:ea typeface="微软雅黑" panose="020B0503020204020204" pitchFamily="34" charset="-122"/>
+                        <a:cs typeface="Times New Roman" panose="02020603050405020304" pitchFamily="18" charset="0"/>
+                      </a:endParaRPr>
+                    </a:p>
+                  </a:txBody>
+                  <a:tcPr marL="68590" marR="68590" marT="0" marB="0" anchor="ctr"/>
+                </a:tc>
+                <a:extLst>
+                  <a:ext uri="{0D108BD9-81ED-4DB2-BD59-A6C34878D82A}">
+                    <a16:rowId xmlns:a16="http://schemas.microsoft.com/office/drawing/2014/main" val="1556186860"/>
+                  </a:ext>
+                </a:extLst>
+              </a:tr>
+              <a:tr h="398939">
+                <a:tc>
+                  <a:txBody>
+                    <a:bodyPr/>
+                    <a:lstStyle/>
+                    <a:p>
+                      <a:pPr marL="0" marR="0" indent="0" algn="ctr" defTabSz="914400" rtl="0" eaLnBrk="1" fontAlgn="auto" latinLnBrk="0" hangingPunct="1">
+                        <a:lnSpc>
+                          <a:spcPct val="100000"/>
+                        </a:lnSpc>
+                        <a:spcBef>
+                          <a:spcPts val="0"/>
+                        </a:spcBef>
+                        <a:spcAft>
+                          <a:spcPts val="0"/>
+                        </a:spcAft>
+                        <a:buClrTx/>
+                        <a:buSzTx/>
+                        <a:buFontTx/>
+                        <a:buNone/>
+                        <a:tabLst/>
+                        <a:defRPr/>
+                      </a:pPr>
+                      <a:r>
+                        <a:rPr lang="en-US" altLang="zh-CN" sz="1700" b="0" kern="100" dirty="0" err="1" smtClean="0">
+                          <a:solidFill>
+                            <a:schemeClr val="lt1"/>
+                          </a:solidFill>
+                          <a:effectLst/>
+                          <a:latin typeface="Times New Roman" panose="02020603050405020304" pitchFamily="18" charset="0"/>
+                          <a:ea typeface="微软雅黑" panose="020B0503020204020204" pitchFamily="34" charset="-122"/>
+                          <a:cs typeface="Times New Roman" panose="02020603050405020304" pitchFamily="18" charset="0"/>
+                        </a:rPr>
+                        <a:t>S</a:t>
+                      </a:r>
+                      <a:r>
+                        <a:rPr lang="en-US" altLang="zh-CN" sz="1700" b="0" kern="100" baseline="-25000" dirty="0" err="1" smtClean="0">
+                          <a:solidFill>
+                            <a:schemeClr val="lt1"/>
+                          </a:solidFill>
+                          <a:effectLst/>
+                          <a:latin typeface="Times New Roman" panose="02020603050405020304" pitchFamily="18" charset="0"/>
+                          <a:ea typeface="微软雅黑" panose="020B0503020204020204" pitchFamily="34" charset="-122"/>
+                          <a:cs typeface="Times New Roman" panose="02020603050405020304" pitchFamily="18" charset="0"/>
+                        </a:rPr>
+                        <a:t>mass</a:t>
+                      </a:r>
+                      <a:r>
+                        <a:rPr lang="en-US" altLang="zh-CN" sz="1700" b="0" kern="100" dirty="0" smtClean="0">
+                          <a:solidFill>
+                            <a:schemeClr val="lt1"/>
+                          </a:solidFill>
+                          <a:effectLst/>
+                          <a:latin typeface="Times New Roman" panose="02020603050405020304" pitchFamily="18" charset="0"/>
+                          <a:ea typeface="微软雅黑" panose="020B0503020204020204" pitchFamily="34" charset="-122"/>
+                          <a:cs typeface="Times New Roman" panose="02020603050405020304" pitchFamily="18" charset="0"/>
+                        </a:rPr>
+                        <a:t> (kg</a:t>
+                      </a:r>
+                      <a:r>
+                        <a:rPr lang="en-US" altLang="zh-CN" sz="1700" b="0" kern="100" baseline="0" dirty="0" smtClean="0">
+                          <a:solidFill>
+                            <a:schemeClr val="lt1"/>
+                          </a:solidFill>
+                          <a:effectLst/>
+                          <a:latin typeface="Times New Roman" panose="02020603050405020304" pitchFamily="18" charset="0"/>
+                          <a:ea typeface="微软雅黑" panose="020B0503020204020204" pitchFamily="34" charset="-122"/>
+                          <a:cs typeface="Times New Roman" panose="02020603050405020304" pitchFamily="18" charset="0"/>
+                        </a:rPr>
+                        <a:t> m</a:t>
+                      </a:r>
+                      <a:r>
+                        <a:rPr lang="en-US" altLang="zh-CN" sz="1700" b="0" kern="100" baseline="30000" dirty="0" smtClean="0">
+                          <a:solidFill>
+                            <a:schemeClr val="lt1"/>
+                          </a:solidFill>
+                          <a:effectLst/>
+                          <a:latin typeface="Times New Roman" panose="02020603050405020304" pitchFamily="18" charset="0"/>
+                          <a:ea typeface="微软雅黑" panose="020B0503020204020204" pitchFamily="34" charset="-122"/>
+                          <a:cs typeface="Times New Roman" panose="02020603050405020304" pitchFamily="18" charset="0"/>
+                        </a:rPr>
+                        <a:t>-3</a:t>
+                      </a:r>
+                      <a:r>
+                        <a:rPr lang="en-US" altLang="zh-CN" sz="1700" b="0" kern="100" baseline="0" dirty="0" smtClean="0">
+                          <a:solidFill>
+                            <a:schemeClr val="lt1"/>
+                          </a:solidFill>
+                          <a:effectLst/>
+                          <a:latin typeface="Times New Roman" panose="02020603050405020304" pitchFamily="18" charset="0"/>
+                          <a:ea typeface="微软雅黑" panose="020B0503020204020204" pitchFamily="34" charset="-122"/>
+                          <a:cs typeface="Times New Roman" panose="02020603050405020304" pitchFamily="18" charset="0"/>
+                        </a:rPr>
+                        <a:t> s</a:t>
+                      </a:r>
+                      <a:r>
+                        <a:rPr lang="en-US" altLang="zh-CN" sz="1700" b="0" kern="100" baseline="30000" dirty="0" smtClean="0">
+                          <a:solidFill>
+                            <a:schemeClr val="lt1"/>
+                          </a:solidFill>
+                          <a:effectLst/>
+                          <a:latin typeface="Times New Roman" panose="02020603050405020304" pitchFamily="18" charset="0"/>
+                          <a:ea typeface="微软雅黑" panose="020B0503020204020204" pitchFamily="34" charset="-122"/>
+                          <a:cs typeface="Times New Roman" panose="02020603050405020304" pitchFamily="18" charset="0"/>
+                        </a:rPr>
+                        <a:t>-1</a:t>
+                      </a:r>
+                      <a:r>
+                        <a:rPr lang="en-US" altLang="zh-CN" sz="1700" b="0" kern="100" dirty="0" smtClean="0">
+                          <a:solidFill>
+                            <a:schemeClr val="lt1"/>
+                          </a:solidFill>
+                          <a:effectLst/>
+                          <a:latin typeface="Times New Roman" panose="02020603050405020304" pitchFamily="18" charset="0"/>
+                          <a:ea typeface="微软雅黑" panose="020B0503020204020204" pitchFamily="34" charset="-122"/>
+                          <a:cs typeface="Times New Roman" panose="02020603050405020304" pitchFamily="18" charset="0"/>
+                        </a:rPr>
+                        <a:t>)</a:t>
+                      </a:r>
+                      <a:endParaRPr lang="zh-CN" altLang="en-US" sz="1700" b="0" kern="100" dirty="0" smtClean="0">
+                        <a:solidFill>
+                          <a:schemeClr val="lt1"/>
+                        </a:solidFill>
+                        <a:effectLst/>
+                        <a:latin typeface="Times New Roman" panose="02020603050405020304" pitchFamily="18" charset="0"/>
+                        <a:ea typeface="微软雅黑" panose="020B0503020204020204" pitchFamily="34" charset="-122"/>
+                        <a:cs typeface="Times New Roman" panose="02020603050405020304" pitchFamily="18" charset="0"/>
+                      </a:endParaRPr>
+                    </a:p>
+                  </a:txBody>
+                  <a:tcPr marL="68590" marR="68590" marT="0" marB="0" anchor="ctr"/>
+                </a:tc>
+                <a:tc>
+                  <a:txBody>
+                    <a:bodyPr/>
+                    <a:lstStyle/>
+                    <a:p>
+                      <a:pPr algn="ctr">
+                        <a:lnSpc>
+                          <a:spcPct val="150000"/>
+                        </a:lnSpc>
+                        <a:spcAft>
+                          <a:spcPts val="0"/>
+                        </a:spcAft>
+                      </a:pPr>
+                      <a:endParaRPr lang="zh-CN" altLang="en-US" sz="1700" b="1" kern="1200" dirty="0">
+                        <a:solidFill>
+                          <a:schemeClr val="tx1"/>
+                        </a:solidFill>
+                        <a:latin typeface="Times New Roman" panose="02020603050405020304" pitchFamily="18" charset="0"/>
+                        <a:ea typeface="微软雅黑" panose="020B0503020204020204" pitchFamily="34" charset="-122"/>
+                        <a:cs typeface="Times New Roman" panose="02020603050405020304" pitchFamily="18" charset="0"/>
+                      </a:endParaRPr>
+                    </a:p>
+                  </a:txBody>
+                  <a:tcPr marL="68590" marR="68590" marT="0" marB="0" anchor="ctr"/>
+                </a:tc>
+                <a:tc>
+                  <a:txBody>
+                    <a:bodyPr/>
+                    <a:lstStyle/>
+                    <a:p>
+                      <a:pPr algn="ctr">
+                        <a:lnSpc>
+                          <a:spcPct val="150000"/>
+                        </a:lnSpc>
+                        <a:spcAft>
+                          <a:spcPts val="0"/>
+                        </a:spcAft>
+                      </a:pPr>
+                      <a:endParaRPr lang="zh-CN" altLang="en-US" sz="1700" b="1" kern="1200" dirty="0">
+                        <a:solidFill>
+                          <a:schemeClr val="tx1"/>
+                        </a:solidFill>
+                        <a:latin typeface="Times New Roman" panose="02020603050405020304" pitchFamily="18" charset="0"/>
+                        <a:ea typeface="微软雅黑" panose="020B0503020204020204" pitchFamily="34" charset="-122"/>
+                        <a:cs typeface="Times New Roman" panose="02020603050405020304" pitchFamily="18" charset="0"/>
+                      </a:endParaRPr>
+                    </a:p>
+                  </a:txBody>
+                  <a:tcPr marL="68590" marR="68590" marT="0" marB="0" anchor="ctr"/>
+                </a:tc>
+                <a:tc>
+                  <a:txBody>
+                    <a:bodyPr/>
+                    <a:lstStyle/>
+                    <a:p>
+                      <a:pPr algn="ctr">
+                        <a:lnSpc>
+                          <a:spcPct val="150000"/>
+                        </a:lnSpc>
+                        <a:spcAft>
+                          <a:spcPts val="0"/>
+                        </a:spcAft>
+                      </a:pPr>
+                      <a:endParaRPr lang="zh-CN" altLang="en-US" sz="1700" b="1" kern="1200" dirty="0">
+                        <a:solidFill>
+                          <a:schemeClr val="tx1"/>
+                        </a:solidFill>
+                        <a:latin typeface="Times New Roman" panose="02020603050405020304" pitchFamily="18" charset="0"/>
+                        <a:ea typeface="微软雅黑" panose="020B0503020204020204" pitchFamily="34" charset="-122"/>
+                        <a:cs typeface="Times New Roman" panose="02020603050405020304" pitchFamily="18" charset="0"/>
+                      </a:endParaRPr>
+                    </a:p>
+                  </a:txBody>
+                  <a:tcPr marL="68590" marR="68590" marT="0" marB="0" anchor="ctr"/>
+                </a:tc>
+                <a:tc>
+                  <a:txBody>
+                    <a:bodyPr/>
+                    <a:lstStyle/>
+                    <a:p>
+                      <a:pPr algn="ctr">
+                        <a:lnSpc>
+                          <a:spcPct val="150000"/>
+                        </a:lnSpc>
+                        <a:spcAft>
+                          <a:spcPts val="0"/>
+                        </a:spcAft>
+                      </a:pPr>
+                      <a:endParaRPr lang="zh-CN" altLang="en-US" sz="1700" b="1" kern="1200" dirty="0">
+                        <a:solidFill>
+                          <a:schemeClr val="tx1"/>
+                        </a:solidFill>
+                        <a:latin typeface="Times New Roman" panose="02020603050405020304" pitchFamily="18" charset="0"/>
+                        <a:ea typeface="微软雅黑" panose="020B0503020204020204" pitchFamily="34" charset="-122"/>
+                        <a:cs typeface="Times New Roman" panose="02020603050405020304" pitchFamily="18" charset="0"/>
+                      </a:endParaRPr>
+                    </a:p>
+                  </a:txBody>
+                  <a:tcPr marL="68590" marR="68590" marT="0" marB="0" anchor="ctr"/>
+                </a:tc>
+                <a:extLst>
+                  <a:ext uri="{0D108BD9-81ED-4DB2-BD59-A6C34878D82A}">
+                    <a16:rowId xmlns:a16="http://schemas.microsoft.com/office/drawing/2014/main" val="2158459069"/>
+                  </a:ext>
+                </a:extLst>
+              </a:tr>
+              <a:tr h="398939">
+                <a:tc>
+                  <a:txBody>
+                    <a:bodyPr/>
+                    <a:lstStyle/>
+                    <a:p>
+                      <a:pPr marL="0" marR="0" indent="0" algn="ctr" defTabSz="914400" rtl="0" eaLnBrk="1" fontAlgn="auto" latinLnBrk="0" hangingPunct="1">
+                        <a:lnSpc>
+                          <a:spcPct val="100000"/>
+                        </a:lnSpc>
+                        <a:spcBef>
+                          <a:spcPts val="0"/>
+                        </a:spcBef>
+                        <a:spcAft>
+                          <a:spcPts val="0"/>
+                        </a:spcAft>
+                        <a:buClrTx/>
+                        <a:buSzTx/>
+                        <a:buFontTx/>
+                        <a:buNone/>
+                        <a:tabLst/>
+                        <a:defRPr/>
+                      </a:pPr>
+                      <a:r>
+                        <a:rPr lang="en-US" altLang="zh-CN" sz="1700" b="0" kern="100" dirty="0" smtClean="0">
+                          <a:solidFill>
+                            <a:schemeClr val="lt1"/>
+                          </a:solidFill>
+                          <a:effectLst/>
+                          <a:latin typeface="Times New Roman" panose="02020603050405020304" pitchFamily="18" charset="0"/>
+                          <a:ea typeface="微软雅黑" panose="020B0503020204020204" pitchFamily="34" charset="-122"/>
+                          <a:cs typeface="Times New Roman" panose="02020603050405020304" pitchFamily="18" charset="0"/>
+                        </a:rPr>
+                        <a:t>S</a:t>
+                      </a:r>
+                      <a:r>
+                        <a:rPr lang="en-US" altLang="zh-CN" sz="1700" b="0" kern="100" baseline="-25000" dirty="0" smtClean="0">
+                          <a:solidFill>
+                            <a:schemeClr val="lt1"/>
+                          </a:solidFill>
+                          <a:effectLst/>
+                          <a:latin typeface="Times New Roman" panose="02020603050405020304" pitchFamily="18" charset="0"/>
+                          <a:ea typeface="微软雅黑" panose="020B0503020204020204" pitchFamily="34" charset="-122"/>
+                          <a:cs typeface="Times New Roman" panose="02020603050405020304" pitchFamily="18" charset="0"/>
+                        </a:rPr>
+                        <a:t>u</a:t>
+                      </a:r>
+                      <a:r>
+                        <a:rPr lang="en-US" altLang="zh-CN" sz="1700" b="0" kern="100" dirty="0" smtClean="0">
+                          <a:solidFill>
+                            <a:schemeClr val="lt1"/>
+                          </a:solidFill>
+                          <a:effectLst/>
+                          <a:latin typeface="Times New Roman" panose="02020603050405020304" pitchFamily="18" charset="0"/>
+                          <a:ea typeface="微软雅黑" panose="020B0503020204020204" pitchFamily="34" charset="-122"/>
+                          <a:cs typeface="Times New Roman" panose="02020603050405020304" pitchFamily="18" charset="0"/>
+                        </a:rPr>
+                        <a:t> (kg</a:t>
+                      </a:r>
+                      <a:r>
+                        <a:rPr lang="en-US" altLang="zh-CN" sz="1700" b="0" kern="100" baseline="0" dirty="0" smtClean="0">
+                          <a:solidFill>
+                            <a:schemeClr val="lt1"/>
+                          </a:solidFill>
+                          <a:effectLst/>
+                          <a:latin typeface="Times New Roman" panose="02020603050405020304" pitchFamily="18" charset="0"/>
+                          <a:ea typeface="微软雅黑" panose="020B0503020204020204" pitchFamily="34" charset="-122"/>
+                          <a:cs typeface="Times New Roman" panose="02020603050405020304" pitchFamily="18" charset="0"/>
+                        </a:rPr>
+                        <a:t> m</a:t>
+                      </a:r>
+                      <a:r>
+                        <a:rPr lang="en-US" altLang="zh-CN" sz="1700" b="0" kern="100" baseline="30000" dirty="0" smtClean="0">
+                          <a:solidFill>
+                            <a:schemeClr val="lt1"/>
+                          </a:solidFill>
+                          <a:effectLst/>
+                          <a:latin typeface="Times New Roman" panose="02020603050405020304" pitchFamily="18" charset="0"/>
+                          <a:ea typeface="微软雅黑" panose="020B0503020204020204" pitchFamily="34" charset="-122"/>
+                          <a:cs typeface="Times New Roman" panose="02020603050405020304" pitchFamily="18" charset="0"/>
+                        </a:rPr>
+                        <a:t>-2</a:t>
+                      </a:r>
+                      <a:r>
+                        <a:rPr lang="en-US" altLang="zh-CN" sz="1700" b="0" kern="100" baseline="0" dirty="0" smtClean="0">
+                          <a:solidFill>
+                            <a:schemeClr val="lt1"/>
+                          </a:solidFill>
+                          <a:effectLst/>
+                          <a:latin typeface="Times New Roman" panose="02020603050405020304" pitchFamily="18" charset="0"/>
+                          <a:ea typeface="微软雅黑" panose="020B0503020204020204" pitchFamily="34" charset="-122"/>
+                          <a:cs typeface="Times New Roman" panose="02020603050405020304" pitchFamily="18" charset="0"/>
+                        </a:rPr>
+                        <a:t> s</a:t>
+                      </a:r>
+                      <a:r>
+                        <a:rPr lang="en-US" altLang="zh-CN" sz="1700" b="0" kern="100" baseline="30000" dirty="0" smtClean="0">
+                          <a:solidFill>
+                            <a:schemeClr val="lt1"/>
+                          </a:solidFill>
+                          <a:effectLst/>
+                          <a:latin typeface="Times New Roman" panose="02020603050405020304" pitchFamily="18" charset="0"/>
+                          <a:ea typeface="微软雅黑" panose="020B0503020204020204" pitchFamily="34" charset="-122"/>
+                          <a:cs typeface="Times New Roman" panose="02020603050405020304" pitchFamily="18" charset="0"/>
+                        </a:rPr>
+                        <a:t>-</a:t>
+                      </a:r>
+                      <a:r>
+                        <a:rPr lang="en-US" altLang="zh-CN" sz="1700" b="0" kern="100" dirty="0" smtClean="0">
+                          <a:solidFill>
+                            <a:schemeClr val="lt1"/>
+                          </a:solidFill>
+                          <a:effectLst/>
+                          <a:latin typeface="Times New Roman" panose="02020603050405020304" pitchFamily="18" charset="0"/>
+                          <a:ea typeface="微软雅黑" panose="020B0503020204020204" pitchFamily="34" charset="-122"/>
+                          <a:cs typeface="Times New Roman" panose="02020603050405020304" pitchFamily="18" charset="0"/>
+                        </a:rPr>
+                        <a:t>)</a:t>
+                      </a:r>
+                      <a:endParaRPr lang="zh-CN" altLang="en-US" sz="1700" b="0" kern="100" dirty="0" smtClean="0">
+                        <a:solidFill>
+                          <a:schemeClr val="lt1"/>
+                        </a:solidFill>
+                        <a:effectLst/>
+                        <a:latin typeface="Times New Roman" panose="02020603050405020304" pitchFamily="18" charset="0"/>
+                        <a:ea typeface="微软雅黑" panose="020B0503020204020204" pitchFamily="34" charset="-122"/>
+                        <a:cs typeface="Times New Roman" panose="02020603050405020304" pitchFamily="18" charset="0"/>
+                      </a:endParaRPr>
+                    </a:p>
+                  </a:txBody>
+                  <a:tcPr marL="68590" marR="68590" marT="0" marB="0" anchor="ctr"/>
+                </a:tc>
+                <a:tc>
+                  <a:txBody>
+                    <a:bodyPr/>
+                    <a:lstStyle/>
+                    <a:p>
+                      <a:pPr algn="ctr">
+                        <a:lnSpc>
+                          <a:spcPct val="150000"/>
+                        </a:lnSpc>
+                        <a:spcAft>
+                          <a:spcPts val="0"/>
+                        </a:spcAft>
+                      </a:pPr>
+                      <a:endParaRPr lang="zh-CN" altLang="en-US" sz="1700" b="1" kern="1200" dirty="0">
+                        <a:solidFill>
+                          <a:schemeClr val="tx1"/>
+                        </a:solidFill>
+                        <a:latin typeface="Times New Roman" panose="02020603050405020304" pitchFamily="18" charset="0"/>
+                        <a:ea typeface="微软雅黑" panose="020B0503020204020204" pitchFamily="34" charset="-122"/>
+                        <a:cs typeface="Times New Roman" panose="02020603050405020304" pitchFamily="18" charset="0"/>
+                      </a:endParaRPr>
+                    </a:p>
+                  </a:txBody>
+                  <a:tcPr marL="68590" marR="68590" marT="0" marB="0" anchor="ctr"/>
+                </a:tc>
+                <a:tc>
+                  <a:txBody>
+                    <a:bodyPr/>
+                    <a:lstStyle/>
+                    <a:p>
+                      <a:pPr algn="ctr">
+                        <a:lnSpc>
+                          <a:spcPct val="150000"/>
+                        </a:lnSpc>
+                        <a:spcAft>
+                          <a:spcPts val="0"/>
+                        </a:spcAft>
+                      </a:pPr>
+                      <a:endParaRPr lang="zh-CN" altLang="en-US" sz="1700" b="1" kern="1200" dirty="0">
+                        <a:solidFill>
+                          <a:schemeClr val="tx1"/>
+                        </a:solidFill>
+                        <a:latin typeface="Times New Roman" panose="02020603050405020304" pitchFamily="18" charset="0"/>
+                        <a:ea typeface="微软雅黑" panose="020B0503020204020204" pitchFamily="34" charset="-122"/>
+                        <a:cs typeface="Times New Roman" panose="02020603050405020304" pitchFamily="18" charset="0"/>
+                      </a:endParaRPr>
+                    </a:p>
+                  </a:txBody>
+                  <a:tcPr marL="68590" marR="68590" marT="0" marB="0" anchor="ctr"/>
+                </a:tc>
+                <a:tc>
+                  <a:txBody>
+                    <a:bodyPr/>
+                    <a:lstStyle/>
+                    <a:p>
+                      <a:pPr algn="ctr">
+                        <a:lnSpc>
+                          <a:spcPct val="150000"/>
+                        </a:lnSpc>
+                        <a:spcAft>
+                          <a:spcPts val="0"/>
+                        </a:spcAft>
+                      </a:pPr>
+                      <a:endParaRPr lang="zh-CN" altLang="en-US" sz="1700" b="1" kern="1200" dirty="0">
+                        <a:solidFill>
+                          <a:schemeClr val="tx1"/>
+                        </a:solidFill>
+                        <a:latin typeface="Times New Roman" panose="02020603050405020304" pitchFamily="18" charset="0"/>
+                        <a:ea typeface="微软雅黑" panose="020B0503020204020204" pitchFamily="34" charset="-122"/>
+                        <a:cs typeface="Times New Roman" panose="02020603050405020304" pitchFamily="18" charset="0"/>
+                      </a:endParaRPr>
+                    </a:p>
+                  </a:txBody>
+                  <a:tcPr marL="68590" marR="68590" marT="0" marB="0" anchor="ctr"/>
+                </a:tc>
+                <a:tc>
+                  <a:txBody>
+                    <a:bodyPr/>
+                    <a:lstStyle/>
+                    <a:p>
+                      <a:pPr algn="ctr">
+                        <a:lnSpc>
+                          <a:spcPct val="150000"/>
+                        </a:lnSpc>
+                        <a:spcAft>
+                          <a:spcPts val="0"/>
+                        </a:spcAft>
+                      </a:pPr>
+                      <a:endParaRPr lang="zh-CN" altLang="en-US" sz="1700" b="1" kern="1200" dirty="0">
+                        <a:solidFill>
+                          <a:schemeClr val="tx1"/>
+                        </a:solidFill>
+                        <a:latin typeface="Times New Roman" panose="02020603050405020304" pitchFamily="18" charset="0"/>
+                        <a:ea typeface="微软雅黑" panose="020B0503020204020204" pitchFamily="34" charset="-122"/>
+                        <a:cs typeface="Times New Roman" panose="02020603050405020304" pitchFamily="18" charset="0"/>
+                      </a:endParaRPr>
+                    </a:p>
+                  </a:txBody>
+                  <a:tcPr marL="68590" marR="68590" marT="0" marB="0" anchor="ctr"/>
+                </a:tc>
+                <a:extLst>
+                  <a:ext uri="{0D108BD9-81ED-4DB2-BD59-A6C34878D82A}">
+                    <a16:rowId xmlns:a16="http://schemas.microsoft.com/office/drawing/2014/main" val="1087208171"/>
+                  </a:ext>
+                </a:extLst>
+              </a:tr>
+              <a:tr h="398939">
+                <a:tc>
+                  <a:txBody>
+                    <a:bodyPr/>
+                    <a:lstStyle/>
+                    <a:p>
+                      <a:pPr marL="0" marR="0" indent="0" algn="ctr" defTabSz="914400" rtl="0" eaLnBrk="1" fontAlgn="auto" latinLnBrk="0" hangingPunct="1">
+                        <a:lnSpc>
+                          <a:spcPct val="100000"/>
+                        </a:lnSpc>
+                        <a:spcBef>
+                          <a:spcPts val="0"/>
+                        </a:spcBef>
+                        <a:spcAft>
+                          <a:spcPts val="0"/>
+                        </a:spcAft>
+                        <a:buClrTx/>
+                        <a:buSzTx/>
+                        <a:buFontTx/>
+                        <a:buNone/>
+                        <a:tabLst/>
+                        <a:defRPr/>
+                      </a:pPr>
+                      <a:r>
+                        <a:rPr lang="en-US" altLang="zh-CN" sz="1700" b="0" kern="100" dirty="0" smtClean="0">
+                          <a:solidFill>
+                            <a:schemeClr val="lt1"/>
+                          </a:solidFill>
+                          <a:effectLst/>
+                          <a:latin typeface="Times New Roman" panose="02020603050405020304" pitchFamily="18" charset="0"/>
+                          <a:ea typeface="微软雅黑" panose="020B0503020204020204" pitchFamily="34" charset="-122"/>
+                          <a:cs typeface="Times New Roman" panose="02020603050405020304" pitchFamily="18" charset="0"/>
+                        </a:rPr>
+                        <a:t>S</a:t>
+                      </a:r>
+                      <a:r>
+                        <a:rPr lang="en-US" altLang="zh-CN" sz="1700" b="0" kern="100" baseline="-25000" dirty="0" smtClean="0">
+                          <a:solidFill>
+                            <a:schemeClr val="lt1"/>
+                          </a:solidFill>
+                          <a:effectLst/>
+                          <a:latin typeface="Times New Roman" panose="02020603050405020304" pitchFamily="18" charset="0"/>
+                          <a:ea typeface="微软雅黑" panose="020B0503020204020204" pitchFamily="34" charset="-122"/>
+                          <a:cs typeface="Times New Roman" panose="02020603050405020304" pitchFamily="18" charset="0"/>
+                        </a:rPr>
+                        <a:t>i</a:t>
+                      </a:r>
+                      <a:r>
+                        <a:rPr lang="en-US" altLang="zh-CN" sz="1700" b="0" kern="100" dirty="0" smtClean="0">
+                          <a:solidFill>
+                            <a:schemeClr val="lt1"/>
+                          </a:solidFill>
+                          <a:effectLst/>
+                          <a:latin typeface="Times New Roman" panose="02020603050405020304" pitchFamily="18" charset="0"/>
+                          <a:ea typeface="微软雅黑" panose="020B0503020204020204" pitchFamily="34" charset="-122"/>
+                          <a:cs typeface="Times New Roman" panose="02020603050405020304" pitchFamily="18" charset="0"/>
+                        </a:rPr>
+                        <a:t> (</a:t>
+                      </a:r>
+                      <a:r>
+                        <a:rPr lang="en-US" altLang="zh-CN" sz="1700" b="0" kern="100" dirty="0" err="1" smtClean="0">
+                          <a:solidFill>
+                            <a:schemeClr val="lt1"/>
+                          </a:solidFill>
+                          <a:effectLst/>
+                          <a:latin typeface="Times New Roman" panose="02020603050405020304" pitchFamily="18" charset="0"/>
+                          <a:ea typeface="微软雅黑" panose="020B0503020204020204" pitchFamily="34" charset="-122"/>
+                          <a:cs typeface="Times New Roman" panose="02020603050405020304" pitchFamily="18" charset="0"/>
+                        </a:rPr>
+                        <a:t>i</a:t>
+                      </a:r>
+                      <a:r>
+                        <a:rPr lang="en-US" altLang="zh-CN" sz="1700" b="0" kern="100" dirty="0" smtClean="0">
+                          <a:solidFill>
+                            <a:schemeClr val="lt1"/>
+                          </a:solidFill>
+                          <a:effectLst/>
+                          <a:latin typeface="Times New Roman" panose="02020603050405020304" pitchFamily="18" charset="0"/>
+                          <a:ea typeface="微软雅黑" panose="020B0503020204020204" pitchFamily="34" charset="-122"/>
+                          <a:cs typeface="Times New Roman" panose="02020603050405020304" pitchFamily="18" charset="0"/>
+                        </a:rPr>
+                        <a:t>=H2,</a:t>
+                      </a:r>
+                      <a:r>
+                        <a:rPr lang="en-US" altLang="zh-CN" sz="1700" b="0" kern="100" baseline="0" dirty="0" smtClean="0">
+                          <a:solidFill>
+                            <a:schemeClr val="lt1"/>
+                          </a:solidFill>
+                          <a:effectLst/>
+                          <a:latin typeface="Times New Roman" panose="02020603050405020304" pitchFamily="18" charset="0"/>
+                          <a:ea typeface="微软雅黑" panose="020B0503020204020204" pitchFamily="34" charset="-122"/>
+                          <a:cs typeface="Times New Roman" panose="02020603050405020304" pitchFamily="18" charset="0"/>
+                        </a:rPr>
+                        <a:t> O2, H2O</a:t>
+                      </a:r>
+                      <a:r>
+                        <a:rPr lang="en-US" altLang="zh-CN" sz="1700" b="0" kern="100" dirty="0" smtClean="0">
+                          <a:solidFill>
+                            <a:schemeClr val="lt1"/>
+                          </a:solidFill>
+                          <a:effectLst/>
+                          <a:latin typeface="Times New Roman" panose="02020603050405020304" pitchFamily="18" charset="0"/>
+                          <a:ea typeface="微软雅黑" panose="020B0503020204020204" pitchFamily="34" charset="-122"/>
+                          <a:cs typeface="Times New Roman" panose="02020603050405020304" pitchFamily="18" charset="0"/>
+                        </a:rPr>
+                        <a:t>)</a:t>
+                      </a:r>
+                      <a:endParaRPr lang="zh-CN" altLang="en-US" sz="1700" b="0" kern="100" dirty="0" smtClean="0">
+                        <a:solidFill>
+                          <a:schemeClr val="lt1"/>
+                        </a:solidFill>
+                        <a:effectLst/>
+                        <a:latin typeface="Times New Roman" panose="02020603050405020304" pitchFamily="18" charset="0"/>
+                        <a:ea typeface="微软雅黑" panose="020B0503020204020204" pitchFamily="34" charset="-122"/>
+                        <a:cs typeface="Times New Roman" panose="02020603050405020304" pitchFamily="18" charset="0"/>
+                      </a:endParaRPr>
+                    </a:p>
+                  </a:txBody>
+                  <a:tcPr marL="68590" marR="68590" marT="0" marB="0" anchor="ctr"/>
+                </a:tc>
+                <a:tc>
+                  <a:txBody>
+                    <a:bodyPr/>
+                    <a:lstStyle/>
+                    <a:p>
+                      <a:pPr algn="ctr">
+                        <a:lnSpc>
+                          <a:spcPct val="150000"/>
+                        </a:lnSpc>
+                        <a:spcAft>
+                          <a:spcPts val="0"/>
+                        </a:spcAft>
+                      </a:pPr>
+                      <a:endParaRPr lang="zh-CN" altLang="en-US" sz="1700" b="1" kern="1200" dirty="0">
+                        <a:solidFill>
+                          <a:schemeClr val="tx1"/>
+                        </a:solidFill>
+                        <a:latin typeface="Times New Roman" panose="02020603050405020304" pitchFamily="18" charset="0"/>
+                        <a:ea typeface="微软雅黑" panose="020B0503020204020204" pitchFamily="34" charset="-122"/>
+                        <a:cs typeface="Times New Roman" panose="02020603050405020304" pitchFamily="18" charset="0"/>
+                      </a:endParaRPr>
+                    </a:p>
+                  </a:txBody>
+                  <a:tcPr marL="68590" marR="68590" marT="0" marB="0" anchor="ctr"/>
+                </a:tc>
+                <a:tc>
+                  <a:txBody>
+                    <a:bodyPr/>
+                    <a:lstStyle/>
+                    <a:p>
+                      <a:pPr algn="ctr">
+                        <a:lnSpc>
+                          <a:spcPct val="150000"/>
+                        </a:lnSpc>
+                        <a:spcAft>
+                          <a:spcPts val="0"/>
+                        </a:spcAft>
+                      </a:pPr>
+                      <a:endParaRPr lang="zh-CN" altLang="en-US" sz="1700" b="1" kern="1200" dirty="0">
+                        <a:solidFill>
+                          <a:schemeClr val="tx1"/>
+                        </a:solidFill>
+                        <a:latin typeface="Times New Roman" panose="02020603050405020304" pitchFamily="18" charset="0"/>
+                        <a:ea typeface="微软雅黑" panose="020B0503020204020204" pitchFamily="34" charset="-122"/>
+                        <a:cs typeface="Times New Roman" panose="02020603050405020304" pitchFamily="18" charset="0"/>
+                      </a:endParaRPr>
+                    </a:p>
+                  </a:txBody>
+                  <a:tcPr marL="68590" marR="68590" marT="0" marB="0" anchor="ctr"/>
+                </a:tc>
+                <a:tc>
+                  <a:txBody>
+                    <a:bodyPr/>
+                    <a:lstStyle/>
+                    <a:p>
+                      <a:pPr algn="ctr">
+                        <a:lnSpc>
+                          <a:spcPct val="150000"/>
+                        </a:lnSpc>
+                        <a:spcAft>
+                          <a:spcPts val="0"/>
+                        </a:spcAft>
+                      </a:pPr>
+                      <a:endParaRPr lang="zh-CN" altLang="en-US" sz="1700" b="1" kern="1200" dirty="0">
+                        <a:solidFill>
+                          <a:schemeClr val="tx1"/>
+                        </a:solidFill>
+                        <a:latin typeface="Times New Roman" panose="02020603050405020304" pitchFamily="18" charset="0"/>
+                        <a:ea typeface="微软雅黑" panose="020B0503020204020204" pitchFamily="34" charset="-122"/>
+                        <a:cs typeface="Times New Roman" panose="02020603050405020304" pitchFamily="18" charset="0"/>
+                      </a:endParaRPr>
+                    </a:p>
+                  </a:txBody>
+                  <a:tcPr marL="68590" marR="68590" marT="0" marB="0" anchor="ctr"/>
+                </a:tc>
+                <a:tc>
+                  <a:txBody>
+                    <a:bodyPr/>
+                    <a:lstStyle/>
+                    <a:p>
+                      <a:pPr algn="ctr">
+                        <a:lnSpc>
+                          <a:spcPct val="150000"/>
+                        </a:lnSpc>
+                        <a:spcAft>
+                          <a:spcPts val="0"/>
+                        </a:spcAft>
+                      </a:pPr>
+                      <a:endParaRPr lang="zh-CN" altLang="en-US" sz="1700" b="1" kern="1200" dirty="0">
+                        <a:solidFill>
+                          <a:schemeClr val="tx1"/>
+                        </a:solidFill>
+                        <a:latin typeface="Times New Roman" panose="02020603050405020304" pitchFamily="18" charset="0"/>
+                        <a:ea typeface="微软雅黑" panose="020B0503020204020204" pitchFamily="34" charset="-122"/>
+                        <a:cs typeface="Times New Roman" panose="02020603050405020304" pitchFamily="18" charset="0"/>
+                      </a:endParaRPr>
+                    </a:p>
+                  </a:txBody>
+                  <a:tcPr marL="68590" marR="68590" marT="0" marB="0" anchor="ctr"/>
+                </a:tc>
+                <a:extLst>
+                  <a:ext uri="{0D108BD9-81ED-4DB2-BD59-A6C34878D82A}">
+                    <a16:rowId xmlns:a16="http://schemas.microsoft.com/office/drawing/2014/main" val="1894481800"/>
+                  </a:ext>
+                </a:extLst>
+              </a:tr>
+              <a:tr h="398939">
+                <a:tc>
+                  <a:txBody>
+                    <a:bodyPr/>
+                    <a:lstStyle/>
+                    <a:p>
+                      <a:pPr marL="0" marR="0" indent="0" algn="ctr" defTabSz="914400" rtl="0" eaLnBrk="1" fontAlgn="auto" latinLnBrk="0" hangingPunct="1">
+                        <a:lnSpc>
+                          <a:spcPct val="100000"/>
+                        </a:lnSpc>
+                        <a:spcBef>
+                          <a:spcPts val="0"/>
+                        </a:spcBef>
+                        <a:spcAft>
+                          <a:spcPts val="0"/>
+                        </a:spcAft>
+                        <a:buClrTx/>
+                        <a:buSzTx/>
+                        <a:buFontTx/>
+                        <a:buNone/>
+                        <a:tabLst/>
+                        <a:defRPr/>
+                      </a:pPr>
+                      <a:r>
+                        <a:rPr lang="en-US" altLang="zh-CN" sz="1700" b="0" kern="100" dirty="0" smtClean="0">
+                          <a:solidFill>
+                            <a:schemeClr val="lt1"/>
+                          </a:solidFill>
+                          <a:effectLst/>
+                          <a:latin typeface="Times New Roman" panose="02020603050405020304" pitchFamily="18" charset="0"/>
+                          <a:ea typeface="微软雅黑" panose="020B0503020204020204" pitchFamily="34" charset="-122"/>
+                          <a:cs typeface="Times New Roman" panose="02020603050405020304" pitchFamily="18" charset="0"/>
+                        </a:rPr>
+                        <a:t>S</a:t>
+                      </a:r>
+                      <a:r>
+                        <a:rPr lang="en-US" altLang="zh-CN" sz="1700" b="0" kern="100" baseline="-25000" dirty="0" smtClean="0">
+                          <a:solidFill>
+                            <a:schemeClr val="lt1"/>
+                          </a:solidFill>
+                          <a:effectLst/>
+                          <a:latin typeface="Times New Roman" panose="02020603050405020304" pitchFamily="18" charset="0"/>
+                          <a:ea typeface="微软雅黑" panose="020B0503020204020204" pitchFamily="34" charset="-122"/>
+                          <a:cs typeface="Times New Roman" panose="02020603050405020304" pitchFamily="18" charset="0"/>
+                        </a:rPr>
+                        <a:t>e</a:t>
+                      </a:r>
+                      <a:r>
+                        <a:rPr lang="en-US" altLang="zh-CN" sz="1700" b="0" kern="100" dirty="0" smtClean="0">
+                          <a:solidFill>
+                            <a:schemeClr val="lt1"/>
+                          </a:solidFill>
+                          <a:effectLst/>
+                          <a:latin typeface="Times New Roman" panose="02020603050405020304" pitchFamily="18" charset="0"/>
+                          <a:ea typeface="微软雅黑" panose="020B0503020204020204" pitchFamily="34" charset="-122"/>
+                          <a:cs typeface="Times New Roman" panose="02020603050405020304" pitchFamily="18" charset="0"/>
+                        </a:rPr>
+                        <a:t> ()</a:t>
+                      </a:r>
+                      <a:endParaRPr lang="zh-CN" altLang="en-US" sz="1700" b="0" kern="100" dirty="0" smtClean="0">
+                        <a:solidFill>
+                          <a:schemeClr val="lt1"/>
+                        </a:solidFill>
+                        <a:effectLst/>
+                        <a:latin typeface="Times New Roman" panose="02020603050405020304" pitchFamily="18" charset="0"/>
+                        <a:ea typeface="微软雅黑" panose="020B0503020204020204" pitchFamily="34" charset="-122"/>
+                        <a:cs typeface="Times New Roman" panose="02020603050405020304" pitchFamily="18" charset="0"/>
+                      </a:endParaRPr>
+                    </a:p>
+                  </a:txBody>
+                  <a:tcPr marL="68590" marR="68590" marT="0" marB="0" anchor="ctr"/>
+                </a:tc>
+                <a:tc>
+                  <a:txBody>
+                    <a:bodyPr/>
+                    <a:lstStyle/>
+                    <a:p>
+                      <a:pPr algn="ctr">
+                        <a:lnSpc>
+                          <a:spcPct val="150000"/>
+                        </a:lnSpc>
+                        <a:spcAft>
+                          <a:spcPts val="0"/>
+                        </a:spcAft>
+                      </a:pPr>
+                      <a:endParaRPr lang="zh-CN" altLang="en-US" sz="1700" b="1" kern="1200" dirty="0">
+                        <a:solidFill>
+                          <a:schemeClr val="tx1"/>
+                        </a:solidFill>
+                        <a:latin typeface="Times New Roman" panose="02020603050405020304" pitchFamily="18" charset="0"/>
+                        <a:ea typeface="微软雅黑" panose="020B0503020204020204" pitchFamily="34" charset="-122"/>
+                        <a:cs typeface="Times New Roman" panose="02020603050405020304" pitchFamily="18" charset="0"/>
+                      </a:endParaRPr>
+                    </a:p>
+                  </a:txBody>
+                  <a:tcPr marL="68590" marR="68590" marT="0" marB="0" anchor="ctr"/>
+                </a:tc>
+                <a:tc>
+                  <a:txBody>
+                    <a:bodyPr/>
+                    <a:lstStyle/>
+                    <a:p>
+                      <a:pPr algn="ctr">
+                        <a:lnSpc>
+                          <a:spcPct val="150000"/>
+                        </a:lnSpc>
+                        <a:spcAft>
+                          <a:spcPts val="0"/>
+                        </a:spcAft>
+                      </a:pPr>
+                      <a:endParaRPr lang="zh-CN" altLang="en-US" sz="1700" b="1" kern="1200" dirty="0">
+                        <a:solidFill>
+                          <a:schemeClr val="tx1"/>
+                        </a:solidFill>
+                        <a:latin typeface="Times New Roman" panose="02020603050405020304" pitchFamily="18" charset="0"/>
+                        <a:ea typeface="微软雅黑" panose="020B0503020204020204" pitchFamily="34" charset="-122"/>
+                        <a:cs typeface="Times New Roman" panose="02020603050405020304" pitchFamily="18" charset="0"/>
+                      </a:endParaRPr>
+                    </a:p>
+                  </a:txBody>
+                  <a:tcPr marL="68590" marR="68590" marT="0" marB="0" anchor="ctr"/>
+                </a:tc>
+                <a:tc>
+                  <a:txBody>
+                    <a:bodyPr/>
+                    <a:lstStyle/>
+                    <a:p>
+                      <a:pPr algn="ctr">
+                        <a:lnSpc>
+                          <a:spcPct val="150000"/>
+                        </a:lnSpc>
+                        <a:spcAft>
+                          <a:spcPts val="0"/>
+                        </a:spcAft>
+                      </a:pPr>
+                      <a:endParaRPr lang="zh-CN" altLang="en-US" sz="1700" b="1" kern="1200" dirty="0">
+                        <a:solidFill>
+                          <a:schemeClr val="tx1"/>
+                        </a:solidFill>
+                        <a:latin typeface="Times New Roman" panose="02020603050405020304" pitchFamily="18" charset="0"/>
+                        <a:ea typeface="微软雅黑" panose="020B0503020204020204" pitchFamily="34" charset="-122"/>
+                        <a:cs typeface="Times New Roman" panose="02020603050405020304" pitchFamily="18" charset="0"/>
+                      </a:endParaRPr>
+                    </a:p>
+                  </a:txBody>
+                  <a:tcPr marL="68590" marR="68590" marT="0" marB="0" anchor="ctr"/>
+                </a:tc>
+                <a:tc>
+                  <a:txBody>
+                    <a:bodyPr/>
+                    <a:lstStyle/>
+                    <a:p>
+                      <a:pPr algn="ctr">
+                        <a:lnSpc>
+                          <a:spcPct val="150000"/>
+                        </a:lnSpc>
+                        <a:spcAft>
+                          <a:spcPts val="0"/>
+                        </a:spcAft>
+                      </a:pPr>
+                      <a:endParaRPr lang="zh-CN" altLang="en-US" sz="1700" b="1" kern="1200" dirty="0">
+                        <a:solidFill>
+                          <a:schemeClr val="tx1"/>
+                        </a:solidFill>
+                        <a:latin typeface="Times New Roman" panose="02020603050405020304" pitchFamily="18" charset="0"/>
+                        <a:ea typeface="微软雅黑" panose="020B0503020204020204" pitchFamily="34" charset="-122"/>
+                        <a:cs typeface="Times New Roman" panose="02020603050405020304" pitchFamily="18" charset="0"/>
+                      </a:endParaRPr>
+                    </a:p>
+                  </a:txBody>
+                  <a:tcPr marL="68590" marR="68590" marT="0" marB="0" anchor="ctr"/>
+                </a:tc>
+                <a:extLst>
+                  <a:ext uri="{0D108BD9-81ED-4DB2-BD59-A6C34878D82A}">
+                    <a16:rowId xmlns:a16="http://schemas.microsoft.com/office/drawing/2014/main" val="1279034352"/>
+                  </a:ext>
+                </a:extLst>
+              </a:tr>
+              <a:tr h="398939">
+                <a:tc>
+                  <a:txBody>
+                    <a:bodyPr/>
+                    <a:lstStyle/>
+                    <a:p>
+                      <a:pPr marL="0" marR="0" indent="0" algn="ctr" defTabSz="914400" rtl="0" eaLnBrk="1" fontAlgn="auto" latinLnBrk="0" hangingPunct="1">
+                        <a:lnSpc>
+                          <a:spcPct val="100000"/>
+                        </a:lnSpc>
+                        <a:spcBef>
+                          <a:spcPts val="0"/>
+                        </a:spcBef>
+                        <a:spcAft>
+                          <a:spcPts val="0"/>
+                        </a:spcAft>
+                        <a:buClrTx/>
+                        <a:buSzTx/>
+                        <a:buFontTx/>
+                        <a:buNone/>
+                        <a:tabLst/>
+                        <a:defRPr/>
+                      </a:pPr>
+                      <a:r>
+                        <a:rPr lang="en-US" altLang="zh-CN" sz="1700" b="0" kern="100" dirty="0" smtClean="0">
+                          <a:solidFill>
+                            <a:schemeClr val="lt1"/>
+                          </a:solidFill>
+                          <a:effectLst/>
+                          <a:latin typeface="Times New Roman" panose="02020603050405020304" pitchFamily="18" charset="0"/>
+                          <a:ea typeface="微软雅黑" panose="020B0503020204020204" pitchFamily="34" charset="-122"/>
+                          <a:cs typeface="Times New Roman" panose="02020603050405020304" pitchFamily="18" charset="0"/>
+                        </a:rPr>
+                        <a:t>S</a:t>
+                      </a:r>
+                      <a:r>
+                        <a:rPr lang="en-US" altLang="zh-CN" sz="1700" b="0" kern="100" baseline="-25000" dirty="0" smtClean="0">
+                          <a:solidFill>
+                            <a:schemeClr val="lt1"/>
+                          </a:solidFill>
+                          <a:effectLst/>
+                          <a:latin typeface="Times New Roman" panose="02020603050405020304" pitchFamily="18" charset="0"/>
+                          <a:ea typeface="微软雅黑" panose="020B0503020204020204" pitchFamily="34" charset="-122"/>
+                          <a:cs typeface="Times New Roman" panose="02020603050405020304" pitchFamily="18" charset="0"/>
+                        </a:rPr>
+                        <a:t>ion</a:t>
+                      </a:r>
+                      <a:r>
+                        <a:rPr lang="en-US" altLang="zh-CN" sz="1700" b="0" kern="100" dirty="0" smtClean="0">
+                          <a:solidFill>
+                            <a:schemeClr val="lt1"/>
+                          </a:solidFill>
+                          <a:effectLst/>
+                          <a:latin typeface="Times New Roman" panose="02020603050405020304" pitchFamily="18" charset="0"/>
+                          <a:ea typeface="微软雅黑" panose="020B0503020204020204" pitchFamily="34" charset="-122"/>
+                          <a:cs typeface="Times New Roman" panose="02020603050405020304" pitchFamily="18" charset="0"/>
+                        </a:rPr>
+                        <a:t> ()</a:t>
+                      </a:r>
+                      <a:endParaRPr lang="zh-CN" altLang="en-US" sz="1700" b="0" kern="100" dirty="0" smtClean="0">
+                        <a:solidFill>
+                          <a:schemeClr val="lt1"/>
+                        </a:solidFill>
+                        <a:effectLst/>
+                        <a:latin typeface="Times New Roman" panose="02020603050405020304" pitchFamily="18" charset="0"/>
+                        <a:ea typeface="微软雅黑" panose="020B0503020204020204" pitchFamily="34" charset="-122"/>
+                        <a:cs typeface="Times New Roman" panose="02020603050405020304" pitchFamily="18" charset="0"/>
+                      </a:endParaRPr>
+                    </a:p>
+                  </a:txBody>
+                  <a:tcPr marL="68590" marR="68590" marT="0" marB="0" anchor="ctr"/>
+                </a:tc>
+                <a:tc>
+                  <a:txBody>
+                    <a:bodyPr/>
+                    <a:lstStyle/>
+                    <a:p>
+                      <a:pPr algn="ctr">
+                        <a:lnSpc>
+                          <a:spcPct val="150000"/>
+                        </a:lnSpc>
+                        <a:spcAft>
+                          <a:spcPts val="0"/>
+                        </a:spcAft>
+                      </a:pPr>
+                      <a:endParaRPr lang="zh-CN" altLang="en-US" sz="1700" b="1" kern="1200" dirty="0">
+                        <a:solidFill>
+                          <a:schemeClr val="tx1"/>
+                        </a:solidFill>
+                        <a:latin typeface="Times New Roman" panose="02020603050405020304" pitchFamily="18" charset="0"/>
+                        <a:ea typeface="微软雅黑" panose="020B0503020204020204" pitchFamily="34" charset="-122"/>
+                        <a:cs typeface="Times New Roman" panose="02020603050405020304" pitchFamily="18" charset="0"/>
+                      </a:endParaRPr>
+                    </a:p>
+                  </a:txBody>
+                  <a:tcPr marL="68590" marR="68590" marT="0" marB="0" anchor="ctr"/>
+                </a:tc>
+                <a:tc>
+                  <a:txBody>
+                    <a:bodyPr/>
+                    <a:lstStyle/>
+                    <a:p>
+                      <a:pPr algn="ctr">
+                        <a:lnSpc>
+                          <a:spcPct val="150000"/>
+                        </a:lnSpc>
+                        <a:spcAft>
+                          <a:spcPts val="0"/>
+                        </a:spcAft>
+                      </a:pPr>
+                      <a:endParaRPr lang="zh-CN" altLang="en-US" sz="1700" b="1" kern="1200" dirty="0">
+                        <a:solidFill>
+                          <a:schemeClr val="tx1"/>
+                        </a:solidFill>
+                        <a:latin typeface="Times New Roman" panose="02020603050405020304" pitchFamily="18" charset="0"/>
+                        <a:ea typeface="微软雅黑" panose="020B0503020204020204" pitchFamily="34" charset="-122"/>
+                        <a:cs typeface="Times New Roman" panose="02020603050405020304" pitchFamily="18" charset="0"/>
+                      </a:endParaRPr>
+                    </a:p>
+                  </a:txBody>
+                  <a:tcPr marL="68590" marR="68590" marT="0" marB="0" anchor="ctr"/>
+                </a:tc>
+                <a:tc>
+                  <a:txBody>
+                    <a:bodyPr/>
+                    <a:lstStyle/>
+                    <a:p>
+                      <a:pPr algn="ctr">
+                        <a:lnSpc>
+                          <a:spcPct val="150000"/>
+                        </a:lnSpc>
+                        <a:spcAft>
+                          <a:spcPts val="0"/>
+                        </a:spcAft>
+                      </a:pPr>
+                      <a:endParaRPr lang="zh-CN" altLang="en-US" sz="1700" b="1" kern="1200" dirty="0">
+                        <a:solidFill>
+                          <a:schemeClr val="tx1"/>
+                        </a:solidFill>
+                        <a:latin typeface="Times New Roman" panose="02020603050405020304" pitchFamily="18" charset="0"/>
+                        <a:ea typeface="微软雅黑" panose="020B0503020204020204" pitchFamily="34" charset="-122"/>
+                        <a:cs typeface="Times New Roman" panose="02020603050405020304" pitchFamily="18" charset="0"/>
+                      </a:endParaRPr>
+                    </a:p>
+                  </a:txBody>
+                  <a:tcPr marL="68590" marR="68590" marT="0" marB="0" anchor="ctr"/>
+                </a:tc>
+                <a:tc>
+                  <a:txBody>
+                    <a:bodyPr/>
+                    <a:lstStyle/>
+                    <a:p>
+                      <a:pPr algn="ctr">
+                        <a:lnSpc>
+                          <a:spcPct val="150000"/>
+                        </a:lnSpc>
+                        <a:spcAft>
+                          <a:spcPts val="0"/>
+                        </a:spcAft>
+                      </a:pPr>
+                      <a:endParaRPr lang="zh-CN" altLang="en-US" sz="1700" b="1" kern="1200" dirty="0">
+                        <a:solidFill>
+                          <a:schemeClr val="tx1"/>
+                        </a:solidFill>
+                        <a:latin typeface="Times New Roman" panose="02020603050405020304" pitchFamily="18" charset="0"/>
+                        <a:ea typeface="微软雅黑" panose="020B0503020204020204" pitchFamily="34" charset="-122"/>
+                        <a:cs typeface="Times New Roman" panose="02020603050405020304" pitchFamily="18" charset="0"/>
+                      </a:endParaRPr>
+                    </a:p>
+                  </a:txBody>
+                  <a:tcPr marL="68590" marR="68590" marT="0" marB="0" anchor="ctr"/>
+                </a:tc>
+                <a:extLst>
+                  <a:ext uri="{0D108BD9-81ED-4DB2-BD59-A6C34878D82A}">
+                    <a16:rowId xmlns:a16="http://schemas.microsoft.com/office/drawing/2014/main" val="2763679610"/>
+                  </a:ext>
+                </a:extLst>
+              </a:tr>
+              <a:tr h="398939">
+                <a:tc>
+                  <a:txBody>
+                    <a:bodyPr/>
+                    <a:lstStyle/>
+                    <a:p>
+                      <a:pPr marL="0" marR="0" indent="0" algn="ctr" defTabSz="914400" rtl="0" eaLnBrk="1" fontAlgn="auto" latinLnBrk="0" hangingPunct="1">
+                        <a:lnSpc>
+                          <a:spcPct val="100000"/>
+                        </a:lnSpc>
+                        <a:spcBef>
+                          <a:spcPts val="0"/>
+                        </a:spcBef>
+                        <a:spcAft>
+                          <a:spcPts val="0"/>
+                        </a:spcAft>
+                        <a:buClrTx/>
+                        <a:buSzTx/>
+                        <a:buFontTx/>
+                        <a:buNone/>
+                        <a:tabLst/>
+                        <a:defRPr/>
+                      </a:pPr>
+                      <a:r>
+                        <a:rPr lang="en-US" altLang="zh-CN" sz="1700" b="0" kern="100" dirty="0" smtClean="0">
+                          <a:solidFill>
+                            <a:schemeClr val="lt1"/>
+                          </a:solidFill>
+                          <a:effectLst/>
+                          <a:latin typeface="Times New Roman" panose="02020603050405020304" pitchFamily="18" charset="0"/>
+                          <a:ea typeface="微软雅黑" panose="020B0503020204020204" pitchFamily="34" charset="-122"/>
+                          <a:cs typeface="Times New Roman" panose="02020603050405020304" pitchFamily="18" charset="0"/>
+                        </a:rPr>
+                        <a:t>S</a:t>
+                      </a:r>
+                      <a:r>
+                        <a:rPr lang="en-US" altLang="zh-CN" sz="1700" b="0" kern="100" baseline="-25000" dirty="0" smtClean="0">
+                          <a:solidFill>
+                            <a:schemeClr val="lt1"/>
+                          </a:solidFill>
+                          <a:effectLst/>
+                          <a:latin typeface="Times New Roman" panose="02020603050405020304" pitchFamily="18" charset="0"/>
+                          <a:ea typeface="微软雅黑" panose="020B0503020204020204" pitchFamily="34" charset="-122"/>
+                          <a:cs typeface="Times New Roman" panose="02020603050405020304" pitchFamily="18" charset="0"/>
+                        </a:rPr>
+                        <a:t>T</a:t>
+                      </a:r>
+                      <a:r>
+                        <a:rPr lang="en-US" altLang="zh-CN" sz="1700" b="0" kern="100" dirty="0" smtClean="0">
+                          <a:solidFill>
+                            <a:schemeClr val="lt1"/>
+                          </a:solidFill>
+                          <a:effectLst/>
+                          <a:latin typeface="Times New Roman" panose="02020603050405020304" pitchFamily="18" charset="0"/>
+                          <a:ea typeface="微软雅黑" panose="020B0503020204020204" pitchFamily="34" charset="-122"/>
+                          <a:cs typeface="Times New Roman" panose="02020603050405020304" pitchFamily="18" charset="0"/>
+                        </a:rPr>
+                        <a:t> ()</a:t>
+                      </a:r>
+                      <a:endParaRPr lang="zh-CN" altLang="en-US" sz="1700" b="0" kern="100" dirty="0" smtClean="0">
+                        <a:solidFill>
+                          <a:schemeClr val="lt1"/>
+                        </a:solidFill>
+                        <a:effectLst/>
+                        <a:latin typeface="Times New Roman" panose="02020603050405020304" pitchFamily="18" charset="0"/>
+                        <a:ea typeface="微软雅黑" panose="020B0503020204020204" pitchFamily="34" charset="-122"/>
+                        <a:cs typeface="Times New Roman" panose="02020603050405020304" pitchFamily="18" charset="0"/>
+                      </a:endParaRPr>
+                    </a:p>
+                  </a:txBody>
+                  <a:tcPr marL="68590" marR="68590" marT="0" marB="0" anchor="ctr"/>
+                </a:tc>
+                <a:tc>
+                  <a:txBody>
+                    <a:bodyPr/>
+                    <a:lstStyle/>
+                    <a:p>
+                      <a:pPr algn="ctr">
+                        <a:lnSpc>
+                          <a:spcPct val="150000"/>
+                        </a:lnSpc>
+                        <a:spcAft>
+                          <a:spcPts val="0"/>
+                        </a:spcAft>
+                      </a:pPr>
+                      <a:endParaRPr lang="zh-CN" altLang="en-US" sz="1700" b="1" kern="1200" dirty="0">
+                        <a:solidFill>
+                          <a:schemeClr val="tx1"/>
+                        </a:solidFill>
+                        <a:latin typeface="Times New Roman" panose="02020603050405020304" pitchFamily="18" charset="0"/>
+                        <a:ea typeface="微软雅黑" panose="020B0503020204020204" pitchFamily="34" charset="-122"/>
+                        <a:cs typeface="Times New Roman" panose="02020603050405020304" pitchFamily="18" charset="0"/>
+                      </a:endParaRPr>
+                    </a:p>
+                  </a:txBody>
+                  <a:tcPr marL="68590" marR="68590" marT="0" marB="0" anchor="ctr"/>
+                </a:tc>
+                <a:tc>
+                  <a:txBody>
+                    <a:bodyPr/>
+                    <a:lstStyle/>
+                    <a:p>
+                      <a:pPr algn="ctr">
+                        <a:lnSpc>
+                          <a:spcPct val="150000"/>
+                        </a:lnSpc>
+                        <a:spcAft>
+                          <a:spcPts val="0"/>
+                        </a:spcAft>
+                      </a:pPr>
+                      <a:endParaRPr lang="zh-CN" altLang="en-US" sz="1700" b="1" kern="1200" dirty="0">
+                        <a:solidFill>
+                          <a:schemeClr val="tx1"/>
+                        </a:solidFill>
+                        <a:latin typeface="Times New Roman" panose="02020603050405020304" pitchFamily="18" charset="0"/>
+                        <a:ea typeface="微软雅黑" panose="020B0503020204020204" pitchFamily="34" charset="-122"/>
+                        <a:cs typeface="Times New Roman" panose="02020603050405020304" pitchFamily="18" charset="0"/>
+                      </a:endParaRPr>
+                    </a:p>
+                  </a:txBody>
+                  <a:tcPr marL="68590" marR="68590" marT="0" marB="0" anchor="ctr"/>
+                </a:tc>
+                <a:tc>
+                  <a:txBody>
+                    <a:bodyPr/>
+                    <a:lstStyle/>
+                    <a:p>
+                      <a:pPr algn="ctr">
+                        <a:lnSpc>
+                          <a:spcPct val="150000"/>
+                        </a:lnSpc>
+                        <a:spcAft>
+                          <a:spcPts val="0"/>
+                        </a:spcAft>
+                      </a:pPr>
+                      <a:endParaRPr lang="zh-CN" altLang="en-US" sz="1700" b="1" kern="1200" dirty="0">
+                        <a:solidFill>
+                          <a:schemeClr val="tx1"/>
+                        </a:solidFill>
+                        <a:latin typeface="Times New Roman" panose="02020603050405020304" pitchFamily="18" charset="0"/>
+                        <a:ea typeface="微软雅黑" panose="020B0503020204020204" pitchFamily="34" charset="-122"/>
+                        <a:cs typeface="Times New Roman" panose="02020603050405020304" pitchFamily="18" charset="0"/>
+                      </a:endParaRPr>
+                    </a:p>
+                  </a:txBody>
+                  <a:tcPr marL="68590" marR="68590" marT="0" marB="0" anchor="ctr"/>
+                </a:tc>
+                <a:tc>
+                  <a:txBody>
+                    <a:bodyPr/>
+                    <a:lstStyle/>
+                    <a:p>
+                      <a:pPr algn="ctr">
+                        <a:lnSpc>
+                          <a:spcPct val="150000"/>
+                        </a:lnSpc>
+                        <a:spcAft>
+                          <a:spcPts val="0"/>
+                        </a:spcAft>
+                      </a:pPr>
+                      <a:endParaRPr lang="zh-CN" altLang="en-US" sz="1700" b="1" kern="1200" dirty="0">
+                        <a:solidFill>
+                          <a:schemeClr val="tx1"/>
+                        </a:solidFill>
+                        <a:latin typeface="Times New Roman" panose="02020603050405020304" pitchFamily="18" charset="0"/>
+                        <a:ea typeface="微软雅黑" panose="020B0503020204020204" pitchFamily="34" charset="-122"/>
+                        <a:cs typeface="Times New Roman" panose="02020603050405020304" pitchFamily="18" charset="0"/>
+                      </a:endParaRPr>
+                    </a:p>
+                  </a:txBody>
+                  <a:tcPr marL="68590" marR="68590" marT="0" marB="0" anchor="ctr"/>
+                </a:tc>
+                <a:extLst>
+                  <a:ext uri="{0D108BD9-81ED-4DB2-BD59-A6C34878D82A}">
+                    <a16:rowId xmlns:a16="http://schemas.microsoft.com/office/drawing/2014/main" val="672884891"/>
+                  </a:ext>
+                </a:extLst>
+              </a:tr>
+              <a:tr h="398939">
+                <a:tc>
+                  <a:txBody>
+                    <a:bodyPr/>
+                    <a:lstStyle/>
+                    <a:p>
+                      <a:pPr marL="0" marR="0" indent="0" algn="ctr" defTabSz="914400" rtl="0" eaLnBrk="1" fontAlgn="auto" latinLnBrk="0" hangingPunct="1">
+                        <a:lnSpc>
+                          <a:spcPct val="100000"/>
+                        </a:lnSpc>
+                        <a:spcBef>
+                          <a:spcPts val="0"/>
+                        </a:spcBef>
+                        <a:spcAft>
+                          <a:spcPts val="0"/>
+                        </a:spcAft>
+                        <a:buClrTx/>
+                        <a:buSzTx/>
+                        <a:buFontTx/>
+                        <a:buNone/>
+                        <a:tabLst/>
+                        <a:defRPr/>
+                      </a:pPr>
+                      <a:r>
+                        <a:rPr lang="en-US" altLang="zh-CN" sz="1700" b="0" kern="100" dirty="0" err="1" smtClean="0">
+                          <a:solidFill>
+                            <a:schemeClr val="lt1"/>
+                          </a:solidFill>
+                          <a:effectLst/>
+                          <a:latin typeface="Times New Roman" panose="02020603050405020304" pitchFamily="18" charset="0"/>
+                          <a:ea typeface="微软雅黑" panose="020B0503020204020204" pitchFamily="34" charset="-122"/>
+                          <a:cs typeface="Times New Roman" panose="02020603050405020304" pitchFamily="18" charset="0"/>
+                        </a:rPr>
+                        <a:t>S</a:t>
+                      </a:r>
+                      <a:r>
+                        <a:rPr lang="en-US" altLang="zh-CN" sz="1700" b="0" kern="100" baseline="-25000" dirty="0" err="1" smtClean="0">
+                          <a:solidFill>
+                            <a:schemeClr val="lt1"/>
+                          </a:solidFill>
+                          <a:effectLst/>
+                          <a:latin typeface="Times New Roman" panose="02020603050405020304" pitchFamily="18" charset="0"/>
+                          <a:ea typeface="微软雅黑" panose="020B0503020204020204" pitchFamily="34" charset="-122"/>
+                          <a:cs typeface="Times New Roman" panose="02020603050405020304" pitchFamily="18" charset="0"/>
+                        </a:rPr>
+                        <a:t>l</a:t>
+                      </a:r>
+                      <a:r>
+                        <a:rPr lang="en-US" altLang="zh-CN" sz="1700" b="0" kern="100" dirty="0" smtClean="0">
+                          <a:solidFill>
+                            <a:schemeClr val="lt1"/>
+                          </a:solidFill>
+                          <a:effectLst/>
+                          <a:latin typeface="Times New Roman" panose="02020603050405020304" pitchFamily="18" charset="0"/>
+                          <a:ea typeface="微软雅黑" panose="020B0503020204020204" pitchFamily="34" charset="-122"/>
+                          <a:cs typeface="Times New Roman" panose="02020603050405020304" pitchFamily="18" charset="0"/>
+                        </a:rPr>
+                        <a:t> ()</a:t>
+                      </a:r>
+                      <a:endParaRPr lang="zh-CN" altLang="en-US" sz="1700" b="0" kern="100" dirty="0" smtClean="0">
+                        <a:solidFill>
+                          <a:schemeClr val="lt1"/>
+                        </a:solidFill>
+                        <a:effectLst/>
+                        <a:latin typeface="Times New Roman" panose="02020603050405020304" pitchFamily="18" charset="0"/>
+                        <a:ea typeface="微软雅黑" panose="020B0503020204020204" pitchFamily="34" charset="-122"/>
+                        <a:cs typeface="Times New Roman" panose="02020603050405020304" pitchFamily="18" charset="0"/>
+                      </a:endParaRPr>
+                    </a:p>
+                  </a:txBody>
+                  <a:tcPr marL="68590" marR="68590" marT="0" marB="0" anchor="ctr"/>
+                </a:tc>
+                <a:tc>
+                  <a:txBody>
+                    <a:bodyPr/>
+                    <a:lstStyle/>
+                    <a:p>
+                      <a:pPr algn="ctr">
+                        <a:lnSpc>
+                          <a:spcPct val="150000"/>
+                        </a:lnSpc>
+                        <a:spcAft>
+                          <a:spcPts val="0"/>
+                        </a:spcAft>
+                      </a:pPr>
+                      <a:endParaRPr lang="zh-CN" altLang="en-US" sz="1700" b="1" kern="1200" dirty="0">
+                        <a:solidFill>
+                          <a:schemeClr val="tx1"/>
+                        </a:solidFill>
+                        <a:latin typeface="Times New Roman" panose="02020603050405020304" pitchFamily="18" charset="0"/>
+                        <a:ea typeface="微软雅黑" panose="020B0503020204020204" pitchFamily="34" charset="-122"/>
+                        <a:cs typeface="Times New Roman" panose="02020603050405020304" pitchFamily="18" charset="0"/>
+                      </a:endParaRPr>
+                    </a:p>
+                  </a:txBody>
+                  <a:tcPr marL="68590" marR="68590" marT="0" marB="0" anchor="ctr"/>
+                </a:tc>
+                <a:tc>
+                  <a:txBody>
+                    <a:bodyPr/>
+                    <a:lstStyle/>
+                    <a:p>
+                      <a:pPr algn="ctr">
+                        <a:lnSpc>
+                          <a:spcPct val="150000"/>
+                        </a:lnSpc>
+                        <a:spcAft>
+                          <a:spcPts val="0"/>
+                        </a:spcAft>
+                      </a:pPr>
+                      <a:endParaRPr lang="zh-CN" altLang="en-US" sz="1700" b="1" kern="1200" dirty="0">
+                        <a:solidFill>
+                          <a:schemeClr val="tx1"/>
+                        </a:solidFill>
+                        <a:latin typeface="Times New Roman" panose="02020603050405020304" pitchFamily="18" charset="0"/>
+                        <a:ea typeface="微软雅黑" panose="020B0503020204020204" pitchFamily="34" charset="-122"/>
+                        <a:cs typeface="Times New Roman" panose="02020603050405020304" pitchFamily="18" charset="0"/>
+                      </a:endParaRPr>
+                    </a:p>
+                  </a:txBody>
+                  <a:tcPr marL="68590" marR="68590" marT="0" marB="0" anchor="ctr"/>
+                </a:tc>
+                <a:tc>
+                  <a:txBody>
+                    <a:bodyPr/>
+                    <a:lstStyle/>
+                    <a:p>
+                      <a:pPr algn="ctr">
+                        <a:lnSpc>
+                          <a:spcPct val="150000"/>
+                        </a:lnSpc>
+                        <a:spcAft>
+                          <a:spcPts val="0"/>
+                        </a:spcAft>
+                      </a:pPr>
+                      <a:endParaRPr lang="zh-CN" altLang="en-US" sz="1700" b="1" kern="1200" dirty="0">
+                        <a:solidFill>
+                          <a:schemeClr val="tx1"/>
+                        </a:solidFill>
+                        <a:latin typeface="Times New Roman" panose="02020603050405020304" pitchFamily="18" charset="0"/>
+                        <a:ea typeface="微软雅黑" panose="020B0503020204020204" pitchFamily="34" charset="-122"/>
+                        <a:cs typeface="Times New Roman" panose="02020603050405020304" pitchFamily="18" charset="0"/>
+                      </a:endParaRPr>
+                    </a:p>
+                  </a:txBody>
+                  <a:tcPr marL="68590" marR="68590" marT="0" marB="0" anchor="ctr"/>
+                </a:tc>
+                <a:tc>
+                  <a:txBody>
+                    <a:bodyPr/>
+                    <a:lstStyle/>
+                    <a:p>
+                      <a:pPr algn="ctr">
+                        <a:lnSpc>
+                          <a:spcPct val="150000"/>
+                        </a:lnSpc>
+                        <a:spcAft>
+                          <a:spcPts val="0"/>
+                        </a:spcAft>
+                      </a:pPr>
+                      <a:endParaRPr lang="zh-CN" altLang="en-US" sz="1700" b="1" kern="1200" dirty="0">
+                        <a:solidFill>
+                          <a:schemeClr val="tx1"/>
+                        </a:solidFill>
+                        <a:latin typeface="Times New Roman" panose="02020603050405020304" pitchFamily="18" charset="0"/>
+                        <a:ea typeface="微软雅黑" panose="020B0503020204020204" pitchFamily="34" charset="-122"/>
+                        <a:cs typeface="Times New Roman" panose="02020603050405020304" pitchFamily="18" charset="0"/>
+                      </a:endParaRPr>
+                    </a:p>
+                  </a:txBody>
+                  <a:tcPr marL="68590" marR="68590" marT="0" marB="0" anchor="ctr"/>
+                </a:tc>
+                <a:extLst>
+                  <a:ext uri="{0D108BD9-81ED-4DB2-BD59-A6C34878D82A}">
+                    <a16:rowId xmlns:a16="http://schemas.microsoft.com/office/drawing/2014/main" val="2209325535"/>
+                  </a:ext>
+                </a:extLst>
+              </a:tr>
+              <a:tr h="398939">
+                <a:tc>
+                  <a:txBody>
+                    <a:bodyPr/>
+                    <a:lstStyle/>
+                    <a:p>
+                      <a:pPr marL="0" marR="0" indent="0" algn="ctr" defTabSz="914400" rtl="0" eaLnBrk="1" fontAlgn="auto" latinLnBrk="0" hangingPunct="1">
+                        <a:lnSpc>
+                          <a:spcPct val="100000"/>
+                        </a:lnSpc>
+                        <a:spcBef>
+                          <a:spcPts val="0"/>
+                        </a:spcBef>
+                        <a:spcAft>
+                          <a:spcPts val="0"/>
+                        </a:spcAft>
+                        <a:buClrTx/>
+                        <a:buSzTx/>
+                        <a:buFontTx/>
+                        <a:buNone/>
+                        <a:tabLst/>
+                        <a:defRPr/>
+                      </a:pPr>
+                      <a:r>
+                        <a:rPr lang="en-US" altLang="zh-CN" sz="1700" b="0" kern="100" dirty="0" err="1" smtClean="0">
+                          <a:solidFill>
+                            <a:schemeClr val="lt1"/>
+                          </a:solidFill>
+                          <a:effectLst/>
+                          <a:latin typeface="Times New Roman" panose="02020603050405020304" pitchFamily="18" charset="0"/>
+                          <a:ea typeface="微软雅黑" panose="020B0503020204020204" pitchFamily="34" charset="-122"/>
+                          <a:cs typeface="Times New Roman" panose="02020603050405020304" pitchFamily="18" charset="0"/>
+                        </a:rPr>
+                        <a:t>S</a:t>
+                      </a:r>
+                      <a:r>
+                        <a:rPr lang="en-US" altLang="zh-CN" sz="1700" b="0" kern="100" baseline="-25000" dirty="0" err="1" smtClean="0">
+                          <a:solidFill>
+                            <a:schemeClr val="lt1"/>
+                          </a:solidFill>
+                          <a:effectLst/>
+                          <a:latin typeface="Times New Roman" panose="02020603050405020304" pitchFamily="18" charset="0"/>
+                          <a:ea typeface="微软雅黑" panose="020B0503020204020204" pitchFamily="34" charset="-122"/>
+                          <a:cs typeface="Times New Roman" panose="02020603050405020304" pitchFamily="18" charset="0"/>
+                        </a:rPr>
+                        <a:t>mw</a:t>
+                      </a:r>
+                      <a:r>
+                        <a:rPr lang="en-US" altLang="zh-CN" sz="1700" b="0" kern="100" dirty="0" smtClean="0">
+                          <a:solidFill>
+                            <a:schemeClr val="lt1"/>
+                          </a:solidFill>
+                          <a:effectLst/>
+                          <a:latin typeface="Times New Roman" panose="02020603050405020304" pitchFamily="18" charset="0"/>
+                          <a:ea typeface="微软雅黑" panose="020B0503020204020204" pitchFamily="34" charset="-122"/>
+                          <a:cs typeface="Times New Roman" panose="02020603050405020304" pitchFamily="18" charset="0"/>
+                        </a:rPr>
+                        <a:t> ()</a:t>
+                      </a:r>
+                      <a:endParaRPr lang="zh-CN" altLang="en-US" sz="1700" b="0" kern="100" dirty="0" smtClean="0">
+                        <a:solidFill>
+                          <a:schemeClr val="lt1"/>
+                        </a:solidFill>
+                        <a:effectLst/>
+                        <a:latin typeface="Times New Roman" panose="02020603050405020304" pitchFamily="18" charset="0"/>
+                        <a:ea typeface="微软雅黑" panose="020B0503020204020204" pitchFamily="34" charset="-122"/>
+                        <a:cs typeface="Times New Roman" panose="02020603050405020304" pitchFamily="18" charset="0"/>
+                      </a:endParaRPr>
+                    </a:p>
+                  </a:txBody>
+                  <a:tcPr marL="68590" marR="68590" marT="0" marB="0" anchor="ctr"/>
+                </a:tc>
+                <a:tc>
+                  <a:txBody>
+                    <a:bodyPr/>
+                    <a:lstStyle/>
+                    <a:p>
+                      <a:pPr algn="ctr">
+                        <a:lnSpc>
+                          <a:spcPct val="150000"/>
+                        </a:lnSpc>
+                        <a:spcAft>
+                          <a:spcPts val="0"/>
+                        </a:spcAft>
+                      </a:pPr>
+                      <a:endParaRPr lang="zh-CN" altLang="en-US" sz="1700" b="1" kern="1200" dirty="0">
+                        <a:solidFill>
+                          <a:schemeClr val="tx1"/>
+                        </a:solidFill>
+                        <a:latin typeface="Times New Roman" panose="02020603050405020304" pitchFamily="18" charset="0"/>
+                        <a:ea typeface="微软雅黑" panose="020B0503020204020204" pitchFamily="34" charset="-122"/>
+                        <a:cs typeface="Times New Roman" panose="02020603050405020304" pitchFamily="18" charset="0"/>
+                      </a:endParaRPr>
+                    </a:p>
+                  </a:txBody>
+                  <a:tcPr marL="68590" marR="68590" marT="0" marB="0" anchor="ctr"/>
+                </a:tc>
+                <a:tc>
+                  <a:txBody>
+                    <a:bodyPr/>
+                    <a:lstStyle/>
+                    <a:p>
+                      <a:pPr algn="ctr">
+                        <a:lnSpc>
+                          <a:spcPct val="150000"/>
+                        </a:lnSpc>
+                        <a:spcAft>
+                          <a:spcPts val="0"/>
+                        </a:spcAft>
+                      </a:pPr>
+                      <a:endParaRPr lang="zh-CN" altLang="en-US" sz="1700" b="1" kern="1200" dirty="0">
+                        <a:solidFill>
+                          <a:schemeClr val="tx1"/>
+                        </a:solidFill>
+                        <a:latin typeface="Times New Roman" panose="02020603050405020304" pitchFamily="18" charset="0"/>
+                        <a:ea typeface="微软雅黑" panose="020B0503020204020204" pitchFamily="34" charset="-122"/>
+                        <a:cs typeface="Times New Roman" panose="02020603050405020304" pitchFamily="18" charset="0"/>
+                      </a:endParaRPr>
+                    </a:p>
+                  </a:txBody>
+                  <a:tcPr marL="68590" marR="68590" marT="0" marB="0" anchor="ctr"/>
+                </a:tc>
+                <a:tc>
+                  <a:txBody>
+                    <a:bodyPr/>
+                    <a:lstStyle/>
+                    <a:p>
+                      <a:pPr algn="ctr">
+                        <a:lnSpc>
+                          <a:spcPct val="150000"/>
+                        </a:lnSpc>
+                        <a:spcAft>
+                          <a:spcPts val="0"/>
+                        </a:spcAft>
+                      </a:pPr>
+                      <a:endParaRPr lang="zh-CN" altLang="en-US" sz="1700" b="1" kern="1200" dirty="0">
+                        <a:solidFill>
+                          <a:schemeClr val="tx1"/>
+                        </a:solidFill>
+                        <a:latin typeface="Times New Roman" panose="02020603050405020304" pitchFamily="18" charset="0"/>
+                        <a:ea typeface="微软雅黑" panose="020B0503020204020204" pitchFamily="34" charset="-122"/>
+                        <a:cs typeface="Times New Roman" panose="02020603050405020304" pitchFamily="18" charset="0"/>
+                      </a:endParaRPr>
+                    </a:p>
+                  </a:txBody>
+                  <a:tcPr marL="68590" marR="68590" marT="0" marB="0" anchor="ctr"/>
+                </a:tc>
+                <a:tc>
+                  <a:txBody>
+                    <a:bodyPr/>
+                    <a:lstStyle/>
+                    <a:p>
+                      <a:pPr algn="ctr">
+                        <a:lnSpc>
+                          <a:spcPct val="150000"/>
+                        </a:lnSpc>
+                        <a:spcAft>
+                          <a:spcPts val="0"/>
+                        </a:spcAft>
+                      </a:pPr>
+                      <a:endParaRPr lang="zh-CN" altLang="en-US" sz="1700" b="1" kern="1200" dirty="0">
+                        <a:solidFill>
+                          <a:schemeClr val="tx1"/>
+                        </a:solidFill>
+                        <a:latin typeface="Times New Roman" panose="02020603050405020304" pitchFamily="18" charset="0"/>
+                        <a:ea typeface="微软雅黑" panose="020B0503020204020204" pitchFamily="34" charset="-122"/>
+                        <a:cs typeface="Times New Roman" panose="02020603050405020304" pitchFamily="18" charset="0"/>
+                      </a:endParaRPr>
+                    </a:p>
+                  </a:txBody>
+                  <a:tcPr marL="68590" marR="68590" marT="0" marB="0" anchor="ctr"/>
+                </a:tc>
+                <a:extLst>
+                  <a:ext uri="{0D108BD9-81ED-4DB2-BD59-A6C34878D82A}">
+                    <a16:rowId xmlns:a16="http://schemas.microsoft.com/office/drawing/2014/main" val="165618991"/>
+                  </a:ext>
+                </a:extLst>
+              </a:tr>
+            </a:tbl>
+          </a:graphicData>
+        </a:graphic>
+      </p:graphicFrame>
+      <p:grpSp>
+        <p:nvGrpSpPr>
+          <p:cNvPr id="19" name="组合 24"/>
+          <p:cNvGrpSpPr>
+            <a:grpSpLocks/>
+          </p:cNvGrpSpPr>
+          <p:nvPr/>
+        </p:nvGrpSpPr>
+        <p:grpSpPr bwMode="auto">
+          <a:xfrm>
+            <a:off x="6203950" y="681038"/>
+            <a:ext cx="2870200" cy="465137"/>
+            <a:chOff x="124668" y="732018"/>
+            <a:chExt cx="3120950" cy="465081"/>
+          </a:xfrm>
+        </p:grpSpPr>
+        <p:sp>
+          <p:nvSpPr>
+            <p:cNvPr id="20" name="矩形 19">
+              <a:extLst>
+                <a:ext uri="{FF2B5EF4-FFF2-40B4-BE49-F238E27FC236}">
+                  <a16:creationId xmlns:a16="http://schemas.microsoft.com/office/drawing/2014/main" id="{2E2B67B5-EEE0-42B6-AE1B-82A26F71190B}"/>
+                </a:ext>
+              </a:extLst>
+            </p:cNvPr>
+            <p:cNvSpPr/>
+            <p:nvPr/>
+          </p:nvSpPr>
+          <p:spPr>
+            <a:xfrm>
+              <a:off x="360713" y="732018"/>
+              <a:ext cx="2884905" cy="455033"/>
+            </a:xfrm>
+            <a:prstGeom prst="rect">
+              <a:avLst/>
+            </a:prstGeom>
+            <a:gradFill flip="none" rotWithShape="0">
+              <a:gsLst>
+                <a:gs pos="0">
+                  <a:srgbClr val="0070C0">
+                    <a:shade val="30000"/>
+                    <a:satMod val="115000"/>
+                  </a:srgbClr>
+                </a:gs>
+                <a:gs pos="50000">
+                  <a:srgbClr val="0070C0">
+                    <a:shade val="67500"/>
+                    <a:satMod val="115000"/>
+                  </a:srgbClr>
+                </a:gs>
+                <a:gs pos="100000">
+                  <a:srgbClr val="0070C0">
+                    <a:shade val="100000"/>
+                    <a:satMod val="115000"/>
+                  </a:srgbClr>
+                </a:gs>
+              </a:gsLst>
+              <a:lin ang="13500000" scaled="1"/>
+              <a:tileRect/>
+            </a:gradFill>
+            <a:scene3d>
+              <a:camera prst="orthographicFront"/>
+              <a:lightRig rig="flat" dir="t"/>
+            </a:scene3d>
+            <a:sp3d prstMaterial="dkEdge">
+              <a:bevelT w="8200" h="38100"/>
+            </a:sp3d>
+          </p:spPr>
+          <p:style>
+            <a:lnRef idx="0">
+              <a:schemeClr val="lt1">
+                <a:hueOff val="0"/>
+                <a:satOff val="0"/>
+                <a:lumOff val="0"/>
+                <a:alphaOff val="0"/>
+              </a:schemeClr>
+            </a:lnRef>
+            <a:fillRef idx="2">
+              <a:scrgbClr r="0" g="0" b="0"/>
+            </a:fillRef>
+            <a:effectRef idx="1">
+              <a:schemeClr val="accent6">
+                <a:shade val="80000"/>
+                <a:hueOff val="0"/>
+                <a:satOff val="0"/>
+                <a:lumOff val="0"/>
+                <a:alphaOff val="0"/>
+              </a:schemeClr>
+            </a:effectRef>
+            <a:fontRef idx="minor">
+              <a:schemeClr val="dk1"/>
+            </a:fontRef>
+          </p:style>
+        </p:sp>
+        <p:sp>
+          <p:nvSpPr>
+            <p:cNvPr id="21" name="文本框 20">
+              <a:extLst>
+                <a:ext uri="{FF2B5EF4-FFF2-40B4-BE49-F238E27FC236}">
+                  <a16:creationId xmlns:a16="http://schemas.microsoft.com/office/drawing/2014/main" id="{50454CE5-571A-473C-B7E8-416DDFF42843}"/>
+                </a:ext>
+              </a:extLst>
+            </p:cNvPr>
+            <p:cNvSpPr txBox="1"/>
+            <p:nvPr/>
+          </p:nvSpPr>
+          <p:spPr>
+            <a:xfrm>
+              <a:off x="124668" y="742066"/>
+              <a:ext cx="3035630" cy="455033"/>
+            </a:xfrm>
+            <a:prstGeom prst="rect">
+              <a:avLst/>
+            </a:prstGeom>
+            <a:scene3d>
+              <a:camera prst="orthographicFront"/>
+              <a:lightRig rig="flat" dir="t"/>
+            </a:scene3d>
+            <a:sp3d/>
+          </p:spPr>
+          <p:style>
+            <a:lnRef idx="0">
+              <a:scrgbClr r="0" g="0" b="0"/>
+            </a:lnRef>
+            <a:fillRef idx="0">
+              <a:scrgbClr r="0" g="0" b="0"/>
+            </a:fillRef>
+            <a:effectRef idx="0">
+              <a:scrgbClr r="0" g="0" b="0"/>
+            </a:effectRef>
+            <a:fontRef idx="minor">
+              <a:schemeClr val="dk1"/>
+            </a:fontRef>
+          </p:style>
+          <p:txBody>
+            <a:bodyPr lIns="361183" tIns="55880" rIns="55880" bIns="55880" spcCol="1270" anchor="ctr"/>
+            <a:lstStyle/>
+            <a:p>
+              <a:pPr defTabSz="977900">
+                <a:lnSpc>
+                  <a:spcPct val="90000"/>
+                </a:lnSpc>
+                <a:spcAft>
+                  <a:spcPts val="0"/>
+                </a:spcAft>
+                <a:tabLst>
+                  <a:tab pos="444500" algn="l"/>
+                </a:tabLst>
+                <a:defRPr/>
+              </a:pPr>
+              <a:r>
+                <a:rPr lang="zh-CN" altLang="en-US" sz="2200" dirty="0" smtClean="0">
+                  <a:solidFill>
+                    <a:schemeClr val="bg1"/>
+                  </a:solidFill>
+                  <a:latin typeface="Times New Roman" panose="02020603050405020304" pitchFamily="18" charset="0"/>
+                  <a:ea typeface="微软雅黑" panose="020B0503020204020204" pitchFamily="34" charset="-122"/>
+                  <a:cs typeface="Times New Roman" panose="02020603050405020304" pitchFamily="18" charset="0"/>
+                </a:rPr>
+                <a:t>（</a:t>
+              </a:r>
+              <a:r>
+                <a:rPr lang="en-US" altLang="zh-CN" sz="2200" dirty="0" smtClean="0">
+                  <a:solidFill>
+                    <a:schemeClr val="bg1"/>
+                  </a:solidFill>
+                  <a:latin typeface="Times New Roman" panose="02020603050405020304" pitchFamily="18" charset="0"/>
+                  <a:ea typeface="微软雅黑" panose="020B0503020204020204" pitchFamily="34" charset="-122"/>
+                  <a:cs typeface="Times New Roman" panose="02020603050405020304" pitchFamily="18" charset="0"/>
+                </a:rPr>
+                <a:t>2</a:t>
+              </a:r>
+              <a:r>
+                <a:rPr lang="zh-CN" altLang="en-US" sz="2200" dirty="0" smtClean="0">
+                  <a:solidFill>
+                    <a:schemeClr val="bg1"/>
+                  </a:solidFill>
+                  <a:latin typeface="Times New Roman" panose="02020603050405020304" pitchFamily="18" charset="0"/>
+                  <a:ea typeface="微软雅黑" panose="020B0503020204020204" pitchFamily="34" charset="-122"/>
+                  <a:cs typeface="Times New Roman" panose="02020603050405020304" pitchFamily="18" charset="0"/>
+                </a:rPr>
+                <a:t>）</a:t>
+              </a:r>
+              <a:r>
+                <a:rPr lang="zh-CN" altLang="en-US" sz="2200" dirty="0" smtClean="0">
+                  <a:solidFill>
+                    <a:schemeClr val="bg1"/>
+                  </a:solidFill>
+                  <a:latin typeface="微软雅黑" panose="020B0503020204020204" pitchFamily="34" charset="-122"/>
+                  <a:ea typeface="微软雅黑" panose="020B0503020204020204" pitchFamily="34" charset="-122"/>
+                  <a:cs typeface="Times New Roman" panose="02020603050405020304" pitchFamily="18" charset="0"/>
+                </a:rPr>
+                <a:t>方程和源项</a:t>
+              </a:r>
+              <a:endParaRPr lang="zh-CN" altLang="en-US" sz="2200" dirty="0">
+                <a:solidFill>
+                  <a:schemeClr val="bg1"/>
+                </a:solidFill>
+                <a:latin typeface="微软雅黑" panose="020B0503020204020204" pitchFamily="34" charset="-122"/>
+                <a:ea typeface="微软雅黑" panose="020B0503020204020204" pitchFamily="34" charset="-122"/>
+              </a:endParaRPr>
+            </a:p>
+          </p:txBody>
+        </p:sp>
+      </p:grpSp>
+      <p:sp>
+        <p:nvSpPr>
+          <p:cNvPr id="27" name="Text Box 7"/>
+          <p:cNvSpPr txBox="1">
+            <a:spLocks noChangeArrowheads="1"/>
+          </p:cNvSpPr>
+          <p:nvPr/>
+        </p:nvSpPr>
+        <p:spPr bwMode="auto">
+          <a:xfrm>
+            <a:off x="425115" y="2262445"/>
+            <a:ext cx="8288338" cy="341055"/>
+          </a:xfrm>
+          <a:prstGeom prst="rect">
+            <a:avLst/>
+          </a:prstGeom>
+          <a:noFill/>
+          <a:ln>
+            <a:noFill/>
+          </a:ln>
+          <a:extLst>
+            <a:ext uri="{909E8E84-426E-40DD-AFC4-6F175D3DCCD1}">
+              <a14:hiddenFill xmlns:a14="http://schemas.microsoft.com/office/drawing/2010/main">
+                <a:solidFill>
+                  <a:srgbClr val="FFFFFF"/>
+                </a:solidFill>
+              </a14:hiddenFill>
+            </a:ext>
+            <a:ext uri="{91240B29-F687-4F45-9708-019B960494DF}">
+              <a14:hiddenLine xmlns:a14="http://schemas.microsoft.com/office/drawing/2010/main" w="19050">
+                <a:solidFill>
+                  <a:srgbClr val="000000"/>
+                </a:solidFill>
+                <a:miter lim="800000"/>
+                <a:headEnd/>
+                <a:tailEnd/>
+              </a14:hiddenLine>
+            </a:ext>
+          </a:extLst>
+        </p:spPr>
+        <p:txBody>
+          <a:bodyPr>
+            <a:spAutoFit/>
+          </a:bodyPr>
+          <a:lstStyle>
+            <a:lvl1pPr>
+              <a:spcBef>
+                <a:spcPct val="20000"/>
+              </a:spcBef>
+              <a:buFont typeface="Arial" panose="020B0604020202020204" pitchFamily="34" charset="0"/>
+              <a:buChar char="•"/>
+              <a:defRPr sz="3200">
+                <a:solidFill>
+                  <a:schemeClr val="tx1"/>
+                </a:solidFill>
+                <a:latin typeface="Calibri" panose="020F0502020204030204" pitchFamily="34" charset="0"/>
+                <a:ea typeface="宋体" panose="02010600030101010101" pitchFamily="2" charset="-122"/>
+                <a:sym typeface="Calibri" panose="020F0502020204030204" pitchFamily="34" charset="0"/>
+              </a:defRPr>
+            </a:lvl1pPr>
+            <a:lvl2pPr marL="742950" indent="-285750">
+              <a:spcBef>
+                <a:spcPct val="20000"/>
+              </a:spcBef>
+              <a:buFont typeface="Arial" panose="020B0604020202020204" pitchFamily="34" charset="0"/>
+              <a:buChar char="–"/>
+              <a:defRPr sz="2800">
+                <a:solidFill>
+                  <a:schemeClr val="tx1"/>
+                </a:solidFill>
+                <a:latin typeface="Calibri" panose="020F0502020204030204" pitchFamily="34" charset="0"/>
+                <a:ea typeface="宋体" panose="02010600030101010101" pitchFamily="2" charset="-122"/>
+                <a:sym typeface="Calibri" panose="020F0502020204030204" pitchFamily="34" charset="0"/>
+              </a:defRPr>
+            </a:lvl2pPr>
+            <a:lvl3pPr marL="1143000" indent="-228600">
+              <a:spcBef>
+                <a:spcPct val="20000"/>
+              </a:spcBef>
+              <a:buFont typeface="Arial" panose="020B0604020202020204" pitchFamily="34" charset="0"/>
+              <a:buChar char="•"/>
+              <a:defRPr sz="2400">
+                <a:solidFill>
+                  <a:schemeClr val="tx1"/>
+                </a:solidFill>
+                <a:latin typeface="Calibri" panose="020F0502020204030204" pitchFamily="34" charset="0"/>
+                <a:ea typeface="宋体" panose="02010600030101010101" pitchFamily="2" charset="-122"/>
+                <a:sym typeface="Calibri" panose="020F0502020204030204" pitchFamily="34" charset="0"/>
+              </a:defRPr>
+            </a:lvl3pPr>
+            <a:lvl4pPr marL="1600200" indent="-228600">
+              <a:spcBef>
+                <a:spcPct val="20000"/>
+              </a:spcBef>
+              <a:buFont typeface="Arial" panose="020B0604020202020204" pitchFamily="34" charset="0"/>
+              <a:buChar char="–"/>
+              <a:defRPr sz="2000">
+                <a:solidFill>
+                  <a:schemeClr val="tx1"/>
+                </a:solidFill>
+                <a:latin typeface="Calibri" panose="020F0502020204030204" pitchFamily="34" charset="0"/>
+                <a:ea typeface="宋体" panose="02010600030101010101" pitchFamily="2" charset="-122"/>
+                <a:sym typeface="Calibri" panose="020F0502020204030204" pitchFamily="34" charset="0"/>
+              </a:defRPr>
+            </a:lvl4pPr>
+            <a:lvl5pPr marL="2057400" indent="-228600">
+              <a:spcBef>
+                <a:spcPct val="20000"/>
+              </a:spcBef>
+              <a:buFont typeface="Arial" panose="020B0604020202020204" pitchFamily="34" charset="0"/>
+              <a:buChar char="»"/>
+              <a:defRPr sz="2000">
+                <a:solidFill>
+                  <a:schemeClr val="tx1"/>
+                </a:solidFill>
+                <a:latin typeface="Calibri" panose="020F0502020204030204" pitchFamily="34" charset="0"/>
+                <a:ea typeface="宋体" panose="02010600030101010101" pitchFamily="2" charset="-122"/>
+                <a:sym typeface="Calibri" panose="020F0502020204030204" pitchFamily="34" charset="0"/>
+              </a:defRPr>
+            </a:lvl5pPr>
+            <a:lvl6pPr marL="2514600" indent="-228600" eaLnBrk="0" fontAlgn="base" hangingPunct="0">
+              <a:spcBef>
+                <a:spcPct val="20000"/>
+              </a:spcBef>
+              <a:spcAft>
+                <a:spcPct val="0"/>
+              </a:spcAft>
+              <a:buFont typeface="Arial" panose="020B0604020202020204" pitchFamily="34" charset="0"/>
+              <a:buChar char="»"/>
+              <a:defRPr sz="2000">
+                <a:solidFill>
+                  <a:schemeClr val="tx1"/>
+                </a:solidFill>
+                <a:latin typeface="Calibri" panose="020F0502020204030204" pitchFamily="34" charset="0"/>
+                <a:ea typeface="宋体" panose="02010600030101010101" pitchFamily="2" charset="-122"/>
+                <a:sym typeface="Calibri" panose="020F0502020204030204" pitchFamily="34" charset="0"/>
+              </a:defRPr>
+            </a:lvl6pPr>
+            <a:lvl7pPr marL="2971800" indent="-228600" eaLnBrk="0" fontAlgn="base" hangingPunct="0">
+              <a:spcBef>
+                <a:spcPct val="20000"/>
+              </a:spcBef>
+              <a:spcAft>
+                <a:spcPct val="0"/>
+              </a:spcAft>
+              <a:buFont typeface="Arial" panose="020B0604020202020204" pitchFamily="34" charset="0"/>
+              <a:buChar char="»"/>
+              <a:defRPr sz="2000">
+                <a:solidFill>
+                  <a:schemeClr val="tx1"/>
+                </a:solidFill>
+                <a:latin typeface="Calibri" panose="020F0502020204030204" pitchFamily="34" charset="0"/>
+                <a:ea typeface="宋体" panose="02010600030101010101" pitchFamily="2" charset="-122"/>
+                <a:sym typeface="Calibri" panose="020F0502020204030204" pitchFamily="34" charset="0"/>
+              </a:defRPr>
+            </a:lvl7pPr>
+            <a:lvl8pPr marL="3429000" indent="-228600" eaLnBrk="0" fontAlgn="base" hangingPunct="0">
+              <a:spcBef>
+                <a:spcPct val="20000"/>
+              </a:spcBef>
+              <a:spcAft>
+                <a:spcPct val="0"/>
+              </a:spcAft>
+              <a:buFont typeface="Arial" panose="020B0604020202020204" pitchFamily="34" charset="0"/>
+              <a:buChar char="»"/>
+              <a:defRPr sz="2000">
+                <a:solidFill>
+                  <a:schemeClr val="tx1"/>
+                </a:solidFill>
+                <a:latin typeface="Calibri" panose="020F0502020204030204" pitchFamily="34" charset="0"/>
+                <a:ea typeface="宋体" panose="02010600030101010101" pitchFamily="2" charset="-122"/>
+                <a:sym typeface="Calibri" panose="020F0502020204030204" pitchFamily="34" charset="0"/>
+              </a:defRPr>
+            </a:lvl8pPr>
+            <a:lvl9pPr marL="3886200" indent="-228600" eaLnBrk="0" fontAlgn="base" hangingPunct="0">
+              <a:spcBef>
+                <a:spcPct val="20000"/>
+              </a:spcBef>
+              <a:spcAft>
+                <a:spcPct val="0"/>
+              </a:spcAft>
+              <a:buFont typeface="Arial" panose="020B0604020202020204" pitchFamily="34" charset="0"/>
+              <a:buChar char="»"/>
+              <a:defRPr sz="2000">
+                <a:solidFill>
+                  <a:schemeClr val="tx1"/>
+                </a:solidFill>
+                <a:latin typeface="Calibri" panose="020F0502020204030204" pitchFamily="34" charset="0"/>
+                <a:ea typeface="宋体" panose="02010600030101010101" pitchFamily="2" charset="-122"/>
+                <a:sym typeface="Calibri" panose="020F0502020204030204" pitchFamily="34" charset="0"/>
+              </a:defRPr>
+            </a:lvl9pPr>
+          </a:lstStyle>
+          <a:p>
+            <a:pPr algn="ctr" eaLnBrk="1" hangingPunct="1">
+              <a:lnSpc>
+                <a:spcPct val="110000"/>
+              </a:lnSpc>
+              <a:spcBef>
+                <a:spcPct val="50000"/>
+              </a:spcBef>
+              <a:buFontTx/>
+              <a:buNone/>
+            </a:pPr>
+            <a:r>
+              <a:rPr kumimoji="1" lang="en-US" altLang="zh-CN" sz="1600" b="1" dirty="0" smtClean="0">
+                <a:latin typeface="Times New Roman" panose="02020603050405020304" pitchFamily="18" charset="0"/>
+                <a:ea typeface="黑体" panose="02010609060101010101" pitchFamily="49" charset="-122"/>
+                <a:cs typeface="Times New Roman" panose="02020603050405020304" pitchFamily="18" charset="0"/>
+              </a:rPr>
+              <a:t>+</a:t>
+            </a:r>
+            <a:r>
+              <a:rPr kumimoji="1" lang="zh-CN" altLang="en-US" sz="1600" b="1" dirty="0" smtClean="0">
+                <a:latin typeface="Times New Roman" panose="02020603050405020304" pitchFamily="18" charset="0"/>
+                <a:ea typeface="黑体" panose="02010609060101010101" pitchFamily="49" charset="-122"/>
+                <a:cs typeface="Times New Roman" panose="02020603050405020304" pitchFamily="18" charset="0"/>
+              </a:rPr>
+              <a:t>模型侧视图</a:t>
+            </a:r>
+            <a:endParaRPr kumimoji="1" lang="en-US" altLang="zh-CN" sz="1600" b="1" dirty="0">
+              <a:latin typeface="Times New Roman" panose="02020603050405020304" pitchFamily="18" charset="0"/>
+              <a:ea typeface="黑体" panose="02010609060101010101" pitchFamily="49" charset="-122"/>
+              <a:cs typeface="Times New Roman" panose="02020603050405020304" pitchFamily="18" charset="0"/>
+            </a:endParaRPr>
+          </a:p>
+        </p:txBody>
+      </p:sp>
+    </p:spTree>
+    <p:extLst>
+      <p:ext uri="{BB962C8B-B14F-4D97-AF65-F5344CB8AC3E}">
+        <p14:creationId xmlns:p14="http://schemas.microsoft.com/office/powerpoint/2010/main" val="1191392863"/>
+      </p:ext>
+    </p:extLst>
+  </p:cSld>
+  <p:clrMapOvr>
+    <a:masterClrMapping/>
+  </p:clrMapOvr>
+  <p:timing>
+    <p:tnLst>
+      <p:par>
+        <p:cTn id="1" dur="indefinite" restart="never" nodeType="tmRoot"/>
+      </p:par>
+    </p:tnLst>
+  </p:timing>
+</p:sld>
+</file>
+
+<file path=ppt/slides/slide4.xml><?xml version="1.0" encoding="utf-8"?>
+<p:sld xmlns:a="http://schemas.openxmlformats.org/drawingml/2006/main" xmlns:r="http://schemas.openxmlformats.org/officeDocument/2006/relationships" xmlns:p="http://schemas.openxmlformats.org/presentationml/2006/main">
+  <p:cSld>
+    <p:spTree>
+      <p:nvGrpSpPr>
+        <p:cNvPr id="1" name=""/>
+        <p:cNvGrpSpPr/>
+        <p:nvPr/>
+      </p:nvGrpSpPr>
+      <p:grpSpPr>
+        <a:xfrm>
+          <a:off x="0" y="0"/>
+          <a:ext cx="0" cy="0"/>
+          <a:chOff x="0" y="0"/>
+          <a:chExt cx="0" cy="0"/>
+        </a:xfrm>
+      </p:grpSpPr>
+      <p:pic>
+        <p:nvPicPr>
+          <p:cNvPr id="2" name="图片 4" descr="mesh"/>
+          <p:cNvPicPr>
+            <a:picLocks noChangeAspect="1" noChangeArrowheads="1"/>
+          </p:cNvPicPr>
+          <p:nvPr/>
+        </p:nvPicPr>
+        <p:blipFill>
+          <a:blip r:embed="rId2">
+            <a:extLst>
+              <a:ext uri="{28A0092B-C50C-407E-A947-70E740481C1C}">
+                <a14:useLocalDpi xmlns:a14="http://schemas.microsoft.com/office/drawing/2010/main" val="0"/>
+              </a:ext>
+            </a:extLst>
+          </a:blip>
+          <a:srcRect l="1860" t="1758"/>
+          <a:stretch>
+            <a:fillRect/>
+          </a:stretch>
+        </p:blipFill>
+        <p:spPr bwMode="auto">
+          <a:xfrm>
+            <a:off x="171450" y="4208463"/>
+            <a:ext cx="5653088" cy="2244725"/>
+          </a:xfrm>
+          <a:prstGeom prst="rect">
+            <a:avLst/>
+          </a:prstGeom>
+          <a:noFill/>
+          <a:ln>
+            <a:noFill/>
+          </a:ln>
+          <a:extLst>
+            <a:ext uri="{909E8E84-426E-40DD-AFC4-6F175D3DCCD1}">
+              <a14:hiddenFill xmlns:a14="http://schemas.microsoft.com/office/drawing/2010/main">
+                <a:solidFill>
+                  <a:srgbClr val="FFFFFF"/>
+                </a:solidFill>
+              </a14:hiddenFill>
+            </a:ext>
+            <a:ext uri="{91240B29-F687-4F45-9708-019B960494DF}">
+              <a14:hiddenLine xmlns:a14="http://schemas.microsoft.com/office/drawing/2010/main" w="9525">
+                <a:solidFill>
+                  <a:srgbClr val="000000"/>
+                </a:solidFill>
+                <a:miter lim="800000"/>
+                <a:headEnd/>
+                <a:tailEnd/>
+              </a14:hiddenLine>
+            </a:ext>
+          </a:extLst>
+        </p:spPr>
+      </p:pic>
+      <p:pic>
+        <p:nvPicPr>
+          <p:cNvPr id="3" name="图片 3"/>
+          <p:cNvPicPr>
+            <a:picLocks noChangeAspect="1" noChangeArrowheads="1"/>
+          </p:cNvPicPr>
+          <p:nvPr/>
+        </p:nvPicPr>
+        <p:blipFill>
+          <a:blip r:embed="rId3" cstate="print">
+            <a:extLst>
+              <a:ext uri="{28A0092B-C50C-407E-A947-70E740481C1C}">
+                <a14:useLocalDpi xmlns:a14="http://schemas.microsoft.com/office/drawing/2010/main" val="0"/>
+              </a:ext>
+            </a:extLst>
+          </a:blip>
+          <a:srcRect/>
+          <a:stretch>
+            <a:fillRect/>
+          </a:stretch>
+        </p:blipFill>
+        <p:spPr bwMode="auto">
+          <a:xfrm>
+            <a:off x="5934075" y="4240213"/>
+            <a:ext cx="3140075" cy="2286000"/>
+          </a:xfrm>
+          <a:prstGeom prst="rect">
+            <a:avLst/>
+          </a:prstGeom>
+          <a:noFill/>
+          <a:ln>
+            <a:noFill/>
+          </a:ln>
+          <a:extLst>
+            <a:ext uri="{909E8E84-426E-40DD-AFC4-6F175D3DCCD1}">
+              <a14:hiddenFill xmlns:a14="http://schemas.microsoft.com/office/drawing/2010/main">
+                <a:solidFill>
+                  <a:srgbClr val="FFFFFF"/>
+                </a:solidFill>
+              </a14:hiddenFill>
+            </a:ext>
+            <a:ext uri="{91240B29-F687-4F45-9708-019B960494DF}">
+              <a14:hiddenLine xmlns:a14="http://schemas.microsoft.com/office/drawing/2010/main" w="9525">
+                <a:solidFill>
+                  <a:srgbClr val="000000"/>
+                </a:solidFill>
+                <a:miter lim="800000"/>
+                <a:headEnd/>
+                <a:tailEnd/>
+              </a14:hiddenLine>
+            </a:ext>
+          </a:extLst>
+        </p:spPr>
+      </p:pic>
+      <p:sp>
+        <p:nvSpPr>
+          <p:cNvPr id="4" name="文本框 3"/>
+          <p:cNvSpPr txBox="1">
+            <a:spLocks noChangeArrowheads="1"/>
+          </p:cNvSpPr>
+          <p:nvPr/>
+        </p:nvSpPr>
+        <p:spPr bwMode="auto">
+          <a:xfrm>
+            <a:off x="6088063" y="3927475"/>
+            <a:ext cx="2698750" cy="400050"/>
+          </a:xfrm>
+          <a:prstGeom prst="rect">
+            <a:avLst/>
+          </a:prstGeom>
+          <a:solidFill>
+            <a:schemeClr val="bg1"/>
+          </a:solidFill>
+          <a:ln>
+            <a:noFill/>
+          </a:ln>
+          <a:extLst>
+            <a:ext uri="{91240B29-F687-4F45-9708-019B960494DF}">
+              <a14:hiddenLine xmlns:a14="http://schemas.microsoft.com/office/drawing/2010/main" w="9525">
+                <a:solidFill>
+                  <a:srgbClr val="000000"/>
+                </a:solidFill>
+                <a:miter lim="800000"/>
+                <a:headEnd/>
+                <a:tailEnd/>
+              </a14:hiddenLine>
+            </a:ext>
+          </a:extLst>
+        </p:spPr>
+        <p:txBody>
+          <a:bodyPr>
+            <a:spAutoFit/>
+          </a:bodyPr>
+          <a:lstStyle>
+            <a:lvl1pPr>
+              <a:spcBef>
+                <a:spcPct val="20000"/>
+              </a:spcBef>
+              <a:buFont typeface="Arial" panose="020B0604020202020204" pitchFamily="34" charset="0"/>
+              <a:buChar char="•"/>
+              <a:defRPr sz="3200">
+                <a:solidFill>
+                  <a:schemeClr val="tx1"/>
+                </a:solidFill>
+                <a:latin typeface="Calibri" panose="020F0502020204030204" pitchFamily="34" charset="0"/>
+                <a:ea typeface="宋体" panose="02010600030101010101" pitchFamily="2" charset="-122"/>
+                <a:sym typeface="Calibri" panose="020F0502020204030204" pitchFamily="34" charset="0"/>
+              </a:defRPr>
+            </a:lvl1pPr>
+            <a:lvl2pPr marL="742950" indent="-285750">
+              <a:spcBef>
+                <a:spcPct val="20000"/>
+              </a:spcBef>
+              <a:buFont typeface="Arial" panose="020B0604020202020204" pitchFamily="34" charset="0"/>
+              <a:buChar char="–"/>
+              <a:defRPr sz="2800">
+                <a:solidFill>
+                  <a:schemeClr val="tx1"/>
+                </a:solidFill>
+                <a:latin typeface="Calibri" panose="020F0502020204030204" pitchFamily="34" charset="0"/>
+                <a:ea typeface="宋体" panose="02010600030101010101" pitchFamily="2" charset="-122"/>
+                <a:sym typeface="Calibri" panose="020F0502020204030204" pitchFamily="34" charset="0"/>
+              </a:defRPr>
+            </a:lvl2pPr>
+            <a:lvl3pPr marL="1143000" indent="-228600">
+              <a:spcBef>
+                <a:spcPct val="20000"/>
+              </a:spcBef>
+              <a:buFont typeface="Arial" panose="020B0604020202020204" pitchFamily="34" charset="0"/>
+              <a:buChar char="•"/>
+              <a:defRPr sz="2400">
+                <a:solidFill>
+                  <a:schemeClr val="tx1"/>
+                </a:solidFill>
+                <a:latin typeface="Calibri" panose="020F0502020204030204" pitchFamily="34" charset="0"/>
+                <a:ea typeface="宋体" panose="02010600030101010101" pitchFamily="2" charset="-122"/>
+                <a:sym typeface="Calibri" panose="020F0502020204030204" pitchFamily="34" charset="0"/>
+              </a:defRPr>
+            </a:lvl3pPr>
+            <a:lvl4pPr marL="1600200" indent="-228600">
+              <a:spcBef>
+                <a:spcPct val="20000"/>
+              </a:spcBef>
+              <a:buFont typeface="Arial" panose="020B0604020202020204" pitchFamily="34" charset="0"/>
+              <a:buChar char="–"/>
+              <a:defRPr sz="2000">
+                <a:solidFill>
+                  <a:schemeClr val="tx1"/>
+                </a:solidFill>
+                <a:latin typeface="Calibri" panose="020F0502020204030204" pitchFamily="34" charset="0"/>
+                <a:ea typeface="宋体" panose="02010600030101010101" pitchFamily="2" charset="-122"/>
+                <a:sym typeface="Calibri" panose="020F0502020204030204" pitchFamily="34" charset="0"/>
+              </a:defRPr>
+            </a:lvl4pPr>
+            <a:lvl5pPr marL="2057400" indent="-228600">
+              <a:spcBef>
+                <a:spcPct val="20000"/>
+              </a:spcBef>
+              <a:buFont typeface="Arial" panose="020B0604020202020204" pitchFamily="34" charset="0"/>
+              <a:buChar char="»"/>
+              <a:defRPr sz="2000">
+                <a:solidFill>
+                  <a:schemeClr val="tx1"/>
+                </a:solidFill>
+                <a:latin typeface="Calibri" panose="020F0502020204030204" pitchFamily="34" charset="0"/>
+                <a:ea typeface="宋体" panose="02010600030101010101" pitchFamily="2" charset="-122"/>
+                <a:sym typeface="Calibri" panose="020F0502020204030204" pitchFamily="34" charset="0"/>
+              </a:defRPr>
+            </a:lvl5pPr>
+            <a:lvl6pPr marL="2514600" indent="-228600" eaLnBrk="0" fontAlgn="base" hangingPunct="0">
+              <a:spcBef>
+                <a:spcPct val="20000"/>
+              </a:spcBef>
+              <a:spcAft>
+                <a:spcPct val="0"/>
+              </a:spcAft>
+              <a:buFont typeface="Arial" panose="020B0604020202020204" pitchFamily="34" charset="0"/>
+              <a:buChar char="»"/>
+              <a:defRPr sz="2000">
+                <a:solidFill>
+                  <a:schemeClr val="tx1"/>
+                </a:solidFill>
+                <a:latin typeface="Calibri" panose="020F0502020204030204" pitchFamily="34" charset="0"/>
+                <a:ea typeface="宋体" panose="02010600030101010101" pitchFamily="2" charset="-122"/>
+                <a:sym typeface="Calibri" panose="020F0502020204030204" pitchFamily="34" charset="0"/>
+              </a:defRPr>
+            </a:lvl6pPr>
+            <a:lvl7pPr marL="2971800" indent="-228600" eaLnBrk="0" fontAlgn="base" hangingPunct="0">
+              <a:spcBef>
+                <a:spcPct val="20000"/>
+              </a:spcBef>
+              <a:spcAft>
+                <a:spcPct val="0"/>
+              </a:spcAft>
+              <a:buFont typeface="Arial" panose="020B0604020202020204" pitchFamily="34" charset="0"/>
+              <a:buChar char="»"/>
+              <a:defRPr sz="2000">
+                <a:solidFill>
+                  <a:schemeClr val="tx1"/>
+                </a:solidFill>
+                <a:latin typeface="Calibri" panose="020F0502020204030204" pitchFamily="34" charset="0"/>
+                <a:ea typeface="宋体" panose="02010600030101010101" pitchFamily="2" charset="-122"/>
+                <a:sym typeface="Calibri" panose="020F0502020204030204" pitchFamily="34" charset="0"/>
+              </a:defRPr>
+            </a:lvl7pPr>
+            <a:lvl8pPr marL="3429000" indent="-228600" eaLnBrk="0" fontAlgn="base" hangingPunct="0">
+              <a:spcBef>
+                <a:spcPct val="20000"/>
+              </a:spcBef>
+              <a:spcAft>
+                <a:spcPct val="0"/>
+              </a:spcAft>
+              <a:buFont typeface="Arial" panose="020B0604020202020204" pitchFamily="34" charset="0"/>
+              <a:buChar char="»"/>
+              <a:defRPr sz="2000">
+                <a:solidFill>
+                  <a:schemeClr val="tx1"/>
+                </a:solidFill>
+                <a:latin typeface="Calibri" panose="020F0502020204030204" pitchFamily="34" charset="0"/>
+                <a:ea typeface="宋体" panose="02010600030101010101" pitchFamily="2" charset="-122"/>
+                <a:sym typeface="Calibri" panose="020F0502020204030204" pitchFamily="34" charset="0"/>
+              </a:defRPr>
+            </a:lvl8pPr>
+            <a:lvl9pPr marL="3886200" indent="-228600" eaLnBrk="0" fontAlgn="base" hangingPunct="0">
+              <a:spcBef>
+                <a:spcPct val="20000"/>
+              </a:spcBef>
+              <a:spcAft>
+                <a:spcPct val="0"/>
+              </a:spcAft>
+              <a:buFont typeface="Arial" panose="020B0604020202020204" pitchFamily="34" charset="0"/>
+              <a:buChar char="»"/>
+              <a:defRPr sz="2000">
+                <a:solidFill>
+                  <a:schemeClr val="tx1"/>
+                </a:solidFill>
+                <a:latin typeface="Calibri" panose="020F0502020204030204" pitchFamily="34" charset="0"/>
+                <a:ea typeface="宋体" panose="02010600030101010101" pitchFamily="2" charset="-122"/>
+                <a:sym typeface="Calibri" panose="020F0502020204030204" pitchFamily="34" charset="0"/>
+              </a:defRPr>
+            </a:lvl9pPr>
+          </a:lstStyle>
+          <a:p>
+            <a:pPr eaLnBrk="1" hangingPunct="1">
+              <a:spcBef>
+                <a:spcPct val="0"/>
+              </a:spcBef>
+              <a:buSzPct val="110000"/>
+              <a:buFontTx/>
+              <a:buNone/>
+            </a:pPr>
+            <a:r>
+              <a:rPr lang="en-US" altLang="zh-CN" sz="2000" i="1" dirty="0">
+                <a:solidFill>
+                  <a:srgbClr val="FF0000"/>
+                </a:solidFill>
+                <a:latin typeface="Times New Roman" panose="02020603050405020304" pitchFamily="18" charset="0"/>
+                <a:ea typeface="微软雅黑" panose="020B0503020204020204" pitchFamily="34" charset="-122"/>
+                <a:cs typeface="Times New Roman" panose="02020603050405020304" pitchFamily="18" charset="0"/>
+              </a:rPr>
+              <a:t>Nu</a:t>
+            </a:r>
+            <a:r>
+              <a:rPr lang="zh-CN" altLang="en-US" sz="2000" dirty="0">
+                <a:solidFill>
+                  <a:srgbClr val="FF0000"/>
+                </a:solidFill>
+                <a:latin typeface="微软雅黑" panose="020B0503020204020204" pitchFamily="34" charset="-122"/>
+                <a:ea typeface="微软雅黑" panose="020B0503020204020204" pitchFamily="34" charset="-122"/>
+                <a:cs typeface="Times New Roman" panose="02020603050405020304" pitchFamily="18" charset="0"/>
+              </a:rPr>
+              <a:t>与实验</a:t>
+            </a:r>
+            <a:r>
+              <a:rPr lang="en-US" altLang="zh-CN" sz="2000" baseline="30000" dirty="0">
+                <a:solidFill>
+                  <a:srgbClr val="FF0000"/>
+                </a:solidFill>
+                <a:latin typeface="Times New Roman" panose="02020603050405020304" pitchFamily="18" charset="0"/>
+                <a:ea typeface="微软雅黑" panose="020B0503020204020204" pitchFamily="34" charset="-122"/>
+                <a:cs typeface="Times New Roman" panose="02020603050405020304" pitchFamily="18" charset="0"/>
+              </a:rPr>
+              <a:t>[1]</a:t>
+            </a:r>
+            <a:r>
+              <a:rPr lang="zh-CN" altLang="en-US" sz="2000" dirty="0">
+                <a:solidFill>
+                  <a:srgbClr val="FF0000"/>
+                </a:solidFill>
+                <a:latin typeface="微软雅黑" panose="020B0503020204020204" pitchFamily="34" charset="-122"/>
+                <a:ea typeface="微软雅黑" panose="020B0503020204020204" pitchFamily="34" charset="-122"/>
+                <a:cs typeface="Times New Roman" panose="02020603050405020304" pitchFamily="18" charset="0"/>
+              </a:rPr>
+              <a:t>误差</a:t>
+            </a:r>
+            <a:r>
+              <a:rPr lang="en-US" altLang="zh-CN" sz="2000" dirty="0">
+                <a:solidFill>
+                  <a:srgbClr val="FF0000"/>
+                </a:solidFill>
+                <a:latin typeface="Times New Roman" panose="02020603050405020304" pitchFamily="18" charset="0"/>
+                <a:ea typeface="微软雅黑" panose="020B0503020204020204" pitchFamily="34" charset="-122"/>
+                <a:cs typeface="Times New Roman" panose="02020603050405020304" pitchFamily="18" charset="0"/>
+              </a:rPr>
+              <a:t>1.4%</a:t>
+            </a:r>
+          </a:p>
+        </p:txBody>
+      </p:sp>
+      <p:sp>
+        <p:nvSpPr>
+          <p:cNvPr id="5" name="文本框 3"/>
+          <p:cNvSpPr txBox="1">
+            <a:spLocks noChangeArrowheads="1"/>
+          </p:cNvSpPr>
+          <p:nvPr/>
+        </p:nvSpPr>
+        <p:spPr bwMode="auto">
+          <a:xfrm>
+            <a:off x="6046788" y="4973638"/>
+            <a:ext cx="2698750" cy="400050"/>
+          </a:xfrm>
+          <a:prstGeom prst="rect">
+            <a:avLst/>
+          </a:prstGeom>
+          <a:solidFill>
+            <a:schemeClr val="bg1"/>
+          </a:solidFill>
+          <a:ln>
+            <a:noFill/>
+          </a:ln>
+          <a:extLst>
+            <a:ext uri="{91240B29-F687-4F45-9708-019B960494DF}">
+              <a14:hiddenLine xmlns:a14="http://schemas.microsoft.com/office/drawing/2010/main" w="9525">
+                <a:solidFill>
+                  <a:srgbClr val="000000"/>
+                </a:solidFill>
+                <a:miter lim="800000"/>
+                <a:headEnd/>
+                <a:tailEnd/>
+              </a14:hiddenLine>
+            </a:ext>
+          </a:extLst>
+        </p:spPr>
+        <p:txBody>
+          <a:bodyPr>
+            <a:spAutoFit/>
+          </a:bodyPr>
+          <a:lstStyle>
+            <a:lvl1pPr>
+              <a:spcBef>
+                <a:spcPct val="20000"/>
+              </a:spcBef>
+              <a:buFont typeface="Arial" panose="020B0604020202020204" pitchFamily="34" charset="0"/>
+              <a:buChar char="•"/>
+              <a:defRPr sz="3200">
+                <a:solidFill>
+                  <a:schemeClr val="tx1"/>
+                </a:solidFill>
+                <a:latin typeface="Calibri" panose="020F0502020204030204" pitchFamily="34" charset="0"/>
+                <a:ea typeface="宋体" panose="02010600030101010101" pitchFamily="2" charset="-122"/>
+                <a:sym typeface="Calibri" panose="020F0502020204030204" pitchFamily="34" charset="0"/>
+              </a:defRPr>
+            </a:lvl1pPr>
+            <a:lvl2pPr marL="742950" indent="-285750">
+              <a:spcBef>
+                <a:spcPct val="20000"/>
+              </a:spcBef>
+              <a:buFont typeface="Arial" panose="020B0604020202020204" pitchFamily="34" charset="0"/>
+              <a:buChar char="–"/>
+              <a:defRPr sz="2800">
+                <a:solidFill>
+                  <a:schemeClr val="tx1"/>
+                </a:solidFill>
+                <a:latin typeface="Calibri" panose="020F0502020204030204" pitchFamily="34" charset="0"/>
+                <a:ea typeface="宋体" panose="02010600030101010101" pitchFamily="2" charset="-122"/>
+                <a:sym typeface="Calibri" panose="020F0502020204030204" pitchFamily="34" charset="0"/>
+              </a:defRPr>
+            </a:lvl2pPr>
+            <a:lvl3pPr marL="1143000" indent="-228600">
+              <a:spcBef>
+                <a:spcPct val="20000"/>
+              </a:spcBef>
+              <a:buFont typeface="Arial" panose="020B0604020202020204" pitchFamily="34" charset="0"/>
+              <a:buChar char="•"/>
+              <a:defRPr sz="2400">
+                <a:solidFill>
+                  <a:schemeClr val="tx1"/>
+                </a:solidFill>
+                <a:latin typeface="Calibri" panose="020F0502020204030204" pitchFamily="34" charset="0"/>
+                <a:ea typeface="宋体" panose="02010600030101010101" pitchFamily="2" charset="-122"/>
+                <a:sym typeface="Calibri" panose="020F0502020204030204" pitchFamily="34" charset="0"/>
+              </a:defRPr>
+            </a:lvl3pPr>
+            <a:lvl4pPr marL="1600200" indent="-228600">
+              <a:spcBef>
+                <a:spcPct val="20000"/>
+              </a:spcBef>
+              <a:buFont typeface="Arial" panose="020B0604020202020204" pitchFamily="34" charset="0"/>
+              <a:buChar char="–"/>
+              <a:defRPr sz="2000">
+                <a:solidFill>
+                  <a:schemeClr val="tx1"/>
+                </a:solidFill>
+                <a:latin typeface="Calibri" panose="020F0502020204030204" pitchFamily="34" charset="0"/>
+                <a:ea typeface="宋体" panose="02010600030101010101" pitchFamily="2" charset="-122"/>
+                <a:sym typeface="Calibri" panose="020F0502020204030204" pitchFamily="34" charset="0"/>
+              </a:defRPr>
+            </a:lvl4pPr>
+            <a:lvl5pPr marL="2057400" indent="-228600">
+              <a:spcBef>
+                <a:spcPct val="20000"/>
+              </a:spcBef>
+              <a:buFont typeface="Arial" panose="020B0604020202020204" pitchFamily="34" charset="0"/>
+              <a:buChar char="»"/>
+              <a:defRPr sz="2000">
+                <a:solidFill>
+                  <a:schemeClr val="tx1"/>
+                </a:solidFill>
+                <a:latin typeface="Calibri" panose="020F0502020204030204" pitchFamily="34" charset="0"/>
+                <a:ea typeface="宋体" panose="02010600030101010101" pitchFamily="2" charset="-122"/>
+                <a:sym typeface="Calibri" panose="020F0502020204030204" pitchFamily="34" charset="0"/>
+              </a:defRPr>
+            </a:lvl5pPr>
+            <a:lvl6pPr marL="2514600" indent="-228600" eaLnBrk="0" fontAlgn="base" hangingPunct="0">
+              <a:spcBef>
+                <a:spcPct val="20000"/>
+              </a:spcBef>
+              <a:spcAft>
+                <a:spcPct val="0"/>
+              </a:spcAft>
+              <a:buFont typeface="Arial" panose="020B0604020202020204" pitchFamily="34" charset="0"/>
+              <a:buChar char="»"/>
+              <a:defRPr sz="2000">
+                <a:solidFill>
+                  <a:schemeClr val="tx1"/>
+                </a:solidFill>
+                <a:latin typeface="Calibri" panose="020F0502020204030204" pitchFamily="34" charset="0"/>
+                <a:ea typeface="宋体" panose="02010600030101010101" pitchFamily="2" charset="-122"/>
+                <a:sym typeface="Calibri" panose="020F0502020204030204" pitchFamily="34" charset="0"/>
+              </a:defRPr>
+            </a:lvl6pPr>
+            <a:lvl7pPr marL="2971800" indent="-228600" eaLnBrk="0" fontAlgn="base" hangingPunct="0">
+              <a:spcBef>
+                <a:spcPct val="20000"/>
+              </a:spcBef>
+              <a:spcAft>
+                <a:spcPct val="0"/>
+              </a:spcAft>
+              <a:buFont typeface="Arial" panose="020B0604020202020204" pitchFamily="34" charset="0"/>
+              <a:buChar char="»"/>
+              <a:defRPr sz="2000">
+                <a:solidFill>
+                  <a:schemeClr val="tx1"/>
+                </a:solidFill>
+                <a:latin typeface="Calibri" panose="020F0502020204030204" pitchFamily="34" charset="0"/>
+                <a:ea typeface="宋体" panose="02010600030101010101" pitchFamily="2" charset="-122"/>
+                <a:sym typeface="Calibri" panose="020F0502020204030204" pitchFamily="34" charset="0"/>
+              </a:defRPr>
+            </a:lvl7pPr>
+            <a:lvl8pPr marL="3429000" indent="-228600" eaLnBrk="0" fontAlgn="base" hangingPunct="0">
+              <a:spcBef>
+                <a:spcPct val="20000"/>
+              </a:spcBef>
+              <a:spcAft>
+                <a:spcPct val="0"/>
+              </a:spcAft>
+              <a:buFont typeface="Arial" panose="020B0604020202020204" pitchFamily="34" charset="0"/>
+              <a:buChar char="»"/>
+              <a:defRPr sz="2000">
+                <a:solidFill>
+                  <a:schemeClr val="tx1"/>
+                </a:solidFill>
+                <a:latin typeface="Calibri" panose="020F0502020204030204" pitchFamily="34" charset="0"/>
+                <a:ea typeface="宋体" panose="02010600030101010101" pitchFamily="2" charset="-122"/>
+                <a:sym typeface="Calibri" panose="020F0502020204030204" pitchFamily="34" charset="0"/>
+              </a:defRPr>
+            </a:lvl8pPr>
+            <a:lvl9pPr marL="3886200" indent="-228600" eaLnBrk="0" fontAlgn="base" hangingPunct="0">
+              <a:spcBef>
+                <a:spcPct val="20000"/>
+              </a:spcBef>
+              <a:spcAft>
+                <a:spcPct val="0"/>
+              </a:spcAft>
+              <a:buFont typeface="Arial" panose="020B0604020202020204" pitchFamily="34" charset="0"/>
+              <a:buChar char="»"/>
+              <a:defRPr sz="2000">
+                <a:solidFill>
+                  <a:schemeClr val="tx1"/>
+                </a:solidFill>
+                <a:latin typeface="Calibri" panose="020F0502020204030204" pitchFamily="34" charset="0"/>
+                <a:ea typeface="宋体" panose="02010600030101010101" pitchFamily="2" charset="-122"/>
+                <a:sym typeface="Calibri" panose="020F0502020204030204" pitchFamily="34" charset="0"/>
+              </a:defRPr>
+            </a:lvl9pPr>
+          </a:lstStyle>
+          <a:p>
+            <a:pPr eaLnBrk="1" hangingPunct="1">
+              <a:spcBef>
+                <a:spcPct val="0"/>
+              </a:spcBef>
+              <a:buSzPct val="110000"/>
+              <a:buFontTx/>
+              <a:buNone/>
+            </a:pPr>
+            <a:r>
+              <a:rPr lang="en-US" altLang="zh-CN" sz="2000" dirty="0" err="1">
+                <a:solidFill>
+                  <a:srgbClr val="FF0000"/>
+                </a:solidFill>
+                <a:latin typeface="Times New Roman" panose="02020603050405020304" pitchFamily="18" charset="0"/>
+                <a:ea typeface="微软雅黑" panose="020B0503020204020204" pitchFamily="34" charset="-122"/>
+                <a:cs typeface="Times New Roman" panose="02020603050405020304" pitchFamily="18" charset="0"/>
+              </a:rPr>
+              <a:t>Δ</a:t>
+            </a:r>
+            <a:r>
+              <a:rPr lang="en-US" altLang="zh-CN" sz="2000" i="1" dirty="0" err="1">
+                <a:solidFill>
+                  <a:srgbClr val="FF0000"/>
+                </a:solidFill>
+                <a:latin typeface="Times New Roman" panose="02020603050405020304" pitchFamily="18" charset="0"/>
+                <a:ea typeface="微软雅黑" panose="020B0503020204020204" pitchFamily="34" charset="-122"/>
+                <a:cs typeface="Times New Roman" panose="02020603050405020304" pitchFamily="18" charset="0"/>
+              </a:rPr>
+              <a:t>p</a:t>
+            </a:r>
+            <a:r>
+              <a:rPr lang="zh-CN" altLang="en-US" sz="2000" dirty="0">
+                <a:solidFill>
+                  <a:srgbClr val="FF0000"/>
+                </a:solidFill>
+                <a:latin typeface="微软雅黑" panose="020B0503020204020204" pitchFamily="34" charset="-122"/>
+                <a:ea typeface="微软雅黑" panose="020B0503020204020204" pitchFamily="34" charset="-122"/>
+                <a:cs typeface="Times New Roman" panose="02020603050405020304" pitchFamily="18" charset="0"/>
+              </a:rPr>
+              <a:t>与实验</a:t>
+            </a:r>
+            <a:r>
+              <a:rPr lang="en-US" altLang="zh-CN" sz="2000" baseline="30000" dirty="0">
+                <a:solidFill>
+                  <a:srgbClr val="FF0000"/>
+                </a:solidFill>
+                <a:latin typeface="Times New Roman" panose="02020603050405020304" pitchFamily="18" charset="0"/>
+                <a:ea typeface="微软雅黑" panose="020B0503020204020204" pitchFamily="34" charset="-122"/>
+                <a:cs typeface="Times New Roman" panose="02020603050405020304" pitchFamily="18" charset="0"/>
+              </a:rPr>
+              <a:t>[1]</a:t>
+            </a:r>
+            <a:r>
+              <a:rPr lang="zh-CN" altLang="en-US" sz="2000" dirty="0" smtClean="0">
+                <a:solidFill>
+                  <a:srgbClr val="FF0000"/>
+                </a:solidFill>
+                <a:latin typeface="微软雅黑" panose="020B0503020204020204" pitchFamily="34" charset="-122"/>
+                <a:ea typeface="微软雅黑" panose="020B0503020204020204" pitchFamily="34" charset="-122"/>
+                <a:cs typeface="Times New Roman" panose="02020603050405020304" pitchFamily="18" charset="0"/>
+              </a:rPr>
+              <a:t>误差</a:t>
+            </a:r>
+            <a:r>
+              <a:rPr lang="en-US" altLang="zh-CN" sz="2000" dirty="0" smtClean="0">
+                <a:solidFill>
+                  <a:srgbClr val="FF0000"/>
+                </a:solidFill>
+                <a:latin typeface="Times New Roman" panose="02020603050405020304" pitchFamily="18" charset="0"/>
+                <a:ea typeface="微软雅黑" panose="020B0503020204020204" pitchFamily="34" charset="-122"/>
+                <a:cs typeface="Times New Roman" panose="02020603050405020304" pitchFamily="18" charset="0"/>
+              </a:rPr>
+              <a:t>6.9%</a:t>
+            </a:r>
+            <a:endParaRPr lang="en-US" altLang="zh-CN" sz="2000" dirty="0">
+              <a:solidFill>
+                <a:srgbClr val="FF0000"/>
+              </a:solidFill>
+              <a:latin typeface="Times New Roman" panose="02020603050405020304" pitchFamily="18" charset="0"/>
+              <a:ea typeface="微软雅黑" panose="020B0503020204020204" pitchFamily="34" charset="-122"/>
+              <a:cs typeface="Times New Roman" panose="02020603050405020304" pitchFamily="18" charset="0"/>
+            </a:endParaRPr>
+          </a:p>
+        </p:txBody>
+      </p:sp>
+      <p:sp>
+        <p:nvSpPr>
+          <p:cNvPr id="6" name="矩形 5">
+            <a:extLst>
+              <a:ext uri="{FF2B5EF4-FFF2-40B4-BE49-F238E27FC236}">
+                <a16:creationId xmlns:a16="http://schemas.microsoft.com/office/drawing/2014/main" id="{B959E309-EB4E-44E6-B2D9-A24D41296D2B}"/>
+              </a:ext>
+            </a:extLst>
+          </p:cNvPr>
+          <p:cNvSpPr/>
           <p:nvPr/>
         </p:nvSpPr>
         <p:spPr>
           <a:xfrm>
-            <a:off x="1280160" y="5113020"/>
-            <a:ext cx="1314450" cy="276999"/>
+            <a:off x="92075" y="6296025"/>
+            <a:ext cx="7864475" cy="417513"/>
           </a:xfrm>
           <a:prstGeom prst="rect">
             <a:avLst/>
           </a:prstGeom>
         </p:spPr>
         <p:txBody>
-          <a:bodyPr wrap="square">
+          <a:bodyPr>
             <a:spAutoFit/>
           </a:bodyPr>
-          <a:lstStyle>
-            <a:defPPr>
-              <a:defRPr lang="en-US"/>
-            </a:defPPr>
-            <a:lvl1pPr>
-              <a:defRPr sz="1200" b="1">
+          <a:lstStyle/>
+          <a:p>
+            <a:pPr marL="381000" indent="-381000" algn="just">
+              <a:lnSpc>
+                <a:spcPct val="150000"/>
+              </a:lnSpc>
+              <a:spcAft>
+                <a:spcPts val="0"/>
+              </a:spcAft>
+              <a:defRPr/>
+            </a:pPr>
+            <a:r>
+              <a:rPr lang="en-US" altLang="zh-CN" sz="1600" kern="100" dirty="0">
                 <a:latin typeface="Times New Roman" panose="02020603050405020304" pitchFamily="18" charset="0"/>
-                <a:cs typeface="Times New Roman" panose="02020603050405020304" pitchFamily="18" charset="0"/>
-              </a:defRPr>
-            </a:lvl1pPr>
-          </a:lstStyle>
-          <a:p>
-            <a:r>
-              <a:rPr lang="en-US" altLang="zh-CN" dirty="0"/>
-              <a:t>0.6V, 0.4</a:t>
-            </a:r>
+              </a:rPr>
+              <a:t>[1] </a:t>
+            </a:r>
+            <a:r>
+              <a:rPr lang="en-US" altLang="zh-CN" sz="1600" kern="100" dirty="0" err="1">
+                <a:latin typeface="Times New Roman" panose="02020603050405020304" pitchFamily="18" charset="0"/>
+              </a:rPr>
+              <a:t>Žukauskas</a:t>
+            </a:r>
+            <a:r>
+              <a:rPr lang="en-US" altLang="zh-CN" sz="1600" kern="100" dirty="0">
+                <a:latin typeface="Times New Roman" panose="02020603050405020304" pitchFamily="18" charset="0"/>
+              </a:rPr>
+              <a:t>. Advances in Heat Transfer 1972.</a:t>
+            </a:r>
+            <a:endParaRPr lang="zh-CN" altLang="zh-CN" sz="1600" kern="100" dirty="0">
+              <a:latin typeface="Times New Roman" panose="02020603050405020304" pitchFamily="18" charset="0"/>
+            </a:endParaRPr>
           </a:p>
         </p:txBody>
       </p:sp>
       <p:sp>
         <p:nvSpPr>
-          <p:cNvPr id="6" name="文本框 5"/>
-          <p:cNvSpPr txBox="1"/>
+          <p:cNvPr id="7" name="椭圆 6"/>
+          <p:cNvSpPr>
+            <a:spLocks noChangeArrowheads="1"/>
+          </p:cNvSpPr>
           <p:nvPr/>
         </p:nvSpPr>
-        <p:spPr>
+        <p:spPr bwMode="auto">
           <a:xfrm>
-            <a:off x="1280160" y="5390019"/>
-            <a:ext cx="1474470" cy="276999"/>
+            <a:off x="7440613" y="4540250"/>
+            <a:ext cx="255587" cy="244475"/>
           </a:xfrm>
-          <a:prstGeom prst="rect">
+          <a:prstGeom prst="ellipse">
             <a:avLst/>
           </a:prstGeom>
+          <a:noFill/>
+          <a:ln w="19050" algn="ctr">
+            <a:solidFill>
+              <a:srgbClr val="FF0000"/>
+            </a:solidFill>
+            <a:round/>
+            <a:headEnd/>
+            <a:tailEnd/>
+          </a:ln>
+          <a:extLst>
+            <a:ext uri="{909E8E84-426E-40DD-AFC4-6F175D3DCCD1}">
+              <a14:hiddenFill xmlns:a14="http://schemas.microsoft.com/office/drawing/2010/main">
+                <a:solidFill>
+                  <a:srgbClr val="FFFFFF"/>
+                </a:solidFill>
+              </a14:hiddenFill>
+            </a:ext>
+          </a:extLst>
         </p:spPr>
         <p:txBody>
-          <a:bodyPr wrap="square">
-            <a:spAutoFit/>
-          </a:bodyPr>
+          <a:bodyPr/>
           <a:lstStyle>
-            <a:defPPr>
-              <a:defRPr lang="en-US"/>
-            </a:defPPr>
             <a:lvl1pPr>
-              <a:defRPr sz="1200" b="1">
-                <a:latin typeface="Times New Roman" panose="02020603050405020304" pitchFamily="18" charset="0"/>
-                <a:cs typeface="Times New Roman" panose="02020603050405020304" pitchFamily="18" charset="0"/>
+              <a:spcBef>
+                <a:spcPct val="20000"/>
+              </a:spcBef>
+              <a:buFont typeface="Arial" panose="020B0604020202020204" pitchFamily="34" charset="0"/>
+              <a:buChar char="•"/>
+              <a:defRPr sz="3200">
+                <a:solidFill>
+                  <a:schemeClr val="tx1"/>
+                </a:solidFill>
+                <a:latin typeface="Calibri" panose="020F0502020204030204" pitchFamily="34" charset="0"/>
+                <a:ea typeface="宋体" panose="02010600030101010101" pitchFamily="2" charset="-122"/>
+                <a:sym typeface="Calibri" panose="020F0502020204030204" pitchFamily="34" charset="0"/>
               </a:defRPr>
             </a:lvl1pPr>
+            <a:lvl2pPr marL="742950" indent="-285750">
+              <a:spcBef>
+                <a:spcPct val="20000"/>
+              </a:spcBef>
+              <a:buFont typeface="Arial" panose="020B0604020202020204" pitchFamily="34" charset="0"/>
+              <a:buChar char="–"/>
+              <a:defRPr sz="2800">
+                <a:solidFill>
+                  <a:schemeClr val="tx1"/>
+                </a:solidFill>
+                <a:latin typeface="Calibri" panose="020F0502020204030204" pitchFamily="34" charset="0"/>
+                <a:ea typeface="宋体" panose="02010600030101010101" pitchFamily="2" charset="-122"/>
+                <a:sym typeface="Calibri" panose="020F0502020204030204" pitchFamily="34" charset="0"/>
+              </a:defRPr>
+            </a:lvl2pPr>
+            <a:lvl3pPr marL="1143000" indent="-228600">
+              <a:spcBef>
+                <a:spcPct val="20000"/>
+              </a:spcBef>
+              <a:buFont typeface="Arial" panose="020B0604020202020204" pitchFamily="34" charset="0"/>
+              <a:buChar char="•"/>
+              <a:defRPr sz="2400">
+                <a:solidFill>
+                  <a:schemeClr val="tx1"/>
+                </a:solidFill>
+                <a:latin typeface="Calibri" panose="020F0502020204030204" pitchFamily="34" charset="0"/>
+                <a:ea typeface="宋体" panose="02010600030101010101" pitchFamily="2" charset="-122"/>
+                <a:sym typeface="Calibri" panose="020F0502020204030204" pitchFamily="34" charset="0"/>
+              </a:defRPr>
+            </a:lvl3pPr>
+            <a:lvl4pPr marL="1600200" indent="-228600">
+              <a:spcBef>
+                <a:spcPct val="20000"/>
+              </a:spcBef>
+              <a:buFont typeface="Arial" panose="020B0604020202020204" pitchFamily="34" charset="0"/>
+              <a:buChar char="–"/>
+              <a:defRPr sz="2000">
+                <a:solidFill>
+                  <a:schemeClr val="tx1"/>
+                </a:solidFill>
+                <a:latin typeface="Calibri" panose="020F0502020204030204" pitchFamily="34" charset="0"/>
+                <a:ea typeface="宋体" panose="02010600030101010101" pitchFamily="2" charset="-122"/>
+                <a:sym typeface="Calibri" panose="020F0502020204030204" pitchFamily="34" charset="0"/>
+              </a:defRPr>
+            </a:lvl4pPr>
+            <a:lvl5pPr marL="2057400" indent="-228600">
+              <a:spcBef>
+                <a:spcPct val="20000"/>
+              </a:spcBef>
+              <a:buFont typeface="Arial" panose="020B0604020202020204" pitchFamily="34" charset="0"/>
+              <a:buChar char="»"/>
+              <a:defRPr sz="2000">
+                <a:solidFill>
+                  <a:schemeClr val="tx1"/>
+                </a:solidFill>
+                <a:latin typeface="Calibri" panose="020F0502020204030204" pitchFamily="34" charset="0"/>
+                <a:ea typeface="宋体" panose="02010600030101010101" pitchFamily="2" charset="-122"/>
+                <a:sym typeface="Calibri" panose="020F0502020204030204" pitchFamily="34" charset="0"/>
+              </a:defRPr>
+            </a:lvl5pPr>
+            <a:lvl6pPr marL="2514600" indent="-228600" eaLnBrk="0" fontAlgn="base" hangingPunct="0">
+              <a:spcBef>
+                <a:spcPct val="20000"/>
+              </a:spcBef>
+              <a:spcAft>
+                <a:spcPct val="0"/>
+              </a:spcAft>
+              <a:buFont typeface="Arial" panose="020B0604020202020204" pitchFamily="34" charset="0"/>
+              <a:buChar char="»"/>
+              <a:defRPr sz="2000">
+                <a:solidFill>
+                  <a:schemeClr val="tx1"/>
+                </a:solidFill>
+                <a:latin typeface="Calibri" panose="020F0502020204030204" pitchFamily="34" charset="0"/>
+                <a:ea typeface="宋体" panose="02010600030101010101" pitchFamily="2" charset="-122"/>
+                <a:sym typeface="Calibri" panose="020F0502020204030204" pitchFamily="34" charset="0"/>
+              </a:defRPr>
+            </a:lvl6pPr>
+            <a:lvl7pPr marL="2971800" indent="-228600" eaLnBrk="0" fontAlgn="base" hangingPunct="0">
+              <a:spcBef>
+                <a:spcPct val="20000"/>
+              </a:spcBef>
+              <a:spcAft>
+                <a:spcPct val="0"/>
+              </a:spcAft>
+              <a:buFont typeface="Arial" panose="020B0604020202020204" pitchFamily="34" charset="0"/>
+              <a:buChar char="»"/>
+              <a:defRPr sz="2000">
+                <a:solidFill>
+                  <a:schemeClr val="tx1"/>
+                </a:solidFill>
+                <a:latin typeface="Calibri" panose="020F0502020204030204" pitchFamily="34" charset="0"/>
+                <a:ea typeface="宋体" panose="02010600030101010101" pitchFamily="2" charset="-122"/>
+                <a:sym typeface="Calibri" panose="020F0502020204030204" pitchFamily="34" charset="0"/>
+              </a:defRPr>
+            </a:lvl7pPr>
+            <a:lvl8pPr marL="3429000" indent="-228600" eaLnBrk="0" fontAlgn="base" hangingPunct="0">
+              <a:spcBef>
+                <a:spcPct val="20000"/>
+              </a:spcBef>
+              <a:spcAft>
+                <a:spcPct val="0"/>
+              </a:spcAft>
+              <a:buFont typeface="Arial" panose="020B0604020202020204" pitchFamily="34" charset="0"/>
+              <a:buChar char="»"/>
+              <a:defRPr sz="2000">
+                <a:solidFill>
+                  <a:schemeClr val="tx1"/>
+                </a:solidFill>
+                <a:latin typeface="Calibri" panose="020F0502020204030204" pitchFamily="34" charset="0"/>
+                <a:ea typeface="宋体" panose="02010600030101010101" pitchFamily="2" charset="-122"/>
+                <a:sym typeface="Calibri" panose="020F0502020204030204" pitchFamily="34" charset="0"/>
+              </a:defRPr>
+            </a:lvl8pPr>
+            <a:lvl9pPr marL="3886200" indent="-228600" eaLnBrk="0" fontAlgn="base" hangingPunct="0">
+              <a:spcBef>
+                <a:spcPct val="20000"/>
+              </a:spcBef>
+              <a:spcAft>
+                <a:spcPct val="0"/>
+              </a:spcAft>
+              <a:buFont typeface="Arial" panose="020B0604020202020204" pitchFamily="34" charset="0"/>
+              <a:buChar char="»"/>
+              <a:defRPr sz="2000">
+                <a:solidFill>
+                  <a:schemeClr val="tx1"/>
+                </a:solidFill>
+                <a:latin typeface="Calibri" panose="020F0502020204030204" pitchFamily="34" charset="0"/>
+                <a:ea typeface="宋体" panose="02010600030101010101" pitchFamily="2" charset="-122"/>
+                <a:sym typeface="Calibri" panose="020F0502020204030204" pitchFamily="34" charset="0"/>
+              </a:defRPr>
+            </a:lvl9pPr>
           </a:lstStyle>
           <a:p>
-            <a:r>
-              <a:rPr lang="en-US" altLang="zh-CN" dirty="0"/>
-              <a:t>0.6V, 0.3-0.4-0.5</a:t>
-            </a:r>
+            <a:pPr eaLnBrk="1" hangingPunct="1">
+              <a:spcBef>
+                <a:spcPct val="0"/>
+              </a:spcBef>
+              <a:buFont typeface="Arial" panose="020B0604020202020204" pitchFamily="34" charset="0"/>
+              <a:buNone/>
+            </a:pPr>
+            <a:endParaRPr lang="zh-CN" altLang="en-US" sz="1800">
+              <a:latin typeface="Arial" panose="020B0604020202020204" pitchFamily="34" charset="0"/>
+            </a:endParaRPr>
           </a:p>
         </p:txBody>
       </p:sp>
       <p:sp>
         <p:nvSpPr>
-          <p:cNvPr id="7" name="文本框 6"/>
-          <p:cNvSpPr txBox="1"/>
+          <p:cNvPr id="8" name="椭圆 7"/>
+          <p:cNvSpPr>
+            <a:spLocks noChangeArrowheads="1"/>
+          </p:cNvSpPr>
           <p:nvPr/>
         </p:nvSpPr>
-        <p:spPr>
+        <p:spPr bwMode="auto">
           <a:xfrm>
-            <a:off x="5044440" y="5113020"/>
-            <a:ext cx="1314450" cy="276999"/>
+            <a:off x="7437438" y="5765800"/>
+            <a:ext cx="255587" cy="244475"/>
+          </a:xfrm>
+          <a:prstGeom prst="ellipse">
+            <a:avLst/>
+          </a:prstGeom>
+          <a:noFill/>
+          <a:ln w="19050" algn="ctr">
+            <a:solidFill>
+              <a:srgbClr val="FF0000"/>
+            </a:solidFill>
+            <a:round/>
+            <a:headEnd/>
+            <a:tailEnd/>
+          </a:ln>
+          <a:extLst>
+            <a:ext uri="{909E8E84-426E-40DD-AFC4-6F175D3DCCD1}">
+              <a14:hiddenFill xmlns:a14="http://schemas.microsoft.com/office/drawing/2010/main">
+                <a:solidFill>
+                  <a:srgbClr val="FFFFFF"/>
+                </a:solidFill>
+              </a14:hiddenFill>
+            </a:ext>
+          </a:extLst>
+        </p:spPr>
+        <p:txBody>
+          <a:bodyPr/>
+          <a:lstStyle>
+            <a:lvl1pPr>
+              <a:spcBef>
+                <a:spcPct val="20000"/>
+              </a:spcBef>
+              <a:buFont typeface="Arial" panose="020B0604020202020204" pitchFamily="34" charset="0"/>
+              <a:buChar char="•"/>
+              <a:defRPr sz="3200">
+                <a:solidFill>
+                  <a:schemeClr val="tx1"/>
+                </a:solidFill>
+                <a:latin typeface="Calibri" panose="020F0502020204030204" pitchFamily="34" charset="0"/>
+                <a:ea typeface="宋体" panose="02010600030101010101" pitchFamily="2" charset="-122"/>
+                <a:sym typeface="Calibri" panose="020F0502020204030204" pitchFamily="34" charset="0"/>
+              </a:defRPr>
+            </a:lvl1pPr>
+            <a:lvl2pPr marL="742950" indent="-285750">
+              <a:spcBef>
+                <a:spcPct val="20000"/>
+              </a:spcBef>
+              <a:buFont typeface="Arial" panose="020B0604020202020204" pitchFamily="34" charset="0"/>
+              <a:buChar char="–"/>
+              <a:defRPr sz="2800">
+                <a:solidFill>
+                  <a:schemeClr val="tx1"/>
+                </a:solidFill>
+                <a:latin typeface="Calibri" panose="020F0502020204030204" pitchFamily="34" charset="0"/>
+                <a:ea typeface="宋体" panose="02010600030101010101" pitchFamily="2" charset="-122"/>
+                <a:sym typeface="Calibri" panose="020F0502020204030204" pitchFamily="34" charset="0"/>
+              </a:defRPr>
+            </a:lvl2pPr>
+            <a:lvl3pPr marL="1143000" indent="-228600">
+              <a:spcBef>
+                <a:spcPct val="20000"/>
+              </a:spcBef>
+              <a:buFont typeface="Arial" panose="020B0604020202020204" pitchFamily="34" charset="0"/>
+              <a:buChar char="•"/>
+              <a:defRPr sz="2400">
+                <a:solidFill>
+                  <a:schemeClr val="tx1"/>
+                </a:solidFill>
+                <a:latin typeface="Calibri" panose="020F0502020204030204" pitchFamily="34" charset="0"/>
+                <a:ea typeface="宋体" panose="02010600030101010101" pitchFamily="2" charset="-122"/>
+                <a:sym typeface="Calibri" panose="020F0502020204030204" pitchFamily="34" charset="0"/>
+              </a:defRPr>
+            </a:lvl3pPr>
+            <a:lvl4pPr marL="1600200" indent="-228600">
+              <a:spcBef>
+                <a:spcPct val="20000"/>
+              </a:spcBef>
+              <a:buFont typeface="Arial" panose="020B0604020202020204" pitchFamily="34" charset="0"/>
+              <a:buChar char="–"/>
+              <a:defRPr sz="2000">
+                <a:solidFill>
+                  <a:schemeClr val="tx1"/>
+                </a:solidFill>
+                <a:latin typeface="Calibri" panose="020F0502020204030204" pitchFamily="34" charset="0"/>
+                <a:ea typeface="宋体" panose="02010600030101010101" pitchFamily="2" charset="-122"/>
+                <a:sym typeface="Calibri" panose="020F0502020204030204" pitchFamily="34" charset="0"/>
+              </a:defRPr>
+            </a:lvl4pPr>
+            <a:lvl5pPr marL="2057400" indent="-228600">
+              <a:spcBef>
+                <a:spcPct val="20000"/>
+              </a:spcBef>
+              <a:buFont typeface="Arial" panose="020B0604020202020204" pitchFamily="34" charset="0"/>
+              <a:buChar char="»"/>
+              <a:defRPr sz="2000">
+                <a:solidFill>
+                  <a:schemeClr val="tx1"/>
+                </a:solidFill>
+                <a:latin typeface="Calibri" panose="020F0502020204030204" pitchFamily="34" charset="0"/>
+                <a:ea typeface="宋体" panose="02010600030101010101" pitchFamily="2" charset="-122"/>
+                <a:sym typeface="Calibri" panose="020F0502020204030204" pitchFamily="34" charset="0"/>
+              </a:defRPr>
+            </a:lvl5pPr>
+            <a:lvl6pPr marL="2514600" indent="-228600" eaLnBrk="0" fontAlgn="base" hangingPunct="0">
+              <a:spcBef>
+                <a:spcPct val="20000"/>
+              </a:spcBef>
+              <a:spcAft>
+                <a:spcPct val="0"/>
+              </a:spcAft>
+              <a:buFont typeface="Arial" panose="020B0604020202020204" pitchFamily="34" charset="0"/>
+              <a:buChar char="»"/>
+              <a:defRPr sz="2000">
+                <a:solidFill>
+                  <a:schemeClr val="tx1"/>
+                </a:solidFill>
+                <a:latin typeface="Calibri" panose="020F0502020204030204" pitchFamily="34" charset="0"/>
+                <a:ea typeface="宋体" panose="02010600030101010101" pitchFamily="2" charset="-122"/>
+                <a:sym typeface="Calibri" panose="020F0502020204030204" pitchFamily="34" charset="0"/>
+              </a:defRPr>
+            </a:lvl6pPr>
+            <a:lvl7pPr marL="2971800" indent="-228600" eaLnBrk="0" fontAlgn="base" hangingPunct="0">
+              <a:spcBef>
+                <a:spcPct val="20000"/>
+              </a:spcBef>
+              <a:spcAft>
+                <a:spcPct val="0"/>
+              </a:spcAft>
+              <a:buFont typeface="Arial" panose="020B0604020202020204" pitchFamily="34" charset="0"/>
+              <a:buChar char="»"/>
+              <a:defRPr sz="2000">
+                <a:solidFill>
+                  <a:schemeClr val="tx1"/>
+                </a:solidFill>
+                <a:latin typeface="Calibri" panose="020F0502020204030204" pitchFamily="34" charset="0"/>
+                <a:ea typeface="宋体" panose="02010600030101010101" pitchFamily="2" charset="-122"/>
+                <a:sym typeface="Calibri" panose="020F0502020204030204" pitchFamily="34" charset="0"/>
+              </a:defRPr>
+            </a:lvl7pPr>
+            <a:lvl8pPr marL="3429000" indent="-228600" eaLnBrk="0" fontAlgn="base" hangingPunct="0">
+              <a:spcBef>
+                <a:spcPct val="20000"/>
+              </a:spcBef>
+              <a:spcAft>
+                <a:spcPct val="0"/>
+              </a:spcAft>
+              <a:buFont typeface="Arial" panose="020B0604020202020204" pitchFamily="34" charset="0"/>
+              <a:buChar char="»"/>
+              <a:defRPr sz="2000">
+                <a:solidFill>
+                  <a:schemeClr val="tx1"/>
+                </a:solidFill>
+                <a:latin typeface="Calibri" panose="020F0502020204030204" pitchFamily="34" charset="0"/>
+                <a:ea typeface="宋体" panose="02010600030101010101" pitchFamily="2" charset="-122"/>
+                <a:sym typeface="Calibri" panose="020F0502020204030204" pitchFamily="34" charset="0"/>
+              </a:defRPr>
+            </a:lvl8pPr>
+            <a:lvl9pPr marL="3886200" indent="-228600" eaLnBrk="0" fontAlgn="base" hangingPunct="0">
+              <a:spcBef>
+                <a:spcPct val="20000"/>
+              </a:spcBef>
+              <a:spcAft>
+                <a:spcPct val="0"/>
+              </a:spcAft>
+              <a:buFont typeface="Arial" panose="020B0604020202020204" pitchFamily="34" charset="0"/>
+              <a:buChar char="»"/>
+              <a:defRPr sz="2000">
+                <a:solidFill>
+                  <a:schemeClr val="tx1"/>
+                </a:solidFill>
+                <a:latin typeface="Calibri" panose="020F0502020204030204" pitchFamily="34" charset="0"/>
+                <a:ea typeface="宋体" panose="02010600030101010101" pitchFamily="2" charset="-122"/>
+                <a:sym typeface="Calibri" panose="020F0502020204030204" pitchFamily="34" charset="0"/>
+              </a:defRPr>
+            </a:lvl9pPr>
+          </a:lstStyle>
+          <a:p>
+            <a:pPr eaLnBrk="1" hangingPunct="1">
+              <a:spcBef>
+                <a:spcPct val="0"/>
+              </a:spcBef>
+              <a:buFont typeface="Arial" panose="020B0604020202020204" pitchFamily="34" charset="0"/>
+              <a:buNone/>
+            </a:pPr>
+            <a:endParaRPr lang="zh-CN" altLang="en-US" sz="1800">
+              <a:latin typeface="Arial" panose="020B0604020202020204" pitchFamily="34" charset="0"/>
+            </a:endParaRPr>
+          </a:p>
+        </p:txBody>
+      </p:sp>
+      <p:cxnSp>
+        <p:nvCxnSpPr>
+          <p:cNvPr id="9" name="直接箭头连接符 8"/>
+          <p:cNvCxnSpPr>
+            <a:cxnSpLocks/>
+            <a:endCxn id="7" idx="1"/>
+          </p:cNvCxnSpPr>
+          <p:nvPr/>
+        </p:nvCxnSpPr>
+        <p:spPr bwMode="auto">
+          <a:xfrm>
+            <a:off x="7153275" y="4327525"/>
+            <a:ext cx="325438" cy="247650"/>
+          </a:xfrm>
+          <a:prstGeom prst="straightConnector1">
+            <a:avLst/>
+          </a:prstGeom>
+          <a:noFill/>
+          <a:ln w="19050" algn="ctr">
+            <a:solidFill>
+              <a:srgbClr val="FF0000"/>
+            </a:solidFill>
+            <a:round/>
+            <a:headEnd/>
+            <a:tailEnd type="triangle" w="med" len="med"/>
+          </a:ln>
+          <a:extLst>
+            <a:ext uri="{909E8E84-426E-40DD-AFC4-6F175D3DCCD1}">
+              <a14:hiddenFill xmlns:a14="http://schemas.microsoft.com/office/drawing/2010/main">
+                <a:noFill/>
+              </a14:hiddenFill>
+            </a:ext>
+          </a:extLst>
+        </p:spPr>
+      </p:cxnSp>
+      <p:cxnSp>
+        <p:nvCxnSpPr>
+          <p:cNvPr id="10" name="直接箭头连接符 9"/>
+          <p:cNvCxnSpPr>
+            <a:cxnSpLocks/>
+          </p:cNvCxnSpPr>
+          <p:nvPr/>
+        </p:nvCxnSpPr>
+        <p:spPr bwMode="auto">
+          <a:xfrm>
+            <a:off x="7300913" y="5340350"/>
+            <a:ext cx="215900" cy="446088"/>
+          </a:xfrm>
+          <a:prstGeom prst="straightConnector1">
+            <a:avLst/>
+          </a:prstGeom>
+          <a:noFill/>
+          <a:ln w="19050" algn="ctr">
+            <a:solidFill>
+              <a:srgbClr val="FF0000"/>
+            </a:solidFill>
+            <a:round/>
+            <a:headEnd/>
+            <a:tailEnd type="triangle" w="med" len="med"/>
+          </a:ln>
+          <a:extLst>
+            <a:ext uri="{909E8E84-426E-40DD-AFC4-6F175D3DCCD1}">
+              <a14:hiddenFill xmlns:a14="http://schemas.microsoft.com/office/drawing/2010/main">
+                <a:noFill/>
+              </a14:hiddenFill>
+            </a:ext>
+          </a:extLst>
+        </p:spPr>
+      </p:cxnSp>
+      <p:sp>
+        <p:nvSpPr>
+          <p:cNvPr id="11" name="矩形 15"/>
+          <p:cNvSpPr>
+            <a:spLocks noChangeArrowheads="1"/>
+          </p:cNvSpPr>
+          <p:nvPr/>
+        </p:nvSpPr>
+        <p:spPr bwMode="auto">
+          <a:xfrm>
+            <a:off x="6973570" y="-52388"/>
+            <a:ext cx="2159566" cy="738664"/>
           </a:xfrm>
           <a:prstGeom prst="rect">
             <a:avLst/>
           </a:prstGeom>
           <a:noFill/>
-        </p:spPr>
-        <p:txBody>
-          <a:bodyPr wrap="square" rtlCol="0">
-            <a:spAutoFit/>
-          </a:bodyPr>
-          <a:lstStyle/>
-          <a:p>
-            <a:r>
-              <a:rPr lang="en-US" altLang="zh-CN" sz="1200" b="1" dirty="0">
-                <a:latin typeface="Times New Roman" panose="02020603050405020304" pitchFamily="18" charset="0"/>
-                <a:cs typeface="Times New Roman" panose="02020603050405020304" pitchFamily="18" charset="0"/>
-              </a:rPr>
-              <a:t>0.9V</a:t>
-            </a:r>
-            <a:r>
-              <a:rPr lang="en-US" altLang="zh-CN" sz="1200" b="1" dirty="0" smtClean="0">
-                <a:latin typeface="微软雅黑" panose="020B0503020204020204" pitchFamily="34" charset="-122"/>
-                <a:ea typeface="微软雅黑" panose="020B0503020204020204" pitchFamily="34" charset="-122"/>
-              </a:rPr>
-              <a:t>, 0.4</a:t>
-            </a:r>
-          </a:p>
-        </p:txBody>
-      </p:sp>
-      <p:sp>
-        <p:nvSpPr>
-          <p:cNvPr id="8" name="文本框 7"/>
-          <p:cNvSpPr txBox="1"/>
-          <p:nvPr/>
-        </p:nvSpPr>
-        <p:spPr>
-          <a:xfrm>
-            <a:off x="5044440" y="5390019"/>
-            <a:ext cx="1474470" cy="276999"/>
-          </a:xfrm>
-          <a:prstGeom prst="rect">
-            <a:avLst/>
-          </a:prstGeom>
-          <a:noFill/>
-        </p:spPr>
-        <p:txBody>
-          <a:bodyPr wrap="square" rtlCol="0">
-            <a:spAutoFit/>
-          </a:bodyPr>
-          <a:lstStyle/>
-          <a:p>
-            <a:r>
-              <a:rPr lang="en-US" altLang="zh-CN" sz="1200" b="1" dirty="0" smtClean="0">
-                <a:latin typeface="微软雅黑" panose="020B0503020204020204" pitchFamily="34" charset="-122"/>
-                <a:ea typeface="微软雅黑" panose="020B0503020204020204" pitchFamily="34" charset="-122"/>
-              </a:rPr>
-              <a:t>0.9V, 0.3-0.4-0.5</a:t>
-            </a:r>
-          </a:p>
-        </p:txBody>
-      </p:sp>
-      <p:sp>
-        <p:nvSpPr>
-          <p:cNvPr id="9" name="矩形 8"/>
-          <p:cNvSpPr/>
-          <p:nvPr/>
-        </p:nvSpPr>
-        <p:spPr>
-          <a:xfrm flipH="1">
-            <a:off x="2170261" y="5113020"/>
-            <a:ext cx="1569253" cy="276999"/>
-          </a:xfrm>
-          <a:prstGeom prst="rect">
-            <a:avLst/>
-          </a:prstGeom>
-        </p:spPr>
-        <p:txBody>
-          <a:bodyPr wrap="square">
-            <a:spAutoFit/>
-          </a:bodyPr>
-          <a:lstStyle/>
-          <a:p>
-            <a:r>
-              <a:rPr lang="en-US" altLang="zh-CN" sz="1200" b="1" dirty="0" smtClean="0">
-                <a:latin typeface="Times New Roman" panose="02020603050405020304" pitchFamily="18" charset="0"/>
-                <a:cs typeface="Times New Roman" panose="02020603050405020304" pitchFamily="18" charset="0"/>
-              </a:rPr>
-              <a:t>I = </a:t>
-            </a:r>
-            <a:r>
-              <a:rPr lang="zh-CN" altLang="en-US" sz="1200" b="1" dirty="0" smtClean="0">
-                <a:latin typeface="Times New Roman" panose="02020603050405020304" pitchFamily="18" charset="0"/>
-                <a:cs typeface="Times New Roman" panose="02020603050405020304" pitchFamily="18" charset="0"/>
-              </a:rPr>
-              <a:t>0</a:t>
-            </a:r>
-            <a:r>
-              <a:rPr lang="zh-CN" altLang="en-US" sz="1200" b="1" dirty="0">
-                <a:latin typeface="Times New Roman" panose="02020603050405020304" pitchFamily="18" charset="0"/>
-                <a:cs typeface="Times New Roman" panose="02020603050405020304" pitchFamily="18" charset="0"/>
-              </a:rPr>
-              <a:t>.017589</a:t>
-            </a:r>
-          </a:p>
-        </p:txBody>
-      </p:sp>
-      <p:sp>
-        <p:nvSpPr>
-          <p:cNvPr id="10" name="矩形 9"/>
-          <p:cNvSpPr/>
-          <p:nvPr/>
-        </p:nvSpPr>
-        <p:spPr>
-          <a:xfrm flipH="1">
-            <a:off x="6029324" y="5113019"/>
-            <a:ext cx="1569253" cy="276999"/>
-          </a:xfrm>
-          <a:prstGeom prst="rect">
-            <a:avLst/>
-          </a:prstGeom>
-        </p:spPr>
-        <p:txBody>
-          <a:bodyPr wrap="square">
-            <a:spAutoFit/>
-          </a:bodyPr>
-          <a:lstStyle/>
-          <a:p>
-            <a:r>
-              <a:rPr lang="en-US" altLang="zh-CN" sz="1200" b="1" dirty="0" smtClean="0">
-                <a:latin typeface="Times New Roman" panose="02020603050405020304" pitchFamily="18" charset="0"/>
-                <a:cs typeface="Times New Roman" panose="02020603050405020304" pitchFamily="18" charset="0"/>
-              </a:rPr>
-              <a:t>I </a:t>
-            </a:r>
-            <a:r>
-              <a:rPr lang="en-US" altLang="zh-CN" sz="1200" b="1" dirty="0">
-                <a:latin typeface="Times New Roman" panose="02020603050405020304" pitchFamily="18" charset="0"/>
-                <a:cs typeface="Times New Roman" panose="02020603050405020304" pitchFamily="18" charset="0"/>
-              </a:rPr>
-              <a:t>= 1.0636</a:t>
-            </a:r>
-            <a:endParaRPr lang="zh-CN" altLang="en-US" sz="1200" b="1" dirty="0">
-              <a:latin typeface="Times New Roman" panose="02020603050405020304" pitchFamily="18" charset="0"/>
-              <a:cs typeface="Times New Roman" panose="02020603050405020304" pitchFamily="18" charset="0"/>
-            </a:endParaRPr>
-          </a:p>
-        </p:txBody>
-      </p:sp>
-      <p:sp>
-        <p:nvSpPr>
-          <p:cNvPr id="11" name="矩形 10"/>
-          <p:cNvSpPr/>
-          <p:nvPr/>
-        </p:nvSpPr>
-        <p:spPr>
-          <a:xfrm flipH="1">
-            <a:off x="2589847" y="5390019"/>
-            <a:ext cx="1569253" cy="276999"/>
-          </a:xfrm>
-          <a:prstGeom prst="rect">
-            <a:avLst/>
-          </a:prstGeom>
-        </p:spPr>
-        <p:txBody>
-          <a:bodyPr wrap="square">
-            <a:spAutoFit/>
-          </a:bodyPr>
-          <a:lstStyle/>
-          <a:p>
-            <a:r>
-              <a:rPr lang="en-US" altLang="zh-CN" sz="1200" b="1" dirty="0" smtClean="0">
-                <a:latin typeface="Times New Roman" panose="02020603050405020304" pitchFamily="18" charset="0"/>
-                <a:cs typeface="Times New Roman" panose="02020603050405020304" pitchFamily="18" charset="0"/>
-              </a:rPr>
-              <a:t>I =</a:t>
-            </a:r>
-            <a:endParaRPr lang="zh-CN" altLang="en-US" sz="1200" b="1" dirty="0">
-              <a:latin typeface="Times New Roman" panose="02020603050405020304" pitchFamily="18" charset="0"/>
-              <a:cs typeface="Times New Roman" panose="02020603050405020304" pitchFamily="18" charset="0"/>
-            </a:endParaRPr>
-          </a:p>
-        </p:txBody>
-      </p:sp>
-      <p:sp>
-        <p:nvSpPr>
-          <p:cNvPr id="12" name="矩形 11"/>
-          <p:cNvSpPr/>
-          <p:nvPr/>
-        </p:nvSpPr>
-        <p:spPr>
-          <a:xfrm flipH="1">
-            <a:off x="6488430" y="5390018"/>
-            <a:ext cx="1569253" cy="276999"/>
-          </a:xfrm>
-          <a:prstGeom prst="rect">
-            <a:avLst/>
-          </a:prstGeom>
-        </p:spPr>
-        <p:txBody>
-          <a:bodyPr wrap="square">
-            <a:spAutoFit/>
-          </a:bodyPr>
-          <a:lstStyle/>
-          <a:p>
-            <a:r>
-              <a:rPr lang="en-US" altLang="zh-CN" sz="1200" b="1" dirty="0" smtClean="0">
-                <a:latin typeface="Times New Roman" panose="02020603050405020304" pitchFamily="18" charset="0"/>
-                <a:cs typeface="Times New Roman" panose="02020603050405020304" pitchFamily="18" charset="0"/>
-              </a:rPr>
-              <a:t>I =</a:t>
-            </a:r>
-            <a:endParaRPr lang="zh-CN" altLang="en-US" sz="1200" b="1" dirty="0">
-              <a:latin typeface="Times New Roman" panose="02020603050405020304" pitchFamily="18" charset="0"/>
-              <a:cs typeface="Times New Roman" panose="02020603050405020304" pitchFamily="18" charset="0"/>
-            </a:endParaRPr>
-          </a:p>
-        </p:txBody>
-      </p:sp>
-      <p:sp>
-        <p:nvSpPr>
-          <p:cNvPr id="13" name="矩形 12"/>
-          <p:cNvSpPr/>
-          <p:nvPr/>
-        </p:nvSpPr>
-        <p:spPr>
-          <a:xfrm>
-            <a:off x="3605102" y="2797433"/>
-            <a:ext cx="1107996" cy="369332"/>
-          </a:xfrm>
-          <a:prstGeom prst="rect">
-            <a:avLst/>
-          </a:prstGeom>
+          <a:ln>
+            <a:noFill/>
+          </a:ln>
+          <a:extLst>
+            <a:ext uri="{909E8E84-426E-40DD-AFC4-6F175D3DCCD1}">
+              <a14:hiddenFill xmlns:a14="http://schemas.microsoft.com/office/drawing/2010/main">
+                <a:solidFill>
+                  <a:srgbClr val="FFFFFF"/>
+                </a:solidFill>
+              </a14:hiddenFill>
+            </a:ext>
+            <a:ext uri="{91240B29-F687-4F45-9708-019B960494DF}">
+              <a14:hiddenLine xmlns:a14="http://schemas.microsoft.com/office/drawing/2010/main" w="9525">
+                <a:solidFill>
+                  <a:srgbClr val="000000"/>
+                </a:solidFill>
+                <a:miter lim="800000"/>
+                <a:headEnd/>
+                <a:tailEnd/>
+              </a14:hiddenLine>
+            </a:ext>
+          </a:extLst>
         </p:spPr>
         <p:txBody>
           <a:bodyPr wrap="none">
             <a:spAutoFit/>
           </a:bodyPr>
-          <a:lstStyle/>
-          <a:p>
-            <a:r>
-              <a:rPr lang="zh-CN" altLang="en-US" b="1" dirty="0" smtClean="0">
+          <a:lstStyle>
+            <a:lvl1pPr>
+              <a:spcBef>
+                <a:spcPct val="20000"/>
+              </a:spcBef>
+              <a:buFont typeface="Arial" panose="020B0604020202020204" pitchFamily="34" charset="0"/>
+              <a:buChar char="•"/>
+              <a:defRPr sz="3200">
+                <a:solidFill>
+                  <a:schemeClr val="tx1"/>
+                </a:solidFill>
+                <a:latin typeface="Calibri" panose="020F0502020204030204" pitchFamily="34" charset="0"/>
+                <a:ea typeface="宋体" panose="02010600030101010101" pitchFamily="2" charset="-122"/>
+                <a:sym typeface="Calibri" panose="020F0502020204030204" pitchFamily="34" charset="0"/>
+              </a:defRPr>
+            </a:lvl1pPr>
+            <a:lvl2pPr marL="742950" indent="-285750">
+              <a:spcBef>
+                <a:spcPct val="20000"/>
+              </a:spcBef>
+              <a:buFont typeface="Arial" panose="020B0604020202020204" pitchFamily="34" charset="0"/>
+              <a:buChar char="–"/>
+              <a:defRPr sz="2800">
+                <a:solidFill>
+                  <a:schemeClr val="tx1"/>
+                </a:solidFill>
+                <a:latin typeface="Calibri" panose="020F0502020204030204" pitchFamily="34" charset="0"/>
+                <a:ea typeface="宋体" panose="02010600030101010101" pitchFamily="2" charset="-122"/>
+                <a:sym typeface="Calibri" panose="020F0502020204030204" pitchFamily="34" charset="0"/>
+              </a:defRPr>
+            </a:lvl2pPr>
+            <a:lvl3pPr marL="1143000" indent="-228600">
+              <a:spcBef>
+                <a:spcPct val="20000"/>
+              </a:spcBef>
+              <a:buFont typeface="Arial" panose="020B0604020202020204" pitchFamily="34" charset="0"/>
+              <a:buChar char="•"/>
+              <a:defRPr sz="2400">
+                <a:solidFill>
+                  <a:schemeClr val="tx1"/>
+                </a:solidFill>
+                <a:latin typeface="Calibri" panose="020F0502020204030204" pitchFamily="34" charset="0"/>
+                <a:ea typeface="宋体" panose="02010600030101010101" pitchFamily="2" charset="-122"/>
+                <a:sym typeface="Calibri" panose="020F0502020204030204" pitchFamily="34" charset="0"/>
+              </a:defRPr>
+            </a:lvl3pPr>
+            <a:lvl4pPr marL="1600200" indent="-228600">
+              <a:spcBef>
+                <a:spcPct val="20000"/>
+              </a:spcBef>
+              <a:buFont typeface="Arial" panose="020B0604020202020204" pitchFamily="34" charset="0"/>
+              <a:buChar char="–"/>
+              <a:defRPr sz="2000">
+                <a:solidFill>
+                  <a:schemeClr val="tx1"/>
+                </a:solidFill>
+                <a:latin typeface="Calibri" panose="020F0502020204030204" pitchFamily="34" charset="0"/>
+                <a:ea typeface="宋体" panose="02010600030101010101" pitchFamily="2" charset="-122"/>
+                <a:sym typeface="Calibri" panose="020F0502020204030204" pitchFamily="34" charset="0"/>
+              </a:defRPr>
+            </a:lvl4pPr>
+            <a:lvl5pPr marL="2057400" indent="-228600">
+              <a:spcBef>
+                <a:spcPct val="20000"/>
+              </a:spcBef>
+              <a:buFont typeface="Arial" panose="020B0604020202020204" pitchFamily="34" charset="0"/>
+              <a:buChar char="»"/>
+              <a:defRPr sz="2000">
+                <a:solidFill>
+                  <a:schemeClr val="tx1"/>
+                </a:solidFill>
+                <a:latin typeface="Calibri" panose="020F0502020204030204" pitchFamily="34" charset="0"/>
+                <a:ea typeface="宋体" panose="02010600030101010101" pitchFamily="2" charset="-122"/>
+                <a:sym typeface="Calibri" panose="020F0502020204030204" pitchFamily="34" charset="0"/>
+              </a:defRPr>
+            </a:lvl5pPr>
+            <a:lvl6pPr marL="2514600" indent="-228600" eaLnBrk="0" fontAlgn="base" hangingPunct="0">
+              <a:spcBef>
+                <a:spcPct val="20000"/>
+              </a:spcBef>
+              <a:spcAft>
+                <a:spcPct val="0"/>
+              </a:spcAft>
+              <a:buFont typeface="Arial" panose="020B0604020202020204" pitchFamily="34" charset="0"/>
+              <a:buChar char="»"/>
+              <a:defRPr sz="2000">
+                <a:solidFill>
+                  <a:schemeClr val="tx1"/>
+                </a:solidFill>
+                <a:latin typeface="Calibri" panose="020F0502020204030204" pitchFamily="34" charset="0"/>
+                <a:ea typeface="宋体" panose="02010600030101010101" pitchFamily="2" charset="-122"/>
+                <a:sym typeface="Calibri" panose="020F0502020204030204" pitchFamily="34" charset="0"/>
+              </a:defRPr>
+            </a:lvl6pPr>
+            <a:lvl7pPr marL="2971800" indent="-228600" eaLnBrk="0" fontAlgn="base" hangingPunct="0">
+              <a:spcBef>
+                <a:spcPct val="20000"/>
+              </a:spcBef>
+              <a:spcAft>
+                <a:spcPct val="0"/>
+              </a:spcAft>
+              <a:buFont typeface="Arial" panose="020B0604020202020204" pitchFamily="34" charset="0"/>
+              <a:buChar char="»"/>
+              <a:defRPr sz="2000">
+                <a:solidFill>
+                  <a:schemeClr val="tx1"/>
+                </a:solidFill>
+                <a:latin typeface="Calibri" panose="020F0502020204030204" pitchFamily="34" charset="0"/>
+                <a:ea typeface="宋体" panose="02010600030101010101" pitchFamily="2" charset="-122"/>
+                <a:sym typeface="Calibri" panose="020F0502020204030204" pitchFamily="34" charset="0"/>
+              </a:defRPr>
+            </a:lvl7pPr>
+            <a:lvl8pPr marL="3429000" indent="-228600" eaLnBrk="0" fontAlgn="base" hangingPunct="0">
+              <a:spcBef>
+                <a:spcPct val="20000"/>
+              </a:spcBef>
+              <a:spcAft>
+                <a:spcPct val="0"/>
+              </a:spcAft>
+              <a:buFont typeface="Arial" panose="020B0604020202020204" pitchFamily="34" charset="0"/>
+              <a:buChar char="»"/>
+              <a:defRPr sz="2000">
+                <a:solidFill>
+                  <a:schemeClr val="tx1"/>
+                </a:solidFill>
+                <a:latin typeface="Calibri" panose="020F0502020204030204" pitchFamily="34" charset="0"/>
+                <a:ea typeface="宋体" panose="02010600030101010101" pitchFamily="2" charset="-122"/>
+                <a:sym typeface="Calibri" panose="020F0502020204030204" pitchFamily="34" charset="0"/>
+              </a:defRPr>
+            </a:lvl8pPr>
+            <a:lvl9pPr marL="3886200" indent="-228600" eaLnBrk="0" fontAlgn="base" hangingPunct="0">
+              <a:spcBef>
+                <a:spcPct val="20000"/>
+              </a:spcBef>
+              <a:spcAft>
+                <a:spcPct val="0"/>
+              </a:spcAft>
+              <a:buFont typeface="Arial" panose="020B0604020202020204" pitchFamily="34" charset="0"/>
+              <a:buChar char="»"/>
+              <a:defRPr sz="2000">
+                <a:solidFill>
+                  <a:schemeClr val="tx1"/>
+                </a:solidFill>
+                <a:latin typeface="Calibri" panose="020F0502020204030204" pitchFamily="34" charset="0"/>
+                <a:ea typeface="宋体" panose="02010600030101010101" pitchFamily="2" charset="-122"/>
+                <a:sym typeface="Calibri" panose="020F0502020204030204" pitchFamily="34" charset="0"/>
+              </a:defRPr>
+            </a:lvl9pPr>
+          </a:lstStyle>
+          <a:p>
+            <a:pPr>
+              <a:lnSpc>
+                <a:spcPct val="150000"/>
+              </a:lnSpc>
+              <a:spcBef>
+                <a:spcPct val="0"/>
+              </a:spcBef>
+              <a:buFontTx/>
+              <a:buNone/>
+            </a:pPr>
+            <a:r>
+              <a:rPr lang="en-US" altLang="zh-CN" sz="2800" b="1" dirty="0" smtClean="0">
+                <a:solidFill>
+                  <a:srgbClr val="3333FF"/>
+                </a:solidFill>
+                <a:latin typeface="Times New Roman" panose="02020603050405020304" pitchFamily="18" charset="0"/>
+                <a:ea typeface="微软雅黑" panose="020B0503020204020204" pitchFamily="34" charset="-122"/>
+                <a:cs typeface="Times New Roman" panose="02020603050405020304" pitchFamily="18" charset="0"/>
+              </a:rPr>
+              <a:t>1</a:t>
+            </a:r>
+            <a:r>
+              <a:rPr lang="zh-CN" altLang="en-US" sz="2800" b="1" dirty="0" smtClean="0">
+                <a:solidFill>
+                  <a:srgbClr val="3333FF"/>
+                </a:solidFill>
+                <a:latin typeface="Times New Roman" panose="02020603050405020304" pitchFamily="18" charset="0"/>
+                <a:ea typeface="微软雅黑" panose="020B0503020204020204" pitchFamily="34" charset="-122"/>
+                <a:cs typeface="Times New Roman" panose="02020603050405020304" pitchFamily="18" charset="0"/>
+              </a:rPr>
+              <a:t>、问题描述</a:t>
+            </a:r>
+            <a:endParaRPr lang="zh-CN" altLang="en-US" sz="2800" b="1" dirty="0">
+              <a:solidFill>
+                <a:srgbClr val="3333FF"/>
+              </a:solidFill>
+              <a:latin typeface="微软雅黑" panose="020B0503020204020204" pitchFamily="34" charset="-122"/>
+              <a:ea typeface="微软雅黑" panose="020B0503020204020204" pitchFamily="34" charset="-122"/>
+              <a:cs typeface="Times New Roman" panose="02020603050405020304" pitchFamily="18" charset="0"/>
+            </a:endParaRPr>
+          </a:p>
+        </p:txBody>
+      </p:sp>
+      <p:grpSp>
+        <p:nvGrpSpPr>
+          <p:cNvPr id="12" name="组合 12"/>
+          <p:cNvGrpSpPr>
+            <a:grpSpLocks/>
+          </p:cNvGrpSpPr>
+          <p:nvPr/>
+        </p:nvGrpSpPr>
+        <p:grpSpPr bwMode="auto">
+          <a:xfrm>
+            <a:off x="125413" y="731838"/>
+            <a:ext cx="2868612" cy="465137"/>
+            <a:chOff x="124668" y="732018"/>
+            <a:chExt cx="3120950" cy="465081"/>
+          </a:xfrm>
+        </p:grpSpPr>
+        <p:sp>
+          <p:nvSpPr>
+            <p:cNvPr id="13" name="矩形 12">
+              <a:extLst>
+                <a:ext uri="{FF2B5EF4-FFF2-40B4-BE49-F238E27FC236}">
+                  <a16:creationId xmlns:a16="http://schemas.microsoft.com/office/drawing/2014/main" id="{ACFF976D-C10F-4773-B6C0-A8EF394982B5}"/>
+                </a:ext>
+              </a:extLst>
+            </p:cNvPr>
+            <p:cNvSpPr/>
+            <p:nvPr/>
+          </p:nvSpPr>
+          <p:spPr>
+            <a:xfrm>
+              <a:off x="360713" y="732018"/>
+              <a:ext cx="2884905" cy="455033"/>
+            </a:xfrm>
+            <a:prstGeom prst="rect">
+              <a:avLst/>
+            </a:prstGeom>
+            <a:gradFill flip="none" rotWithShape="0">
+              <a:gsLst>
+                <a:gs pos="0">
+                  <a:srgbClr val="0070C0">
+                    <a:shade val="30000"/>
+                    <a:satMod val="115000"/>
+                  </a:srgbClr>
+                </a:gs>
+                <a:gs pos="50000">
+                  <a:srgbClr val="0070C0">
+                    <a:shade val="67500"/>
+                    <a:satMod val="115000"/>
+                  </a:srgbClr>
+                </a:gs>
+                <a:gs pos="100000">
+                  <a:srgbClr val="0070C0">
+                    <a:shade val="100000"/>
+                    <a:satMod val="115000"/>
+                  </a:srgbClr>
+                </a:gs>
+              </a:gsLst>
+              <a:lin ang="13500000" scaled="1"/>
+              <a:tileRect/>
+            </a:gradFill>
+            <a:scene3d>
+              <a:camera prst="orthographicFront"/>
+              <a:lightRig rig="flat" dir="t"/>
+            </a:scene3d>
+            <a:sp3d prstMaterial="dkEdge">
+              <a:bevelT w="8200" h="38100"/>
+            </a:sp3d>
+          </p:spPr>
+          <p:style>
+            <a:lnRef idx="0">
+              <a:schemeClr val="lt1">
+                <a:hueOff val="0"/>
+                <a:satOff val="0"/>
+                <a:lumOff val="0"/>
+                <a:alphaOff val="0"/>
+              </a:schemeClr>
+            </a:lnRef>
+            <a:fillRef idx="2">
+              <a:scrgbClr r="0" g="0" b="0"/>
+            </a:fillRef>
+            <a:effectRef idx="1">
+              <a:schemeClr val="accent6">
+                <a:shade val="80000"/>
+                <a:hueOff val="0"/>
+                <a:satOff val="0"/>
+                <a:lumOff val="0"/>
+                <a:alphaOff val="0"/>
+              </a:schemeClr>
+            </a:effectRef>
+            <a:fontRef idx="minor">
+              <a:schemeClr val="dk1"/>
+            </a:fontRef>
+          </p:style>
+        </p:sp>
+        <p:sp>
+          <p:nvSpPr>
+            <p:cNvPr id="14" name="文本框 13">
+              <a:extLst>
+                <a:ext uri="{FF2B5EF4-FFF2-40B4-BE49-F238E27FC236}">
+                  <a16:creationId xmlns:a16="http://schemas.microsoft.com/office/drawing/2014/main" id="{3583D282-40E0-4567-95F3-C6CD9EBD4A2A}"/>
+                </a:ext>
+              </a:extLst>
+            </p:cNvPr>
+            <p:cNvSpPr txBox="1"/>
+            <p:nvPr/>
+          </p:nvSpPr>
+          <p:spPr>
+            <a:xfrm>
+              <a:off x="124668" y="742066"/>
+              <a:ext cx="3035630" cy="455033"/>
+            </a:xfrm>
+            <a:prstGeom prst="rect">
+              <a:avLst/>
+            </a:prstGeom>
+            <a:scene3d>
+              <a:camera prst="orthographicFront"/>
+              <a:lightRig rig="flat" dir="t"/>
+            </a:scene3d>
+            <a:sp3d/>
+          </p:spPr>
+          <p:style>
+            <a:lnRef idx="0">
+              <a:scrgbClr r="0" g="0" b="0"/>
+            </a:lnRef>
+            <a:fillRef idx="0">
+              <a:scrgbClr r="0" g="0" b="0"/>
+            </a:fillRef>
+            <a:effectRef idx="0">
+              <a:scrgbClr r="0" g="0" b="0"/>
+            </a:effectRef>
+            <a:fontRef idx="minor">
+              <a:schemeClr val="dk1"/>
+            </a:fontRef>
+          </p:style>
+          <p:txBody>
+            <a:bodyPr lIns="361183" tIns="55880" rIns="55880" bIns="55880" spcCol="1270" anchor="ctr"/>
+            <a:lstStyle/>
+            <a:p>
+              <a:pPr defTabSz="977900">
+                <a:lnSpc>
+                  <a:spcPct val="90000"/>
+                </a:lnSpc>
+                <a:spcAft>
+                  <a:spcPts val="0"/>
+                </a:spcAft>
+                <a:tabLst>
+                  <a:tab pos="444500" algn="l"/>
+                </a:tabLst>
+                <a:defRPr/>
+              </a:pPr>
+              <a:r>
+                <a:rPr lang="zh-CN" altLang="en-US" sz="2200" dirty="0" smtClean="0">
+                  <a:solidFill>
+                    <a:schemeClr val="bg1"/>
+                  </a:solidFill>
+                  <a:latin typeface="Times New Roman" panose="02020603050405020304" pitchFamily="18" charset="0"/>
+                  <a:ea typeface="微软雅黑" panose="020B0503020204020204" pitchFamily="34" charset="-122"/>
+                  <a:cs typeface="Times New Roman" panose="02020603050405020304" pitchFamily="18" charset="0"/>
+                </a:rPr>
+                <a:t>（</a:t>
+              </a:r>
+              <a:r>
+                <a:rPr lang="en-US" altLang="zh-CN" sz="2200" dirty="0" smtClean="0">
+                  <a:solidFill>
+                    <a:schemeClr val="bg1"/>
+                  </a:solidFill>
+                  <a:latin typeface="Times New Roman" panose="02020603050405020304" pitchFamily="18" charset="0"/>
+                  <a:ea typeface="微软雅黑" panose="020B0503020204020204" pitchFamily="34" charset="-122"/>
+                  <a:cs typeface="Times New Roman" panose="02020603050405020304" pitchFamily="18" charset="0"/>
+                </a:rPr>
+                <a:t>3</a:t>
+              </a:r>
+              <a:r>
+                <a:rPr lang="zh-CN" altLang="en-US" sz="2200" dirty="0" smtClean="0">
+                  <a:solidFill>
+                    <a:schemeClr val="bg1"/>
+                  </a:solidFill>
+                  <a:latin typeface="Times New Roman" panose="02020603050405020304" pitchFamily="18" charset="0"/>
+                  <a:ea typeface="微软雅黑" panose="020B0503020204020204" pitchFamily="34" charset="-122"/>
+                  <a:cs typeface="Times New Roman" panose="02020603050405020304" pitchFamily="18" charset="0"/>
+                </a:rPr>
+                <a:t>）</a:t>
+              </a:r>
+              <a:r>
+                <a:rPr lang="zh-CN" altLang="en-US" sz="2200" dirty="0" smtClean="0">
+                  <a:solidFill>
+                    <a:schemeClr val="bg1"/>
+                  </a:solidFill>
+                  <a:latin typeface="微软雅黑" panose="020B0503020204020204" pitchFamily="34" charset="-122"/>
+                  <a:ea typeface="微软雅黑" panose="020B0503020204020204" pitchFamily="34" charset="-122"/>
+                  <a:cs typeface="Times New Roman" panose="02020603050405020304" pitchFamily="18" charset="0"/>
+                </a:rPr>
+                <a:t>模型</a:t>
+              </a:r>
+              <a:r>
+                <a:rPr lang="zh-CN" altLang="en-US" sz="2200" dirty="0">
+                  <a:solidFill>
+                    <a:schemeClr val="bg1"/>
+                  </a:solidFill>
+                  <a:latin typeface="微软雅黑" panose="020B0503020204020204" pitchFamily="34" charset="-122"/>
+                  <a:ea typeface="微软雅黑" panose="020B0503020204020204" pitchFamily="34" charset="-122"/>
+                  <a:cs typeface="Times New Roman" panose="02020603050405020304" pitchFamily="18" charset="0"/>
+                </a:rPr>
+                <a:t>验证</a:t>
+              </a:r>
+              <a:endParaRPr lang="zh-CN" altLang="en-US" sz="2200" dirty="0">
+                <a:solidFill>
+                  <a:schemeClr val="bg1"/>
+                </a:solidFill>
                 <a:latin typeface="微软雅黑" panose="020B0503020204020204" pitchFamily="34" charset="-122"/>
                 <a:ea typeface="微软雅黑" panose="020B0503020204020204" pitchFamily="34" charset="-122"/>
-              </a:rPr>
-              <a:t>水饱和度</a:t>
-            </a:r>
-            <a:endParaRPr lang="zh-CN" altLang="en-US" dirty="0"/>
-          </a:p>
-        </p:txBody>
-      </p:sp>
+              </a:endParaRPr>
+            </a:p>
+          </p:txBody>
+        </p:sp>
+      </p:grpSp>
     </p:spTree>
     <p:extLst>
       <p:ext uri="{BB962C8B-B14F-4D97-AF65-F5344CB8AC3E}">
-        <p14:creationId xmlns:p14="http://schemas.microsoft.com/office/powerpoint/2010/main" val="1101883155"/>
+        <p14:creationId xmlns:p14="http://schemas.microsoft.com/office/powerpoint/2010/main" val="2185512115"/>
+      </p:ext>
+    </p:extLst>
+  </p:cSld>
+  <p:clrMapOvr>
+    <a:masterClrMapping/>
+  </p:clrMapOvr>
+  <p:timing>
+    <p:tnLst>
+      <p:par>
+        <p:cTn id="1" dur="indefinite" restart="never" nodeType="tmRoot">
+          <p:childTnLst>
+            <p:seq concurrent="1" nextAc="seek">
+              <p:cTn id="2" dur="indefinite" nodeType="mainSeq">
+                <p:childTnLst>
+                  <p:par>
+                    <p:cTn id="3" fill="hold">
+                      <p:stCondLst>
+                        <p:cond delay="indefinite"/>
+                      </p:stCondLst>
+                      <p:childTnLst>
+                        <p:par>
+                          <p:cTn id="4" fill="hold">
+                            <p:stCondLst>
+                              <p:cond delay="0"/>
+                            </p:stCondLst>
+                            <p:childTnLst>
+                              <p:par>
+                                <p:cTn id="5" presetID="1" presetClass="entr" presetSubtype="0" fill="hold" grpId="0" nodeType="clickEffect">
+                                  <p:stCondLst>
+                                    <p:cond delay="0"/>
+                                  </p:stCondLst>
+                                  <p:childTnLst>
+                                    <p:set>
+                                      <p:cBhvr>
+                                        <p:cTn id="6" dur="1" fill="hold">
+                                          <p:stCondLst>
+                                            <p:cond delay="0"/>
+                                          </p:stCondLst>
+                                        </p:cTn>
+                                        <p:tgtEl>
+                                          <p:spTgt spid="4"/>
+                                        </p:tgtEl>
+                                        <p:attrNameLst>
+                                          <p:attrName>style.visibility</p:attrName>
+                                        </p:attrNameLst>
+                                      </p:cBhvr>
+                                      <p:to>
+                                        <p:strVal val="visible"/>
+                                      </p:to>
+                                    </p:set>
+                                  </p:childTnLst>
+                                </p:cTn>
+                              </p:par>
+                              <p:par>
+                                <p:cTn id="7" presetID="1" presetClass="entr" presetSubtype="0" fill="hold" grpId="0" nodeType="withEffect">
+                                  <p:stCondLst>
+                                    <p:cond delay="0"/>
+                                  </p:stCondLst>
+                                  <p:childTnLst>
+                                    <p:set>
+                                      <p:cBhvr>
+                                        <p:cTn id="8" dur="1" fill="hold">
+                                          <p:stCondLst>
+                                            <p:cond delay="0"/>
+                                          </p:stCondLst>
+                                        </p:cTn>
+                                        <p:tgtEl>
+                                          <p:spTgt spid="5"/>
+                                        </p:tgtEl>
+                                        <p:attrNameLst>
+                                          <p:attrName>style.visibility</p:attrName>
+                                        </p:attrNameLst>
+                                      </p:cBhvr>
+                                      <p:to>
+                                        <p:strVal val="visible"/>
+                                      </p:to>
+                                    </p:set>
+                                  </p:childTnLst>
+                                </p:cTn>
+                              </p:par>
+                              <p:par>
+                                <p:cTn id="9" presetID="1" presetClass="entr" presetSubtype="0" fill="hold" nodeType="withEffect">
+                                  <p:stCondLst>
+                                    <p:cond delay="0"/>
+                                  </p:stCondLst>
+                                  <p:childTnLst>
+                                    <p:set>
+                                      <p:cBhvr>
+                                        <p:cTn id="10" dur="1" fill="hold">
+                                          <p:stCondLst>
+                                            <p:cond delay="0"/>
+                                          </p:stCondLst>
+                                        </p:cTn>
+                                        <p:tgtEl>
+                                          <p:spTgt spid="9"/>
+                                        </p:tgtEl>
+                                        <p:attrNameLst>
+                                          <p:attrName>style.visibility</p:attrName>
+                                        </p:attrNameLst>
+                                      </p:cBhvr>
+                                      <p:to>
+                                        <p:strVal val="visible"/>
+                                      </p:to>
+                                    </p:set>
+                                  </p:childTnLst>
+                                </p:cTn>
+                              </p:par>
+                              <p:par>
+                                <p:cTn id="11" presetID="1" presetClass="entr" presetSubtype="0" fill="hold" grpId="0" nodeType="withEffect">
+                                  <p:stCondLst>
+                                    <p:cond delay="0"/>
+                                  </p:stCondLst>
+                                  <p:childTnLst>
+                                    <p:set>
+                                      <p:cBhvr>
+                                        <p:cTn id="12" dur="1" fill="hold">
+                                          <p:stCondLst>
+                                            <p:cond delay="0"/>
+                                          </p:stCondLst>
+                                        </p:cTn>
+                                        <p:tgtEl>
+                                          <p:spTgt spid="7"/>
+                                        </p:tgtEl>
+                                        <p:attrNameLst>
+                                          <p:attrName>style.visibility</p:attrName>
+                                        </p:attrNameLst>
+                                      </p:cBhvr>
+                                      <p:to>
+                                        <p:strVal val="visible"/>
+                                      </p:to>
+                                    </p:set>
+                                  </p:childTnLst>
+                                </p:cTn>
+                              </p:par>
+                              <p:par>
+                                <p:cTn id="13" presetID="1" presetClass="entr" presetSubtype="0" fill="hold" nodeType="withEffect">
+                                  <p:stCondLst>
+                                    <p:cond delay="0"/>
+                                  </p:stCondLst>
+                                  <p:childTnLst>
+                                    <p:set>
+                                      <p:cBhvr>
+                                        <p:cTn id="14" dur="1" fill="hold">
+                                          <p:stCondLst>
+                                            <p:cond delay="0"/>
+                                          </p:stCondLst>
+                                        </p:cTn>
+                                        <p:tgtEl>
+                                          <p:spTgt spid="10"/>
+                                        </p:tgtEl>
+                                        <p:attrNameLst>
+                                          <p:attrName>style.visibility</p:attrName>
+                                        </p:attrNameLst>
+                                      </p:cBhvr>
+                                      <p:to>
+                                        <p:strVal val="visible"/>
+                                      </p:to>
+                                    </p:set>
+                                  </p:childTnLst>
+                                </p:cTn>
+                              </p:par>
+                              <p:par>
+                                <p:cTn id="15" presetID="1" presetClass="entr" presetSubtype="0" fill="hold" grpId="0" nodeType="withEffect">
+                                  <p:stCondLst>
+                                    <p:cond delay="0"/>
+                                  </p:stCondLst>
+                                  <p:childTnLst>
+                                    <p:set>
+                                      <p:cBhvr>
+                                        <p:cTn id="16" dur="1" fill="hold">
+                                          <p:stCondLst>
+                                            <p:cond delay="0"/>
+                                          </p:stCondLst>
+                                        </p:cTn>
+                                        <p:tgtEl>
+                                          <p:spTgt spid="8"/>
+                                        </p:tgtEl>
+                                        <p:attrNameLst>
+                                          <p:attrName>style.visibility</p:attrName>
+                                        </p:attrNameLst>
+                                      </p:cBhvr>
+                                      <p:to>
+                                        <p:strVal val="visible"/>
+                                      </p:to>
+                                    </p:set>
+                                  </p:childTnLst>
+                                </p:cTn>
+                              </p:par>
+                            </p:childTnLst>
+                          </p:cTn>
+                        </p:par>
+                      </p:childTnLst>
+                    </p:cTn>
+                  </p:par>
+                </p:childTnLst>
+              </p:cTn>
+              <p:prevCondLst>
+                <p:cond evt="onPrev" delay="0">
+                  <p:tgtEl>
+                    <p:sldTgt/>
+                  </p:tgtEl>
+                </p:cond>
+              </p:prevCondLst>
+              <p:nextCondLst>
+                <p:cond evt="onNext" delay="0">
+                  <p:tgtEl>
+                    <p:sldTgt/>
+                  </p:tgtEl>
+                </p:cond>
+              </p:nextCondLst>
+            </p:seq>
+          </p:childTnLst>
+        </p:cTn>
+      </p:par>
+    </p:tnLst>
+    <p:bldLst>
+      <p:bldP spid="4" grpId="0" animBg="1"/>
+      <p:bldP spid="5" grpId="0" animBg="1"/>
+      <p:bldP spid="7" grpId="0" animBg="1"/>
+      <p:bldP spid="8" grpId="0" animBg="1"/>
+    </p:bldLst>
+  </p:timing>
+</p:sld>
+</file>
+
+<file path=ppt/slides/slide5.xml><?xml version="1.0" encoding="utf-8"?>
+<p:sld xmlns:a="http://schemas.openxmlformats.org/drawingml/2006/main" xmlns:r="http://schemas.openxmlformats.org/officeDocument/2006/relationships" xmlns:p="http://schemas.openxmlformats.org/presentationml/2006/main">
+  <p:cSld>
+    <p:spTree>
+      <p:nvGrpSpPr>
+        <p:cNvPr id="1" name=""/>
+        <p:cNvGrpSpPr/>
+        <p:nvPr/>
+      </p:nvGrpSpPr>
+      <p:grpSpPr>
+        <a:xfrm>
+          <a:off x="0" y="0"/>
+          <a:ext cx="0" cy="0"/>
+          <a:chOff x="0" y="0"/>
+          <a:chExt cx="0" cy="0"/>
+        </a:xfrm>
+      </p:grpSpPr>
+    </p:spTree>
+    <p:extLst>
+      <p:ext uri="{BB962C8B-B14F-4D97-AF65-F5344CB8AC3E}">
+        <p14:creationId xmlns:p14="http://schemas.microsoft.com/office/powerpoint/2010/main" val="3956145580"/>
       </p:ext>
     </p:extLst>
   </p:cSld>
@@ -3399,7 +12023,7 @@
 </p:sld>
 </file>
 
-<file path=ppt/slides/slide2.xml><?xml version="1.0" encoding="utf-8"?>
+<file path=ppt/slides/slide6.xml><?xml version="1.0" encoding="utf-8"?>
 <p:sld xmlns:a="http://schemas.openxmlformats.org/drawingml/2006/main" xmlns:r="http://schemas.openxmlformats.org/officeDocument/2006/relationships" xmlns:p="http://schemas.openxmlformats.org/presentationml/2006/main">
   <p:cSld>
     <p:spTree>
@@ -3633,8 +12257,453 @@
           <a:p>
             <a:r>
               <a:rPr lang="en-US" altLang="zh-CN" sz="1200" b="1" dirty="0" smtClean="0">
+                <a:latin typeface="Times New Roman" panose="02020603050405020304" pitchFamily="18" charset="0"/>
+                <a:ea typeface="微软雅黑" panose="020B0503020204020204" pitchFamily="34" charset="-122"/>
+                <a:cs typeface="Times New Roman" panose="02020603050405020304" pitchFamily="18" charset="0"/>
+              </a:rPr>
+              <a:t>0.9V, 0.3-0.4-0.5</a:t>
+            </a:r>
+          </a:p>
+        </p:txBody>
+      </p:sp>
+      <p:sp>
+        <p:nvSpPr>
+          <p:cNvPr id="9" name="矩形 8"/>
+          <p:cNvSpPr/>
+          <p:nvPr/>
+        </p:nvSpPr>
+        <p:spPr>
+          <a:xfrm flipH="1">
+            <a:off x="2170261" y="5113020"/>
+            <a:ext cx="1569253" cy="276999"/>
+          </a:xfrm>
+          <a:prstGeom prst="rect">
+            <a:avLst/>
+          </a:prstGeom>
+        </p:spPr>
+        <p:txBody>
+          <a:bodyPr wrap="square">
+            <a:spAutoFit/>
+          </a:bodyPr>
+          <a:lstStyle/>
+          <a:p>
+            <a:r>
+              <a:rPr lang="en-US" altLang="zh-CN" sz="1200" b="1" dirty="0" smtClean="0">
+                <a:latin typeface="Times New Roman" panose="02020603050405020304" pitchFamily="18" charset="0"/>
+                <a:cs typeface="Times New Roman" panose="02020603050405020304" pitchFamily="18" charset="0"/>
+              </a:rPr>
+              <a:t>I = </a:t>
+            </a:r>
+            <a:r>
+              <a:rPr lang="zh-CN" altLang="en-US" sz="1200" b="1" dirty="0" smtClean="0">
+                <a:latin typeface="Times New Roman" panose="02020603050405020304" pitchFamily="18" charset="0"/>
+                <a:cs typeface="Times New Roman" panose="02020603050405020304" pitchFamily="18" charset="0"/>
+              </a:rPr>
+              <a:t>0</a:t>
+            </a:r>
+            <a:r>
+              <a:rPr lang="zh-CN" altLang="en-US" sz="1200" b="1" dirty="0">
+                <a:latin typeface="Times New Roman" panose="02020603050405020304" pitchFamily="18" charset="0"/>
+                <a:cs typeface="Times New Roman" panose="02020603050405020304" pitchFamily="18" charset="0"/>
+              </a:rPr>
+              <a:t>.017589</a:t>
+            </a:r>
+          </a:p>
+        </p:txBody>
+      </p:sp>
+      <p:sp>
+        <p:nvSpPr>
+          <p:cNvPr id="10" name="矩形 9"/>
+          <p:cNvSpPr/>
+          <p:nvPr/>
+        </p:nvSpPr>
+        <p:spPr>
+          <a:xfrm flipH="1">
+            <a:off x="6029324" y="5113019"/>
+            <a:ext cx="1569253" cy="276999"/>
+          </a:xfrm>
+          <a:prstGeom prst="rect">
+            <a:avLst/>
+          </a:prstGeom>
+        </p:spPr>
+        <p:txBody>
+          <a:bodyPr wrap="square">
+            <a:spAutoFit/>
+          </a:bodyPr>
+          <a:lstStyle/>
+          <a:p>
+            <a:r>
+              <a:rPr lang="en-US" altLang="zh-CN" sz="1200" b="1" dirty="0" smtClean="0">
+                <a:latin typeface="Times New Roman" panose="02020603050405020304" pitchFamily="18" charset="0"/>
+                <a:cs typeface="Times New Roman" panose="02020603050405020304" pitchFamily="18" charset="0"/>
+              </a:rPr>
+              <a:t>I </a:t>
+            </a:r>
+            <a:r>
+              <a:rPr lang="en-US" altLang="zh-CN" sz="1200" b="1" dirty="0">
+                <a:latin typeface="Times New Roman" panose="02020603050405020304" pitchFamily="18" charset="0"/>
+                <a:cs typeface="Times New Roman" panose="02020603050405020304" pitchFamily="18" charset="0"/>
+              </a:rPr>
+              <a:t>= 1.0636</a:t>
+            </a:r>
+            <a:endParaRPr lang="zh-CN" altLang="en-US" sz="1200" b="1" dirty="0">
+              <a:latin typeface="Times New Roman" panose="02020603050405020304" pitchFamily="18" charset="0"/>
+              <a:cs typeface="Times New Roman" panose="02020603050405020304" pitchFamily="18" charset="0"/>
+            </a:endParaRPr>
+          </a:p>
+        </p:txBody>
+      </p:sp>
+      <p:sp>
+        <p:nvSpPr>
+          <p:cNvPr id="11" name="矩形 10"/>
+          <p:cNvSpPr/>
+          <p:nvPr/>
+        </p:nvSpPr>
+        <p:spPr>
+          <a:xfrm flipH="1">
+            <a:off x="2589847" y="5390019"/>
+            <a:ext cx="1569253" cy="276999"/>
+          </a:xfrm>
+          <a:prstGeom prst="rect">
+            <a:avLst/>
+          </a:prstGeom>
+        </p:spPr>
+        <p:txBody>
+          <a:bodyPr wrap="square">
+            <a:spAutoFit/>
+          </a:bodyPr>
+          <a:lstStyle/>
+          <a:p>
+            <a:r>
+              <a:rPr lang="en-US" altLang="zh-CN" sz="1200" b="1" dirty="0" smtClean="0">
+                <a:latin typeface="Times New Roman" panose="02020603050405020304" pitchFamily="18" charset="0"/>
+                <a:cs typeface="Times New Roman" panose="02020603050405020304" pitchFamily="18" charset="0"/>
+              </a:rPr>
+              <a:t>I =</a:t>
+            </a:r>
+            <a:endParaRPr lang="zh-CN" altLang="en-US" sz="1200" b="1" dirty="0">
+              <a:latin typeface="Times New Roman" panose="02020603050405020304" pitchFamily="18" charset="0"/>
+              <a:cs typeface="Times New Roman" panose="02020603050405020304" pitchFamily="18" charset="0"/>
+            </a:endParaRPr>
+          </a:p>
+        </p:txBody>
+      </p:sp>
+      <p:sp>
+        <p:nvSpPr>
+          <p:cNvPr id="12" name="矩形 11"/>
+          <p:cNvSpPr/>
+          <p:nvPr/>
+        </p:nvSpPr>
+        <p:spPr>
+          <a:xfrm flipH="1">
+            <a:off x="6488430" y="5390018"/>
+            <a:ext cx="1569253" cy="276999"/>
+          </a:xfrm>
+          <a:prstGeom prst="rect">
+            <a:avLst/>
+          </a:prstGeom>
+        </p:spPr>
+        <p:txBody>
+          <a:bodyPr wrap="square">
+            <a:spAutoFit/>
+          </a:bodyPr>
+          <a:lstStyle/>
+          <a:p>
+            <a:r>
+              <a:rPr lang="en-US" altLang="zh-CN" sz="1200" b="1" dirty="0" smtClean="0">
+                <a:latin typeface="Times New Roman" panose="02020603050405020304" pitchFamily="18" charset="0"/>
+                <a:cs typeface="Times New Roman" panose="02020603050405020304" pitchFamily="18" charset="0"/>
+              </a:rPr>
+              <a:t>I =</a:t>
+            </a:r>
+            <a:endParaRPr lang="zh-CN" altLang="en-US" sz="1200" b="1" dirty="0">
+              <a:latin typeface="Times New Roman" panose="02020603050405020304" pitchFamily="18" charset="0"/>
+              <a:cs typeface="Times New Roman" panose="02020603050405020304" pitchFamily="18" charset="0"/>
+            </a:endParaRPr>
+          </a:p>
+        </p:txBody>
+      </p:sp>
+      <p:sp>
+        <p:nvSpPr>
+          <p:cNvPr id="13" name="矩形 12"/>
+          <p:cNvSpPr/>
+          <p:nvPr/>
+        </p:nvSpPr>
+        <p:spPr>
+          <a:xfrm>
+            <a:off x="3605102" y="2797433"/>
+            <a:ext cx="1107996" cy="369332"/>
+          </a:xfrm>
+          <a:prstGeom prst="rect">
+            <a:avLst/>
+          </a:prstGeom>
+        </p:spPr>
+        <p:txBody>
+          <a:bodyPr wrap="none">
+            <a:spAutoFit/>
+          </a:bodyPr>
+          <a:lstStyle/>
+          <a:p>
+            <a:r>
+              <a:rPr lang="zh-CN" altLang="en-US" b="1" dirty="0" smtClean="0">
                 <a:latin typeface="微软雅黑" panose="020B0503020204020204" pitchFamily="34" charset="-122"/>
                 <a:ea typeface="微软雅黑" panose="020B0503020204020204" pitchFamily="34" charset="-122"/>
+              </a:rPr>
+              <a:t>水饱和度</a:t>
+            </a:r>
+            <a:endParaRPr lang="zh-CN" altLang="en-US" dirty="0"/>
+          </a:p>
+        </p:txBody>
+      </p:sp>
+    </p:spTree>
+    <p:extLst>
+      <p:ext uri="{BB962C8B-B14F-4D97-AF65-F5344CB8AC3E}">
+        <p14:creationId xmlns:p14="http://schemas.microsoft.com/office/powerpoint/2010/main" val="1101883155"/>
+      </p:ext>
+    </p:extLst>
+  </p:cSld>
+  <p:clrMapOvr>
+    <a:masterClrMapping/>
+  </p:clrMapOvr>
+</p:sld>
+</file>
+
+<file path=ppt/slides/slide7.xml><?xml version="1.0" encoding="utf-8"?>
+<p:sld xmlns:a="http://schemas.openxmlformats.org/drawingml/2006/main" xmlns:r="http://schemas.openxmlformats.org/officeDocument/2006/relationships" xmlns:p="http://schemas.openxmlformats.org/presentationml/2006/main">
+  <p:cSld>
+    <p:spTree>
+      <p:nvGrpSpPr>
+        <p:cNvPr id="1" name=""/>
+        <p:cNvGrpSpPr/>
+        <p:nvPr/>
+      </p:nvGrpSpPr>
+      <p:grpSpPr>
+        <a:xfrm>
+          <a:off x="0" y="0"/>
+          <a:ext cx="0" cy="0"/>
+          <a:chOff x="0" y="0"/>
+          <a:chExt cx="0" cy="0"/>
+        </a:xfrm>
+      </p:grpSpPr>
+      <p:sp>
+        <p:nvSpPr>
+          <p:cNvPr id="2" name="文本框 1"/>
+          <p:cNvSpPr txBox="1"/>
+          <p:nvPr/>
+        </p:nvSpPr>
+        <p:spPr>
+          <a:xfrm>
+            <a:off x="205740" y="297180"/>
+            <a:ext cx="7109460" cy="830997"/>
+          </a:xfrm>
+          <a:prstGeom prst="rect">
+            <a:avLst/>
+          </a:prstGeom>
+          <a:noFill/>
+        </p:spPr>
+        <p:txBody>
+          <a:bodyPr wrap="square" rtlCol="0">
+            <a:spAutoFit/>
+          </a:bodyPr>
+          <a:lstStyle/>
+          <a:p>
+            <a:r>
+              <a:rPr lang="zh-CN" altLang="en-US" sz="2400" b="1" dirty="0" smtClean="0">
+                <a:latin typeface="微软雅黑" panose="020B0503020204020204" pitchFamily="34" charset="-122"/>
+                <a:ea typeface="微软雅黑" panose="020B0503020204020204" pitchFamily="34" charset="-122"/>
+              </a:rPr>
+              <a:t>发现</a:t>
+            </a:r>
+            <a:r>
+              <a:rPr lang="en-US" altLang="zh-CN" sz="2400" b="1" dirty="0" smtClean="0">
+                <a:latin typeface="微软雅黑" panose="020B0503020204020204" pitchFamily="34" charset="-122"/>
+                <a:ea typeface="微软雅黑" panose="020B0503020204020204" pitchFamily="34" charset="-122"/>
+              </a:rPr>
+              <a:t>1</a:t>
+            </a:r>
+            <a:r>
+              <a:rPr lang="zh-CN" altLang="en-US" sz="2400" b="1" dirty="0" smtClean="0">
+                <a:latin typeface="微软雅黑" panose="020B0503020204020204" pitchFamily="34" charset="-122"/>
+                <a:ea typeface="微软雅黑" panose="020B0503020204020204" pitchFamily="34" charset="-122"/>
+              </a:rPr>
+              <a:t>：不同电流密度，减小</a:t>
+            </a:r>
+            <a:r>
+              <a:rPr lang="zh-CN" altLang="en-US" sz="2400" b="1" dirty="0">
+                <a:latin typeface="微软雅黑" panose="020B0503020204020204" pitchFamily="34" charset="-122"/>
+                <a:ea typeface="微软雅黑" panose="020B0503020204020204" pitchFamily="34" charset="-122"/>
+              </a:rPr>
+              <a:t>阴极</a:t>
+            </a:r>
+            <a:r>
+              <a:rPr lang="zh-CN" altLang="en-US" sz="2400" b="1" dirty="0" smtClean="0">
+                <a:latin typeface="微软雅黑" panose="020B0503020204020204" pitchFamily="34" charset="-122"/>
+                <a:ea typeface="微软雅黑" panose="020B0503020204020204" pitchFamily="34" charset="-122"/>
+              </a:rPr>
+              <a:t>入口处的</a:t>
+            </a:r>
+            <a:r>
+              <a:rPr lang="en-US" altLang="zh-CN" sz="2400" b="1" dirty="0" smtClean="0">
+                <a:latin typeface="微软雅黑" panose="020B0503020204020204" pitchFamily="34" charset="-122"/>
+                <a:ea typeface="微软雅黑" panose="020B0503020204020204" pitchFamily="34" charset="-122"/>
+              </a:rPr>
+              <a:t>GDL</a:t>
+            </a:r>
+            <a:r>
+              <a:rPr lang="zh-CN" altLang="en-US" sz="2400" b="1" dirty="0" smtClean="0">
+                <a:latin typeface="微软雅黑" panose="020B0503020204020204" pitchFamily="34" charset="-122"/>
+                <a:ea typeface="微软雅黑" panose="020B0503020204020204" pitchFamily="34" charset="-122"/>
+              </a:rPr>
+              <a:t>孔隙率对水传输和电化学反应速率的影响不同</a:t>
+            </a:r>
+            <a:endParaRPr lang="en-US" altLang="zh-CN" sz="2400" b="1" dirty="0" smtClean="0">
+              <a:latin typeface="微软雅黑" panose="020B0503020204020204" pitchFamily="34" charset="-122"/>
+              <a:ea typeface="微软雅黑" panose="020B0503020204020204" pitchFamily="34" charset="-122"/>
+            </a:endParaRPr>
+          </a:p>
+        </p:txBody>
+      </p:sp>
+      <p:sp>
+        <p:nvSpPr>
+          <p:cNvPr id="4" name="文本框 3"/>
+          <p:cNvSpPr txBox="1"/>
+          <p:nvPr/>
+        </p:nvSpPr>
+        <p:spPr>
+          <a:xfrm>
+            <a:off x="1280160" y="5113020"/>
+            <a:ext cx="1314450" cy="276999"/>
+          </a:xfrm>
+          <a:prstGeom prst="rect">
+            <a:avLst/>
+          </a:prstGeom>
+        </p:spPr>
+        <p:txBody>
+          <a:bodyPr wrap="square">
+            <a:spAutoFit/>
+          </a:bodyPr>
+          <a:lstStyle>
+            <a:defPPr>
+              <a:defRPr lang="en-US"/>
+            </a:defPPr>
+            <a:lvl1pPr>
+              <a:defRPr sz="1200" b="1">
+                <a:latin typeface="Times New Roman" panose="02020603050405020304" pitchFamily="18" charset="0"/>
+                <a:cs typeface="Times New Roman" panose="02020603050405020304" pitchFamily="18" charset="0"/>
+              </a:defRPr>
+            </a:lvl1pPr>
+          </a:lstStyle>
+          <a:p>
+            <a:r>
+              <a:rPr lang="en-US" altLang="zh-CN" dirty="0"/>
+              <a:t>0.6V, 0.4</a:t>
+            </a:r>
+          </a:p>
+        </p:txBody>
+      </p:sp>
+      <p:sp>
+        <p:nvSpPr>
+          <p:cNvPr id="6" name="文本框 5"/>
+          <p:cNvSpPr txBox="1"/>
+          <p:nvPr/>
+        </p:nvSpPr>
+        <p:spPr>
+          <a:xfrm>
+            <a:off x="1280160" y="5390019"/>
+            <a:ext cx="1474470" cy="276999"/>
+          </a:xfrm>
+          <a:prstGeom prst="rect">
+            <a:avLst/>
+          </a:prstGeom>
+        </p:spPr>
+        <p:txBody>
+          <a:bodyPr wrap="square">
+            <a:spAutoFit/>
+          </a:bodyPr>
+          <a:lstStyle>
+            <a:defPPr>
+              <a:defRPr lang="en-US"/>
+            </a:defPPr>
+            <a:lvl1pPr>
+              <a:defRPr sz="1200" b="1">
+                <a:latin typeface="Times New Roman" panose="02020603050405020304" pitchFamily="18" charset="0"/>
+                <a:cs typeface="Times New Roman" panose="02020603050405020304" pitchFamily="18" charset="0"/>
+              </a:defRPr>
+            </a:lvl1pPr>
+          </a:lstStyle>
+          <a:p>
+            <a:r>
+              <a:rPr lang="en-US" altLang="zh-CN" dirty="0"/>
+              <a:t>0.6V, 0.3-0.4-0.5</a:t>
+            </a:r>
+          </a:p>
+        </p:txBody>
+      </p:sp>
+      <p:sp>
+        <p:nvSpPr>
+          <p:cNvPr id="7" name="文本框 6"/>
+          <p:cNvSpPr txBox="1"/>
+          <p:nvPr/>
+        </p:nvSpPr>
+        <p:spPr>
+          <a:xfrm>
+            <a:off x="5044440" y="5113020"/>
+            <a:ext cx="1314450" cy="276999"/>
+          </a:xfrm>
+          <a:prstGeom prst="rect">
+            <a:avLst/>
+          </a:prstGeom>
+          <a:noFill/>
+        </p:spPr>
+        <p:txBody>
+          <a:bodyPr wrap="square" rtlCol="0">
+            <a:spAutoFit/>
+          </a:bodyPr>
+          <a:lstStyle/>
+          <a:p>
+            <a:r>
+              <a:rPr lang="en-US" altLang="zh-CN" sz="1200" b="1" dirty="0">
+                <a:latin typeface="Times New Roman" panose="02020603050405020304" pitchFamily="18" charset="0"/>
+                <a:cs typeface="Times New Roman" panose="02020603050405020304" pitchFamily="18" charset="0"/>
+              </a:rPr>
+              <a:t>0.9V</a:t>
+            </a:r>
+            <a:r>
+              <a:rPr lang="en-US" altLang="zh-CN" sz="1200" b="1" dirty="0">
+                <a:latin typeface="Times New Roman" panose="02020603050405020304" pitchFamily="18" charset="0"/>
+                <a:cs typeface="Times New Roman" panose="02020603050405020304" pitchFamily="18" charset="0"/>
+              </a:rPr>
+              <a:t>, 0.4</a:t>
+            </a:r>
+          </a:p>
+        </p:txBody>
+      </p:sp>
+      <p:sp>
+        <p:nvSpPr>
+          <p:cNvPr id="8" name="文本框 7"/>
+          <p:cNvSpPr txBox="1"/>
+          <p:nvPr/>
+        </p:nvSpPr>
+        <p:spPr>
+          <a:xfrm>
+            <a:off x="5044440" y="5390019"/>
+            <a:ext cx="1474470" cy="276999"/>
+          </a:xfrm>
+          <a:prstGeom prst="rect">
+            <a:avLst/>
+          </a:prstGeom>
+          <a:noFill/>
+        </p:spPr>
+        <p:txBody>
+          <a:bodyPr wrap="square" rtlCol="0">
+            <a:spAutoFit/>
+          </a:bodyPr>
+          <a:lstStyle/>
+          <a:p>
+            <a:r>
+              <a:rPr lang="en-US" altLang="zh-CN" sz="1200" b="1" dirty="0">
+                <a:latin typeface="Times New Roman" panose="02020603050405020304" pitchFamily="18" charset="0"/>
+                <a:cs typeface="Times New Roman" panose="02020603050405020304" pitchFamily="18" charset="0"/>
               </a:rPr>
               <a:t>0.9V, 0.3-0.4-0.5</a:t>
             </a:r>

--- a/Report notes/GDL_PorosityDistribution.pptx
+++ b/Report notes/GDL_PorosityDistribution.pptx
@@ -4,14 +4,19 @@
   <p:sldMasterIdLst>
     <p:sldMasterId id="2147483660" r:id="rId1"/>
   </p:sldMasterIdLst>
+  <p:notesMasterIdLst>
+    <p:notesMasterId r:id="rId11"/>
+  </p:notesMasterIdLst>
   <p:sldIdLst>
-    <p:sldId id="258" r:id="rId2"/>
-    <p:sldId id="259" r:id="rId3"/>
-    <p:sldId id="262" r:id="rId4"/>
-    <p:sldId id="260" r:id="rId5"/>
-    <p:sldId id="261" r:id="rId6"/>
-    <p:sldId id="256" r:id="rId7"/>
-    <p:sldId id="257" r:id="rId8"/>
+    <p:sldId id="261" r:id="rId2"/>
+    <p:sldId id="258" r:id="rId3"/>
+    <p:sldId id="264" r:id="rId4"/>
+    <p:sldId id="259" r:id="rId5"/>
+    <p:sldId id="262" r:id="rId6"/>
+    <p:sldId id="260" r:id="rId7"/>
+    <p:sldId id="256" r:id="rId8"/>
+    <p:sldId id="257" r:id="rId9"/>
+    <p:sldId id="263" r:id="rId10"/>
   </p:sldIdLst>
   <p:sldSz cx="9144000" cy="6858000" type="screen4x3"/>
   <p:notesSz cx="6858000" cy="9144000"/>
@@ -118,6 +123,504 @@
 </p:presentation>
 </file>
 
+<file path=ppt/commentAuthors.xml><?xml version="1.0" encoding="utf-8"?>
+<p:cmAuthorLst xmlns:a="http://schemas.openxmlformats.org/drawingml/2006/main" xmlns:r="http://schemas.openxmlformats.org/officeDocument/2006/relationships" xmlns:p="http://schemas.openxmlformats.org/presentationml/2006/main">
+  <p:cmAuthor id="1" name="1" initials="1" lastIdx="5" clrIdx="0">
+    <p:extLst>
+      <p:ext uri="{19B8F6BF-5375-455C-9EA6-DF929625EA0E}">
+        <p15:presenceInfo xmlns:p15="http://schemas.microsoft.com/office/powerpoint/2012/main" userId="1" providerId="None"/>
+      </p:ext>
+    </p:extLst>
+  </p:cmAuthor>
+</p:cmAuthorLst>
+</file>
+
+<file path=ppt/comments/comment1.xml><?xml version="1.0" encoding="utf-8"?>
+<p:cmLst xmlns:a="http://schemas.openxmlformats.org/drawingml/2006/main" xmlns:r="http://schemas.openxmlformats.org/officeDocument/2006/relationships" xmlns:p="http://schemas.openxmlformats.org/presentationml/2006/main">
+  <p:cm authorId="1" dt="2019-05-16T21:43:12.133" idx="1">
+    <p:pos x="3118" y="915"/>
+    <p:text>一般情况下化学位梯度大都与浓度梯度方向一致，因而当扩散沿高浓度向低浓度方向进行时，掩盖了化学位梯度的作用</p:text>
+    <p:extLst mod="1">
+      <p:ext uri="{C676402C-5697-4E1C-873F-D02D1690AC5C}">
+        <p15:threadingInfo xmlns:p15="http://schemas.microsoft.com/office/powerpoint/2012/main" timeZoneBias="-480"/>
+      </p:ext>
+    </p:extLst>
+  </p:cm>
+  <p:cm authorId="1" dt="2019-05-16T21:43:33.854" idx="2">
+    <p:pos x="3118" y="1051"/>
+    <p:text>根据热力学分析，在等温等压条件下，不管浓度梯度如何，组元原子总是从化学位高的地方自发地转移到化学位低的地方，只有当每种组元的化学位置系统中各点都相等时，才达到动态平衡，看不到物质的转移</p:text>
+    <p:extLst mod="1">
+      <p:ext uri="{C676402C-5697-4E1C-873F-D02D1690AC5C}">
+        <p15:threadingInfo xmlns:p15="http://schemas.microsoft.com/office/powerpoint/2012/main" timeZoneBias="-480">
+          <p15:parentCm authorId="1" idx="1"/>
+        </p15:threadingInfo>
+      </p:ext>
+    </p:extLst>
+  </p:cm>
+  <p:cm authorId="1" dt="2019-05-16T21:44:48.782" idx="3">
+    <p:pos x="4134" y="3492"/>
+    <p:text>气体扩散的特性本质是分子碰撞的结果，催化层、扩散层以及流道内都存在这种现象，但是对于催化层来说，由于其孔隙直径非常小接近分子碰撞的平均自由程，因此分子和壁面之间的也会发生碰撞，则努森扩散变得十分重要，根据努森数可以判断努森扩散否占主导地位</p:text>
+    <p:extLst>
+      <p:ext uri="{C676402C-5697-4E1C-873F-D02D1690AC5C}">
+        <p15:threadingInfo xmlns:p15="http://schemas.microsoft.com/office/powerpoint/2012/main" timeZoneBias="-480"/>
+      </p:ext>
+    </p:extLst>
+  </p:cm>
+  <p:cm authorId="1" dt="2019-05-16T21:53:46.721" idx="4">
+    <p:pos x="965" y="892"/>
+    <p:text>参考绘图</p:text>
+    <p:extLst>
+      <p:ext uri="{C676402C-5697-4E1C-873F-D02D1690AC5C}">
+        <p15:threadingInfo xmlns:p15="http://schemas.microsoft.com/office/powerpoint/2012/main" timeZoneBias="-480"/>
+      </p:ext>
+    </p:extLst>
+  </p:cm>
+  <p:cm authorId="1" dt="2019-05-16T22:09:01.193" idx="5">
+    <p:pos x="3940" y="527"/>
+    <p:text>质子在通过质子交互膜时，往往要携带水分以水合氢离子的方式传递，由于质子传导引起的膜内水的传输称为电渗拖曳</p:text>
+    <p:extLst>
+      <p:ext uri="{C676402C-5697-4E1C-873F-D02D1690AC5C}">
+        <p15:threadingInfo xmlns:p15="http://schemas.microsoft.com/office/powerpoint/2012/main" timeZoneBias="-480"/>
+      </p:ext>
+    </p:extLst>
+  </p:cm>
+</p:cmLst>
+</file>
+
+<file path=ppt/notesMasters/notesMaster1.xml><?xml version="1.0" encoding="utf-8"?>
+<p:notesMaster xmlns:a="http://schemas.openxmlformats.org/drawingml/2006/main" xmlns:r="http://schemas.openxmlformats.org/officeDocument/2006/relationships" xmlns:p="http://schemas.openxmlformats.org/presentationml/2006/main">
+  <p:cSld>
+    <p:bg>
+      <p:bgRef idx="1001">
+        <a:schemeClr val="bg1"/>
+      </p:bgRef>
+    </p:bg>
+    <p:spTree>
+      <p:nvGrpSpPr>
+        <p:cNvPr id="1" name=""/>
+        <p:cNvGrpSpPr/>
+        <p:nvPr/>
+      </p:nvGrpSpPr>
+      <p:grpSpPr>
+        <a:xfrm>
+          <a:off x="0" y="0"/>
+          <a:ext cx="0" cy="0"/>
+          <a:chOff x="0" y="0"/>
+          <a:chExt cx="0" cy="0"/>
+        </a:xfrm>
+      </p:grpSpPr>
+      <p:sp>
+        <p:nvSpPr>
+          <p:cNvPr id="2" name="页眉占位符 1"/>
+          <p:cNvSpPr>
+            <a:spLocks noGrp="1"/>
+          </p:cNvSpPr>
+          <p:nvPr>
+            <p:ph type="hdr" sz="quarter"/>
+          </p:nvPr>
+        </p:nvSpPr>
+        <p:spPr>
+          <a:xfrm>
+            <a:off x="0" y="0"/>
+            <a:ext cx="2971800" cy="458788"/>
+          </a:xfrm>
+          <a:prstGeom prst="rect">
+            <a:avLst/>
+          </a:prstGeom>
+        </p:spPr>
+        <p:txBody>
+          <a:bodyPr vert="horz" lIns="91440" tIns="45720" rIns="91440" bIns="45720" rtlCol="0"/>
+          <a:lstStyle>
+            <a:lvl1pPr algn="l">
+              <a:defRPr sz="1200"/>
+            </a:lvl1pPr>
+          </a:lstStyle>
+          <a:p>
+            <a:endParaRPr lang="zh-CN" altLang="en-US"/>
+          </a:p>
+        </p:txBody>
+      </p:sp>
+      <p:sp>
+        <p:nvSpPr>
+          <p:cNvPr id="3" name="日期占位符 2"/>
+          <p:cNvSpPr>
+            <a:spLocks noGrp="1"/>
+          </p:cNvSpPr>
+          <p:nvPr>
+            <p:ph type="dt" idx="1"/>
+          </p:nvPr>
+        </p:nvSpPr>
+        <p:spPr>
+          <a:xfrm>
+            <a:off x="3884613" y="0"/>
+            <a:ext cx="2971800" cy="458788"/>
+          </a:xfrm>
+          <a:prstGeom prst="rect">
+            <a:avLst/>
+          </a:prstGeom>
+        </p:spPr>
+        <p:txBody>
+          <a:bodyPr vert="horz" lIns="91440" tIns="45720" rIns="91440" bIns="45720" rtlCol="0"/>
+          <a:lstStyle>
+            <a:lvl1pPr algn="r">
+              <a:defRPr sz="1200"/>
+            </a:lvl1pPr>
+          </a:lstStyle>
+          <a:p>
+            <a:fld id="{4E31AF11-D304-43EE-B6E4-B029EBD63324}" type="datetimeFigureOut">
+              <a:rPr lang="zh-CN" altLang="en-US" smtClean="0"/>
+              <a:t>2019/5/17</a:t>
+            </a:fld>
+            <a:endParaRPr lang="zh-CN" altLang="en-US"/>
+          </a:p>
+        </p:txBody>
+      </p:sp>
+      <p:sp>
+        <p:nvSpPr>
+          <p:cNvPr id="4" name="幻灯片图像占位符 3"/>
+          <p:cNvSpPr>
+            <a:spLocks noGrp="1" noRot="1" noChangeAspect="1"/>
+          </p:cNvSpPr>
+          <p:nvPr>
+            <p:ph type="sldImg" idx="2"/>
+          </p:nvPr>
+        </p:nvSpPr>
+        <p:spPr>
+          <a:xfrm>
+            <a:off x="1371600" y="1143000"/>
+            <a:ext cx="4114800" cy="3086100"/>
+          </a:xfrm>
+          <a:prstGeom prst="rect">
+            <a:avLst/>
+          </a:prstGeom>
+          <a:noFill/>
+          <a:ln w="12700">
+            <a:solidFill>
+              <a:prstClr val="black"/>
+            </a:solidFill>
+          </a:ln>
+        </p:spPr>
+        <p:txBody>
+          <a:bodyPr vert="horz" lIns="91440" tIns="45720" rIns="91440" bIns="45720" rtlCol="0" anchor="ctr"/>
+          <a:lstStyle/>
+          <a:p>
+            <a:endParaRPr lang="zh-CN" altLang="en-US"/>
+          </a:p>
+        </p:txBody>
+      </p:sp>
+      <p:sp>
+        <p:nvSpPr>
+          <p:cNvPr id="5" name="备注占位符 4"/>
+          <p:cNvSpPr>
+            <a:spLocks noGrp="1"/>
+          </p:cNvSpPr>
+          <p:nvPr>
+            <p:ph type="body" sz="quarter" idx="3"/>
+          </p:nvPr>
+        </p:nvSpPr>
+        <p:spPr>
+          <a:xfrm>
+            <a:off x="685800" y="4400550"/>
+            <a:ext cx="5486400" cy="3600450"/>
+          </a:xfrm>
+          <a:prstGeom prst="rect">
+            <a:avLst/>
+          </a:prstGeom>
+        </p:spPr>
+        <p:txBody>
+          <a:bodyPr vert="horz" lIns="91440" tIns="45720" rIns="91440" bIns="45720" rtlCol="0"/>
+          <a:lstStyle/>
+          <a:p>
+            <a:pPr lvl="0"/>
+            <a:r>
+              <a:rPr lang="zh-CN" altLang="en-US" smtClean="0"/>
+              <a:t>编辑母版文本样式</a:t>
+            </a:r>
+          </a:p>
+          <a:p>
+            <a:pPr lvl="1"/>
+            <a:r>
+              <a:rPr lang="zh-CN" altLang="en-US" smtClean="0"/>
+              <a:t>第二级</a:t>
+            </a:r>
+          </a:p>
+          <a:p>
+            <a:pPr lvl="2"/>
+            <a:r>
+              <a:rPr lang="zh-CN" altLang="en-US" smtClean="0"/>
+              <a:t>第三级</a:t>
+            </a:r>
+          </a:p>
+          <a:p>
+            <a:pPr lvl="3"/>
+            <a:r>
+              <a:rPr lang="zh-CN" altLang="en-US" smtClean="0"/>
+              <a:t>第四级</a:t>
+            </a:r>
+          </a:p>
+          <a:p>
+            <a:pPr lvl="4"/>
+            <a:r>
+              <a:rPr lang="zh-CN" altLang="en-US" smtClean="0"/>
+              <a:t>第五级</a:t>
+            </a:r>
+            <a:endParaRPr lang="zh-CN" altLang="en-US"/>
+          </a:p>
+        </p:txBody>
+      </p:sp>
+      <p:sp>
+        <p:nvSpPr>
+          <p:cNvPr id="6" name="页脚占位符 5"/>
+          <p:cNvSpPr>
+            <a:spLocks noGrp="1"/>
+          </p:cNvSpPr>
+          <p:nvPr>
+            <p:ph type="ftr" sz="quarter" idx="4"/>
+          </p:nvPr>
+        </p:nvSpPr>
+        <p:spPr>
+          <a:xfrm>
+            <a:off x="0" y="8685213"/>
+            <a:ext cx="2971800" cy="458787"/>
+          </a:xfrm>
+          <a:prstGeom prst="rect">
+            <a:avLst/>
+          </a:prstGeom>
+        </p:spPr>
+        <p:txBody>
+          <a:bodyPr vert="horz" lIns="91440" tIns="45720" rIns="91440" bIns="45720" rtlCol="0" anchor="b"/>
+          <a:lstStyle>
+            <a:lvl1pPr algn="l">
+              <a:defRPr sz="1200"/>
+            </a:lvl1pPr>
+          </a:lstStyle>
+          <a:p>
+            <a:endParaRPr lang="zh-CN" altLang="en-US"/>
+          </a:p>
+        </p:txBody>
+      </p:sp>
+      <p:sp>
+        <p:nvSpPr>
+          <p:cNvPr id="7" name="灯片编号占位符 6"/>
+          <p:cNvSpPr>
+            <a:spLocks noGrp="1"/>
+          </p:cNvSpPr>
+          <p:nvPr>
+            <p:ph type="sldNum" sz="quarter" idx="5"/>
+          </p:nvPr>
+        </p:nvSpPr>
+        <p:spPr>
+          <a:xfrm>
+            <a:off x="3884613" y="8685213"/>
+            <a:ext cx="2971800" cy="458787"/>
+          </a:xfrm>
+          <a:prstGeom prst="rect">
+            <a:avLst/>
+          </a:prstGeom>
+        </p:spPr>
+        <p:txBody>
+          <a:bodyPr vert="horz" lIns="91440" tIns="45720" rIns="91440" bIns="45720" rtlCol="0" anchor="b"/>
+          <a:lstStyle>
+            <a:lvl1pPr algn="r">
+              <a:defRPr sz="1200"/>
+            </a:lvl1pPr>
+          </a:lstStyle>
+          <a:p>
+            <a:fld id="{C1EFE4FD-7CD6-4399-BE09-0993CCBA1179}" type="slidenum">
+              <a:rPr lang="zh-CN" altLang="en-US" smtClean="0"/>
+              <a:t>‹#›</a:t>
+            </a:fld>
+            <a:endParaRPr lang="zh-CN" altLang="en-US"/>
+          </a:p>
+        </p:txBody>
+      </p:sp>
+    </p:spTree>
+    <p:extLst>
+      <p:ext uri="{BB962C8B-B14F-4D97-AF65-F5344CB8AC3E}">
+        <p14:creationId xmlns:p14="http://schemas.microsoft.com/office/powerpoint/2010/main" val="2764806102"/>
+      </p:ext>
+    </p:extLst>
+  </p:cSld>
+  <p:clrMap bg1="lt1" tx1="dk1" bg2="lt2" tx2="dk2" accent1="accent1" accent2="accent2" accent3="accent3" accent4="accent4" accent5="accent5" accent6="accent6" hlink="hlink" folHlink="folHlink"/>
+  <p:notesStyle>
+    <a:lvl1pPr marL="0" algn="l" defTabSz="914400" rtl="0" eaLnBrk="1" latinLnBrk="0" hangingPunct="1">
+      <a:defRPr sz="1200" kern="1200">
+        <a:solidFill>
+          <a:schemeClr val="tx1"/>
+        </a:solidFill>
+        <a:latin typeface="+mn-lt"/>
+        <a:ea typeface="+mn-ea"/>
+        <a:cs typeface="+mn-cs"/>
+      </a:defRPr>
+    </a:lvl1pPr>
+    <a:lvl2pPr marL="457200" algn="l" defTabSz="914400" rtl="0" eaLnBrk="1" latinLnBrk="0" hangingPunct="1">
+      <a:defRPr sz="1200" kern="1200">
+        <a:solidFill>
+          <a:schemeClr val="tx1"/>
+        </a:solidFill>
+        <a:latin typeface="+mn-lt"/>
+        <a:ea typeface="+mn-ea"/>
+        <a:cs typeface="+mn-cs"/>
+      </a:defRPr>
+    </a:lvl2pPr>
+    <a:lvl3pPr marL="914400" algn="l" defTabSz="914400" rtl="0" eaLnBrk="1" latinLnBrk="0" hangingPunct="1">
+      <a:defRPr sz="1200" kern="1200">
+        <a:solidFill>
+          <a:schemeClr val="tx1"/>
+        </a:solidFill>
+        <a:latin typeface="+mn-lt"/>
+        <a:ea typeface="+mn-ea"/>
+        <a:cs typeface="+mn-cs"/>
+      </a:defRPr>
+    </a:lvl3pPr>
+    <a:lvl4pPr marL="1371600" algn="l" defTabSz="914400" rtl="0" eaLnBrk="1" latinLnBrk="0" hangingPunct="1">
+      <a:defRPr sz="1200" kern="1200">
+        <a:solidFill>
+          <a:schemeClr val="tx1"/>
+        </a:solidFill>
+        <a:latin typeface="+mn-lt"/>
+        <a:ea typeface="+mn-ea"/>
+        <a:cs typeface="+mn-cs"/>
+      </a:defRPr>
+    </a:lvl4pPr>
+    <a:lvl5pPr marL="1828800" algn="l" defTabSz="914400" rtl="0" eaLnBrk="1" latinLnBrk="0" hangingPunct="1">
+      <a:defRPr sz="1200" kern="1200">
+        <a:solidFill>
+          <a:schemeClr val="tx1"/>
+        </a:solidFill>
+        <a:latin typeface="+mn-lt"/>
+        <a:ea typeface="+mn-ea"/>
+        <a:cs typeface="+mn-cs"/>
+      </a:defRPr>
+    </a:lvl5pPr>
+    <a:lvl6pPr marL="2286000" algn="l" defTabSz="914400" rtl="0" eaLnBrk="1" latinLnBrk="0" hangingPunct="1">
+      <a:defRPr sz="1200" kern="1200">
+        <a:solidFill>
+          <a:schemeClr val="tx1"/>
+        </a:solidFill>
+        <a:latin typeface="+mn-lt"/>
+        <a:ea typeface="+mn-ea"/>
+        <a:cs typeface="+mn-cs"/>
+      </a:defRPr>
+    </a:lvl6pPr>
+    <a:lvl7pPr marL="2743200" algn="l" defTabSz="914400" rtl="0" eaLnBrk="1" latinLnBrk="0" hangingPunct="1">
+      <a:defRPr sz="1200" kern="1200">
+        <a:solidFill>
+          <a:schemeClr val="tx1"/>
+        </a:solidFill>
+        <a:latin typeface="+mn-lt"/>
+        <a:ea typeface="+mn-ea"/>
+        <a:cs typeface="+mn-cs"/>
+      </a:defRPr>
+    </a:lvl7pPr>
+    <a:lvl8pPr marL="3200400" algn="l" defTabSz="914400" rtl="0" eaLnBrk="1" latinLnBrk="0" hangingPunct="1">
+      <a:defRPr sz="1200" kern="1200">
+        <a:solidFill>
+          <a:schemeClr val="tx1"/>
+        </a:solidFill>
+        <a:latin typeface="+mn-lt"/>
+        <a:ea typeface="+mn-ea"/>
+        <a:cs typeface="+mn-cs"/>
+      </a:defRPr>
+    </a:lvl8pPr>
+    <a:lvl9pPr marL="3657600" algn="l" defTabSz="914400" rtl="0" eaLnBrk="1" latinLnBrk="0" hangingPunct="1">
+      <a:defRPr sz="1200" kern="1200">
+        <a:solidFill>
+          <a:schemeClr val="tx1"/>
+        </a:solidFill>
+        <a:latin typeface="+mn-lt"/>
+        <a:ea typeface="+mn-ea"/>
+        <a:cs typeface="+mn-cs"/>
+      </a:defRPr>
+    </a:lvl9pPr>
+  </p:notesStyle>
+</p:notesMaster>
+</file>
+
+<file path=ppt/notesSlides/notesSlide1.xml><?xml version="1.0" encoding="utf-8"?>
+<p:notes xmlns:a="http://schemas.openxmlformats.org/drawingml/2006/main" xmlns:r="http://schemas.openxmlformats.org/officeDocument/2006/relationships" xmlns:p="http://schemas.openxmlformats.org/presentationml/2006/main">
+  <p:cSld>
+    <p:spTree>
+      <p:nvGrpSpPr>
+        <p:cNvPr id="1" name=""/>
+        <p:cNvGrpSpPr/>
+        <p:nvPr/>
+      </p:nvGrpSpPr>
+      <p:grpSpPr>
+        <a:xfrm>
+          <a:off x="0" y="0"/>
+          <a:ext cx="0" cy="0"/>
+          <a:chOff x="0" y="0"/>
+          <a:chExt cx="0" cy="0"/>
+        </a:xfrm>
+      </p:grpSpPr>
+      <p:sp>
+        <p:nvSpPr>
+          <p:cNvPr id="2" name="幻灯片图像占位符 1"/>
+          <p:cNvSpPr>
+            <a:spLocks noGrp="1" noRot="1" noChangeAspect="1"/>
+          </p:cNvSpPr>
+          <p:nvPr>
+            <p:ph type="sldImg"/>
+          </p:nvPr>
+        </p:nvSpPr>
+        <p:spPr/>
+      </p:sp>
+      <p:sp>
+        <p:nvSpPr>
+          <p:cNvPr id="3" name="备注占位符 2"/>
+          <p:cNvSpPr>
+            <a:spLocks noGrp="1"/>
+          </p:cNvSpPr>
+          <p:nvPr>
+            <p:ph type="body" idx="1"/>
+          </p:nvPr>
+        </p:nvSpPr>
+        <p:spPr/>
+        <p:txBody>
+          <a:bodyPr/>
+          <a:lstStyle/>
+          <a:p>
+            <a:endParaRPr lang="zh-CN" altLang="en-US" dirty="0"/>
+          </a:p>
+        </p:txBody>
+      </p:sp>
+      <p:sp>
+        <p:nvSpPr>
+          <p:cNvPr id="4" name="灯片编号占位符 3"/>
+          <p:cNvSpPr>
+            <a:spLocks noGrp="1"/>
+          </p:cNvSpPr>
+          <p:nvPr>
+            <p:ph type="sldNum" sz="quarter" idx="10"/>
+          </p:nvPr>
+        </p:nvSpPr>
+        <p:spPr/>
+        <p:txBody>
+          <a:bodyPr/>
+          <a:lstStyle/>
+          <a:p>
+            <a:fld id="{C1EFE4FD-7CD6-4399-BE09-0993CCBA1179}" type="slidenum">
+              <a:rPr lang="zh-CN" altLang="en-US" smtClean="0"/>
+              <a:t>1</a:t>
+            </a:fld>
+            <a:endParaRPr lang="zh-CN" altLang="en-US"/>
+          </a:p>
+        </p:txBody>
+      </p:sp>
+    </p:spTree>
+    <p:extLst>
+      <p:ext uri="{BB962C8B-B14F-4D97-AF65-F5344CB8AC3E}">
+        <p14:creationId xmlns:p14="http://schemas.microsoft.com/office/powerpoint/2010/main" val="3397761736"/>
+      </p:ext>
+    </p:extLst>
+  </p:cSld>
+  <p:clrMapOvr>
+    <a:masterClrMapping/>
+  </p:clrMapOvr>
+</p:notes>
+</file>
+
 <file path=ppt/slideLayouts/slideLayout1.xml><?xml version="1.0" encoding="utf-8"?>
 <p:sldLayout xmlns:a="http://schemas.openxmlformats.org/drawingml/2006/main" xmlns:r="http://schemas.openxmlformats.org/officeDocument/2006/relationships" xmlns:p="http://schemas.openxmlformats.org/presentationml/2006/main" type="title" preserve="1">
   <p:cSld name="标题幻灯片">
@@ -249,7 +752,7 @@
           <a:p>
             <a:fld id="{0D931F99-1544-4821-BA39-7D82BFF6D049}" type="datetimeFigureOut">
               <a:rPr lang="zh-CN" altLang="en-US" smtClean="0"/>
-              <a:t>2019/5/13</a:t>
+              <a:t>2019/5/17</a:t>
             </a:fld>
             <a:endParaRPr lang="zh-CN" altLang="en-US"/>
           </a:p>
@@ -419,7 +922,7 @@
           <a:p>
             <a:fld id="{0D931F99-1544-4821-BA39-7D82BFF6D049}" type="datetimeFigureOut">
               <a:rPr lang="zh-CN" altLang="en-US" smtClean="0"/>
-              <a:t>2019/5/13</a:t>
+              <a:t>2019/5/17</a:t>
             </a:fld>
             <a:endParaRPr lang="zh-CN" altLang="en-US"/>
           </a:p>
@@ -599,7 +1102,7 @@
           <a:p>
             <a:fld id="{0D931F99-1544-4821-BA39-7D82BFF6D049}" type="datetimeFigureOut">
               <a:rPr lang="zh-CN" altLang="en-US" smtClean="0"/>
-              <a:t>2019/5/13</a:t>
+              <a:t>2019/5/17</a:t>
             </a:fld>
             <a:endParaRPr lang="zh-CN" altLang="en-US"/>
           </a:p>
@@ -769,7 +1272,7 @@
           <a:p>
             <a:fld id="{0D931F99-1544-4821-BA39-7D82BFF6D049}" type="datetimeFigureOut">
               <a:rPr lang="zh-CN" altLang="en-US" smtClean="0"/>
-              <a:t>2019/5/13</a:t>
+              <a:t>2019/5/17</a:t>
             </a:fld>
             <a:endParaRPr lang="zh-CN" altLang="en-US"/>
           </a:p>
@@ -1013,7 +1516,7 @@
           <a:p>
             <a:fld id="{0D931F99-1544-4821-BA39-7D82BFF6D049}" type="datetimeFigureOut">
               <a:rPr lang="zh-CN" altLang="en-US" smtClean="0"/>
-              <a:t>2019/5/13</a:t>
+              <a:t>2019/5/17</a:t>
             </a:fld>
             <a:endParaRPr lang="zh-CN" altLang="en-US"/>
           </a:p>
@@ -1245,7 +1748,7 @@
           <a:p>
             <a:fld id="{0D931F99-1544-4821-BA39-7D82BFF6D049}" type="datetimeFigureOut">
               <a:rPr lang="zh-CN" altLang="en-US" smtClean="0"/>
-              <a:t>2019/5/13</a:t>
+              <a:t>2019/5/17</a:t>
             </a:fld>
             <a:endParaRPr lang="zh-CN" altLang="en-US"/>
           </a:p>
@@ -1612,7 +2115,7 @@
           <a:p>
             <a:fld id="{0D931F99-1544-4821-BA39-7D82BFF6D049}" type="datetimeFigureOut">
               <a:rPr lang="zh-CN" altLang="en-US" smtClean="0"/>
-              <a:t>2019/5/13</a:t>
+              <a:t>2019/5/17</a:t>
             </a:fld>
             <a:endParaRPr lang="zh-CN" altLang="en-US"/>
           </a:p>
@@ -1730,7 +2233,7 @@
           <a:p>
             <a:fld id="{0D931F99-1544-4821-BA39-7D82BFF6D049}" type="datetimeFigureOut">
               <a:rPr lang="zh-CN" altLang="en-US" smtClean="0"/>
-              <a:t>2019/5/13</a:t>
+              <a:t>2019/5/17</a:t>
             </a:fld>
             <a:endParaRPr lang="zh-CN" altLang="en-US"/>
           </a:p>
@@ -1825,7 +2328,7 @@
           <a:p>
             <a:fld id="{0D931F99-1544-4821-BA39-7D82BFF6D049}" type="datetimeFigureOut">
               <a:rPr lang="zh-CN" altLang="en-US" smtClean="0"/>
-              <a:t>2019/5/13</a:t>
+              <a:t>2019/5/17</a:t>
             </a:fld>
             <a:endParaRPr lang="zh-CN" altLang="en-US"/>
           </a:p>
@@ -2102,7 +2605,7 @@
           <a:p>
             <a:fld id="{0D931F99-1544-4821-BA39-7D82BFF6D049}" type="datetimeFigureOut">
               <a:rPr lang="zh-CN" altLang="en-US" smtClean="0"/>
-              <a:t>2019/5/13</a:t>
+              <a:t>2019/5/17</a:t>
             </a:fld>
             <a:endParaRPr lang="zh-CN" altLang="en-US"/>
           </a:p>
@@ -2359,7 +2862,7 @@
           <a:p>
             <a:fld id="{0D931F99-1544-4821-BA39-7D82BFF6D049}" type="datetimeFigureOut">
               <a:rPr lang="zh-CN" altLang="en-US" smtClean="0"/>
-              <a:t>2019/5/13</a:t>
+              <a:t>2019/5/17</a:t>
             </a:fld>
             <a:endParaRPr lang="zh-CN" altLang="en-US"/>
           </a:p>
@@ -2572,7 +3075,7 @@
           <a:p>
             <a:fld id="{0D931F99-1544-4821-BA39-7D82BFF6D049}" type="datetimeFigureOut">
               <a:rPr lang="zh-CN" altLang="en-US" smtClean="0"/>
-              <a:t>2019/5/13</a:t>
+              <a:t>2019/5/17</a:t>
             </a:fld>
             <a:endParaRPr lang="zh-CN" altLang="en-US"/>
           </a:p>
@@ -2979,6 +3482,1885 @@
       </p:grpSpPr>
       <p:sp>
         <p:nvSpPr>
+          <p:cNvPr id="2" name="矩形 15"/>
+          <p:cNvSpPr>
+            <a:spLocks noChangeArrowheads="1"/>
+          </p:cNvSpPr>
+          <p:nvPr/>
+        </p:nvSpPr>
+        <p:spPr bwMode="auto">
+          <a:xfrm>
+            <a:off x="6973570" y="-52388"/>
+            <a:ext cx="2159566" cy="738664"/>
+          </a:xfrm>
+          <a:prstGeom prst="rect">
+            <a:avLst/>
+          </a:prstGeom>
+          <a:noFill/>
+          <a:ln>
+            <a:noFill/>
+          </a:ln>
+          <a:extLst>
+            <a:ext uri="{909E8E84-426E-40DD-AFC4-6F175D3DCCD1}">
+              <a14:hiddenFill xmlns:a14="http://schemas.microsoft.com/office/drawing/2010/main">
+                <a:solidFill>
+                  <a:srgbClr val="FFFFFF"/>
+                </a:solidFill>
+              </a14:hiddenFill>
+            </a:ext>
+            <a:ext uri="{91240B29-F687-4F45-9708-019B960494DF}">
+              <a14:hiddenLine xmlns:a14="http://schemas.microsoft.com/office/drawing/2010/main" w="9525">
+                <a:solidFill>
+                  <a:srgbClr val="000000"/>
+                </a:solidFill>
+                <a:miter lim="800000"/>
+                <a:headEnd/>
+                <a:tailEnd/>
+              </a14:hiddenLine>
+            </a:ext>
+          </a:extLst>
+        </p:spPr>
+        <p:txBody>
+          <a:bodyPr wrap="none">
+            <a:spAutoFit/>
+          </a:bodyPr>
+          <a:lstStyle>
+            <a:lvl1pPr>
+              <a:spcBef>
+                <a:spcPct val="20000"/>
+              </a:spcBef>
+              <a:buFont typeface="Arial" panose="020B0604020202020204" pitchFamily="34" charset="0"/>
+              <a:buChar char="•"/>
+              <a:defRPr sz="3200">
+                <a:solidFill>
+                  <a:schemeClr val="tx1"/>
+                </a:solidFill>
+                <a:latin typeface="Calibri" panose="020F0502020204030204" pitchFamily="34" charset="0"/>
+                <a:ea typeface="宋体" panose="02010600030101010101" pitchFamily="2" charset="-122"/>
+                <a:sym typeface="Calibri" panose="020F0502020204030204" pitchFamily="34" charset="0"/>
+              </a:defRPr>
+            </a:lvl1pPr>
+            <a:lvl2pPr marL="742950" indent="-285750">
+              <a:spcBef>
+                <a:spcPct val="20000"/>
+              </a:spcBef>
+              <a:buFont typeface="Arial" panose="020B0604020202020204" pitchFamily="34" charset="0"/>
+              <a:buChar char="–"/>
+              <a:defRPr sz="2800">
+                <a:solidFill>
+                  <a:schemeClr val="tx1"/>
+                </a:solidFill>
+                <a:latin typeface="Calibri" panose="020F0502020204030204" pitchFamily="34" charset="0"/>
+                <a:ea typeface="宋体" panose="02010600030101010101" pitchFamily="2" charset="-122"/>
+                <a:sym typeface="Calibri" panose="020F0502020204030204" pitchFamily="34" charset="0"/>
+              </a:defRPr>
+            </a:lvl2pPr>
+            <a:lvl3pPr marL="1143000" indent="-228600">
+              <a:spcBef>
+                <a:spcPct val="20000"/>
+              </a:spcBef>
+              <a:buFont typeface="Arial" panose="020B0604020202020204" pitchFamily="34" charset="0"/>
+              <a:buChar char="•"/>
+              <a:defRPr sz="2400">
+                <a:solidFill>
+                  <a:schemeClr val="tx1"/>
+                </a:solidFill>
+                <a:latin typeface="Calibri" panose="020F0502020204030204" pitchFamily="34" charset="0"/>
+                <a:ea typeface="宋体" panose="02010600030101010101" pitchFamily="2" charset="-122"/>
+                <a:sym typeface="Calibri" panose="020F0502020204030204" pitchFamily="34" charset="0"/>
+              </a:defRPr>
+            </a:lvl3pPr>
+            <a:lvl4pPr marL="1600200" indent="-228600">
+              <a:spcBef>
+                <a:spcPct val="20000"/>
+              </a:spcBef>
+              <a:buFont typeface="Arial" panose="020B0604020202020204" pitchFamily="34" charset="0"/>
+              <a:buChar char="–"/>
+              <a:defRPr sz="2000">
+                <a:solidFill>
+                  <a:schemeClr val="tx1"/>
+                </a:solidFill>
+                <a:latin typeface="Calibri" panose="020F0502020204030204" pitchFamily="34" charset="0"/>
+                <a:ea typeface="宋体" panose="02010600030101010101" pitchFamily="2" charset="-122"/>
+                <a:sym typeface="Calibri" panose="020F0502020204030204" pitchFamily="34" charset="0"/>
+              </a:defRPr>
+            </a:lvl4pPr>
+            <a:lvl5pPr marL="2057400" indent="-228600">
+              <a:spcBef>
+                <a:spcPct val="20000"/>
+              </a:spcBef>
+              <a:buFont typeface="Arial" panose="020B0604020202020204" pitchFamily="34" charset="0"/>
+              <a:buChar char="»"/>
+              <a:defRPr sz="2000">
+                <a:solidFill>
+                  <a:schemeClr val="tx1"/>
+                </a:solidFill>
+                <a:latin typeface="Calibri" panose="020F0502020204030204" pitchFamily="34" charset="0"/>
+                <a:ea typeface="宋体" panose="02010600030101010101" pitchFamily="2" charset="-122"/>
+                <a:sym typeface="Calibri" panose="020F0502020204030204" pitchFamily="34" charset="0"/>
+              </a:defRPr>
+            </a:lvl5pPr>
+            <a:lvl6pPr marL="2514600" indent="-228600" eaLnBrk="0" fontAlgn="base" hangingPunct="0">
+              <a:spcBef>
+                <a:spcPct val="20000"/>
+              </a:spcBef>
+              <a:spcAft>
+                <a:spcPct val="0"/>
+              </a:spcAft>
+              <a:buFont typeface="Arial" panose="020B0604020202020204" pitchFamily="34" charset="0"/>
+              <a:buChar char="»"/>
+              <a:defRPr sz="2000">
+                <a:solidFill>
+                  <a:schemeClr val="tx1"/>
+                </a:solidFill>
+                <a:latin typeface="Calibri" panose="020F0502020204030204" pitchFamily="34" charset="0"/>
+                <a:ea typeface="宋体" panose="02010600030101010101" pitchFamily="2" charset="-122"/>
+                <a:sym typeface="Calibri" panose="020F0502020204030204" pitchFamily="34" charset="0"/>
+              </a:defRPr>
+            </a:lvl6pPr>
+            <a:lvl7pPr marL="2971800" indent="-228600" eaLnBrk="0" fontAlgn="base" hangingPunct="0">
+              <a:spcBef>
+                <a:spcPct val="20000"/>
+              </a:spcBef>
+              <a:spcAft>
+                <a:spcPct val="0"/>
+              </a:spcAft>
+              <a:buFont typeface="Arial" panose="020B0604020202020204" pitchFamily="34" charset="0"/>
+              <a:buChar char="»"/>
+              <a:defRPr sz="2000">
+                <a:solidFill>
+                  <a:schemeClr val="tx1"/>
+                </a:solidFill>
+                <a:latin typeface="Calibri" panose="020F0502020204030204" pitchFamily="34" charset="0"/>
+                <a:ea typeface="宋体" panose="02010600030101010101" pitchFamily="2" charset="-122"/>
+                <a:sym typeface="Calibri" panose="020F0502020204030204" pitchFamily="34" charset="0"/>
+              </a:defRPr>
+            </a:lvl7pPr>
+            <a:lvl8pPr marL="3429000" indent="-228600" eaLnBrk="0" fontAlgn="base" hangingPunct="0">
+              <a:spcBef>
+                <a:spcPct val="20000"/>
+              </a:spcBef>
+              <a:spcAft>
+                <a:spcPct val="0"/>
+              </a:spcAft>
+              <a:buFont typeface="Arial" panose="020B0604020202020204" pitchFamily="34" charset="0"/>
+              <a:buChar char="»"/>
+              <a:defRPr sz="2000">
+                <a:solidFill>
+                  <a:schemeClr val="tx1"/>
+                </a:solidFill>
+                <a:latin typeface="Calibri" panose="020F0502020204030204" pitchFamily="34" charset="0"/>
+                <a:ea typeface="宋体" panose="02010600030101010101" pitchFamily="2" charset="-122"/>
+                <a:sym typeface="Calibri" panose="020F0502020204030204" pitchFamily="34" charset="0"/>
+              </a:defRPr>
+            </a:lvl8pPr>
+            <a:lvl9pPr marL="3886200" indent="-228600" eaLnBrk="0" fontAlgn="base" hangingPunct="0">
+              <a:spcBef>
+                <a:spcPct val="20000"/>
+              </a:spcBef>
+              <a:spcAft>
+                <a:spcPct val="0"/>
+              </a:spcAft>
+              <a:buFont typeface="Arial" panose="020B0604020202020204" pitchFamily="34" charset="0"/>
+              <a:buChar char="»"/>
+              <a:defRPr sz="2000">
+                <a:solidFill>
+                  <a:schemeClr val="tx1"/>
+                </a:solidFill>
+                <a:latin typeface="Calibri" panose="020F0502020204030204" pitchFamily="34" charset="0"/>
+                <a:ea typeface="宋体" panose="02010600030101010101" pitchFamily="2" charset="-122"/>
+                <a:sym typeface="Calibri" panose="020F0502020204030204" pitchFamily="34" charset="0"/>
+              </a:defRPr>
+            </a:lvl9pPr>
+          </a:lstStyle>
+          <a:p>
+            <a:pPr>
+              <a:lnSpc>
+                <a:spcPct val="150000"/>
+              </a:lnSpc>
+              <a:spcBef>
+                <a:spcPct val="0"/>
+              </a:spcBef>
+              <a:buFontTx/>
+              <a:buNone/>
+            </a:pPr>
+            <a:r>
+              <a:rPr lang="en-US" altLang="zh-CN" sz="2800" b="1" dirty="0" smtClean="0">
+                <a:solidFill>
+                  <a:srgbClr val="3333FF"/>
+                </a:solidFill>
+                <a:latin typeface="Times New Roman" panose="02020603050405020304" pitchFamily="18" charset="0"/>
+                <a:ea typeface="微软雅黑" panose="020B0503020204020204" pitchFamily="34" charset="-122"/>
+                <a:cs typeface="Times New Roman" panose="02020603050405020304" pitchFamily="18" charset="0"/>
+              </a:rPr>
+              <a:t>1</a:t>
+            </a:r>
+            <a:r>
+              <a:rPr lang="zh-CN" altLang="en-US" sz="2800" b="1" dirty="0" smtClean="0">
+                <a:solidFill>
+                  <a:srgbClr val="3333FF"/>
+                </a:solidFill>
+                <a:latin typeface="Times New Roman" panose="02020603050405020304" pitchFamily="18" charset="0"/>
+                <a:ea typeface="微软雅黑" panose="020B0503020204020204" pitchFamily="34" charset="-122"/>
+                <a:cs typeface="Times New Roman" panose="02020603050405020304" pitchFamily="18" charset="0"/>
+              </a:rPr>
+              <a:t>、问题描述</a:t>
+            </a:r>
+            <a:endParaRPr lang="zh-CN" altLang="en-US" sz="2800" b="1" dirty="0">
+              <a:solidFill>
+                <a:srgbClr val="3333FF"/>
+              </a:solidFill>
+              <a:latin typeface="微软雅黑" panose="020B0503020204020204" pitchFamily="34" charset="-122"/>
+              <a:ea typeface="微软雅黑" panose="020B0503020204020204" pitchFamily="34" charset="-122"/>
+              <a:cs typeface="Times New Roman" panose="02020603050405020304" pitchFamily="18" charset="0"/>
+            </a:endParaRPr>
+          </a:p>
+        </p:txBody>
+      </p:sp>
+      <p:pic>
+        <p:nvPicPr>
+          <p:cNvPr id="3" name="图片 2"/>
+          <p:cNvPicPr>
+            <a:picLocks noChangeAspect="1"/>
+          </p:cNvPicPr>
+          <p:nvPr/>
+        </p:nvPicPr>
+        <p:blipFill>
+          <a:blip r:embed="rId3">
+            <a:extLst>
+              <a:ext uri="{28A0092B-C50C-407E-A947-70E740481C1C}">
+                <a14:useLocalDpi xmlns:a14="http://schemas.microsoft.com/office/drawing/2010/main" val="0"/>
+              </a:ext>
+            </a:extLst>
+          </a:blip>
+          <a:stretch>
+            <a:fillRect/>
+          </a:stretch>
+        </p:blipFill>
+        <p:spPr>
+          <a:xfrm>
+            <a:off x="-747362" y="396809"/>
+            <a:ext cx="6425671" cy="3454116"/>
+          </a:xfrm>
+          <a:prstGeom prst="rect">
+            <a:avLst/>
+          </a:prstGeom>
+        </p:spPr>
+      </p:pic>
+      <p:pic>
+        <p:nvPicPr>
+          <p:cNvPr id="4" name="图片 3"/>
+          <p:cNvPicPr>
+            <a:picLocks noChangeAspect="1"/>
+          </p:cNvPicPr>
+          <p:nvPr/>
+        </p:nvPicPr>
+        <p:blipFill>
+          <a:blip r:embed="rId4">
+            <a:extLst>
+              <a:ext uri="{28A0092B-C50C-407E-A947-70E740481C1C}">
+                <a14:useLocalDpi xmlns:a14="http://schemas.microsoft.com/office/drawing/2010/main" val="0"/>
+              </a:ext>
+            </a:extLst>
+          </a:blip>
+          <a:stretch>
+            <a:fillRect/>
+          </a:stretch>
+        </p:blipFill>
+        <p:spPr>
+          <a:xfrm>
+            <a:off x="246149" y="4879056"/>
+            <a:ext cx="4438650" cy="1724025"/>
+          </a:xfrm>
+          <a:prstGeom prst="rect">
+            <a:avLst/>
+          </a:prstGeom>
+        </p:spPr>
+      </p:pic>
+      <p:pic>
+        <p:nvPicPr>
+          <p:cNvPr id="6" name="图片 5"/>
+          <p:cNvPicPr>
+            <a:picLocks noChangeAspect="1"/>
+          </p:cNvPicPr>
+          <p:nvPr/>
+        </p:nvPicPr>
+        <p:blipFill>
+          <a:blip r:embed="rId5">
+            <a:extLst>
+              <a:ext uri="{28A0092B-C50C-407E-A947-70E740481C1C}">
+                <a14:useLocalDpi xmlns:a14="http://schemas.microsoft.com/office/drawing/2010/main" val="0"/>
+              </a:ext>
+            </a:extLst>
+          </a:blip>
+          <a:stretch>
+            <a:fillRect/>
+          </a:stretch>
+        </p:blipFill>
+        <p:spPr>
+          <a:xfrm>
+            <a:off x="-2042623" y="2882544"/>
+            <a:ext cx="5838825" cy="4229100"/>
+          </a:xfrm>
+          <a:prstGeom prst="rect">
+            <a:avLst/>
+          </a:prstGeom>
+        </p:spPr>
+      </p:pic>
+      <p:sp>
+        <p:nvSpPr>
+          <p:cNvPr id="5" name="文本框 3"/>
+          <p:cNvSpPr txBox="1">
+            <a:spLocks noChangeArrowheads="1"/>
+          </p:cNvSpPr>
+          <p:nvPr/>
+        </p:nvSpPr>
+        <p:spPr bwMode="auto">
+          <a:xfrm>
+            <a:off x="2810933" y="-1598433"/>
+            <a:ext cx="6130292" cy="8710077"/>
+          </a:xfrm>
+          <a:prstGeom prst="rect">
+            <a:avLst/>
+          </a:prstGeom>
+          <a:noFill/>
+          <a:ln>
+            <a:noFill/>
+          </a:ln>
+          <a:extLst>
+            <a:ext uri="{909E8E84-426E-40DD-AFC4-6F175D3DCCD1}">
+              <a14:hiddenFill xmlns:a14="http://schemas.microsoft.com/office/drawing/2010/main">
+                <a:solidFill>
+                  <a:srgbClr val="FFFFFF"/>
+                </a:solidFill>
+              </a14:hiddenFill>
+            </a:ext>
+            <a:ext uri="{91240B29-F687-4F45-9708-019B960494DF}">
+              <a14:hiddenLine xmlns:a14="http://schemas.microsoft.com/office/drawing/2010/main" w="9525">
+                <a:solidFill>
+                  <a:srgbClr val="000000"/>
+                </a:solidFill>
+                <a:miter lim="800000"/>
+                <a:headEnd/>
+                <a:tailEnd/>
+              </a14:hiddenLine>
+            </a:ext>
+          </a:extLst>
+        </p:spPr>
+        <p:txBody>
+          <a:bodyPr wrap="square">
+            <a:spAutoFit/>
+          </a:bodyPr>
+          <a:lstStyle>
+            <a:lvl1pPr>
+              <a:spcBef>
+                <a:spcPct val="20000"/>
+              </a:spcBef>
+              <a:buFont typeface="Arial" panose="020B0604020202020204" pitchFamily="34" charset="0"/>
+              <a:buChar char="•"/>
+              <a:defRPr sz="3200">
+                <a:solidFill>
+                  <a:schemeClr val="tx1"/>
+                </a:solidFill>
+                <a:latin typeface="Calibri" panose="020F0502020204030204" pitchFamily="34" charset="0"/>
+                <a:ea typeface="宋体" panose="02010600030101010101" pitchFamily="2" charset="-122"/>
+                <a:sym typeface="Calibri" panose="020F0502020204030204" pitchFamily="34" charset="0"/>
+              </a:defRPr>
+            </a:lvl1pPr>
+            <a:lvl2pPr marL="742950" indent="-285750">
+              <a:spcBef>
+                <a:spcPct val="20000"/>
+              </a:spcBef>
+              <a:buFont typeface="Arial" panose="020B0604020202020204" pitchFamily="34" charset="0"/>
+              <a:buChar char="–"/>
+              <a:defRPr sz="2800">
+                <a:solidFill>
+                  <a:schemeClr val="tx1"/>
+                </a:solidFill>
+                <a:latin typeface="Calibri" panose="020F0502020204030204" pitchFamily="34" charset="0"/>
+                <a:ea typeface="宋体" panose="02010600030101010101" pitchFamily="2" charset="-122"/>
+                <a:sym typeface="Calibri" panose="020F0502020204030204" pitchFamily="34" charset="0"/>
+              </a:defRPr>
+            </a:lvl2pPr>
+            <a:lvl3pPr marL="1143000" indent="-228600">
+              <a:spcBef>
+                <a:spcPct val="20000"/>
+              </a:spcBef>
+              <a:buFont typeface="Arial" panose="020B0604020202020204" pitchFamily="34" charset="0"/>
+              <a:buChar char="•"/>
+              <a:defRPr sz="2400">
+                <a:solidFill>
+                  <a:schemeClr val="tx1"/>
+                </a:solidFill>
+                <a:latin typeface="Calibri" panose="020F0502020204030204" pitchFamily="34" charset="0"/>
+                <a:ea typeface="宋体" panose="02010600030101010101" pitchFamily="2" charset="-122"/>
+                <a:sym typeface="Calibri" panose="020F0502020204030204" pitchFamily="34" charset="0"/>
+              </a:defRPr>
+            </a:lvl3pPr>
+            <a:lvl4pPr marL="1600200" indent="-228600">
+              <a:spcBef>
+                <a:spcPct val="20000"/>
+              </a:spcBef>
+              <a:buFont typeface="Arial" panose="020B0604020202020204" pitchFamily="34" charset="0"/>
+              <a:buChar char="–"/>
+              <a:defRPr sz="2000">
+                <a:solidFill>
+                  <a:schemeClr val="tx1"/>
+                </a:solidFill>
+                <a:latin typeface="Calibri" panose="020F0502020204030204" pitchFamily="34" charset="0"/>
+                <a:ea typeface="宋体" panose="02010600030101010101" pitchFamily="2" charset="-122"/>
+                <a:sym typeface="Calibri" panose="020F0502020204030204" pitchFamily="34" charset="0"/>
+              </a:defRPr>
+            </a:lvl4pPr>
+            <a:lvl5pPr marL="2057400" indent="-228600">
+              <a:spcBef>
+                <a:spcPct val="20000"/>
+              </a:spcBef>
+              <a:buFont typeface="Arial" panose="020B0604020202020204" pitchFamily="34" charset="0"/>
+              <a:buChar char="»"/>
+              <a:defRPr sz="2000">
+                <a:solidFill>
+                  <a:schemeClr val="tx1"/>
+                </a:solidFill>
+                <a:latin typeface="Calibri" panose="020F0502020204030204" pitchFamily="34" charset="0"/>
+                <a:ea typeface="宋体" panose="02010600030101010101" pitchFamily="2" charset="-122"/>
+                <a:sym typeface="Calibri" panose="020F0502020204030204" pitchFamily="34" charset="0"/>
+              </a:defRPr>
+            </a:lvl5pPr>
+            <a:lvl6pPr marL="2514600" indent="-228600" eaLnBrk="0" fontAlgn="base" hangingPunct="0">
+              <a:spcBef>
+                <a:spcPct val="20000"/>
+              </a:spcBef>
+              <a:spcAft>
+                <a:spcPct val="0"/>
+              </a:spcAft>
+              <a:buFont typeface="Arial" panose="020B0604020202020204" pitchFamily="34" charset="0"/>
+              <a:buChar char="»"/>
+              <a:defRPr sz="2000">
+                <a:solidFill>
+                  <a:schemeClr val="tx1"/>
+                </a:solidFill>
+                <a:latin typeface="Calibri" panose="020F0502020204030204" pitchFamily="34" charset="0"/>
+                <a:ea typeface="宋体" panose="02010600030101010101" pitchFamily="2" charset="-122"/>
+                <a:sym typeface="Calibri" panose="020F0502020204030204" pitchFamily="34" charset="0"/>
+              </a:defRPr>
+            </a:lvl6pPr>
+            <a:lvl7pPr marL="2971800" indent="-228600" eaLnBrk="0" fontAlgn="base" hangingPunct="0">
+              <a:spcBef>
+                <a:spcPct val="20000"/>
+              </a:spcBef>
+              <a:spcAft>
+                <a:spcPct val="0"/>
+              </a:spcAft>
+              <a:buFont typeface="Arial" panose="020B0604020202020204" pitchFamily="34" charset="0"/>
+              <a:buChar char="»"/>
+              <a:defRPr sz="2000">
+                <a:solidFill>
+                  <a:schemeClr val="tx1"/>
+                </a:solidFill>
+                <a:latin typeface="Calibri" panose="020F0502020204030204" pitchFamily="34" charset="0"/>
+                <a:ea typeface="宋体" panose="02010600030101010101" pitchFamily="2" charset="-122"/>
+                <a:sym typeface="Calibri" panose="020F0502020204030204" pitchFamily="34" charset="0"/>
+              </a:defRPr>
+            </a:lvl7pPr>
+            <a:lvl8pPr marL="3429000" indent="-228600" eaLnBrk="0" fontAlgn="base" hangingPunct="0">
+              <a:spcBef>
+                <a:spcPct val="20000"/>
+              </a:spcBef>
+              <a:spcAft>
+                <a:spcPct val="0"/>
+              </a:spcAft>
+              <a:buFont typeface="Arial" panose="020B0604020202020204" pitchFamily="34" charset="0"/>
+              <a:buChar char="»"/>
+              <a:defRPr sz="2000">
+                <a:solidFill>
+                  <a:schemeClr val="tx1"/>
+                </a:solidFill>
+                <a:latin typeface="Calibri" panose="020F0502020204030204" pitchFamily="34" charset="0"/>
+                <a:ea typeface="宋体" panose="02010600030101010101" pitchFamily="2" charset="-122"/>
+                <a:sym typeface="Calibri" panose="020F0502020204030204" pitchFamily="34" charset="0"/>
+              </a:defRPr>
+            </a:lvl8pPr>
+            <a:lvl9pPr marL="3886200" indent="-228600" eaLnBrk="0" fontAlgn="base" hangingPunct="0">
+              <a:spcBef>
+                <a:spcPct val="20000"/>
+              </a:spcBef>
+              <a:spcAft>
+                <a:spcPct val="0"/>
+              </a:spcAft>
+              <a:buFont typeface="Arial" panose="020B0604020202020204" pitchFamily="34" charset="0"/>
+              <a:buChar char="»"/>
+              <a:defRPr sz="2000">
+                <a:solidFill>
+                  <a:schemeClr val="tx1"/>
+                </a:solidFill>
+                <a:latin typeface="Calibri" panose="020F0502020204030204" pitchFamily="34" charset="0"/>
+                <a:ea typeface="宋体" panose="02010600030101010101" pitchFamily="2" charset="-122"/>
+                <a:sym typeface="Calibri" panose="020F0502020204030204" pitchFamily="34" charset="0"/>
+              </a:defRPr>
+            </a:lvl9pPr>
+          </a:lstStyle>
+          <a:p>
+            <a:pPr eaLnBrk="1" hangingPunct="1">
+              <a:spcBef>
+                <a:spcPct val="0"/>
+              </a:spcBef>
+              <a:buSzPct val="110000"/>
+              <a:buFontTx/>
+              <a:buNone/>
+            </a:pPr>
+            <a:r>
+              <a:rPr lang="zh-CN" altLang="en-US" sz="2000" dirty="0" smtClean="0">
+                <a:latin typeface="微软雅黑" panose="020B0503020204020204" pitchFamily="34" charset="-122"/>
+                <a:ea typeface="微软雅黑" panose="020B0503020204020204" pitchFamily="34" charset="-122"/>
+                <a:cs typeface="Times New Roman" panose="02020603050405020304" pitchFamily="18" charset="0"/>
+              </a:rPr>
+              <a:t>表达：形态</a:t>
+            </a:r>
+            <a:r>
+              <a:rPr lang="en-US" altLang="zh-CN" sz="2000" dirty="0" smtClean="0">
+                <a:latin typeface="微软雅黑" panose="020B0503020204020204" pitchFamily="34" charset="-122"/>
+                <a:ea typeface="微软雅黑" panose="020B0503020204020204" pitchFamily="34" charset="-122"/>
+                <a:cs typeface="Times New Roman" panose="02020603050405020304" pitchFamily="18" charset="0"/>
+              </a:rPr>
+              <a:t>+</a:t>
+            </a:r>
+            <a:r>
+              <a:rPr lang="zh-CN" altLang="en-US" sz="2000" dirty="0" smtClean="0">
+                <a:latin typeface="微软雅黑" panose="020B0503020204020204" pitchFamily="34" charset="-122"/>
+                <a:ea typeface="微软雅黑" panose="020B0503020204020204" pitchFamily="34" charset="-122"/>
+                <a:cs typeface="Times New Roman" panose="02020603050405020304" pitchFamily="18" charset="0"/>
+              </a:rPr>
+              <a:t>驱动力</a:t>
+            </a:r>
+            <a:r>
+              <a:rPr lang="en-US" altLang="zh-CN" sz="2000" dirty="0" smtClean="0">
+                <a:latin typeface="微软雅黑" panose="020B0503020204020204" pitchFamily="34" charset="-122"/>
+                <a:ea typeface="微软雅黑" panose="020B0503020204020204" pitchFamily="34" charset="-122"/>
+                <a:cs typeface="Times New Roman" panose="02020603050405020304" pitchFamily="18" charset="0"/>
+              </a:rPr>
+              <a:t>+</a:t>
+            </a:r>
+            <a:r>
+              <a:rPr lang="zh-CN" altLang="en-US" sz="2000" dirty="0">
+                <a:latin typeface="微软雅黑" panose="020B0503020204020204" pitchFamily="34" charset="-122"/>
+                <a:ea typeface="微软雅黑" panose="020B0503020204020204" pitchFamily="34" charset="-122"/>
+                <a:cs typeface="Times New Roman" panose="02020603050405020304" pitchFamily="18" charset="0"/>
+              </a:rPr>
+              <a:t>方向</a:t>
+            </a:r>
+            <a:endParaRPr lang="en-US" altLang="zh-CN" sz="2000" dirty="0" smtClean="0">
+              <a:latin typeface="微软雅黑" panose="020B0503020204020204" pitchFamily="34" charset="-122"/>
+              <a:ea typeface="微软雅黑" panose="020B0503020204020204" pitchFamily="34" charset="-122"/>
+              <a:cs typeface="Times New Roman" panose="02020603050405020304" pitchFamily="18" charset="0"/>
+            </a:endParaRPr>
+          </a:p>
+          <a:p>
+            <a:pPr>
+              <a:spcBef>
+                <a:spcPct val="0"/>
+              </a:spcBef>
+              <a:buSzPct val="110000"/>
+              <a:buNone/>
+            </a:pPr>
+            <a:r>
+              <a:rPr lang="en-US" altLang="zh-CN" sz="2000" dirty="0" smtClean="0">
+                <a:latin typeface="微软雅黑" panose="020B0503020204020204" pitchFamily="34" charset="-122"/>
+                <a:ea typeface="微软雅黑" panose="020B0503020204020204" pitchFamily="34" charset="-122"/>
+                <a:cs typeface="Times New Roman" panose="02020603050405020304" pitchFamily="18" charset="0"/>
+              </a:rPr>
+              <a:t>---</a:t>
+            </a:r>
+            <a:r>
+              <a:rPr lang="zh-CN" altLang="en-US" sz="2000" dirty="0">
+                <a:latin typeface="微软雅黑" panose="020B0503020204020204" pitchFamily="34" charset="-122"/>
+                <a:ea typeface="微软雅黑" panose="020B0503020204020204" pitchFamily="34" charset="-122"/>
+                <a:cs typeface="Times New Roman" panose="02020603050405020304" pitchFamily="18" charset="0"/>
+              </a:rPr>
+              <a:t>膜 （忽略温度压力梯度下</a:t>
+            </a:r>
+            <a:r>
+              <a:rPr lang="zh-CN" altLang="en-US" sz="2000" dirty="0" smtClean="0">
+                <a:latin typeface="微软雅黑" panose="020B0503020204020204" pitchFamily="34" charset="-122"/>
+                <a:ea typeface="微软雅黑" panose="020B0503020204020204" pitchFamily="34" charset="-122"/>
+                <a:cs typeface="Times New Roman" panose="02020603050405020304" pitchFamily="18" charset="0"/>
+              </a:rPr>
+              <a:t>的膜态水</a:t>
+            </a:r>
+            <a:r>
+              <a:rPr lang="zh-CN" altLang="en-US" sz="2000" dirty="0">
+                <a:latin typeface="微软雅黑" panose="020B0503020204020204" pitchFamily="34" charset="-122"/>
+                <a:ea typeface="微软雅黑" panose="020B0503020204020204" pitchFamily="34" charset="-122"/>
+                <a:cs typeface="Times New Roman" panose="02020603050405020304" pitchFamily="18" charset="0"/>
+              </a:rPr>
+              <a:t>传输</a:t>
+            </a:r>
+            <a:r>
+              <a:rPr lang="zh-CN" altLang="en-US" sz="2000" dirty="0" smtClean="0">
+                <a:latin typeface="微软雅黑" panose="020B0503020204020204" pitchFamily="34" charset="-122"/>
+                <a:ea typeface="微软雅黑" panose="020B0503020204020204" pitchFamily="34" charset="-122"/>
+                <a:cs typeface="Times New Roman" panose="02020603050405020304" pitchFamily="18" charset="0"/>
+              </a:rPr>
+              <a:t>）</a:t>
+            </a:r>
+            <a:endParaRPr lang="en-US" altLang="zh-CN" sz="2000" dirty="0">
+              <a:latin typeface="微软雅黑" panose="020B0503020204020204" pitchFamily="34" charset="-122"/>
+              <a:ea typeface="微软雅黑" panose="020B0503020204020204" pitchFamily="34" charset="-122"/>
+              <a:cs typeface="Times New Roman" panose="02020603050405020304" pitchFamily="18" charset="0"/>
+            </a:endParaRPr>
+          </a:p>
+          <a:p>
+            <a:pPr marL="342900" indent="-342900">
+              <a:spcBef>
+                <a:spcPct val="0"/>
+              </a:spcBef>
+              <a:buSzPct val="110000"/>
+            </a:pPr>
+            <a:r>
+              <a:rPr lang="en-US" altLang="zh-CN" sz="2000" dirty="0" smtClean="0">
+                <a:latin typeface="微软雅黑" panose="020B0503020204020204" pitchFamily="34" charset="-122"/>
+                <a:ea typeface="微软雅黑" panose="020B0503020204020204" pitchFamily="34" charset="-122"/>
+                <a:cs typeface="Times New Roman" panose="02020603050405020304" pitchFamily="18" charset="0"/>
+              </a:rPr>
+              <a:t>l/g&lt;-&gt;d+</a:t>
+            </a:r>
+            <a:r>
+              <a:rPr lang="zh-CN" altLang="en-US" sz="2000" dirty="0" smtClean="0">
+                <a:latin typeface="微软雅黑" panose="020B0503020204020204" pitchFamily="34" charset="-122"/>
+                <a:ea typeface="微软雅黑" panose="020B0503020204020204" pitchFamily="34" charset="-122"/>
+                <a:cs typeface="Times New Roman" panose="02020603050405020304" pitchFamily="18" charset="0"/>
+              </a:rPr>
+              <a:t>压力 温度</a:t>
+            </a:r>
+            <a:r>
+              <a:rPr lang="en-US" altLang="zh-CN" sz="2000" dirty="0" smtClean="0">
+                <a:latin typeface="微软雅黑" panose="020B0503020204020204" pitchFamily="34" charset="-122"/>
+                <a:ea typeface="微软雅黑" panose="020B0503020204020204" pitchFamily="34" charset="-122"/>
+                <a:cs typeface="Times New Roman" panose="02020603050405020304" pitchFamily="18" charset="0"/>
+              </a:rPr>
+              <a:t>+</a:t>
+            </a:r>
+            <a:r>
+              <a:rPr lang="zh-CN" altLang="en-US" sz="2000" dirty="0" smtClean="0">
+                <a:latin typeface="微软雅黑" panose="020B0503020204020204" pitchFamily="34" charset="-122"/>
+                <a:ea typeface="微软雅黑" panose="020B0503020204020204" pitchFamily="34" charset="-122"/>
+                <a:cs typeface="Times New Roman" panose="02020603050405020304" pitchFamily="18" charset="0"/>
+              </a:rPr>
+              <a:t>无</a:t>
+            </a:r>
+            <a:endParaRPr lang="en-US" altLang="zh-CN" sz="2000" dirty="0" smtClean="0">
+              <a:latin typeface="微软雅黑" panose="020B0503020204020204" pitchFamily="34" charset="-122"/>
+              <a:ea typeface="微软雅黑" panose="020B0503020204020204" pitchFamily="34" charset="-122"/>
+              <a:cs typeface="Times New Roman" panose="02020603050405020304" pitchFamily="18" charset="0"/>
+            </a:endParaRPr>
+          </a:p>
+          <a:p>
+            <a:pPr marL="342900" indent="-342900">
+              <a:spcBef>
+                <a:spcPct val="0"/>
+              </a:spcBef>
+              <a:buSzPct val="110000"/>
+            </a:pPr>
+            <a:r>
+              <a:rPr lang="en-US" altLang="zh-CN" sz="2000" dirty="0" smtClean="0">
+                <a:latin typeface="微软雅黑" panose="020B0503020204020204" pitchFamily="34" charset="-122"/>
+                <a:ea typeface="微软雅黑" panose="020B0503020204020204" pitchFamily="34" charset="-122"/>
+                <a:cs typeface="Times New Roman" panose="02020603050405020304" pitchFamily="18" charset="0"/>
+              </a:rPr>
+              <a:t>d+</a:t>
+            </a:r>
+            <a:r>
+              <a:rPr lang="zh-CN" altLang="en-US" sz="2000" dirty="0" smtClean="0">
+                <a:latin typeface="微软雅黑" panose="020B0503020204020204" pitchFamily="34" charset="-122"/>
+                <a:ea typeface="微软雅黑" panose="020B0503020204020204" pitchFamily="34" charset="-122"/>
+                <a:cs typeface="Times New Roman" panose="02020603050405020304" pitchFamily="18" charset="0"/>
+              </a:rPr>
+              <a:t>电渗拖曳力（电渗拖曳）</a:t>
+            </a:r>
+            <a:r>
+              <a:rPr lang="en-US" altLang="zh-CN" sz="2000" dirty="0" smtClean="0">
+                <a:latin typeface="微软雅黑" panose="020B0503020204020204" pitchFamily="34" charset="-122"/>
+                <a:ea typeface="微软雅黑" panose="020B0503020204020204" pitchFamily="34" charset="-122"/>
+                <a:cs typeface="Times New Roman" panose="02020603050405020304" pitchFamily="18" charset="0"/>
+              </a:rPr>
+              <a:t>+PEM</a:t>
+            </a:r>
+            <a:r>
+              <a:rPr lang="zh-CN" altLang="en-US" sz="2000" dirty="0" smtClean="0">
+                <a:latin typeface="微软雅黑" panose="020B0503020204020204" pitchFamily="34" charset="-122"/>
+                <a:ea typeface="微软雅黑" panose="020B0503020204020204" pitchFamily="34" charset="-122"/>
+                <a:cs typeface="Times New Roman" panose="02020603050405020304" pitchFamily="18" charset="0"/>
+              </a:rPr>
+              <a:t>到</a:t>
+            </a:r>
+            <a:r>
+              <a:rPr lang="en-US" altLang="zh-CN" sz="2000" dirty="0" err="1" smtClean="0">
+                <a:latin typeface="微软雅黑" panose="020B0503020204020204" pitchFamily="34" charset="-122"/>
+                <a:ea typeface="微软雅黑" panose="020B0503020204020204" pitchFamily="34" charset="-122"/>
+                <a:cs typeface="Times New Roman" panose="02020603050405020304" pitchFamily="18" charset="0"/>
+              </a:rPr>
+              <a:t>CL</a:t>
+            </a:r>
+            <a:r>
+              <a:rPr lang="en-US" altLang="zh-CN" sz="2000" baseline="-25000" dirty="0" err="1" smtClean="0">
+                <a:latin typeface="微软雅黑" panose="020B0503020204020204" pitchFamily="34" charset="-122"/>
+                <a:ea typeface="微软雅黑" panose="020B0503020204020204" pitchFamily="34" charset="-122"/>
+                <a:cs typeface="Times New Roman" panose="02020603050405020304" pitchFamily="18" charset="0"/>
+              </a:rPr>
+              <a:t>c</a:t>
+            </a:r>
+            <a:r>
+              <a:rPr lang="en-US" altLang="zh-CN" sz="2000" dirty="0" smtClean="0">
+                <a:latin typeface="微软雅黑" panose="020B0503020204020204" pitchFamily="34" charset="-122"/>
+                <a:ea typeface="微软雅黑" panose="020B0503020204020204" pitchFamily="34" charset="-122"/>
+                <a:cs typeface="Times New Roman" panose="02020603050405020304" pitchFamily="18" charset="0"/>
+              </a:rPr>
+              <a:t>/</a:t>
+            </a:r>
+            <a:r>
+              <a:rPr lang="zh-CN" altLang="en-US" sz="2000" dirty="0" smtClean="0">
+                <a:latin typeface="微软雅黑" panose="020B0503020204020204" pitchFamily="34" charset="-122"/>
+                <a:ea typeface="微软雅黑" panose="020B0503020204020204" pitchFamily="34" charset="-122"/>
+                <a:cs typeface="Times New Roman" panose="02020603050405020304" pitchFamily="18" charset="0"/>
+              </a:rPr>
+              <a:t>阳极到阴极</a:t>
+            </a:r>
+            <a:endParaRPr lang="en-US" altLang="zh-CN" sz="2000" dirty="0" smtClean="0">
+              <a:latin typeface="微软雅黑" panose="020B0503020204020204" pitchFamily="34" charset="-122"/>
+              <a:ea typeface="微软雅黑" panose="020B0503020204020204" pitchFamily="34" charset="-122"/>
+              <a:cs typeface="Times New Roman" panose="02020603050405020304" pitchFamily="18" charset="0"/>
+            </a:endParaRPr>
+          </a:p>
+          <a:p>
+            <a:pPr marL="342900" indent="-342900">
+              <a:spcBef>
+                <a:spcPct val="0"/>
+              </a:spcBef>
+              <a:buSzPct val="110000"/>
+            </a:pPr>
+            <a:r>
+              <a:rPr lang="en-US" altLang="zh-CN" sz="2000" dirty="0" smtClean="0">
+                <a:latin typeface="微软雅黑" panose="020B0503020204020204" pitchFamily="34" charset="-122"/>
+                <a:ea typeface="微软雅黑" panose="020B0503020204020204" pitchFamily="34" charset="-122"/>
+                <a:cs typeface="Times New Roman" panose="02020603050405020304" pitchFamily="18" charset="0"/>
+              </a:rPr>
+              <a:t>d+</a:t>
+            </a:r>
+            <a:r>
+              <a:rPr lang="zh-CN" altLang="en-US" sz="2000" dirty="0" smtClean="0">
+                <a:latin typeface="微软雅黑" panose="020B0503020204020204" pitchFamily="34" charset="-122"/>
+                <a:ea typeface="微软雅黑" panose="020B0503020204020204" pitchFamily="34" charset="-122"/>
+                <a:cs typeface="Times New Roman" panose="02020603050405020304" pitchFamily="18" charset="0"/>
+              </a:rPr>
+              <a:t>化学位梯度（扩散）</a:t>
+            </a:r>
+            <a:r>
+              <a:rPr lang="en-US" altLang="zh-CN" sz="2000" dirty="0">
+                <a:latin typeface="微软雅黑" panose="020B0503020204020204" pitchFamily="34" charset="-122"/>
+                <a:ea typeface="微软雅黑" panose="020B0503020204020204" pitchFamily="34" charset="-122"/>
+                <a:cs typeface="Times New Roman" panose="02020603050405020304" pitchFamily="18" charset="0"/>
+              </a:rPr>
+              <a:t>+ PEM</a:t>
+            </a:r>
+            <a:r>
+              <a:rPr lang="zh-CN" altLang="en-US" sz="2000" dirty="0">
+                <a:latin typeface="微软雅黑" panose="020B0503020204020204" pitchFamily="34" charset="-122"/>
+                <a:ea typeface="微软雅黑" panose="020B0503020204020204" pitchFamily="34" charset="-122"/>
+                <a:cs typeface="Times New Roman" panose="02020603050405020304" pitchFamily="18" charset="0"/>
+              </a:rPr>
+              <a:t>到</a:t>
+            </a:r>
+            <a:r>
+              <a:rPr lang="en-US" altLang="zh-CN" sz="2000" dirty="0" err="1" smtClean="0">
+                <a:latin typeface="微软雅黑" panose="020B0503020204020204" pitchFamily="34" charset="-122"/>
+                <a:ea typeface="微软雅黑" panose="020B0503020204020204" pitchFamily="34" charset="-122"/>
+                <a:cs typeface="Times New Roman" panose="02020603050405020304" pitchFamily="18" charset="0"/>
+              </a:rPr>
+              <a:t>CL</a:t>
+            </a:r>
+            <a:r>
+              <a:rPr lang="en-US" altLang="zh-CN" sz="2000" baseline="-25000" dirty="0" err="1" smtClean="0">
+                <a:latin typeface="微软雅黑" panose="020B0503020204020204" pitchFamily="34" charset="-122"/>
+                <a:ea typeface="微软雅黑" panose="020B0503020204020204" pitchFamily="34" charset="-122"/>
+                <a:cs typeface="Times New Roman" panose="02020603050405020304" pitchFamily="18" charset="0"/>
+              </a:rPr>
+              <a:t>a</a:t>
+            </a:r>
+            <a:r>
+              <a:rPr lang="zh-CN" altLang="en-US" sz="2000" dirty="0" smtClean="0">
+                <a:latin typeface="微软雅黑" panose="020B0503020204020204" pitchFamily="34" charset="-122"/>
+                <a:ea typeface="微软雅黑" panose="020B0503020204020204" pitchFamily="34" charset="-122"/>
+                <a:cs typeface="Times New Roman" panose="02020603050405020304" pitchFamily="18" charset="0"/>
+              </a:rPr>
+              <a:t>阴极到阳极</a:t>
+            </a:r>
+            <a:endParaRPr lang="en-US" altLang="zh-CN" sz="2000" dirty="0" smtClean="0">
+              <a:latin typeface="微软雅黑" panose="020B0503020204020204" pitchFamily="34" charset="-122"/>
+              <a:ea typeface="微软雅黑" panose="020B0503020204020204" pitchFamily="34" charset="-122"/>
+              <a:cs typeface="Times New Roman" panose="02020603050405020304" pitchFamily="18" charset="0"/>
+            </a:endParaRPr>
+          </a:p>
+          <a:p>
+            <a:pPr marL="342900" indent="-342900">
+              <a:spcBef>
+                <a:spcPct val="0"/>
+              </a:spcBef>
+              <a:buSzPct val="110000"/>
+            </a:pPr>
+            <a:endParaRPr lang="en-US" altLang="zh-CN" sz="2000" dirty="0" smtClean="0">
+              <a:latin typeface="微软雅黑" panose="020B0503020204020204" pitchFamily="34" charset="-122"/>
+              <a:ea typeface="微软雅黑" panose="020B0503020204020204" pitchFamily="34" charset="-122"/>
+              <a:cs typeface="Times New Roman" panose="02020603050405020304" pitchFamily="18" charset="0"/>
+            </a:endParaRPr>
+          </a:p>
+          <a:p>
+            <a:pPr>
+              <a:spcBef>
+                <a:spcPct val="0"/>
+              </a:spcBef>
+              <a:buSzPct val="110000"/>
+              <a:buNone/>
+            </a:pPr>
+            <a:r>
+              <a:rPr lang="en-US" altLang="zh-CN" sz="2000" dirty="0" smtClean="0">
+                <a:latin typeface="微软雅黑" panose="020B0503020204020204" pitchFamily="34" charset="-122"/>
+                <a:ea typeface="微软雅黑" panose="020B0503020204020204" pitchFamily="34" charset="-122"/>
+                <a:cs typeface="Times New Roman" panose="02020603050405020304" pitchFamily="18" charset="0"/>
+              </a:rPr>
+              <a:t>---GDL</a:t>
+            </a:r>
+            <a:endParaRPr lang="en-US" altLang="zh-CN" sz="2000" baseline="-25000" dirty="0" smtClean="0">
+              <a:latin typeface="微软雅黑" panose="020B0503020204020204" pitchFamily="34" charset="-122"/>
+              <a:ea typeface="微软雅黑" panose="020B0503020204020204" pitchFamily="34" charset="-122"/>
+              <a:cs typeface="Times New Roman" panose="02020603050405020304" pitchFamily="18" charset="0"/>
+            </a:endParaRPr>
+          </a:p>
+          <a:p>
+            <a:pPr marL="342900" indent="-342900">
+              <a:spcBef>
+                <a:spcPct val="0"/>
+              </a:spcBef>
+              <a:buSzPct val="110000"/>
+            </a:pPr>
+            <a:r>
+              <a:rPr lang="en-US" altLang="zh-CN" sz="2000" dirty="0">
+                <a:latin typeface="微软雅黑" panose="020B0503020204020204" pitchFamily="34" charset="-122"/>
+                <a:ea typeface="微软雅黑" panose="020B0503020204020204" pitchFamily="34" charset="-122"/>
+                <a:cs typeface="Times New Roman" panose="02020603050405020304" pitchFamily="18" charset="0"/>
+              </a:rPr>
+              <a:t>g&lt;-&gt;l + </a:t>
+            </a:r>
+            <a:r>
+              <a:rPr lang="zh-CN" altLang="en-US" sz="2000" dirty="0">
+                <a:latin typeface="微软雅黑" panose="020B0503020204020204" pitchFamily="34" charset="-122"/>
+                <a:ea typeface="微软雅黑" panose="020B0503020204020204" pitchFamily="34" charset="-122"/>
+                <a:cs typeface="Times New Roman" panose="02020603050405020304" pitchFamily="18" charset="0"/>
+              </a:rPr>
+              <a:t>压力 温度</a:t>
+            </a:r>
+            <a:r>
+              <a:rPr lang="en-US" altLang="zh-CN" sz="2000" dirty="0">
+                <a:latin typeface="微软雅黑" panose="020B0503020204020204" pitchFamily="34" charset="-122"/>
+                <a:ea typeface="微软雅黑" panose="020B0503020204020204" pitchFamily="34" charset="-122"/>
+                <a:cs typeface="Times New Roman" panose="02020603050405020304" pitchFamily="18" charset="0"/>
+              </a:rPr>
+              <a:t>+</a:t>
+            </a:r>
+            <a:r>
+              <a:rPr lang="zh-CN" altLang="en-US" sz="2000" dirty="0">
+                <a:latin typeface="微软雅黑" panose="020B0503020204020204" pitchFamily="34" charset="-122"/>
+                <a:ea typeface="微软雅黑" panose="020B0503020204020204" pitchFamily="34" charset="-122"/>
+                <a:cs typeface="Times New Roman" panose="02020603050405020304" pitchFamily="18" charset="0"/>
+              </a:rPr>
+              <a:t>无</a:t>
+            </a:r>
+            <a:endParaRPr lang="en-US" altLang="zh-CN" sz="2000" dirty="0">
+              <a:latin typeface="微软雅黑" panose="020B0503020204020204" pitchFamily="34" charset="-122"/>
+              <a:ea typeface="微软雅黑" panose="020B0503020204020204" pitchFamily="34" charset="-122"/>
+              <a:cs typeface="Times New Roman" panose="02020603050405020304" pitchFamily="18" charset="0"/>
+            </a:endParaRPr>
+          </a:p>
+          <a:p>
+            <a:pPr marL="342900" indent="-342900">
+              <a:spcBef>
+                <a:spcPct val="0"/>
+              </a:spcBef>
+              <a:buSzPct val="110000"/>
+            </a:pPr>
+            <a:r>
+              <a:rPr lang="en-US" altLang="zh-CN" sz="2000" dirty="0" smtClean="0">
+                <a:latin typeface="微软雅黑" panose="020B0503020204020204" pitchFamily="34" charset="-122"/>
+                <a:ea typeface="微软雅黑" panose="020B0503020204020204" pitchFamily="34" charset="-122"/>
+                <a:cs typeface="Times New Roman" panose="02020603050405020304" pitchFamily="18" charset="0"/>
+              </a:rPr>
+              <a:t>g +</a:t>
+            </a:r>
+            <a:r>
+              <a:rPr lang="zh-CN" altLang="en-US" sz="2000" dirty="0">
+                <a:latin typeface="微软雅黑" panose="020B0503020204020204" pitchFamily="34" charset="-122"/>
+                <a:ea typeface="微软雅黑" panose="020B0503020204020204" pitchFamily="34" charset="-122"/>
+                <a:cs typeface="Times New Roman" panose="02020603050405020304" pitchFamily="18" charset="0"/>
+              </a:rPr>
+              <a:t>化学位梯度（</a:t>
+            </a:r>
+            <a:r>
+              <a:rPr lang="zh-CN" altLang="en-US" sz="2000" dirty="0" smtClean="0">
+                <a:latin typeface="微软雅黑" panose="020B0503020204020204" pitchFamily="34" charset="-122"/>
+                <a:ea typeface="微软雅黑" panose="020B0503020204020204" pitchFamily="34" charset="-122"/>
+                <a:cs typeface="Times New Roman" panose="02020603050405020304" pitchFamily="18" charset="0"/>
+              </a:rPr>
+              <a:t>扩散）</a:t>
+            </a:r>
+            <a:r>
+              <a:rPr lang="en-US" altLang="zh-CN" sz="2000" dirty="0" smtClean="0">
+                <a:latin typeface="微软雅黑" panose="020B0503020204020204" pitchFamily="34" charset="-122"/>
+                <a:ea typeface="微软雅黑" panose="020B0503020204020204" pitchFamily="34" charset="-122"/>
+                <a:cs typeface="Times New Roman" panose="02020603050405020304" pitchFamily="18" charset="0"/>
+              </a:rPr>
+              <a:t>+ GDL</a:t>
+            </a:r>
+            <a:r>
+              <a:rPr lang="zh-CN" altLang="en-US" sz="2000" dirty="0" smtClean="0">
+                <a:latin typeface="微软雅黑" panose="020B0503020204020204" pitchFamily="34" charset="-122"/>
+                <a:ea typeface="微软雅黑" panose="020B0503020204020204" pitchFamily="34" charset="-122"/>
+                <a:cs typeface="Times New Roman" panose="02020603050405020304" pitchFamily="18" charset="0"/>
+              </a:rPr>
+              <a:t>到</a:t>
+            </a:r>
+            <a:r>
+              <a:rPr lang="en-US" altLang="zh-CN" sz="2000" dirty="0" smtClean="0">
+                <a:latin typeface="微软雅黑" panose="020B0503020204020204" pitchFamily="34" charset="-122"/>
+                <a:ea typeface="微软雅黑" panose="020B0503020204020204" pitchFamily="34" charset="-122"/>
+                <a:cs typeface="Times New Roman" panose="02020603050405020304" pitchFamily="18" charset="0"/>
+              </a:rPr>
+              <a:t>CL</a:t>
+            </a:r>
+          </a:p>
+          <a:p>
+            <a:pPr marL="342900" indent="-342900">
+              <a:spcBef>
+                <a:spcPct val="0"/>
+              </a:spcBef>
+              <a:buSzPct val="110000"/>
+            </a:pPr>
+            <a:r>
+              <a:rPr lang="en-US" altLang="zh-CN" sz="2000" dirty="0">
+                <a:latin typeface="微软雅黑" panose="020B0503020204020204" pitchFamily="34" charset="-122"/>
+                <a:ea typeface="微软雅黑" panose="020B0503020204020204" pitchFamily="34" charset="-122"/>
+                <a:cs typeface="Times New Roman" panose="02020603050405020304" pitchFamily="18" charset="0"/>
+              </a:rPr>
+              <a:t>l</a:t>
+            </a:r>
+            <a:r>
+              <a:rPr lang="en-US" altLang="zh-CN" sz="2000" dirty="0" smtClean="0">
+                <a:latin typeface="微软雅黑" panose="020B0503020204020204" pitchFamily="34" charset="-122"/>
+                <a:ea typeface="微软雅黑" panose="020B0503020204020204" pitchFamily="34" charset="-122"/>
+                <a:cs typeface="Times New Roman" panose="02020603050405020304" pitchFamily="18" charset="0"/>
+              </a:rPr>
+              <a:t> +</a:t>
+            </a:r>
+            <a:r>
+              <a:rPr lang="zh-CN" altLang="en-US" sz="2000" dirty="0">
+                <a:latin typeface="微软雅黑" panose="020B0503020204020204" pitchFamily="34" charset="-122"/>
+                <a:ea typeface="微软雅黑" panose="020B0503020204020204" pitchFamily="34" charset="-122"/>
+                <a:cs typeface="Times New Roman" panose="02020603050405020304" pitchFamily="18" charset="0"/>
+              </a:rPr>
+              <a:t>化学位梯度</a:t>
+            </a:r>
+            <a:r>
+              <a:rPr lang="zh-CN" altLang="en-US" sz="2000" dirty="0" smtClean="0">
+                <a:latin typeface="微软雅黑" panose="020B0503020204020204" pitchFamily="34" charset="-122"/>
+                <a:ea typeface="微软雅黑" panose="020B0503020204020204" pitchFamily="34" charset="-122"/>
+                <a:cs typeface="Times New Roman" panose="02020603050405020304" pitchFamily="18" charset="0"/>
+              </a:rPr>
+              <a:t>（</a:t>
+            </a:r>
+            <a:r>
+              <a:rPr lang="zh-CN" altLang="en-US" sz="2000" dirty="0">
+                <a:latin typeface="微软雅黑" panose="020B0503020204020204" pitchFamily="34" charset="-122"/>
+                <a:ea typeface="微软雅黑" panose="020B0503020204020204" pitchFamily="34" charset="-122"/>
+                <a:cs typeface="Times New Roman" panose="02020603050405020304" pitchFamily="18" charset="0"/>
+              </a:rPr>
+              <a:t>扩散）</a:t>
+            </a:r>
+            <a:r>
+              <a:rPr lang="en-US" altLang="zh-CN" sz="2000" dirty="0">
+                <a:latin typeface="微软雅黑" panose="020B0503020204020204" pitchFamily="34" charset="-122"/>
+                <a:ea typeface="微软雅黑" panose="020B0503020204020204" pitchFamily="34" charset="-122"/>
+                <a:cs typeface="Times New Roman" panose="02020603050405020304" pitchFamily="18" charset="0"/>
+              </a:rPr>
+              <a:t>+ GDL</a:t>
+            </a:r>
+            <a:r>
+              <a:rPr lang="zh-CN" altLang="en-US" sz="2000" dirty="0" smtClean="0">
+                <a:latin typeface="微软雅黑" panose="020B0503020204020204" pitchFamily="34" charset="-122"/>
+                <a:ea typeface="微软雅黑" panose="020B0503020204020204" pitchFamily="34" charset="-122"/>
+                <a:cs typeface="Times New Roman" panose="02020603050405020304" pitchFamily="18" charset="0"/>
+              </a:rPr>
+              <a:t>到</a:t>
+            </a:r>
+            <a:r>
+              <a:rPr lang="en-US" altLang="zh-CN" sz="2000" dirty="0" smtClean="0">
+                <a:latin typeface="微软雅黑" panose="020B0503020204020204" pitchFamily="34" charset="-122"/>
+                <a:ea typeface="微软雅黑" panose="020B0503020204020204" pitchFamily="34" charset="-122"/>
+                <a:cs typeface="Times New Roman" panose="02020603050405020304" pitchFamily="18" charset="0"/>
+              </a:rPr>
+              <a:t>channel</a:t>
+            </a:r>
+            <a:r>
+              <a:rPr lang="zh-CN" altLang="en-US" sz="2000" dirty="0" smtClean="0">
+                <a:latin typeface="微软雅黑" panose="020B0503020204020204" pitchFamily="34" charset="-122"/>
+                <a:ea typeface="微软雅黑" panose="020B0503020204020204" pitchFamily="34" charset="-122"/>
+                <a:cs typeface="Times New Roman" panose="02020603050405020304" pitchFamily="18" charset="0"/>
+              </a:rPr>
+              <a:t>，</a:t>
+            </a:r>
+            <a:r>
+              <a:rPr lang="en-US" altLang="zh-CN" sz="2000" dirty="0" smtClean="0">
+                <a:latin typeface="微软雅黑" panose="020B0503020204020204" pitchFamily="34" charset="-122"/>
+                <a:ea typeface="微软雅黑" panose="020B0503020204020204" pitchFamily="34" charset="-122"/>
+                <a:cs typeface="Times New Roman" panose="02020603050405020304" pitchFamily="18" charset="0"/>
+              </a:rPr>
+              <a:t>CL</a:t>
+            </a:r>
+          </a:p>
+          <a:p>
+            <a:pPr marL="342900" indent="-342900">
+              <a:spcBef>
+                <a:spcPct val="0"/>
+              </a:spcBef>
+              <a:buSzPct val="110000"/>
+            </a:pPr>
+            <a:r>
+              <a:rPr lang="en-US" altLang="zh-CN" sz="2000" dirty="0" smtClean="0">
+                <a:latin typeface="微软雅黑" panose="020B0503020204020204" pitchFamily="34" charset="-122"/>
+                <a:ea typeface="微软雅黑" panose="020B0503020204020204" pitchFamily="34" charset="-122"/>
+                <a:cs typeface="Times New Roman" panose="02020603050405020304" pitchFamily="18" charset="0"/>
+              </a:rPr>
+              <a:t>l+</a:t>
+            </a:r>
+            <a:r>
+              <a:rPr lang="zh-CN" altLang="en-US" sz="2000" dirty="0">
+                <a:latin typeface="微软雅黑" panose="020B0503020204020204" pitchFamily="34" charset="-122"/>
+                <a:ea typeface="微软雅黑" panose="020B0503020204020204" pitchFamily="34" charset="-122"/>
+                <a:cs typeface="Times New Roman" panose="02020603050405020304" pitchFamily="18" charset="0"/>
+              </a:rPr>
+              <a:t>毛细</a:t>
+            </a:r>
+            <a:r>
+              <a:rPr lang="zh-CN" altLang="en-US" sz="2000" dirty="0" smtClean="0">
+                <a:latin typeface="微软雅黑" panose="020B0503020204020204" pitchFamily="34" charset="-122"/>
+                <a:ea typeface="微软雅黑" panose="020B0503020204020204" pitchFamily="34" charset="-122"/>
+                <a:cs typeface="Times New Roman" panose="02020603050405020304" pitchFamily="18" charset="0"/>
+              </a:rPr>
+              <a:t>压力</a:t>
+            </a:r>
+            <a:r>
+              <a:rPr lang="en-US" altLang="zh-CN" sz="2000" dirty="0" smtClean="0">
+                <a:latin typeface="微软雅黑" panose="020B0503020204020204" pitchFamily="34" charset="-122"/>
+                <a:ea typeface="微软雅黑" panose="020B0503020204020204" pitchFamily="34" charset="-122"/>
+                <a:cs typeface="Times New Roman" panose="02020603050405020304" pitchFamily="18" charset="0"/>
+              </a:rPr>
+              <a:t>(</a:t>
+            </a:r>
+            <a:r>
+              <a:rPr lang="zh-CN" altLang="en-US" sz="2000" dirty="0">
+                <a:latin typeface="微软雅黑" panose="020B0503020204020204" pitchFamily="34" charset="-122"/>
+                <a:ea typeface="微软雅黑" panose="020B0503020204020204" pitchFamily="34" charset="-122"/>
+                <a:cs typeface="Times New Roman" panose="02020603050405020304" pitchFamily="18" charset="0"/>
+              </a:rPr>
+              <a:t>孔</a:t>
+            </a:r>
+            <a:r>
+              <a:rPr lang="zh-CN" altLang="en-US" sz="2000" dirty="0" smtClean="0">
+                <a:latin typeface="微软雅黑" panose="020B0503020204020204" pitchFamily="34" charset="-122"/>
+                <a:ea typeface="微软雅黑" panose="020B0503020204020204" pitchFamily="34" charset="-122"/>
+                <a:cs typeface="Times New Roman" panose="02020603050405020304" pitchFamily="18" charset="0"/>
+              </a:rPr>
+              <a:t>隙内</a:t>
+            </a:r>
+            <a:r>
+              <a:rPr lang="en-US" altLang="zh-CN" sz="2000" dirty="0" smtClean="0">
+                <a:latin typeface="微软雅黑" panose="020B0503020204020204" pitchFamily="34" charset="-122"/>
+                <a:ea typeface="微软雅黑" panose="020B0503020204020204" pitchFamily="34" charset="-122"/>
+                <a:cs typeface="Times New Roman" panose="02020603050405020304" pitchFamily="18" charset="0"/>
+              </a:rPr>
+              <a:t>) + GDL</a:t>
+            </a:r>
+            <a:r>
+              <a:rPr lang="zh-CN" altLang="en-US" sz="2000" dirty="0" smtClean="0">
+                <a:latin typeface="微软雅黑" panose="020B0503020204020204" pitchFamily="34" charset="-122"/>
+                <a:ea typeface="微软雅黑" panose="020B0503020204020204" pitchFamily="34" charset="-122"/>
+                <a:cs typeface="Times New Roman" panose="02020603050405020304" pitchFamily="18" charset="0"/>
+              </a:rPr>
+              <a:t>到</a:t>
+            </a:r>
+            <a:r>
+              <a:rPr lang="en-US" altLang="zh-CN" sz="2000" dirty="0" smtClean="0">
+                <a:latin typeface="微软雅黑" panose="020B0503020204020204" pitchFamily="34" charset="-122"/>
+                <a:ea typeface="微软雅黑" panose="020B0503020204020204" pitchFamily="34" charset="-122"/>
+                <a:cs typeface="Times New Roman" panose="02020603050405020304" pitchFamily="18" charset="0"/>
+              </a:rPr>
+              <a:t>channel</a:t>
+            </a:r>
+            <a:endParaRPr lang="en-US" altLang="zh-CN" sz="2000" dirty="0">
+              <a:latin typeface="微软雅黑" panose="020B0503020204020204" pitchFamily="34" charset="-122"/>
+              <a:ea typeface="微软雅黑" panose="020B0503020204020204" pitchFamily="34" charset="-122"/>
+              <a:cs typeface="Times New Roman" panose="02020603050405020304" pitchFamily="18" charset="0"/>
+            </a:endParaRPr>
+          </a:p>
+          <a:p>
+            <a:pPr>
+              <a:spcBef>
+                <a:spcPct val="0"/>
+              </a:spcBef>
+              <a:buSzPct val="110000"/>
+              <a:buNone/>
+            </a:pPr>
+            <a:endParaRPr lang="en-US" altLang="zh-CN" sz="2000" dirty="0" smtClean="0">
+              <a:latin typeface="微软雅黑" panose="020B0503020204020204" pitchFamily="34" charset="-122"/>
+              <a:ea typeface="微软雅黑" panose="020B0503020204020204" pitchFamily="34" charset="-122"/>
+              <a:cs typeface="Times New Roman" panose="02020603050405020304" pitchFamily="18" charset="0"/>
+            </a:endParaRPr>
+          </a:p>
+          <a:p>
+            <a:pPr>
+              <a:spcBef>
+                <a:spcPct val="0"/>
+              </a:spcBef>
+              <a:buSzPct val="110000"/>
+              <a:buNone/>
+            </a:pPr>
+            <a:r>
+              <a:rPr lang="en-US" altLang="zh-CN" sz="2000" dirty="0" smtClean="0">
+                <a:latin typeface="微软雅黑" panose="020B0503020204020204" pitchFamily="34" charset="-122"/>
+                <a:ea typeface="微软雅黑" panose="020B0503020204020204" pitchFamily="34" charset="-122"/>
+                <a:cs typeface="Times New Roman" panose="02020603050405020304" pitchFamily="18" charset="0"/>
+              </a:rPr>
+              <a:t>---CL</a:t>
+            </a:r>
+            <a:endParaRPr lang="en-US" altLang="zh-CN" sz="2000" dirty="0">
+              <a:latin typeface="微软雅黑" panose="020B0503020204020204" pitchFamily="34" charset="-122"/>
+              <a:ea typeface="微软雅黑" panose="020B0503020204020204" pitchFamily="34" charset="-122"/>
+              <a:cs typeface="Times New Roman" panose="02020603050405020304" pitchFamily="18" charset="0"/>
+            </a:endParaRPr>
+          </a:p>
+          <a:p>
+            <a:pPr marL="342900" indent="-342900">
+              <a:spcBef>
+                <a:spcPct val="0"/>
+              </a:spcBef>
+              <a:buSzPct val="110000"/>
+            </a:pPr>
+            <a:r>
+              <a:rPr lang="en-US" altLang="zh-CN" sz="2000" dirty="0">
+                <a:latin typeface="微软雅黑" panose="020B0503020204020204" pitchFamily="34" charset="-122"/>
+                <a:ea typeface="微软雅黑" panose="020B0503020204020204" pitchFamily="34" charset="-122"/>
+                <a:cs typeface="Times New Roman" panose="02020603050405020304" pitchFamily="18" charset="0"/>
+              </a:rPr>
+              <a:t>l/g&lt;-&gt;d+</a:t>
+            </a:r>
+            <a:r>
+              <a:rPr lang="zh-CN" altLang="en-US" sz="2000" dirty="0">
+                <a:latin typeface="微软雅黑" panose="020B0503020204020204" pitchFamily="34" charset="-122"/>
+                <a:ea typeface="微软雅黑" panose="020B0503020204020204" pitchFamily="34" charset="-122"/>
+                <a:cs typeface="Times New Roman" panose="02020603050405020304" pitchFamily="18" charset="0"/>
+              </a:rPr>
+              <a:t>压力 温度</a:t>
+            </a:r>
+            <a:r>
+              <a:rPr lang="en-US" altLang="zh-CN" sz="2000" dirty="0">
+                <a:latin typeface="微软雅黑" panose="020B0503020204020204" pitchFamily="34" charset="-122"/>
+                <a:ea typeface="微软雅黑" panose="020B0503020204020204" pitchFamily="34" charset="-122"/>
+                <a:cs typeface="Times New Roman" panose="02020603050405020304" pitchFamily="18" charset="0"/>
+              </a:rPr>
+              <a:t>+</a:t>
+            </a:r>
+            <a:r>
+              <a:rPr lang="zh-CN" altLang="en-US" sz="2000" dirty="0" smtClean="0">
+                <a:latin typeface="微软雅黑" panose="020B0503020204020204" pitchFamily="34" charset="-122"/>
+                <a:ea typeface="微软雅黑" panose="020B0503020204020204" pitchFamily="34" charset="-122"/>
+                <a:cs typeface="Times New Roman" panose="02020603050405020304" pitchFamily="18" charset="0"/>
+              </a:rPr>
+              <a:t>无</a:t>
+            </a:r>
+            <a:endParaRPr lang="en-US" altLang="zh-CN" sz="2000" dirty="0" smtClean="0">
+              <a:latin typeface="微软雅黑" panose="020B0503020204020204" pitchFamily="34" charset="-122"/>
+              <a:ea typeface="微软雅黑" panose="020B0503020204020204" pitchFamily="34" charset="-122"/>
+              <a:cs typeface="Times New Roman" panose="02020603050405020304" pitchFamily="18" charset="0"/>
+            </a:endParaRPr>
+          </a:p>
+          <a:p>
+            <a:pPr marL="342900" indent="-342900">
+              <a:spcBef>
+                <a:spcPct val="0"/>
+              </a:spcBef>
+              <a:buSzPct val="110000"/>
+            </a:pPr>
+            <a:r>
+              <a:rPr lang="en-US" altLang="zh-CN" sz="2000" dirty="0">
+                <a:latin typeface="微软雅黑" panose="020B0503020204020204" pitchFamily="34" charset="-122"/>
+                <a:ea typeface="微软雅黑" panose="020B0503020204020204" pitchFamily="34" charset="-122"/>
+                <a:cs typeface="Times New Roman" panose="02020603050405020304" pitchFamily="18" charset="0"/>
+              </a:rPr>
+              <a:t>g&lt;-&gt;l+</a:t>
+            </a:r>
+            <a:r>
+              <a:rPr lang="zh-CN" altLang="en-US" sz="2000" dirty="0">
+                <a:latin typeface="微软雅黑" panose="020B0503020204020204" pitchFamily="34" charset="-122"/>
+                <a:ea typeface="微软雅黑" panose="020B0503020204020204" pitchFamily="34" charset="-122"/>
+                <a:cs typeface="Times New Roman" panose="02020603050405020304" pitchFamily="18" charset="0"/>
+              </a:rPr>
+              <a:t>压力 温度</a:t>
+            </a:r>
+            <a:r>
+              <a:rPr lang="en-US" altLang="zh-CN" sz="2000" dirty="0">
+                <a:latin typeface="微软雅黑" panose="020B0503020204020204" pitchFamily="34" charset="-122"/>
+                <a:ea typeface="微软雅黑" panose="020B0503020204020204" pitchFamily="34" charset="-122"/>
+                <a:cs typeface="Times New Roman" panose="02020603050405020304" pitchFamily="18" charset="0"/>
+              </a:rPr>
+              <a:t>+</a:t>
+            </a:r>
+            <a:r>
+              <a:rPr lang="zh-CN" altLang="en-US" sz="2000" dirty="0" smtClean="0">
+                <a:latin typeface="微软雅黑" panose="020B0503020204020204" pitchFamily="34" charset="-122"/>
+                <a:ea typeface="微软雅黑" panose="020B0503020204020204" pitchFamily="34" charset="-122"/>
+                <a:cs typeface="Times New Roman" panose="02020603050405020304" pitchFamily="18" charset="0"/>
+              </a:rPr>
+              <a:t>无</a:t>
+            </a:r>
+            <a:endParaRPr lang="en-US" altLang="zh-CN" sz="2000" dirty="0" smtClean="0">
+              <a:latin typeface="微软雅黑" panose="020B0503020204020204" pitchFamily="34" charset="-122"/>
+              <a:ea typeface="微软雅黑" panose="020B0503020204020204" pitchFamily="34" charset="-122"/>
+              <a:cs typeface="Times New Roman" panose="02020603050405020304" pitchFamily="18" charset="0"/>
+            </a:endParaRPr>
+          </a:p>
+          <a:p>
+            <a:pPr marL="342900" indent="-342900">
+              <a:spcBef>
+                <a:spcPct val="0"/>
+              </a:spcBef>
+              <a:buSzPct val="110000"/>
+            </a:pPr>
+            <a:r>
+              <a:rPr lang="en-US" altLang="zh-CN" sz="2000" dirty="0" smtClean="0">
+                <a:latin typeface="微软雅黑" panose="020B0503020204020204" pitchFamily="34" charset="-122"/>
+                <a:ea typeface="微软雅黑" panose="020B0503020204020204" pitchFamily="34" charset="-122"/>
+                <a:cs typeface="Times New Roman" panose="02020603050405020304" pitchFamily="18" charset="0"/>
+              </a:rPr>
+              <a:t>g+</a:t>
+            </a:r>
+            <a:r>
+              <a:rPr lang="zh-CN" altLang="en-US" sz="2000" dirty="0">
+                <a:latin typeface="微软雅黑" panose="020B0503020204020204" pitchFamily="34" charset="-122"/>
+                <a:ea typeface="微软雅黑" panose="020B0503020204020204" pitchFamily="34" charset="-122"/>
+                <a:cs typeface="Times New Roman" panose="02020603050405020304" pitchFamily="18" charset="0"/>
+              </a:rPr>
+              <a:t>化学位梯度</a:t>
+            </a:r>
+            <a:r>
+              <a:rPr lang="zh-CN" altLang="en-US" sz="2000" dirty="0" smtClean="0">
+                <a:latin typeface="微软雅黑" panose="020B0503020204020204" pitchFamily="34" charset="-122"/>
+                <a:ea typeface="微软雅黑" panose="020B0503020204020204" pitchFamily="34" charset="-122"/>
+                <a:cs typeface="Times New Roman" panose="02020603050405020304" pitchFamily="18" charset="0"/>
+              </a:rPr>
+              <a:t>（</a:t>
+            </a:r>
+            <a:r>
+              <a:rPr lang="zh-CN" altLang="en-US" sz="2000" dirty="0">
+                <a:latin typeface="微软雅黑" panose="020B0503020204020204" pitchFamily="34" charset="-122"/>
+                <a:ea typeface="微软雅黑" panose="020B0503020204020204" pitchFamily="34" charset="-122"/>
+                <a:cs typeface="Times New Roman" panose="02020603050405020304" pitchFamily="18" charset="0"/>
+              </a:rPr>
+              <a:t>扩散）</a:t>
+            </a:r>
+            <a:r>
+              <a:rPr lang="en-US" altLang="zh-CN" sz="2000" dirty="0">
+                <a:latin typeface="微软雅黑" panose="020B0503020204020204" pitchFamily="34" charset="-122"/>
+                <a:ea typeface="微软雅黑" panose="020B0503020204020204" pitchFamily="34" charset="-122"/>
+                <a:cs typeface="Times New Roman" panose="02020603050405020304" pitchFamily="18" charset="0"/>
+              </a:rPr>
+              <a:t>+ CL</a:t>
+            </a:r>
+            <a:r>
+              <a:rPr lang="zh-CN" altLang="en-US" sz="2000" dirty="0" smtClean="0">
+                <a:latin typeface="微软雅黑" panose="020B0503020204020204" pitchFamily="34" charset="-122"/>
+                <a:ea typeface="微软雅黑" panose="020B0503020204020204" pitchFamily="34" charset="-122"/>
+                <a:cs typeface="Times New Roman" panose="02020603050405020304" pitchFamily="18" charset="0"/>
+              </a:rPr>
+              <a:t>到</a:t>
+            </a:r>
+            <a:r>
+              <a:rPr lang="en-US" altLang="zh-CN" sz="2000" dirty="0" smtClean="0">
+                <a:latin typeface="微软雅黑" panose="020B0503020204020204" pitchFamily="34" charset="-122"/>
+                <a:ea typeface="微软雅黑" panose="020B0503020204020204" pitchFamily="34" charset="-122"/>
+                <a:cs typeface="Times New Roman" panose="02020603050405020304" pitchFamily="18" charset="0"/>
+              </a:rPr>
+              <a:t>PEM</a:t>
+            </a:r>
+            <a:endParaRPr lang="en-US" altLang="zh-CN" sz="2000" dirty="0">
+              <a:latin typeface="微软雅黑" panose="020B0503020204020204" pitchFamily="34" charset="-122"/>
+              <a:ea typeface="微软雅黑" panose="020B0503020204020204" pitchFamily="34" charset="-122"/>
+              <a:cs typeface="Times New Roman" panose="02020603050405020304" pitchFamily="18" charset="0"/>
+            </a:endParaRPr>
+          </a:p>
+          <a:p>
+            <a:pPr marL="342900" indent="-342900">
+              <a:spcBef>
+                <a:spcPct val="0"/>
+              </a:spcBef>
+              <a:buSzPct val="110000"/>
+            </a:pPr>
+            <a:r>
+              <a:rPr lang="en-US" altLang="zh-CN" sz="2000" dirty="0" smtClean="0">
+                <a:latin typeface="微软雅黑" panose="020B0503020204020204" pitchFamily="34" charset="-122"/>
+                <a:ea typeface="微软雅黑" panose="020B0503020204020204" pitchFamily="34" charset="-122"/>
+                <a:cs typeface="Times New Roman" panose="02020603050405020304" pitchFamily="18" charset="0"/>
+              </a:rPr>
+              <a:t>l/d+</a:t>
+            </a:r>
+            <a:r>
+              <a:rPr lang="zh-CN" altLang="en-US" sz="2000" dirty="0">
+                <a:latin typeface="微软雅黑" panose="020B0503020204020204" pitchFamily="34" charset="-122"/>
+                <a:ea typeface="微软雅黑" panose="020B0503020204020204" pitchFamily="34" charset="-122"/>
+                <a:cs typeface="Times New Roman" panose="02020603050405020304" pitchFamily="18" charset="0"/>
+              </a:rPr>
+              <a:t>化学位梯度</a:t>
+            </a:r>
+            <a:r>
+              <a:rPr lang="zh-CN" altLang="en-US" sz="2000" dirty="0" smtClean="0">
+                <a:latin typeface="微软雅黑" panose="020B0503020204020204" pitchFamily="34" charset="-122"/>
+                <a:ea typeface="微软雅黑" panose="020B0503020204020204" pitchFamily="34" charset="-122"/>
+                <a:cs typeface="Times New Roman" panose="02020603050405020304" pitchFamily="18" charset="0"/>
+              </a:rPr>
+              <a:t>（扩散</a:t>
+            </a:r>
+            <a:r>
+              <a:rPr lang="zh-CN" altLang="en-US" sz="2000" dirty="0">
+                <a:latin typeface="微软雅黑" panose="020B0503020204020204" pitchFamily="34" charset="-122"/>
+                <a:ea typeface="微软雅黑" panose="020B0503020204020204" pitchFamily="34" charset="-122"/>
+                <a:cs typeface="Times New Roman" panose="02020603050405020304" pitchFamily="18" charset="0"/>
+              </a:rPr>
+              <a:t>）</a:t>
+            </a:r>
+            <a:r>
+              <a:rPr lang="en-US" altLang="zh-CN" sz="2000" dirty="0" smtClean="0">
+                <a:latin typeface="微软雅黑" panose="020B0503020204020204" pitchFamily="34" charset="-122"/>
+                <a:ea typeface="微软雅黑" panose="020B0503020204020204" pitchFamily="34" charset="-122"/>
+                <a:cs typeface="Times New Roman" panose="02020603050405020304" pitchFamily="18" charset="0"/>
+              </a:rPr>
+              <a:t>+ CL</a:t>
+            </a:r>
+            <a:r>
+              <a:rPr lang="zh-CN" altLang="en-US" sz="2000" dirty="0" smtClean="0">
+                <a:latin typeface="微软雅黑" panose="020B0503020204020204" pitchFamily="34" charset="-122"/>
+                <a:ea typeface="微软雅黑" panose="020B0503020204020204" pitchFamily="34" charset="-122"/>
+                <a:cs typeface="Times New Roman" panose="02020603050405020304" pitchFamily="18" charset="0"/>
+              </a:rPr>
+              <a:t>到</a:t>
+            </a:r>
+            <a:r>
+              <a:rPr lang="en-US" altLang="zh-CN" sz="2000" dirty="0" smtClean="0">
+                <a:latin typeface="微软雅黑" panose="020B0503020204020204" pitchFamily="34" charset="-122"/>
+                <a:ea typeface="微软雅黑" panose="020B0503020204020204" pitchFamily="34" charset="-122"/>
+                <a:cs typeface="Times New Roman" panose="02020603050405020304" pitchFamily="18" charset="0"/>
+              </a:rPr>
+              <a:t>GDL</a:t>
+            </a:r>
+            <a:r>
+              <a:rPr lang="zh-CN" altLang="en-US" sz="2000" dirty="0" smtClean="0">
+                <a:latin typeface="微软雅黑" panose="020B0503020204020204" pitchFamily="34" charset="-122"/>
+                <a:ea typeface="微软雅黑" panose="020B0503020204020204" pitchFamily="34" charset="-122"/>
+                <a:cs typeface="Times New Roman" panose="02020603050405020304" pitchFamily="18" charset="0"/>
+              </a:rPr>
+              <a:t>，</a:t>
+            </a:r>
+            <a:r>
+              <a:rPr lang="en-US" altLang="zh-CN" sz="2000" dirty="0" smtClean="0">
+                <a:latin typeface="微软雅黑" panose="020B0503020204020204" pitchFamily="34" charset="-122"/>
+                <a:ea typeface="微软雅黑" panose="020B0503020204020204" pitchFamily="34" charset="-122"/>
+                <a:cs typeface="Times New Roman" panose="02020603050405020304" pitchFamily="18" charset="0"/>
+              </a:rPr>
+              <a:t>PEM</a:t>
+            </a:r>
+          </a:p>
+          <a:p>
+            <a:pPr marL="342900" indent="-342900">
+              <a:spcBef>
+                <a:spcPct val="0"/>
+              </a:spcBef>
+              <a:buSzPct val="110000"/>
+            </a:pPr>
+            <a:r>
+              <a:rPr lang="en-US" altLang="zh-CN" sz="2000" dirty="0" smtClean="0">
+                <a:latin typeface="微软雅黑" panose="020B0503020204020204" pitchFamily="34" charset="-122"/>
+                <a:ea typeface="微软雅黑" panose="020B0503020204020204" pitchFamily="34" charset="-122"/>
+                <a:cs typeface="Times New Roman" panose="02020603050405020304" pitchFamily="18" charset="0"/>
+              </a:rPr>
+              <a:t>l/g + </a:t>
+            </a:r>
+            <a:r>
+              <a:rPr lang="zh-CN" altLang="en-US" sz="2000" dirty="0" smtClean="0">
+                <a:latin typeface="微软雅黑" panose="020B0503020204020204" pitchFamily="34" charset="-122"/>
+                <a:ea typeface="微软雅黑" panose="020B0503020204020204" pitchFamily="34" charset="-122"/>
+                <a:cs typeface="Times New Roman" panose="02020603050405020304" pitchFamily="18" charset="0"/>
+              </a:rPr>
+              <a:t>化学位</a:t>
+            </a:r>
+            <a:r>
+              <a:rPr lang="zh-CN" altLang="en-US" sz="2000" dirty="0">
+                <a:latin typeface="微软雅黑" panose="020B0503020204020204" pitchFamily="34" charset="-122"/>
+                <a:ea typeface="微软雅黑" panose="020B0503020204020204" pitchFamily="34" charset="-122"/>
+                <a:cs typeface="Times New Roman" panose="02020603050405020304" pitchFamily="18" charset="0"/>
+              </a:rPr>
+              <a:t>梯度</a:t>
+            </a:r>
+            <a:r>
+              <a:rPr lang="zh-CN" altLang="en-US" sz="2000" dirty="0" smtClean="0">
+                <a:latin typeface="微软雅黑" panose="020B0503020204020204" pitchFamily="34" charset="-122"/>
+                <a:ea typeface="微软雅黑" panose="020B0503020204020204" pitchFamily="34" charset="-122"/>
+                <a:cs typeface="Times New Roman" panose="02020603050405020304" pitchFamily="18" charset="0"/>
+              </a:rPr>
+              <a:t>（努森扩散）</a:t>
+            </a:r>
+            <a:r>
+              <a:rPr lang="en-US" altLang="zh-CN" sz="2000" dirty="0" smtClean="0">
+                <a:latin typeface="微软雅黑" panose="020B0503020204020204" pitchFamily="34" charset="-122"/>
+                <a:ea typeface="微软雅黑" panose="020B0503020204020204" pitchFamily="34" charset="-122"/>
+                <a:cs typeface="Times New Roman" panose="02020603050405020304" pitchFamily="18" charset="0"/>
+              </a:rPr>
+              <a:t>+</a:t>
+            </a:r>
+            <a:r>
+              <a:rPr lang="zh-CN" altLang="en-US" sz="2000" dirty="0" smtClean="0">
+                <a:latin typeface="微软雅黑" panose="020B0503020204020204" pitchFamily="34" charset="-122"/>
+                <a:ea typeface="微软雅黑" panose="020B0503020204020204" pitchFamily="34" charset="-122"/>
+                <a:cs typeface="Times New Roman" panose="02020603050405020304" pitchFamily="18" charset="0"/>
+              </a:rPr>
+              <a:t>？</a:t>
+            </a:r>
+            <a:endParaRPr lang="en-US" altLang="zh-CN" sz="2000" dirty="0" smtClean="0">
+              <a:latin typeface="微软雅黑" panose="020B0503020204020204" pitchFamily="34" charset="-122"/>
+              <a:ea typeface="微软雅黑" panose="020B0503020204020204" pitchFamily="34" charset="-122"/>
+              <a:cs typeface="Times New Roman" panose="02020603050405020304" pitchFamily="18" charset="0"/>
+            </a:endParaRPr>
+          </a:p>
+          <a:p>
+            <a:pPr marL="342900" indent="-342900">
+              <a:spcBef>
+                <a:spcPct val="0"/>
+              </a:spcBef>
+              <a:buSzPct val="110000"/>
+            </a:pPr>
+            <a:r>
+              <a:rPr lang="en-US" altLang="zh-CN" sz="2000" dirty="0">
+                <a:latin typeface="微软雅黑" panose="020B0503020204020204" pitchFamily="34" charset="-122"/>
+                <a:ea typeface="微软雅黑" panose="020B0503020204020204" pitchFamily="34" charset="-122"/>
+                <a:cs typeface="Times New Roman" panose="02020603050405020304" pitchFamily="18" charset="0"/>
+              </a:rPr>
+              <a:t>l+</a:t>
+            </a:r>
+            <a:r>
+              <a:rPr lang="zh-CN" altLang="en-US" sz="2000" dirty="0">
+                <a:latin typeface="微软雅黑" panose="020B0503020204020204" pitchFamily="34" charset="-122"/>
+                <a:ea typeface="微软雅黑" panose="020B0503020204020204" pitchFamily="34" charset="-122"/>
+                <a:cs typeface="Times New Roman" panose="02020603050405020304" pitchFamily="18" charset="0"/>
+              </a:rPr>
+              <a:t>毛细压力</a:t>
+            </a:r>
+            <a:r>
+              <a:rPr lang="en-US" altLang="zh-CN" sz="2000" dirty="0">
+                <a:latin typeface="微软雅黑" panose="020B0503020204020204" pitchFamily="34" charset="-122"/>
+                <a:ea typeface="微软雅黑" panose="020B0503020204020204" pitchFamily="34" charset="-122"/>
+                <a:cs typeface="Times New Roman" panose="02020603050405020304" pitchFamily="18" charset="0"/>
+              </a:rPr>
+              <a:t>(</a:t>
+            </a:r>
+            <a:r>
+              <a:rPr lang="zh-CN" altLang="en-US" sz="2000" dirty="0">
+                <a:latin typeface="微软雅黑" panose="020B0503020204020204" pitchFamily="34" charset="-122"/>
+                <a:ea typeface="微软雅黑" panose="020B0503020204020204" pitchFamily="34" charset="-122"/>
+                <a:cs typeface="Times New Roman" panose="02020603050405020304" pitchFamily="18" charset="0"/>
+              </a:rPr>
+              <a:t>孔隙内</a:t>
+            </a:r>
+            <a:r>
+              <a:rPr lang="en-US" altLang="zh-CN" sz="2000" dirty="0" smtClean="0">
+                <a:latin typeface="微软雅黑" panose="020B0503020204020204" pitchFamily="34" charset="-122"/>
+                <a:ea typeface="微软雅黑" panose="020B0503020204020204" pitchFamily="34" charset="-122"/>
+                <a:cs typeface="Times New Roman" panose="02020603050405020304" pitchFamily="18" charset="0"/>
+              </a:rPr>
+              <a:t>)</a:t>
+            </a:r>
+            <a:r>
+              <a:rPr lang="en-US" altLang="zh-CN" sz="2000" dirty="0">
+                <a:latin typeface="微软雅黑" panose="020B0503020204020204" pitchFamily="34" charset="-122"/>
+                <a:ea typeface="微软雅黑" panose="020B0503020204020204" pitchFamily="34" charset="-122"/>
+                <a:cs typeface="Times New Roman" panose="02020603050405020304" pitchFamily="18" charset="0"/>
+              </a:rPr>
+              <a:t> + CL</a:t>
+            </a:r>
+            <a:r>
+              <a:rPr lang="zh-CN" altLang="en-US" sz="2000" dirty="0">
+                <a:latin typeface="微软雅黑" panose="020B0503020204020204" pitchFamily="34" charset="-122"/>
+                <a:ea typeface="微软雅黑" panose="020B0503020204020204" pitchFamily="34" charset="-122"/>
+                <a:cs typeface="Times New Roman" panose="02020603050405020304" pitchFamily="18" charset="0"/>
+              </a:rPr>
+              <a:t>到</a:t>
+            </a:r>
+            <a:r>
+              <a:rPr lang="en-US" altLang="zh-CN" sz="2000" dirty="0" smtClean="0">
+                <a:latin typeface="微软雅黑" panose="020B0503020204020204" pitchFamily="34" charset="-122"/>
+                <a:ea typeface="微软雅黑" panose="020B0503020204020204" pitchFamily="34" charset="-122"/>
+                <a:cs typeface="Times New Roman" panose="02020603050405020304" pitchFamily="18" charset="0"/>
+              </a:rPr>
+              <a:t>GDL</a:t>
+            </a:r>
+          </a:p>
+          <a:p>
+            <a:pPr marL="342900" indent="-342900">
+              <a:spcBef>
+                <a:spcPct val="0"/>
+              </a:spcBef>
+              <a:buSzPct val="110000"/>
+            </a:pPr>
+            <a:r>
+              <a:rPr lang="en-US" altLang="zh-CN" sz="2000" dirty="0" smtClean="0">
+                <a:latin typeface="微软雅黑" panose="020B0503020204020204" pitchFamily="34" charset="-122"/>
+                <a:ea typeface="微软雅黑" panose="020B0503020204020204" pitchFamily="34" charset="-122"/>
+                <a:cs typeface="Times New Roman" panose="02020603050405020304" pitchFamily="18" charset="0"/>
+              </a:rPr>
+              <a:t>d+</a:t>
+            </a:r>
+            <a:r>
+              <a:rPr lang="zh-CN" altLang="en-US" sz="2000" dirty="0" smtClean="0">
+                <a:latin typeface="微软雅黑" panose="020B0503020204020204" pitchFamily="34" charset="-122"/>
+                <a:ea typeface="微软雅黑" panose="020B0503020204020204" pitchFamily="34" charset="-122"/>
+                <a:cs typeface="Times New Roman" panose="02020603050405020304" pitchFamily="18" charset="0"/>
+              </a:rPr>
+              <a:t>电渗拖曳力（电渗拖曳）</a:t>
+            </a:r>
+            <a:r>
+              <a:rPr lang="en-US" altLang="zh-CN" sz="2000" dirty="0" smtClean="0">
+                <a:latin typeface="微软雅黑" panose="020B0503020204020204" pitchFamily="34" charset="-122"/>
+                <a:ea typeface="微软雅黑" panose="020B0503020204020204" pitchFamily="34" charset="-122"/>
+                <a:cs typeface="Times New Roman" panose="02020603050405020304" pitchFamily="18" charset="0"/>
+              </a:rPr>
+              <a:t>+</a:t>
+            </a:r>
+            <a:r>
+              <a:rPr lang="en-US" altLang="zh-CN" sz="2000" dirty="0" err="1" smtClean="0">
+                <a:latin typeface="微软雅黑" panose="020B0503020204020204" pitchFamily="34" charset="-122"/>
+                <a:ea typeface="微软雅黑" panose="020B0503020204020204" pitchFamily="34" charset="-122"/>
+                <a:cs typeface="Times New Roman" panose="02020603050405020304" pitchFamily="18" charset="0"/>
+              </a:rPr>
+              <a:t>CL</a:t>
+            </a:r>
+            <a:r>
+              <a:rPr lang="en-US" altLang="zh-CN" sz="2000" baseline="-25000" dirty="0" err="1" smtClean="0">
+                <a:latin typeface="微软雅黑" panose="020B0503020204020204" pitchFamily="34" charset="-122"/>
+                <a:ea typeface="微软雅黑" panose="020B0503020204020204" pitchFamily="34" charset="-122"/>
+                <a:cs typeface="Times New Roman" panose="02020603050405020304" pitchFamily="18" charset="0"/>
+              </a:rPr>
+              <a:t>a</a:t>
+            </a:r>
+            <a:r>
+              <a:rPr lang="zh-CN" altLang="en-US" sz="2000" dirty="0" smtClean="0">
+                <a:latin typeface="微软雅黑" panose="020B0503020204020204" pitchFamily="34" charset="-122"/>
+                <a:ea typeface="微软雅黑" panose="020B0503020204020204" pitchFamily="34" charset="-122"/>
+                <a:cs typeface="Times New Roman" panose="02020603050405020304" pitchFamily="18" charset="0"/>
+              </a:rPr>
+              <a:t>到</a:t>
+            </a:r>
+            <a:r>
+              <a:rPr lang="en-US" altLang="zh-CN" sz="2000" dirty="0" smtClean="0">
+                <a:latin typeface="微软雅黑" panose="020B0503020204020204" pitchFamily="34" charset="-122"/>
+                <a:ea typeface="微软雅黑" panose="020B0503020204020204" pitchFamily="34" charset="-122"/>
+                <a:cs typeface="Times New Roman" panose="02020603050405020304" pitchFamily="18" charset="0"/>
+              </a:rPr>
+              <a:t>PEM</a:t>
+            </a:r>
+            <a:r>
+              <a:rPr lang="zh-CN" altLang="en-US" sz="2000" dirty="0" smtClean="0">
+                <a:latin typeface="微软雅黑" panose="020B0503020204020204" pitchFamily="34" charset="-122"/>
+                <a:ea typeface="微软雅黑" panose="020B0503020204020204" pitchFamily="34" charset="-122"/>
+                <a:cs typeface="Times New Roman" panose="02020603050405020304" pitchFamily="18" charset="0"/>
+              </a:rPr>
+              <a:t>，</a:t>
+            </a:r>
+            <a:r>
+              <a:rPr lang="en-US" altLang="zh-CN" sz="2000" dirty="0" err="1" smtClean="0">
+                <a:latin typeface="微软雅黑" panose="020B0503020204020204" pitchFamily="34" charset="-122"/>
+                <a:ea typeface="微软雅黑" panose="020B0503020204020204" pitchFamily="34" charset="-122"/>
+                <a:cs typeface="Times New Roman" panose="02020603050405020304" pitchFamily="18" charset="0"/>
+              </a:rPr>
+              <a:t>CL</a:t>
+            </a:r>
+            <a:r>
+              <a:rPr lang="en-US" altLang="zh-CN" sz="2000" baseline="-25000" dirty="0" err="1" smtClean="0">
+                <a:latin typeface="微软雅黑" panose="020B0503020204020204" pitchFamily="34" charset="-122"/>
+                <a:ea typeface="微软雅黑" panose="020B0503020204020204" pitchFamily="34" charset="-122"/>
+                <a:cs typeface="Times New Roman" panose="02020603050405020304" pitchFamily="18" charset="0"/>
+              </a:rPr>
+              <a:t>c</a:t>
+            </a:r>
+            <a:r>
+              <a:rPr lang="zh-CN" altLang="en-US" sz="2000" dirty="0" smtClean="0">
+                <a:latin typeface="微软雅黑" panose="020B0503020204020204" pitchFamily="34" charset="-122"/>
+                <a:ea typeface="微软雅黑" panose="020B0503020204020204" pitchFamily="34" charset="-122"/>
+                <a:cs typeface="Times New Roman" panose="02020603050405020304" pitchFamily="18" charset="0"/>
+              </a:rPr>
+              <a:t>到</a:t>
+            </a:r>
+            <a:r>
+              <a:rPr lang="en-US" altLang="zh-CN" sz="2000" dirty="0" err="1" smtClean="0">
+                <a:latin typeface="微软雅黑" panose="020B0503020204020204" pitchFamily="34" charset="-122"/>
+                <a:ea typeface="微软雅黑" panose="020B0503020204020204" pitchFamily="34" charset="-122"/>
+                <a:cs typeface="Times New Roman" panose="02020603050405020304" pitchFamily="18" charset="0"/>
+              </a:rPr>
+              <a:t>GDL</a:t>
+            </a:r>
+            <a:r>
+              <a:rPr lang="en-US" altLang="zh-CN" sz="2000" baseline="-25000" dirty="0" err="1" smtClean="0">
+                <a:latin typeface="微软雅黑" panose="020B0503020204020204" pitchFamily="34" charset="-122"/>
+                <a:ea typeface="微软雅黑" panose="020B0503020204020204" pitchFamily="34" charset="-122"/>
+                <a:cs typeface="Times New Roman" panose="02020603050405020304" pitchFamily="18" charset="0"/>
+              </a:rPr>
+              <a:t>c</a:t>
+            </a:r>
+            <a:endParaRPr lang="en-US" altLang="zh-CN" sz="2000" baseline="-25000" dirty="0" smtClean="0">
+              <a:latin typeface="微软雅黑" panose="020B0503020204020204" pitchFamily="34" charset="-122"/>
+              <a:ea typeface="微软雅黑" panose="020B0503020204020204" pitchFamily="34" charset="-122"/>
+              <a:cs typeface="Times New Roman" panose="02020603050405020304" pitchFamily="18" charset="0"/>
+            </a:endParaRPr>
+          </a:p>
+          <a:p>
+            <a:pPr>
+              <a:spcBef>
+                <a:spcPct val="0"/>
+              </a:spcBef>
+              <a:buSzPct val="110000"/>
+              <a:buNone/>
+            </a:pPr>
+            <a:endParaRPr lang="en-US" altLang="zh-CN" sz="2000" dirty="0" smtClean="0">
+              <a:latin typeface="微软雅黑" panose="020B0503020204020204" pitchFamily="34" charset="-122"/>
+              <a:ea typeface="微软雅黑" panose="020B0503020204020204" pitchFamily="34" charset="-122"/>
+              <a:cs typeface="Times New Roman" panose="02020603050405020304" pitchFamily="18" charset="0"/>
+            </a:endParaRPr>
+          </a:p>
+          <a:p>
+            <a:pPr>
+              <a:spcBef>
+                <a:spcPct val="0"/>
+              </a:spcBef>
+              <a:buSzPct val="110000"/>
+              <a:buNone/>
+            </a:pPr>
+            <a:r>
+              <a:rPr lang="en-US" altLang="zh-CN" sz="2000" dirty="0" smtClean="0">
+                <a:latin typeface="微软雅黑" panose="020B0503020204020204" pitchFamily="34" charset="-122"/>
+                <a:ea typeface="微软雅黑" panose="020B0503020204020204" pitchFamily="34" charset="-122"/>
+                <a:cs typeface="Times New Roman" panose="02020603050405020304" pitchFamily="18" charset="0"/>
+              </a:rPr>
+              <a:t>--- channel</a:t>
+            </a:r>
+          </a:p>
+          <a:p>
+            <a:pPr marL="342900" indent="-342900">
+              <a:spcBef>
+                <a:spcPct val="0"/>
+              </a:spcBef>
+              <a:buSzPct val="110000"/>
+            </a:pPr>
+            <a:r>
+              <a:rPr lang="en-US" altLang="zh-CN" sz="2000" dirty="0">
+                <a:latin typeface="微软雅黑" panose="020B0503020204020204" pitchFamily="34" charset="-122"/>
+                <a:ea typeface="微软雅黑" panose="020B0503020204020204" pitchFamily="34" charset="-122"/>
+                <a:cs typeface="Times New Roman" panose="02020603050405020304" pitchFamily="18" charset="0"/>
+              </a:rPr>
+              <a:t>l</a:t>
+            </a:r>
+            <a:r>
+              <a:rPr lang="en-US" altLang="zh-CN" sz="2000" dirty="0" smtClean="0">
+                <a:latin typeface="微软雅黑" panose="020B0503020204020204" pitchFamily="34" charset="-122"/>
+                <a:ea typeface="微软雅黑" panose="020B0503020204020204" pitchFamily="34" charset="-122"/>
+                <a:cs typeface="Times New Roman" panose="02020603050405020304" pitchFamily="18" charset="0"/>
+              </a:rPr>
+              <a:t> + </a:t>
+            </a:r>
+            <a:r>
+              <a:rPr lang="zh-CN" altLang="en-US" sz="2000" dirty="0" smtClean="0">
+                <a:latin typeface="微软雅黑" panose="020B0503020204020204" pitchFamily="34" charset="-122"/>
+                <a:ea typeface="微软雅黑" panose="020B0503020204020204" pitchFamily="34" charset="-122"/>
+                <a:cs typeface="Times New Roman" panose="02020603050405020304" pitchFamily="18" charset="0"/>
+              </a:rPr>
+              <a:t>压差（对流）</a:t>
+            </a:r>
+            <a:r>
+              <a:rPr lang="en-US" altLang="zh-CN" sz="2000" dirty="0" smtClean="0">
+                <a:latin typeface="微软雅黑" panose="020B0503020204020204" pitchFamily="34" charset="-122"/>
+                <a:ea typeface="微软雅黑" panose="020B0503020204020204" pitchFamily="34" charset="-122"/>
+                <a:cs typeface="Times New Roman" panose="02020603050405020304" pitchFamily="18" charset="0"/>
+              </a:rPr>
+              <a:t>+</a:t>
+            </a:r>
+            <a:r>
+              <a:rPr lang="zh-CN" altLang="en-US" sz="2000" dirty="0" smtClean="0">
+                <a:latin typeface="微软雅黑" panose="020B0503020204020204" pitchFamily="34" charset="-122"/>
+                <a:ea typeface="微软雅黑" panose="020B0503020204020204" pitchFamily="34" charset="-122"/>
+                <a:cs typeface="Times New Roman" panose="02020603050405020304" pitchFamily="18" charset="0"/>
+              </a:rPr>
+              <a:t>入口到出口</a:t>
+            </a:r>
+            <a:endParaRPr lang="en-US" altLang="zh-CN" sz="2000" dirty="0" smtClean="0">
+              <a:latin typeface="微软雅黑" panose="020B0503020204020204" pitchFamily="34" charset="-122"/>
+              <a:ea typeface="微软雅黑" panose="020B0503020204020204" pitchFamily="34" charset="-122"/>
+              <a:cs typeface="Times New Roman" panose="02020603050405020304" pitchFamily="18" charset="0"/>
+            </a:endParaRPr>
+          </a:p>
+          <a:p>
+            <a:pPr marL="342900" indent="-342900">
+              <a:spcBef>
+                <a:spcPct val="0"/>
+              </a:spcBef>
+              <a:buSzPct val="110000"/>
+            </a:pPr>
+            <a:r>
+              <a:rPr lang="en-US" altLang="zh-CN" sz="2000" dirty="0" smtClean="0">
+                <a:latin typeface="微软雅黑" panose="020B0503020204020204" pitchFamily="34" charset="-122"/>
+                <a:ea typeface="微软雅黑" panose="020B0503020204020204" pitchFamily="34" charset="-122"/>
+                <a:cs typeface="Times New Roman" panose="02020603050405020304" pitchFamily="18" charset="0"/>
+              </a:rPr>
+              <a:t>l</a:t>
+            </a:r>
+            <a:r>
+              <a:rPr lang="en-US" altLang="zh-CN" sz="2000" dirty="0">
+                <a:latin typeface="微软雅黑" panose="020B0503020204020204" pitchFamily="34" charset="-122"/>
+                <a:ea typeface="微软雅黑" panose="020B0503020204020204" pitchFamily="34" charset="-122"/>
+                <a:cs typeface="Times New Roman" panose="02020603050405020304" pitchFamily="18" charset="0"/>
+              </a:rPr>
+              <a:t> +</a:t>
+            </a:r>
+            <a:r>
+              <a:rPr lang="zh-CN" altLang="en-US" sz="2000" dirty="0">
+                <a:latin typeface="微软雅黑" panose="020B0503020204020204" pitchFamily="34" charset="-122"/>
+                <a:ea typeface="微软雅黑" panose="020B0503020204020204" pitchFamily="34" charset="-122"/>
+                <a:cs typeface="Times New Roman" panose="02020603050405020304" pitchFamily="18" charset="0"/>
+              </a:rPr>
+              <a:t>化学位梯度（扩散）</a:t>
+            </a:r>
+            <a:r>
+              <a:rPr lang="en-US" altLang="zh-CN" sz="2000" dirty="0">
+                <a:latin typeface="微软雅黑" panose="020B0503020204020204" pitchFamily="34" charset="-122"/>
+                <a:ea typeface="微软雅黑" panose="020B0503020204020204" pitchFamily="34" charset="-122"/>
+                <a:cs typeface="Times New Roman" panose="02020603050405020304" pitchFamily="18" charset="0"/>
+              </a:rPr>
+              <a:t>+ </a:t>
+            </a:r>
+            <a:r>
+              <a:rPr lang="en-US" altLang="zh-CN" sz="2000" dirty="0" smtClean="0">
+                <a:latin typeface="微软雅黑" panose="020B0503020204020204" pitchFamily="34" charset="-122"/>
+                <a:ea typeface="微软雅黑" panose="020B0503020204020204" pitchFamily="34" charset="-122"/>
+                <a:cs typeface="Times New Roman" panose="02020603050405020304" pitchFamily="18" charset="0"/>
+              </a:rPr>
+              <a:t>channel</a:t>
+            </a:r>
+            <a:r>
+              <a:rPr lang="zh-CN" altLang="en-US" sz="2000" dirty="0" smtClean="0">
+                <a:latin typeface="微软雅黑" panose="020B0503020204020204" pitchFamily="34" charset="-122"/>
+                <a:ea typeface="微软雅黑" panose="020B0503020204020204" pitchFamily="34" charset="-122"/>
+                <a:cs typeface="Times New Roman" panose="02020603050405020304" pitchFamily="18" charset="0"/>
+              </a:rPr>
+              <a:t>到</a:t>
+            </a:r>
+            <a:r>
+              <a:rPr lang="en-US" altLang="zh-CN" sz="2000" dirty="0" smtClean="0">
+                <a:latin typeface="微软雅黑" panose="020B0503020204020204" pitchFamily="34" charset="-122"/>
+                <a:ea typeface="微软雅黑" panose="020B0503020204020204" pitchFamily="34" charset="-122"/>
+                <a:cs typeface="Times New Roman" panose="02020603050405020304" pitchFamily="18" charset="0"/>
+              </a:rPr>
+              <a:t>GDL</a:t>
+            </a:r>
+          </a:p>
+          <a:p>
+            <a:pPr marL="342900" indent="-342900">
+              <a:spcBef>
+                <a:spcPct val="0"/>
+              </a:spcBef>
+              <a:buSzPct val="110000"/>
+            </a:pPr>
+            <a:r>
+              <a:rPr lang="en-US" altLang="zh-CN" sz="2000" dirty="0">
+                <a:latin typeface="微软雅黑" panose="020B0503020204020204" pitchFamily="34" charset="-122"/>
+                <a:ea typeface="微软雅黑" panose="020B0503020204020204" pitchFamily="34" charset="-122"/>
+                <a:cs typeface="Times New Roman" panose="02020603050405020304" pitchFamily="18" charset="0"/>
+              </a:rPr>
+              <a:t>g&lt;-&gt;l+</a:t>
+            </a:r>
+            <a:r>
+              <a:rPr lang="zh-CN" altLang="en-US" sz="2000" dirty="0">
+                <a:latin typeface="微软雅黑" panose="020B0503020204020204" pitchFamily="34" charset="-122"/>
+                <a:ea typeface="微软雅黑" panose="020B0503020204020204" pitchFamily="34" charset="-122"/>
+                <a:cs typeface="Times New Roman" panose="02020603050405020304" pitchFamily="18" charset="0"/>
+              </a:rPr>
+              <a:t>压力 温度</a:t>
+            </a:r>
+            <a:r>
+              <a:rPr lang="en-US" altLang="zh-CN" sz="2000" dirty="0">
+                <a:latin typeface="微软雅黑" panose="020B0503020204020204" pitchFamily="34" charset="-122"/>
+                <a:ea typeface="微软雅黑" panose="020B0503020204020204" pitchFamily="34" charset="-122"/>
+                <a:cs typeface="Times New Roman" panose="02020603050405020304" pitchFamily="18" charset="0"/>
+              </a:rPr>
+              <a:t>+</a:t>
+            </a:r>
+            <a:r>
+              <a:rPr lang="zh-CN" altLang="en-US" sz="2000" dirty="0" smtClean="0">
+                <a:latin typeface="微软雅黑" panose="020B0503020204020204" pitchFamily="34" charset="-122"/>
+                <a:ea typeface="微软雅黑" panose="020B0503020204020204" pitchFamily="34" charset="-122"/>
+                <a:cs typeface="Times New Roman" panose="02020603050405020304" pitchFamily="18" charset="0"/>
+              </a:rPr>
+              <a:t>无</a:t>
+            </a:r>
+            <a:endParaRPr lang="en-US" altLang="zh-CN" sz="2000" dirty="0">
+              <a:latin typeface="微软雅黑" panose="020B0503020204020204" pitchFamily="34" charset="-122"/>
+              <a:ea typeface="微软雅黑" panose="020B0503020204020204" pitchFamily="34" charset="-122"/>
+              <a:cs typeface="Times New Roman" panose="02020603050405020304" pitchFamily="18" charset="0"/>
+            </a:endParaRPr>
+          </a:p>
+        </p:txBody>
+      </p:sp>
+    </p:spTree>
+    <p:extLst>
+      <p:ext uri="{BB962C8B-B14F-4D97-AF65-F5344CB8AC3E}">
+        <p14:creationId xmlns:p14="http://schemas.microsoft.com/office/powerpoint/2010/main" val="3956145580"/>
+      </p:ext>
+    </p:extLst>
+  </p:cSld>
+  <p:clrMapOvr>
+    <a:masterClrMapping/>
+  </p:clrMapOvr>
+</p:sld>
+</file>
+
+<file path=ppt/slides/slide2.xml><?xml version="1.0" encoding="utf-8"?>
+<p:sld xmlns:a="http://schemas.openxmlformats.org/drawingml/2006/main" xmlns:r="http://schemas.openxmlformats.org/officeDocument/2006/relationships" xmlns:p="http://schemas.openxmlformats.org/presentationml/2006/main">
+  <p:cSld>
+    <p:spTree>
+      <p:nvGrpSpPr>
+        <p:cNvPr id="1" name=""/>
+        <p:cNvGrpSpPr/>
+        <p:nvPr/>
+      </p:nvGrpSpPr>
+      <p:grpSpPr>
+        <a:xfrm>
+          <a:off x="0" y="0"/>
+          <a:ext cx="0" cy="0"/>
+          <a:chOff x="0" y="0"/>
+          <a:chExt cx="0" cy="0"/>
+        </a:xfrm>
+      </p:grpSpPr>
+      <p:sp>
+        <p:nvSpPr>
           <p:cNvPr id="15" name="内容占位符 2"/>
           <p:cNvSpPr txBox="1">
             <a:spLocks/>
@@ -3180,543 +5562,6 @@
           </a:p>
         </p:txBody>
       </p:sp>
-      <p:graphicFrame>
-        <p:nvGraphicFramePr>
-          <p:cNvPr id="16" name="表格 15">
-            <a:extLst>
-              <a:ext uri="{FF2B5EF4-FFF2-40B4-BE49-F238E27FC236}">
-                <a16:creationId xmlns:a16="http://schemas.microsoft.com/office/drawing/2014/main" id="{0B411B86-9BC3-4519-B8E5-1F73C0325867}"/>
-              </a:ext>
-            </a:extLst>
-          </p:cNvPr>
-          <p:cNvGraphicFramePr>
-            <a:graphicFrameLocks noGrp="1"/>
-          </p:cNvGraphicFramePr>
-          <p:nvPr>
-            <p:extLst>
-              <p:ext uri="{D42A27DB-BD31-4B8C-83A1-F6EECF244321}">
-                <p14:modId xmlns:p14="http://schemas.microsoft.com/office/powerpoint/2010/main" val="4109020792"/>
-              </p:ext>
-            </p:extLst>
-          </p:nvPr>
-        </p:nvGraphicFramePr>
-        <p:xfrm>
-          <a:off x="4760913" y="4699000"/>
-          <a:ext cx="4240212" cy="1979615"/>
-        </p:xfrm>
-        <a:graphic>
-          <a:graphicData uri="http://schemas.openxmlformats.org/drawingml/2006/table">
-            <a:tbl>
-              <a:tblPr firstRow="1" firstCol="1" bandRow="1">
-                <a:tableStyleId>{5C22544A-7EE6-4342-B048-85BDC9FD1C3A}</a:tableStyleId>
-              </a:tblPr>
-              <a:tblGrid>
-                <a:gridCol w="1468675">
-                  <a:extLst>
-                    <a:ext uri="{9D8B030D-6E8A-4147-A177-3AD203B41FA5}">
-                      <a16:colId xmlns:a16="http://schemas.microsoft.com/office/drawing/2014/main" val="3812545864"/>
-                    </a:ext>
-                  </a:extLst>
-                </a:gridCol>
-                <a:gridCol w="2771537">
-                  <a:extLst>
-                    <a:ext uri="{9D8B030D-6E8A-4147-A177-3AD203B41FA5}">
-                      <a16:colId xmlns:a16="http://schemas.microsoft.com/office/drawing/2014/main" val="3296998995"/>
-                    </a:ext>
-                  </a:extLst>
-                </a:gridCol>
-              </a:tblGrid>
-              <a:tr h="395923">
-                <a:tc>
-                  <a:txBody>
-                    <a:bodyPr/>
-                    <a:lstStyle/>
-                    <a:p>
-                      <a:pPr algn="ctr">
-                        <a:spcAft>
-                          <a:spcPts val="0"/>
-                        </a:spcAft>
-                      </a:pPr>
-                      <a:r>
-                        <a:rPr lang="zh-CN" altLang="en-US" sz="1900" b="0" kern="100" dirty="0">
-                          <a:effectLst/>
-                          <a:latin typeface="微软雅黑" panose="020B0503020204020204" pitchFamily="34" charset="-122"/>
-                          <a:ea typeface="微软雅黑" panose="020B0503020204020204" pitchFamily="34" charset="-122"/>
-                          <a:cs typeface="Times New Roman" panose="02020603050405020304" pitchFamily="18" charset="0"/>
-                        </a:rPr>
-                        <a:t>边界条件</a:t>
-                      </a:r>
-                      <a:endParaRPr lang="zh-CN" sz="1900" b="0" kern="100" dirty="0">
-                        <a:effectLst/>
-                        <a:latin typeface="微软雅黑" panose="020B0503020204020204" pitchFamily="34" charset="-122"/>
-                        <a:ea typeface="微软雅黑" panose="020B0503020204020204" pitchFamily="34" charset="-122"/>
-                        <a:cs typeface="Times New Roman" panose="02020603050405020304" pitchFamily="18" charset="0"/>
-                      </a:endParaRPr>
-                    </a:p>
-                  </a:txBody>
-                  <a:tcPr marL="68590" marR="68590" marT="0" marB="0" anchor="ctr"/>
-                </a:tc>
-                <a:tc>
-                  <a:txBody>
-                    <a:bodyPr/>
-                    <a:lstStyle/>
-                    <a:p>
-                      <a:pPr algn="ctr">
-                        <a:spcAft>
-                          <a:spcPts val="0"/>
-                        </a:spcAft>
-                      </a:pPr>
-                      <a:r>
-                        <a:rPr lang="zh-CN" altLang="en-US" sz="1900" b="0" kern="100" dirty="0">
-                          <a:effectLst/>
-                          <a:latin typeface="微软雅黑" panose="020B0503020204020204" pitchFamily="34" charset="-122"/>
-                          <a:ea typeface="微软雅黑" panose="020B0503020204020204" pitchFamily="34" charset="-122"/>
-                          <a:cs typeface="Times New Roman" panose="02020603050405020304" pitchFamily="18" charset="0"/>
-                        </a:rPr>
-                        <a:t>数值</a:t>
-                      </a:r>
-                      <a:endParaRPr lang="zh-CN" sz="1900" b="0" kern="100" dirty="0">
-                        <a:effectLst/>
-                        <a:latin typeface="微软雅黑" panose="020B0503020204020204" pitchFamily="34" charset="-122"/>
-                        <a:ea typeface="微软雅黑" panose="020B0503020204020204" pitchFamily="34" charset="-122"/>
-                        <a:cs typeface="Times New Roman" panose="02020603050405020304" pitchFamily="18" charset="0"/>
-                      </a:endParaRPr>
-                    </a:p>
-                  </a:txBody>
-                  <a:tcPr marL="68590" marR="68590" marT="0" marB="0" anchor="ctr"/>
-                </a:tc>
-                <a:extLst>
-                  <a:ext uri="{0D108BD9-81ED-4DB2-BD59-A6C34878D82A}">
-                    <a16:rowId xmlns:a16="http://schemas.microsoft.com/office/drawing/2014/main" val="1556186860"/>
-                  </a:ext>
-                </a:extLst>
-              </a:tr>
-              <a:tr h="395923">
-                <a:tc>
-                  <a:txBody>
-                    <a:bodyPr/>
-                    <a:lstStyle/>
-                    <a:p>
-                      <a:pPr algn="ctr">
-                        <a:spcAft>
-                          <a:spcPts val="0"/>
-                        </a:spcAft>
-                      </a:pPr>
-                      <a:r>
-                        <a:rPr lang="zh-CN" altLang="en-US" sz="1700" b="0" kern="100" dirty="0">
-                          <a:effectLst/>
-                          <a:latin typeface="Times New Roman" panose="02020603050405020304" pitchFamily="18" charset="0"/>
-                          <a:ea typeface="微软雅黑" panose="020B0503020204020204" pitchFamily="34" charset="-122"/>
-                          <a:cs typeface="Times New Roman" panose="02020603050405020304" pitchFamily="18" charset="0"/>
-                        </a:rPr>
-                        <a:t>空气温度 </a:t>
-                      </a:r>
-                      <a:r>
-                        <a:rPr lang="en-US" altLang="zh-CN" sz="1700" b="0" i="1" kern="100" dirty="0">
-                          <a:effectLst/>
-                          <a:latin typeface="Times New Roman" panose="02020603050405020304" pitchFamily="18" charset="0"/>
-                          <a:ea typeface="微软雅黑" panose="020B0503020204020204" pitchFamily="34" charset="-122"/>
-                          <a:cs typeface="Times New Roman" panose="02020603050405020304" pitchFamily="18" charset="0"/>
-                        </a:rPr>
-                        <a:t>T</a:t>
-                      </a:r>
-                      <a:r>
-                        <a:rPr lang="en-US" altLang="zh-CN" sz="1700" b="0" kern="100" baseline="-25000" dirty="0">
-                          <a:effectLst/>
-                          <a:latin typeface="Times New Roman" panose="02020603050405020304" pitchFamily="18" charset="0"/>
-                          <a:ea typeface="微软雅黑" panose="020B0503020204020204" pitchFamily="34" charset="-122"/>
-                          <a:cs typeface="Times New Roman" panose="02020603050405020304" pitchFamily="18" charset="0"/>
-                        </a:rPr>
-                        <a:t>in</a:t>
-                      </a:r>
-                      <a:endParaRPr lang="zh-CN" sz="1700" b="0" kern="100" baseline="-25000" dirty="0">
-                        <a:effectLst/>
-                        <a:latin typeface="Times New Roman" panose="02020603050405020304" pitchFamily="18" charset="0"/>
-                        <a:ea typeface="微软雅黑" panose="020B0503020204020204" pitchFamily="34" charset="-122"/>
-                        <a:cs typeface="Times New Roman" panose="02020603050405020304" pitchFamily="18" charset="0"/>
-                      </a:endParaRPr>
-                    </a:p>
-                  </a:txBody>
-                  <a:tcPr marL="68590" marR="68590" marT="0" marB="0" anchor="ctr"/>
-                </a:tc>
-                <a:tc>
-                  <a:txBody>
-                    <a:bodyPr/>
-                    <a:lstStyle/>
-                    <a:p>
-                      <a:pPr marL="0" marR="0" indent="0" algn="ctr" defTabSz="914400" rtl="0" eaLnBrk="1" fontAlgn="auto" latinLnBrk="0" hangingPunct="1">
-                        <a:lnSpc>
-                          <a:spcPct val="100000"/>
-                        </a:lnSpc>
-                        <a:spcBef>
-                          <a:spcPts val="0"/>
-                        </a:spcBef>
-                        <a:spcAft>
-                          <a:spcPts val="0"/>
-                        </a:spcAft>
-                        <a:buClrTx/>
-                        <a:buSzTx/>
-                        <a:buFontTx/>
-                        <a:buNone/>
-                        <a:tabLst/>
-                        <a:defRPr/>
-                      </a:pPr>
-                      <a:r>
-                        <a:rPr lang="en-US" altLang="zh-CN" sz="1700" b="1" dirty="0">
-                          <a:latin typeface="Times New Roman" panose="02020603050405020304" pitchFamily="18" charset="0"/>
-                          <a:ea typeface="微软雅黑" panose="020B0503020204020204" pitchFamily="34" charset="-122"/>
-                          <a:cs typeface="Times New Roman" panose="02020603050405020304" pitchFamily="18" charset="0"/>
-                          <a:sym typeface="Calibri" panose="020F0502020204030204" pitchFamily="34" charset="0"/>
-                        </a:rPr>
-                        <a:t>288.15 K</a:t>
-                      </a:r>
-                      <a:endParaRPr lang="zh-CN" altLang="zh-CN" sz="1700" kern="100" dirty="0">
-                        <a:effectLst/>
-                        <a:latin typeface="Times New Roman" panose="02020603050405020304" pitchFamily="18" charset="0"/>
-                        <a:ea typeface="微软雅黑" panose="020B0503020204020204" pitchFamily="34" charset="-122"/>
-                        <a:cs typeface="Times New Roman" panose="02020603050405020304" pitchFamily="18" charset="0"/>
-                      </a:endParaRPr>
-                    </a:p>
-                  </a:txBody>
-                  <a:tcPr marL="68590" marR="68590" marT="0" marB="0" anchor="ctr"/>
-                </a:tc>
-                <a:extLst>
-                  <a:ext uri="{0D108BD9-81ED-4DB2-BD59-A6C34878D82A}">
-                    <a16:rowId xmlns:a16="http://schemas.microsoft.com/office/drawing/2014/main" val="2158459069"/>
-                  </a:ext>
-                </a:extLst>
-              </a:tr>
-              <a:tr h="395923">
-                <a:tc>
-                  <a:txBody>
-                    <a:bodyPr/>
-                    <a:lstStyle/>
-                    <a:p>
-                      <a:pPr algn="ctr">
-                        <a:spcAft>
-                          <a:spcPts val="0"/>
-                        </a:spcAft>
-                      </a:pPr>
-                      <a:r>
-                        <a:rPr lang="zh-CN" altLang="en-US" sz="1700" b="0" kern="100" dirty="0">
-                          <a:effectLst/>
-                          <a:latin typeface="Times New Roman" panose="02020603050405020304" pitchFamily="18" charset="0"/>
-                          <a:ea typeface="微软雅黑" panose="020B0503020204020204" pitchFamily="34" charset="-122"/>
-                          <a:cs typeface="Times New Roman" panose="02020603050405020304" pitchFamily="18" charset="0"/>
-                        </a:rPr>
-                        <a:t>壁面温度 </a:t>
-                      </a:r>
-                      <a:r>
-                        <a:rPr lang="en-US" altLang="zh-CN" sz="1700" b="0" i="1" kern="100" dirty="0">
-                          <a:effectLst/>
-                          <a:latin typeface="Times New Roman" panose="02020603050405020304" pitchFamily="18" charset="0"/>
-                          <a:ea typeface="微软雅黑" panose="020B0503020204020204" pitchFamily="34" charset="-122"/>
-                          <a:cs typeface="Times New Roman" panose="02020603050405020304" pitchFamily="18" charset="0"/>
-                        </a:rPr>
-                        <a:t>T</a:t>
-                      </a:r>
-                      <a:r>
-                        <a:rPr lang="en-US" altLang="zh-CN" sz="1700" b="0" kern="100" baseline="-25000" dirty="0">
-                          <a:effectLst/>
-                          <a:latin typeface="Times New Roman" panose="02020603050405020304" pitchFamily="18" charset="0"/>
-                          <a:ea typeface="微软雅黑" panose="020B0503020204020204" pitchFamily="34" charset="-122"/>
-                          <a:cs typeface="Times New Roman" panose="02020603050405020304" pitchFamily="18" charset="0"/>
-                        </a:rPr>
-                        <a:t>W</a:t>
-                      </a:r>
-                      <a:endParaRPr lang="zh-CN" sz="1700" b="0" kern="100" baseline="-25000" dirty="0">
-                        <a:effectLst/>
-                        <a:latin typeface="Times New Roman" panose="02020603050405020304" pitchFamily="18" charset="0"/>
-                        <a:ea typeface="微软雅黑" panose="020B0503020204020204" pitchFamily="34" charset="-122"/>
-                        <a:cs typeface="Times New Roman" panose="02020603050405020304" pitchFamily="18" charset="0"/>
-                      </a:endParaRPr>
-                    </a:p>
-                  </a:txBody>
-                  <a:tcPr marL="68590" marR="68590" marT="0" marB="0" anchor="ctr"/>
-                </a:tc>
-                <a:tc>
-                  <a:txBody>
-                    <a:bodyPr/>
-                    <a:lstStyle/>
-                    <a:p>
-                      <a:pPr marL="0" marR="0" indent="0" algn="ctr" defTabSz="914400" rtl="0" eaLnBrk="1" fontAlgn="auto" latinLnBrk="0" hangingPunct="1">
-                        <a:lnSpc>
-                          <a:spcPct val="100000"/>
-                        </a:lnSpc>
-                        <a:spcBef>
-                          <a:spcPts val="0"/>
-                        </a:spcBef>
-                        <a:spcAft>
-                          <a:spcPts val="0"/>
-                        </a:spcAft>
-                        <a:buClrTx/>
-                        <a:buSzTx/>
-                        <a:buFontTx/>
-                        <a:buNone/>
-                        <a:tabLst/>
-                        <a:defRPr/>
-                      </a:pPr>
-                      <a:r>
-                        <a:rPr lang="en-US" altLang="zh-CN" sz="1700" b="1" dirty="0">
-                          <a:latin typeface="Times New Roman" panose="02020603050405020304" pitchFamily="18" charset="0"/>
-                          <a:ea typeface="微软雅黑" panose="020B0503020204020204" pitchFamily="34" charset="-122"/>
-                          <a:cs typeface="Times New Roman" panose="02020603050405020304" pitchFamily="18" charset="0"/>
-                          <a:sym typeface="Calibri" panose="020F0502020204030204" pitchFamily="34" charset="0"/>
-                        </a:rPr>
-                        <a:t>313.15 K </a:t>
-                      </a:r>
-                      <a:endParaRPr lang="zh-CN" altLang="zh-CN" sz="1700" kern="100" dirty="0">
-                        <a:effectLst/>
-                        <a:latin typeface="Times New Roman" panose="02020603050405020304" pitchFamily="18" charset="0"/>
-                        <a:ea typeface="微软雅黑" panose="020B0503020204020204" pitchFamily="34" charset="-122"/>
-                        <a:cs typeface="Times New Roman" panose="02020603050405020304" pitchFamily="18" charset="0"/>
-                      </a:endParaRPr>
-                    </a:p>
-                  </a:txBody>
-                  <a:tcPr marL="68590" marR="68590" marT="0" marB="0" anchor="ctr"/>
-                </a:tc>
-                <a:extLst>
-                  <a:ext uri="{0D108BD9-81ED-4DB2-BD59-A6C34878D82A}">
-                    <a16:rowId xmlns:a16="http://schemas.microsoft.com/office/drawing/2014/main" val="1087208171"/>
-                  </a:ext>
-                </a:extLst>
-              </a:tr>
-              <a:tr h="395923">
-                <a:tc>
-                  <a:txBody>
-                    <a:bodyPr/>
-                    <a:lstStyle/>
-                    <a:p>
-                      <a:pPr algn="ctr">
-                        <a:spcAft>
-                          <a:spcPts val="0"/>
-                        </a:spcAft>
-                      </a:pPr>
-                      <a:r>
-                        <a:rPr lang="zh-CN" altLang="en-US" sz="1700" b="0" kern="100" dirty="0">
-                          <a:effectLst/>
-                          <a:latin typeface="Times New Roman" panose="02020603050405020304" pitchFamily="18" charset="0"/>
-                          <a:ea typeface="微软雅黑" panose="020B0503020204020204" pitchFamily="34" charset="-122"/>
-                          <a:cs typeface="Times New Roman" panose="02020603050405020304" pitchFamily="18" charset="0"/>
-                        </a:rPr>
-                        <a:t>入口速度 </a:t>
-                      </a:r>
-                      <a:r>
-                        <a:rPr lang="en-US" altLang="zh-CN" sz="1700" b="0" i="1" kern="100" dirty="0" err="1">
-                          <a:effectLst/>
-                          <a:latin typeface="Times New Roman" panose="02020603050405020304" pitchFamily="18" charset="0"/>
-                          <a:ea typeface="微软雅黑" panose="020B0503020204020204" pitchFamily="34" charset="-122"/>
-                          <a:cs typeface="Times New Roman" panose="02020603050405020304" pitchFamily="18" charset="0"/>
-                        </a:rPr>
-                        <a:t>u</a:t>
-                      </a:r>
-                      <a:r>
-                        <a:rPr lang="en-US" altLang="zh-CN" sz="1700" b="0" kern="100" baseline="-25000" dirty="0" err="1">
-                          <a:effectLst/>
-                          <a:latin typeface="Times New Roman" panose="02020603050405020304" pitchFamily="18" charset="0"/>
-                          <a:ea typeface="微软雅黑" panose="020B0503020204020204" pitchFamily="34" charset="-122"/>
-                          <a:cs typeface="Times New Roman" panose="02020603050405020304" pitchFamily="18" charset="0"/>
-                        </a:rPr>
-                        <a:t>in</a:t>
-                      </a:r>
-                      <a:endParaRPr lang="zh-CN" sz="1700" b="0" kern="100" baseline="-25000" dirty="0">
-                        <a:effectLst/>
-                        <a:latin typeface="Times New Roman" panose="02020603050405020304" pitchFamily="18" charset="0"/>
-                        <a:ea typeface="微软雅黑" panose="020B0503020204020204" pitchFamily="34" charset="-122"/>
-                        <a:cs typeface="Times New Roman" panose="02020603050405020304" pitchFamily="18" charset="0"/>
-                      </a:endParaRPr>
-                    </a:p>
-                  </a:txBody>
-                  <a:tcPr marL="68590" marR="68590" marT="0" marB="0" anchor="ctr"/>
-                </a:tc>
-                <a:tc>
-                  <a:txBody>
-                    <a:bodyPr/>
-                    <a:lstStyle/>
-                    <a:p>
-                      <a:pPr algn="ctr">
-                        <a:spcAft>
-                          <a:spcPts val="0"/>
-                        </a:spcAft>
-                      </a:pPr>
-                      <a:r>
-                        <a:rPr lang="en-US" altLang="zh-CN" sz="1700" b="1" dirty="0">
-                          <a:solidFill>
-                            <a:srgbClr val="FF0000"/>
-                          </a:solidFill>
-                          <a:latin typeface="Times New Roman" panose="02020603050405020304" pitchFamily="18" charset="0"/>
-                          <a:ea typeface="微软雅黑" panose="020B0503020204020204" pitchFamily="34" charset="-122"/>
-                          <a:cs typeface="Times New Roman" panose="02020603050405020304" pitchFamily="18" charset="0"/>
-                          <a:sym typeface="Calibri" panose="020F0502020204030204" pitchFamily="34" charset="0"/>
-                        </a:rPr>
-                        <a:t>6 m/s </a:t>
-                      </a:r>
-                      <a:r>
-                        <a:rPr lang="zh-CN" altLang="en-US" sz="1700" b="1" dirty="0">
-                          <a:solidFill>
-                            <a:srgbClr val="FF0000"/>
-                          </a:solidFill>
-                          <a:latin typeface="Times New Roman" panose="02020603050405020304" pitchFamily="18" charset="0"/>
-                          <a:ea typeface="微软雅黑" panose="020B0503020204020204" pitchFamily="34" charset="-122"/>
-                          <a:cs typeface="Times New Roman" panose="02020603050405020304" pitchFamily="18" charset="0"/>
-                          <a:sym typeface="Calibri" panose="020F0502020204030204" pitchFamily="34" charset="0"/>
-                        </a:rPr>
-                        <a:t>（</a:t>
-                      </a:r>
-                      <a:r>
-                        <a:rPr lang="en-US" altLang="zh-CN" sz="1700" b="1" i="1" dirty="0">
-                          <a:solidFill>
-                            <a:srgbClr val="FF0000"/>
-                          </a:solidFill>
-                          <a:latin typeface="Times New Roman" panose="02020603050405020304" pitchFamily="18" charset="0"/>
-                          <a:ea typeface="微软雅黑" panose="020B0503020204020204" pitchFamily="34" charset="-122"/>
-                          <a:cs typeface="Times New Roman" panose="02020603050405020304" pitchFamily="18" charset="0"/>
-                          <a:sym typeface="Calibri" panose="020F0502020204030204" pitchFamily="34" charset="0"/>
-                        </a:rPr>
-                        <a:t>Re</a:t>
-                      </a:r>
-                      <a:r>
-                        <a:rPr lang="en-US" altLang="zh-CN" sz="1700" b="1" dirty="0">
-                          <a:solidFill>
-                            <a:srgbClr val="FF0000"/>
-                          </a:solidFill>
-                          <a:latin typeface="Times New Roman" panose="02020603050405020304" pitchFamily="18" charset="0"/>
-                          <a:ea typeface="微软雅黑" panose="020B0503020204020204" pitchFamily="34" charset="-122"/>
-                          <a:cs typeface="Times New Roman" panose="02020603050405020304" pitchFamily="18" charset="0"/>
-                          <a:sym typeface="Calibri" panose="020F0502020204030204" pitchFamily="34" charset="0"/>
-                        </a:rPr>
-                        <a:t> = 13000</a:t>
-                      </a:r>
-                      <a:r>
-                        <a:rPr lang="zh-CN" altLang="en-US" sz="1700" b="1" dirty="0">
-                          <a:solidFill>
-                            <a:srgbClr val="FF0000"/>
-                          </a:solidFill>
-                          <a:latin typeface="Times New Roman" panose="02020603050405020304" pitchFamily="18" charset="0"/>
-                          <a:ea typeface="微软雅黑" panose="020B0503020204020204" pitchFamily="34" charset="-122"/>
-                          <a:cs typeface="Times New Roman" panose="02020603050405020304" pitchFamily="18" charset="0"/>
-                          <a:sym typeface="Calibri" panose="020F0502020204030204" pitchFamily="34" charset="0"/>
-                        </a:rPr>
-                        <a:t> 湍流）</a:t>
-                      </a:r>
-                      <a:endParaRPr lang="zh-CN" sz="1700" kern="100" dirty="0">
-                        <a:solidFill>
-                          <a:srgbClr val="FF0000"/>
-                        </a:solidFill>
-                        <a:effectLst/>
-                        <a:latin typeface="Times New Roman" panose="02020603050405020304" pitchFamily="18" charset="0"/>
-                        <a:ea typeface="微软雅黑" panose="020B0503020204020204" pitchFamily="34" charset="-122"/>
-                        <a:cs typeface="Times New Roman" panose="02020603050405020304" pitchFamily="18" charset="0"/>
-                      </a:endParaRPr>
-                    </a:p>
-                  </a:txBody>
-                  <a:tcPr marL="68590" marR="68590" marT="0" marB="0" anchor="ctr"/>
-                </a:tc>
-                <a:extLst>
-                  <a:ext uri="{0D108BD9-81ED-4DB2-BD59-A6C34878D82A}">
-                    <a16:rowId xmlns:a16="http://schemas.microsoft.com/office/drawing/2014/main" val="1894481800"/>
-                  </a:ext>
-                </a:extLst>
-              </a:tr>
-              <a:tr h="395923">
-                <a:tc>
-                  <a:txBody>
-                    <a:bodyPr/>
-                    <a:lstStyle/>
-                    <a:p>
-                      <a:pPr marL="0" marR="0" lvl="0" indent="0" algn="ctr" defTabSz="914400" rtl="0" eaLnBrk="1" fontAlgn="auto" latinLnBrk="0" hangingPunct="1">
-                        <a:lnSpc>
-                          <a:spcPct val="100000"/>
-                        </a:lnSpc>
-                        <a:spcBef>
-                          <a:spcPts val="0"/>
-                        </a:spcBef>
-                        <a:spcAft>
-                          <a:spcPts val="0"/>
-                        </a:spcAft>
-                        <a:buClrTx/>
-                        <a:buSzTx/>
-                        <a:buFontTx/>
-                        <a:buNone/>
-                        <a:tabLst/>
-                        <a:defRPr/>
-                      </a:pPr>
-                      <a:r>
-                        <a:rPr lang="zh-CN" altLang="en-US" sz="1700" b="0" kern="100" dirty="0">
-                          <a:effectLst/>
-                          <a:latin typeface="Times New Roman" panose="02020603050405020304" pitchFamily="18" charset="0"/>
-                          <a:ea typeface="微软雅黑" panose="020B0503020204020204" pitchFamily="34" charset="-122"/>
-                          <a:cs typeface="Times New Roman" panose="02020603050405020304" pitchFamily="18" charset="0"/>
-                        </a:rPr>
-                        <a:t>出口条件 </a:t>
-                      </a:r>
-                      <a:r>
-                        <a:rPr lang="en-US" altLang="zh-CN" sz="1700" b="0" i="1" kern="100" dirty="0">
-                          <a:effectLst/>
-                          <a:latin typeface="Times New Roman" panose="02020603050405020304" pitchFamily="18" charset="0"/>
-                          <a:ea typeface="微软雅黑" panose="020B0503020204020204" pitchFamily="34" charset="-122"/>
-                          <a:cs typeface="Times New Roman" panose="02020603050405020304" pitchFamily="18" charset="0"/>
-                        </a:rPr>
-                        <a:t>p</a:t>
-                      </a:r>
-                      <a:r>
-                        <a:rPr lang="en-US" altLang="zh-CN" sz="1700" b="0" kern="100" baseline="-25000" dirty="0">
-                          <a:effectLst/>
-                          <a:latin typeface="Times New Roman" panose="02020603050405020304" pitchFamily="18" charset="0"/>
-                          <a:ea typeface="微软雅黑" panose="020B0503020204020204" pitchFamily="34" charset="-122"/>
-                          <a:cs typeface="Times New Roman" panose="02020603050405020304" pitchFamily="18" charset="0"/>
-                        </a:rPr>
-                        <a:t>out</a:t>
-                      </a:r>
-                      <a:endParaRPr lang="zh-CN" sz="1700" b="0" kern="100" baseline="-25000" dirty="0">
-                        <a:effectLst/>
-                        <a:latin typeface="Times New Roman" panose="02020603050405020304" pitchFamily="18" charset="0"/>
-                        <a:ea typeface="微软雅黑" panose="020B0503020204020204" pitchFamily="34" charset="-122"/>
-                        <a:cs typeface="Times New Roman" panose="02020603050405020304" pitchFamily="18" charset="0"/>
-                      </a:endParaRPr>
-                    </a:p>
-                  </a:txBody>
-                  <a:tcPr marL="68590" marR="68590" marT="0" marB="0" anchor="ctr"/>
-                </a:tc>
-                <a:tc>
-                  <a:txBody>
-                    <a:bodyPr/>
-                    <a:lstStyle/>
-                    <a:p>
-                      <a:pPr algn="ctr">
-                        <a:spcAft>
-                          <a:spcPts val="0"/>
-                        </a:spcAft>
-                      </a:pPr>
-                      <a:r>
-                        <a:rPr lang="en-US" altLang="zh-CN" sz="1700" b="1" dirty="0">
-                          <a:latin typeface="Times New Roman" panose="02020603050405020304" pitchFamily="18" charset="0"/>
-                          <a:ea typeface="微软雅黑" panose="020B0503020204020204" pitchFamily="34" charset="-122"/>
-                          <a:cs typeface="Times New Roman" panose="02020603050405020304" pitchFamily="18" charset="0"/>
-                          <a:sym typeface="Calibri" panose="020F0502020204030204" pitchFamily="34" charset="0"/>
-                        </a:rPr>
-                        <a:t>0 Pa</a:t>
-                      </a:r>
-                      <a:endParaRPr lang="zh-CN" sz="1700" kern="100" dirty="0">
-                        <a:effectLst/>
-                        <a:latin typeface="Times New Roman" panose="02020603050405020304" pitchFamily="18" charset="0"/>
-                        <a:ea typeface="微软雅黑" panose="020B0503020204020204" pitchFamily="34" charset="-122"/>
-                        <a:cs typeface="Times New Roman" panose="02020603050405020304" pitchFamily="18" charset="0"/>
-                      </a:endParaRPr>
-                    </a:p>
-                  </a:txBody>
-                  <a:tcPr marL="68590" marR="68590" marT="0" marB="0" anchor="ctr"/>
-                </a:tc>
-                <a:extLst>
-                  <a:ext uri="{0D108BD9-81ED-4DB2-BD59-A6C34878D82A}">
-                    <a16:rowId xmlns:a16="http://schemas.microsoft.com/office/drawing/2014/main" val="2616931094"/>
-                  </a:ext>
-                </a:extLst>
-              </a:tr>
-            </a:tbl>
-          </a:graphicData>
-        </a:graphic>
-      </p:graphicFrame>
       <p:sp>
         <p:nvSpPr>
           <p:cNvPr id="17" name="内容占位符 2"/>
@@ -4392,13 +6237,13 @@
           <p:nvPr>
             <p:extLst>
               <p:ext uri="{D42A27DB-BD31-4B8C-83A1-F6EECF244321}">
-                <p14:modId xmlns:p14="http://schemas.microsoft.com/office/powerpoint/2010/main" val="2499515750"/>
+                <p14:modId xmlns:p14="http://schemas.microsoft.com/office/powerpoint/2010/main" val="1020593379"/>
               </p:ext>
             </p:extLst>
           </p:nvPr>
         </p:nvGraphicFramePr>
         <p:xfrm>
-          <a:off x="230188" y="4699000"/>
+          <a:off x="151165" y="4699000"/>
           <a:ext cx="4240212" cy="1979612"/>
         </p:xfrm>
         <a:graphic>
@@ -5243,6 +7088,488 @@
           </a:p>
         </p:txBody>
       </p:sp>
+      <p:graphicFrame>
+        <p:nvGraphicFramePr>
+          <p:cNvPr id="12" name="表格 11">
+            <a:extLst>
+              <a:ext uri="{FF2B5EF4-FFF2-40B4-BE49-F238E27FC236}">
+                <a16:creationId xmlns:a16="http://schemas.microsoft.com/office/drawing/2014/main" id="{F7AED091-6557-4CCB-BE7A-1FC30B72ED58}"/>
+              </a:ext>
+            </a:extLst>
+          </p:cNvPr>
+          <p:cNvGraphicFramePr>
+            <a:graphicFrameLocks noGrp="1"/>
+          </p:cNvGraphicFramePr>
+          <p:nvPr>
+            <p:extLst>
+              <p:ext uri="{D42A27DB-BD31-4B8C-83A1-F6EECF244321}">
+                <p14:modId xmlns:p14="http://schemas.microsoft.com/office/powerpoint/2010/main" val="2676592042"/>
+              </p:ext>
+            </p:extLst>
+          </p:nvPr>
+        </p:nvGraphicFramePr>
+        <p:xfrm>
+          <a:off x="4738335" y="4710112"/>
+          <a:ext cx="4240212" cy="1979612"/>
+        </p:xfrm>
+        <a:graphic>
+          <a:graphicData uri="http://schemas.openxmlformats.org/drawingml/2006/table">
+            <a:tbl>
+              <a:tblPr firstRow="1" firstCol="1" bandRow="1">
+                <a:tableStyleId>{5C22544A-7EE6-4342-B048-85BDC9FD1C3A}</a:tableStyleId>
+              </a:tblPr>
+              <a:tblGrid>
+                <a:gridCol w="1699173">
+                  <a:extLst>
+                    <a:ext uri="{9D8B030D-6E8A-4147-A177-3AD203B41FA5}">
+                      <a16:colId xmlns:a16="http://schemas.microsoft.com/office/drawing/2014/main" val="3812545864"/>
+                    </a:ext>
+                  </a:extLst>
+                </a:gridCol>
+                <a:gridCol w="2541039">
+                  <a:extLst>
+                    <a:ext uri="{9D8B030D-6E8A-4147-A177-3AD203B41FA5}">
+                      <a16:colId xmlns:a16="http://schemas.microsoft.com/office/drawing/2014/main" val="3296998995"/>
+                    </a:ext>
+                  </a:extLst>
+                </a:gridCol>
+              </a:tblGrid>
+              <a:tr h="383856">
+                <a:tc>
+                  <a:txBody>
+                    <a:bodyPr/>
+                    <a:lstStyle/>
+                    <a:p>
+                      <a:pPr algn="ctr">
+                        <a:spcAft>
+                          <a:spcPts val="0"/>
+                        </a:spcAft>
+                      </a:pPr>
+                      <a:r>
+                        <a:rPr lang="zh-CN" altLang="en-US" sz="1900" b="0" kern="100" dirty="0">
+                          <a:effectLst/>
+                          <a:latin typeface="微软雅黑" panose="020B0503020204020204" pitchFamily="34" charset="-122"/>
+                          <a:ea typeface="微软雅黑" panose="020B0503020204020204" pitchFamily="34" charset="-122"/>
+                          <a:cs typeface="Times New Roman" panose="02020603050405020304" pitchFamily="18" charset="0"/>
+                        </a:rPr>
+                        <a:t>几何</a:t>
+                      </a:r>
+                      <a:r>
+                        <a:rPr lang="zh-CN" altLang="en-US" sz="1900" b="0" kern="100" dirty="0" smtClean="0">
+                          <a:effectLst/>
+                          <a:latin typeface="微软雅黑" panose="020B0503020204020204" pitchFamily="34" charset="-122"/>
+                          <a:ea typeface="微软雅黑" panose="020B0503020204020204" pitchFamily="34" charset="-122"/>
+                          <a:cs typeface="Times New Roman" panose="02020603050405020304" pitchFamily="18" charset="0"/>
+                        </a:rPr>
+                        <a:t>尺寸</a:t>
+                      </a:r>
+                      <a:r>
+                        <a:rPr lang="en-US" altLang="zh-CN" sz="1900" b="0" kern="100" dirty="0" smtClean="0">
+                          <a:effectLst/>
+                          <a:latin typeface="微软雅黑" panose="020B0503020204020204" pitchFamily="34" charset="-122"/>
+                          <a:ea typeface="微软雅黑" panose="020B0503020204020204" pitchFamily="34" charset="-122"/>
+                          <a:cs typeface="Times New Roman" panose="02020603050405020304" pitchFamily="18" charset="0"/>
+                        </a:rPr>
+                        <a:t>2</a:t>
+                      </a:r>
+                      <a:endParaRPr lang="zh-CN" sz="1900" b="0" kern="100" dirty="0">
+                        <a:effectLst/>
+                        <a:latin typeface="微软雅黑" panose="020B0503020204020204" pitchFamily="34" charset="-122"/>
+                        <a:ea typeface="微软雅黑" panose="020B0503020204020204" pitchFamily="34" charset="-122"/>
+                        <a:cs typeface="Times New Roman" panose="02020603050405020304" pitchFamily="18" charset="0"/>
+                      </a:endParaRPr>
+                    </a:p>
+                  </a:txBody>
+                  <a:tcPr marL="68590" marR="68590" marT="0" marB="0" anchor="ctr"/>
+                </a:tc>
+                <a:tc>
+                  <a:txBody>
+                    <a:bodyPr/>
+                    <a:lstStyle/>
+                    <a:p>
+                      <a:pPr algn="ctr">
+                        <a:spcAft>
+                          <a:spcPts val="0"/>
+                        </a:spcAft>
+                      </a:pPr>
+                      <a:r>
+                        <a:rPr lang="zh-CN" altLang="en-US" sz="1900" b="0" kern="100" dirty="0">
+                          <a:effectLst/>
+                          <a:latin typeface="微软雅黑" panose="020B0503020204020204" pitchFamily="34" charset="-122"/>
+                          <a:ea typeface="微软雅黑" panose="020B0503020204020204" pitchFamily="34" charset="-122"/>
+                          <a:cs typeface="Times New Roman" panose="02020603050405020304" pitchFamily="18" charset="0"/>
+                        </a:rPr>
+                        <a:t>数值</a:t>
+                      </a:r>
+                      <a:endParaRPr lang="zh-CN" sz="1900" b="0" kern="100" dirty="0">
+                        <a:effectLst/>
+                        <a:latin typeface="微软雅黑" panose="020B0503020204020204" pitchFamily="34" charset="-122"/>
+                        <a:ea typeface="微软雅黑" panose="020B0503020204020204" pitchFamily="34" charset="-122"/>
+                        <a:cs typeface="Times New Roman" panose="02020603050405020304" pitchFamily="18" charset="0"/>
+                      </a:endParaRPr>
+                    </a:p>
+                  </a:txBody>
+                  <a:tcPr marL="68590" marR="68590" marT="0" marB="0" anchor="ctr"/>
+                </a:tc>
+                <a:extLst>
+                  <a:ext uri="{0D108BD9-81ED-4DB2-BD59-A6C34878D82A}">
+                    <a16:rowId xmlns:a16="http://schemas.microsoft.com/office/drawing/2014/main" val="1556186860"/>
+                  </a:ext>
+                </a:extLst>
+              </a:tr>
+              <a:tr h="398939">
+                <a:tc>
+                  <a:txBody>
+                    <a:bodyPr/>
+                    <a:lstStyle/>
+                    <a:p>
+                      <a:pPr marL="0" algn="ctr" defTabSz="914400" rtl="0" eaLnBrk="1" latinLnBrk="0" hangingPunct="1">
+                        <a:spcAft>
+                          <a:spcPts val="0"/>
+                        </a:spcAft>
+                      </a:pPr>
+                      <a:r>
+                        <a:rPr lang="zh-CN" altLang="zh-CN" sz="1700" b="0" kern="100" dirty="0">
+                          <a:solidFill>
+                            <a:schemeClr val="lt1"/>
+                          </a:solidFill>
+                          <a:effectLst/>
+                          <a:latin typeface="微软雅黑" panose="020B0503020204020204" pitchFamily="34" charset="-122"/>
+                          <a:ea typeface="微软雅黑" panose="020B0503020204020204" pitchFamily="34" charset="-122"/>
+                          <a:cs typeface="Times New Roman" panose="02020603050405020304" pitchFamily="18" charset="0"/>
+                        </a:rPr>
+                        <a:t>换热管直径</a:t>
+                      </a:r>
+                      <a:endParaRPr lang="zh-CN" altLang="en-US" sz="1700" b="0" kern="100" dirty="0">
+                        <a:solidFill>
+                          <a:schemeClr val="lt1"/>
+                        </a:solidFill>
+                        <a:effectLst/>
+                        <a:latin typeface="微软雅黑" panose="020B0503020204020204" pitchFamily="34" charset="-122"/>
+                        <a:ea typeface="微软雅黑" panose="020B0503020204020204" pitchFamily="34" charset="-122"/>
+                        <a:cs typeface="Times New Roman" panose="02020603050405020304" pitchFamily="18" charset="0"/>
+                      </a:endParaRPr>
+                    </a:p>
+                  </a:txBody>
+                  <a:tcPr marL="68590" marR="68590" marT="0" marB="0" anchor="ctr"/>
+                </a:tc>
+                <a:tc>
+                  <a:txBody>
+                    <a:bodyPr/>
+                    <a:lstStyle/>
+                    <a:p>
+                      <a:pPr algn="ctr">
+                        <a:lnSpc>
+                          <a:spcPct val="150000"/>
+                        </a:lnSpc>
+                        <a:spcAft>
+                          <a:spcPts val="0"/>
+                        </a:spcAft>
+                      </a:pPr>
+                      <a:r>
+                        <a:rPr lang="en-US" sz="1700" b="1" kern="1200" dirty="0">
+                          <a:solidFill>
+                            <a:schemeClr val="dk1"/>
+                          </a:solidFill>
+                          <a:latin typeface="Times New Roman" panose="02020603050405020304" pitchFamily="18" charset="0"/>
+                          <a:ea typeface="微软雅黑" panose="020B0503020204020204" pitchFamily="34" charset="-122"/>
+                          <a:cs typeface="Times New Roman" panose="02020603050405020304" pitchFamily="18" charset="0"/>
+                        </a:rPr>
+                        <a:t>16.4 mm</a:t>
+                      </a:r>
+                      <a:endParaRPr lang="zh-CN" altLang="en-US" sz="1700" b="1" kern="1200" dirty="0">
+                        <a:solidFill>
+                          <a:schemeClr val="dk1"/>
+                        </a:solidFill>
+                        <a:latin typeface="Times New Roman" panose="02020603050405020304" pitchFamily="18" charset="0"/>
+                        <a:ea typeface="微软雅黑" panose="020B0503020204020204" pitchFamily="34" charset="-122"/>
+                        <a:cs typeface="Times New Roman" panose="02020603050405020304" pitchFamily="18" charset="0"/>
+                      </a:endParaRPr>
+                    </a:p>
+                  </a:txBody>
+                  <a:tcPr marL="68590" marR="68590" marT="0" marB="0" anchor="ctr"/>
+                </a:tc>
+                <a:extLst>
+                  <a:ext uri="{0D108BD9-81ED-4DB2-BD59-A6C34878D82A}">
+                    <a16:rowId xmlns:a16="http://schemas.microsoft.com/office/drawing/2014/main" val="2158459069"/>
+                  </a:ext>
+                </a:extLst>
+              </a:tr>
+              <a:tr h="398939">
+                <a:tc>
+                  <a:txBody>
+                    <a:bodyPr/>
+                    <a:lstStyle/>
+                    <a:p>
+                      <a:pPr marL="0" algn="ctr" defTabSz="914400" rtl="0" eaLnBrk="1" latinLnBrk="0" hangingPunct="1">
+                        <a:spcAft>
+                          <a:spcPts val="0"/>
+                        </a:spcAft>
+                      </a:pPr>
+                      <a:r>
+                        <a:rPr lang="zh-CN" altLang="zh-CN" sz="1700" b="0" kern="100" dirty="0">
+                          <a:solidFill>
+                            <a:schemeClr val="lt1"/>
+                          </a:solidFill>
+                          <a:effectLst/>
+                          <a:latin typeface="微软雅黑" panose="020B0503020204020204" pitchFamily="34" charset="-122"/>
+                          <a:ea typeface="微软雅黑" panose="020B0503020204020204" pitchFamily="34" charset="-122"/>
+                          <a:cs typeface="Times New Roman" panose="02020603050405020304" pitchFamily="18" charset="0"/>
+                        </a:rPr>
+                        <a:t>计算域宽度</a:t>
+                      </a:r>
+                      <a:endParaRPr lang="zh-CN" altLang="en-US" sz="1700" b="0" kern="100" dirty="0">
+                        <a:solidFill>
+                          <a:schemeClr val="lt1"/>
+                        </a:solidFill>
+                        <a:effectLst/>
+                        <a:latin typeface="微软雅黑" panose="020B0503020204020204" pitchFamily="34" charset="-122"/>
+                        <a:ea typeface="微软雅黑" panose="020B0503020204020204" pitchFamily="34" charset="-122"/>
+                        <a:cs typeface="Times New Roman" panose="02020603050405020304" pitchFamily="18" charset="0"/>
+                      </a:endParaRPr>
+                    </a:p>
+                  </a:txBody>
+                  <a:tcPr marL="68590" marR="68590" marT="0" marB="0" anchor="ctr"/>
+                </a:tc>
+                <a:tc>
+                  <a:txBody>
+                    <a:bodyPr/>
+                    <a:lstStyle/>
+                    <a:p>
+                      <a:pPr algn="ctr">
+                        <a:lnSpc>
+                          <a:spcPct val="150000"/>
+                        </a:lnSpc>
+                        <a:spcAft>
+                          <a:spcPts val="0"/>
+                        </a:spcAft>
+                      </a:pPr>
+                      <a:r>
+                        <a:rPr lang="en-US" sz="1700" b="1" kern="1200" dirty="0">
+                          <a:solidFill>
+                            <a:schemeClr val="dk1"/>
+                          </a:solidFill>
+                          <a:latin typeface="Times New Roman" panose="02020603050405020304" pitchFamily="18" charset="0"/>
+                          <a:ea typeface="微软雅黑" panose="020B0503020204020204" pitchFamily="34" charset="-122"/>
+                          <a:cs typeface="Times New Roman" panose="02020603050405020304" pitchFamily="18" charset="0"/>
+                        </a:rPr>
+                        <a:t>65.6 mm</a:t>
+                      </a:r>
+                      <a:endParaRPr lang="zh-CN" altLang="en-US" sz="1700" b="1" kern="1200" dirty="0">
+                        <a:solidFill>
+                          <a:schemeClr val="dk1"/>
+                        </a:solidFill>
+                        <a:latin typeface="Times New Roman" panose="02020603050405020304" pitchFamily="18" charset="0"/>
+                        <a:ea typeface="微软雅黑" panose="020B0503020204020204" pitchFamily="34" charset="-122"/>
+                        <a:cs typeface="Times New Roman" panose="02020603050405020304" pitchFamily="18" charset="0"/>
+                      </a:endParaRPr>
+                    </a:p>
+                  </a:txBody>
+                  <a:tcPr marL="68590" marR="68590" marT="0" marB="0" anchor="ctr"/>
+                </a:tc>
+                <a:extLst>
+                  <a:ext uri="{0D108BD9-81ED-4DB2-BD59-A6C34878D82A}">
+                    <a16:rowId xmlns:a16="http://schemas.microsoft.com/office/drawing/2014/main" val="1087208171"/>
+                  </a:ext>
+                </a:extLst>
+              </a:tr>
+              <a:tr h="398939">
+                <a:tc>
+                  <a:txBody>
+                    <a:bodyPr/>
+                    <a:lstStyle/>
+                    <a:p>
+                      <a:pPr marL="0" algn="ctr" defTabSz="914400" rtl="0" eaLnBrk="1" latinLnBrk="0" hangingPunct="1">
+                        <a:spcAft>
+                          <a:spcPts val="0"/>
+                        </a:spcAft>
+                      </a:pPr>
+                      <a:r>
+                        <a:rPr lang="zh-CN" altLang="zh-CN" sz="1700" b="0" kern="100" dirty="0">
+                          <a:solidFill>
+                            <a:schemeClr val="lt1"/>
+                          </a:solidFill>
+                          <a:effectLst/>
+                          <a:latin typeface="微软雅黑" panose="020B0503020204020204" pitchFamily="34" charset="-122"/>
+                          <a:ea typeface="微软雅黑" panose="020B0503020204020204" pitchFamily="34" charset="-122"/>
+                          <a:cs typeface="Times New Roman" panose="02020603050405020304" pitchFamily="18" charset="0"/>
+                        </a:rPr>
+                        <a:t>计算域长度</a:t>
+                      </a:r>
+                      <a:endParaRPr lang="zh-CN" altLang="en-US" sz="1700" b="0" kern="100" dirty="0">
+                        <a:solidFill>
+                          <a:schemeClr val="lt1"/>
+                        </a:solidFill>
+                        <a:effectLst/>
+                        <a:latin typeface="微软雅黑" panose="020B0503020204020204" pitchFamily="34" charset="-122"/>
+                        <a:ea typeface="微软雅黑" panose="020B0503020204020204" pitchFamily="34" charset="-122"/>
+                        <a:cs typeface="Times New Roman" panose="02020603050405020304" pitchFamily="18" charset="0"/>
+                      </a:endParaRPr>
+                    </a:p>
+                  </a:txBody>
+                  <a:tcPr marL="68590" marR="68590" marT="0" marB="0" anchor="ctr"/>
+                </a:tc>
+                <a:tc>
+                  <a:txBody>
+                    <a:bodyPr/>
+                    <a:lstStyle/>
+                    <a:p>
+                      <a:pPr algn="ctr">
+                        <a:lnSpc>
+                          <a:spcPct val="150000"/>
+                        </a:lnSpc>
+                        <a:spcAft>
+                          <a:spcPts val="0"/>
+                        </a:spcAft>
+                      </a:pPr>
+                      <a:r>
+                        <a:rPr lang="en-US" sz="1700" b="1" kern="1200" dirty="0">
+                          <a:solidFill>
+                            <a:schemeClr val="dk1"/>
+                          </a:solidFill>
+                          <a:latin typeface="Times New Roman" panose="02020603050405020304" pitchFamily="18" charset="0"/>
+                          <a:ea typeface="微软雅黑" panose="020B0503020204020204" pitchFamily="34" charset="-122"/>
+                          <a:cs typeface="Times New Roman" panose="02020603050405020304" pitchFamily="18" charset="0"/>
+                        </a:rPr>
+                        <a:t>650 mm</a:t>
+                      </a:r>
+                      <a:endParaRPr lang="zh-CN" altLang="en-US" sz="1700" b="1" kern="1200" dirty="0">
+                        <a:solidFill>
+                          <a:schemeClr val="dk1"/>
+                        </a:solidFill>
+                        <a:latin typeface="Times New Roman" panose="02020603050405020304" pitchFamily="18" charset="0"/>
+                        <a:ea typeface="微软雅黑" panose="020B0503020204020204" pitchFamily="34" charset="-122"/>
+                        <a:cs typeface="Times New Roman" panose="02020603050405020304" pitchFamily="18" charset="0"/>
+                      </a:endParaRPr>
+                    </a:p>
+                  </a:txBody>
+                  <a:tcPr marL="68590" marR="68590" marT="0" marB="0" anchor="ctr"/>
+                </a:tc>
+                <a:extLst>
+                  <a:ext uri="{0D108BD9-81ED-4DB2-BD59-A6C34878D82A}">
+                    <a16:rowId xmlns:a16="http://schemas.microsoft.com/office/drawing/2014/main" val="1894481800"/>
+                  </a:ext>
+                </a:extLst>
+              </a:tr>
+              <a:tr h="398939">
+                <a:tc>
+                  <a:txBody>
+                    <a:bodyPr/>
+                    <a:lstStyle/>
+                    <a:p>
+                      <a:pPr marL="0" marR="0" lvl="0" indent="0" algn="ctr" defTabSz="914400" rtl="0" eaLnBrk="1" fontAlgn="auto" latinLnBrk="0" hangingPunct="1">
+                        <a:lnSpc>
+                          <a:spcPct val="100000"/>
+                        </a:lnSpc>
+                        <a:spcBef>
+                          <a:spcPts val="0"/>
+                        </a:spcBef>
+                        <a:spcAft>
+                          <a:spcPts val="0"/>
+                        </a:spcAft>
+                        <a:buClrTx/>
+                        <a:buSzTx/>
+                        <a:buFontTx/>
+                        <a:buNone/>
+                        <a:tabLst/>
+                        <a:defRPr/>
+                      </a:pPr>
+                      <a:r>
+                        <a:rPr lang="zh-CN" altLang="zh-CN" sz="1700" b="0" kern="100" dirty="0">
+                          <a:solidFill>
+                            <a:schemeClr val="lt1"/>
+                          </a:solidFill>
+                          <a:effectLst/>
+                          <a:latin typeface="微软雅黑" panose="020B0503020204020204" pitchFamily="34" charset="-122"/>
+                          <a:ea typeface="微软雅黑" panose="020B0503020204020204" pitchFamily="34" charset="-122"/>
+                          <a:cs typeface="Times New Roman" panose="02020603050405020304" pitchFamily="18" charset="0"/>
+                        </a:rPr>
+                        <a:t>设计单元</a:t>
+                      </a:r>
+                      <a:r>
+                        <a:rPr lang="zh-CN" altLang="en-US" sz="1700" b="0" kern="100" dirty="0">
+                          <a:solidFill>
+                            <a:schemeClr val="lt1"/>
+                          </a:solidFill>
+                          <a:effectLst/>
+                          <a:latin typeface="微软雅黑" panose="020B0503020204020204" pitchFamily="34" charset="-122"/>
+                          <a:ea typeface="微软雅黑" panose="020B0503020204020204" pitchFamily="34" charset="-122"/>
+                          <a:cs typeface="Times New Roman" panose="02020603050405020304" pitchFamily="18" charset="0"/>
+                        </a:rPr>
+                        <a:t>尺寸</a:t>
+                      </a:r>
+                    </a:p>
+                  </a:txBody>
+                  <a:tcPr marL="68590" marR="68590" marT="0" marB="0" anchor="ctr"/>
+                </a:tc>
+                <a:tc>
+                  <a:txBody>
+                    <a:bodyPr/>
+                    <a:lstStyle/>
+                    <a:p>
+                      <a:pPr algn="ctr">
+                        <a:lnSpc>
+                          <a:spcPct val="150000"/>
+                        </a:lnSpc>
+                        <a:spcAft>
+                          <a:spcPts val="0"/>
+                        </a:spcAft>
+                      </a:pPr>
+                      <a:r>
+                        <a:rPr lang="en-US" sz="1700" b="1" kern="1200" dirty="0">
+                          <a:solidFill>
+                            <a:schemeClr val="dk1"/>
+                          </a:solidFill>
+                          <a:latin typeface="Times New Roman" panose="02020603050405020304" pitchFamily="18" charset="0"/>
+                          <a:ea typeface="微软雅黑" panose="020B0503020204020204" pitchFamily="34" charset="-122"/>
+                          <a:cs typeface="Times New Roman" panose="02020603050405020304" pitchFamily="18" charset="0"/>
+                        </a:rPr>
+                        <a:t>65.6 </a:t>
+                      </a:r>
+                      <a:r>
+                        <a:rPr lang="en-US" altLang="zh-CN" sz="1700" b="1" kern="1200" dirty="0">
+                          <a:solidFill>
+                            <a:schemeClr val="dk1"/>
+                          </a:solidFill>
+                          <a:latin typeface="Times New Roman" panose="02020603050405020304" pitchFamily="18" charset="0"/>
+                          <a:ea typeface="微软雅黑" panose="020B0503020204020204" pitchFamily="34" charset="-122"/>
+                          <a:cs typeface="Times New Roman" panose="02020603050405020304" pitchFamily="18" charset="0"/>
+                        </a:rPr>
+                        <a:t>mm </a:t>
+                      </a:r>
+                      <a:r>
+                        <a:rPr lang="en-US" sz="1700" b="1" kern="1200" dirty="0">
+                          <a:solidFill>
+                            <a:schemeClr val="dk1"/>
+                          </a:solidFill>
+                          <a:latin typeface="Times New Roman" panose="02020603050405020304" pitchFamily="18" charset="0"/>
+                          <a:ea typeface="微软雅黑" panose="020B0503020204020204" pitchFamily="34" charset="-122"/>
+                          <a:cs typeface="Times New Roman" panose="02020603050405020304" pitchFamily="18" charset="0"/>
+                        </a:rPr>
+                        <a:t>* 65.6 mm</a:t>
+                      </a:r>
+                      <a:endParaRPr lang="zh-CN" altLang="en-US" sz="1700" b="1" kern="1200" dirty="0">
+                        <a:solidFill>
+                          <a:schemeClr val="dk1"/>
+                        </a:solidFill>
+                        <a:latin typeface="Times New Roman" panose="02020603050405020304" pitchFamily="18" charset="0"/>
+                        <a:ea typeface="微软雅黑" panose="020B0503020204020204" pitchFamily="34" charset="-122"/>
+                        <a:cs typeface="Times New Roman" panose="02020603050405020304" pitchFamily="18" charset="0"/>
+                      </a:endParaRPr>
+                    </a:p>
+                  </a:txBody>
+                  <a:tcPr marL="68590" marR="68590" marT="0" marB="0" anchor="ctr"/>
+                </a:tc>
+                <a:extLst>
+                  <a:ext uri="{0D108BD9-81ED-4DB2-BD59-A6C34878D82A}">
+                    <a16:rowId xmlns:a16="http://schemas.microsoft.com/office/drawing/2014/main" val="2616931094"/>
+                  </a:ext>
+                </a:extLst>
+              </a:tr>
+            </a:tbl>
+          </a:graphicData>
+        </a:graphic>
+      </p:graphicFrame>
     </p:spTree>
     <p:extLst>
       <p:ext uri="{BB962C8B-B14F-4D97-AF65-F5344CB8AC3E}">
@@ -5263,7 +7590,713 @@
 </p:sld>
 </file>
 
-<file path=ppt/slides/slide2.xml><?xml version="1.0" encoding="utf-8"?>
+<file path=ppt/slides/slide3.xml><?xml version="1.0" encoding="utf-8"?>
+<p:sld xmlns:a="http://schemas.openxmlformats.org/drawingml/2006/main" xmlns:r="http://schemas.openxmlformats.org/officeDocument/2006/relationships" xmlns:p="http://schemas.openxmlformats.org/presentationml/2006/main">
+  <p:cSld>
+    <p:spTree>
+      <p:nvGrpSpPr>
+        <p:cNvPr id="1" name=""/>
+        <p:cNvGrpSpPr/>
+        <p:nvPr/>
+      </p:nvGrpSpPr>
+      <p:grpSpPr>
+        <a:xfrm>
+          <a:off x="0" y="0"/>
+          <a:ext cx="0" cy="0"/>
+          <a:chOff x="0" y="0"/>
+          <a:chExt cx="0" cy="0"/>
+        </a:xfrm>
+      </p:grpSpPr>
+      <p:sp>
+        <p:nvSpPr>
+          <p:cNvPr id="18" name="矩形 15"/>
+          <p:cNvSpPr>
+            <a:spLocks noChangeArrowheads="1"/>
+          </p:cNvSpPr>
+          <p:nvPr/>
+        </p:nvSpPr>
+        <p:spPr bwMode="auto">
+          <a:xfrm>
+            <a:off x="6973570" y="-52388"/>
+            <a:ext cx="2159566" cy="738664"/>
+          </a:xfrm>
+          <a:prstGeom prst="rect">
+            <a:avLst/>
+          </a:prstGeom>
+          <a:noFill/>
+          <a:ln>
+            <a:noFill/>
+          </a:ln>
+          <a:extLst>
+            <a:ext uri="{909E8E84-426E-40DD-AFC4-6F175D3DCCD1}">
+              <a14:hiddenFill xmlns:a14="http://schemas.microsoft.com/office/drawing/2010/main">
+                <a:solidFill>
+                  <a:srgbClr val="FFFFFF"/>
+                </a:solidFill>
+              </a14:hiddenFill>
+            </a:ext>
+            <a:ext uri="{91240B29-F687-4F45-9708-019B960494DF}">
+              <a14:hiddenLine xmlns:a14="http://schemas.microsoft.com/office/drawing/2010/main" w="9525">
+                <a:solidFill>
+                  <a:srgbClr val="000000"/>
+                </a:solidFill>
+                <a:miter lim="800000"/>
+                <a:headEnd/>
+                <a:tailEnd/>
+              </a14:hiddenLine>
+            </a:ext>
+          </a:extLst>
+        </p:spPr>
+        <p:txBody>
+          <a:bodyPr wrap="none">
+            <a:spAutoFit/>
+          </a:bodyPr>
+          <a:lstStyle>
+            <a:lvl1pPr>
+              <a:spcBef>
+                <a:spcPct val="20000"/>
+              </a:spcBef>
+              <a:buFont typeface="Arial" panose="020B0604020202020204" pitchFamily="34" charset="0"/>
+              <a:buChar char="•"/>
+              <a:defRPr sz="3200">
+                <a:solidFill>
+                  <a:schemeClr val="tx1"/>
+                </a:solidFill>
+                <a:latin typeface="Calibri" panose="020F0502020204030204" pitchFamily="34" charset="0"/>
+                <a:ea typeface="宋体" panose="02010600030101010101" pitchFamily="2" charset="-122"/>
+                <a:sym typeface="Calibri" panose="020F0502020204030204" pitchFamily="34" charset="0"/>
+              </a:defRPr>
+            </a:lvl1pPr>
+            <a:lvl2pPr marL="742950" indent="-285750">
+              <a:spcBef>
+                <a:spcPct val="20000"/>
+              </a:spcBef>
+              <a:buFont typeface="Arial" panose="020B0604020202020204" pitchFamily="34" charset="0"/>
+              <a:buChar char="–"/>
+              <a:defRPr sz="2800">
+                <a:solidFill>
+                  <a:schemeClr val="tx1"/>
+                </a:solidFill>
+                <a:latin typeface="Calibri" panose="020F0502020204030204" pitchFamily="34" charset="0"/>
+                <a:ea typeface="宋体" panose="02010600030101010101" pitchFamily="2" charset="-122"/>
+                <a:sym typeface="Calibri" panose="020F0502020204030204" pitchFamily="34" charset="0"/>
+              </a:defRPr>
+            </a:lvl2pPr>
+            <a:lvl3pPr marL="1143000" indent="-228600">
+              <a:spcBef>
+                <a:spcPct val="20000"/>
+              </a:spcBef>
+              <a:buFont typeface="Arial" panose="020B0604020202020204" pitchFamily="34" charset="0"/>
+              <a:buChar char="•"/>
+              <a:defRPr sz="2400">
+                <a:solidFill>
+                  <a:schemeClr val="tx1"/>
+                </a:solidFill>
+                <a:latin typeface="Calibri" panose="020F0502020204030204" pitchFamily="34" charset="0"/>
+                <a:ea typeface="宋体" panose="02010600030101010101" pitchFamily="2" charset="-122"/>
+                <a:sym typeface="Calibri" panose="020F0502020204030204" pitchFamily="34" charset="0"/>
+              </a:defRPr>
+            </a:lvl3pPr>
+            <a:lvl4pPr marL="1600200" indent="-228600">
+              <a:spcBef>
+                <a:spcPct val="20000"/>
+              </a:spcBef>
+              <a:buFont typeface="Arial" panose="020B0604020202020204" pitchFamily="34" charset="0"/>
+              <a:buChar char="–"/>
+              <a:defRPr sz="2000">
+                <a:solidFill>
+                  <a:schemeClr val="tx1"/>
+                </a:solidFill>
+                <a:latin typeface="Calibri" panose="020F0502020204030204" pitchFamily="34" charset="0"/>
+                <a:ea typeface="宋体" panose="02010600030101010101" pitchFamily="2" charset="-122"/>
+                <a:sym typeface="Calibri" panose="020F0502020204030204" pitchFamily="34" charset="0"/>
+              </a:defRPr>
+            </a:lvl4pPr>
+            <a:lvl5pPr marL="2057400" indent="-228600">
+              <a:spcBef>
+                <a:spcPct val="20000"/>
+              </a:spcBef>
+              <a:buFont typeface="Arial" panose="020B0604020202020204" pitchFamily="34" charset="0"/>
+              <a:buChar char="»"/>
+              <a:defRPr sz="2000">
+                <a:solidFill>
+                  <a:schemeClr val="tx1"/>
+                </a:solidFill>
+                <a:latin typeface="Calibri" panose="020F0502020204030204" pitchFamily="34" charset="0"/>
+                <a:ea typeface="宋体" panose="02010600030101010101" pitchFamily="2" charset="-122"/>
+                <a:sym typeface="Calibri" panose="020F0502020204030204" pitchFamily="34" charset="0"/>
+              </a:defRPr>
+            </a:lvl5pPr>
+            <a:lvl6pPr marL="2514600" indent="-228600" eaLnBrk="0" fontAlgn="base" hangingPunct="0">
+              <a:spcBef>
+                <a:spcPct val="20000"/>
+              </a:spcBef>
+              <a:spcAft>
+                <a:spcPct val="0"/>
+              </a:spcAft>
+              <a:buFont typeface="Arial" panose="020B0604020202020204" pitchFamily="34" charset="0"/>
+              <a:buChar char="»"/>
+              <a:defRPr sz="2000">
+                <a:solidFill>
+                  <a:schemeClr val="tx1"/>
+                </a:solidFill>
+                <a:latin typeface="Calibri" panose="020F0502020204030204" pitchFamily="34" charset="0"/>
+                <a:ea typeface="宋体" panose="02010600030101010101" pitchFamily="2" charset="-122"/>
+                <a:sym typeface="Calibri" panose="020F0502020204030204" pitchFamily="34" charset="0"/>
+              </a:defRPr>
+            </a:lvl6pPr>
+            <a:lvl7pPr marL="2971800" indent="-228600" eaLnBrk="0" fontAlgn="base" hangingPunct="0">
+              <a:spcBef>
+                <a:spcPct val="20000"/>
+              </a:spcBef>
+              <a:spcAft>
+                <a:spcPct val="0"/>
+              </a:spcAft>
+              <a:buFont typeface="Arial" panose="020B0604020202020204" pitchFamily="34" charset="0"/>
+              <a:buChar char="»"/>
+              <a:defRPr sz="2000">
+                <a:solidFill>
+                  <a:schemeClr val="tx1"/>
+                </a:solidFill>
+                <a:latin typeface="Calibri" panose="020F0502020204030204" pitchFamily="34" charset="0"/>
+                <a:ea typeface="宋体" panose="02010600030101010101" pitchFamily="2" charset="-122"/>
+                <a:sym typeface="Calibri" panose="020F0502020204030204" pitchFamily="34" charset="0"/>
+              </a:defRPr>
+            </a:lvl7pPr>
+            <a:lvl8pPr marL="3429000" indent="-228600" eaLnBrk="0" fontAlgn="base" hangingPunct="0">
+              <a:spcBef>
+                <a:spcPct val="20000"/>
+              </a:spcBef>
+              <a:spcAft>
+                <a:spcPct val="0"/>
+              </a:spcAft>
+              <a:buFont typeface="Arial" panose="020B0604020202020204" pitchFamily="34" charset="0"/>
+              <a:buChar char="»"/>
+              <a:defRPr sz="2000">
+                <a:solidFill>
+                  <a:schemeClr val="tx1"/>
+                </a:solidFill>
+                <a:latin typeface="Calibri" panose="020F0502020204030204" pitchFamily="34" charset="0"/>
+                <a:ea typeface="宋体" panose="02010600030101010101" pitchFamily="2" charset="-122"/>
+                <a:sym typeface="Calibri" panose="020F0502020204030204" pitchFamily="34" charset="0"/>
+              </a:defRPr>
+            </a:lvl8pPr>
+            <a:lvl9pPr marL="3886200" indent="-228600" eaLnBrk="0" fontAlgn="base" hangingPunct="0">
+              <a:spcBef>
+                <a:spcPct val="20000"/>
+              </a:spcBef>
+              <a:spcAft>
+                <a:spcPct val="0"/>
+              </a:spcAft>
+              <a:buFont typeface="Arial" panose="020B0604020202020204" pitchFamily="34" charset="0"/>
+              <a:buChar char="»"/>
+              <a:defRPr sz="2000">
+                <a:solidFill>
+                  <a:schemeClr val="tx1"/>
+                </a:solidFill>
+                <a:latin typeface="Calibri" panose="020F0502020204030204" pitchFamily="34" charset="0"/>
+                <a:ea typeface="宋体" panose="02010600030101010101" pitchFamily="2" charset="-122"/>
+                <a:sym typeface="Calibri" panose="020F0502020204030204" pitchFamily="34" charset="0"/>
+              </a:defRPr>
+            </a:lvl9pPr>
+          </a:lstStyle>
+          <a:p>
+            <a:pPr>
+              <a:lnSpc>
+                <a:spcPct val="150000"/>
+              </a:lnSpc>
+              <a:spcBef>
+                <a:spcPct val="0"/>
+              </a:spcBef>
+              <a:buFontTx/>
+              <a:buNone/>
+            </a:pPr>
+            <a:r>
+              <a:rPr lang="en-US" altLang="zh-CN" sz="2800" b="1" dirty="0" smtClean="0">
+                <a:solidFill>
+                  <a:srgbClr val="3333FF"/>
+                </a:solidFill>
+                <a:latin typeface="Times New Roman" panose="02020603050405020304" pitchFamily="18" charset="0"/>
+                <a:ea typeface="微软雅黑" panose="020B0503020204020204" pitchFamily="34" charset="-122"/>
+                <a:cs typeface="Times New Roman" panose="02020603050405020304" pitchFamily="18" charset="0"/>
+              </a:rPr>
+              <a:t>1</a:t>
+            </a:r>
+            <a:r>
+              <a:rPr lang="zh-CN" altLang="en-US" sz="2800" b="1" dirty="0" smtClean="0">
+                <a:solidFill>
+                  <a:srgbClr val="3333FF"/>
+                </a:solidFill>
+                <a:latin typeface="Times New Roman" panose="02020603050405020304" pitchFamily="18" charset="0"/>
+                <a:ea typeface="微软雅黑" panose="020B0503020204020204" pitchFamily="34" charset="-122"/>
+                <a:cs typeface="Times New Roman" panose="02020603050405020304" pitchFamily="18" charset="0"/>
+              </a:rPr>
+              <a:t>、问题描述</a:t>
+            </a:r>
+            <a:endParaRPr lang="zh-CN" altLang="en-US" sz="2800" b="1" dirty="0">
+              <a:solidFill>
+                <a:srgbClr val="3333FF"/>
+              </a:solidFill>
+              <a:latin typeface="微软雅黑" panose="020B0503020204020204" pitchFamily="34" charset="-122"/>
+              <a:ea typeface="微软雅黑" panose="020B0503020204020204" pitchFamily="34" charset="-122"/>
+              <a:cs typeface="Times New Roman" panose="02020603050405020304" pitchFamily="18" charset="0"/>
+            </a:endParaRPr>
+          </a:p>
+        </p:txBody>
+      </p:sp>
+      <p:grpSp>
+        <p:nvGrpSpPr>
+          <p:cNvPr id="22" name="组合 12"/>
+          <p:cNvGrpSpPr>
+            <a:grpSpLocks/>
+          </p:cNvGrpSpPr>
+          <p:nvPr/>
+        </p:nvGrpSpPr>
+        <p:grpSpPr bwMode="auto">
+          <a:xfrm>
+            <a:off x="125413" y="731838"/>
+            <a:ext cx="2868612" cy="465137"/>
+            <a:chOff x="124668" y="732018"/>
+            <a:chExt cx="3120950" cy="465081"/>
+          </a:xfrm>
+        </p:grpSpPr>
+        <p:sp>
+          <p:nvSpPr>
+            <p:cNvPr id="23" name="矩形 22">
+              <a:extLst>
+                <a:ext uri="{FF2B5EF4-FFF2-40B4-BE49-F238E27FC236}">
+                  <a16:creationId xmlns:a16="http://schemas.microsoft.com/office/drawing/2014/main" id="{ACFF976D-C10F-4773-B6C0-A8EF394982B5}"/>
+                </a:ext>
+              </a:extLst>
+            </p:cNvPr>
+            <p:cNvSpPr/>
+            <p:nvPr/>
+          </p:nvSpPr>
+          <p:spPr>
+            <a:xfrm>
+              <a:off x="360713" y="732018"/>
+              <a:ext cx="2884905" cy="455033"/>
+            </a:xfrm>
+            <a:prstGeom prst="rect">
+              <a:avLst/>
+            </a:prstGeom>
+            <a:gradFill flip="none" rotWithShape="0">
+              <a:gsLst>
+                <a:gs pos="0">
+                  <a:srgbClr val="0070C0">
+                    <a:shade val="30000"/>
+                    <a:satMod val="115000"/>
+                  </a:srgbClr>
+                </a:gs>
+                <a:gs pos="50000">
+                  <a:srgbClr val="0070C0">
+                    <a:shade val="67500"/>
+                    <a:satMod val="115000"/>
+                  </a:srgbClr>
+                </a:gs>
+                <a:gs pos="100000">
+                  <a:srgbClr val="0070C0">
+                    <a:shade val="100000"/>
+                    <a:satMod val="115000"/>
+                  </a:srgbClr>
+                </a:gs>
+              </a:gsLst>
+              <a:lin ang="13500000" scaled="1"/>
+              <a:tileRect/>
+            </a:gradFill>
+            <a:scene3d>
+              <a:camera prst="orthographicFront"/>
+              <a:lightRig rig="flat" dir="t"/>
+            </a:scene3d>
+            <a:sp3d prstMaterial="dkEdge">
+              <a:bevelT w="8200" h="38100"/>
+            </a:sp3d>
+          </p:spPr>
+          <p:style>
+            <a:lnRef idx="0">
+              <a:schemeClr val="lt1">
+                <a:hueOff val="0"/>
+                <a:satOff val="0"/>
+                <a:lumOff val="0"/>
+                <a:alphaOff val="0"/>
+              </a:schemeClr>
+            </a:lnRef>
+            <a:fillRef idx="2">
+              <a:scrgbClr r="0" g="0" b="0"/>
+            </a:fillRef>
+            <a:effectRef idx="1">
+              <a:schemeClr val="accent6">
+                <a:shade val="80000"/>
+                <a:hueOff val="0"/>
+                <a:satOff val="0"/>
+                <a:lumOff val="0"/>
+                <a:alphaOff val="0"/>
+              </a:schemeClr>
+            </a:effectRef>
+            <a:fontRef idx="minor">
+              <a:schemeClr val="dk1"/>
+            </a:fontRef>
+          </p:style>
+        </p:sp>
+        <p:sp>
+          <p:nvSpPr>
+            <p:cNvPr id="24" name="文本框 23">
+              <a:extLst>
+                <a:ext uri="{FF2B5EF4-FFF2-40B4-BE49-F238E27FC236}">
+                  <a16:creationId xmlns:a16="http://schemas.microsoft.com/office/drawing/2014/main" id="{3583D282-40E0-4567-95F3-C6CD9EBD4A2A}"/>
+                </a:ext>
+              </a:extLst>
+            </p:cNvPr>
+            <p:cNvSpPr txBox="1"/>
+            <p:nvPr/>
+          </p:nvSpPr>
+          <p:spPr>
+            <a:xfrm>
+              <a:off x="124668" y="742066"/>
+              <a:ext cx="3035630" cy="455033"/>
+            </a:xfrm>
+            <a:prstGeom prst="rect">
+              <a:avLst/>
+            </a:prstGeom>
+            <a:scene3d>
+              <a:camera prst="orthographicFront"/>
+              <a:lightRig rig="flat" dir="t"/>
+            </a:scene3d>
+            <a:sp3d/>
+          </p:spPr>
+          <p:style>
+            <a:lnRef idx="0">
+              <a:scrgbClr r="0" g="0" b="0"/>
+            </a:lnRef>
+            <a:fillRef idx="0">
+              <a:scrgbClr r="0" g="0" b="0"/>
+            </a:fillRef>
+            <a:effectRef idx="0">
+              <a:scrgbClr r="0" g="0" b="0"/>
+            </a:effectRef>
+            <a:fontRef idx="minor">
+              <a:schemeClr val="dk1"/>
+            </a:fontRef>
+          </p:style>
+          <p:txBody>
+            <a:bodyPr lIns="361183" tIns="55880" rIns="55880" bIns="55880" spcCol="1270" anchor="ctr"/>
+            <a:lstStyle/>
+            <a:p>
+              <a:pPr defTabSz="977900">
+                <a:lnSpc>
+                  <a:spcPct val="90000"/>
+                </a:lnSpc>
+                <a:spcAft>
+                  <a:spcPts val="0"/>
+                </a:spcAft>
+                <a:tabLst>
+                  <a:tab pos="444500" algn="l"/>
+                </a:tabLst>
+                <a:defRPr/>
+              </a:pPr>
+              <a:r>
+                <a:rPr lang="zh-CN" altLang="en-US" sz="2200" dirty="0">
+                  <a:solidFill>
+                    <a:schemeClr val="bg1"/>
+                  </a:solidFill>
+                  <a:latin typeface="Times New Roman" panose="02020603050405020304" pitchFamily="18" charset="0"/>
+                  <a:ea typeface="微软雅黑" panose="020B0503020204020204" pitchFamily="34" charset="-122"/>
+                  <a:cs typeface="Times New Roman" panose="02020603050405020304" pitchFamily="18" charset="0"/>
+                </a:rPr>
+                <a:t>（</a:t>
+              </a:r>
+              <a:r>
+                <a:rPr lang="en-US" altLang="zh-CN" sz="2200" dirty="0">
+                  <a:solidFill>
+                    <a:schemeClr val="bg1"/>
+                  </a:solidFill>
+                  <a:latin typeface="Times New Roman" panose="02020603050405020304" pitchFamily="18" charset="0"/>
+                  <a:ea typeface="微软雅黑" panose="020B0503020204020204" pitchFamily="34" charset="-122"/>
+                  <a:cs typeface="Times New Roman" panose="02020603050405020304" pitchFamily="18" charset="0"/>
+                </a:rPr>
+                <a:t>1</a:t>
+              </a:r>
+              <a:r>
+                <a:rPr lang="zh-CN" altLang="en-US" sz="2200" dirty="0" smtClean="0">
+                  <a:solidFill>
+                    <a:schemeClr val="bg1"/>
+                  </a:solidFill>
+                  <a:latin typeface="Times New Roman" panose="02020603050405020304" pitchFamily="18" charset="0"/>
+                  <a:ea typeface="微软雅黑" panose="020B0503020204020204" pitchFamily="34" charset="-122"/>
+                  <a:cs typeface="Times New Roman" panose="02020603050405020304" pitchFamily="18" charset="0"/>
+                </a:rPr>
+                <a:t>）</a:t>
+              </a:r>
+              <a:r>
+                <a:rPr lang="zh-CN" altLang="en-US" sz="2200" dirty="0" smtClean="0">
+                  <a:solidFill>
+                    <a:schemeClr val="bg1"/>
+                  </a:solidFill>
+                  <a:latin typeface="微软雅黑" panose="020B0503020204020204" pitchFamily="34" charset="-122"/>
+                  <a:ea typeface="微软雅黑" panose="020B0503020204020204" pitchFamily="34" charset="-122"/>
+                  <a:cs typeface="Times New Roman" panose="02020603050405020304" pitchFamily="18" charset="0"/>
+                </a:rPr>
+                <a:t>模型建立</a:t>
+              </a:r>
+              <a:endParaRPr lang="zh-CN" altLang="en-US" sz="2200" dirty="0">
+                <a:solidFill>
+                  <a:schemeClr val="bg1"/>
+                </a:solidFill>
+                <a:latin typeface="微软雅黑" panose="020B0503020204020204" pitchFamily="34" charset="-122"/>
+                <a:ea typeface="微软雅黑" panose="020B0503020204020204" pitchFamily="34" charset="-122"/>
+              </a:endParaRPr>
+            </a:p>
+          </p:txBody>
+        </p:sp>
+      </p:grpSp>
+      <p:sp>
+        <p:nvSpPr>
+          <p:cNvPr id="25" name="灯片编号占位符 1"/>
+          <p:cNvSpPr>
+            <a:spLocks noGrp="1"/>
+          </p:cNvSpPr>
+          <p:nvPr>
+            <p:ph type="sldNum" sz="quarter" idx="11"/>
+          </p:nvPr>
+        </p:nvSpPr>
+        <p:spPr>
+          <a:xfrm>
+            <a:off x="8547100" y="6330950"/>
+            <a:ext cx="527050" cy="427038"/>
+          </a:xfrm>
+          <a:noFill/>
+        </p:spPr>
+        <p:txBody>
+          <a:bodyPr>
+            <a:prstTxWarp prst="textNoShape">
+              <a:avLst/>
+            </a:prstTxWarp>
+          </a:bodyPr>
+          <a:lstStyle>
+            <a:lvl1pPr>
+              <a:spcBef>
+                <a:spcPct val="20000"/>
+              </a:spcBef>
+              <a:buFont typeface="Arial" panose="020B0604020202020204" pitchFamily="34" charset="0"/>
+              <a:buChar char="•"/>
+              <a:defRPr sz="3200">
+                <a:solidFill>
+                  <a:schemeClr val="tx1"/>
+                </a:solidFill>
+                <a:latin typeface="Calibri" panose="020F0502020204030204" pitchFamily="34" charset="0"/>
+                <a:ea typeface="宋体" panose="02010600030101010101" pitchFamily="2" charset="-122"/>
+                <a:sym typeface="Calibri" panose="020F0502020204030204" pitchFamily="34" charset="0"/>
+              </a:defRPr>
+            </a:lvl1pPr>
+            <a:lvl2pPr marL="742950" indent="-285750">
+              <a:spcBef>
+                <a:spcPct val="20000"/>
+              </a:spcBef>
+              <a:buFont typeface="Arial" panose="020B0604020202020204" pitchFamily="34" charset="0"/>
+              <a:buChar char="–"/>
+              <a:defRPr sz="2800">
+                <a:solidFill>
+                  <a:schemeClr val="tx1"/>
+                </a:solidFill>
+                <a:latin typeface="Calibri" panose="020F0502020204030204" pitchFamily="34" charset="0"/>
+                <a:ea typeface="宋体" panose="02010600030101010101" pitchFamily="2" charset="-122"/>
+                <a:sym typeface="Calibri" panose="020F0502020204030204" pitchFamily="34" charset="0"/>
+              </a:defRPr>
+            </a:lvl2pPr>
+            <a:lvl3pPr marL="1143000" indent="-228600">
+              <a:spcBef>
+                <a:spcPct val="20000"/>
+              </a:spcBef>
+              <a:buFont typeface="Arial" panose="020B0604020202020204" pitchFamily="34" charset="0"/>
+              <a:buChar char="•"/>
+              <a:defRPr sz="2400">
+                <a:solidFill>
+                  <a:schemeClr val="tx1"/>
+                </a:solidFill>
+                <a:latin typeface="Calibri" panose="020F0502020204030204" pitchFamily="34" charset="0"/>
+                <a:ea typeface="宋体" panose="02010600030101010101" pitchFamily="2" charset="-122"/>
+                <a:sym typeface="Calibri" panose="020F0502020204030204" pitchFamily="34" charset="0"/>
+              </a:defRPr>
+            </a:lvl3pPr>
+            <a:lvl4pPr marL="1600200" indent="-228600">
+              <a:spcBef>
+                <a:spcPct val="20000"/>
+              </a:spcBef>
+              <a:buFont typeface="Arial" panose="020B0604020202020204" pitchFamily="34" charset="0"/>
+              <a:buChar char="–"/>
+              <a:defRPr sz="2000">
+                <a:solidFill>
+                  <a:schemeClr val="tx1"/>
+                </a:solidFill>
+                <a:latin typeface="Calibri" panose="020F0502020204030204" pitchFamily="34" charset="0"/>
+                <a:ea typeface="宋体" panose="02010600030101010101" pitchFamily="2" charset="-122"/>
+                <a:sym typeface="Calibri" panose="020F0502020204030204" pitchFamily="34" charset="0"/>
+              </a:defRPr>
+            </a:lvl4pPr>
+            <a:lvl5pPr marL="2057400" indent="-228600">
+              <a:spcBef>
+                <a:spcPct val="20000"/>
+              </a:spcBef>
+              <a:buFont typeface="Arial" panose="020B0604020202020204" pitchFamily="34" charset="0"/>
+              <a:buChar char="»"/>
+              <a:defRPr sz="2000">
+                <a:solidFill>
+                  <a:schemeClr val="tx1"/>
+                </a:solidFill>
+                <a:latin typeface="Calibri" panose="020F0502020204030204" pitchFamily="34" charset="0"/>
+                <a:ea typeface="宋体" panose="02010600030101010101" pitchFamily="2" charset="-122"/>
+                <a:sym typeface="Calibri" panose="020F0502020204030204" pitchFamily="34" charset="0"/>
+              </a:defRPr>
+            </a:lvl5pPr>
+            <a:lvl6pPr marL="2514600" indent="-228600" eaLnBrk="0" fontAlgn="base" hangingPunct="0">
+              <a:spcBef>
+                <a:spcPct val="20000"/>
+              </a:spcBef>
+              <a:spcAft>
+                <a:spcPct val="0"/>
+              </a:spcAft>
+              <a:buFont typeface="Arial" panose="020B0604020202020204" pitchFamily="34" charset="0"/>
+              <a:buChar char="»"/>
+              <a:defRPr sz="2000">
+                <a:solidFill>
+                  <a:schemeClr val="tx1"/>
+                </a:solidFill>
+                <a:latin typeface="Calibri" panose="020F0502020204030204" pitchFamily="34" charset="0"/>
+                <a:ea typeface="宋体" panose="02010600030101010101" pitchFamily="2" charset="-122"/>
+                <a:sym typeface="Calibri" panose="020F0502020204030204" pitchFamily="34" charset="0"/>
+              </a:defRPr>
+            </a:lvl6pPr>
+            <a:lvl7pPr marL="2971800" indent="-228600" eaLnBrk="0" fontAlgn="base" hangingPunct="0">
+              <a:spcBef>
+                <a:spcPct val="20000"/>
+              </a:spcBef>
+              <a:spcAft>
+                <a:spcPct val="0"/>
+              </a:spcAft>
+              <a:buFont typeface="Arial" panose="020B0604020202020204" pitchFamily="34" charset="0"/>
+              <a:buChar char="»"/>
+              <a:defRPr sz="2000">
+                <a:solidFill>
+                  <a:schemeClr val="tx1"/>
+                </a:solidFill>
+                <a:latin typeface="Calibri" panose="020F0502020204030204" pitchFamily="34" charset="0"/>
+                <a:ea typeface="宋体" panose="02010600030101010101" pitchFamily="2" charset="-122"/>
+                <a:sym typeface="Calibri" panose="020F0502020204030204" pitchFamily="34" charset="0"/>
+              </a:defRPr>
+            </a:lvl7pPr>
+            <a:lvl8pPr marL="3429000" indent="-228600" eaLnBrk="0" fontAlgn="base" hangingPunct="0">
+              <a:spcBef>
+                <a:spcPct val="20000"/>
+              </a:spcBef>
+              <a:spcAft>
+                <a:spcPct val="0"/>
+              </a:spcAft>
+              <a:buFont typeface="Arial" panose="020B0604020202020204" pitchFamily="34" charset="0"/>
+              <a:buChar char="»"/>
+              <a:defRPr sz="2000">
+                <a:solidFill>
+                  <a:schemeClr val="tx1"/>
+                </a:solidFill>
+                <a:latin typeface="Calibri" panose="020F0502020204030204" pitchFamily="34" charset="0"/>
+                <a:ea typeface="宋体" panose="02010600030101010101" pitchFamily="2" charset="-122"/>
+                <a:sym typeface="Calibri" panose="020F0502020204030204" pitchFamily="34" charset="0"/>
+              </a:defRPr>
+            </a:lvl8pPr>
+            <a:lvl9pPr marL="3886200" indent="-228600" eaLnBrk="0" fontAlgn="base" hangingPunct="0">
+              <a:spcBef>
+                <a:spcPct val="20000"/>
+              </a:spcBef>
+              <a:spcAft>
+                <a:spcPct val="0"/>
+              </a:spcAft>
+              <a:buFont typeface="Arial" panose="020B0604020202020204" pitchFamily="34" charset="0"/>
+              <a:buChar char="»"/>
+              <a:defRPr sz="2000">
+                <a:solidFill>
+                  <a:schemeClr val="tx1"/>
+                </a:solidFill>
+                <a:latin typeface="Calibri" panose="020F0502020204030204" pitchFamily="34" charset="0"/>
+                <a:ea typeface="宋体" panose="02010600030101010101" pitchFamily="2" charset="-122"/>
+                <a:sym typeface="Calibri" panose="020F0502020204030204" pitchFamily="34" charset="0"/>
+              </a:defRPr>
+            </a:lvl9pPr>
+          </a:lstStyle>
+          <a:p>
+            <a:pPr>
+              <a:spcBef>
+                <a:spcPct val="0"/>
+              </a:spcBef>
+              <a:buFont typeface="Arial" panose="020B0604020202020204" pitchFamily="34" charset="0"/>
+              <a:buNone/>
+            </a:pPr>
+            <a:r>
+              <a:rPr lang="en-US" altLang="zh-CN" sz="1800" dirty="0" smtClean="0">
+                <a:solidFill>
+                  <a:srgbClr val="898989"/>
+                </a:solidFill>
+                <a:latin typeface="微软雅黑" panose="020B0503020204020204" pitchFamily="34" charset="-122"/>
+                <a:ea typeface="微软雅黑" panose="020B0503020204020204" pitchFamily="34" charset="-122"/>
+              </a:rPr>
+              <a:t>?</a:t>
+            </a:r>
+            <a:endParaRPr lang="zh-CN" altLang="en-US" sz="1800" dirty="0" smtClean="0">
+              <a:latin typeface="微软雅黑" panose="020B0503020204020204" pitchFamily="34" charset="-122"/>
+              <a:ea typeface="微软雅黑" panose="020B0503020204020204" pitchFamily="34" charset="-122"/>
+            </a:endParaRPr>
+          </a:p>
+        </p:txBody>
+      </p:sp>
+      <p:pic>
+        <p:nvPicPr>
+          <p:cNvPr id="2" name="图片 1"/>
+          <p:cNvPicPr>
+            <a:picLocks noChangeAspect="1"/>
+          </p:cNvPicPr>
+          <p:nvPr/>
+        </p:nvPicPr>
+        <p:blipFill>
+          <a:blip r:embed="rId2">
+            <a:extLst>
+              <a:ext uri="{28A0092B-C50C-407E-A947-70E740481C1C}">
+                <a14:useLocalDpi xmlns:a14="http://schemas.microsoft.com/office/drawing/2010/main" val="0"/>
+              </a:ext>
+            </a:extLst>
+          </a:blip>
+          <a:stretch>
+            <a:fillRect/>
+          </a:stretch>
+        </p:blipFill>
+        <p:spPr>
+          <a:xfrm>
+            <a:off x="514350" y="1380595"/>
+            <a:ext cx="8115300" cy="5248275"/>
+          </a:xfrm>
+          <a:prstGeom prst="rect">
+            <a:avLst/>
+          </a:prstGeom>
+        </p:spPr>
+      </p:pic>
+    </p:spTree>
+    <p:extLst>
+      <p:ext uri="{BB962C8B-B14F-4D97-AF65-F5344CB8AC3E}">
+        <p14:creationId xmlns:p14="http://schemas.microsoft.com/office/powerpoint/2010/main" val="1067180297"/>
+      </p:ext>
+    </p:extLst>
+  </p:cSld>
+  <p:clrMapOvr>
+    <a:masterClrMapping/>
+  </p:clrMapOvr>
+  <p:timing>
+    <p:tnLst>
+      <p:par>
+        <p:cTn id="1" dur="indefinite" restart="never" nodeType="tmRoot"/>
+      </p:par>
+    </p:tnLst>
+  </p:timing>
+</p:sld>
+</file>
+
+<file path=ppt/slides/slide4.xml><?xml version="1.0" encoding="utf-8"?>
 <p:sld xmlns:a="http://schemas.openxmlformats.org/drawingml/2006/main" xmlns:r="http://schemas.openxmlformats.org/officeDocument/2006/relationships" xmlns:p="http://schemas.openxmlformats.org/presentationml/2006/main">
   <p:cSld>
     <p:spTree>
@@ -5710,7 +8743,7 @@
           <a:graphicData uri="http://schemas.openxmlformats.org/presentationml/2006/ole">
             <mc:AlternateContent xmlns:mc="http://schemas.openxmlformats.org/markup-compatibility/2006">
               <mc:Choice xmlns:v="urn:schemas-microsoft-com:vml" Requires="v">
-                <p:oleObj spid="_x0000_s1086" name="公式" r:id="rId3" imgW="558800" imgH="228600" progId="Equation.3">
+                <p:oleObj spid="_x0000_s1206" name="公式" r:id="rId3" imgW="558800" imgH="228600" progId="Equation.3">
                   <p:embed/>
                 </p:oleObj>
               </mc:Choice>
@@ -5793,7 +8826,7 @@
           <a:graphicData uri="http://schemas.openxmlformats.org/presentationml/2006/ole">
             <mc:AlternateContent xmlns:mc="http://schemas.openxmlformats.org/markup-compatibility/2006">
               <mc:Choice xmlns:v="urn:schemas-microsoft-com:vml" Requires="v">
-                <p:oleObj spid="_x0000_s1087" name="公式" r:id="rId5" imgW="2108200" imgH="457200" progId="Equation.3">
+                <p:oleObj spid="_x0000_s1207" name="公式" r:id="rId5" imgW="2108200" imgH="457200" progId="Equation.3">
                   <p:embed/>
                 </p:oleObj>
               </mc:Choice>
@@ -5876,7 +8909,7 @@
           <a:graphicData uri="http://schemas.openxmlformats.org/presentationml/2006/ole">
             <mc:AlternateContent xmlns:mc="http://schemas.openxmlformats.org/markup-compatibility/2006">
               <mc:Choice xmlns:v="urn:schemas-microsoft-com:vml" Requires="v">
-                <p:oleObj spid="_x0000_s1088" name="公式" r:id="rId7" imgW="2082800" imgH="457200" progId="Equation.3">
+                <p:oleObj spid="_x0000_s1208" name="公式" r:id="rId7" imgW="2082800" imgH="457200" progId="Equation.3">
                   <p:embed/>
                 </p:oleObj>
               </mc:Choice>
@@ -5959,7 +8992,7 @@
           <a:graphicData uri="http://schemas.openxmlformats.org/presentationml/2006/ole">
             <mc:AlternateContent xmlns:mc="http://schemas.openxmlformats.org/markup-compatibility/2006">
               <mc:Choice xmlns:v="urn:schemas-microsoft-com:vml" Requires="v">
-                <p:oleObj spid="_x0000_s1089" name="公式" r:id="rId9" imgW="1879600" imgH="457200" progId="Equation.3">
+                <p:oleObj spid="_x0000_s1209" name="公式" r:id="rId9" imgW="1879600" imgH="457200" progId="Equation.3">
                   <p:embed/>
                 </p:oleObj>
               </mc:Choice>
@@ -6048,7 +9081,7 @@
           <a:graphicData uri="http://schemas.openxmlformats.org/presentationml/2006/ole">
             <mc:AlternateContent xmlns:mc="http://schemas.openxmlformats.org/markup-compatibility/2006">
               <mc:Choice xmlns:v="urn:schemas-microsoft-com:vml" Requires="v">
-                <p:oleObj spid="_x0000_s1090" name="公式" r:id="rId11" imgW="2540000" imgH="508000" progId="Equation.3">
+                <p:oleObj spid="_x0000_s1210" name="公式" r:id="rId11" imgW="2540000" imgH="508000" progId="Equation.3">
                   <p:embed/>
                 </p:oleObj>
               </mc:Choice>
@@ -6137,7 +9170,7 @@
           <a:graphicData uri="http://schemas.openxmlformats.org/presentationml/2006/ole">
             <mc:AlternateContent xmlns:mc="http://schemas.openxmlformats.org/markup-compatibility/2006">
               <mc:Choice xmlns:v="urn:schemas-microsoft-com:vml" Requires="v">
-                <p:oleObj spid="_x0000_s1091" name="公式" r:id="rId13" imgW="3136900" imgH="508000" progId="Equation.3">
+                <p:oleObj spid="_x0000_s1211" name="公式" r:id="rId13" imgW="3136900" imgH="508000" progId="Equation.3">
                   <p:embed/>
                 </p:oleObj>
               </mc:Choice>
@@ -7185,7 +10218,7 @@
 </p:sld>
 </file>
 
-<file path=ppt/slides/slide3.xml><?xml version="1.0" encoding="utf-8"?>
+<file path=ppt/slides/slide5.xml><?xml version="1.0" encoding="utf-8"?>
 <p:sld xmlns:a="http://schemas.openxmlformats.org/drawingml/2006/main" xmlns:r="http://schemas.openxmlformats.org/officeDocument/2006/relationships" xmlns:p="http://schemas.openxmlformats.org/presentationml/2006/main">
   <p:cSld>
     <p:spTree>
@@ -10128,7 +13161,7 @@
 </p:sld>
 </file>
 
-<file path=ppt/slides/slide4.xml><?xml version="1.0" encoding="utf-8"?>
+<file path=ppt/slides/slide6.xml><?xml version="1.0" encoding="utf-8"?>
 <p:sld xmlns:a="http://schemas.openxmlformats.org/drawingml/2006/main" xmlns:r="http://schemas.openxmlformats.org/officeDocument/2006/relationships" xmlns:p="http://schemas.openxmlformats.org/presentationml/2006/main">
   <p:cSld>
     <p:spTree>
@@ -11993,481 +15026,6 @@
 </p:sld>
 </file>
 
-<file path=ppt/slides/slide5.xml><?xml version="1.0" encoding="utf-8"?>
-<p:sld xmlns:a="http://schemas.openxmlformats.org/drawingml/2006/main" xmlns:r="http://schemas.openxmlformats.org/officeDocument/2006/relationships" xmlns:p="http://schemas.openxmlformats.org/presentationml/2006/main">
-  <p:cSld>
-    <p:spTree>
-      <p:nvGrpSpPr>
-        <p:cNvPr id="1" name=""/>
-        <p:cNvGrpSpPr/>
-        <p:nvPr/>
-      </p:nvGrpSpPr>
-      <p:grpSpPr>
-        <a:xfrm>
-          <a:off x="0" y="0"/>
-          <a:ext cx="0" cy="0"/>
-          <a:chOff x="0" y="0"/>
-          <a:chExt cx="0" cy="0"/>
-        </a:xfrm>
-      </p:grpSpPr>
-    </p:spTree>
-    <p:extLst>
-      <p:ext uri="{BB962C8B-B14F-4D97-AF65-F5344CB8AC3E}">
-        <p14:creationId xmlns:p14="http://schemas.microsoft.com/office/powerpoint/2010/main" val="3956145580"/>
-      </p:ext>
-    </p:extLst>
-  </p:cSld>
-  <p:clrMapOvr>
-    <a:masterClrMapping/>
-  </p:clrMapOvr>
-</p:sld>
-</file>
-
-<file path=ppt/slides/slide6.xml><?xml version="1.0" encoding="utf-8"?>
-<p:sld xmlns:a="http://schemas.openxmlformats.org/drawingml/2006/main" xmlns:r="http://schemas.openxmlformats.org/officeDocument/2006/relationships" xmlns:p="http://schemas.openxmlformats.org/presentationml/2006/main">
-  <p:cSld>
-    <p:spTree>
-      <p:nvGrpSpPr>
-        <p:cNvPr id="1" name=""/>
-        <p:cNvGrpSpPr/>
-        <p:nvPr/>
-      </p:nvGrpSpPr>
-      <p:grpSpPr>
-        <a:xfrm>
-          <a:off x="0" y="0"/>
-          <a:ext cx="0" cy="0"/>
-          <a:chOff x="0" y="0"/>
-          <a:chExt cx="0" cy="0"/>
-        </a:xfrm>
-      </p:grpSpPr>
-      <p:sp>
-        <p:nvSpPr>
-          <p:cNvPr id="2" name="文本框 1"/>
-          <p:cNvSpPr txBox="1"/>
-          <p:nvPr/>
-        </p:nvSpPr>
-        <p:spPr>
-          <a:xfrm>
-            <a:off x="205740" y="297180"/>
-            <a:ext cx="7109460" cy="830997"/>
-          </a:xfrm>
-          <a:prstGeom prst="rect">
-            <a:avLst/>
-          </a:prstGeom>
-          <a:noFill/>
-        </p:spPr>
-        <p:txBody>
-          <a:bodyPr wrap="square" rtlCol="0">
-            <a:spAutoFit/>
-          </a:bodyPr>
-          <a:lstStyle/>
-          <a:p>
-            <a:r>
-              <a:rPr lang="zh-CN" altLang="en-US" sz="2400" b="1" dirty="0" smtClean="0">
-                <a:latin typeface="微软雅黑" panose="020B0503020204020204" pitchFamily="34" charset="-122"/>
-                <a:ea typeface="微软雅黑" panose="020B0503020204020204" pitchFamily="34" charset="-122"/>
-              </a:rPr>
-              <a:t>发现</a:t>
-            </a:r>
-            <a:r>
-              <a:rPr lang="en-US" altLang="zh-CN" sz="2400" b="1" dirty="0" smtClean="0">
-                <a:latin typeface="微软雅黑" panose="020B0503020204020204" pitchFamily="34" charset="-122"/>
-                <a:ea typeface="微软雅黑" panose="020B0503020204020204" pitchFamily="34" charset="-122"/>
-              </a:rPr>
-              <a:t>1</a:t>
-            </a:r>
-            <a:r>
-              <a:rPr lang="zh-CN" altLang="en-US" sz="2400" b="1" dirty="0" smtClean="0">
-                <a:latin typeface="微软雅黑" panose="020B0503020204020204" pitchFamily="34" charset="-122"/>
-                <a:ea typeface="微软雅黑" panose="020B0503020204020204" pitchFamily="34" charset="-122"/>
-              </a:rPr>
-              <a:t>：不同电流密度，减小</a:t>
-            </a:r>
-            <a:r>
-              <a:rPr lang="zh-CN" altLang="en-US" sz="2400" b="1" dirty="0">
-                <a:latin typeface="微软雅黑" panose="020B0503020204020204" pitchFamily="34" charset="-122"/>
-                <a:ea typeface="微软雅黑" panose="020B0503020204020204" pitchFamily="34" charset="-122"/>
-              </a:rPr>
-              <a:t>阴极</a:t>
-            </a:r>
-            <a:r>
-              <a:rPr lang="zh-CN" altLang="en-US" sz="2400" b="1" dirty="0" smtClean="0">
-                <a:latin typeface="微软雅黑" panose="020B0503020204020204" pitchFamily="34" charset="-122"/>
-                <a:ea typeface="微软雅黑" panose="020B0503020204020204" pitchFamily="34" charset="-122"/>
-              </a:rPr>
-              <a:t>入口处的</a:t>
-            </a:r>
-            <a:r>
-              <a:rPr lang="en-US" altLang="zh-CN" sz="2400" b="1" dirty="0" smtClean="0">
-                <a:latin typeface="微软雅黑" panose="020B0503020204020204" pitchFamily="34" charset="-122"/>
-                <a:ea typeface="微软雅黑" panose="020B0503020204020204" pitchFamily="34" charset="-122"/>
-              </a:rPr>
-              <a:t>GDL</a:t>
-            </a:r>
-            <a:r>
-              <a:rPr lang="zh-CN" altLang="en-US" sz="2400" b="1" dirty="0" smtClean="0">
-                <a:latin typeface="微软雅黑" panose="020B0503020204020204" pitchFamily="34" charset="-122"/>
-                <a:ea typeface="微软雅黑" panose="020B0503020204020204" pitchFamily="34" charset="-122"/>
-              </a:rPr>
-              <a:t>孔隙率对水传输和电化学反应速率的影响不同</a:t>
-            </a:r>
-            <a:endParaRPr lang="en-US" altLang="zh-CN" sz="2400" b="1" dirty="0" smtClean="0">
-              <a:latin typeface="微软雅黑" panose="020B0503020204020204" pitchFamily="34" charset="-122"/>
-              <a:ea typeface="微软雅黑" panose="020B0503020204020204" pitchFamily="34" charset="-122"/>
-            </a:endParaRPr>
-          </a:p>
-        </p:txBody>
-      </p:sp>
-      <p:sp>
-        <p:nvSpPr>
-          <p:cNvPr id="4" name="文本框 3"/>
-          <p:cNvSpPr txBox="1"/>
-          <p:nvPr/>
-        </p:nvSpPr>
-        <p:spPr>
-          <a:xfrm>
-            <a:off x="1280160" y="5113020"/>
-            <a:ext cx="1314450" cy="276999"/>
-          </a:xfrm>
-          <a:prstGeom prst="rect">
-            <a:avLst/>
-          </a:prstGeom>
-        </p:spPr>
-        <p:txBody>
-          <a:bodyPr wrap="square">
-            <a:spAutoFit/>
-          </a:bodyPr>
-          <a:lstStyle>
-            <a:defPPr>
-              <a:defRPr lang="en-US"/>
-            </a:defPPr>
-            <a:lvl1pPr>
-              <a:defRPr sz="1200" b="1">
-                <a:latin typeface="Times New Roman" panose="02020603050405020304" pitchFamily="18" charset="0"/>
-                <a:cs typeface="Times New Roman" panose="02020603050405020304" pitchFamily="18" charset="0"/>
-              </a:defRPr>
-            </a:lvl1pPr>
-          </a:lstStyle>
-          <a:p>
-            <a:r>
-              <a:rPr lang="en-US" altLang="zh-CN" dirty="0"/>
-              <a:t>0.6V, 0.4</a:t>
-            </a:r>
-          </a:p>
-        </p:txBody>
-      </p:sp>
-      <p:sp>
-        <p:nvSpPr>
-          <p:cNvPr id="6" name="文本框 5"/>
-          <p:cNvSpPr txBox="1"/>
-          <p:nvPr/>
-        </p:nvSpPr>
-        <p:spPr>
-          <a:xfrm>
-            <a:off x="1280160" y="5390019"/>
-            <a:ext cx="1474470" cy="276999"/>
-          </a:xfrm>
-          <a:prstGeom prst="rect">
-            <a:avLst/>
-          </a:prstGeom>
-        </p:spPr>
-        <p:txBody>
-          <a:bodyPr wrap="square">
-            <a:spAutoFit/>
-          </a:bodyPr>
-          <a:lstStyle>
-            <a:defPPr>
-              <a:defRPr lang="en-US"/>
-            </a:defPPr>
-            <a:lvl1pPr>
-              <a:defRPr sz="1200" b="1">
-                <a:latin typeface="Times New Roman" panose="02020603050405020304" pitchFamily="18" charset="0"/>
-                <a:cs typeface="Times New Roman" panose="02020603050405020304" pitchFamily="18" charset="0"/>
-              </a:defRPr>
-            </a:lvl1pPr>
-          </a:lstStyle>
-          <a:p>
-            <a:r>
-              <a:rPr lang="en-US" altLang="zh-CN" dirty="0"/>
-              <a:t>0.6V, 0.3-0.4-0.5</a:t>
-            </a:r>
-          </a:p>
-        </p:txBody>
-      </p:sp>
-      <p:sp>
-        <p:nvSpPr>
-          <p:cNvPr id="7" name="文本框 6"/>
-          <p:cNvSpPr txBox="1"/>
-          <p:nvPr/>
-        </p:nvSpPr>
-        <p:spPr>
-          <a:xfrm>
-            <a:off x="5044440" y="5113020"/>
-            <a:ext cx="1314450" cy="276999"/>
-          </a:xfrm>
-          <a:prstGeom prst="rect">
-            <a:avLst/>
-          </a:prstGeom>
-          <a:noFill/>
-        </p:spPr>
-        <p:txBody>
-          <a:bodyPr wrap="square" rtlCol="0">
-            <a:spAutoFit/>
-          </a:bodyPr>
-          <a:lstStyle/>
-          <a:p>
-            <a:r>
-              <a:rPr lang="en-US" altLang="zh-CN" sz="1200" b="1" dirty="0">
-                <a:latin typeface="Times New Roman" panose="02020603050405020304" pitchFamily="18" charset="0"/>
-                <a:cs typeface="Times New Roman" panose="02020603050405020304" pitchFamily="18" charset="0"/>
-              </a:rPr>
-              <a:t>0.9V</a:t>
-            </a:r>
-            <a:r>
-              <a:rPr lang="en-US" altLang="zh-CN" sz="1200" b="1" dirty="0" smtClean="0">
-                <a:latin typeface="微软雅黑" panose="020B0503020204020204" pitchFamily="34" charset="-122"/>
-                <a:ea typeface="微软雅黑" panose="020B0503020204020204" pitchFamily="34" charset="-122"/>
-              </a:rPr>
-              <a:t>, 0.4</a:t>
-            </a:r>
-          </a:p>
-        </p:txBody>
-      </p:sp>
-      <p:sp>
-        <p:nvSpPr>
-          <p:cNvPr id="8" name="文本框 7"/>
-          <p:cNvSpPr txBox="1"/>
-          <p:nvPr/>
-        </p:nvSpPr>
-        <p:spPr>
-          <a:xfrm>
-            <a:off x="5044440" y="5390019"/>
-            <a:ext cx="1474470" cy="276999"/>
-          </a:xfrm>
-          <a:prstGeom prst="rect">
-            <a:avLst/>
-          </a:prstGeom>
-          <a:noFill/>
-        </p:spPr>
-        <p:txBody>
-          <a:bodyPr wrap="square" rtlCol="0">
-            <a:spAutoFit/>
-          </a:bodyPr>
-          <a:lstStyle/>
-          <a:p>
-            <a:r>
-              <a:rPr lang="en-US" altLang="zh-CN" sz="1200" b="1" dirty="0" smtClean="0">
-                <a:latin typeface="Times New Roman" panose="02020603050405020304" pitchFamily="18" charset="0"/>
-                <a:ea typeface="微软雅黑" panose="020B0503020204020204" pitchFamily="34" charset="-122"/>
-                <a:cs typeface="Times New Roman" panose="02020603050405020304" pitchFamily="18" charset="0"/>
-              </a:rPr>
-              <a:t>0.9V, 0.3-0.4-0.5</a:t>
-            </a:r>
-          </a:p>
-        </p:txBody>
-      </p:sp>
-      <p:sp>
-        <p:nvSpPr>
-          <p:cNvPr id="9" name="矩形 8"/>
-          <p:cNvSpPr/>
-          <p:nvPr/>
-        </p:nvSpPr>
-        <p:spPr>
-          <a:xfrm flipH="1">
-            <a:off x="2170261" y="5113020"/>
-            <a:ext cx="1569253" cy="276999"/>
-          </a:xfrm>
-          <a:prstGeom prst="rect">
-            <a:avLst/>
-          </a:prstGeom>
-        </p:spPr>
-        <p:txBody>
-          <a:bodyPr wrap="square">
-            <a:spAutoFit/>
-          </a:bodyPr>
-          <a:lstStyle/>
-          <a:p>
-            <a:r>
-              <a:rPr lang="en-US" altLang="zh-CN" sz="1200" b="1" dirty="0" smtClean="0">
-                <a:latin typeface="Times New Roman" panose="02020603050405020304" pitchFamily="18" charset="0"/>
-                <a:cs typeface="Times New Roman" panose="02020603050405020304" pitchFamily="18" charset="0"/>
-              </a:rPr>
-              <a:t>I = </a:t>
-            </a:r>
-            <a:r>
-              <a:rPr lang="zh-CN" altLang="en-US" sz="1200" b="1" dirty="0" smtClean="0">
-                <a:latin typeface="Times New Roman" panose="02020603050405020304" pitchFamily="18" charset="0"/>
-                <a:cs typeface="Times New Roman" panose="02020603050405020304" pitchFamily="18" charset="0"/>
-              </a:rPr>
-              <a:t>0</a:t>
-            </a:r>
-            <a:r>
-              <a:rPr lang="zh-CN" altLang="en-US" sz="1200" b="1" dirty="0">
-                <a:latin typeface="Times New Roman" panose="02020603050405020304" pitchFamily="18" charset="0"/>
-                <a:cs typeface="Times New Roman" panose="02020603050405020304" pitchFamily="18" charset="0"/>
-              </a:rPr>
-              <a:t>.017589</a:t>
-            </a:r>
-          </a:p>
-        </p:txBody>
-      </p:sp>
-      <p:sp>
-        <p:nvSpPr>
-          <p:cNvPr id="10" name="矩形 9"/>
-          <p:cNvSpPr/>
-          <p:nvPr/>
-        </p:nvSpPr>
-        <p:spPr>
-          <a:xfrm flipH="1">
-            <a:off x="6029324" y="5113019"/>
-            <a:ext cx="1569253" cy="276999"/>
-          </a:xfrm>
-          <a:prstGeom prst="rect">
-            <a:avLst/>
-          </a:prstGeom>
-        </p:spPr>
-        <p:txBody>
-          <a:bodyPr wrap="square">
-            <a:spAutoFit/>
-          </a:bodyPr>
-          <a:lstStyle/>
-          <a:p>
-            <a:r>
-              <a:rPr lang="en-US" altLang="zh-CN" sz="1200" b="1" dirty="0" smtClean="0">
-                <a:latin typeface="Times New Roman" panose="02020603050405020304" pitchFamily="18" charset="0"/>
-                <a:cs typeface="Times New Roman" panose="02020603050405020304" pitchFamily="18" charset="0"/>
-              </a:rPr>
-              <a:t>I </a:t>
-            </a:r>
-            <a:r>
-              <a:rPr lang="en-US" altLang="zh-CN" sz="1200" b="1" dirty="0">
-                <a:latin typeface="Times New Roman" panose="02020603050405020304" pitchFamily="18" charset="0"/>
-                <a:cs typeface="Times New Roman" panose="02020603050405020304" pitchFamily="18" charset="0"/>
-              </a:rPr>
-              <a:t>= 1.0636</a:t>
-            </a:r>
-            <a:endParaRPr lang="zh-CN" altLang="en-US" sz="1200" b="1" dirty="0">
-              <a:latin typeface="Times New Roman" panose="02020603050405020304" pitchFamily="18" charset="0"/>
-              <a:cs typeface="Times New Roman" panose="02020603050405020304" pitchFamily="18" charset="0"/>
-            </a:endParaRPr>
-          </a:p>
-        </p:txBody>
-      </p:sp>
-      <p:sp>
-        <p:nvSpPr>
-          <p:cNvPr id="11" name="矩形 10"/>
-          <p:cNvSpPr/>
-          <p:nvPr/>
-        </p:nvSpPr>
-        <p:spPr>
-          <a:xfrm flipH="1">
-            <a:off x="2589847" y="5390019"/>
-            <a:ext cx="1569253" cy="276999"/>
-          </a:xfrm>
-          <a:prstGeom prst="rect">
-            <a:avLst/>
-          </a:prstGeom>
-        </p:spPr>
-        <p:txBody>
-          <a:bodyPr wrap="square">
-            <a:spAutoFit/>
-          </a:bodyPr>
-          <a:lstStyle/>
-          <a:p>
-            <a:r>
-              <a:rPr lang="en-US" altLang="zh-CN" sz="1200" b="1" dirty="0" smtClean="0">
-                <a:latin typeface="Times New Roman" panose="02020603050405020304" pitchFamily="18" charset="0"/>
-                <a:cs typeface="Times New Roman" panose="02020603050405020304" pitchFamily="18" charset="0"/>
-              </a:rPr>
-              <a:t>I =</a:t>
-            </a:r>
-            <a:endParaRPr lang="zh-CN" altLang="en-US" sz="1200" b="1" dirty="0">
-              <a:latin typeface="Times New Roman" panose="02020603050405020304" pitchFamily="18" charset="0"/>
-              <a:cs typeface="Times New Roman" panose="02020603050405020304" pitchFamily="18" charset="0"/>
-            </a:endParaRPr>
-          </a:p>
-        </p:txBody>
-      </p:sp>
-      <p:sp>
-        <p:nvSpPr>
-          <p:cNvPr id="12" name="矩形 11"/>
-          <p:cNvSpPr/>
-          <p:nvPr/>
-        </p:nvSpPr>
-        <p:spPr>
-          <a:xfrm flipH="1">
-            <a:off x="6488430" y="5390018"/>
-            <a:ext cx="1569253" cy="276999"/>
-          </a:xfrm>
-          <a:prstGeom prst="rect">
-            <a:avLst/>
-          </a:prstGeom>
-        </p:spPr>
-        <p:txBody>
-          <a:bodyPr wrap="square">
-            <a:spAutoFit/>
-          </a:bodyPr>
-          <a:lstStyle/>
-          <a:p>
-            <a:r>
-              <a:rPr lang="en-US" altLang="zh-CN" sz="1200" b="1" dirty="0" smtClean="0">
-                <a:latin typeface="Times New Roman" panose="02020603050405020304" pitchFamily="18" charset="0"/>
-                <a:cs typeface="Times New Roman" panose="02020603050405020304" pitchFamily="18" charset="0"/>
-              </a:rPr>
-              <a:t>I =</a:t>
-            </a:r>
-            <a:endParaRPr lang="zh-CN" altLang="en-US" sz="1200" b="1" dirty="0">
-              <a:latin typeface="Times New Roman" panose="02020603050405020304" pitchFamily="18" charset="0"/>
-              <a:cs typeface="Times New Roman" panose="02020603050405020304" pitchFamily="18" charset="0"/>
-            </a:endParaRPr>
-          </a:p>
-        </p:txBody>
-      </p:sp>
-      <p:sp>
-        <p:nvSpPr>
-          <p:cNvPr id="13" name="矩形 12"/>
-          <p:cNvSpPr/>
-          <p:nvPr/>
-        </p:nvSpPr>
-        <p:spPr>
-          <a:xfrm>
-            <a:off x="3605102" y="2797433"/>
-            <a:ext cx="1107996" cy="369332"/>
-          </a:xfrm>
-          <a:prstGeom prst="rect">
-            <a:avLst/>
-          </a:prstGeom>
-        </p:spPr>
-        <p:txBody>
-          <a:bodyPr wrap="none">
-            <a:spAutoFit/>
-          </a:bodyPr>
-          <a:lstStyle/>
-          <a:p>
-            <a:r>
-              <a:rPr lang="zh-CN" altLang="en-US" b="1" dirty="0" smtClean="0">
-                <a:latin typeface="微软雅黑" panose="020B0503020204020204" pitchFamily="34" charset="-122"/>
-                <a:ea typeface="微软雅黑" panose="020B0503020204020204" pitchFamily="34" charset="-122"/>
-              </a:rPr>
-              <a:t>水饱和度</a:t>
-            </a:r>
-            <a:endParaRPr lang="zh-CN" altLang="en-US" dirty="0"/>
-          </a:p>
-        </p:txBody>
-      </p:sp>
-    </p:spTree>
-    <p:extLst>
-      <p:ext uri="{BB962C8B-B14F-4D97-AF65-F5344CB8AC3E}">
-        <p14:creationId xmlns:p14="http://schemas.microsoft.com/office/powerpoint/2010/main" val="1101883155"/>
-      </p:ext>
-    </p:extLst>
-  </p:cSld>
-  <p:clrMapOvr>
-    <a:masterClrMapping/>
-  </p:clrMapOvr>
-</p:sld>
-</file>
-
 <file path=ppt/slides/slide7.xml><?xml version="1.0" encoding="utf-8"?>
 <p:sld xmlns:a="http://schemas.openxmlformats.org/drawingml/2006/main" xmlns:r="http://schemas.openxmlformats.org/officeDocument/2006/relationships" xmlns:p="http://schemas.openxmlformats.org/presentationml/2006/main">
   <p:cSld>
@@ -12669,9 +15227,9 @@
               <a:t>0.9V</a:t>
             </a:r>
             <a:r>
-              <a:rPr lang="en-US" altLang="zh-CN" sz="1200" b="1" dirty="0">
-                <a:latin typeface="Times New Roman" panose="02020603050405020304" pitchFamily="18" charset="0"/>
-                <a:cs typeface="Times New Roman" panose="02020603050405020304" pitchFamily="18" charset="0"/>
+              <a:rPr lang="en-US" altLang="zh-CN" sz="1200" b="1" dirty="0" smtClean="0">
+                <a:latin typeface="微软雅黑" panose="020B0503020204020204" pitchFamily="34" charset="-122"/>
+                <a:ea typeface="微软雅黑" panose="020B0503020204020204" pitchFamily="34" charset="-122"/>
               </a:rPr>
               <a:t>, 0.4</a:t>
             </a:r>
@@ -12701,8 +15259,9 @@
           <a:lstStyle/>
           <a:p>
             <a:r>
-              <a:rPr lang="en-US" altLang="zh-CN" sz="1200" b="1" dirty="0">
+              <a:rPr lang="en-US" altLang="zh-CN" sz="1200" b="1" dirty="0" smtClean="0">
                 <a:latin typeface="Times New Roman" panose="02020603050405020304" pitchFamily="18" charset="0"/>
+                <a:ea typeface="微软雅黑" panose="020B0503020204020204" pitchFamily="34" charset="-122"/>
                 <a:cs typeface="Times New Roman" panose="02020603050405020304" pitchFamily="18" charset="0"/>
               </a:rPr>
               <a:t>0.9V, 0.3-0.4-0.5</a:t>
@@ -12876,6 +15435,443 @@
         <p:spPr>
           <a:xfrm>
             <a:off x="3605102" y="2797433"/>
+            <a:ext cx="1107996" cy="369332"/>
+          </a:xfrm>
+          <a:prstGeom prst="rect">
+            <a:avLst/>
+          </a:prstGeom>
+        </p:spPr>
+        <p:txBody>
+          <a:bodyPr wrap="none">
+            <a:spAutoFit/>
+          </a:bodyPr>
+          <a:lstStyle/>
+          <a:p>
+            <a:r>
+              <a:rPr lang="zh-CN" altLang="en-US" b="1" dirty="0" smtClean="0">
+                <a:latin typeface="微软雅黑" panose="020B0503020204020204" pitchFamily="34" charset="-122"/>
+                <a:ea typeface="微软雅黑" panose="020B0503020204020204" pitchFamily="34" charset="-122"/>
+              </a:rPr>
+              <a:t>水饱和度</a:t>
+            </a:r>
+            <a:endParaRPr lang="zh-CN" altLang="en-US" dirty="0"/>
+          </a:p>
+        </p:txBody>
+      </p:sp>
+    </p:spTree>
+    <p:extLst>
+      <p:ext uri="{BB962C8B-B14F-4D97-AF65-F5344CB8AC3E}">
+        <p14:creationId xmlns:p14="http://schemas.microsoft.com/office/powerpoint/2010/main" val="1101883155"/>
+      </p:ext>
+    </p:extLst>
+  </p:cSld>
+  <p:clrMapOvr>
+    <a:masterClrMapping/>
+  </p:clrMapOvr>
+</p:sld>
+</file>
+
+<file path=ppt/slides/slide8.xml><?xml version="1.0" encoding="utf-8"?>
+<p:sld xmlns:a="http://schemas.openxmlformats.org/drawingml/2006/main" xmlns:r="http://schemas.openxmlformats.org/officeDocument/2006/relationships" xmlns:p="http://schemas.openxmlformats.org/presentationml/2006/main">
+  <p:cSld>
+    <p:spTree>
+      <p:nvGrpSpPr>
+        <p:cNvPr id="1" name=""/>
+        <p:cNvGrpSpPr/>
+        <p:nvPr/>
+      </p:nvGrpSpPr>
+      <p:grpSpPr>
+        <a:xfrm>
+          <a:off x="0" y="0"/>
+          <a:ext cx="0" cy="0"/>
+          <a:chOff x="0" y="0"/>
+          <a:chExt cx="0" cy="0"/>
+        </a:xfrm>
+      </p:grpSpPr>
+      <p:sp>
+        <p:nvSpPr>
+          <p:cNvPr id="2" name="文本框 1"/>
+          <p:cNvSpPr txBox="1"/>
+          <p:nvPr/>
+        </p:nvSpPr>
+        <p:spPr>
+          <a:xfrm>
+            <a:off x="205740" y="297180"/>
+            <a:ext cx="7109460" cy="830997"/>
+          </a:xfrm>
+          <a:prstGeom prst="rect">
+            <a:avLst/>
+          </a:prstGeom>
+          <a:noFill/>
+        </p:spPr>
+        <p:txBody>
+          <a:bodyPr wrap="square" rtlCol="0">
+            <a:spAutoFit/>
+          </a:bodyPr>
+          <a:lstStyle/>
+          <a:p>
+            <a:r>
+              <a:rPr lang="zh-CN" altLang="en-US" sz="2400" b="1" dirty="0" smtClean="0">
+                <a:latin typeface="微软雅黑" panose="020B0503020204020204" pitchFamily="34" charset="-122"/>
+                <a:ea typeface="微软雅黑" panose="020B0503020204020204" pitchFamily="34" charset="-122"/>
+              </a:rPr>
+              <a:t>发现</a:t>
+            </a:r>
+            <a:r>
+              <a:rPr lang="en-US" altLang="zh-CN" sz="2400" b="1" dirty="0" smtClean="0">
+                <a:latin typeface="微软雅黑" panose="020B0503020204020204" pitchFamily="34" charset="-122"/>
+                <a:ea typeface="微软雅黑" panose="020B0503020204020204" pitchFamily="34" charset="-122"/>
+              </a:rPr>
+              <a:t>1</a:t>
+            </a:r>
+            <a:r>
+              <a:rPr lang="zh-CN" altLang="en-US" sz="2400" b="1" dirty="0" smtClean="0">
+                <a:latin typeface="微软雅黑" panose="020B0503020204020204" pitchFamily="34" charset="-122"/>
+                <a:ea typeface="微软雅黑" panose="020B0503020204020204" pitchFamily="34" charset="-122"/>
+              </a:rPr>
+              <a:t>：不同电流密度，减小</a:t>
+            </a:r>
+            <a:r>
+              <a:rPr lang="zh-CN" altLang="en-US" sz="2400" b="1" dirty="0">
+                <a:latin typeface="微软雅黑" panose="020B0503020204020204" pitchFamily="34" charset="-122"/>
+                <a:ea typeface="微软雅黑" panose="020B0503020204020204" pitchFamily="34" charset="-122"/>
+              </a:rPr>
+              <a:t>阴极</a:t>
+            </a:r>
+            <a:r>
+              <a:rPr lang="zh-CN" altLang="en-US" sz="2400" b="1" dirty="0" smtClean="0">
+                <a:latin typeface="微软雅黑" panose="020B0503020204020204" pitchFamily="34" charset="-122"/>
+                <a:ea typeface="微软雅黑" panose="020B0503020204020204" pitchFamily="34" charset="-122"/>
+              </a:rPr>
+              <a:t>入口处的</a:t>
+            </a:r>
+            <a:r>
+              <a:rPr lang="en-US" altLang="zh-CN" sz="2400" b="1" dirty="0" smtClean="0">
+                <a:latin typeface="微软雅黑" panose="020B0503020204020204" pitchFamily="34" charset="-122"/>
+                <a:ea typeface="微软雅黑" panose="020B0503020204020204" pitchFamily="34" charset="-122"/>
+              </a:rPr>
+              <a:t>GDL</a:t>
+            </a:r>
+            <a:r>
+              <a:rPr lang="zh-CN" altLang="en-US" sz="2400" b="1" dirty="0" smtClean="0">
+                <a:latin typeface="微软雅黑" panose="020B0503020204020204" pitchFamily="34" charset="-122"/>
+                <a:ea typeface="微软雅黑" panose="020B0503020204020204" pitchFamily="34" charset="-122"/>
+              </a:rPr>
+              <a:t>孔隙率对水传输和电化学反应速率的影响不同</a:t>
+            </a:r>
+            <a:endParaRPr lang="en-US" altLang="zh-CN" sz="2400" b="1" dirty="0" smtClean="0">
+              <a:latin typeface="微软雅黑" panose="020B0503020204020204" pitchFamily="34" charset="-122"/>
+              <a:ea typeface="微软雅黑" panose="020B0503020204020204" pitchFamily="34" charset="-122"/>
+            </a:endParaRPr>
+          </a:p>
+        </p:txBody>
+      </p:sp>
+      <p:sp>
+        <p:nvSpPr>
+          <p:cNvPr id="4" name="文本框 3"/>
+          <p:cNvSpPr txBox="1"/>
+          <p:nvPr/>
+        </p:nvSpPr>
+        <p:spPr>
+          <a:xfrm>
+            <a:off x="1280160" y="5113020"/>
+            <a:ext cx="1314450" cy="276999"/>
+          </a:xfrm>
+          <a:prstGeom prst="rect">
+            <a:avLst/>
+          </a:prstGeom>
+        </p:spPr>
+        <p:txBody>
+          <a:bodyPr wrap="square">
+            <a:spAutoFit/>
+          </a:bodyPr>
+          <a:lstStyle>
+            <a:defPPr>
+              <a:defRPr lang="en-US"/>
+            </a:defPPr>
+            <a:lvl1pPr>
+              <a:defRPr sz="1200" b="1">
+                <a:latin typeface="Times New Roman" panose="02020603050405020304" pitchFamily="18" charset="0"/>
+                <a:cs typeface="Times New Roman" panose="02020603050405020304" pitchFamily="18" charset="0"/>
+              </a:defRPr>
+            </a:lvl1pPr>
+          </a:lstStyle>
+          <a:p>
+            <a:r>
+              <a:rPr lang="en-US" altLang="zh-CN" dirty="0"/>
+              <a:t>0.6V, 0.4</a:t>
+            </a:r>
+          </a:p>
+        </p:txBody>
+      </p:sp>
+      <p:sp>
+        <p:nvSpPr>
+          <p:cNvPr id="6" name="文本框 5"/>
+          <p:cNvSpPr txBox="1"/>
+          <p:nvPr/>
+        </p:nvSpPr>
+        <p:spPr>
+          <a:xfrm>
+            <a:off x="1280160" y="5390019"/>
+            <a:ext cx="1474470" cy="276999"/>
+          </a:xfrm>
+          <a:prstGeom prst="rect">
+            <a:avLst/>
+          </a:prstGeom>
+        </p:spPr>
+        <p:txBody>
+          <a:bodyPr wrap="square">
+            <a:spAutoFit/>
+          </a:bodyPr>
+          <a:lstStyle>
+            <a:defPPr>
+              <a:defRPr lang="en-US"/>
+            </a:defPPr>
+            <a:lvl1pPr>
+              <a:defRPr sz="1200" b="1">
+                <a:latin typeface="Times New Roman" panose="02020603050405020304" pitchFamily="18" charset="0"/>
+                <a:cs typeface="Times New Roman" panose="02020603050405020304" pitchFamily="18" charset="0"/>
+              </a:defRPr>
+            </a:lvl1pPr>
+          </a:lstStyle>
+          <a:p>
+            <a:r>
+              <a:rPr lang="en-US" altLang="zh-CN" dirty="0"/>
+              <a:t>0.6V, 0.3-0.4-0.5</a:t>
+            </a:r>
+          </a:p>
+        </p:txBody>
+      </p:sp>
+      <p:sp>
+        <p:nvSpPr>
+          <p:cNvPr id="7" name="文本框 6"/>
+          <p:cNvSpPr txBox="1"/>
+          <p:nvPr/>
+        </p:nvSpPr>
+        <p:spPr>
+          <a:xfrm>
+            <a:off x="5044440" y="5113020"/>
+            <a:ext cx="1314450" cy="276999"/>
+          </a:xfrm>
+          <a:prstGeom prst="rect">
+            <a:avLst/>
+          </a:prstGeom>
+          <a:noFill/>
+        </p:spPr>
+        <p:txBody>
+          <a:bodyPr wrap="square" rtlCol="0">
+            <a:spAutoFit/>
+          </a:bodyPr>
+          <a:lstStyle/>
+          <a:p>
+            <a:r>
+              <a:rPr lang="en-US" altLang="zh-CN" sz="1200" b="1" dirty="0">
+                <a:latin typeface="Times New Roman" panose="02020603050405020304" pitchFamily="18" charset="0"/>
+                <a:cs typeface="Times New Roman" panose="02020603050405020304" pitchFamily="18" charset="0"/>
+              </a:rPr>
+              <a:t>0.9V, 0.4</a:t>
+            </a:r>
+          </a:p>
+        </p:txBody>
+      </p:sp>
+      <p:sp>
+        <p:nvSpPr>
+          <p:cNvPr id="8" name="文本框 7"/>
+          <p:cNvSpPr txBox="1"/>
+          <p:nvPr/>
+        </p:nvSpPr>
+        <p:spPr>
+          <a:xfrm>
+            <a:off x="5044440" y="5390019"/>
+            <a:ext cx="1474470" cy="276999"/>
+          </a:xfrm>
+          <a:prstGeom prst="rect">
+            <a:avLst/>
+          </a:prstGeom>
+          <a:noFill/>
+        </p:spPr>
+        <p:txBody>
+          <a:bodyPr wrap="square" rtlCol="0">
+            <a:spAutoFit/>
+          </a:bodyPr>
+          <a:lstStyle/>
+          <a:p>
+            <a:r>
+              <a:rPr lang="en-US" altLang="zh-CN" sz="1200" b="1" dirty="0">
+                <a:latin typeface="Times New Roman" panose="02020603050405020304" pitchFamily="18" charset="0"/>
+                <a:cs typeface="Times New Roman" panose="02020603050405020304" pitchFamily="18" charset="0"/>
+              </a:rPr>
+              <a:t>0.9V, 0.3-0.4-0.5</a:t>
+            </a:r>
+          </a:p>
+        </p:txBody>
+      </p:sp>
+      <p:sp>
+        <p:nvSpPr>
+          <p:cNvPr id="9" name="矩形 8"/>
+          <p:cNvSpPr/>
+          <p:nvPr/>
+        </p:nvSpPr>
+        <p:spPr>
+          <a:xfrm flipH="1">
+            <a:off x="2170261" y="5113020"/>
+            <a:ext cx="1569253" cy="276999"/>
+          </a:xfrm>
+          <a:prstGeom prst="rect">
+            <a:avLst/>
+          </a:prstGeom>
+        </p:spPr>
+        <p:txBody>
+          <a:bodyPr wrap="square">
+            <a:spAutoFit/>
+          </a:bodyPr>
+          <a:lstStyle/>
+          <a:p>
+            <a:r>
+              <a:rPr lang="en-US" altLang="zh-CN" sz="1200" b="1" dirty="0" smtClean="0">
+                <a:latin typeface="Times New Roman" panose="02020603050405020304" pitchFamily="18" charset="0"/>
+                <a:cs typeface="Times New Roman" panose="02020603050405020304" pitchFamily="18" charset="0"/>
+              </a:rPr>
+              <a:t>I = </a:t>
+            </a:r>
+            <a:r>
+              <a:rPr lang="zh-CN" altLang="en-US" sz="1200" b="1" dirty="0" smtClean="0">
+                <a:latin typeface="Times New Roman" panose="02020603050405020304" pitchFamily="18" charset="0"/>
+                <a:cs typeface="Times New Roman" panose="02020603050405020304" pitchFamily="18" charset="0"/>
+              </a:rPr>
+              <a:t>0</a:t>
+            </a:r>
+            <a:r>
+              <a:rPr lang="zh-CN" altLang="en-US" sz="1200" b="1" dirty="0">
+                <a:latin typeface="Times New Roman" panose="02020603050405020304" pitchFamily="18" charset="0"/>
+                <a:cs typeface="Times New Roman" panose="02020603050405020304" pitchFamily="18" charset="0"/>
+              </a:rPr>
+              <a:t>.017589</a:t>
+            </a:r>
+          </a:p>
+        </p:txBody>
+      </p:sp>
+      <p:sp>
+        <p:nvSpPr>
+          <p:cNvPr id="10" name="矩形 9"/>
+          <p:cNvSpPr/>
+          <p:nvPr/>
+        </p:nvSpPr>
+        <p:spPr>
+          <a:xfrm flipH="1">
+            <a:off x="6029324" y="5113019"/>
+            <a:ext cx="1569253" cy="276999"/>
+          </a:xfrm>
+          <a:prstGeom prst="rect">
+            <a:avLst/>
+          </a:prstGeom>
+        </p:spPr>
+        <p:txBody>
+          <a:bodyPr wrap="square">
+            <a:spAutoFit/>
+          </a:bodyPr>
+          <a:lstStyle/>
+          <a:p>
+            <a:r>
+              <a:rPr lang="en-US" altLang="zh-CN" sz="1200" b="1" dirty="0" smtClean="0">
+                <a:latin typeface="Times New Roman" panose="02020603050405020304" pitchFamily="18" charset="0"/>
+                <a:cs typeface="Times New Roman" panose="02020603050405020304" pitchFamily="18" charset="0"/>
+              </a:rPr>
+              <a:t>I </a:t>
+            </a:r>
+            <a:r>
+              <a:rPr lang="en-US" altLang="zh-CN" sz="1200" b="1" dirty="0">
+                <a:latin typeface="Times New Roman" panose="02020603050405020304" pitchFamily="18" charset="0"/>
+                <a:cs typeface="Times New Roman" panose="02020603050405020304" pitchFamily="18" charset="0"/>
+              </a:rPr>
+              <a:t>= 1.0636</a:t>
+            </a:r>
+            <a:endParaRPr lang="zh-CN" altLang="en-US" sz="1200" b="1" dirty="0">
+              <a:latin typeface="Times New Roman" panose="02020603050405020304" pitchFamily="18" charset="0"/>
+              <a:cs typeface="Times New Roman" panose="02020603050405020304" pitchFamily="18" charset="0"/>
+            </a:endParaRPr>
+          </a:p>
+        </p:txBody>
+      </p:sp>
+      <p:sp>
+        <p:nvSpPr>
+          <p:cNvPr id="11" name="矩形 10"/>
+          <p:cNvSpPr/>
+          <p:nvPr/>
+        </p:nvSpPr>
+        <p:spPr>
+          <a:xfrm flipH="1">
+            <a:off x="2589847" y="5390019"/>
+            <a:ext cx="1569253" cy="276999"/>
+          </a:xfrm>
+          <a:prstGeom prst="rect">
+            <a:avLst/>
+          </a:prstGeom>
+        </p:spPr>
+        <p:txBody>
+          <a:bodyPr wrap="square">
+            <a:spAutoFit/>
+          </a:bodyPr>
+          <a:lstStyle/>
+          <a:p>
+            <a:r>
+              <a:rPr lang="en-US" altLang="zh-CN" sz="1200" b="1" dirty="0" smtClean="0">
+                <a:latin typeface="Times New Roman" panose="02020603050405020304" pitchFamily="18" charset="0"/>
+                <a:cs typeface="Times New Roman" panose="02020603050405020304" pitchFamily="18" charset="0"/>
+              </a:rPr>
+              <a:t>I =</a:t>
+            </a:r>
+            <a:endParaRPr lang="zh-CN" altLang="en-US" sz="1200" b="1" dirty="0">
+              <a:latin typeface="Times New Roman" panose="02020603050405020304" pitchFamily="18" charset="0"/>
+              <a:cs typeface="Times New Roman" panose="02020603050405020304" pitchFamily="18" charset="0"/>
+            </a:endParaRPr>
+          </a:p>
+        </p:txBody>
+      </p:sp>
+      <p:sp>
+        <p:nvSpPr>
+          <p:cNvPr id="12" name="矩形 11"/>
+          <p:cNvSpPr/>
+          <p:nvPr/>
+        </p:nvSpPr>
+        <p:spPr>
+          <a:xfrm flipH="1">
+            <a:off x="6488430" y="5390018"/>
+            <a:ext cx="1569253" cy="276999"/>
+          </a:xfrm>
+          <a:prstGeom prst="rect">
+            <a:avLst/>
+          </a:prstGeom>
+        </p:spPr>
+        <p:txBody>
+          <a:bodyPr wrap="square">
+            <a:spAutoFit/>
+          </a:bodyPr>
+          <a:lstStyle/>
+          <a:p>
+            <a:r>
+              <a:rPr lang="en-US" altLang="zh-CN" sz="1200" b="1" dirty="0" smtClean="0">
+                <a:latin typeface="Times New Roman" panose="02020603050405020304" pitchFamily="18" charset="0"/>
+                <a:cs typeface="Times New Roman" panose="02020603050405020304" pitchFamily="18" charset="0"/>
+              </a:rPr>
+              <a:t>I =</a:t>
+            </a:r>
+            <a:endParaRPr lang="zh-CN" altLang="en-US" sz="1200" b="1" dirty="0">
+              <a:latin typeface="Times New Roman" panose="02020603050405020304" pitchFamily="18" charset="0"/>
+              <a:cs typeface="Times New Roman" panose="02020603050405020304" pitchFamily="18" charset="0"/>
+            </a:endParaRPr>
+          </a:p>
+        </p:txBody>
+      </p:sp>
+      <p:sp>
+        <p:nvSpPr>
+          <p:cNvPr id="13" name="矩形 12"/>
+          <p:cNvSpPr/>
+          <p:nvPr/>
+        </p:nvSpPr>
+        <p:spPr>
+          <a:xfrm>
+            <a:off x="3605102" y="2797433"/>
             <a:ext cx="1800493" cy="369332"/>
           </a:xfrm>
           <a:prstGeom prst="rect">
@@ -12903,6 +15899,36 @@
     <p:extLst>
       <p:ext uri="{BB962C8B-B14F-4D97-AF65-F5344CB8AC3E}">
         <p14:creationId xmlns:p14="http://schemas.microsoft.com/office/powerpoint/2010/main" val="841909923"/>
+      </p:ext>
+    </p:extLst>
+  </p:cSld>
+  <p:clrMapOvr>
+    <a:masterClrMapping/>
+  </p:clrMapOvr>
+</p:sld>
+</file>
+
+<file path=ppt/slides/slide9.xml><?xml version="1.0" encoding="utf-8"?>
+<p:sld xmlns:a="http://schemas.openxmlformats.org/drawingml/2006/main" xmlns:r="http://schemas.openxmlformats.org/officeDocument/2006/relationships" xmlns:p="http://schemas.openxmlformats.org/presentationml/2006/main">
+  <p:cSld>
+    <p:spTree>
+      <p:nvGrpSpPr>
+        <p:cNvPr id="1" name=""/>
+        <p:cNvGrpSpPr/>
+        <p:nvPr/>
+      </p:nvGrpSpPr>
+      <p:grpSpPr>
+        <a:xfrm>
+          <a:off x="0" y="0"/>
+          <a:ext cx="0" cy="0"/>
+          <a:chOff x="0" y="0"/>
+          <a:chExt cx="0" cy="0"/>
+        </a:xfrm>
+      </p:grpSpPr>
+    </p:spTree>
+    <p:extLst>
+      <p:ext uri="{BB962C8B-B14F-4D97-AF65-F5344CB8AC3E}">
+        <p14:creationId xmlns:p14="http://schemas.microsoft.com/office/powerpoint/2010/main" val="1164111951"/>
       </p:ext>
     </p:extLst>
   </p:cSld>
@@ -13171,4 +16197,265 @@
     </a:ext>
   </a:extLst>
 </a:theme>
+</file>
+
+<file path=ppt/theme/theme2.xml><?xml version="1.0" encoding="utf-8"?>
+<a:theme xmlns:a="http://schemas.openxmlformats.org/drawingml/2006/main" name="Office 主题​​">
+  <a:themeElements>
+    <a:clrScheme name="Office">
+      <a:dk1>
+        <a:sysClr val="windowText" lastClr="000000"/>
+      </a:dk1>
+      <a:lt1>
+        <a:sysClr val="window" lastClr="FFFFFF"/>
+      </a:lt1>
+      <a:dk2>
+        <a:srgbClr val="44546A"/>
+      </a:dk2>
+      <a:lt2>
+        <a:srgbClr val="E7E6E6"/>
+      </a:lt2>
+      <a:accent1>
+        <a:srgbClr val="5B9BD5"/>
+      </a:accent1>
+      <a:accent2>
+        <a:srgbClr val="ED7D31"/>
+      </a:accent2>
+      <a:accent3>
+        <a:srgbClr val="A5A5A5"/>
+      </a:accent3>
+      <a:accent4>
+        <a:srgbClr val="FFC000"/>
+      </a:accent4>
+      <a:accent5>
+        <a:srgbClr val="4472C4"/>
+      </a:accent5>
+      <a:accent6>
+        <a:srgbClr val="70AD47"/>
+      </a:accent6>
+      <a:hlink>
+        <a:srgbClr val="0563C1"/>
+      </a:hlink>
+      <a:folHlink>
+        <a:srgbClr val="954F72"/>
+      </a:folHlink>
+    </a:clrScheme>
+    <a:fontScheme name="Office">
+      <a:majorFont>
+        <a:latin typeface="等线 Light" panose="020F0302020204030204"/>
+        <a:ea typeface=""/>
+        <a:cs typeface=""/>
+        <a:font script="Jpan" typeface="游ゴシック Light"/>
+        <a:font script="Hang" typeface="맑은 고딕"/>
+        <a:font script="Hans" typeface="等线 Light"/>
+        <a:font script="Hant" typeface="新細明體"/>
+        <a:font script="Arab" typeface="Times New Roman"/>
+        <a:font script="Hebr" typeface="Times New Roman"/>
+        <a:font script="Thai" typeface="Angsana New"/>
+        <a:font script="Ethi" typeface="Nyala"/>
+        <a:font script="Beng" typeface="Vrinda"/>
+        <a:font script="Gujr" typeface="Shruti"/>
+        <a:font script="Khmr" typeface="MoolBoran"/>
+        <a:font script="Knda" typeface="Tunga"/>
+        <a:font script="Guru" typeface="Raavi"/>
+        <a:font script="Cans" typeface="Euphemia"/>
+        <a:font script="Cher" typeface="Plantagenet Cherokee"/>
+        <a:font script="Yiii" typeface="Microsoft Yi Baiti"/>
+        <a:font script="Tibt" typeface="Microsoft Himalaya"/>
+        <a:font script="Thaa" typeface="MV Boli"/>
+        <a:font script="Deva" typeface="Mangal"/>
+        <a:font script="Telu" typeface="Gautami"/>
+        <a:font script="Taml" typeface="Latha"/>
+        <a:font script="Syrc" typeface="Estrangelo Edessa"/>
+        <a:font script="Orya" typeface="Kalinga"/>
+        <a:font script="Mlym" typeface="Kartika"/>
+        <a:font script="Laoo" typeface="DokChampa"/>
+        <a:font script="Sinh" typeface="Iskoola Pota"/>
+        <a:font script="Mong" typeface="Mongolian Baiti"/>
+        <a:font script="Viet" typeface="Times New Roman"/>
+        <a:font script="Uigh" typeface="Microsoft Uighur"/>
+        <a:font script="Geor" typeface="Sylfaen"/>
+      </a:majorFont>
+      <a:minorFont>
+        <a:latin typeface="等线" panose="020F0502020204030204"/>
+        <a:ea typeface=""/>
+        <a:cs typeface=""/>
+        <a:font script="Jpan" typeface="游ゴシック"/>
+        <a:font script="Hang" typeface="맑은 고딕"/>
+        <a:font script="Hans" typeface="等线"/>
+        <a:font script="Hant" typeface="新細明體"/>
+        <a:font script="Arab" typeface="Arial"/>
+        <a:font script="Hebr" typeface="Arial"/>
+        <a:font script="Thai" typeface="Cordia New"/>
+        <a:font script="Ethi" typeface="Nyala"/>
+        <a:font script="Beng" typeface="Vrinda"/>
+        <a:font script="Gujr" typeface="Shruti"/>
+        <a:font script="Khmr" typeface="DaunPenh"/>
+        <a:font script="Knda" typeface="Tunga"/>
+        <a:font script="Guru" typeface="Raavi"/>
+        <a:font script="Cans" typeface="Euphemia"/>
+        <a:font script="Cher" typeface="Plantagenet Cherokee"/>
+        <a:font script="Yiii" typeface="Microsoft Yi Baiti"/>
+        <a:font script="Tibt" typeface="Microsoft Himalaya"/>
+        <a:font script="Thaa" typeface="MV Boli"/>
+        <a:font script="Deva" typeface="Mangal"/>
+        <a:font script="Telu" typeface="Gautami"/>
+        <a:font script="Taml" typeface="Latha"/>
+        <a:font script="Syrc" typeface="Estrangelo Edessa"/>
+        <a:font script="Orya" typeface="Kalinga"/>
+        <a:font script="Mlym" typeface="Kartika"/>
+        <a:font script="Laoo" typeface="DokChampa"/>
+        <a:font script="Sinh" typeface="Iskoola Pota"/>
+        <a:font script="Mong" typeface="Mongolian Baiti"/>
+        <a:font script="Viet" typeface="Arial"/>
+        <a:font script="Uigh" typeface="Microsoft Uighur"/>
+        <a:font script="Geor" typeface="Sylfaen"/>
+      </a:minorFont>
+    </a:fontScheme>
+    <a:fmtScheme name="Office">
+      <a:fillStyleLst>
+        <a:solidFill>
+          <a:schemeClr val="phClr"/>
+        </a:solidFill>
+        <a:gradFill rotWithShape="1">
+          <a:gsLst>
+            <a:gs pos="0">
+              <a:schemeClr val="phClr">
+                <a:lumMod val="110000"/>
+                <a:satMod val="105000"/>
+                <a:tint val="67000"/>
+              </a:schemeClr>
+            </a:gs>
+            <a:gs pos="50000">
+              <a:schemeClr val="phClr">
+                <a:lumMod val="105000"/>
+                <a:satMod val="103000"/>
+                <a:tint val="73000"/>
+              </a:schemeClr>
+            </a:gs>
+            <a:gs pos="100000">
+              <a:schemeClr val="phClr">
+                <a:lumMod val="105000"/>
+                <a:satMod val="109000"/>
+                <a:tint val="81000"/>
+              </a:schemeClr>
+            </a:gs>
+          </a:gsLst>
+          <a:lin ang="5400000" scaled="0"/>
+        </a:gradFill>
+        <a:gradFill rotWithShape="1">
+          <a:gsLst>
+            <a:gs pos="0">
+              <a:schemeClr val="phClr">
+                <a:satMod val="103000"/>
+                <a:lumMod val="102000"/>
+                <a:tint val="94000"/>
+              </a:schemeClr>
+            </a:gs>
+            <a:gs pos="50000">
+              <a:schemeClr val="phClr">
+                <a:satMod val="110000"/>
+                <a:lumMod val="100000"/>
+                <a:shade val="100000"/>
+              </a:schemeClr>
+            </a:gs>
+            <a:gs pos="100000">
+              <a:schemeClr val="phClr">
+                <a:lumMod val="99000"/>
+                <a:satMod val="120000"/>
+                <a:shade val="78000"/>
+              </a:schemeClr>
+            </a:gs>
+          </a:gsLst>
+          <a:lin ang="5400000" scaled="0"/>
+        </a:gradFill>
+      </a:fillStyleLst>
+      <a:lnStyleLst>
+        <a:ln w="6350" cap="flat" cmpd="sng" algn="ctr">
+          <a:solidFill>
+            <a:schemeClr val="phClr"/>
+          </a:solidFill>
+          <a:prstDash val="solid"/>
+          <a:miter lim="800000"/>
+        </a:ln>
+        <a:ln w="12700" cap="flat" cmpd="sng" algn="ctr">
+          <a:solidFill>
+            <a:schemeClr val="phClr"/>
+          </a:solidFill>
+          <a:prstDash val="solid"/>
+          <a:miter lim="800000"/>
+        </a:ln>
+        <a:ln w="19050" cap="flat" cmpd="sng" algn="ctr">
+          <a:solidFill>
+            <a:schemeClr val="phClr"/>
+          </a:solidFill>
+          <a:prstDash val="solid"/>
+          <a:miter lim="800000"/>
+        </a:ln>
+      </a:lnStyleLst>
+      <a:effectStyleLst>
+        <a:effectStyle>
+          <a:effectLst/>
+        </a:effectStyle>
+        <a:effectStyle>
+          <a:effectLst/>
+        </a:effectStyle>
+        <a:effectStyle>
+          <a:effectLst>
+            <a:outerShdw blurRad="57150" dist="19050" dir="5400000" algn="ctr" rotWithShape="0">
+              <a:srgbClr val="000000">
+                <a:alpha val="63000"/>
+              </a:srgbClr>
+            </a:outerShdw>
+          </a:effectLst>
+        </a:effectStyle>
+      </a:effectStyleLst>
+      <a:bgFillStyleLst>
+        <a:solidFill>
+          <a:schemeClr val="phClr"/>
+        </a:solidFill>
+        <a:solidFill>
+          <a:schemeClr val="phClr">
+            <a:tint val="95000"/>
+            <a:satMod val="170000"/>
+          </a:schemeClr>
+        </a:solidFill>
+        <a:gradFill rotWithShape="1">
+          <a:gsLst>
+            <a:gs pos="0">
+              <a:schemeClr val="phClr">
+                <a:tint val="93000"/>
+                <a:satMod val="150000"/>
+                <a:shade val="98000"/>
+                <a:lumMod val="102000"/>
+              </a:schemeClr>
+            </a:gs>
+            <a:gs pos="50000">
+              <a:schemeClr val="phClr">
+                <a:tint val="98000"/>
+                <a:satMod val="130000"/>
+                <a:shade val="90000"/>
+                <a:lumMod val="103000"/>
+              </a:schemeClr>
+            </a:gs>
+            <a:gs pos="100000">
+              <a:schemeClr val="phClr">
+                <a:shade val="63000"/>
+                <a:satMod val="120000"/>
+              </a:schemeClr>
+            </a:gs>
+          </a:gsLst>
+          <a:lin ang="5400000" scaled="0"/>
+        </a:gradFill>
+      </a:bgFillStyleLst>
+    </a:fmtScheme>
+  </a:themeElements>
+  <a:objectDefaults/>
+  <a:extraClrSchemeLst/>
+  <a:extLst>
+    <a:ext uri="{05A4C25C-085E-4340-85A3-A5531E510DB2}">
+      <thm15:themeFamily xmlns:thm15="http://schemas.microsoft.com/office/thememl/2012/main" name="Office Theme" id="{62F939B6-93AF-4DB8-9C6B-D6C7DFDC589F}" vid="{4A3C46E8-61CC-4603-A589-7422A47A8E4A}"/>
+    </a:ext>
+  </a:extLst>
+</a:theme>
 </file>
--- a/Report notes/GDL_PorosityDistribution.pptx
+++ b/Report notes/GDL_PorosityDistribution.pptx
@@ -5,18 +5,19 @@
     <p:sldMasterId id="2147483660" r:id="rId1"/>
   </p:sldMasterIdLst>
   <p:notesMasterIdLst>
-    <p:notesMasterId r:id="rId11"/>
+    <p:notesMasterId r:id="rId12"/>
   </p:notesMasterIdLst>
   <p:sldIdLst>
     <p:sldId id="261" r:id="rId2"/>
-    <p:sldId id="258" r:id="rId3"/>
-    <p:sldId id="264" r:id="rId4"/>
-    <p:sldId id="259" r:id="rId5"/>
-    <p:sldId id="262" r:id="rId6"/>
-    <p:sldId id="260" r:id="rId7"/>
-    <p:sldId id="256" r:id="rId8"/>
-    <p:sldId id="257" r:id="rId9"/>
-    <p:sldId id="263" r:id="rId10"/>
+    <p:sldId id="265" r:id="rId3"/>
+    <p:sldId id="258" r:id="rId4"/>
+    <p:sldId id="264" r:id="rId5"/>
+    <p:sldId id="259" r:id="rId6"/>
+    <p:sldId id="262" r:id="rId7"/>
+    <p:sldId id="260" r:id="rId8"/>
+    <p:sldId id="256" r:id="rId9"/>
+    <p:sldId id="257" r:id="rId10"/>
+    <p:sldId id="263" r:id="rId11"/>
   </p:sldIdLst>
   <p:sldSz cx="9144000" cy="6858000" type="screen4x3"/>
   <p:notesSz cx="6858000" cy="9144000"/>
@@ -158,9 +159,9 @@
     </p:extLst>
   </p:cm>
   <p:cm authorId="1" dt="2019-05-16T21:44:48.782" idx="3">
-    <p:pos x="4134" y="3492"/>
+    <p:pos x="3713" y="3293"/>
     <p:text>气体扩散的特性本质是分子碰撞的结果，催化层、扩散层以及流道内都存在这种现象，但是对于催化层来说，由于其孔隙直径非常小接近分子碰撞的平均自由程，因此分子和壁面之间的也会发生碰撞，则努森扩散变得十分重要，根据努森数可以判断努森扩散否占主导地位</p:text>
-    <p:extLst>
+    <p:extLst mod="1">
       <p:ext uri="{C676402C-5697-4E1C-873F-D02D1690AC5C}">
         <p15:threadingInfo xmlns:p15="http://schemas.microsoft.com/office/powerpoint/2012/main" timeZoneBias="-480"/>
       </p:ext>
@@ -176,9 +177,9 @@
     </p:extLst>
   </p:cm>
   <p:cm authorId="1" dt="2019-05-16T22:09:01.193" idx="5">
-    <p:pos x="3940" y="527"/>
+    <p:pos x="3468" y="453"/>
     <p:text>质子在通过质子交互膜时，往往要携带水分以水合氢离子的方式传递，由于质子传导引起的膜内水的传输称为电渗拖曳</p:text>
-    <p:extLst>
+    <p:extLst mod="1">
       <p:ext uri="{C676402C-5697-4E1C-873F-D02D1690AC5C}">
         <p15:threadingInfo xmlns:p15="http://schemas.microsoft.com/office/powerpoint/2012/main" timeZoneBias="-480"/>
       </p:ext>
@@ -269,7 +270,7 @@
           <a:p>
             <a:fld id="{4E31AF11-D304-43EE-B6E4-B029EBD63324}" type="datetimeFigureOut">
               <a:rPr lang="zh-CN" altLang="en-US" smtClean="0"/>
-              <a:t>2019/5/17</a:t>
+              <a:t>2019/5/20</a:t>
             </a:fld>
             <a:endParaRPr lang="zh-CN" altLang="en-US"/>
           </a:p>
@@ -752,7 +753,7 @@
           <a:p>
             <a:fld id="{0D931F99-1544-4821-BA39-7D82BFF6D049}" type="datetimeFigureOut">
               <a:rPr lang="zh-CN" altLang="en-US" smtClean="0"/>
-              <a:t>2019/5/17</a:t>
+              <a:t>2019/5/20</a:t>
             </a:fld>
             <a:endParaRPr lang="zh-CN" altLang="en-US"/>
           </a:p>
@@ -922,7 +923,7 @@
           <a:p>
             <a:fld id="{0D931F99-1544-4821-BA39-7D82BFF6D049}" type="datetimeFigureOut">
               <a:rPr lang="zh-CN" altLang="en-US" smtClean="0"/>
-              <a:t>2019/5/17</a:t>
+              <a:t>2019/5/20</a:t>
             </a:fld>
             <a:endParaRPr lang="zh-CN" altLang="en-US"/>
           </a:p>
@@ -1102,7 +1103,7 @@
           <a:p>
             <a:fld id="{0D931F99-1544-4821-BA39-7D82BFF6D049}" type="datetimeFigureOut">
               <a:rPr lang="zh-CN" altLang="en-US" smtClean="0"/>
-              <a:t>2019/5/17</a:t>
+              <a:t>2019/5/20</a:t>
             </a:fld>
             <a:endParaRPr lang="zh-CN" altLang="en-US"/>
           </a:p>
@@ -1272,7 +1273,7 @@
           <a:p>
             <a:fld id="{0D931F99-1544-4821-BA39-7D82BFF6D049}" type="datetimeFigureOut">
               <a:rPr lang="zh-CN" altLang="en-US" smtClean="0"/>
-              <a:t>2019/5/17</a:t>
+              <a:t>2019/5/20</a:t>
             </a:fld>
             <a:endParaRPr lang="zh-CN" altLang="en-US"/>
           </a:p>
@@ -1516,7 +1517,7 @@
           <a:p>
             <a:fld id="{0D931F99-1544-4821-BA39-7D82BFF6D049}" type="datetimeFigureOut">
               <a:rPr lang="zh-CN" altLang="en-US" smtClean="0"/>
-              <a:t>2019/5/17</a:t>
+              <a:t>2019/5/20</a:t>
             </a:fld>
             <a:endParaRPr lang="zh-CN" altLang="en-US"/>
           </a:p>
@@ -1748,7 +1749,7 @@
           <a:p>
             <a:fld id="{0D931F99-1544-4821-BA39-7D82BFF6D049}" type="datetimeFigureOut">
               <a:rPr lang="zh-CN" altLang="en-US" smtClean="0"/>
-              <a:t>2019/5/17</a:t>
+              <a:t>2019/5/20</a:t>
             </a:fld>
             <a:endParaRPr lang="zh-CN" altLang="en-US"/>
           </a:p>
@@ -2115,7 +2116,7 @@
           <a:p>
             <a:fld id="{0D931F99-1544-4821-BA39-7D82BFF6D049}" type="datetimeFigureOut">
               <a:rPr lang="zh-CN" altLang="en-US" smtClean="0"/>
-              <a:t>2019/5/17</a:t>
+              <a:t>2019/5/20</a:t>
             </a:fld>
             <a:endParaRPr lang="zh-CN" altLang="en-US"/>
           </a:p>
@@ -2233,7 +2234,7 @@
           <a:p>
             <a:fld id="{0D931F99-1544-4821-BA39-7D82BFF6D049}" type="datetimeFigureOut">
               <a:rPr lang="zh-CN" altLang="en-US" smtClean="0"/>
-              <a:t>2019/5/17</a:t>
+              <a:t>2019/5/20</a:t>
             </a:fld>
             <a:endParaRPr lang="zh-CN" altLang="en-US"/>
           </a:p>
@@ -2328,7 +2329,7 @@
           <a:p>
             <a:fld id="{0D931F99-1544-4821-BA39-7D82BFF6D049}" type="datetimeFigureOut">
               <a:rPr lang="zh-CN" altLang="en-US" smtClean="0"/>
-              <a:t>2019/5/17</a:t>
+              <a:t>2019/5/20</a:t>
             </a:fld>
             <a:endParaRPr lang="zh-CN" altLang="en-US"/>
           </a:p>
@@ -2605,7 +2606,7 @@
           <a:p>
             <a:fld id="{0D931F99-1544-4821-BA39-7D82BFF6D049}" type="datetimeFigureOut">
               <a:rPr lang="zh-CN" altLang="en-US" smtClean="0"/>
-              <a:t>2019/5/17</a:t>
+              <a:t>2019/5/20</a:t>
             </a:fld>
             <a:endParaRPr lang="zh-CN" altLang="en-US"/>
           </a:p>
@@ -2862,7 +2863,7 @@
           <a:p>
             <a:fld id="{0D931F99-1544-4821-BA39-7D82BFF6D049}" type="datetimeFigureOut">
               <a:rPr lang="zh-CN" altLang="en-US" smtClean="0"/>
-              <a:t>2019/5/17</a:t>
+              <a:t>2019/5/20</a:t>
             </a:fld>
             <a:endParaRPr lang="zh-CN" altLang="en-US"/>
           </a:p>
@@ -3075,7 +3076,7 @@
           <a:p>
             <a:fld id="{0D931F99-1544-4821-BA39-7D82BFF6D049}" type="datetimeFigureOut">
               <a:rPr lang="zh-CN" altLang="en-US" smtClean="0"/>
-              <a:t>2019/5/17</a:t>
+              <a:t>2019/5/20</a:t>
             </a:fld>
             <a:endParaRPr lang="zh-CN" altLang="en-US"/>
           </a:p>
@@ -3739,7 +3740,7 @@
         </p:blipFill>
         <p:spPr>
           <a:xfrm>
-            <a:off x="-747362" y="396809"/>
+            <a:off x="-860252" y="595515"/>
             <a:ext cx="6425671" cy="3454116"/>
           </a:xfrm>
           <a:prstGeom prst="rect">
@@ -3799,7 +3800,7 @@
         </p:blipFill>
         <p:spPr>
           <a:xfrm>
-            <a:off x="-2042623" y="2882544"/>
+            <a:off x="3161555" y="2950277"/>
             <a:ext cx="5838825" cy="4229100"/>
           </a:xfrm>
           <a:prstGeom prst="rect">
@@ -3817,8 +3818,8 @@
         </p:nvSpPr>
         <p:spPr bwMode="auto">
           <a:xfrm>
-            <a:off x="2810933" y="-1598433"/>
-            <a:ext cx="6130292" cy="8710077"/>
+            <a:off x="2352584" y="-153455"/>
+            <a:ext cx="6130292" cy="8094524"/>
           </a:xfrm>
           <a:prstGeom prst="rect">
             <a:avLst/>
@@ -4393,7 +4394,15 @@
                 <a:ea typeface="微软雅黑" panose="020B0503020204020204" pitchFamily="34" charset="-122"/>
                 <a:cs typeface="Times New Roman" panose="02020603050405020304" pitchFamily="18" charset="0"/>
               </a:rPr>
-              <a:t>g +</a:t>
+              <a:t>l </a:t>
+            </a:r>
+            <a:r>
+              <a:rPr lang="en-US" altLang="zh-CN" sz="2000" dirty="0">
+                <a:latin typeface="微软雅黑" panose="020B0503020204020204" pitchFamily="34" charset="-122"/>
+                <a:ea typeface="微软雅黑" panose="020B0503020204020204" pitchFamily="34" charset="-122"/>
+                <a:cs typeface="Times New Roman" panose="02020603050405020304" pitchFamily="18" charset="0"/>
+              </a:rPr>
+              <a:t>+g +</a:t>
             </a:r>
             <a:r>
               <a:rPr lang="zh-CN" altLang="en-US" sz="2000" dirty="0">
@@ -4401,63 +4410,47 @@
                 <a:ea typeface="微软雅黑" panose="020B0503020204020204" pitchFamily="34" charset="-122"/>
                 <a:cs typeface="Times New Roman" panose="02020603050405020304" pitchFamily="18" charset="0"/>
               </a:rPr>
-              <a:t>化学位梯度（</a:t>
-            </a:r>
+              <a:t>化学位梯度（扩散）</a:t>
+            </a:r>
+            <a:r>
+              <a:rPr lang="en-US" altLang="zh-CN" sz="2000" dirty="0">
+                <a:latin typeface="微软雅黑" panose="020B0503020204020204" pitchFamily="34" charset="-122"/>
+                <a:ea typeface="微软雅黑" panose="020B0503020204020204" pitchFamily="34" charset="-122"/>
+                <a:cs typeface="Times New Roman" panose="02020603050405020304" pitchFamily="18" charset="0"/>
+              </a:rPr>
+              <a:t>+ GDL</a:t>
+            </a:r>
+            <a:r>
+              <a:rPr lang="zh-CN" altLang="en-US" sz="2000" dirty="0">
+                <a:latin typeface="微软雅黑" panose="020B0503020204020204" pitchFamily="34" charset="-122"/>
+                <a:ea typeface="微软雅黑" panose="020B0503020204020204" pitchFamily="34" charset="-122"/>
+                <a:cs typeface="Times New Roman" panose="02020603050405020304" pitchFamily="18" charset="0"/>
+              </a:rPr>
+              <a:t>到</a:t>
+            </a:r>
+            <a:r>
+              <a:rPr lang="en-US" altLang="zh-CN" sz="2000" dirty="0">
+                <a:latin typeface="微软雅黑" panose="020B0503020204020204" pitchFamily="34" charset="-122"/>
+                <a:ea typeface="微软雅黑" panose="020B0503020204020204" pitchFamily="34" charset="-122"/>
+                <a:cs typeface="Times New Roman" panose="02020603050405020304" pitchFamily="18" charset="0"/>
+              </a:rPr>
+              <a:t>CL</a:t>
+            </a:r>
+          </a:p>
+          <a:p>
+            <a:pPr marL="342900" indent="-342900">
+              <a:spcBef>
+                <a:spcPct val="0"/>
+              </a:spcBef>
+              <a:buSzPct val="110000"/>
+            </a:pPr>
             <a:r>
               <a:rPr lang="zh-CN" altLang="en-US" sz="2000" dirty="0" smtClean="0">
                 <a:latin typeface="微软雅黑" panose="020B0503020204020204" pitchFamily="34" charset="-122"/>
                 <a:ea typeface="微软雅黑" panose="020B0503020204020204" pitchFamily="34" charset="-122"/>
                 <a:cs typeface="Times New Roman" panose="02020603050405020304" pitchFamily="18" charset="0"/>
               </a:rPr>
-              <a:t>扩散）</a:t>
-            </a:r>
-            <a:r>
-              <a:rPr lang="en-US" altLang="zh-CN" sz="2000" dirty="0" smtClean="0">
-                <a:latin typeface="微软雅黑" panose="020B0503020204020204" pitchFamily="34" charset="-122"/>
-                <a:ea typeface="微软雅黑" panose="020B0503020204020204" pitchFamily="34" charset="-122"/>
-                <a:cs typeface="Times New Roman" panose="02020603050405020304" pitchFamily="18" charset="0"/>
-              </a:rPr>
-              <a:t>+ GDL</a:t>
-            </a:r>
-            <a:r>
-              <a:rPr lang="zh-CN" altLang="en-US" sz="2000" dirty="0" smtClean="0">
-                <a:latin typeface="微软雅黑" panose="020B0503020204020204" pitchFamily="34" charset="-122"/>
-                <a:ea typeface="微软雅黑" panose="020B0503020204020204" pitchFamily="34" charset="-122"/>
-                <a:cs typeface="Times New Roman" panose="02020603050405020304" pitchFamily="18" charset="0"/>
-              </a:rPr>
-              <a:t>到</a:t>
-            </a:r>
-            <a:r>
-              <a:rPr lang="en-US" altLang="zh-CN" sz="2000" dirty="0" smtClean="0">
-                <a:latin typeface="微软雅黑" panose="020B0503020204020204" pitchFamily="34" charset="-122"/>
-                <a:ea typeface="微软雅黑" panose="020B0503020204020204" pitchFamily="34" charset="-122"/>
-                <a:cs typeface="Times New Roman" panose="02020603050405020304" pitchFamily="18" charset="0"/>
-              </a:rPr>
-              <a:t>CL</a:t>
-            </a:r>
-          </a:p>
-          <a:p>
-            <a:pPr marL="342900" indent="-342900">
-              <a:spcBef>
-                <a:spcPct val="0"/>
-              </a:spcBef>
-              <a:buSzPct val="110000"/>
-            </a:pPr>
-            <a:r>
-              <a:rPr lang="en-US" altLang="zh-CN" sz="2000" dirty="0">
-                <a:latin typeface="微软雅黑" panose="020B0503020204020204" pitchFamily="34" charset="-122"/>
-                <a:ea typeface="微软雅黑" panose="020B0503020204020204" pitchFamily="34" charset="-122"/>
-                <a:cs typeface="Times New Roman" panose="02020603050405020304" pitchFamily="18" charset="0"/>
-              </a:rPr>
-              <a:t>l</a:t>
-            </a:r>
-            <a:r>
-              <a:rPr lang="en-US" altLang="zh-CN" sz="2000" dirty="0" smtClean="0">
-                <a:latin typeface="微软雅黑" panose="020B0503020204020204" pitchFamily="34" charset="-122"/>
-                <a:ea typeface="微软雅黑" panose="020B0503020204020204" pitchFamily="34" charset="-122"/>
-                <a:cs typeface="Times New Roman" panose="02020603050405020304" pitchFamily="18" charset="0"/>
-              </a:rPr>
-              <a:t> +</a:t>
+              <a:t>化学位</a:t>
             </a:r>
             <a:r>
               <a:rPr lang="zh-CN" altLang="en-US" sz="2000" dirty="0">
@@ -4465,7 +4458,7 @@
                 <a:ea typeface="微软雅黑" panose="020B0503020204020204" pitchFamily="34" charset="-122"/>
                 <a:cs typeface="Times New Roman" panose="02020603050405020304" pitchFamily="18" charset="0"/>
               </a:rPr>
-              <a:t>化学位梯度</a:t>
+              <a:t>梯度</a:t>
             </a:r>
             <a:r>
               <a:rPr lang="zh-CN" altLang="en-US" sz="2000" dirty="0" smtClean="0">
@@ -5080,67 +5073,13 @@
               </a:rPr>
               <a:t>PEM</a:t>
             </a:r>
-            <a:r>
-              <a:rPr lang="zh-CN" altLang="en-US" sz="2000" dirty="0" smtClean="0">
-                <a:latin typeface="微软雅黑" panose="020B0503020204020204" pitchFamily="34" charset="-122"/>
-                <a:ea typeface="微软雅黑" panose="020B0503020204020204" pitchFamily="34" charset="-122"/>
-                <a:cs typeface="Times New Roman" panose="02020603050405020304" pitchFamily="18" charset="0"/>
-              </a:rPr>
-              <a:t>，</a:t>
-            </a:r>
-            <a:r>
-              <a:rPr lang="en-US" altLang="zh-CN" sz="2000" dirty="0" err="1" smtClean="0">
-                <a:latin typeface="微软雅黑" panose="020B0503020204020204" pitchFamily="34" charset="-122"/>
-                <a:ea typeface="微软雅黑" panose="020B0503020204020204" pitchFamily="34" charset="-122"/>
-                <a:cs typeface="Times New Roman" panose="02020603050405020304" pitchFamily="18" charset="0"/>
-              </a:rPr>
-              <a:t>CL</a:t>
-            </a:r>
-            <a:r>
-              <a:rPr lang="en-US" altLang="zh-CN" sz="2000" baseline="-25000" dirty="0" err="1" smtClean="0">
-                <a:latin typeface="微软雅黑" panose="020B0503020204020204" pitchFamily="34" charset="-122"/>
-                <a:ea typeface="微软雅黑" panose="020B0503020204020204" pitchFamily="34" charset="-122"/>
-                <a:cs typeface="Times New Roman" panose="02020603050405020304" pitchFamily="18" charset="0"/>
-              </a:rPr>
-              <a:t>c</a:t>
-            </a:r>
-            <a:r>
-              <a:rPr lang="zh-CN" altLang="en-US" sz="2000" dirty="0" smtClean="0">
-                <a:latin typeface="微软雅黑" panose="020B0503020204020204" pitchFamily="34" charset="-122"/>
-                <a:ea typeface="微软雅黑" panose="020B0503020204020204" pitchFamily="34" charset="-122"/>
-                <a:cs typeface="Times New Roman" panose="02020603050405020304" pitchFamily="18" charset="0"/>
-              </a:rPr>
-              <a:t>到</a:t>
-            </a:r>
-            <a:r>
-              <a:rPr lang="en-US" altLang="zh-CN" sz="2000" dirty="0" err="1" smtClean="0">
-                <a:latin typeface="微软雅黑" panose="020B0503020204020204" pitchFamily="34" charset="-122"/>
-                <a:ea typeface="微软雅黑" panose="020B0503020204020204" pitchFamily="34" charset="-122"/>
-                <a:cs typeface="Times New Roman" panose="02020603050405020304" pitchFamily="18" charset="0"/>
-              </a:rPr>
-              <a:t>GDL</a:t>
-            </a:r>
-            <a:r>
-              <a:rPr lang="en-US" altLang="zh-CN" sz="2000" baseline="-25000" dirty="0" err="1" smtClean="0">
-                <a:latin typeface="微软雅黑" panose="020B0503020204020204" pitchFamily="34" charset="-122"/>
-                <a:ea typeface="微软雅黑" panose="020B0503020204020204" pitchFamily="34" charset="-122"/>
-                <a:cs typeface="Times New Roman" panose="02020603050405020304" pitchFamily="18" charset="0"/>
-              </a:rPr>
-              <a:t>c</a:t>
-            </a:r>
-            <a:endParaRPr lang="en-US" altLang="zh-CN" sz="2000" baseline="-25000" dirty="0" smtClean="0">
-              <a:latin typeface="微软雅黑" panose="020B0503020204020204" pitchFamily="34" charset="-122"/>
-              <a:ea typeface="微软雅黑" panose="020B0503020204020204" pitchFamily="34" charset="-122"/>
-              <a:cs typeface="Times New Roman" panose="02020603050405020304" pitchFamily="18" charset="0"/>
-            </a:endParaRPr>
-          </a:p>
-          <a:p>
-            <a:pPr>
+          </a:p>
+          <a:p>
+            <a:pPr marL="342900" indent="-342900">
               <a:spcBef>
                 <a:spcPct val="0"/>
               </a:spcBef>
               <a:buSzPct val="110000"/>
-              <a:buNone/>
             </a:pPr>
             <a:endParaRPr lang="en-US" altLang="zh-CN" sz="2000" dirty="0" smtClean="0">
               <a:latin typeface="微软雅黑" panose="020B0503020204020204" pitchFamily="34" charset="-122"/>
@@ -5342,7 +5281,1136 @@
 </p:sld>
 </file>
 
+<file path=ppt/slides/slide10.xml><?xml version="1.0" encoding="utf-8"?>
+<p:sld xmlns:a="http://schemas.openxmlformats.org/drawingml/2006/main" xmlns:r="http://schemas.openxmlformats.org/officeDocument/2006/relationships" xmlns:p="http://schemas.openxmlformats.org/presentationml/2006/main">
+  <p:cSld>
+    <p:spTree>
+      <p:nvGrpSpPr>
+        <p:cNvPr id="1" name=""/>
+        <p:cNvGrpSpPr/>
+        <p:nvPr/>
+      </p:nvGrpSpPr>
+      <p:grpSpPr>
+        <a:xfrm>
+          <a:off x="0" y="0"/>
+          <a:ext cx="0" cy="0"/>
+          <a:chOff x="0" y="0"/>
+          <a:chExt cx="0" cy="0"/>
+        </a:xfrm>
+      </p:grpSpPr>
+    </p:spTree>
+    <p:extLst>
+      <p:ext uri="{BB962C8B-B14F-4D97-AF65-F5344CB8AC3E}">
+        <p14:creationId xmlns:p14="http://schemas.microsoft.com/office/powerpoint/2010/main" val="1164111951"/>
+      </p:ext>
+    </p:extLst>
+  </p:cSld>
+  <p:clrMapOvr>
+    <a:masterClrMapping/>
+  </p:clrMapOvr>
+</p:sld>
+</file>
+
 <file path=ppt/slides/slide2.xml><?xml version="1.0" encoding="utf-8"?>
+<p:sld xmlns:a="http://schemas.openxmlformats.org/drawingml/2006/main" xmlns:r="http://schemas.openxmlformats.org/officeDocument/2006/relationships" xmlns:p="http://schemas.openxmlformats.org/presentationml/2006/main">
+  <p:cSld>
+    <p:spTree>
+      <p:nvGrpSpPr>
+        <p:cNvPr id="1" name=""/>
+        <p:cNvGrpSpPr/>
+        <p:nvPr/>
+      </p:nvGrpSpPr>
+      <p:grpSpPr>
+        <a:xfrm>
+          <a:off x="0" y="0"/>
+          <a:ext cx="0" cy="0"/>
+          <a:chOff x="0" y="0"/>
+          <a:chExt cx="0" cy="0"/>
+        </a:xfrm>
+      </p:grpSpPr>
+      <p:sp>
+        <p:nvSpPr>
+          <p:cNvPr id="15" name="内容占位符 2"/>
+          <p:cNvSpPr txBox="1">
+            <a:spLocks/>
+          </p:cNvSpPr>
+          <p:nvPr/>
+        </p:nvSpPr>
+        <p:spPr bwMode="auto">
+          <a:xfrm>
+            <a:off x="73025" y="4618038"/>
+            <a:ext cx="9001125" cy="2184400"/>
+          </a:xfrm>
+          <a:prstGeom prst="rect">
+            <a:avLst/>
+          </a:prstGeom>
+          <a:noFill/>
+          <a:ln w="19050">
+            <a:solidFill>
+              <a:schemeClr val="accent1"/>
+            </a:solidFill>
+            <a:prstDash val="lgDash"/>
+            <a:miter lim="800000"/>
+            <a:headEnd/>
+            <a:tailEnd/>
+          </a:ln>
+          <a:extLst>
+            <a:ext uri="{909E8E84-426E-40DD-AFC4-6F175D3DCCD1}">
+              <a14:hiddenFill xmlns:a14="http://schemas.microsoft.com/office/drawing/2010/main">
+                <a:solidFill>
+                  <a:srgbClr val="FFFFFF"/>
+                </a:solidFill>
+              </a14:hiddenFill>
+            </a:ext>
+          </a:extLst>
+        </p:spPr>
+        <p:txBody>
+          <a:bodyPr/>
+          <a:lstStyle>
+            <a:lvl1pPr>
+              <a:spcBef>
+                <a:spcPct val="20000"/>
+              </a:spcBef>
+              <a:buFont typeface="Arial" panose="020B0604020202020204" pitchFamily="34" charset="0"/>
+              <a:buChar char="•"/>
+              <a:defRPr sz="3200">
+                <a:solidFill>
+                  <a:schemeClr val="tx1"/>
+                </a:solidFill>
+                <a:latin typeface="Calibri" panose="020F0502020204030204" pitchFamily="34" charset="0"/>
+                <a:ea typeface="宋体" panose="02010600030101010101" pitchFamily="2" charset="-122"/>
+                <a:sym typeface="Calibri" panose="020F0502020204030204" pitchFamily="34" charset="0"/>
+              </a:defRPr>
+            </a:lvl1pPr>
+            <a:lvl2pPr marL="742950" indent="-285750">
+              <a:spcBef>
+                <a:spcPct val="20000"/>
+              </a:spcBef>
+              <a:buFont typeface="Arial" panose="020B0604020202020204" pitchFamily="34" charset="0"/>
+              <a:buChar char="–"/>
+              <a:defRPr sz="2800">
+                <a:solidFill>
+                  <a:schemeClr val="tx1"/>
+                </a:solidFill>
+                <a:latin typeface="Calibri" panose="020F0502020204030204" pitchFamily="34" charset="0"/>
+                <a:ea typeface="宋体" panose="02010600030101010101" pitchFamily="2" charset="-122"/>
+                <a:sym typeface="Calibri" panose="020F0502020204030204" pitchFamily="34" charset="0"/>
+              </a:defRPr>
+            </a:lvl2pPr>
+            <a:lvl3pPr marL="1143000" indent="-228600">
+              <a:spcBef>
+                <a:spcPct val="20000"/>
+              </a:spcBef>
+              <a:buFont typeface="Arial" panose="020B0604020202020204" pitchFamily="34" charset="0"/>
+              <a:buChar char="•"/>
+              <a:defRPr sz="2400">
+                <a:solidFill>
+                  <a:schemeClr val="tx1"/>
+                </a:solidFill>
+                <a:latin typeface="Calibri" panose="020F0502020204030204" pitchFamily="34" charset="0"/>
+                <a:ea typeface="宋体" panose="02010600030101010101" pitchFamily="2" charset="-122"/>
+                <a:sym typeface="Calibri" panose="020F0502020204030204" pitchFamily="34" charset="0"/>
+              </a:defRPr>
+            </a:lvl3pPr>
+            <a:lvl4pPr marL="1600200" indent="-228600">
+              <a:spcBef>
+                <a:spcPct val="20000"/>
+              </a:spcBef>
+              <a:buFont typeface="Arial" panose="020B0604020202020204" pitchFamily="34" charset="0"/>
+              <a:buChar char="–"/>
+              <a:defRPr sz="2000">
+                <a:solidFill>
+                  <a:schemeClr val="tx1"/>
+                </a:solidFill>
+                <a:latin typeface="Calibri" panose="020F0502020204030204" pitchFamily="34" charset="0"/>
+                <a:ea typeface="宋体" panose="02010600030101010101" pitchFamily="2" charset="-122"/>
+                <a:sym typeface="Calibri" panose="020F0502020204030204" pitchFamily="34" charset="0"/>
+              </a:defRPr>
+            </a:lvl4pPr>
+            <a:lvl5pPr marL="2057400" indent="-228600">
+              <a:spcBef>
+                <a:spcPct val="20000"/>
+              </a:spcBef>
+              <a:buFont typeface="Arial" panose="020B0604020202020204" pitchFamily="34" charset="0"/>
+              <a:buChar char="»"/>
+              <a:defRPr sz="2000">
+                <a:solidFill>
+                  <a:schemeClr val="tx1"/>
+                </a:solidFill>
+                <a:latin typeface="Calibri" panose="020F0502020204030204" pitchFamily="34" charset="0"/>
+                <a:ea typeface="宋体" panose="02010600030101010101" pitchFamily="2" charset="-122"/>
+                <a:sym typeface="Calibri" panose="020F0502020204030204" pitchFamily="34" charset="0"/>
+              </a:defRPr>
+            </a:lvl5pPr>
+            <a:lvl6pPr marL="2514600" indent="-228600" eaLnBrk="0" fontAlgn="base" hangingPunct="0">
+              <a:spcBef>
+                <a:spcPct val="20000"/>
+              </a:spcBef>
+              <a:spcAft>
+                <a:spcPct val="0"/>
+              </a:spcAft>
+              <a:buFont typeface="Arial" panose="020B0604020202020204" pitchFamily="34" charset="0"/>
+              <a:buChar char="»"/>
+              <a:defRPr sz="2000">
+                <a:solidFill>
+                  <a:schemeClr val="tx1"/>
+                </a:solidFill>
+                <a:latin typeface="Calibri" panose="020F0502020204030204" pitchFamily="34" charset="0"/>
+                <a:ea typeface="宋体" panose="02010600030101010101" pitchFamily="2" charset="-122"/>
+                <a:sym typeface="Calibri" panose="020F0502020204030204" pitchFamily="34" charset="0"/>
+              </a:defRPr>
+            </a:lvl6pPr>
+            <a:lvl7pPr marL="2971800" indent="-228600" eaLnBrk="0" fontAlgn="base" hangingPunct="0">
+              <a:spcBef>
+                <a:spcPct val="20000"/>
+              </a:spcBef>
+              <a:spcAft>
+                <a:spcPct val="0"/>
+              </a:spcAft>
+              <a:buFont typeface="Arial" panose="020B0604020202020204" pitchFamily="34" charset="0"/>
+              <a:buChar char="»"/>
+              <a:defRPr sz="2000">
+                <a:solidFill>
+                  <a:schemeClr val="tx1"/>
+                </a:solidFill>
+                <a:latin typeface="Calibri" panose="020F0502020204030204" pitchFamily="34" charset="0"/>
+                <a:ea typeface="宋体" panose="02010600030101010101" pitchFamily="2" charset="-122"/>
+                <a:sym typeface="Calibri" panose="020F0502020204030204" pitchFamily="34" charset="0"/>
+              </a:defRPr>
+            </a:lvl7pPr>
+            <a:lvl8pPr marL="3429000" indent="-228600" eaLnBrk="0" fontAlgn="base" hangingPunct="0">
+              <a:spcBef>
+                <a:spcPct val="20000"/>
+              </a:spcBef>
+              <a:spcAft>
+                <a:spcPct val="0"/>
+              </a:spcAft>
+              <a:buFont typeface="Arial" panose="020B0604020202020204" pitchFamily="34" charset="0"/>
+              <a:buChar char="»"/>
+              <a:defRPr sz="2000">
+                <a:solidFill>
+                  <a:schemeClr val="tx1"/>
+                </a:solidFill>
+                <a:latin typeface="Calibri" panose="020F0502020204030204" pitchFamily="34" charset="0"/>
+                <a:ea typeface="宋体" panose="02010600030101010101" pitchFamily="2" charset="-122"/>
+                <a:sym typeface="Calibri" panose="020F0502020204030204" pitchFamily="34" charset="0"/>
+              </a:defRPr>
+            </a:lvl8pPr>
+            <a:lvl9pPr marL="3886200" indent="-228600" eaLnBrk="0" fontAlgn="base" hangingPunct="0">
+              <a:spcBef>
+                <a:spcPct val="20000"/>
+              </a:spcBef>
+              <a:spcAft>
+                <a:spcPct val="0"/>
+              </a:spcAft>
+              <a:buFont typeface="Arial" panose="020B0604020202020204" pitchFamily="34" charset="0"/>
+              <a:buChar char="»"/>
+              <a:defRPr sz="2000">
+                <a:solidFill>
+                  <a:schemeClr val="tx1"/>
+                </a:solidFill>
+                <a:latin typeface="Calibri" panose="020F0502020204030204" pitchFamily="34" charset="0"/>
+                <a:ea typeface="宋体" panose="02010600030101010101" pitchFamily="2" charset="-122"/>
+                <a:sym typeface="Calibri" panose="020F0502020204030204" pitchFamily="34" charset="0"/>
+              </a:defRPr>
+            </a:lvl9pPr>
+          </a:lstStyle>
+          <a:p>
+            <a:pPr eaLnBrk="1" hangingPunct="1">
+              <a:spcBef>
+                <a:spcPct val="0"/>
+              </a:spcBef>
+              <a:buFontTx/>
+              <a:buNone/>
+            </a:pPr>
+            <a:endParaRPr lang="en-US" altLang="zh-CN" sz="2400" b="1">
+              <a:latin typeface="微软雅黑" panose="020B0503020204020204" pitchFamily="34" charset="-122"/>
+              <a:ea typeface="微软雅黑" panose="020B0503020204020204" pitchFamily="34" charset="-122"/>
+              <a:cs typeface="Times New Roman" panose="02020603050405020304" pitchFamily="18" charset="0"/>
+            </a:endParaRPr>
+          </a:p>
+        </p:txBody>
+      </p:sp>
+      <p:sp>
+        <p:nvSpPr>
+          <p:cNvPr id="18" name="矩形 15"/>
+          <p:cNvSpPr>
+            <a:spLocks noChangeArrowheads="1"/>
+          </p:cNvSpPr>
+          <p:nvPr/>
+        </p:nvSpPr>
+        <p:spPr bwMode="auto">
+          <a:xfrm>
+            <a:off x="6973570" y="-52388"/>
+            <a:ext cx="2159566" cy="738664"/>
+          </a:xfrm>
+          <a:prstGeom prst="rect">
+            <a:avLst/>
+          </a:prstGeom>
+          <a:noFill/>
+          <a:ln>
+            <a:noFill/>
+          </a:ln>
+          <a:extLst>
+            <a:ext uri="{909E8E84-426E-40DD-AFC4-6F175D3DCCD1}">
+              <a14:hiddenFill xmlns:a14="http://schemas.microsoft.com/office/drawing/2010/main">
+                <a:solidFill>
+                  <a:srgbClr val="FFFFFF"/>
+                </a:solidFill>
+              </a14:hiddenFill>
+            </a:ext>
+            <a:ext uri="{91240B29-F687-4F45-9708-019B960494DF}">
+              <a14:hiddenLine xmlns:a14="http://schemas.microsoft.com/office/drawing/2010/main" w="9525">
+                <a:solidFill>
+                  <a:srgbClr val="000000"/>
+                </a:solidFill>
+                <a:miter lim="800000"/>
+                <a:headEnd/>
+                <a:tailEnd/>
+              </a14:hiddenLine>
+            </a:ext>
+          </a:extLst>
+        </p:spPr>
+        <p:txBody>
+          <a:bodyPr wrap="none">
+            <a:spAutoFit/>
+          </a:bodyPr>
+          <a:lstStyle>
+            <a:lvl1pPr>
+              <a:spcBef>
+                <a:spcPct val="20000"/>
+              </a:spcBef>
+              <a:buFont typeface="Arial" panose="020B0604020202020204" pitchFamily="34" charset="0"/>
+              <a:buChar char="•"/>
+              <a:defRPr sz="3200">
+                <a:solidFill>
+                  <a:schemeClr val="tx1"/>
+                </a:solidFill>
+                <a:latin typeface="Calibri" panose="020F0502020204030204" pitchFamily="34" charset="0"/>
+                <a:ea typeface="宋体" panose="02010600030101010101" pitchFamily="2" charset="-122"/>
+                <a:sym typeface="Calibri" panose="020F0502020204030204" pitchFamily="34" charset="0"/>
+              </a:defRPr>
+            </a:lvl1pPr>
+            <a:lvl2pPr marL="742950" indent="-285750">
+              <a:spcBef>
+                <a:spcPct val="20000"/>
+              </a:spcBef>
+              <a:buFont typeface="Arial" panose="020B0604020202020204" pitchFamily="34" charset="0"/>
+              <a:buChar char="–"/>
+              <a:defRPr sz="2800">
+                <a:solidFill>
+                  <a:schemeClr val="tx1"/>
+                </a:solidFill>
+                <a:latin typeface="Calibri" panose="020F0502020204030204" pitchFamily="34" charset="0"/>
+                <a:ea typeface="宋体" panose="02010600030101010101" pitchFamily="2" charset="-122"/>
+                <a:sym typeface="Calibri" panose="020F0502020204030204" pitchFamily="34" charset="0"/>
+              </a:defRPr>
+            </a:lvl2pPr>
+            <a:lvl3pPr marL="1143000" indent="-228600">
+              <a:spcBef>
+                <a:spcPct val="20000"/>
+              </a:spcBef>
+              <a:buFont typeface="Arial" panose="020B0604020202020204" pitchFamily="34" charset="0"/>
+              <a:buChar char="•"/>
+              <a:defRPr sz="2400">
+                <a:solidFill>
+                  <a:schemeClr val="tx1"/>
+                </a:solidFill>
+                <a:latin typeface="Calibri" panose="020F0502020204030204" pitchFamily="34" charset="0"/>
+                <a:ea typeface="宋体" panose="02010600030101010101" pitchFamily="2" charset="-122"/>
+                <a:sym typeface="Calibri" panose="020F0502020204030204" pitchFamily="34" charset="0"/>
+              </a:defRPr>
+            </a:lvl3pPr>
+            <a:lvl4pPr marL="1600200" indent="-228600">
+              <a:spcBef>
+                <a:spcPct val="20000"/>
+              </a:spcBef>
+              <a:buFont typeface="Arial" panose="020B0604020202020204" pitchFamily="34" charset="0"/>
+              <a:buChar char="–"/>
+              <a:defRPr sz="2000">
+                <a:solidFill>
+                  <a:schemeClr val="tx1"/>
+                </a:solidFill>
+                <a:latin typeface="Calibri" panose="020F0502020204030204" pitchFamily="34" charset="0"/>
+                <a:ea typeface="宋体" panose="02010600030101010101" pitchFamily="2" charset="-122"/>
+                <a:sym typeface="Calibri" panose="020F0502020204030204" pitchFamily="34" charset="0"/>
+              </a:defRPr>
+            </a:lvl4pPr>
+            <a:lvl5pPr marL="2057400" indent="-228600">
+              <a:spcBef>
+                <a:spcPct val="20000"/>
+              </a:spcBef>
+              <a:buFont typeface="Arial" panose="020B0604020202020204" pitchFamily="34" charset="0"/>
+              <a:buChar char="»"/>
+              <a:defRPr sz="2000">
+                <a:solidFill>
+                  <a:schemeClr val="tx1"/>
+                </a:solidFill>
+                <a:latin typeface="Calibri" panose="020F0502020204030204" pitchFamily="34" charset="0"/>
+                <a:ea typeface="宋体" panose="02010600030101010101" pitchFamily="2" charset="-122"/>
+                <a:sym typeface="Calibri" panose="020F0502020204030204" pitchFamily="34" charset="0"/>
+              </a:defRPr>
+            </a:lvl5pPr>
+            <a:lvl6pPr marL="2514600" indent="-228600" eaLnBrk="0" fontAlgn="base" hangingPunct="0">
+              <a:spcBef>
+                <a:spcPct val="20000"/>
+              </a:spcBef>
+              <a:spcAft>
+                <a:spcPct val="0"/>
+              </a:spcAft>
+              <a:buFont typeface="Arial" panose="020B0604020202020204" pitchFamily="34" charset="0"/>
+              <a:buChar char="»"/>
+              <a:defRPr sz="2000">
+                <a:solidFill>
+                  <a:schemeClr val="tx1"/>
+                </a:solidFill>
+                <a:latin typeface="Calibri" panose="020F0502020204030204" pitchFamily="34" charset="0"/>
+                <a:ea typeface="宋体" panose="02010600030101010101" pitchFamily="2" charset="-122"/>
+                <a:sym typeface="Calibri" panose="020F0502020204030204" pitchFamily="34" charset="0"/>
+              </a:defRPr>
+            </a:lvl6pPr>
+            <a:lvl7pPr marL="2971800" indent="-228600" eaLnBrk="0" fontAlgn="base" hangingPunct="0">
+              <a:spcBef>
+                <a:spcPct val="20000"/>
+              </a:spcBef>
+              <a:spcAft>
+                <a:spcPct val="0"/>
+              </a:spcAft>
+              <a:buFont typeface="Arial" panose="020B0604020202020204" pitchFamily="34" charset="0"/>
+              <a:buChar char="»"/>
+              <a:defRPr sz="2000">
+                <a:solidFill>
+                  <a:schemeClr val="tx1"/>
+                </a:solidFill>
+                <a:latin typeface="Calibri" panose="020F0502020204030204" pitchFamily="34" charset="0"/>
+                <a:ea typeface="宋体" panose="02010600030101010101" pitchFamily="2" charset="-122"/>
+                <a:sym typeface="Calibri" panose="020F0502020204030204" pitchFamily="34" charset="0"/>
+              </a:defRPr>
+            </a:lvl7pPr>
+            <a:lvl8pPr marL="3429000" indent="-228600" eaLnBrk="0" fontAlgn="base" hangingPunct="0">
+              <a:spcBef>
+                <a:spcPct val="20000"/>
+              </a:spcBef>
+              <a:spcAft>
+                <a:spcPct val="0"/>
+              </a:spcAft>
+              <a:buFont typeface="Arial" panose="020B0604020202020204" pitchFamily="34" charset="0"/>
+              <a:buChar char="»"/>
+              <a:defRPr sz="2000">
+                <a:solidFill>
+                  <a:schemeClr val="tx1"/>
+                </a:solidFill>
+                <a:latin typeface="Calibri" panose="020F0502020204030204" pitchFamily="34" charset="0"/>
+                <a:ea typeface="宋体" panose="02010600030101010101" pitchFamily="2" charset="-122"/>
+                <a:sym typeface="Calibri" panose="020F0502020204030204" pitchFamily="34" charset="0"/>
+              </a:defRPr>
+            </a:lvl8pPr>
+            <a:lvl9pPr marL="3886200" indent="-228600" eaLnBrk="0" fontAlgn="base" hangingPunct="0">
+              <a:spcBef>
+                <a:spcPct val="20000"/>
+              </a:spcBef>
+              <a:spcAft>
+                <a:spcPct val="0"/>
+              </a:spcAft>
+              <a:buFont typeface="Arial" panose="020B0604020202020204" pitchFamily="34" charset="0"/>
+              <a:buChar char="»"/>
+              <a:defRPr sz="2000">
+                <a:solidFill>
+                  <a:schemeClr val="tx1"/>
+                </a:solidFill>
+                <a:latin typeface="Calibri" panose="020F0502020204030204" pitchFamily="34" charset="0"/>
+                <a:ea typeface="宋体" panose="02010600030101010101" pitchFamily="2" charset="-122"/>
+                <a:sym typeface="Calibri" panose="020F0502020204030204" pitchFamily="34" charset="0"/>
+              </a:defRPr>
+            </a:lvl9pPr>
+          </a:lstStyle>
+          <a:p>
+            <a:pPr>
+              <a:lnSpc>
+                <a:spcPct val="150000"/>
+              </a:lnSpc>
+              <a:spcBef>
+                <a:spcPct val="0"/>
+              </a:spcBef>
+              <a:buFontTx/>
+              <a:buNone/>
+            </a:pPr>
+            <a:r>
+              <a:rPr lang="en-US" altLang="zh-CN" sz="2800" b="1" dirty="0" smtClean="0">
+                <a:solidFill>
+                  <a:srgbClr val="3333FF"/>
+                </a:solidFill>
+                <a:latin typeface="Times New Roman" panose="02020603050405020304" pitchFamily="18" charset="0"/>
+                <a:ea typeface="微软雅黑" panose="020B0503020204020204" pitchFamily="34" charset="-122"/>
+                <a:cs typeface="Times New Roman" panose="02020603050405020304" pitchFamily="18" charset="0"/>
+              </a:rPr>
+              <a:t>1</a:t>
+            </a:r>
+            <a:r>
+              <a:rPr lang="zh-CN" altLang="en-US" sz="2800" b="1" dirty="0" smtClean="0">
+                <a:solidFill>
+                  <a:srgbClr val="3333FF"/>
+                </a:solidFill>
+                <a:latin typeface="Times New Roman" panose="02020603050405020304" pitchFamily="18" charset="0"/>
+                <a:ea typeface="微软雅黑" panose="020B0503020204020204" pitchFamily="34" charset="-122"/>
+                <a:cs typeface="Times New Roman" panose="02020603050405020304" pitchFamily="18" charset="0"/>
+              </a:rPr>
+              <a:t>、问题描述</a:t>
+            </a:r>
+            <a:endParaRPr lang="zh-CN" altLang="en-US" sz="2800" b="1" dirty="0">
+              <a:solidFill>
+                <a:srgbClr val="3333FF"/>
+              </a:solidFill>
+              <a:latin typeface="微软雅黑" panose="020B0503020204020204" pitchFamily="34" charset="-122"/>
+              <a:ea typeface="微软雅黑" panose="020B0503020204020204" pitchFamily="34" charset="-122"/>
+              <a:cs typeface="Times New Roman" panose="02020603050405020304" pitchFamily="18" charset="0"/>
+            </a:endParaRPr>
+          </a:p>
+        </p:txBody>
+      </p:sp>
+      <p:sp>
+        <p:nvSpPr>
+          <p:cNvPr id="20" name="Text Box 7"/>
+          <p:cNvSpPr txBox="1">
+            <a:spLocks noChangeArrowheads="1"/>
+          </p:cNvSpPr>
+          <p:nvPr/>
+        </p:nvSpPr>
+        <p:spPr bwMode="auto">
+          <a:xfrm>
+            <a:off x="473075" y="4152900"/>
+            <a:ext cx="8288338" cy="341055"/>
+          </a:xfrm>
+          <a:prstGeom prst="rect">
+            <a:avLst/>
+          </a:prstGeom>
+          <a:noFill/>
+          <a:ln>
+            <a:noFill/>
+          </a:ln>
+          <a:extLst>
+            <a:ext uri="{909E8E84-426E-40DD-AFC4-6F175D3DCCD1}">
+              <a14:hiddenFill xmlns:a14="http://schemas.microsoft.com/office/drawing/2010/main">
+                <a:solidFill>
+                  <a:srgbClr val="FFFFFF"/>
+                </a:solidFill>
+              </a14:hiddenFill>
+            </a:ext>
+            <a:ext uri="{91240B29-F687-4F45-9708-019B960494DF}">
+              <a14:hiddenLine xmlns:a14="http://schemas.microsoft.com/office/drawing/2010/main" w="19050">
+                <a:solidFill>
+                  <a:srgbClr val="000000"/>
+                </a:solidFill>
+                <a:miter lim="800000"/>
+                <a:headEnd/>
+                <a:tailEnd/>
+              </a14:hiddenLine>
+            </a:ext>
+          </a:extLst>
+        </p:spPr>
+        <p:txBody>
+          <a:bodyPr>
+            <a:spAutoFit/>
+          </a:bodyPr>
+          <a:lstStyle>
+            <a:lvl1pPr>
+              <a:spcBef>
+                <a:spcPct val="20000"/>
+              </a:spcBef>
+              <a:buFont typeface="Arial" panose="020B0604020202020204" pitchFamily="34" charset="0"/>
+              <a:buChar char="•"/>
+              <a:defRPr sz="3200">
+                <a:solidFill>
+                  <a:schemeClr val="tx1"/>
+                </a:solidFill>
+                <a:latin typeface="Calibri" panose="020F0502020204030204" pitchFamily="34" charset="0"/>
+                <a:ea typeface="宋体" panose="02010600030101010101" pitchFamily="2" charset="-122"/>
+                <a:sym typeface="Calibri" panose="020F0502020204030204" pitchFamily="34" charset="0"/>
+              </a:defRPr>
+            </a:lvl1pPr>
+            <a:lvl2pPr marL="742950" indent="-285750">
+              <a:spcBef>
+                <a:spcPct val="20000"/>
+              </a:spcBef>
+              <a:buFont typeface="Arial" panose="020B0604020202020204" pitchFamily="34" charset="0"/>
+              <a:buChar char="–"/>
+              <a:defRPr sz="2800">
+                <a:solidFill>
+                  <a:schemeClr val="tx1"/>
+                </a:solidFill>
+                <a:latin typeface="Calibri" panose="020F0502020204030204" pitchFamily="34" charset="0"/>
+                <a:ea typeface="宋体" panose="02010600030101010101" pitchFamily="2" charset="-122"/>
+                <a:sym typeface="Calibri" panose="020F0502020204030204" pitchFamily="34" charset="0"/>
+              </a:defRPr>
+            </a:lvl2pPr>
+            <a:lvl3pPr marL="1143000" indent="-228600">
+              <a:spcBef>
+                <a:spcPct val="20000"/>
+              </a:spcBef>
+              <a:buFont typeface="Arial" panose="020B0604020202020204" pitchFamily="34" charset="0"/>
+              <a:buChar char="•"/>
+              <a:defRPr sz="2400">
+                <a:solidFill>
+                  <a:schemeClr val="tx1"/>
+                </a:solidFill>
+                <a:latin typeface="Calibri" panose="020F0502020204030204" pitchFamily="34" charset="0"/>
+                <a:ea typeface="宋体" panose="02010600030101010101" pitchFamily="2" charset="-122"/>
+                <a:sym typeface="Calibri" panose="020F0502020204030204" pitchFamily="34" charset="0"/>
+              </a:defRPr>
+            </a:lvl3pPr>
+            <a:lvl4pPr marL="1600200" indent="-228600">
+              <a:spcBef>
+                <a:spcPct val="20000"/>
+              </a:spcBef>
+              <a:buFont typeface="Arial" panose="020B0604020202020204" pitchFamily="34" charset="0"/>
+              <a:buChar char="–"/>
+              <a:defRPr sz="2000">
+                <a:solidFill>
+                  <a:schemeClr val="tx1"/>
+                </a:solidFill>
+                <a:latin typeface="Calibri" panose="020F0502020204030204" pitchFamily="34" charset="0"/>
+                <a:ea typeface="宋体" panose="02010600030101010101" pitchFamily="2" charset="-122"/>
+                <a:sym typeface="Calibri" panose="020F0502020204030204" pitchFamily="34" charset="0"/>
+              </a:defRPr>
+            </a:lvl4pPr>
+            <a:lvl5pPr marL="2057400" indent="-228600">
+              <a:spcBef>
+                <a:spcPct val="20000"/>
+              </a:spcBef>
+              <a:buFont typeface="Arial" panose="020B0604020202020204" pitchFamily="34" charset="0"/>
+              <a:buChar char="»"/>
+              <a:defRPr sz="2000">
+                <a:solidFill>
+                  <a:schemeClr val="tx1"/>
+                </a:solidFill>
+                <a:latin typeface="Calibri" panose="020F0502020204030204" pitchFamily="34" charset="0"/>
+                <a:ea typeface="宋体" panose="02010600030101010101" pitchFamily="2" charset="-122"/>
+                <a:sym typeface="Calibri" panose="020F0502020204030204" pitchFamily="34" charset="0"/>
+              </a:defRPr>
+            </a:lvl5pPr>
+            <a:lvl6pPr marL="2514600" indent="-228600" eaLnBrk="0" fontAlgn="base" hangingPunct="0">
+              <a:spcBef>
+                <a:spcPct val="20000"/>
+              </a:spcBef>
+              <a:spcAft>
+                <a:spcPct val="0"/>
+              </a:spcAft>
+              <a:buFont typeface="Arial" panose="020B0604020202020204" pitchFamily="34" charset="0"/>
+              <a:buChar char="»"/>
+              <a:defRPr sz="2000">
+                <a:solidFill>
+                  <a:schemeClr val="tx1"/>
+                </a:solidFill>
+                <a:latin typeface="Calibri" panose="020F0502020204030204" pitchFamily="34" charset="0"/>
+                <a:ea typeface="宋体" panose="02010600030101010101" pitchFamily="2" charset="-122"/>
+                <a:sym typeface="Calibri" panose="020F0502020204030204" pitchFamily="34" charset="0"/>
+              </a:defRPr>
+            </a:lvl6pPr>
+            <a:lvl7pPr marL="2971800" indent="-228600" eaLnBrk="0" fontAlgn="base" hangingPunct="0">
+              <a:spcBef>
+                <a:spcPct val="20000"/>
+              </a:spcBef>
+              <a:spcAft>
+                <a:spcPct val="0"/>
+              </a:spcAft>
+              <a:buFont typeface="Arial" panose="020B0604020202020204" pitchFamily="34" charset="0"/>
+              <a:buChar char="»"/>
+              <a:defRPr sz="2000">
+                <a:solidFill>
+                  <a:schemeClr val="tx1"/>
+                </a:solidFill>
+                <a:latin typeface="Calibri" panose="020F0502020204030204" pitchFamily="34" charset="0"/>
+                <a:ea typeface="宋体" panose="02010600030101010101" pitchFamily="2" charset="-122"/>
+                <a:sym typeface="Calibri" panose="020F0502020204030204" pitchFamily="34" charset="0"/>
+              </a:defRPr>
+            </a:lvl7pPr>
+            <a:lvl8pPr marL="3429000" indent="-228600" eaLnBrk="0" fontAlgn="base" hangingPunct="0">
+              <a:spcBef>
+                <a:spcPct val="20000"/>
+              </a:spcBef>
+              <a:spcAft>
+                <a:spcPct val="0"/>
+              </a:spcAft>
+              <a:buFont typeface="Arial" panose="020B0604020202020204" pitchFamily="34" charset="0"/>
+              <a:buChar char="»"/>
+              <a:defRPr sz="2000">
+                <a:solidFill>
+                  <a:schemeClr val="tx1"/>
+                </a:solidFill>
+                <a:latin typeface="Calibri" panose="020F0502020204030204" pitchFamily="34" charset="0"/>
+                <a:ea typeface="宋体" panose="02010600030101010101" pitchFamily="2" charset="-122"/>
+                <a:sym typeface="Calibri" panose="020F0502020204030204" pitchFamily="34" charset="0"/>
+              </a:defRPr>
+            </a:lvl8pPr>
+            <a:lvl9pPr marL="3886200" indent="-228600" eaLnBrk="0" fontAlgn="base" hangingPunct="0">
+              <a:spcBef>
+                <a:spcPct val="20000"/>
+              </a:spcBef>
+              <a:spcAft>
+                <a:spcPct val="0"/>
+              </a:spcAft>
+              <a:buFont typeface="Arial" panose="020B0604020202020204" pitchFamily="34" charset="0"/>
+              <a:buChar char="»"/>
+              <a:defRPr sz="2000">
+                <a:solidFill>
+                  <a:schemeClr val="tx1"/>
+                </a:solidFill>
+                <a:latin typeface="Calibri" panose="020F0502020204030204" pitchFamily="34" charset="0"/>
+                <a:ea typeface="宋体" panose="02010600030101010101" pitchFamily="2" charset="-122"/>
+                <a:sym typeface="Calibri" panose="020F0502020204030204" pitchFamily="34" charset="0"/>
+              </a:defRPr>
+            </a:lvl9pPr>
+          </a:lstStyle>
+          <a:p>
+            <a:pPr algn="ctr" eaLnBrk="1" hangingPunct="1">
+              <a:lnSpc>
+                <a:spcPct val="110000"/>
+              </a:lnSpc>
+              <a:spcBef>
+                <a:spcPct val="50000"/>
+              </a:spcBef>
+              <a:buFontTx/>
+              <a:buNone/>
+            </a:pPr>
+            <a:r>
+              <a:rPr kumimoji="1" lang="en-US" altLang="zh-CN" sz="1600" b="1" dirty="0" smtClean="0">
+                <a:latin typeface="Times New Roman" panose="02020603050405020304" pitchFamily="18" charset="0"/>
+                <a:ea typeface="黑体" panose="02010609060101010101" pitchFamily="49" charset="-122"/>
+                <a:cs typeface="Times New Roman" panose="02020603050405020304" pitchFamily="18" charset="0"/>
+              </a:rPr>
+              <a:t>Caption here</a:t>
+            </a:r>
+            <a:endParaRPr kumimoji="1" lang="en-US" altLang="zh-CN" sz="1600" b="1" dirty="0">
+              <a:latin typeface="Times New Roman" panose="02020603050405020304" pitchFamily="18" charset="0"/>
+              <a:ea typeface="黑体" panose="02010609060101010101" pitchFamily="49" charset="-122"/>
+              <a:cs typeface="Times New Roman" panose="02020603050405020304" pitchFamily="18" charset="0"/>
+            </a:endParaRPr>
+          </a:p>
+        </p:txBody>
+      </p:sp>
+      <p:grpSp>
+        <p:nvGrpSpPr>
+          <p:cNvPr id="22" name="组合 12"/>
+          <p:cNvGrpSpPr>
+            <a:grpSpLocks/>
+          </p:cNvGrpSpPr>
+          <p:nvPr/>
+        </p:nvGrpSpPr>
+        <p:grpSpPr bwMode="auto">
+          <a:xfrm>
+            <a:off x="125413" y="731838"/>
+            <a:ext cx="2868612" cy="465137"/>
+            <a:chOff x="124668" y="732018"/>
+            <a:chExt cx="3120950" cy="465081"/>
+          </a:xfrm>
+        </p:grpSpPr>
+        <p:sp>
+          <p:nvSpPr>
+            <p:cNvPr id="23" name="矩形 22">
+              <a:extLst>
+                <a:ext uri="{FF2B5EF4-FFF2-40B4-BE49-F238E27FC236}">
+                  <a16:creationId xmlns:a16="http://schemas.microsoft.com/office/drawing/2014/main" id="{ACFF976D-C10F-4773-B6C0-A8EF394982B5}"/>
+                </a:ext>
+              </a:extLst>
+            </p:cNvPr>
+            <p:cNvSpPr/>
+            <p:nvPr/>
+          </p:nvSpPr>
+          <p:spPr>
+            <a:xfrm>
+              <a:off x="360713" y="732018"/>
+              <a:ext cx="2884905" cy="455033"/>
+            </a:xfrm>
+            <a:prstGeom prst="rect">
+              <a:avLst/>
+            </a:prstGeom>
+            <a:gradFill flip="none" rotWithShape="0">
+              <a:gsLst>
+                <a:gs pos="0">
+                  <a:srgbClr val="0070C0">
+                    <a:shade val="30000"/>
+                    <a:satMod val="115000"/>
+                  </a:srgbClr>
+                </a:gs>
+                <a:gs pos="50000">
+                  <a:srgbClr val="0070C0">
+                    <a:shade val="67500"/>
+                    <a:satMod val="115000"/>
+                  </a:srgbClr>
+                </a:gs>
+                <a:gs pos="100000">
+                  <a:srgbClr val="0070C0">
+                    <a:shade val="100000"/>
+                    <a:satMod val="115000"/>
+                  </a:srgbClr>
+                </a:gs>
+              </a:gsLst>
+              <a:lin ang="13500000" scaled="1"/>
+              <a:tileRect/>
+            </a:gradFill>
+            <a:scene3d>
+              <a:camera prst="orthographicFront"/>
+              <a:lightRig rig="flat" dir="t"/>
+            </a:scene3d>
+            <a:sp3d prstMaterial="dkEdge">
+              <a:bevelT w="8200" h="38100"/>
+            </a:sp3d>
+          </p:spPr>
+          <p:style>
+            <a:lnRef idx="0">
+              <a:schemeClr val="lt1">
+                <a:hueOff val="0"/>
+                <a:satOff val="0"/>
+                <a:lumOff val="0"/>
+                <a:alphaOff val="0"/>
+              </a:schemeClr>
+            </a:lnRef>
+            <a:fillRef idx="2">
+              <a:scrgbClr r="0" g="0" b="0"/>
+            </a:fillRef>
+            <a:effectRef idx="1">
+              <a:schemeClr val="accent6">
+                <a:shade val="80000"/>
+                <a:hueOff val="0"/>
+                <a:satOff val="0"/>
+                <a:lumOff val="0"/>
+                <a:alphaOff val="0"/>
+              </a:schemeClr>
+            </a:effectRef>
+            <a:fontRef idx="minor">
+              <a:schemeClr val="dk1"/>
+            </a:fontRef>
+          </p:style>
+        </p:sp>
+        <p:sp>
+          <p:nvSpPr>
+            <p:cNvPr id="24" name="文本框 23">
+              <a:extLst>
+                <a:ext uri="{FF2B5EF4-FFF2-40B4-BE49-F238E27FC236}">
+                  <a16:creationId xmlns:a16="http://schemas.microsoft.com/office/drawing/2014/main" id="{3583D282-40E0-4567-95F3-C6CD9EBD4A2A}"/>
+                </a:ext>
+              </a:extLst>
+            </p:cNvPr>
+            <p:cNvSpPr txBox="1"/>
+            <p:nvPr/>
+          </p:nvSpPr>
+          <p:spPr>
+            <a:xfrm>
+              <a:off x="124668" y="742066"/>
+              <a:ext cx="3035630" cy="455033"/>
+            </a:xfrm>
+            <a:prstGeom prst="rect">
+              <a:avLst/>
+            </a:prstGeom>
+            <a:scene3d>
+              <a:camera prst="orthographicFront"/>
+              <a:lightRig rig="flat" dir="t"/>
+            </a:scene3d>
+            <a:sp3d/>
+          </p:spPr>
+          <p:style>
+            <a:lnRef idx="0">
+              <a:scrgbClr r="0" g="0" b="0"/>
+            </a:lnRef>
+            <a:fillRef idx="0">
+              <a:scrgbClr r="0" g="0" b="0"/>
+            </a:fillRef>
+            <a:effectRef idx="0">
+              <a:scrgbClr r="0" g="0" b="0"/>
+            </a:effectRef>
+            <a:fontRef idx="minor">
+              <a:schemeClr val="dk1"/>
+            </a:fontRef>
+          </p:style>
+          <p:txBody>
+            <a:bodyPr lIns="361183" tIns="55880" rIns="55880" bIns="55880" spcCol="1270" anchor="ctr"/>
+            <a:lstStyle/>
+            <a:p>
+              <a:pPr defTabSz="977900">
+                <a:lnSpc>
+                  <a:spcPct val="90000"/>
+                </a:lnSpc>
+                <a:spcAft>
+                  <a:spcPts val="0"/>
+                </a:spcAft>
+                <a:tabLst>
+                  <a:tab pos="444500" algn="l"/>
+                </a:tabLst>
+                <a:defRPr/>
+              </a:pPr>
+              <a:r>
+                <a:rPr lang="zh-CN" altLang="en-US" sz="2200" dirty="0">
+                  <a:solidFill>
+                    <a:schemeClr val="bg1"/>
+                  </a:solidFill>
+                  <a:latin typeface="Times New Roman" panose="02020603050405020304" pitchFamily="18" charset="0"/>
+                  <a:ea typeface="微软雅黑" panose="020B0503020204020204" pitchFamily="34" charset="-122"/>
+                  <a:cs typeface="Times New Roman" panose="02020603050405020304" pitchFamily="18" charset="0"/>
+                </a:rPr>
+                <a:t>（</a:t>
+              </a:r>
+              <a:r>
+                <a:rPr lang="en-US" altLang="zh-CN" sz="2200" dirty="0">
+                  <a:solidFill>
+                    <a:schemeClr val="bg1"/>
+                  </a:solidFill>
+                  <a:latin typeface="Times New Roman" panose="02020603050405020304" pitchFamily="18" charset="0"/>
+                  <a:ea typeface="微软雅黑" panose="020B0503020204020204" pitchFamily="34" charset="-122"/>
+                  <a:cs typeface="Times New Roman" panose="02020603050405020304" pitchFamily="18" charset="0"/>
+                </a:rPr>
+                <a:t>1</a:t>
+              </a:r>
+              <a:r>
+                <a:rPr lang="zh-CN" altLang="en-US" sz="2200" dirty="0" smtClean="0">
+                  <a:solidFill>
+                    <a:schemeClr val="bg1"/>
+                  </a:solidFill>
+                  <a:latin typeface="Times New Roman" panose="02020603050405020304" pitchFamily="18" charset="0"/>
+                  <a:ea typeface="微软雅黑" panose="020B0503020204020204" pitchFamily="34" charset="-122"/>
+                  <a:cs typeface="Times New Roman" panose="02020603050405020304" pitchFamily="18" charset="0"/>
+                </a:rPr>
+                <a:t>）</a:t>
+              </a:r>
+              <a:r>
+                <a:rPr lang="zh-CN" altLang="en-US" sz="2200" dirty="0" smtClean="0">
+                  <a:solidFill>
+                    <a:schemeClr val="bg1"/>
+                  </a:solidFill>
+                  <a:latin typeface="微软雅黑" panose="020B0503020204020204" pitchFamily="34" charset="-122"/>
+                  <a:ea typeface="微软雅黑" panose="020B0503020204020204" pitchFamily="34" charset="-122"/>
+                  <a:cs typeface="Times New Roman" panose="02020603050405020304" pitchFamily="18" charset="0"/>
+                </a:rPr>
+                <a:t>机理示意图</a:t>
+              </a:r>
+              <a:endParaRPr lang="zh-CN" altLang="en-US" sz="2200" dirty="0">
+                <a:solidFill>
+                  <a:schemeClr val="bg1"/>
+                </a:solidFill>
+                <a:latin typeface="微软雅黑" panose="020B0503020204020204" pitchFamily="34" charset="-122"/>
+                <a:ea typeface="微软雅黑" panose="020B0503020204020204" pitchFamily="34" charset="-122"/>
+              </a:endParaRPr>
+            </a:p>
+          </p:txBody>
+        </p:sp>
+      </p:grpSp>
+      <p:sp>
+        <p:nvSpPr>
+          <p:cNvPr id="25" name="灯片编号占位符 1"/>
+          <p:cNvSpPr>
+            <a:spLocks noGrp="1"/>
+          </p:cNvSpPr>
+          <p:nvPr>
+            <p:ph type="sldNum" sz="quarter" idx="11"/>
+          </p:nvPr>
+        </p:nvSpPr>
+        <p:spPr>
+          <a:xfrm>
+            <a:off x="8547100" y="6330950"/>
+            <a:ext cx="527050" cy="427038"/>
+          </a:xfrm>
+          <a:noFill/>
+        </p:spPr>
+        <p:txBody>
+          <a:bodyPr>
+            <a:prstTxWarp prst="textNoShape">
+              <a:avLst/>
+            </a:prstTxWarp>
+          </a:bodyPr>
+          <a:lstStyle>
+            <a:lvl1pPr>
+              <a:spcBef>
+                <a:spcPct val="20000"/>
+              </a:spcBef>
+              <a:buFont typeface="Arial" panose="020B0604020202020204" pitchFamily="34" charset="0"/>
+              <a:buChar char="•"/>
+              <a:defRPr sz="3200">
+                <a:solidFill>
+                  <a:schemeClr val="tx1"/>
+                </a:solidFill>
+                <a:latin typeface="Calibri" panose="020F0502020204030204" pitchFamily="34" charset="0"/>
+                <a:ea typeface="宋体" panose="02010600030101010101" pitchFamily="2" charset="-122"/>
+                <a:sym typeface="Calibri" panose="020F0502020204030204" pitchFamily="34" charset="0"/>
+              </a:defRPr>
+            </a:lvl1pPr>
+            <a:lvl2pPr marL="742950" indent="-285750">
+              <a:spcBef>
+                <a:spcPct val="20000"/>
+              </a:spcBef>
+              <a:buFont typeface="Arial" panose="020B0604020202020204" pitchFamily="34" charset="0"/>
+              <a:buChar char="–"/>
+              <a:defRPr sz="2800">
+                <a:solidFill>
+                  <a:schemeClr val="tx1"/>
+                </a:solidFill>
+                <a:latin typeface="Calibri" panose="020F0502020204030204" pitchFamily="34" charset="0"/>
+                <a:ea typeface="宋体" panose="02010600030101010101" pitchFamily="2" charset="-122"/>
+                <a:sym typeface="Calibri" panose="020F0502020204030204" pitchFamily="34" charset="0"/>
+              </a:defRPr>
+            </a:lvl2pPr>
+            <a:lvl3pPr marL="1143000" indent="-228600">
+              <a:spcBef>
+                <a:spcPct val="20000"/>
+              </a:spcBef>
+              <a:buFont typeface="Arial" panose="020B0604020202020204" pitchFamily="34" charset="0"/>
+              <a:buChar char="•"/>
+              <a:defRPr sz="2400">
+                <a:solidFill>
+                  <a:schemeClr val="tx1"/>
+                </a:solidFill>
+                <a:latin typeface="Calibri" panose="020F0502020204030204" pitchFamily="34" charset="0"/>
+                <a:ea typeface="宋体" panose="02010600030101010101" pitchFamily="2" charset="-122"/>
+                <a:sym typeface="Calibri" panose="020F0502020204030204" pitchFamily="34" charset="0"/>
+              </a:defRPr>
+            </a:lvl3pPr>
+            <a:lvl4pPr marL="1600200" indent="-228600">
+              <a:spcBef>
+                <a:spcPct val="20000"/>
+              </a:spcBef>
+              <a:buFont typeface="Arial" panose="020B0604020202020204" pitchFamily="34" charset="0"/>
+              <a:buChar char="–"/>
+              <a:defRPr sz="2000">
+                <a:solidFill>
+                  <a:schemeClr val="tx1"/>
+                </a:solidFill>
+                <a:latin typeface="Calibri" panose="020F0502020204030204" pitchFamily="34" charset="0"/>
+                <a:ea typeface="宋体" panose="02010600030101010101" pitchFamily="2" charset="-122"/>
+                <a:sym typeface="Calibri" panose="020F0502020204030204" pitchFamily="34" charset="0"/>
+              </a:defRPr>
+            </a:lvl4pPr>
+            <a:lvl5pPr marL="2057400" indent="-228600">
+              <a:spcBef>
+                <a:spcPct val="20000"/>
+              </a:spcBef>
+              <a:buFont typeface="Arial" panose="020B0604020202020204" pitchFamily="34" charset="0"/>
+              <a:buChar char="»"/>
+              <a:defRPr sz="2000">
+                <a:solidFill>
+                  <a:schemeClr val="tx1"/>
+                </a:solidFill>
+                <a:latin typeface="Calibri" panose="020F0502020204030204" pitchFamily="34" charset="0"/>
+                <a:ea typeface="宋体" panose="02010600030101010101" pitchFamily="2" charset="-122"/>
+                <a:sym typeface="Calibri" panose="020F0502020204030204" pitchFamily="34" charset="0"/>
+              </a:defRPr>
+            </a:lvl5pPr>
+            <a:lvl6pPr marL="2514600" indent="-228600" eaLnBrk="0" fontAlgn="base" hangingPunct="0">
+              <a:spcBef>
+                <a:spcPct val="20000"/>
+              </a:spcBef>
+              <a:spcAft>
+                <a:spcPct val="0"/>
+              </a:spcAft>
+              <a:buFont typeface="Arial" panose="020B0604020202020204" pitchFamily="34" charset="0"/>
+              <a:buChar char="»"/>
+              <a:defRPr sz="2000">
+                <a:solidFill>
+                  <a:schemeClr val="tx1"/>
+                </a:solidFill>
+                <a:latin typeface="Calibri" panose="020F0502020204030204" pitchFamily="34" charset="0"/>
+                <a:ea typeface="宋体" panose="02010600030101010101" pitchFamily="2" charset="-122"/>
+                <a:sym typeface="Calibri" panose="020F0502020204030204" pitchFamily="34" charset="0"/>
+              </a:defRPr>
+            </a:lvl6pPr>
+            <a:lvl7pPr marL="2971800" indent="-228600" eaLnBrk="0" fontAlgn="base" hangingPunct="0">
+              <a:spcBef>
+                <a:spcPct val="20000"/>
+              </a:spcBef>
+              <a:spcAft>
+                <a:spcPct val="0"/>
+              </a:spcAft>
+              <a:buFont typeface="Arial" panose="020B0604020202020204" pitchFamily="34" charset="0"/>
+              <a:buChar char="»"/>
+              <a:defRPr sz="2000">
+                <a:solidFill>
+                  <a:schemeClr val="tx1"/>
+                </a:solidFill>
+                <a:latin typeface="Calibri" panose="020F0502020204030204" pitchFamily="34" charset="0"/>
+                <a:ea typeface="宋体" panose="02010600030101010101" pitchFamily="2" charset="-122"/>
+                <a:sym typeface="Calibri" panose="020F0502020204030204" pitchFamily="34" charset="0"/>
+              </a:defRPr>
+            </a:lvl7pPr>
+            <a:lvl8pPr marL="3429000" indent="-228600" eaLnBrk="0" fontAlgn="base" hangingPunct="0">
+              <a:spcBef>
+                <a:spcPct val="20000"/>
+              </a:spcBef>
+              <a:spcAft>
+                <a:spcPct val="0"/>
+              </a:spcAft>
+              <a:buFont typeface="Arial" panose="020B0604020202020204" pitchFamily="34" charset="0"/>
+              <a:buChar char="»"/>
+              <a:defRPr sz="2000">
+                <a:solidFill>
+                  <a:schemeClr val="tx1"/>
+                </a:solidFill>
+                <a:latin typeface="Calibri" panose="020F0502020204030204" pitchFamily="34" charset="0"/>
+                <a:ea typeface="宋体" panose="02010600030101010101" pitchFamily="2" charset="-122"/>
+                <a:sym typeface="Calibri" panose="020F0502020204030204" pitchFamily="34" charset="0"/>
+              </a:defRPr>
+            </a:lvl8pPr>
+            <a:lvl9pPr marL="3886200" indent="-228600" eaLnBrk="0" fontAlgn="base" hangingPunct="0">
+              <a:spcBef>
+                <a:spcPct val="20000"/>
+              </a:spcBef>
+              <a:spcAft>
+                <a:spcPct val="0"/>
+              </a:spcAft>
+              <a:buFont typeface="Arial" panose="020B0604020202020204" pitchFamily="34" charset="0"/>
+              <a:buChar char="»"/>
+              <a:defRPr sz="2000">
+                <a:solidFill>
+                  <a:schemeClr val="tx1"/>
+                </a:solidFill>
+                <a:latin typeface="Calibri" panose="020F0502020204030204" pitchFamily="34" charset="0"/>
+                <a:ea typeface="宋体" panose="02010600030101010101" pitchFamily="2" charset="-122"/>
+                <a:sym typeface="Calibri" panose="020F0502020204030204" pitchFamily="34" charset="0"/>
+              </a:defRPr>
+            </a:lvl9pPr>
+          </a:lstStyle>
+          <a:p>
+            <a:pPr>
+              <a:spcBef>
+                <a:spcPct val="0"/>
+              </a:spcBef>
+              <a:buFont typeface="Arial" panose="020B0604020202020204" pitchFamily="34" charset="0"/>
+              <a:buNone/>
+            </a:pPr>
+            <a:r>
+              <a:rPr lang="en-US" altLang="zh-CN" sz="1800" dirty="0" smtClean="0">
+                <a:solidFill>
+                  <a:srgbClr val="898989"/>
+                </a:solidFill>
+                <a:latin typeface="微软雅黑" panose="020B0503020204020204" pitchFamily="34" charset="-122"/>
+                <a:ea typeface="微软雅黑" panose="020B0503020204020204" pitchFamily="34" charset="-122"/>
+              </a:rPr>
+              <a:t>?</a:t>
+            </a:r>
+            <a:endParaRPr lang="zh-CN" altLang="en-US" sz="1800" dirty="0" smtClean="0">
+              <a:latin typeface="微软雅黑" panose="020B0503020204020204" pitchFamily="34" charset="-122"/>
+              <a:ea typeface="微软雅黑" panose="020B0503020204020204" pitchFamily="34" charset="-122"/>
+            </a:endParaRPr>
+          </a:p>
+        </p:txBody>
+      </p:sp>
+    </p:spTree>
+    <p:extLst>
+      <p:ext uri="{BB962C8B-B14F-4D97-AF65-F5344CB8AC3E}">
+        <p14:creationId xmlns:p14="http://schemas.microsoft.com/office/powerpoint/2010/main" val="1326571828"/>
+      </p:ext>
+    </p:extLst>
+  </p:cSld>
+  <p:clrMapOvr>
+    <a:masterClrMapping/>
+  </p:clrMapOvr>
+  <p:timing>
+    <p:tnLst>
+      <p:par>
+        <p:cTn id="1" dur="indefinite" restart="never" nodeType="tmRoot"/>
+      </p:par>
+    </p:tnLst>
+  </p:timing>
+</p:sld>
+</file>
+
+<file path=ppt/slides/slide3.xml><?xml version="1.0" encoding="utf-8"?>
 <p:sld xmlns:a="http://schemas.openxmlformats.org/drawingml/2006/main" xmlns:r="http://schemas.openxmlformats.org/officeDocument/2006/relationships" xmlns:p="http://schemas.openxmlformats.org/presentationml/2006/main">
   <p:cSld>
     <p:spTree>
@@ -7590,7 +8658,7 @@
 </p:sld>
 </file>
 
-<file path=ppt/slides/slide3.xml><?xml version="1.0" encoding="utf-8"?>
+<file path=ppt/slides/slide4.xml><?xml version="1.0" encoding="utf-8"?>
 <p:sld xmlns:a="http://schemas.openxmlformats.org/drawingml/2006/main" xmlns:r="http://schemas.openxmlformats.org/officeDocument/2006/relationships" xmlns:p="http://schemas.openxmlformats.org/presentationml/2006/main">
   <p:cSld>
     <p:spTree>
@@ -8296,7 +9364,7 @@
 </p:sld>
 </file>
 
-<file path=ppt/slides/slide4.xml><?xml version="1.0" encoding="utf-8"?>
+<file path=ppt/slides/slide5.xml><?xml version="1.0" encoding="utf-8"?>
 <p:sld xmlns:a="http://schemas.openxmlformats.org/drawingml/2006/main" xmlns:r="http://schemas.openxmlformats.org/officeDocument/2006/relationships" xmlns:p="http://schemas.openxmlformats.org/presentationml/2006/main">
   <p:cSld>
     <p:spTree>
@@ -8743,7 +9811,7 @@
           <a:graphicData uri="http://schemas.openxmlformats.org/presentationml/2006/ole">
             <mc:AlternateContent xmlns:mc="http://schemas.openxmlformats.org/markup-compatibility/2006">
               <mc:Choice xmlns:v="urn:schemas-microsoft-com:vml" Requires="v">
-                <p:oleObj spid="_x0000_s1206" name="公式" r:id="rId3" imgW="558800" imgH="228600" progId="Equation.3">
+                <p:oleObj spid="_x0000_s1254" name="公式" r:id="rId3" imgW="558800" imgH="228600" progId="Equation.3">
                   <p:embed/>
                 </p:oleObj>
               </mc:Choice>
@@ -8826,7 +9894,7 @@
           <a:graphicData uri="http://schemas.openxmlformats.org/presentationml/2006/ole">
             <mc:AlternateContent xmlns:mc="http://schemas.openxmlformats.org/markup-compatibility/2006">
               <mc:Choice xmlns:v="urn:schemas-microsoft-com:vml" Requires="v">
-                <p:oleObj spid="_x0000_s1207" name="公式" r:id="rId5" imgW="2108200" imgH="457200" progId="Equation.3">
+                <p:oleObj spid="_x0000_s1255" name="公式" r:id="rId5" imgW="2108200" imgH="457200" progId="Equation.3">
                   <p:embed/>
                 </p:oleObj>
               </mc:Choice>
@@ -8909,7 +9977,7 @@
           <a:graphicData uri="http://schemas.openxmlformats.org/presentationml/2006/ole">
             <mc:AlternateContent xmlns:mc="http://schemas.openxmlformats.org/markup-compatibility/2006">
               <mc:Choice xmlns:v="urn:schemas-microsoft-com:vml" Requires="v">
-                <p:oleObj spid="_x0000_s1208" name="公式" r:id="rId7" imgW="2082800" imgH="457200" progId="Equation.3">
+                <p:oleObj spid="_x0000_s1256" name="公式" r:id="rId7" imgW="2082800" imgH="457200" progId="Equation.3">
                   <p:embed/>
                 </p:oleObj>
               </mc:Choice>
@@ -8992,7 +10060,7 @@
           <a:graphicData uri="http://schemas.openxmlformats.org/presentationml/2006/ole">
             <mc:AlternateContent xmlns:mc="http://schemas.openxmlformats.org/markup-compatibility/2006">
               <mc:Choice xmlns:v="urn:schemas-microsoft-com:vml" Requires="v">
-                <p:oleObj spid="_x0000_s1209" name="公式" r:id="rId9" imgW="1879600" imgH="457200" progId="Equation.3">
+                <p:oleObj spid="_x0000_s1257" name="公式" r:id="rId9" imgW="1879600" imgH="457200" progId="Equation.3">
                   <p:embed/>
                 </p:oleObj>
               </mc:Choice>
@@ -9081,7 +10149,7 @@
           <a:graphicData uri="http://schemas.openxmlformats.org/presentationml/2006/ole">
             <mc:AlternateContent xmlns:mc="http://schemas.openxmlformats.org/markup-compatibility/2006">
               <mc:Choice xmlns:v="urn:schemas-microsoft-com:vml" Requires="v">
-                <p:oleObj spid="_x0000_s1210" name="公式" r:id="rId11" imgW="2540000" imgH="508000" progId="Equation.3">
+                <p:oleObj spid="_x0000_s1258" name="公式" r:id="rId11" imgW="2540000" imgH="508000" progId="Equation.3">
                   <p:embed/>
                 </p:oleObj>
               </mc:Choice>
@@ -9170,7 +10238,7 @@
           <a:graphicData uri="http://schemas.openxmlformats.org/presentationml/2006/ole">
             <mc:AlternateContent xmlns:mc="http://schemas.openxmlformats.org/markup-compatibility/2006">
               <mc:Choice xmlns:v="urn:schemas-microsoft-com:vml" Requires="v">
-                <p:oleObj spid="_x0000_s1211" name="公式" r:id="rId13" imgW="3136900" imgH="508000" progId="Equation.3">
+                <p:oleObj spid="_x0000_s1259" name="公式" r:id="rId13" imgW="3136900" imgH="508000" progId="Equation.3">
                   <p:embed/>
                 </p:oleObj>
               </mc:Choice>
@@ -10218,7 +11286,7 @@
 </p:sld>
 </file>
 
-<file path=ppt/slides/slide5.xml><?xml version="1.0" encoding="utf-8"?>
+<file path=ppt/slides/slide6.xml><?xml version="1.0" encoding="utf-8"?>
 <p:sld xmlns:a="http://schemas.openxmlformats.org/drawingml/2006/main" xmlns:r="http://schemas.openxmlformats.org/officeDocument/2006/relationships" xmlns:p="http://schemas.openxmlformats.org/presentationml/2006/main">
   <p:cSld>
     <p:spTree>
@@ -13161,7 +14229,7 @@
 </p:sld>
 </file>
 
-<file path=ppt/slides/slide6.xml><?xml version="1.0" encoding="utf-8"?>
+<file path=ppt/slides/slide7.xml><?xml version="1.0" encoding="utf-8"?>
 <p:sld xmlns:a="http://schemas.openxmlformats.org/drawingml/2006/main" xmlns:r="http://schemas.openxmlformats.org/officeDocument/2006/relationships" xmlns:p="http://schemas.openxmlformats.org/presentationml/2006/main">
   <p:cSld>
     <p:spTree>
@@ -15026,451 +16094,6 @@
 </p:sld>
 </file>
 
-<file path=ppt/slides/slide7.xml><?xml version="1.0" encoding="utf-8"?>
-<p:sld xmlns:a="http://schemas.openxmlformats.org/drawingml/2006/main" xmlns:r="http://schemas.openxmlformats.org/officeDocument/2006/relationships" xmlns:p="http://schemas.openxmlformats.org/presentationml/2006/main">
-  <p:cSld>
-    <p:spTree>
-      <p:nvGrpSpPr>
-        <p:cNvPr id="1" name=""/>
-        <p:cNvGrpSpPr/>
-        <p:nvPr/>
-      </p:nvGrpSpPr>
-      <p:grpSpPr>
-        <a:xfrm>
-          <a:off x="0" y="0"/>
-          <a:ext cx="0" cy="0"/>
-          <a:chOff x="0" y="0"/>
-          <a:chExt cx="0" cy="0"/>
-        </a:xfrm>
-      </p:grpSpPr>
-      <p:sp>
-        <p:nvSpPr>
-          <p:cNvPr id="2" name="文本框 1"/>
-          <p:cNvSpPr txBox="1"/>
-          <p:nvPr/>
-        </p:nvSpPr>
-        <p:spPr>
-          <a:xfrm>
-            <a:off x="205740" y="297180"/>
-            <a:ext cx="7109460" cy="830997"/>
-          </a:xfrm>
-          <a:prstGeom prst="rect">
-            <a:avLst/>
-          </a:prstGeom>
-          <a:noFill/>
-        </p:spPr>
-        <p:txBody>
-          <a:bodyPr wrap="square" rtlCol="0">
-            <a:spAutoFit/>
-          </a:bodyPr>
-          <a:lstStyle/>
-          <a:p>
-            <a:r>
-              <a:rPr lang="zh-CN" altLang="en-US" sz="2400" b="1" dirty="0" smtClean="0">
-                <a:latin typeface="微软雅黑" panose="020B0503020204020204" pitchFamily="34" charset="-122"/>
-                <a:ea typeface="微软雅黑" panose="020B0503020204020204" pitchFamily="34" charset="-122"/>
-              </a:rPr>
-              <a:t>发现</a:t>
-            </a:r>
-            <a:r>
-              <a:rPr lang="en-US" altLang="zh-CN" sz="2400" b="1" dirty="0" smtClean="0">
-                <a:latin typeface="微软雅黑" panose="020B0503020204020204" pitchFamily="34" charset="-122"/>
-                <a:ea typeface="微软雅黑" panose="020B0503020204020204" pitchFamily="34" charset="-122"/>
-              </a:rPr>
-              <a:t>1</a:t>
-            </a:r>
-            <a:r>
-              <a:rPr lang="zh-CN" altLang="en-US" sz="2400" b="1" dirty="0" smtClean="0">
-                <a:latin typeface="微软雅黑" panose="020B0503020204020204" pitchFamily="34" charset="-122"/>
-                <a:ea typeface="微软雅黑" panose="020B0503020204020204" pitchFamily="34" charset="-122"/>
-              </a:rPr>
-              <a:t>：不同电流密度，减小</a:t>
-            </a:r>
-            <a:r>
-              <a:rPr lang="zh-CN" altLang="en-US" sz="2400" b="1" dirty="0">
-                <a:latin typeface="微软雅黑" panose="020B0503020204020204" pitchFamily="34" charset="-122"/>
-                <a:ea typeface="微软雅黑" panose="020B0503020204020204" pitchFamily="34" charset="-122"/>
-              </a:rPr>
-              <a:t>阴极</a:t>
-            </a:r>
-            <a:r>
-              <a:rPr lang="zh-CN" altLang="en-US" sz="2400" b="1" dirty="0" smtClean="0">
-                <a:latin typeface="微软雅黑" panose="020B0503020204020204" pitchFamily="34" charset="-122"/>
-                <a:ea typeface="微软雅黑" panose="020B0503020204020204" pitchFamily="34" charset="-122"/>
-              </a:rPr>
-              <a:t>入口处的</a:t>
-            </a:r>
-            <a:r>
-              <a:rPr lang="en-US" altLang="zh-CN" sz="2400" b="1" dirty="0" smtClean="0">
-                <a:latin typeface="微软雅黑" panose="020B0503020204020204" pitchFamily="34" charset="-122"/>
-                <a:ea typeface="微软雅黑" panose="020B0503020204020204" pitchFamily="34" charset="-122"/>
-              </a:rPr>
-              <a:t>GDL</a:t>
-            </a:r>
-            <a:r>
-              <a:rPr lang="zh-CN" altLang="en-US" sz="2400" b="1" dirty="0" smtClean="0">
-                <a:latin typeface="微软雅黑" panose="020B0503020204020204" pitchFamily="34" charset="-122"/>
-                <a:ea typeface="微软雅黑" panose="020B0503020204020204" pitchFamily="34" charset="-122"/>
-              </a:rPr>
-              <a:t>孔隙率对水传输和电化学反应速率的影响不同</a:t>
-            </a:r>
-            <a:endParaRPr lang="en-US" altLang="zh-CN" sz="2400" b="1" dirty="0" smtClean="0">
-              <a:latin typeface="微软雅黑" panose="020B0503020204020204" pitchFamily="34" charset="-122"/>
-              <a:ea typeface="微软雅黑" panose="020B0503020204020204" pitchFamily="34" charset="-122"/>
-            </a:endParaRPr>
-          </a:p>
-        </p:txBody>
-      </p:sp>
-      <p:sp>
-        <p:nvSpPr>
-          <p:cNvPr id="4" name="文本框 3"/>
-          <p:cNvSpPr txBox="1"/>
-          <p:nvPr/>
-        </p:nvSpPr>
-        <p:spPr>
-          <a:xfrm>
-            <a:off x="1280160" y="5113020"/>
-            <a:ext cx="1314450" cy="276999"/>
-          </a:xfrm>
-          <a:prstGeom prst="rect">
-            <a:avLst/>
-          </a:prstGeom>
-        </p:spPr>
-        <p:txBody>
-          <a:bodyPr wrap="square">
-            <a:spAutoFit/>
-          </a:bodyPr>
-          <a:lstStyle>
-            <a:defPPr>
-              <a:defRPr lang="en-US"/>
-            </a:defPPr>
-            <a:lvl1pPr>
-              <a:defRPr sz="1200" b="1">
-                <a:latin typeface="Times New Roman" panose="02020603050405020304" pitchFamily="18" charset="0"/>
-                <a:cs typeface="Times New Roman" panose="02020603050405020304" pitchFamily="18" charset="0"/>
-              </a:defRPr>
-            </a:lvl1pPr>
-          </a:lstStyle>
-          <a:p>
-            <a:r>
-              <a:rPr lang="en-US" altLang="zh-CN" dirty="0"/>
-              <a:t>0.6V, 0.4</a:t>
-            </a:r>
-          </a:p>
-        </p:txBody>
-      </p:sp>
-      <p:sp>
-        <p:nvSpPr>
-          <p:cNvPr id="6" name="文本框 5"/>
-          <p:cNvSpPr txBox="1"/>
-          <p:nvPr/>
-        </p:nvSpPr>
-        <p:spPr>
-          <a:xfrm>
-            <a:off x="1280160" y="5390019"/>
-            <a:ext cx="1474470" cy="276999"/>
-          </a:xfrm>
-          <a:prstGeom prst="rect">
-            <a:avLst/>
-          </a:prstGeom>
-        </p:spPr>
-        <p:txBody>
-          <a:bodyPr wrap="square">
-            <a:spAutoFit/>
-          </a:bodyPr>
-          <a:lstStyle>
-            <a:defPPr>
-              <a:defRPr lang="en-US"/>
-            </a:defPPr>
-            <a:lvl1pPr>
-              <a:defRPr sz="1200" b="1">
-                <a:latin typeface="Times New Roman" panose="02020603050405020304" pitchFamily="18" charset="0"/>
-                <a:cs typeface="Times New Roman" panose="02020603050405020304" pitchFamily="18" charset="0"/>
-              </a:defRPr>
-            </a:lvl1pPr>
-          </a:lstStyle>
-          <a:p>
-            <a:r>
-              <a:rPr lang="en-US" altLang="zh-CN" dirty="0"/>
-              <a:t>0.6V, 0.3-0.4-0.5</a:t>
-            </a:r>
-          </a:p>
-        </p:txBody>
-      </p:sp>
-      <p:sp>
-        <p:nvSpPr>
-          <p:cNvPr id="7" name="文本框 6"/>
-          <p:cNvSpPr txBox="1"/>
-          <p:nvPr/>
-        </p:nvSpPr>
-        <p:spPr>
-          <a:xfrm>
-            <a:off x="5044440" y="5113020"/>
-            <a:ext cx="1314450" cy="276999"/>
-          </a:xfrm>
-          <a:prstGeom prst="rect">
-            <a:avLst/>
-          </a:prstGeom>
-          <a:noFill/>
-        </p:spPr>
-        <p:txBody>
-          <a:bodyPr wrap="square" rtlCol="0">
-            <a:spAutoFit/>
-          </a:bodyPr>
-          <a:lstStyle/>
-          <a:p>
-            <a:r>
-              <a:rPr lang="en-US" altLang="zh-CN" sz="1200" b="1" dirty="0">
-                <a:latin typeface="Times New Roman" panose="02020603050405020304" pitchFamily="18" charset="0"/>
-                <a:cs typeface="Times New Roman" panose="02020603050405020304" pitchFamily="18" charset="0"/>
-              </a:rPr>
-              <a:t>0.9V</a:t>
-            </a:r>
-            <a:r>
-              <a:rPr lang="en-US" altLang="zh-CN" sz="1200" b="1" dirty="0" smtClean="0">
-                <a:latin typeface="微软雅黑" panose="020B0503020204020204" pitchFamily="34" charset="-122"/>
-                <a:ea typeface="微软雅黑" panose="020B0503020204020204" pitchFamily="34" charset="-122"/>
-              </a:rPr>
-              <a:t>, 0.4</a:t>
-            </a:r>
-          </a:p>
-        </p:txBody>
-      </p:sp>
-      <p:sp>
-        <p:nvSpPr>
-          <p:cNvPr id="8" name="文本框 7"/>
-          <p:cNvSpPr txBox="1"/>
-          <p:nvPr/>
-        </p:nvSpPr>
-        <p:spPr>
-          <a:xfrm>
-            <a:off x="5044440" y="5390019"/>
-            <a:ext cx="1474470" cy="276999"/>
-          </a:xfrm>
-          <a:prstGeom prst="rect">
-            <a:avLst/>
-          </a:prstGeom>
-          <a:noFill/>
-        </p:spPr>
-        <p:txBody>
-          <a:bodyPr wrap="square" rtlCol="0">
-            <a:spAutoFit/>
-          </a:bodyPr>
-          <a:lstStyle/>
-          <a:p>
-            <a:r>
-              <a:rPr lang="en-US" altLang="zh-CN" sz="1200" b="1" dirty="0" smtClean="0">
-                <a:latin typeface="Times New Roman" panose="02020603050405020304" pitchFamily="18" charset="0"/>
-                <a:ea typeface="微软雅黑" panose="020B0503020204020204" pitchFamily="34" charset="-122"/>
-                <a:cs typeface="Times New Roman" panose="02020603050405020304" pitchFamily="18" charset="0"/>
-              </a:rPr>
-              <a:t>0.9V, 0.3-0.4-0.5</a:t>
-            </a:r>
-          </a:p>
-        </p:txBody>
-      </p:sp>
-      <p:sp>
-        <p:nvSpPr>
-          <p:cNvPr id="9" name="矩形 8"/>
-          <p:cNvSpPr/>
-          <p:nvPr/>
-        </p:nvSpPr>
-        <p:spPr>
-          <a:xfrm flipH="1">
-            <a:off x="2170261" y="5113020"/>
-            <a:ext cx="1569253" cy="276999"/>
-          </a:xfrm>
-          <a:prstGeom prst="rect">
-            <a:avLst/>
-          </a:prstGeom>
-        </p:spPr>
-        <p:txBody>
-          <a:bodyPr wrap="square">
-            <a:spAutoFit/>
-          </a:bodyPr>
-          <a:lstStyle/>
-          <a:p>
-            <a:r>
-              <a:rPr lang="en-US" altLang="zh-CN" sz="1200" b="1" dirty="0" smtClean="0">
-                <a:latin typeface="Times New Roman" panose="02020603050405020304" pitchFamily="18" charset="0"/>
-                <a:cs typeface="Times New Roman" panose="02020603050405020304" pitchFamily="18" charset="0"/>
-              </a:rPr>
-              <a:t>I = </a:t>
-            </a:r>
-            <a:r>
-              <a:rPr lang="zh-CN" altLang="en-US" sz="1200" b="1" dirty="0" smtClean="0">
-                <a:latin typeface="Times New Roman" panose="02020603050405020304" pitchFamily="18" charset="0"/>
-                <a:cs typeface="Times New Roman" panose="02020603050405020304" pitchFamily="18" charset="0"/>
-              </a:rPr>
-              <a:t>0</a:t>
-            </a:r>
-            <a:r>
-              <a:rPr lang="zh-CN" altLang="en-US" sz="1200" b="1" dirty="0">
-                <a:latin typeface="Times New Roman" panose="02020603050405020304" pitchFamily="18" charset="0"/>
-                <a:cs typeface="Times New Roman" panose="02020603050405020304" pitchFamily="18" charset="0"/>
-              </a:rPr>
-              <a:t>.017589</a:t>
-            </a:r>
-          </a:p>
-        </p:txBody>
-      </p:sp>
-      <p:sp>
-        <p:nvSpPr>
-          <p:cNvPr id="10" name="矩形 9"/>
-          <p:cNvSpPr/>
-          <p:nvPr/>
-        </p:nvSpPr>
-        <p:spPr>
-          <a:xfrm flipH="1">
-            <a:off x="6029324" y="5113019"/>
-            <a:ext cx="1569253" cy="276999"/>
-          </a:xfrm>
-          <a:prstGeom prst="rect">
-            <a:avLst/>
-          </a:prstGeom>
-        </p:spPr>
-        <p:txBody>
-          <a:bodyPr wrap="square">
-            <a:spAutoFit/>
-          </a:bodyPr>
-          <a:lstStyle/>
-          <a:p>
-            <a:r>
-              <a:rPr lang="en-US" altLang="zh-CN" sz="1200" b="1" dirty="0" smtClean="0">
-                <a:latin typeface="Times New Roman" panose="02020603050405020304" pitchFamily="18" charset="0"/>
-                <a:cs typeface="Times New Roman" panose="02020603050405020304" pitchFamily="18" charset="0"/>
-              </a:rPr>
-              <a:t>I </a:t>
-            </a:r>
-            <a:r>
-              <a:rPr lang="en-US" altLang="zh-CN" sz="1200" b="1" dirty="0">
-                <a:latin typeface="Times New Roman" panose="02020603050405020304" pitchFamily="18" charset="0"/>
-                <a:cs typeface="Times New Roman" panose="02020603050405020304" pitchFamily="18" charset="0"/>
-              </a:rPr>
-              <a:t>= 1.0636</a:t>
-            </a:r>
-            <a:endParaRPr lang="zh-CN" altLang="en-US" sz="1200" b="1" dirty="0">
-              <a:latin typeface="Times New Roman" panose="02020603050405020304" pitchFamily="18" charset="0"/>
-              <a:cs typeface="Times New Roman" panose="02020603050405020304" pitchFamily="18" charset="0"/>
-            </a:endParaRPr>
-          </a:p>
-        </p:txBody>
-      </p:sp>
-      <p:sp>
-        <p:nvSpPr>
-          <p:cNvPr id="11" name="矩形 10"/>
-          <p:cNvSpPr/>
-          <p:nvPr/>
-        </p:nvSpPr>
-        <p:spPr>
-          <a:xfrm flipH="1">
-            <a:off x="2589847" y="5390019"/>
-            <a:ext cx="1569253" cy="276999"/>
-          </a:xfrm>
-          <a:prstGeom prst="rect">
-            <a:avLst/>
-          </a:prstGeom>
-        </p:spPr>
-        <p:txBody>
-          <a:bodyPr wrap="square">
-            <a:spAutoFit/>
-          </a:bodyPr>
-          <a:lstStyle/>
-          <a:p>
-            <a:r>
-              <a:rPr lang="en-US" altLang="zh-CN" sz="1200" b="1" dirty="0" smtClean="0">
-                <a:latin typeface="Times New Roman" panose="02020603050405020304" pitchFamily="18" charset="0"/>
-                <a:cs typeface="Times New Roman" panose="02020603050405020304" pitchFamily="18" charset="0"/>
-              </a:rPr>
-              <a:t>I =</a:t>
-            </a:r>
-            <a:endParaRPr lang="zh-CN" altLang="en-US" sz="1200" b="1" dirty="0">
-              <a:latin typeface="Times New Roman" panose="02020603050405020304" pitchFamily="18" charset="0"/>
-              <a:cs typeface="Times New Roman" panose="02020603050405020304" pitchFamily="18" charset="0"/>
-            </a:endParaRPr>
-          </a:p>
-        </p:txBody>
-      </p:sp>
-      <p:sp>
-        <p:nvSpPr>
-          <p:cNvPr id="12" name="矩形 11"/>
-          <p:cNvSpPr/>
-          <p:nvPr/>
-        </p:nvSpPr>
-        <p:spPr>
-          <a:xfrm flipH="1">
-            <a:off x="6488430" y="5390018"/>
-            <a:ext cx="1569253" cy="276999"/>
-          </a:xfrm>
-          <a:prstGeom prst="rect">
-            <a:avLst/>
-          </a:prstGeom>
-        </p:spPr>
-        <p:txBody>
-          <a:bodyPr wrap="square">
-            <a:spAutoFit/>
-          </a:bodyPr>
-          <a:lstStyle/>
-          <a:p>
-            <a:r>
-              <a:rPr lang="en-US" altLang="zh-CN" sz="1200" b="1" dirty="0" smtClean="0">
-                <a:latin typeface="Times New Roman" panose="02020603050405020304" pitchFamily="18" charset="0"/>
-                <a:cs typeface="Times New Roman" panose="02020603050405020304" pitchFamily="18" charset="0"/>
-              </a:rPr>
-              <a:t>I =</a:t>
-            </a:r>
-            <a:endParaRPr lang="zh-CN" altLang="en-US" sz="1200" b="1" dirty="0">
-              <a:latin typeface="Times New Roman" panose="02020603050405020304" pitchFamily="18" charset="0"/>
-              <a:cs typeface="Times New Roman" panose="02020603050405020304" pitchFamily="18" charset="0"/>
-            </a:endParaRPr>
-          </a:p>
-        </p:txBody>
-      </p:sp>
-      <p:sp>
-        <p:nvSpPr>
-          <p:cNvPr id="13" name="矩形 12"/>
-          <p:cNvSpPr/>
-          <p:nvPr/>
-        </p:nvSpPr>
-        <p:spPr>
-          <a:xfrm>
-            <a:off x="3605102" y="2797433"/>
-            <a:ext cx="1107996" cy="369332"/>
-          </a:xfrm>
-          <a:prstGeom prst="rect">
-            <a:avLst/>
-          </a:prstGeom>
-        </p:spPr>
-        <p:txBody>
-          <a:bodyPr wrap="none">
-            <a:spAutoFit/>
-          </a:bodyPr>
-          <a:lstStyle/>
-          <a:p>
-            <a:r>
-              <a:rPr lang="zh-CN" altLang="en-US" b="1" dirty="0" smtClean="0">
-                <a:latin typeface="微软雅黑" panose="020B0503020204020204" pitchFamily="34" charset="-122"/>
-                <a:ea typeface="微软雅黑" panose="020B0503020204020204" pitchFamily="34" charset="-122"/>
-              </a:rPr>
-              <a:t>水饱和度</a:t>
-            </a:r>
-            <a:endParaRPr lang="zh-CN" altLang="en-US" dirty="0"/>
-          </a:p>
-        </p:txBody>
-      </p:sp>
-    </p:spTree>
-    <p:extLst>
-      <p:ext uri="{BB962C8B-B14F-4D97-AF65-F5344CB8AC3E}">
-        <p14:creationId xmlns:p14="http://schemas.microsoft.com/office/powerpoint/2010/main" val="1101883155"/>
-      </p:ext>
-    </p:extLst>
-  </p:cSld>
-  <p:clrMapOvr>
-    <a:masterClrMapping/>
-  </p:clrMapOvr>
-</p:sld>
-</file>
-
 <file path=ppt/slides/slide8.xml><?xml version="1.0" encoding="utf-8"?>
 <p:sld xmlns:a="http://schemas.openxmlformats.org/drawingml/2006/main" xmlns:r="http://schemas.openxmlformats.org/officeDocument/2006/relationships" xmlns:p="http://schemas.openxmlformats.org/presentationml/2006/main">
   <p:cSld>
@@ -15669,7 +16292,14 @@
                 <a:latin typeface="Times New Roman" panose="02020603050405020304" pitchFamily="18" charset="0"/>
                 <a:cs typeface="Times New Roman" panose="02020603050405020304" pitchFamily="18" charset="0"/>
               </a:rPr>
-              <a:t>0.9V, 0.4</a:t>
+              <a:t>0.9V</a:t>
+            </a:r>
+            <a:r>
+              <a:rPr lang="en-US" altLang="zh-CN" sz="1200" b="1" dirty="0" smtClean="0">
+                <a:latin typeface="微软雅黑" panose="020B0503020204020204" pitchFamily="34" charset="-122"/>
+                <a:ea typeface="微软雅黑" panose="020B0503020204020204" pitchFamily="34" charset="-122"/>
+              </a:rPr>
+              <a:t>, 0.4</a:t>
             </a:r>
           </a:p>
         </p:txBody>
@@ -15697,8 +16327,9 @@
           <a:lstStyle/>
           <a:p>
             <a:r>
-              <a:rPr lang="en-US" altLang="zh-CN" sz="1200" b="1" dirty="0">
+              <a:rPr lang="en-US" altLang="zh-CN" sz="1200" b="1" dirty="0" smtClean="0">
                 <a:latin typeface="Times New Roman" panose="02020603050405020304" pitchFamily="18" charset="0"/>
+                <a:ea typeface="微软雅黑" panose="020B0503020204020204" pitchFamily="34" charset="-122"/>
                 <a:cs typeface="Times New Roman" panose="02020603050405020304" pitchFamily="18" charset="0"/>
               </a:rPr>
               <a:t>0.9V, 0.3-0.4-0.5</a:t>
@@ -15872,7 +16503,7 @@
         <p:spPr>
           <a:xfrm>
             <a:off x="3605102" y="2797433"/>
-            <a:ext cx="1800493" cy="369332"/>
+            <a:ext cx="1107996" cy="369332"/>
           </a:xfrm>
           <a:prstGeom prst="rect">
             <a:avLst/>
@@ -15885,11 +16516,11 @@
           <a:lstStyle/>
           <a:p>
             <a:r>
-              <a:rPr lang="zh-CN" altLang="en-US" b="1" dirty="0">
+              <a:rPr lang="zh-CN" altLang="en-US" b="1" dirty="0" smtClean="0">
                 <a:latin typeface="微软雅黑" panose="020B0503020204020204" pitchFamily="34" charset="-122"/>
                 <a:ea typeface="微软雅黑" panose="020B0503020204020204" pitchFamily="34" charset="-122"/>
               </a:rPr>
-              <a:t>电化学反应速率</a:t>
+              <a:t>水饱和度</a:t>
             </a:r>
             <a:endParaRPr lang="zh-CN" altLang="en-US" dirty="0"/>
           </a:p>
@@ -15898,7 +16529,7 @@
     </p:spTree>
     <p:extLst>
       <p:ext uri="{BB962C8B-B14F-4D97-AF65-F5344CB8AC3E}">
-        <p14:creationId xmlns:p14="http://schemas.microsoft.com/office/powerpoint/2010/main" val="841909923"/>
+        <p14:creationId xmlns:p14="http://schemas.microsoft.com/office/powerpoint/2010/main" val="1101883155"/>
       </p:ext>
     </p:extLst>
   </p:cSld>
@@ -15925,10 +16556,417 @@
           <a:chExt cx="0" cy="0"/>
         </a:xfrm>
       </p:grpSpPr>
+      <p:sp>
+        <p:nvSpPr>
+          <p:cNvPr id="2" name="文本框 1"/>
+          <p:cNvSpPr txBox="1"/>
+          <p:nvPr/>
+        </p:nvSpPr>
+        <p:spPr>
+          <a:xfrm>
+            <a:off x="205740" y="297180"/>
+            <a:ext cx="7109460" cy="830997"/>
+          </a:xfrm>
+          <a:prstGeom prst="rect">
+            <a:avLst/>
+          </a:prstGeom>
+          <a:noFill/>
+        </p:spPr>
+        <p:txBody>
+          <a:bodyPr wrap="square" rtlCol="0">
+            <a:spAutoFit/>
+          </a:bodyPr>
+          <a:lstStyle/>
+          <a:p>
+            <a:r>
+              <a:rPr lang="zh-CN" altLang="en-US" sz="2400" b="1" dirty="0" smtClean="0">
+                <a:latin typeface="微软雅黑" panose="020B0503020204020204" pitchFamily="34" charset="-122"/>
+                <a:ea typeface="微软雅黑" panose="020B0503020204020204" pitchFamily="34" charset="-122"/>
+              </a:rPr>
+              <a:t>发现</a:t>
+            </a:r>
+            <a:r>
+              <a:rPr lang="en-US" altLang="zh-CN" sz="2400" b="1" dirty="0" smtClean="0">
+                <a:latin typeface="微软雅黑" panose="020B0503020204020204" pitchFamily="34" charset="-122"/>
+                <a:ea typeface="微软雅黑" panose="020B0503020204020204" pitchFamily="34" charset="-122"/>
+              </a:rPr>
+              <a:t>1</a:t>
+            </a:r>
+            <a:r>
+              <a:rPr lang="zh-CN" altLang="en-US" sz="2400" b="1" dirty="0" smtClean="0">
+                <a:latin typeface="微软雅黑" panose="020B0503020204020204" pitchFamily="34" charset="-122"/>
+                <a:ea typeface="微软雅黑" panose="020B0503020204020204" pitchFamily="34" charset="-122"/>
+              </a:rPr>
+              <a:t>：不同电流密度，减小</a:t>
+            </a:r>
+            <a:r>
+              <a:rPr lang="zh-CN" altLang="en-US" sz="2400" b="1" dirty="0">
+                <a:latin typeface="微软雅黑" panose="020B0503020204020204" pitchFamily="34" charset="-122"/>
+                <a:ea typeface="微软雅黑" panose="020B0503020204020204" pitchFamily="34" charset="-122"/>
+              </a:rPr>
+              <a:t>阴极</a:t>
+            </a:r>
+            <a:r>
+              <a:rPr lang="zh-CN" altLang="en-US" sz="2400" b="1" dirty="0" smtClean="0">
+                <a:latin typeface="微软雅黑" panose="020B0503020204020204" pitchFamily="34" charset="-122"/>
+                <a:ea typeface="微软雅黑" panose="020B0503020204020204" pitchFamily="34" charset="-122"/>
+              </a:rPr>
+              <a:t>入口处的</a:t>
+            </a:r>
+            <a:r>
+              <a:rPr lang="en-US" altLang="zh-CN" sz="2400" b="1" dirty="0" smtClean="0">
+                <a:latin typeface="微软雅黑" panose="020B0503020204020204" pitchFamily="34" charset="-122"/>
+                <a:ea typeface="微软雅黑" panose="020B0503020204020204" pitchFamily="34" charset="-122"/>
+              </a:rPr>
+              <a:t>GDL</a:t>
+            </a:r>
+            <a:r>
+              <a:rPr lang="zh-CN" altLang="en-US" sz="2400" b="1" dirty="0" smtClean="0">
+                <a:latin typeface="微软雅黑" panose="020B0503020204020204" pitchFamily="34" charset="-122"/>
+                <a:ea typeface="微软雅黑" panose="020B0503020204020204" pitchFamily="34" charset="-122"/>
+              </a:rPr>
+              <a:t>孔隙率对水传输和电化学反应速率的影响不同</a:t>
+            </a:r>
+            <a:endParaRPr lang="en-US" altLang="zh-CN" sz="2400" b="1" dirty="0" smtClean="0">
+              <a:latin typeface="微软雅黑" panose="020B0503020204020204" pitchFamily="34" charset="-122"/>
+              <a:ea typeface="微软雅黑" panose="020B0503020204020204" pitchFamily="34" charset="-122"/>
+            </a:endParaRPr>
+          </a:p>
+        </p:txBody>
+      </p:sp>
+      <p:sp>
+        <p:nvSpPr>
+          <p:cNvPr id="4" name="文本框 3"/>
+          <p:cNvSpPr txBox="1"/>
+          <p:nvPr/>
+        </p:nvSpPr>
+        <p:spPr>
+          <a:xfrm>
+            <a:off x="1280160" y="5113020"/>
+            <a:ext cx="1314450" cy="276999"/>
+          </a:xfrm>
+          <a:prstGeom prst="rect">
+            <a:avLst/>
+          </a:prstGeom>
+        </p:spPr>
+        <p:txBody>
+          <a:bodyPr wrap="square">
+            <a:spAutoFit/>
+          </a:bodyPr>
+          <a:lstStyle>
+            <a:defPPr>
+              <a:defRPr lang="en-US"/>
+            </a:defPPr>
+            <a:lvl1pPr>
+              <a:defRPr sz="1200" b="1">
+                <a:latin typeface="Times New Roman" panose="02020603050405020304" pitchFamily="18" charset="0"/>
+                <a:cs typeface="Times New Roman" panose="02020603050405020304" pitchFamily="18" charset="0"/>
+              </a:defRPr>
+            </a:lvl1pPr>
+          </a:lstStyle>
+          <a:p>
+            <a:r>
+              <a:rPr lang="en-US" altLang="zh-CN" dirty="0"/>
+              <a:t>0.6V, 0.4</a:t>
+            </a:r>
+          </a:p>
+        </p:txBody>
+      </p:sp>
+      <p:sp>
+        <p:nvSpPr>
+          <p:cNvPr id="6" name="文本框 5"/>
+          <p:cNvSpPr txBox="1"/>
+          <p:nvPr/>
+        </p:nvSpPr>
+        <p:spPr>
+          <a:xfrm>
+            <a:off x="1280160" y="5390019"/>
+            <a:ext cx="1474470" cy="276999"/>
+          </a:xfrm>
+          <a:prstGeom prst="rect">
+            <a:avLst/>
+          </a:prstGeom>
+        </p:spPr>
+        <p:txBody>
+          <a:bodyPr wrap="square">
+            <a:spAutoFit/>
+          </a:bodyPr>
+          <a:lstStyle>
+            <a:defPPr>
+              <a:defRPr lang="en-US"/>
+            </a:defPPr>
+            <a:lvl1pPr>
+              <a:defRPr sz="1200" b="1">
+                <a:latin typeface="Times New Roman" panose="02020603050405020304" pitchFamily="18" charset="0"/>
+                <a:cs typeface="Times New Roman" panose="02020603050405020304" pitchFamily="18" charset="0"/>
+              </a:defRPr>
+            </a:lvl1pPr>
+          </a:lstStyle>
+          <a:p>
+            <a:r>
+              <a:rPr lang="en-US" altLang="zh-CN" dirty="0"/>
+              <a:t>0.6V, 0.3-0.4-0.5</a:t>
+            </a:r>
+          </a:p>
+        </p:txBody>
+      </p:sp>
+      <p:sp>
+        <p:nvSpPr>
+          <p:cNvPr id="7" name="文本框 6"/>
+          <p:cNvSpPr txBox="1"/>
+          <p:nvPr/>
+        </p:nvSpPr>
+        <p:spPr>
+          <a:xfrm>
+            <a:off x="5044440" y="5113020"/>
+            <a:ext cx="1314450" cy="276999"/>
+          </a:xfrm>
+          <a:prstGeom prst="rect">
+            <a:avLst/>
+          </a:prstGeom>
+          <a:noFill/>
+        </p:spPr>
+        <p:txBody>
+          <a:bodyPr wrap="square" rtlCol="0">
+            <a:spAutoFit/>
+          </a:bodyPr>
+          <a:lstStyle/>
+          <a:p>
+            <a:r>
+              <a:rPr lang="en-US" altLang="zh-CN" sz="1200" b="1" dirty="0">
+                <a:latin typeface="Times New Roman" panose="02020603050405020304" pitchFamily="18" charset="0"/>
+                <a:cs typeface="Times New Roman" panose="02020603050405020304" pitchFamily="18" charset="0"/>
+              </a:rPr>
+              <a:t>0.9V, 0.4</a:t>
+            </a:r>
+          </a:p>
+        </p:txBody>
+      </p:sp>
+      <p:sp>
+        <p:nvSpPr>
+          <p:cNvPr id="8" name="文本框 7"/>
+          <p:cNvSpPr txBox="1"/>
+          <p:nvPr/>
+        </p:nvSpPr>
+        <p:spPr>
+          <a:xfrm>
+            <a:off x="5044440" y="5390019"/>
+            <a:ext cx="1474470" cy="276999"/>
+          </a:xfrm>
+          <a:prstGeom prst="rect">
+            <a:avLst/>
+          </a:prstGeom>
+          <a:noFill/>
+        </p:spPr>
+        <p:txBody>
+          <a:bodyPr wrap="square" rtlCol="0">
+            <a:spAutoFit/>
+          </a:bodyPr>
+          <a:lstStyle/>
+          <a:p>
+            <a:r>
+              <a:rPr lang="en-US" altLang="zh-CN" sz="1200" b="1" dirty="0">
+                <a:latin typeface="Times New Roman" panose="02020603050405020304" pitchFamily="18" charset="0"/>
+                <a:cs typeface="Times New Roman" panose="02020603050405020304" pitchFamily="18" charset="0"/>
+              </a:rPr>
+              <a:t>0.9V, 0.3-0.4-0.5</a:t>
+            </a:r>
+          </a:p>
+        </p:txBody>
+      </p:sp>
+      <p:sp>
+        <p:nvSpPr>
+          <p:cNvPr id="9" name="矩形 8"/>
+          <p:cNvSpPr/>
+          <p:nvPr/>
+        </p:nvSpPr>
+        <p:spPr>
+          <a:xfrm flipH="1">
+            <a:off x="2170261" y="5113020"/>
+            <a:ext cx="1569253" cy="276999"/>
+          </a:xfrm>
+          <a:prstGeom prst="rect">
+            <a:avLst/>
+          </a:prstGeom>
+        </p:spPr>
+        <p:txBody>
+          <a:bodyPr wrap="square">
+            <a:spAutoFit/>
+          </a:bodyPr>
+          <a:lstStyle/>
+          <a:p>
+            <a:r>
+              <a:rPr lang="en-US" altLang="zh-CN" sz="1200" b="1" dirty="0" smtClean="0">
+                <a:latin typeface="Times New Roman" panose="02020603050405020304" pitchFamily="18" charset="0"/>
+                <a:cs typeface="Times New Roman" panose="02020603050405020304" pitchFamily="18" charset="0"/>
+              </a:rPr>
+              <a:t>I = </a:t>
+            </a:r>
+            <a:r>
+              <a:rPr lang="zh-CN" altLang="en-US" sz="1200" b="1" dirty="0" smtClean="0">
+                <a:latin typeface="Times New Roman" panose="02020603050405020304" pitchFamily="18" charset="0"/>
+                <a:cs typeface="Times New Roman" panose="02020603050405020304" pitchFamily="18" charset="0"/>
+              </a:rPr>
+              <a:t>0</a:t>
+            </a:r>
+            <a:r>
+              <a:rPr lang="zh-CN" altLang="en-US" sz="1200" b="1" dirty="0">
+                <a:latin typeface="Times New Roman" panose="02020603050405020304" pitchFamily="18" charset="0"/>
+                <a:cs typeface="Times New Roman" panose="02020603050405020304" pitchFamily="18" charset="0"/>
+              </a:rPr>
+              <a:t>.017589</a:t>
+            </a:r>
+          </a:p>
+        </p:txBody>
+      </p:sp>
+      <p:sp>
+        <p:nvSpPr>
+          <p:cNvPr id="10" name="矩形 9"/>
+          <p:cNvSpPr/>
+          <p:nvPr/>
+        </p:nvSpPr>
+        <p:spPr>
+          <a:xfrm flipH="1">
+            <a:off x="6029324" y="5113019"/>
+            <a:ext cx="1569253" cy="276999"/>
+          </a:xfrm>
+          <a:prstGeom prst="rect">
+            <a:avLst/>
+          </a:prstGeom>
+        </p:spPr>
+        <p:txBody>
+          <a:bodyPr wrap="square">
+            <a:spAutoFit/>
+          </a:bodyPr>
+          <a:lstStyle/>
+          <a:p>
+            <a:r>
+              <a:rPr lang="en-US" altLang="zh-CN" sz="1200" b="1" dirty="0" smtClean="0">
+                <a:latin typeface="Times New Roman" panose="02020603050405020304" pitchFamily="18" charset="0"/>
+                <a:cs typeface="Times New Roman" panose="02020603050405020304" pitchFamily="18" charset="0"/>
+              </a:rPr>
+              <a:t>I </a:t>
+            </a:r>
+            <a:r>
+              <a:rPr lang="en-US" altLang="zh-CN" sz="1200" b="1" dirty="0">
+                <a:latin typeface="Times New Roman" panose="02020603050405020304" pitchFamily="18" charset="0"/>
+                <a:cs typeface="Times New Roman" panose="02020603050405020304" pitchFamily="18" charset="0"/>
+              </a:rPr>
+              <a:t>= 1.0636</a:t>
+            </a:r>
+            <a:endParaRPr lang="zh-CN" altLang="en-US" sz="1200" b="1" dirty="0">
+              <a:latin typeface="Times New Roman" panose="02020603050405020304" pitchFamily="18" charset="0"/>
+              <a:cs typeface="Times New Roman" panose="02020603050405020304" pitchFamily="18" charset="0"/>
+            </a:endParaRPr>
+          </a:p>
+        </p:txBody>
+      </p:sp>
+      <p:sp>
+        <p:nvSpPr>
+          <p:cNvPr id="11" name="矩形 10"/>
+          <p:cNvSpPr/>
+          <p:nvPr/>
+        </p:nvSpPr>
+        <p:spPr>
+          <a:xfrm flipH="1">
+            <a:off x="2589847" y="5390019"/>
+            <a:ext cx="1569253" cy="276999"/>
+          </a:xfrm>
+          <a:prstGeom prst="rect">
+            <a:avLst/>
+          </a:prstGeom>
+        </p:spPr>
+        <p:txBody>
+          <a:bodyPr wrap="square">
+            <a:spAutoFit/>
+          </a:bodyPr>
+          <a:lstStyle/>
+          <a:p>
+            <a:r>
+              <a:rPr lang="en-US" altLang="zh-CN" sz="1200" b="1" dirty="0" smtClean="0">
+                <a:latin typeface="Times New Roman" panose="02020603050405020304" pitchFamily="18" charset="0"/>
+                <a:cs typeface="Times New Roman" panose="02020603050405020304" pitchFamily="18" charset="0"/>
+              </a:rPr>
+              <a:t>I =</a:t>
+            </a:r>
+            <a:endParaRPr lang="zh-CN" altLang="en-US" sz="1200" b="1" dirty="0">
+              <a:latin typeface="Times New Roman" panose="02020603050405020304" pitchFamily="18" charset="0"/>
+              <a:cs typeface="Times New Roman" panose="02020603050405020304" pitchFamily="18" charset="0"/>
+            </a:endParaRPr>
+          </a:p>
+        </p:txBody>
+      </p:sp>
+      <p:sp>
+        <p:nvSpPr>
+          <p:cNvPr id="12" name="矩形 11"/>
+          <p:cNvSpPr/>
+          <p:nvPr/>
+        </p:nvSpPr>
+        <p:spPr>
+          <a:xfrm flipH="1">
+            <a:off x="6488430" y="5390018"/>
+            <a:ext cx="1569253" cy="276999"/>
+          </a:xfrm>
+          <a:prstGeom prst="rect">
+            <a:avLst/>
+          </a:prstGeom>
+        </p:spPr>
+        <p:txBody>
+          <a:bodyPr wrap="square">
+            <a:spAutoFit/>
+          </a:bodyPr>
+          <a:lstStyle/>
+          <a:p>
+            <a:r>
+              <a:rPr lang="en-US" altLang="zh-CN" sz="1200" b="1" dirty="0" smtClean="0">
+                <a:latin typeface="Times New Roman" panose="02020603050405020304" pitchFamily="18" charset="0"/>
+                <a:cs typeface="Times New Roman" panose="02020603050405020304" pitchFamily="18" charset="0"/>
+              </a:rPr>
+              <a:t>I =</a:t>
+            </a:r>
+            <a:endParaRPr lang="zh-CN" altLang="en-US" sz="1200" b="1" dirty="0">
+              <a:latin typeface="Times New Roman" panose="02020603050405020304" pitchFamily="18" charset="0"/>
+              <a:cs typeface="Times New Roman" panose="02020603050405020304" pitchFamily="18" charset="0"/>
+            </a:endParaRPr>
+          </a:p>
+        </p:txBody>
+      </p:sp>
+      <p:sp>
+        <p:nvSpPr>
+          <p:cNvPr id="13" name="矩形 12"/>
+          <p:cNvSpPr/>
+          <p:nvPr/>
+        </p:nvSpPr>
+        <p:spPr>
+          <a:xfrm>
+            <a:off x="3605102" y="2797433"/>
+            <a:ext cx="1800493" cy="369332"/>
+          </a:xfrm>
+          <a:prstGeom prst="rect">
+            <a:avLst/>
+          </a:prstGeom>
+        </p:spPr>
+        <p:txBody>
+          <a:bodyPr wrap="none">
+            <a:spAutoFit/>
+          </a:bodyPr>
+          <a:lstStyle/>
+          <a:p>
+            <a:r>
+              <a:rPr lang="zh-CN" altLang="en-US" b="1" dirty="0">
+                <a:latin typeface="微软雅黑" panose="020B0503020204020204" pitchFamily="34" charset="-122"/>
+                <a:ea typeface="微软雅黑" panose="020B0503020204020204" pitchFamily="34" charset="-122"/>
+              </a:rPr>
+              <a:t>电化学反应速率</a:t>
+            </a:r>
+            <a:endParaRPr lang="zh-CN" altLang="en-US" dirty="0"/>
+          </a:p>
+        </p:txBody>
+      </p:sp>
     </p:spTree>
     <p:extLst>
       <p:ext uri="{BB962C8B-B14F-4D97-AF65-F5344CB8AC3E}">
-        <p14:creationId xmlns:p14="http://schemas.microsoft.com/office/powerpoint/2010/main" val="1164111951"/>
+        <p14:creationId xmlns:p14="http://schemas.microsoft.com/office/powerpoint/2010/main" val="841909923"/>
       </p:ext>
     </p:extLst>
   </p:cSld>

--- a/Report notes/GDL_PorosityDistribution.pptx
+++ b/Report notes/GDL_PorosityDistribution.pptx
@@ -5,7 +5,7 @@
     <p:sldMasterId id="2147483660" r:id="rId1"/>
   </p:sldMasterIdLst>
   <p:notesMasterIdLst>
-    <p:notesMasterId r:id="rId15"/>
+    <p:notesMasterId r:id="rId18"/>
   </p:notesMasterIdLst>
   <p:sldIdLst>
     <p:sldId id="269" r:id="rId2"/>
@@ -18,9 +18,12 @@
     <p:sldId id="264" r:id="rId9"/>
     <p:sldId id="260" r:id="rId10"/>
     <p:sldId id="266" r:id="rId11"/>
-    <p:sldId id="257" r:id="rId12"/>
-    <p:sldId id="263" r:id="rId13"/>
-    <p:sldId id="256" r:id="rId14"/>
+    <p:sldId id="270" r:id="rId12"/>
+    <p:sldId id="257" r:id="rId13"/>
+    <p:sldId id="263" r:id="rId14"/>
+    <p:sldId id="256" r:id="rId15"/>
+    <p:sldId id="271" r:id="rId16"/>
+    <p:sldId id="272" r:id="rId17"/>
   </p:sldIdLst>
   <p:sldSz cx="9144000" cy="6858000" type="screen4x3"/>
   <p:notesSz cx="6858000" cy="9144000"/>
@@ -129,7 +132,7 @@
 
 <file path=ppt/commentAuthors.xml><?xml version="1.0" encoding="utf-8"?>
 <p:cmAuthorLst xmlns:a="http://schemas.openxmlformats.org/drawingml/2006/main" xmlns:r="http://schemas.openxmlformats.org/officeDocument/2006/relationships" xmlns:p="http://schemas.openxmlformats.org/presentationml/2006/main">
-  <p:cmAuthor id="1" name="1" initials="1" lastIdx="29" clrIdx="0">
+  <p:cmAuthor id="1" name="1" initials="1" lastIdx="31" clrIdx="0">
     <p:extLst>
       <p:ext uri="{19B8F6BF-5375-455C-9EA6-DF929625EA0E}">
         <p15:presenceInfo xmlns:p15="http://schemas.microsoft.com/office/powerpoint/2012/main" userId="1" providerId="None"/>
@@ -175,6 +178,26 @@
       <p:ext uri="{C676402C-5697-4E1C-873F-D02D1690AC5C}">
         <p15:threadingInfo xmlns:p15="http://schemas.microsoft.com/office/powerpoint/2012/main" timeZoneBias="-480">
           <p15:parentCm authorId="1" idx="8"/>
+        </p15:threadingInfo>
+      </p:ext>
+    </p:extLst>
+  </p:cm>
+  <p:cm authorId="1" dt="2019-06-05T08:53:05.147" idx="30">
+    <p:pos x="2674" y="2350"/>
+    <p:text>毛细压力的作用具体包括小孔中表面张力的作用和壁面吸附力的作用</p:text>
+    <p:extLst>
+      <p:ext uri="{C676402C-5697-4E1C-873F-D02D1690AC5C}">
+        <p15:threadingInfo xmlns:p15="http://schemas.microsoft.com/office/powerpoint/2012/main" timeZoneBias="-480"/>
+      </p:ext>
+    </p:extLst>
+  </p:cm>
+  <p:cm authorId="1" dt="2019-06-05T08:55:38.029" idx="31">
+    <p:pos x="2674" y="2486"/>
+    <p:text>毛细压力即定义为界面压力差，用YoungeLaplace equation来描述 [Jiao, K. and X. Li, Water transport in polymer electrolyte membrane fuel cells. Progress in Energy and Combustion Science, 2011. 37(3): p. 221-291.][126]</p:text>
+    <p:extLst>
+      <p:ext uri="{C676402C-5697-4E1C-873F-D02D1690AC5C}">
+        <p15:threadingInfo xmlns:p15="http://schemas.microsoft.com/office/powerpoint/2012/main" timeZoneBias="-480">
+          <p15:parentCm authorId="1" idx="30"/>
         </p15:threadingInfo>
       </p:ext>
     </p:extLst>
@@ -403,7 +426,7 @@
           <a:p>
             <a:fld id="{4E31AF11-D304-43EE-B6E4-B029EBD63324}" type="datetimeFigureOut">
               <a:rPr lang="zh-CN" altLang="en-US" smtClean="0"/>
-              <a:t>2019/5/29</a:t>
+              <a:t>2019/6/5</a:t>
             </a:fld>
             <a:endParaRPr lang="zh-CN" altLang="en-US"/>
           </a:p>
@@ -671,6 +694,174 @@
 </p:notesMaster>
 </file>
 
+<file path=ppt/notesSlides/notesSlide1.xml><?xml version="1.0" encoding="utf-8"?>
+<p:notes xmlns:a="http://schemas.openxmlformats.org/drawingml/2006/main" xmlns:r="http://schemas.openxmlformats.org/officeDocument/2006/relationships" xmlns:p="http://schemas.openxmlformats.org/presentationml/2006/main">
+  <p:cSld>
+    <p:spTree>
+      <p:nvGrpSpPr>
+        <p:cNvPr id="1" name=""/>
+        <p:cNvGrpSpPr/>
+        <p:nvPr/>
+      </p:nvGrpSpPr>
+      <p:grpSpPr>
+        <a:xfrm>
+          <a:off x="0" y="0"/>
+          <a:ext cx="0" cy="0"/>
+          <a:chOff x="0" y="0"/>
+          <a:chExt cx="0" cy="0"/>
+        </a:xfrm>
+      </p:grpSpPr>
+      <p:sp>
+        <p:nvSpPr>
+          <p:cNvPr id="2" name="幻灯片图像占位符 1"/>
+          <p:cNvSpPr>
+            <a:spLocks noGrp="1" noRot="1" noChangeAspect="1"/>
+          </p:cNvSpPr>
+          <p:nvPr>
+            <p:ph type="sldImg"/>
+          </p:nvPr>
+        </p:nvSpPr>
+        <p:spPr/>
+      </p:sp>
+      <p:sp>
+        <p:nvSpPr>
+          <p:cNvPr id="3" name="备注占位符 2"/>
+          <p:cNvSpPr>
+            <a:spLocks noGrp="1"/>
+          </p:cNvSpPr>
+          <p:nvPr>
+            <p:ph type="body" idx="1"/>
+          </p:nvPr>
+        </p:nvSpPr>
+        <p:spPr/>
+        <p:txBody>
+          <a:bodyPr/>
+          <a:lstStyle/>
+          <a:p>
+            <a:endParaRPr lang="zh-CN" altLang="en-US" noProof="0" dirty="0"/>
+          </a:p>
+        </p:txBody>
+      </p:sp>
+      <p:sp>
+        <p:nvSpPr>
+          <p:cNvPr id="4" name="灯片编号占位符 3"/>
+          <p:cNvSpPr>
+            <a:spLocks noGrp="1"/>
+          </p:cNvSpPr>
+          <p:nvPr>
+            <p:ph type="sldNum" sz="quarter" idx="10"/>
+          </p:nvPr>
+        </p:nvSpPr>
+        <p:spPr/>
+        <p:txBody>
+          <a:bodyPr/>
+          <a:lstStyle/>
+          <a:p>
+            <a:fld id="{C1EFE4FD-7CD6-4399-BE09-0993CCBA1179}" type="slidenum">
+              <a:rPr lang="zh-CN" altLang="en-US" smtClean="0"/>
+              <a:t>1</a:t>
+            </a:fld>
+            <a:endParaRPr lang="zh-CN" altLang="en-US"/>
+          </a:p>
+        </p:txBody>
+      </p:sp>
+    </p:spTree>
+    <p:extLst>
+      <p:ext uri="{BB962C8B-B14F-4D97-AF65-F5344CB8AC3E}">
+        <p14:creationId xmlns:p14="http://schemas.microsoft.com/office/powerpoint/2010/main" val="3918542830"/>
+      </p:ext>
+    </p:extLst>
+  </p:cSld>
+  <p:clrMapOvr>
+    <a:masterClrMapping/>
+  </p:clrMapOvr>
+</p:notes>
+</file>
+
+<file path=ppt/notesSlides/notesSlide2.xml><?xml version="1.0" encoding="utf-8"?>
+<p:notes xmlns:a="http://schemas.openxmlformats.org/drawingml/2006/main" xmlns:r="http://schemas.openxmlformats.org/officeDocument/2006/relationships" xmlns:p="http://schemas.openxmlformats.org/presentationml/2006/main">
+  <p:cSld>
+    <p:spTree>
+      <p:nvGrpSpPr>
+        <p:cNvPr id="1" name=""/>
+        <p:cNvGrpSpPr/>
+        <p:nvPr/>
+      </p:nvGrpSpPr>
+      <p:grpSpPr>
+        <a:xfrm>
+          <a:off x="0" y="0"/>
+          <a:ext cx="0" cy="0"/>
+          <a:chOff x="0" y="0"/>
+          <a:chExt cx="0" cy="0"/>
+        </a:xfrm>
+      </p:grpSpPr>
+      <p:sp>
+        <p:nvSpPr>
+          <p:cNvPr id="2" name="幻灯片图像占位符 1"/>
+          <p:cNvSpPr>
+            <a:spLocks noGrp="1" noRot="1" noChangeAspect="1"/>
+          </p:cNvSpPr>
+          <p:nvPr>
+            <p:ph type="sldImg"/>
+          </p:nvPr>
+        </p:nvSpPr>
+        <p:spPr/>
+      </p:sp>
+      <p:sp>
+        <p:nvSpPr>
+          <p:cNvPr id="3" name="备注占位符 2"/>
+          <p:cNvSpPr>
+            <a:spLocks noGrp="1"/>
+          </p:cNvSpPr>
+          <p:nvPr>
+            <p:ph type="body" idx="1"/>
+          </p:nvPr>
+        </p:nvSpPr>
+        <p:spPr/>
+        <p:txBody>
+          <a:bodyPr/>
+          <a:lstStyle/>
+          <a:p>
+            <a:endParaRPr lang="zh-CN" altLang="en-US" dirty="0"/>
+          </a:p>
+        </p:txBody>
+      </p:sp>
+      <p:sp>
+        <p:nvSpPr>
+          <p:cNvPr id="4" name="灯片编号占位符 3"/>
+          <p:cNvSpPr>
+            <a:spLocks noGrp="1"/>
+          </p:cNvSpPr>
+          <p:nvPr>
+            <p:ph type="sldNum" sz="quarter" idx="10"/>
+          </p:nvPr>
+        </p:nvSpPr>
+        <p:spPr/>
+        <p:txBody>
+          <a:bodyPr/>
+          <a:lstStyle/>
+          <a:p>
+            <a:fld id="{C1EFE4FD-7CD6-4399-BE09-0993CCBA1179}" type="slidenum">
+              <a:rPr lang="zh-CN" altLang="en-US" smtClean="0"/>
+              <a:t>3</a:t>
+            </a:fld>
+            <a:endParaRPr lang="zh-CN" altLang="en-US"/>
+          </a:p>
+        </p:txBody>
+      </p:sp>
+    </p:spTree>
+    <p:extLst>
+      <p:ext uri="{BB962C8B-B14F-4D97-AF65-F5344CB8AC3E}">
+        <p14:creationId xmlns:p14="http://schemas.microsoft.com/office/powerpoint/2010/main" val="2343748721"/>
+      </p:ext>
+    </p:extLst>
+  </p:cSld>
+  <p:clrMapOvr>
+    <a:masterClrMapping/>
+  </p:clrMapOvr>
+</p:notes>
+</file>
+
 <file path=ppt/slideLayouts/slideLayout1.xml><?xml version="1.0" encoding="utf-8"?>
 <p:sldLayout xmlns:a="http://schemas.openxmlformats.org/drawingml/2006/main" xmlns:r="http://schemas.openxmlformats.org/officeDocument/2006/relationships" xmlns:p="http://schemas.openxmlformats.org/presentationml/2006/main" type="title" preserve="1">
   <p:cSld name="标题幻灯片">
@@ -802,7 +993,7 @@
           <a:p>
             <a:fld id="{0D931F99-1544-4821-BA39-7D82BFF6D049}" type="datetimeFigureOut">
               <a:rPr lang="zh-CN" altLang="en-US" smtClean="0"/>
-              <a:t>2019/5/29</a:t>
+              <a:t>2019/6/5</a:t>
             </a:fld>
             <a:endParaRPr lang="zh-CN" altLang="en-US"/>
           </a:p>
@@ -972,7 +1163,7 @@
           <a:p>
             <a:fld id="{0D931F99-1544-4821-BA39-7D82BFF6D049}" type="datetimeFigureOut">
               <a:rPr lang="zh-CN" altLang="en-US" smtClean="0"/>
-              <a:t>2019/5/29</a:t>
+              <a:t>2019/6/5</a:t>
             </a:fld>
             <a:endParaRPr lang="zh-CN" altLang="en-US"/>
           </a:p>
@@ -1152,7 +1343,7 @@
           <a:p>
             <a:fld id="{0D931F99-1544-4821-BA39-7D82BFF6D049}" type="datetimeFigureOut">
               <a:rPr lang="zh-CN" altLang="en-US" smtClean="0"/>
-              <a:t>2019/5/29</a:t>
+              <a:t>2019/6/5</a:t>
             </a:fld>
             <a:endParaRPr lang="zh-CN" altLang="en-US"/>
           </a:p>
@@ -1322,7 +1513,7 @@
           <a:p>
             <a:fld id="{0D931F99-1544-4821-BA39-7D82BFF6D049}" type="datetimeFigureOut">
               <a:rPr lang="zh-CN" altLang="en-US" smtClean="0"/>
-              <a:t>2019/5/29</a:t>
+              <a:t>2019/6/5</a:t>
             </a:fld>
             <a:endParaRPr lang="zh-CN" altLang="en-US"/>
           </a:p>
@@ -1566,7 +1757,7 @@
           <a:p>
             <a:fld id="{0D931F99-1544-4821-BA39-7D82BFF6D049}" type="datetimeFigureOut">
               <a:rPr lang="zh-CN" altLang="en-US" smtClean="0"/>
-              <a:t>2019/5/29</a:t>
+              <a:t>2019/6/5</a:t>
             </a:fld>
             <a:endParaRPr lang="zh-CN" altLang="en-US"/>
           </a:p>
@@ -1798,7 +1989,7 @@
           <a:p>
             <a:fld id="{0D931F99-1544-4821-BA39-7D82BFF6D049}" type="datetimeFigureOut">
               <a:rPr lang="zh-CN" altLang="en-US" smtClean="0"/>
-              <a:t>2019/5/29</a:t>
+              <a:t>2019/6/5</a:t>
             </a:fld>
             <a:endParaRPr lang="zh-CN" altLang="en-US"/>
           </a:p>
@@ -2165,7 +2356,7 @@
           <a:p>
             <a:fld id="{0D931F99-1544-4821-BA39-7D82BFF6D049}" type="datetimeFigureOut">
               <a:rPr lang="zh-CN" altLang="en-US" smtClean="0"/>
-              <a:t>2019/5/29</a:t>
+              <a:t>2019/6/5</a:t>
             </a:fld>
             <a:endParaRPr lang="zh-CN" altLang="en-US"/>
           </a:p>
@@ -2283,7 +2474,7 @@
           <a:p>
             <a:fld id="{0D931F99-1544-4821-BA39-7D82BFF6D049}" type="datetimeFigureOut">
               <a:rPr lang="zh-CN" altLang="en-US" smtClean="0"/>
-              <a:t>2019/5/29</a:t>
+              <a:t>2019/6/5</a:t>
             </a:fld>
             <a:endParaRPr lang="zh-CN" altLang="en-US"/>
           </a:p>
@@ -2378,7 +2569,7 @@
           <a:p>
             <a:fld id="{0D931F99-1544-4821-BA39-7D82BFF6D049}" type="datetimeFigureOut">
               <a:rPr lang="zh-CN" altLang="en-US" smtClean="0"/>
-              <a:t>2019/5/29</a:t>
+              <a:t>2019/6/5</a:t>
             </a:fld>
             <a:endParaRPr lang="zh-CN" altLang="en-US"/>
           </a:p>
@@ -2655,7 +2846,7 @@
           <a:p>
             <a:fld id="{0D931F99-1544-4821-BA39-7D82BFF6D049}" type="datetimeFigureOut">
               <a:rPr lang="zh-CN" altLang="en-US" smtClean="0"/>
-              <a:t>2019/5/29</a:t>
+              <a:t>2019/6/5</a:t>
             </a:fld>
             <a:endParaRPr lang="zh-CN" altLang="en-US"/>
           </a:p>
@@ -2912,7 +3103,7 @@
           <a:p>
             <a:fld id="{0D931F99-1544-4821-BA39-7D82BFF6D049}" type="datetimeFigureOut">
               <a:rPr lang="zh-CN" altLang="en-US" smtClean="0"/>
-              <a:t>2019/5/29</a:t>
+              <a:t>2019/6/5</a:t>
             </a:fld>
             <a:endParaRPr lang="zh-CN" altLang="en-US"/>
           </a:p>
@@ -3125,7 +3316,7 @@
           <a:p>
             <a:fld id="{0D931F99-1544-4821-BA39-7D82BFF6D049}" type="datetimeFigureOut">
               <a:rPr lang="zh-CN" altLang="en-US" smtClean="0"/>
-              <a:t>2019/5/29</a:t>
+              <a:t>2019/6/5</a:t>
             </a:fld>
             <a:endParaRPr lang="zh-CN" altLang="en-US"/>
           </a:p>
@@ -3539,7 +3730,7 @@
           <p:nvPr/>
         </p:nvPicPr>
         <p:blipFill>
-          <a:blip r:embed="rId2">
+          <a:blip r:embed="rId3">
             <a:extLst>
               <a:ext uri="{28A0092B-C50C-407E-A947-70E740481C1C}">
                 <a14:useLocalDpi xmlns:a14="http://schemas.microsoft.com/office/drawing/2010/main" val="0"/>
@@ -5516,6 +5707,573 @@
 </file>
 
 <file path=ppt/slides/slide11.xml><?xml version="1.0" encoding="utf-8"?>
+<p:sld xmlns:a="http://schemas.openxmlformats.org/drawingml/2006/main" xmlns:r="http://schemas.openxmlformats.org/officeDocument/2006/relationships" xmlns:p="http://schemas.openxmlformats.org/presentationml/2006/main">
+  <p:cSld>
+    <p:spTree>
+      <p:nvGrpSpPr>
+        <p:cNvPr id="1" name=""/>
+        <p:cNvGrpSpPr/>
+        <p:nvPr/>
+      </p:nvGrpSpPr>
+      <p:grpSpPr>
+        <a:xfrm>
+          <a:off x="0" y="0"/>
+          <a:ext cx="0" cy="0"/>
+          <a:chOff x="0" y="0"/>
+          <a:chExt cx="0" cy="0"/>
+        </a:xfrm>
+      </p:grpSpPr>
+      <p:sp>
+        <p:nvSpPr>
+          <p:cNvPr id="11" name="矩形 15"/>
+          <p:cNvSpPr>
+            <a:spLocks noChangeArrowheads="1"/>
+          </p:cNvSpPr>
+          <p:nvPr/>
+        </p:nvSpPr>
+        <p:spPr bwMode="auto">
+          <a:xfrm>
+            <a:off x="6973570" y="-52388"/>
+            <a:ext cx="2159566" cy="738664"/>
+          </a:xfrm>
+          <a:prstGeom prst="rect">
+            <a:avLst/>
+          </a:prstGeom>
+          <a:noFill/>
+          <a:ln>
+            <a:noFill/>
+          </a:ln>
+          <a:extLst>
+            <a:ext uri="{909E8E84-426E-40DD-AFC4-6F175D3DCCD1}">
+              <a14:hiddenFill xmlns:a14="http://schemas.microsoft.com/office/drawing/2010/main">
+                <a:solidFill>
+                  <a:srgbClr val="FFFFFF"/>
+                </a:solidFill>
+              </a14:hiddenFill>
+            </a:ext>
+            <a:ext uri="{91240B29-F687-4F45-9708-019B960494DF}">
+              <a14:hiddenLine xmlns:a14="http://schemas.microsoft.com/office/drawing/2010/main" w="9525">
+                <a:solidFill>
+                  <a:srgbClr val="000000"/>
+                </a:solidFill>
+                <a:miter lim="800000"/>
+                <a:headEnd/>
+                <a:tailEnd/>
+              </a14:hiddenLine>
+            </a:ext>
+          </a:extLst>
+        </p:spPr>
+        <p:txBody>
+          <a:bodyPr wrap="none">
+            <a:spAutoFit/>
+          </a:bodyPr>
+          <a:lstStyle>
+            <a:lvl1pPr>
+              <a:spcBef>
+                <a:spcPct val="20000"/>
+              </a:spcBef>
+              <a:buFont typeface="Arial" panose="020B0604020202020204" pitchFamily="34" charset="0"/>
+              <a:buChar char="•"/>
+              <a:defRPr sz="3200">
+                <a:solidFill>
+                  <a:schemeClr val="tx1"/>
+                </a:solidFill>
+                <a:latin typeface="Calibri" panose="020F0502020204030204" pitchFamily="34" charset="0"/>
+                <a:ea typeface="宋体" panose="02010600030101010101" pitchFamily="2" charset="-122"/>
+                <a:sym typeface="Calibri" panose="020F0502020204030204" pitchFamily="34" charset="0"/>
+              </a:defRPr>
+            </a:lvl1pPr>
+            <a:lvl2pPr marL="742950" indent="-285750">
+              <a:spcBef>
+                <a:spcPct val="20000"/>
+              </a:spcBef>
+              <a:buFont typeface="Arial" panose="020B0604020202020204" pitchFamily="34" charset="0"/>
+              <a:buChar char="–"/>
+              <a:defRPr sz="2800">
+                <a:solidFill>
+                  <a:schemeClr val="tx1"/>
+                </a:solidFill>
+                <a:latin typeface="Calibri" panose="020F0502020204030204" pitchFamily="34" charset="0"/>
+                <a:ea typeface="宋体" panose="02010600030101010101" pitchFamily="2" charset="-122"/>
+                <a:sym typeface="Calibri" panose="020F0502020204030204" pitchFamily="34" charset="0"/>
+              </a:defRPr>
+            </a:lvl2pPr>
+            <a:lvl3pPr marL="1143000" indent="-228600">
+              <a:spcBef>
+                <a:spcPct val="20000"/>
+              </a:spcBef>
+              <a:buFont typeface="Arial" panose="020B0604020202020204" pitchFamily="34" charset="0"/>
+              <a:buChar char="•"/>
+              <a:defRPr sz="2400">
+                <a:solidFill>
+                  <a:schemeClr val="tx1"/>
+                </a:solidFill>
+                <a:latin typeface="Calibri" panose="020F0502020204030204" pitchFamily="34" charset="0"/>
+                <a:ea typeface="宋体" panose="02010600030101010101" pitchFamily="2" charset="-122"/>
+                <a:sym typeface="Calibri" panose="020F0502020204030204" pitchFamily="34" charset="0"/>
+              </a:defRPr>
+            </a:lvl3pPr>
+            <a:lvl4pPr marL="1600200" indent="-228600">
+              <a:spcBef>
+                <a:spcPct val="20000"/>
+              </a:spcBef>
+              <a:buFont typeface="Arial" panose="020B0604020202020204" pitchFamily="34" charset="0"/>
+              <a:buChar char="–"/>
+              <a:defRPr sz="2000">
+                <a:solidFill>
+                  <a:schemeClr val="tx1"/>
+                </a:solidFill>
+                <a:latin typeface="Calibri" panose="020F0502020204030204" pitchFamily="34" charset="0"/>
+                <a:ea typeface="宋体" panose="02010600030101010101" pitchFamily="2" charset="-122"/>
+                <a:sym typeface="Calibri" panose="020F0502020204030204" pitchFamily="34" charset="0"/>
+              </a:defRPr>
+            </a:lvl4pPr>
+            <a:lvl5pPr marL="2057400" indent="-228600">
+              <a:spcBef>
+                <a:spcPct val="20000"/>
+              </a:spcBef>
+              <a:buFont typeface="Arial" panose="020B0604020202020204" pitchFamily="34" charset="0"/>
+              <a:buChar char="»"/>
+              <a:defRPr sz="2000">
+                <a:solidFill>
+                  <a:schemeClr val="tx1"/>
+                </a:solidFill>
+                <a:latin typeface="Calibri" panose="020F0502020204030204" pitchFamily="34" charset="0"/>
+                <a:ea typeface="宋体" panose="02010600030101010101" pitchFamily="2" charset="-122"/>
+                <a:sym typeface="Calibri" panose="020F0502020204030204" pitchFamily="34" charset="0"/>
+              </a:defRPr>
+            </a:lvl5pPr>
+            <a:lvl6pPr marL="2514600" indent="-228600" eaLnBrk="0" fontAlgn="base" hangingPunct="0">
+              <a:spcBef>
+                <a:spcPct val="20000"/>
+              </a:spcBef>
+              <a:spcAft>
+                <a:spcPct val="0"/>
+              </a:spcAft>
+              <a:buFont typeface="Arial" panose="020B0604020202020204" pitchFamily="34" charset="0"/>
+              <a:buChar char="»"/>
+              <a:defRPr sz="2000">
+                <a:solidFill>
+                  <a:schemeClr val="tx1"/>
+                </a:solidFill>
+                <a:latin typeface="Calibri" panose="020F0502020204030204" pitchFamily="34" charset="0"/>
+                <a:ea typeface="宋体" panose="02010600030101010101" pitchFamily="2" charset="-122"/>
+                <a:sym typeface="Calibri" panose="020F0502020204030204" pitchFamily="34" charset="0"/>
+              </a:defRPr>
+            </a:lvl6pPr>
+            <a:lvl7pPr marL="2971800" indent="-228600" eaLnBrk="0" fontAlgn="base" hangingPunct="0">
+              <a:spcBef>
+                <a:spcPct val="20000"/>
+              </a:spcBef>
+              <a:spcAft>
+                <a:spcPct val="0"/>
+              </a:spcAft>
+              <a:buFont typeface="Arial" panose="020B0604020202020204" pitchFamily="34" charset="0"/>
+              <a:buChar char="»"/>
+              <a:defRPr sz="2000">
+                <a:solidFill>
+                  <a:schemeClr val="tx1"/>
+                </a:solidFill>
+                <a:latin typeface="Calibri" panose="020F0502020204030204" pitchFamily="34" charset="0"/>
+                <a:ea typeface="宋体" panose="02010600030101010101" pitchFamily="2" charset="-122"/>
+                <a:sym typeface="Calibri" panose="020F0502020204030204" pitchFamily="34" charset="0"/>
+              </a:defRPr>
+            </a:lvl7pPr>
+            <a:lvl8pPr marL="3429000" indent="-228600" eaLnBrk="0" fontAlgn="base" hangingPunct="0">
+              <a:spcBef>
+                <a:spcPct val="20000"/>
+              </a:spcBef>
+              <a:spcAft>
+                <a:spcPct val="0"/>
+              </a:spcAft>
+              <a:buFont typeface="Arial" panose="020B0604020202020204" pitchFamily="34" charset="0"/>
+              <a:buChar char="»"/>
+              <a:defRPr sz="2000">
+                <a:solidFill>
+                  <a:schemeClr val="tx1"/>
+                </a:solidFill>
+                <a:latin typeface="Calibri" panose="020F0502020204030204" pitchFamily="34" charset="0"/>
+                <a:ea typeface="宋体" panose="02010600030101010101" pitchFamily="2" charset="-122"/>
+                <a:sym typeface="Calibri" panose="020F0502020204030204" pitchFamily="34" charset="0"/>
+              </a:defRPr>
+            </a:lvl8pPr>
+            <a:lvl9pPr marL="3886200" indent="-228600" eaLnBrk="0" fontAlgn="base" hangingPunct="0">
+              <a:spcBef>
+                <a:spcPct val="20000"/>
+              </a:spcBef>
+              <a:spcAft>
+                <a:spcPct val="0"/>
+              </a:spcAft>
+              <a:buFont typeface="Arial" panose="020B0604020202020204" pitchFamily="34" charset="0"/>
+              <a:buChar char="»"/>
+              <a:defRPr sz="2000">
+                <a:solidFill>
+                  <a:schemeClr val="tx1"/>
+                </a:solidFill>
+                <a:latin typeface="Calibri" panose="020F0502020204030204" pitchFamily="34" charset="0"/>
+                <a:ea typeface="宋体" panose="02010600030101010101" pitchFamily="2" charset="-122"/>
+                <a:sym typeface="Calibri" panose="020F0502020204030204" pitchFamily="34" charset="0"/>
+              </a:defRPr>
+            </a:lvl9pPr>
+          </a:lstStyle>
+          <a:p>
+            <a:pPr>
+              <a:lnSpc>
+                <a:spcPct val="150000"/>
+              </a:lnSpc>
+              <a:spcBef>
+                <a:spcPct val="0"/>
+              </a:spcBef>
+              <a:buFontTx/>
+              <a:buNone/>
+            </a:pPr>
+            <a:r>
+              <a:rPr lang="en-US" altLang="zh-CN" sz="2800" b="1" dirty="0" smtClean="0">
+                <a:solidFill>
+                  <a:srgbClr val="3333FF"/>
+                </a:solidFill>
+                <a:latin typeface="Times New Roman" panose="02020603050405020304" pitchFamily="18" charset="0"/>
+                <a:ea typeface="微软雅黑" panose="020B0503020204020204" pitchFamily="34" charset="-122"/>
+                <a:cs typeface="Times New Roman" panose="02020603050405020304" pitchFamily="18" charset="0"/>
+              </a:rPr>
+              <a:t>1</a:t>
+            </a:r>
+            <a:r>
+              <a:rPr lang="zh-CN" altLang="en-US" sz="2800" b="1" dirty="0" smtClean="0">
+                <a:solidFill>
+                  <a:srgbClr val="3333FF"/>
+                </a:solidFill>
+                <a:latin typeface="Times New Roman" panose="02020603050405020304" pitchFamily="18" charset="0"/>
+                <a:ea typeface="微软雅黑" panose="020B0503020204020204" pitchFamily="34" charset="-122"/>
+                <a:cs typeface="Times New Roman" panose="02020603050405020304" pitchFamily="18" charset="0"/>
+              </a:rPr>
+              <a:t>、问题描述</a:t>
+            </a:r>
+            <a:endParaRPr lang="zh-CN" altLang="en-US" sz="2800" b="1" dirty="0">
+              <a:solidFill>
+                <a:srgbClr val="3333FF"/>
+              </a:solidFill>
+              <a:latin typeface="微软雅黑" panose="020B0503020204020204" pitchFamily="34" charset="-122"/>
+              <a:ea typeface="微软雅黑" panose="020B0503020204020204" pitchFamily="34" charset="-122"/>
+              <a:cs typeface="Times New Roman" panose="02020603050405020304" pitchFamily="18" charset="0"/>
+            </a:endParaRPr>
+          </a:p>
+        </p:txBody>
+      </p:sp>
+      <p:grpSp>
+        <p:nvGrpSpPr>
+          <p:cNvPr id="12" name="组合 12"/>
+          <p:cNvGrpSpPr>
+            <a:grpSpLocks/>
+          </p:cNvGrpSpPr>
+          <p:nvPr/>
+        </p:nvGrpSpPr>
+        <p:grpSpPr bwMode="auto">
+          <a:xfrm>
+            <a:off x="125413" y="731838"/>
+            <a:ext cx="2868612" cy="465137"/>
+            <a:chOff x="124668" y="732018"/>
+            <a:chExt cx="3120950" cy="465081"/>
+          </a:xfrm>
+        </p:grpSpPr>
+        <p:sp>
+          <p:nvSpPr>
+            <p:cNvPr id="13" name="矩形 12">
+              <a:extLst>
+                <a:ext uri="{FF2B5EF4-FFF2-40B4-BE49-F238E27FC236}">
+                  <a16:creationId xmlns:a16="http://schemas.microsoft.com/office/drawing/2014/main" id="{ACFF976D-C10F-4773-B6C0-A8EF394982B5}"/>
+                </a:ext>
+              </a:extLst>
+            </p:cNvPr>
+            <p:cNvSpPr/>
+            <p:nvPr/>
+          </p:nvSpPr>
+          <p:spPr>
+            <a:xfrm>
+              <a:off x="360713" y="732018"/>
+              <a:ext cx="2884905" cy="455033"/>
+            </a:xfrm>
+            <a:prstGeom prst="rect">
+              <a:avLst/>
+            </a:prstGeom>
+            <a:gradFill flip="none" rotWithShape="0">
+              <a:gsLst>
+                <a:gs pos="0">
+                  <a:srgbClr val="0070C0">
+                    <a:shade val="30000"/>
+                    <a:satMod val="115000"/>
+                  </a:srgbClr>
+                </a:gs>
+                <a:gs pos="50000">
+                  <a:srgbClr val="0070C0">
+                    <a:shade val="67500"/>
+                    <a:satMod val="115000"/>
+                  </a:srgbClr>
+                </a:gs>
+                <a:gs pos="100000">
+                  <a:srgbClr val="0070C0">
+                    <a:shade val="100000"/>
+                    <a:satMod val="115000"/>
+                  </a:srgbClr>
+                </a:gs>
+              </a:gsLst>
+              <a:lin ang="13500000" scaled="1"/>
+              <a:tileRect/>
+            </a:gradFill>
+            <a:scene3d>
+              <a:camera prst="orthographicFront"/>
+              <a:lightRig rig="flat" dir="t"/>
+            </a:scene3d>
+            <a:sp3d prstMaterial="dkEdge">
+              <a:bevelT w="8200" h="38100"/>
+            </a:sp3d>
+          </p:spPr>
+          <p:style>
+            <a:lnRef idx="0">
+              <a:schemeClr val="lt1">
+                <a:hueOff val="0"/>
+                <a:satOff val="0"/>
+                <a:lumOff val="0"/>
+                <a:alphaOff val="0"/>
+              </a:schemeClr>
+            </a:lnRef>
+            <a:fillRef idx="2">
+              <a:scrgbClr r="0" g="0" b="0"/>
+            </a:fillRef>
+            <a:effectRef idx="1">
+              <a:schemeClr val="accent6">
+                <a:shade val="80000"/>
+                <a:hueOff val="0"/>
+                <a:satOff val="0"/>
+                <a:lumOff val="0"/>
+                <a:alphaOff val="0"/>
+              </a:schemeClr>
+            </a:effectRef>
+            <a:fontRef idx="minor">
+              <a:schemeClr val="dk1"/>
+            </a:fontRef>
+          </p:style>
+        </p:sp>
+        <p:sp>
+          <p:nvSpPr>
+            <p:cNvPr id="14" name="文本框 13">
+              <a:extLst>
+                <a:ext uri="{FF2B5EF4-FFF2-40B4-BE49-F238E27FC236}">
+                  <a16:creationId xmlns:a16="http://schemas.microsoft.com/office/drawing/2014/main" id="{3583D282-40E0-4567-95F3-C6CD9EBD4A2A}"/>
+                </a:ext>
+              </a:extLst>
+            </p:cNvPr>
+            <p:cNvSpPr txBox="1"/>
+            <p:nvPr/>
+          </p:nvSpPr>
+          <p:spPr>
+            <a:xfrm>
+              <a:off x="124668" y="742066"/>
+              <a:ext cx="3035630" cy="455033"/>
+            </a:xfrm>
+            <a:prstGeom prst="rect">
+              <a:avLst/>
+            </a:prstGeom>
+            <a:scene3d>
+              <a:camera prst="orthographicFront"/>
+              <a:lightRig rig="flat" dir="t"/>
+            </a:scene3d>
+            <a:sp3d/>
+          </p:spPr>
+          <p:style>
+            <a:lnRef idx="0">
+              <a:scrgbClr r="0" g="0" b="0"/>
+            </a:lnRef>
+            <a:fillRef idx="0">
+              <a:scrgbClr r="0" g="0" b="0"/>
+            </a:fillRef>
+            <a:effectRef idx="0">
+              <a:scrgbClr r="0" g="0" b="0"/>
+            </a:effectRef>
+            <a:fontRef idx="minor">
+              <a:schemeClr val="dk1"/>
+            </a:fontRef>
+          </p:style>
+          <p:txBody>
+            <a:bodyPr lIns="361183" tIns="55880" rIns="55880" bIns="55880" spcCol="1270" anchor="ctr"/>
+            <a:lstStyle/>
+            <a:p>
+              <a:pPr defTabSz="977900">
+                <a:lnSpc>
+                  <a:spcPct val="90000"/>
+                </a:lnSpc>
+                <a:spcAft>
+                  <a:spcPts val="0"/>
+                </a:spcAft>
+                <a:tabLst>
+                  <a:tab pos="444500" algn="l"/>
+                </a:tabLst>
+                <a:defRPr/>
+              </a:pPr>
+              <a:r>
+                <a:rPr lang="zh-CN" altLang="en-US" sz="2200" dirty="0" smtClean="0">
+                  <a:solidFill>
+                    <a:schemeClr val="bg1"/>
+                  </a:solidFill>
+                  <a:latin typeface="Times New Roman" panose="02020603050405020304" pitchFamily="18" charset="0"/>
+                  <a:ea typeface="微软雅黑" panose="020B0503020204020204" pitchFamily="34" charset="-122"/>
+                  <a:cs typeface="Times New Roman" panose="02020603050405020304" pitchFamily="18" charset="0"/>
+                </a:rPr>
+                <a:t>（</a:t>
+              </a:r>
+              <a:r>
+                <a:rPr lang="en-US" altLang="zh-CN" sz="2200" dirty="0" smtClean="0">
+                  <a:solidFill>
+                    <a:schemeClr val="bg1"/>
+                  </a:solidFill>
+                  <a:latin typeface="Times New Roman" panose="02020603050405020304" pitchFamily="18" charset="0"/>
+                  <a:ea typeface="微软雅黑" panose="020B0503020204020204" pitchFamily="34" charset="-122"/>
+                  <a:cs typeface="Times New Roman" panose="02020603050405020304" pitchFamily="18" charset="0"/>
+                </a:rPr>
+                <a:t>3</a:t>
+              </a:r>
+              <a:r>
+                <a:rPr lang="zh-CN" altLang="en-US" sz="2200" dirty="0" smtClean="0">
+                  <a:solidFill>
+                    <a:schemeClr val="bg1"/>
+                  </a:solidFill>
+                  <a:latin typeface="Times New Roman" panose="02020603050405020304" pitchFamily="18" charset="0"/>
+                  <a:ea typeface="微软雅黑" panose="020B0503020204020204" pitchFamily="34" charset="-122"/>
+                  <a:cs typeface="Times New Roman" panose="02020603050405020304" pitchFamily="18" charset="0"/>
+                </a:rPr>
+                <a:t>）</a:t>
+              </a:r>
+              <a:r>
+                <a:rPr lang="zh-CN" altLang="en-US" sz="2200" dirty="0" smtClean="0">
+                  <a:solidFill>
+                    <a:schemeClr val="bg1"/>
+                  </a:solidFill>
+                  <a:latin typeface="微软雅黑" panose="020B0503020204020204" pitchFamily="34" charset="-122"/>
+                  <a:ea typeface="微软雅黑" panose="020B0503020204020204" pitchFamily="34" charset="-122"/>
+                  <a:cs typeface="Times New Roman" panose="02020603050405020304" pitchFamily="18" charset="0"/>
+                </a:rPr>
+                <a:t>模型</a:t>
+              </a:r>
+              <a:r>
+                <a:rPr lang="zh-CN" altLang="en-US" sz="2200" dirty="0">
+                  <a:solidFill>
+                    <a:schemeClr val="bg1"/>
+                  </a:solidFill>
+                  <a:latin typeface="微软雅黑" panose="020B0503020204020204" pitchFamily="34" charset="-122"/>
+                  <a:ea typeface="微软雅黑" panose="020B0503020204020204" pitchFamily="34" charset="-122"/>
+                  <a:cs typeface="Times New Roman" panose="02020603050405020304" pitchFamily="18" charset="0"/>
+                </a:rPr>
+                <a:t>验证</a:t>
+              </a:r>
+              <a:endParaRPr lang="zh-CN" altLang="en-US" sz="2200" dirty="0">
+                <a:solidFill>
+                  <a:schemeClr val="bg1"/>
+                </a:solidFill>
+                <a:latin typeface="微软雅黑" panose="020B0503020204020204" pitchFamily="34" charset="-122"/>
+                <a:ea typeface="微软雅黑" panose="020B0503020204020204" pitchFamily="34" charset="-122"/>
+              </a:endParaRPr>
+            </a:p>
+          </p:txBody>
+        </p:sp>
+      </p:grpSp>
+      <p:sp>
+        <p:nvSpPr>
+          <p:cNvPr id="15" name="矩形 14"/>
+          <p:cNvSpPr/>
+          <p:nvPr/>
+        </p:nvSpPr>
+        <p:spPr>
+          <a:xfrm>
+            <a:off x="1046590" y="2421493"/>
+            <a:ext cx="6646435" cy="369332"/>
+          </a:xfrm>
+          <a:prstGeom prst="rect">
+            <a:avLst/>
+          </a:prstGeom>
+        </p:spPr>
+        <p:txBody>
+          <a:bodyPr wrap="none">
+            <a:spAutoFit/>
+          </a:bodyPr>
+          <a:lstStyle/>
+          <a:p>
+            <a:r>
+              <a:rPr lang="zh-CN" altLang="en-US" b="1" dirty="0" smtClean="0">
+                <a:latin typeface="微软雅黑" panose="020B0503020204020204" pitchFamily="34" charset="-122"/>
+                <a:ea typeface="微软雅黑" panose="020B0503020204020204" pitchFamily="34" charset="-122"/>
+              </a:rPr>
+              <a:t>不同工况</a:t>
+            </a:r>
+            <a:r>
+              <a:rPr lang="en-US" altLang="zh-CN" b="1" dirty="0" smtClean="0">
+                <a:latin typeface="微软雅黑" panose="020B0503020204020204" pitchFamily="34" charset="-122"/>
+                <a:ea typeface="微软雅黑" panose="020B0503020204020204" pitchFamily="34" charset="-122"/>
+              </a:rPr>
+              <a:t>(T, p, RH)</a:t>
+            </a:r>
+            <a:r>
+              <a:rPr lang="zh-CN" altLang="en-US" b="1" dirty="0" smtClean="0">
+                <a:latin typeface="微软雅黑" panose="020B0503020204020204" pitchFamily="34" charset="-122"/>
+                <a:ea typeface="微软雅黑" panose="020B0503020204020204" pitchFamily="34" charset="-122"/>
+              </a:rPr>
+              <a:t>下</a:t>
+            </a:r>
+            <a:r>
+              <a:rPr lang="en-US" altLang="zh-CN" b="1" dirty="0" smtClean="0">
+                <a:latin typeface="微软雅黑" panose="020B0503020204020204" pitchFamily="34" charset="-122"/>
+                <a:ea typeface="微软雅黑" panose="020B0503020204020204" pitchFamily="34" charset="-122"/>
+              </a:rPr>
+              <a:t>iv</a:t>
+            </a:r>
+            <a:r>
+              <a:rPr lang="zh-CN" altLang="en-US" b="1" dirty="0" smtClean="0">
+                <a:latin typeface="微软雅黑" panose="020B0503020204020204" pitchFamily="34" charset="-122"/>
+                <a:ea typeface="微软雅黑" panose="020B0503020204020204" pitchFamily="34" charset="-122"/>
+              </a:rPr>
+              <a:t>和</a:t>
+            </a:r>
+            <a:r>
+              <a:rPr lang="en-US" altLang="zh-CN" b="1" dirty="0" smtClean="0">
+                <a:latin typeface="微软雅黑" panose="020B0503020204020204" pitchFamily="34" charset="-122"/>
+                <a:ea typeface="微软雅黑" panose="020B0503020204020204" pitchFamily="34" charset="-122"/>
+              </a:rPr>
+              <a:t>O2</a:t>
+            </a:r>
+            <a:r>
+              <a:rPr lang="zh-CN" altLang="en-US" b="1" dirty="0" smtClean="0">
+                <a:latin typeface="微软雅黑" panose="020B0503020204020204" pitchFamily="34" charset="-122"/>
+                <a:ea typeface="微软雅黑" panose="020B0503020204020204" pitchFamily="34" charset="-122"/>
+              </a:rPr>
+              <a:t>浓度分布、水饱和度厚度方向分布</a:t>
+            </a:r>
+            <a:endParaRPr lang="zh-CN" altLang="en-US" b="1" dirty="0">
+              <a:latin typeface="微软雅黑" panose="020B0503020204020204" pitchFamily="34" charset="-122"/>
+              <a:ea typeface="微软雅黑" panose="020B0503020204020204" pitchFamily="34" charset="-122"/>
+            </a:endParaRPr>
+          </a:p>
+        </p:txBody>
+      </p:sp>
+    </p:spTree>
+    <p:extLst>
+      <p:ext uri="{BB962C8B-B14F-4D97-AF65-F5344CB8AC3E}">
+        <p14:creationId xmlns:p14="http://schemas.microsoft.com/office/powerpoint/2010/main" val="2808630033"/>
+      </p:ext>
+    </p:extLst>
+  </p:cSld>
+  <p:clrMapOvr>
+    <a:masterClrMapping/>
+  </p:clrMapOvr>
+  <p:timing>
+    <p:tnLst>
+      <p:par>
+        <p:cTn id="1" dur="indefinite" restart="never" nodeType="tmRoot"/>
+      </p:par>
+    </p:tnLst>
+  </p:timing>
+</p:sld>
+</file>
+
+<file path=ppt/slides/slide12.xml><?xml version="1.0" encoding="utf-8"?>
 <p:sld xmlns:a="http://schemas.openxmlformats.org/drawingml/2006/main" xmlns:r="http://schemas.openxmlformats.org/officeDocument/2006/relationships" xmlns:p="http://schemas.openxmlformats.org/presentationml/2006/main">
   <p:cSld>
     <p:spTree>
@@ -6009,7 +6767,7 @@
 </p:sld>
 </file>
 
-<file path=ppt/slides/slide12.xml><?xml version="1.0" encoding="utf-8"?>
+<file path=ppt/slides/slide13.xml><?xml version="1.0" encoding="utf-8"?>
 <p:sld xmlns:a="http://schemas.openxmlformats.org/drawingml/2006/main" xmlns:r="http://schemas.openxmlformats.org/officeDocument/2006/relationships" xmlns:p="http://schemas.openxmlformats.org/presentationml/2006/main">
   <p:cSld>
     <p:spTree>
@@ -6210,10 +6968,17 @@
   <p:clrMapOvr>
     <a:masterClrMapping/>
   </p:clrMapOvr>
+  <p:timing>
+    <p:tnLst>
+      <p:par>
+        <p:cTn id="1" dur="indefinite" restart="never" nodeType="tmRoot"/>
+      </p:par>
+    </p:tnLst>
+  </p:timing>
 </p:sld>
 </file>
 
-<file path=ppt/slides/slide13.xml><?xml version="1.0" encoding="utf-8"?>
+<file path=ppt/slides/slide14.xml><?xml version="1.0" encoding="utf-8"?>
 <p:sld xmlns:a="http://schemas.openxmlformats.org/drawingml/2006/main" xmlns:r="http://schemas.openxmlformats.org/officeDocument/2006/relationships" xmlns:p="http://schemas.openxmlformats.org/presentationml/2006/main">
   <p:cSld>
     <p:spTree>
@@ -6446,6 +7211,252 @@
   <p:clrMapOvr>
     <a:masterClrMapping/>
   </p:clrMapOvr>
+  <p:timing>
+    <p:tnLst>
+      <p:par>
+        <p:cTn id="1" dur="indefinite" restart="never" nodeType="tmRoot"/>
+      </p:par>
+    </p:tnLst>
+  </p:timing>
+</p:sld>
+</file>
+
+<file path=ppt/slides/slide15.xml><?xml version="1.0" encoding="utf-8"?>
+<p:sld xmlns:a="http://schemas.openxmlformats.org/drawingml/2006/main" xmlns:r="http://schemas.openxmlformats.org/officeDocument/2006/relationships" xmlns:p="http://schemas.openxmlformats.org/presentationml/2006/main">
+  <p:cSld>
+    <p:spTree>
+      <p:nvGrpSpPr>
+        <p:cNvPr id="1" name=""/>
+        <p:cNvGrpSpPr/>
+        <p:nvPr/>
+      </p:nvGrpSpPr>
+      <p:grpSpPr>
+        <a:xfrm>
+          <a:off x="0" y="0"/>
+          <a:ext cx="0" cy="0"/>
+          <a:chOff x="0" y="0"/>
+          <a:chExt cx="0" cy="0"/>
+        </a:xfrm>
+      </p:grpSpPr>
+      <p:sp>
+        <p:nvSpPr>
+          <p:cNvPr id="7" name="文本框 6"/>
+          <p:cNvSpPr txBox="1"/>
+          <p:nvPr/>
+        </p:nvSpPr>
+        <p:spPr>
+          <a:xfrm>
+            <a:off x="205740" y="297180"/>
+            <a:ext cx="7109460" cy="461665"/>
+          </a:xfrm>
+          <a:prstGeom prst="rect">
+            <a:avLst/>
+          </a:prstGeom>
+          <a:noFill/>
+        </p:spPr>
+        <p:txBody>
+          <a:bodyPr wrap="square" rtlCol="0">
+            <a:spAutoFit/>
+          </a:bodyPr>
+          <a:lstStyle/>
+          <a:p>
+            <a:r>
+              <a:rPr lang="zh-CN" altLang="en-US" sz="2400" b="1" dirty="0" smtClean="0">
+                <a:latin typeface="微软雅黑" panose="020B0503020204020204" pitchFamily="34" charset="-122"/>
+                <a:ea typeface="微软雅黑" panose="020B0503020204020204" pitchFamily="34" charset="-122"/>
+              </a:rPr>
+              <a:t>下一步</a:t>
+            </a:r>
+            <a:endParaRPr lang="en-US" altLang="zh-CN" sz="2400" b="1" dirty="0" smtClean="0">
+              <a:latin typeface="微软雅黑" panose="020B0503020204020204" pitchFamily="34" charset="-122"/>
+              <a:ea typeface="微软雅黑" panose="020B0503020204020204" pitchFamily="34" charset="-122"/>
+            </a:endParaRPr>
+          </a:p>
+        </p:txBody>
+      </p:sp>
+      <p:sp>
+        <p:nvSpPr>
+          <p:cNvPr id="3" name="矩形 2"/>
+          <p:cNvSpPr/>
+          <p:nvPr/>
+        </p:nvSpPr>
+        <p:spPr>
+          <a:xfrm>
+            <a:off x="827612" y="1395353"/>
+            <a:ext cx="6511719" cy="646331"/>
+          </a:xfrm>
+          <a:prstGeom prst="rect">
+            <a:avLst/>
+          </a:prstGeom>
+        </p:spPr>
+        <p:txBody>
+          <a:bodyPr wrap="none">
+            <a:spAutoFit/>
+          </a:bodyPr>
+          <a:lstStyle/>
+          <a:p>
+            <a:pPr marL="342900" indent="-342900">
+              <a:buAutoNum type="arabicPeriod"/>
+            </a:pPr>
+            <a:r>
+              <a:rPr lang="en-US" altLang="zh-CN" b="1" dirty="0" smtClean="0">
+                <a:latin typeface="微软雅黑" panose="020B0503020204020204" pitchFamily="34" charset="-122"/>
+                <a:ea typeface="微软雅黑" panose="020B0503020204020204" pitchFamily="34" charset="-122"/>
+              </a:rPr>
+              <a:t>BP</a:t>
+            </a:r>
+            <a:r>
+              <a:rPr lang="zh-CN" altLang="en-US" b="1" dirty="0" smtClean="0">
+                <a:latin typeface="微软雅黑" panose="020B0503020204020204" pitchFamily="34" charset="-122"/>
+                <a:ea typeface="微软雅黑" panose="020B0503020204020204" pitchFamily="34" charset="-122"/>
+              </a:rPr>
+              <a:t>区域下和流道下的液态水分布没有明显差别</a:t>
+            </a:r>
+            <a:endParaRPr lang="en-US" altLang="zh-CN" b="1" dirty="0" smtClean="0">
+              <a:latin typeface="微软雅黑" panose="020B0503020204020204" pitchFamily="34" charset="-122"/>
+              <a:ea typeface="微软雅黑" panose="020B0503020204020204" pitchFamily="34" charset="-122"/>
+            </a:endParaRPr>
+          </a:p>
+          <a:p>
+            <a:pPr marL="342900" indent="-342900">
+              <a:buAutoNum type="arabicPeriod"/>
+            </a:pPr>
+            <a:r>
+              <a:rPr lang="zh-CN" altLang="en-US" b="1" dirty="0">
+                <a:latin typeface="微软雅黑" panose="020B0503020204020204" pitchFamily="34" charset="-122"/>
+                <a:ea typeface="微软雅黑" panose="020B0503020204020204" pitchFamily="34" charset="-122"/>
+              </a:rPr>
+              <a:t>厚度方向上，阴极和阳极的液态水饱和度没有明显的差别</a:t>
+            </a:r>
+            <a:endParaRPr lang="zh-CN" altLang="en-US" b="1" dirty="0">
+              <a:latin typeface="微软雅黑" panose="020B0503020204020204" pitchFamily="34" charset="-122"/>
+              <a:ea typeface="微软雅黑" panose="020B0503020204020204" pitchFamily="34" charset="-122"/>
+            </a:endParaRPr>
+          </a:p>
+        </p:txBody>
+      </p:sp>
+    </p:spTree>
+    <p:extLst>
+      <p:ext uri="{BB962C8B-B14F-4D97-AF65-F5344CB8AC3E}">
+        <p14:creationId xmlns:p14="http://schemas.microsoft.com/office/powerpoint/2010/main" val="2550507257"/>
+      </p:ext>
+    </p:extLst>
+  </p:cSld>
+  <p:clrMapOvr>
+    <a:masterClrMapping/>
+  </p:clrMapOvr>
+  <p:timing>
+    <p:tnLst>
+      <p:par>
+        <p:cTn id="1" dur="indefinite" restart="never" nodeType="tmRoot"/>
+      </p:par>
+    </p:tnLst>
+  </p:timing>
+</p:sld>
+</file>
+
+<file path=ppt/slides/slide16.xml><?xml version="1.0" encoding="utf-8"?>
+<p:sld xmlns:a="http://schemas.openxmlformats.org/drawingml/2006/main" xmlns:r="http://schemas.openxmlformats.org/officeDocument/2006/relationships" xmlns:p="http://schemas.openxmlformats.org/presentationml/2006/main">
+  <p:cSld>
+    <p:spTree>
+      <p:nvGrpSpPr>
+        <p:cNvPr id="1" name=""/>
+        <p:cNvGrpSpPr/>
+        <p:nvPr/>
+      </p:nvGrpSpPr>
+      <p:grpSpPr>
+        <a:xfrm>
+          <a:off x="0" y="0"/>
+          <a:ext cx="0" cy="0"/>
+          <a:chOff x="0" y="0"/>
+          <a:chExt cx="0" cy="0"/>
+        </a:xfrm>
+      </p:grpSpPr>
+      <p:sp>
+        <p:nvSpPr>
+          <p:cNvPr id="7" name="文本框 6"/>
+          <p:cNvSpPr txBox="1"/>
+          <p:nvPr/>
+        </p:nvSpPr>
+        <p:spPr>
+          <a:xfrm>
+            <a:off x="205740" y="297180"/>
+            <a:ext cx="7109460" cy="461665"/>
+          </a:xfrm>
+          <a:prstGeom prst="rect">
+            <a:avLst/>
+          </a:prstGeom>
+          <a:noFill/>
+        </p:spPr>
+        <p:txBody>
+          <a:bodyPr wrap="square" rtlCol="0">
+            <a:spAutoFit/>
+          </a:bodyPr>
+          <a:lstStyle/>
+          <a:p>
+            <a:r>
+              <a:rPr lang="zh-CN" altLang="en-US" sz="2400" b="1" dirty="0" smtClean="0">
+                <a:latin typeface="微软雅黑" panose="020B0503020204020204" pitchFamily="34" charset="-122"/>
+                <a:ea typeface="微软雅黑" panose="020B0503020204020204" pitchFamily="34" charset="-122"/>
+              </a:rPr>
+              <a:t>下一步</a:t>
+            </a:r>
+            <a:endParaRPr lang="en-US" altLang="zh-CN" sz="2400" b="1" dirty="0" smtClean="0">
+              <a:latin typeface="微软雅黑" panose="020B0503020204020204" pitchFamily="34" charset="-122"/>
+              <a:ea typeface="微软雅黑" panose="020B0503020204020204" pitchFamily="34" charset="-122"/>
+            </a:endParaRPr>
+          </a:p>
+        </p:txBody>
+      </p:sp>
+      <p:sp>
+        <p:nvSpPr>
+          <p:cNvPr id="3" name="矩形 2"/>
+          <p:cNvSpPr/>
+          <p:nvPr/>
+        </p:nvSpPr>
+        <p:spPr>
+          <a:xfrm>
+            <a:off x="1787732" y="389513"/>
+            <a:ext cx="2954655" cy="369332"/>
+          </a:xfrm>
+          <a:prstGeom prst="rect">
+            <a:avLst/>
+          </a:prstGeom>
+        </p:spPr>
+        <p:txBody>
+          <a:bodyPr wrap="none">
+            <a:spAutoFit/>
+          </a:bodyPr>
+          <a:lstStyle/>
+          <a:p>
+            <a:r>
+              <a:rPr lang="zh-CN" altLang="en-US" b="1" dirty="0" smtClean="0">
+                <a:latin typeface="微软雅黑" panose="020B0503020204020204" pitchFamily="34" charset="-122"/>
+                <a:ea typeface="微软雅黑" panose="020B0503020204020204" pitchFamily="34" charset="-122"/>
+              </a:rPr>
+              <a:t>用于优化的目标和算法选择</a:t>
+            </a:r>
+            <a:endParaRPr lang="zh-CN" altLang="en-US" dirty="0"/>
+          </a:p>
+        </p:txBody>
+      </p:sp>
+    </p:spTree>
+    <p:extLst>
+      <p:ext uri="{BB962C8B-B14F-4D97-AF65-F5344CB8AC3E}">
+        <p14:creationId xmlns:p14="http://schemas.microsoft.com/office/powerpoint/2010/main" val="371218542"/>
+      </p:ext>
+    </p:extLst>
+  </p:cSld>
+  <p:clrMapOvr>
+    <a:masterClrMapping/>
+  </p:clrMapOvr>
+  <p:timing>
+    <p:tnLst>
+      <p:par>
+        <p:cTn id="1" dur="indefinite" restart="never" nodeType="tmRoot"/>
+      </p:par>
+    </p:tnLst>
+  </p:timing>
 </p:sld>
 </file>
 
@@ -8186,7 +9197,7 @@
           <p:nvPr/>
         </p:nvPicPr>
         <p:blipFill>
-          <a:blip r:embed="rId2"/>
+          <a:blip r:embed="rId3"/>
           <a:stretch>
             <a:fillRect/>
           </a:stretch>
@@ -8210,7 +9221,7 @@
           <p:nvPr/>
         </p:nvPicPr>
         <p:blipFill>
-          <a:blip r:embed="rId3"/>
+          <a:blip r:embed="rId4"/>
           <a:stretch>
             <a:fillRect/>
           </a:stretch>
@@ -8234,7 +9245,7 @@
           <p:nvPr/>
         </p:nvPicPr>
         <p:blipFill>
-          <a:blip r:embed="rId4"/>
+          <a:blip r:embed="rId5"/>
           <a:stretch>
             <a:fillRect/>
           </a:stretch>
@@ -8258,7 +9269,7 @@
           <p:nvPr/>
         </p:nvPicPr>
         <p:blipFill>
-          <a:blip r:embed="rId5"/>
+          <a:blip r:embed="rId6"/>
           <a:stretch>
             <a:fillRect/>
           </a:stretch>
@@ -8282,7 +9293,7 @@
           <p:nvPr/>
         </p:nvPicPr>
         <p:blipFill>
-          <a:blip r:embed="rId6"/>
+          <a:blip r:embed="rId7"/>
           <a:stretch>
             <a:fillRect/>
           </a:stretch>
@@ -8306,7 +9317,7 @@
           <p:nvPr/>
         </p:nvPicPr>
         <p:blipFill>
-          <a:blip r:embed="rId7"/>
+          <a:blip r:embed="rId8"/>
           <a:stretch>
             <a:fillRect/>
           </a:stretch>
@@ -8330,7 +9341,7 @@
           <p:nvPr/>
         </p:nvPicPr>
         <p:blipFill>
-          <a:blip r:embed="rId8"/>
+          <a:blip r:embed="rId9"/>
           <a:stretch>
             <a:fillRect/>
           </a:stretch>
@@ -8354,7 +9365,7 @@
           <p:nvPr/>
         </p:nvPicPr>
         <p:blipFill>
-          <a:blip r:embed="rId9"/>
+          <a:blip r:embed="rId10"/>
           <a:stretch>
             <a:fillRect/>
           </a:stretch>
@@ -8378,7 +9389,7 @@
           <p:nvPr/>
         </p:nvPicPr>
         <p:blipFill>
-          <a:blip r:embed="rId10"/>
+          <a:blip r:embed="rId11"/>
           <a:stretch>
             <a:fillRect/>
           </a:stretch>
@@ -8402,7 +9413,7 @@
           <p:nvPr/>
         </p:nvPicPr>
         <p:blipFill>
-          <a:blip r:embed="rId11"/>
+          <a:blip r:embed="rId12"/>
           <a:stretch>
             <a:fillRect/>
           </a:stretch>
@@ -8426,7 +9437,7 @@
           <p:nvPr/>
         </p:nvPicPr>
         <p:blipFill>
-          <a:blip r:embed="rId12"/>
+          <a:blip r:embed="rId13"/>
           <a:stretch>
             <a:fillRect/>
           </a:stretch>
@@ -8450,7 +9461,7 @@
           <p:nvPr/>
         </p:nvPicPr>
         <p:blipFill>
-          <a:blip r:embed="rId13"/>
+          <a:blip r:embed="rId14"/>
           <a:stretch>
             <a:fillRect/>
           </a:stretch>
@@ -8474,7 +9485,7 @@
           <p:nvPr/>
         </p:nvPicPr>
         <p:blipFill>
-          <a:blip r:embed="rId14"/>
+          <a:blip r:embed="rId15"/>
           <a:stretch>
             <a:fillRect/>
           </a:stretch>
@@ -8498,7 +9509,7 @@
           <p:nvPr/>
         </p:nvPicPr>
         <p:blipFill>
-          <a:blip r:embed="rId15"/>
+          <a:blip r:embed="rId16"/>
           <a:stretch>
             <a:fillRect/>
           </a:stretch>
@@ -8522,7 +9533,7 @@
           <p:nvPr/>
         </p:nvPicPr>
         <p:blipFill>
-          <a:blip r:embed="rId16"/>
+          <a:blip r:embed="rId17"/>
           <a:stretch>
             <a:fillRect/>
           </a:stretch>
@@ -8546,7 +9557,7 @@
           <p:nvPr/>
         </p:nvPicPr>
         <p:blipFill>
-          <a:blip r:embed="rId17"/>
+          <a:blip r:embed="rId18"/>
           <a:stretch>
             <a:fillRect/>
           </a:stretch>
@@ -8570,7 +9581,7 @@
           <p:nvPr/>
         </p:nvPicPr>
         <p:blipFill>
-          <a:blip r:embed="rId18"/>
+          <a:blip r:embed="rId19"/>
           <a:stretch>
             <a:fillRect/>
           </a:stretch>
@@ -8594,7 +9605,7 @@
           <p:nvPr/>
         </p:nvPicPr>
         <p:blipFill>
-          <a:blip r:embed="rId19"/>
+          <a:blip r:embed="rId20"/>
           <a:stretch>
             <a:fillRect/>
           </a:stretch>
@@ -8618,7 +9629,7 @@
           <p:nvPr/>
         </p:nvPicPr>
         <p:blipFill>
-          <a:blip r:embed="rId20"/>
+          <a:blip r:embed="rId21"/>
           <a:stretch>
             <a:fillRect/>
           </a:stretch>
@@ -8642,7 +9653,7 @@
           <p:nvPr/>
         </p:nvPicPr>
         <p:blipFill>
-          <a:blip r:embed="rId21"/>
+          <a:blip r:embed="rId22"/>
           <a:stretch>
             <a:fillRect/>
           </a:stretch>
@@ -8666,7 +9677,7 @@
           <p:nvPr/>
         </p:nvPicPr>
         <p:blipFill>
-          <a:blip r:embed="rId22"/>
+          <a:blip r:embed="rId23"/>
           <a:stretch>
             <a:fillRect/>
           </a:stretch>
@@ -8690,7 +9701,7 @@
           <p:nvPr/>
         </p:nvPicPr>
         <p:blipFill>
-          <a:blip r:embed="rId23"/>
+          <a:blip r:embed="rId24"/>
           <a:stretch>
             <a:fillRect/>
           </a:stretch>
@@ -8714,7 +9725,7 @@
           <p:nvPr/>
         </p:nvPicPr>
         <p:blipFill>
-          <a:blip r:embed="rId24"/>
+          <a:blip r:embed="rId25"/>
           <a:stretch>
             <a:fillRect/>
           </a:stretch>
@@ -8738,7 +9749,7 @@
           <p:nvPr/>
         </p:nvPicPr>
         <p:blipFill>
-          <a:blip r:embed="rId25"/>
+          <a:blip r:embed="rId26"/>
           <a:stretch>
             <a:fillRect/>
           </a:stretch>
@@ -8762,7 +9773,7 @@
           <p:nvPr/>
         </p:nvPicPr>
         <p:blipFill>
-          <a:blip r:embed="rId26"/>
+          <a:blip r:embed="rId27"/>
           <a:stretch>
             <a:fillRect/>
           </a:stretch>
@@ -12801,7 +13812,7 @@
           <a:graphicData uri="http://schemas.openxmlformats.org/presentationml/2006/ole">
             <mc:AlternateContent xmlns:mc="http://schemas.openxmlformats.org/markup-compatibility/2006">
               <mc:Choice xmlns:v="urn:schemas-microsoft-com:vml" Requires="v">
-                <p:oleObj spid="_x0000_s1947" name="公式" r:id="rId3" imgW="1028520" imgH="241200" progId="Equation.3">
+                <p:oleObj spid="_x0000_s2010" name="公式" r:id="rId3" imgW="1028520" imgH="241200" progId="Equation.3">
                   <p:embed/>
                 </p:oleObj>
               </mc:Choice>
@@ -12944,7 +13955,7 @@
           <a:graphicData uri="http://schemas.openxmlformats.org/presentationml/2006/ole">
             <mc:AlternateContent xmlns:mc="http://schemas.openxmlformats.org/markup-compatibility/2006">
               <mc:Choice xmlns:v="urn:schemas-microsoft-com:vml" Requires="v">
-                <p:oleObj spid="_x0000_s1948" name="公式" r:id="rId5" imgW="2412720" imgH="241200" progId="Equation.3">
+                <p:oleObj spid="_x0000_s2011" name="公式" r:id="rId5" imgW="2412720" imgH="241200" progId="Equation.3">
                   <p:embed/>
                 </p:oleObj>
               </mc:Choice>
@@ -13009,7 +14020,7 @@
           <a:graphicData uri="http://schemas.openxmlformats.org/presentationml/2006/ole">
             <mc:AlternateContent xmlns:mc="http://schemas.openxmlformats.org/markup-compatibility/2006">
               <mc:Choice xmlns:v="urn:schemas-microsoft-com:vml" Requires="v">
-                <p:oleObj spid="_x0000_s1949" name="公式" r:id="rId7" imgW="2158920" imgH="241200" progId="Equation.3">
+                <p:oleObj spid="_x0000_s2012" name="公式" r:id="rId7" imgW="2158920" imgH="241200" progId="Equation.3">
                   <p:embed/>
                 </p:oleObj>
               </mc:Choice>
@@ -13074,7 +14085,7 @@
           <a:graphicData uri="http://schemas.openxmlformats.org/presentationml/2006/ole">
             <mc:AlternateContent xmlns:mc="http://schemas.openxmlformats.org/markup-compatibility/2006">
               <mc:Choice xmlns:v="urn:schemas-microsoft-com:vml" Requires="v">
-                <p:oleObj spid="_x0000_s1950" name="公式" r:id="rId9" imgW="1765080" imgH="241200" progId="Equation.3">
+                <p:oleObj spid="_x0000_s2013" name="公式" r:id="rId9" imgW="1765080" imgH="241200" progId="Equation.3">
                   <p:embed/>
                 </p:oleObj>
               </mc:Choice>
@@ -13139,7 +14150,7 @@
           <a:graphicData uri="http://schemas.openxmlformats.org/presentationml/2006/ole">
             <mc:AlternateContent xmlns:mc="http://schemas.openxmlformats.org/markup-compatibility/2006">
               <mc:Choice xmlns:v="urn:schemas-microsoft-com:vml" Requires="v">
-                <p:oleObj spid="_x0000_s1951" name="公式" r:id="rId11" imgW="876240" imgH="431640" progId="Equation.3">
+                <p:oleObj spid="_x0000_s2014" name="公式" r:id="rId11" imgW="876240" imgH="431640" progId="Equation.3">
                   <p:embed/>
                 </p:oleObj>
               </mc:Choice>
@@ -13204,7 +14215,7 @@
           <a:graphicData uri="http://schemas.openxmlformats.org/presentationml/2006/ole">
             <mc:AlternateContent xmlns:mc="http://schemas.openxmlformats.org/markup-compatibility/2006">
               <mc:Choice xmlns:v="urn:schemas-microsoft-com:vml" Requires="v">
-                <p:oleObj spid="_x0000_s1952" name="公式" r:id="rId13" imgW="1130040" imgH="228600" progId="Equation.3">
+                <p:oleObj spid="_x0000_s2015" name="公式" r:id="rId13" imgW="1130040" imgH="228600" progId="Equation.3">
                   <p:embed/>
                 </p:oleObj>
               </mc:Choice>
@@ -13269,7 +14280,7 @@
           <a:graphicData uri="http://schemas.openxmlformats.org/presentationml/2006/ole">
             <mc:AlternateContent xmlns:mc="http://schemas.openxmlformats.org/markup-compatibility/2006">
               <mc:Choice xmlns:v="urn:schemas-microsoft-com:vml" Requires="v">
-                <p:oleObj spid="_x0000_s1953" name="公式" r:id="rId15" imgW="1028520" imgH="228600" progId="Equation.3">
+                <p:oleObj spid="_x0000_s2016" name="公式" r:id="rId15" imgW="1028520" imgH="228600" progId="Equation.3">
                   <p:embed/>
                 </p:oleObj>
               </mc:Choice>
@@ -13334,7 +14345,7 @@
           <a:graphicData uri="http://schemas.openxmlformats.org/presentationml/2006/ole">
             <mc:AlternateContent xmlns:mc="http://schemas.openxmlformats.org/markup-compatibility/2006">
               <mc:Choice xmlns:v="urn:schemas-microsoft-com:vml" Requires="v">
-                <p:oleObj spid="_x0000_s1954" name="公式" r:id="rId17" imgW="1625400" imgH="444240" progId="Equation.3">
+                <p:oleObj spid="_x0000_s2017" name="公式" r:id="rId17" imgW="1625400" imgH="444240" progId="Equation.3">
                   <p:embed/>
                 </p:oleObj>
               </mc:Choice>
@@ -13399,7 +14410,7 @@
           <a:graphicData uri="http://schemas.openxmlformats.org/presentationml/2006/ole">
             <mc:AlternateContent xmlns:mc="http://schemas.openxmlformats.org/markup-compatibility/2006">
               <mc:Choice xmlns:v="urn:schemas-microsoft-com:vml" Requires="v">
-                <p:oleObj spid="_x0000_s1955" name="公式" r:id="rId19" imgW="2514600" imgH="419040" progId="Equation.3">
+                <p:oleObj spid="_x0000_s2018" name="公式" r:id="rId19" imgW="2514600" imgH="419040" progId="Equation.3">
                   <p:embed/>
                 </p:oleObj>
               </mc:Choice>
@@ -20422,7 +21433,7 @@
           <a:graphicData uri="http://schemas.openxmlformats.org/presentationml/2006/ole">
             <mc:AlternateContent xmlns:mc="http://schemas.openxmlformats.org/markup-compatibility/2006">
               <mc:Choice xmlns:v="urn:schemas-microsoft-com:vml" Requires="v">
-                <p:oleObj spid="_x0000_s2164" name="公式" r:id="rId4" imgW="914400" imgH="215640" progId="Equation.3">
+                <p:oleObj spid="_x0000_s2192" name="公式" r:id="rId4" imgW="914400" imgH="215640" progId="Equation.3">
                   <p:embed/>
                 </p:oleObj>
               </mc:Choice>
@@ -20479,7 +21490,7 @@
           <a:graphicData uri="http://schemas.openxmlformats.org/presentationml/2006/ole">
             <mc:AlternateContent xmlns:mc="http://schemas.openxmlformats.org/markup-compatibility/2006">
               <mc:Choice xmlns:v="urn:schemas-microsoft-com:vml" Requires="v">
-                <p:oleObj spid="_x0000_s2165" name="公式" r:id="rId6" imgW="1739880" imgH="672840" progId="Equation.3">
+                <p:oleObj spid="_x0000_s2193" name="公式" r:id="rId6" imgW="1739880" imgH="672840" progId="Equation.3">
                   <p:embed/>
                 </p:oleObj>
               </mc:Choice>
@@ -20536,7 +21547,7 @@
           <a:graphicData uri="http://schemas.openxmlformats.org/presentationml/2006/ole">
             <mc:AlternateContent xmlns:mc="http://schemas.openxmlformats.org/markup-compatibility/2006">
               <mc:Choice xmlns:v="urn:schemas-microsoft-com:vml" Requires="v">
-                <p:oleObj spid="_x0000_s2166" name="公式" r:id="rId8" imgW="330120" imgH="241200" progId="Equation.3">
+                <p:oleObj spid="_x0000_s2194" name="公式" r:id="rId8" imgW="330120" imgH="241200" progId="Equation.3">
                   <p:embed/>
                 </p:oleObj>
               </mc:Choice>
@@ -20593,7 +21604,7 @@
           <a:graphicData uri="http://schemas.openxmlformats.org/presentationml/2006/ole">
             <mc:AlternateContent xmlns:mc="http://schemas.openxmlformats.org/markup-compatibility/2006">
               <mc:Choice xmlns:v="urn:schemas-microsoft-com:vml" Requires="v">
-                <p:oleObj spid="_x0000_s2167" name="公式" r:id="rId10" imgW="1104840" imgH="672840" progId="Equation.3">
+                <p:oleObj spid="_x0000_s2195" name="公式" r:id="rId10" imgW="1104840" imgH="672840" progId="Equation.3">
                   <p:embed/>
                 </p:oleObj>
               </mc:Choice>
@@ -23477,7 +24488,7 @@
           <a:graphicData uri="http://schemas.openxmlformats.org/presentationml/2006/ole">
             <mc:AlternateContent xmlns:mc="http://schemas.openxmlformats.org/markup-compatibility/2006">
               <mc:Choice xmlns:v="urn:schemas-microsoft-com:vml" Requires="v">
-                <p:oleObj spid="_x0000_s3336" name="公式" r:id="rId3" imgW="330120" imgH="228600" progId="Equation.3">
+                <p:oleObj spid="_x0000_s3427" name="公式" r:id="rId3" imgW="330120" imgH="228600" progId="Equation.3">
                   <p:embed/>
                 </p:oleObj>
               </mc:Choice>
@@ -23534,7 +24545,7 @@
           <a:graphicData uri="http://schemas.openxmlformats.org/presentationml/2006/ole">
             <mc:AlternateContent xmlns:mc="http://schemas.openxmlformats.org/markup-compatibility/2006">
               <mc:Choice xmlns:v="urn:schemas-microsoft-com:vml" Requires="v">
-                <p:oleObj spid="_x0000_s3337" name="公式" r:id="rId5" imgW="253800" imgH="228600" progId="Equation.3">
+                <p:oleObj spid="_x0000_s3428" name="公式" r:id="rId5" imgW="253800" imgH="228600" progId="Equation.3">
                   <p:embed/>
                 </p:oleObj>
               </mc:Choice>
@@ -23591,7 +24602,7 @@
           <a:graphicData uri="http://schemas.openxmlformats.org/presentationml/2006/ole">
             <mc:AlternateContent xmlns:mc="http://schemas.openxmlformats.org/markup-compatibility/2006">
               <mc:Choice xmlns:v="urn:schemas-microsoft-com:vml" Requires="v">
-                <p:oleObj spid="_x0000_s3338" name="公式" r:id="rId7" imgW="304560" imgH="228600" progId="Equation.3">
+                <p:oleObj spid="_x0000_s3429" name="公式" r:id="rId7" imgW="304560" imgH="228600" progId="Equation.3">
                   <p:embed/>
                 </p:oleObj>
               </mc:Choice>
@@ -23648,7 +24659,7 @@
           <a:graphicData uri="http://schemas.openxmlformats.org/presentationml/2006/ole">
             <mc:AlternateContent xmlns:mc="http://schemas.openxmlformats.org/markup-compatibility/2006">
               <mc:Choice xmlns:v="urn:schemas-microsoft-com:vml" Requires="v">
-                <p:oleObj spid="_x0000_s3339" name="公式" r:id="rId9" imgW="228600" imgH="228600" progId="Equation.3">
+                <p:oleObj spid="_x0000_s3430" name="公式" r:id="rId9" imgW="228600" imgH="228600" progId="Equation.3">
                   <p:embed/>
                 </p:oleObj>
               </mc:Choice>
@@ -23705,7 +24716,7 @@
           <a:graphicData uri="http://schemas.openxmlformats.org/presentationml/2006/ole">
             <mc:AlternateContent xmlns:mc="http://schemas.openxmlformats.org/markup-compatibility/2006">
               <mc:Choice xmlns:v="urn:schemas-microsoft-com:vml" Requires="v">
-                <p:oleObj spid="_x0000_s3340" name="公式" r:id="rId11" imgW="1002960" imgH="241200" progId="Equation.3">
+                <p:oleObj spid="_x0000_s3431" name="公式" r:id="rId11" imgW="1002960" imgH="241200" progId="Equation.3">
                   <p:embed/>
                 </p:oleObj>
               </mc:Choice>
@@ -23762,7 +24773,7 @@
           <a:graphicData uri="http://schemas.openxmlformats.org/presentationml/2006/ole">
             <mc:AlternateContent xmlns:mc="http://schemas.openxmlformats.org/markup-compatibility/2006">
               <mc:Choice xmlns:v="urn:schemas-microsoft-com:vml" Requires="v">
-                <p:oleObj spid="_x0000_s3341" name="公式" r:id="rId13" imgW="1002960" imgH="241200" progId="Equation.3">
+                <p:oleObj spid="_x0000_s3432" name="公式" r:id="rId13" imgW="1002960" imgH="241200" progId="Equation.3">
                   <p:embed/>
                 </p:oleObj>
               </mc:Choice>
@@ -23819,7 +24830,7 @@
           <a:graphicData uri="http://schemas.openxmlformats.org/presentationml/2006/ole">
             <mc:AlternateContent xmlns:mc="http://schemas.openxmlformats.org/markup-compatibility/2006">
               <mc:Choice xmlns:v="urn:schemas-microsoft-com:vml" Requires="v">
-                <p:oleObj spid="_x0000_s3342" name="公式" r:id="rId15" imgW="1079280" imgH="469800" progId="Equation.3">
+                <p:oleObj spid="_x0000_s3433" name="公式" r:id="rId15" imgW="1079280" imgH="469800" progId="Equation.3">
                   <p:embed/>
                 </p:oleObj>
               </mc:Choice>
@@ -23876,7 +24887,7 @@
           <a:graphicData uri="http://schemas.openxmlformats.org/presentationml/2006/ole">
             <mc:AlternateContent xmlns:mc="http://schemas.openxmlformats.org/markup-compatibility/2006">
               <mc:Choice xmlns:v="urn:schemas-microsoft-com:vml" Requires="v">
-                <p:oleObj spid="_x0000_s3343" name="公式" r:id="rId17" imgW="685800" imgH="469800" progId="Equation.3">
+                <p:oleObj spid="_x0000_s3434" name="公式" r:id="rId17" imgW="685800" imgH="469800" progId="Equation.3">
                   <p:embed/>
                 </p:oleObj>
               </mc:Choice>
@@ -23933,7 +24944,7 @@
           <a:graphicData uri="http://schemas.openxmlformats.org/presentationml/2006/ole">
             <mc:AlternateContent xmlns:mc="http://schemas.openxmlformats.org/markup-compatibility/2006">
               <mc:Choice xmlns:v="urn:schemas-microsoft-com:vml" Requires="v">
-                <p:oleObj spid="_x0000_s3344" name="公式" r:id="rId19" imgW="1625400" imgH="419040" progId="Equation.3">
+                <p:oleObj spid="_x0000_s3435" name="公式" r:id="rId19" imgW="1625400" imgH="419040" progId="Equation.3">
                   <p:embed/>
                 </p:oleObj>
               </mc:Choice>
@@ -23990,7 +25001,7 @@
           <a:graphicData uri="http://schemas.openxmlformats.org/presentationml/2006/ole">
             <mc:AlternateContent xmlns:mc="http://schemas.openxmlformats.org/markup-compatibility/2006">
               <mc:Choice xmlns:v="urn:schemas-microsoft-com:vml" Requires="v">
-                <p:oleObj spid="_x0000_s3345" name="公式" r:id="rId21" imgW="1968480" imgH="419040" progId="Equation.3">
+                <p:oleObj spid="_x0000_s3436" name="公式" r:id="rId21" imgW="1968480" imgH="419040" progId="Equation.3">
                   <p:embed/>
                 </p:oleObj>
               </mc:Choice>
@@ -24047,7 +25058,7 @@
           <a:graphicData uri="http://schemas.openxmlformats.org/presentationml/2006/ole">
             <mc:AlternateContent xmlns:mc="http://schemas.openxmlformats.org/markup-compatibility/2006">
               <mc:Choice xmlns:v="urn:schemas-microsoft-com:vml" Requires="v">
-                <p:oleObj spid="_x0000_s3346" name="公式" r:id="rId23" imgW="2590560" imgH="977760" progId="Equation.3">
+                <p:oleObj spid="_x0000_s3437" name="公式" r:id="rId23" imgW="2590560" imgH="977760" progId="Equation.3">
                   <p:embed/>
                 </p:oleObj>
               </mc:Choice>
@@ -24104,7 +25115,7 @@
           <a:graphicData uri="http://schemas.openxmlformats.org/presentationml/2006/ole">
             <mc:AlternateContent xmlns:mc="http://schemas.openxmlformats.org/markup-compatibility/2006">
               <mc:Choice xmlns:v="urn:schemas-microsoft-com:vml" Requires="v">
-                <p:oleObj spid="_x0000_s3347" name="公式" r:id="rId25" imgW="672840" imgH="241200" progId="Equation.3">
+                <p:oleObj spid="_x0000_s3438" name="公式" r:id="rId25" imgW="672840" imgH="241200" progId="Equation.3">
                   <p:embed/>
                 </p:oleObj>
               </mc:Choice>
@@ -24161,7 +25172,7 @@
           <a:graphicData uri="http://schemas.openxmlformats.org/presentationml/2006/ole">
             <mc:AlternateContent xmlns:mc="http://schemas.openxmlformats.org/markup-compatibility/2006">
               <mc:Choice xmlns:v="urn:schemas-microsoft-com:vml" Requires="v">
-                <p:oleObj spid="_x0000_s3348" name="公式" r:id="rId27" imgW="672840" imgH="241200" progId="Equation.3">
+                <p:oleObj spid="_x0000_s3439" name="公式" r:id="rId27" imgW="672840" imgH="241200" progId="Equation.3">
                   <p:embed/>
                 </p:oleObj>
               </mc:Choice>
